--- a/Summit2017_Mocking.pptx
+++ b/Summit2017_Mocking.pptx
@@ -5,10 +5,10 @@
     <p:sldMasterId id="2147483648" r:id="rId4"/>
   </p:sldMasterIdLst>
   <p:notesMasterIdLst>
-    <p:notesMasterId r:id="rId20"/>
+    <p:notesMasterId r:id="rId22"/>
   </p:notesMasterIdLst>
   <p:handoutMasterIdLst>
-    <p:handoutMasterId r:id="rId21"/>
+    <p:handoutMasterId r:id="rId23"/>
   </p:handoutMasterIdLst>
   <p:sldIdLst>
     <p:sldId id="422" r:id="rId5"/>
@@ -18,14 +18,16 @@
     <p:sldId id="424" r:id="rId9"/>
     <p:sldId id="425" r:id="rId10"/>
     <p:sldId id="408" r:id="rId11"/>
-    <p:sldId id="402" r:id="rId12"/>
-    <p:sldId id="416" r:id="rId13"/>
-    <p:sldId id="417" r:id="rId14"/>
-    <p:sldId id="418" r:id="rId15"/>
-    <p:sldId id="419" r:id="rId16"/>
-    <p:sldId id="420" r:id="rId17"/>
-    <p:sldId id="409" r:id="rId18"/>
-    <p:sldId id="421" r:id="rId19"/>
+    <p:sldId id="426" r:id="rId12"/>
+    <p:sldId id="427" r:id="rId13"/>
+    <p:sldId id="402" r:id="rId14"/>
+    <p:sldId id="416" r:id="rId15"/>
+    <p:sldId id="417" r:id="rId16"/>
+    <p:sldId id="418" r:id="rId17"/>
+    <p:sldId id="419" r:id="rId18"/>
+    <p:sldId id="420" r:id="rId19"/>
+    <p:sldId id="409" r:id="rId20"/>
+    <p:sldId id="421" r:id="rId21"/>
   </p:sldIdLst>
   <p:sldSz cx="9144000" cy="5143500" type="screen16x9"/>
   <p:notesSz cx="6858000" cy="9144000"/>
@@ -1026,7 +1028,7 @@
                 <a:ea typeface="+mn-ea"/>
                 <a:cs typeface="+mn-cs"/>
               </a:rPr>
-              <a:t>After 1965 Ford built a dynamometer laboratory to automate the testing of the engines as closely as possible to on-course conditions.</a:t>
+              <a:t>After the 1965 season Ford built a dynamometer laboratory to automate the testing of the engines as closely as possible to on-course conditions.</a:t>
             </a:r>
           </a:p>
           <a:p>
@@ -1127,15 +1129,18 @@
               <a:buFont typeface="Arial" panose="020B0604020202020204" pitchFamily="34" charset="0"/>
               <a:buChar char="•"/>
             </a:pPr>
-            <a:endParaRPr lang="en-US" sz="1000" b="0" i="0" kern="1200" dirty="0">
-              <a:solidFill>
-                <a:schemeClr val="tx1"/>
-              </a:solidFill>
-              <a:effectLst/>
-              <a:latin typeface="+mn-lt"/>
-              <a:ea typeface="+mn-ea"/>
-              <a:cs typeface="+mn-cs"/>
-            </a:endParaRPr>
+            <a:r>
+              <a:rPr lang="en-US" sz="1000" b="0" i="0" kern="1200" dirty="0">
+                <a:solidFill>
+                  <a:schemeClr val="tx1"/>
+                </a:solidFill>
+                <a:effectLst/>
+                <a:latin typeface="+mn-lt"/>
+                <a:ea typeface="+mn-ea"/>
+                <a:cs typeface="+mn-cs"/>
+              </a:rPr>
+              <a:t>That’s a big win for automated testing</a:t>
+            </a:r>
           </a:p>
         </p:txBody>
       </p:sp>
@@ -1167,6 +1172,391 @@
     <p:extLst>
       <p:ext uri="{BB962C8B-B14F-4D97-AF65-F5344CB8AC3E}">
         <p14:creationId xmlns:p14="http://schemas.microsoft.com/office/powerpoint/2010/main" val="2577835155"/>
+      </p:ext>
+    </p:extLst>
+  </p:cSld>
+  <p:clrMapOvr>
+    <a:masterClrMapping/>
+  </p:clrMapOvr>
+</p:notes>
+</file>
+
+<file path=ppt/notesSlides/notesSlide5.xml><?xml version="1.0" encoding="utf-8"?>
+<p:notes xmlns:a="http://schemas.openxmlformats.org/drawingml/2006/main" xmlns:r="http://schemas.openxmlformats.org/officeDocument/2006/relationships" xmlns:p="http://schemas.openxmlformats.org/presentationml/2006/main">
+  <p:cSld>
+    <p:spTree>
+      <p:nvGrpSpPr>
+        <p:cNvPr id="1" name=""/>
+        <p:cNvGrpSpPr/>
+        <p:nvPr/>
+      </p:nvGrpSpPr>
+      <p:grpSpPr>
+        <a:xfrm>
+          <a:off x="0" y="0"/>
+          <a:ext cx="0" cy="0"/>
+          <a:chOff x="0" y="0"/>
+          <a:chExt cx="0" cy="0"/>
+        </a:xfrm>
+      </p:grpSpPr>
+      <p:sp>
+        <p:nvSpPr>
+          <p:cNvPr id="2" name="Slide Image Placeholder 1"/>
+          <p:cNvSpPr>
+            <a:spLocks noGrp="1" noRot="1" noChangeAspect="1"/>
+          </p:cNvSpPr>
+          <p:nvPr>
+            <p:ph type="sldImg"/>
+          </p:nvPr>
+        </p:nvSpPr>
+        <p:spPr/>
+      </p:sp>
+      <p:sp>
+        <p:nvSpPr>
+          <p:cNvPr id="3" name="Notes Placeholder 2"/>
+          <p:cNvSpPr>
+            <a:spLocks noGrp="1"/>
+          </p:cNvSpPr>
+          <p:nvPr>
+            <p:ph type="body" idx="1"/>
+          </p:nvPr>
+        </p:nvSpPr>
+        <p:spPr/>
+        <p:txBody>
+          <a:bodyPr/>
+          <a:lstStyle/>
+          <a:p>
+            <a:pPr marL="171450" indent="-171450">
+              <a:buFont typeface="Arial" panose="020B0604020202020204" pitchFamily="34" charset="0"/>
+              <a:buChar char="•"/>
+            </a:pPr>
+            <a:r>
+              <a:rPr lang="en-US" sz="1000" b="0" i="0" kern="1200" dirty="0">
+                <a:solidFill>
+                  <a:schemeClr val="tx1"/>
+                </a:solidFill>
+                <a:effectLst/>
+                <a:latin typeface="+mn-lt"/>
+                <a:ea typeface="+mn-ea"/>
+                <a:cs typeface="+mn-cs"/>
+              </a:rPr>
+              <a:t>We use the term </a:t>
+            </a:r>
+            <a:r>
+              <a:rPr lang="en-US" sz="1000" b="1" i="0" kern="1200" dirty="0">
+                <a:solidFill>
+                  <a:schemeClr val="tx1"/>
+                </a:solidFill>
+                <a:effectLst/>
+                <a:latin typeface="+mn-lt"/>
+                <a:ea typeface="+mn-ea"/>
+                <a:cs typeface="+mn-cs"/>
+              </a:rPr>
+              <a:t>Mock</a:t>
+            </a:r>
+            <a:r>
+              <a:rPr lang="en-US" sz="1000" b="0" i="0" kern="1200" dirty="0">
+                <a:solidFill>
+                  <a:schemeClr val="tx1"/>
+                </a:solidFill>
+                <a:effectLst/>
+                <a:latin typeface="+mn-lt"/>
+                <a:ea typeface="+mn-ea"/>
+                <a:cs typeface="+mn-cs"/>
+              </a:rPr>
+              <a:t> we are most likely meant Test Double</a:t>
+            </a:r>
+          </a:p>
+          <a:p>
+            <a:pPr marL="171450" indent="-171450">
+              <a:buFont typeface="Arial" panose="020B0604020202020204" pitchFamily="34" charset="0"/>
+              <a:buChar char="•"/>
+            </a:pPr>
+            <a:r>
+              <a:rPr lang="en-US" sz="1000" b="0" i="0" kern="1200" dirty="0">
+                <a:solidFill>
+                  <a:schemeClr val="tx1"/>
+                </a:solidFill>
+                <a:effectLst/>
+                <a:latin typeface="+mn-lt"/>
+                <a:ea typeface="+mn-ea"/>
+                <a:cs typeface="+mn-cs"/>
+              </a:rPr>
+              <a:t>It’s probably not super important that you know these by heart, but understand that you use different Test Doubles for the different types of verification</a:t>
+            </a:r>
+          </a:p>
+          <a:p>
+            <a:pPr marL="171450" indent="-171450">
+              <a:buFont typeface="Arial" panose="020B0604020202020204" pitchFamily="34" charset="0"/>
+              <a:buChar char="•"/>
+            </a:pPr>
+            <a:r>
+              <a:rPr lang="en-US" sz="1000" b="0" i="0" kern="1200" dirty="0">
+                <a:solidFill>
+                  <a:schemeClr val="tx1"/>
+                </a:solidFill>
+                <a:effectLst/>
+                <a:latin typeface="+mn-lt"/>
+                <a:ea typeface="+mn-ea"/>
+                <a:cs typeface="+mn-cs"/>
+              </a:rPr>
+              <a:t>When you are verifying the state, was your state affected by a Stub?</a:t>
+            </a:r>
+          </a:p>
+          <a:p>
+            <a:pPr marL="171450" indent="-171450">
+              <a:buFont typeface="Arial" panose="020B0604020202020204" pitchFamily="34" charset="0"/>
+              <a:buChar char="•"/>
+            </a:pPr>
+            <a:r>
+              <a:rPr lang="en-US" sz="1000" b="0" i="0" kern="1200" dirty="0">
+                <a:solidFill>
+                  <a:schemeClr val="tx1"/>
+                </a:solidFill>
+                <a:effectLst/>
+                <a:latin typeface="+mn-lt"/>
+                <a:ea typeface="+mn-ea"/>
+                <a:cs typeface="+mn-cs"/>
+              </a:rPr>
+              <a:t>When you are verifying behavior</a:t>
+            </a:r>
+            <a:endParaRPr lang="en-US" dirty="0"/>
+          </a:p>
+        </p:txBody>
+      </p:sp>
+      <p:sp>
+        <p:nvSpPr>
+          <p:cNvPr id="4" name="Slide Number Placeholder 3"/>
+          <p:cNvSpPr>
+            <a:spLocks noGrp="1"/>
+          </p:cNvSpPr>
+          <p:nvPr>
+            <p:ph type="sldNum" sz="quarter" idx="10"/>
+          </p:nvPr>
+        </p:nvSpPr>
+        <p:spPr/>
+        <p:txBody>
+          <a:bodyPr/>
+          <a:lstStyle/>
+          <a:p>
+            <a:fld id="{580C3CF9-2088-4345-84DE-A0500A36AC73}" type="slidenum">
+              <a:rPr lang="en-US" smtClean="0"/>
+              <a:pPr/>
+              <a:t>7</a:t>
+            </a:fld>
+            <a:endParaRPr lang="en-US"/>
+          </a:p>
+        </p:txBody>
+      </p:sp>
+    </p:spTree>
+    <p:extLst>
+      <p:ext uri="{BB962C8B-B14F-4D97-AF65-F5344CB8AC3E}">
+        <p14:creationId xmlns:p14="http://schemas.microsoft.com/office/powerpoint/2010/main" val="1630166121"/>
+      </p:ext>
+    </p:extLst>
+  </p:cSld>
+  <p:clrMapOvr>
+    <a:masterClrMapping/>
+  </p:clrMapOvr>
+</p:notes>
+</file>
+
+<file path=ppt/notesSlides/notesSlide6.xml><?xml version="1.0" encoding="utf-8"?>
+<p:notes xmlns:a="http://schemas.openxmlformats.org/drawingml/2006/main" xmlns:r="http://schemas.openxmlformats.org/officeDocument/2006/relationships" xmlns:p="http://schemas.openxmlformats.org/presentationml/2006/main">
+  <p:cSld>
+    <p:spTree>
+      <p:nvGrpSpPr>
+        <p:cNvPr id="1" name=""/>
+        <p:cNvGrpSpPr/>
+        <p:nvPr/>
+      </p:nvGrpSpPr>
+      <p:grpSpPr>
+        <a:xfrm>
+          <a:off x="0" y="0"/>
+          <a:ext cx="0" cy="0"/>
+          <a:chOff x="0" y="0"/>
+          <a:chExt cx="0" cy="0"/>
+        </a:xfrm>
+      </p:grpSpPr>
+      <p:sp>
+        <p:nvSpPr>
+          <p:cNvPr id="2" name="Slide Image Placeholder 1"/>
+          <p:cNvSpPr>
+            <a:spLocks noGrp="1" noRot="1" noChangeAspect="1"/>
+          </p:cNvSpPr>
+          <p:nvPr>
+            <p:ph type="sldImg"/>
+          </p:nvPr>
+        </p:nvSpPr>
+        <p:spPr/>
+      </p:sp>
+      <p:sp>
+        <p:nvSpPr>
+          <p:cNvPr id="3" name="Notes Placeholder 2"/>
+          <p:cNvSpPr>
+            <a:spLocks noGrp="1"/>
+          </p:cNvSpPr>
+          <p:nvPr>
+            <p:ph type="body" idx="1"/>
+          </p:nvPr>
+        </p:nvSpPr>
+        <p:spPr/>
+        <p:txBody>
+          <a:bodyPr/>
+          <a:lstStyle/>
+          <a:p>
+            <a:pPr marL="171450" indent="-171450">
+              <a:buFont typeface="Arial" panose="020B0604020202020204" pitchFamily="34" charset="0"/>
+              <a:buChar char="•"/>
+            </a:pPr>
+            <a:r>
+              <a:rPr lang="en-US" dirty="0"/>
+              <a:t>code C:\Source\TMGit\chris.hunt\pssummit2017-mocking\Demo1-MockvsSt ub.ps1</a:t>
+            </a:r>
+          </a:p>
+          <a:p>
+            <a:pPr marL="171450" indent="-171450">
+              <a:buFont typeface="Arial" panose="020B0604020202020204" pitchFamily="34" charset="0"/>
+              <a:buChar char="•"/>
+            </a:pPr>
+            <a:r>
+              <a:rPr lang="en-US" dirty="0"/>
+              <a:t>invoke-pester .\Demo1-MockvsStub.ps1</a:t>
+            </a:r>
+            <a:endParaRPr lang="en-US" dirty="0"/>
+          </a:p>
+        </p:txBody>
+      </p:sp>
+      <p:sp>
+        <p:nvSpPr>
+          <p:cNvPr id="4" name="Slide Number Placeholder 3"/>
+          <p:cNvSpPr>
+            <a:spLocks noGrp="1"/>
+          </p:cNvSpPr>
+          <p:nvPr>
+            <p:ph type="sldNum" sz="quarter" idx="10"/>
+          </p:nvPr>
+        </p:nvSpPr>
+        <p:spPr/>
+        <p:txBody>
+          <a:bodyPr/>
+          <a:lstStyle/>
+          <a:p>
+            <a:fld id="{580C3CF9-2088-4345-84DE-A0500A36AC73}" type="slidenum">
+              <a:rPr lang="en-US" smtClean="0"/>
+              <a:pPr/>
+              <a:t>8</a:t>
+            </a:fld>
+            <a:endParaRPr lang="en-US"/>
+          </a:p>
+        </p:txBody>
+      </p:sp>
+    </p:spTree>
+    <p:extLst>
+      <p:ext uri="{BB962C8B-B14F-4D97-AF65-F5344CB8AC3E}">
+        <p14:creationId xmlns:p14="http://schemas.microsoft.com/office/powerpoint/2010/main" val="3105298814"/>
+      </p:ext>
+    </p:extLst>
+  </p:cSld>
+  <p:clrMapOvr>
+    <a:masterClrMapping/>
+  </p:clrMapOvr>
+</p:notes>
+</file>
+
+<file path=ppt/notesSlides/notesSlide7.xml><?xml version="1.0" encoding="utf-8"?>
+<p:notes xmlns:a="http://schemas.openxmlformats.org/drawingml/2006/main" xmlns:r="http://schemas.openxmlformats.org/officeDocument/2006/relationships" xmlns:p="http://schemas.openxmlformats.org/presentationml/2006/main">
+  <p:cSld>
+    <p:spTree>
+      <p:nvGrpSpPr>
+        <p:cNvPr id="1" name=""/>
+        <p:cNvGrpSpPr/>
+        <p:nvPr/>
+      </p:nvGrpSpPr>
+      <p:grpSpPr>
+        <a:xfrm>
+          <a:off x="0" y="0"/>
+          <a:ext cx="0" cy="0"/>
+          <a:chOff x="0" y="0"/>
+          <a:chExt cx="0" cy="0"/>
+        </a:xfrm>
+      </p:grpSpPr>
+      <p:sp>
+        <p:nvSpPr>
+          <p:cNvPr id="2" name="Slide Image Placeholder 1"/>
+          <p:cNvSpPr>
+            <a:spLocks noGrp="1" noRot="1" noChangeAspect="1"/>
+          </p:cNvSpPr>
+          <p:nvPr>
+            <p:ph type="sldImg"/>
+          </p:nvPr>
+        </p:nvSpPr>
+        <p:spPr/>
+      </p:sp>
+      <p:sp>
+        <p:nvSpPr>
+          <p:cNvPr id="3" name="Notes Placeholder 2"/>
+          <p:cNvSpPr>
+            <a:spLocks noGrp="1"/>
+          </p:cNvSpPr>
+          <p:nvPr>
+            <p:ph type="body" idx="1"/>
+          </p:nvPr>
+        </p:nvSpPr>
+        <p:spPr/>
+        <p:txBody>
+          <a:bodyPr/>
+          <a:lstStyle/>
+          <a:p>
+            <a:pPr marL="171450" indent="-171450">
+              <a:buFont typeface="Arial" panose="020B0604020202020204" pitchFamily="34" charset="0"/>
+              <a:buChar char="•"/>
+            </a:pPr>
+            <a:r>
+              <a:rPr lang="en-US" dirty="0"/>
+              <a:t>code C:\Source\TMGit\chris.hunt\pssummit2017-mocking\Demo1-MockvsSt ub.ps1</a:t>
+            </a:r>
+          </a:p>
+          <a:p>
+            <a:pPr marL="171450" indent="-171450">
+              <a:buFont typeface="Arial" panose="020B0604020202020204" pitchFamily="34" charset="0"/>
+              <a:buChar char="•"/>
+            </a:pPr>
+            <a:r>
+              <a:rPr lang="en-US" dirty="0"/>
+              <a:t>invoke-pester .\Demo1-MockvsStub.ps1</a:t>
+            </a:r>
+            <a:endParaRPr lang="en-US" dirty="0"/>
+          </a:p>
+        </p:txBody>
+      </p:sp>
+      <p:sp>
+        <p:nvSpPr>
+          <p:cNvPr id="4" name="Slide Number Placeholder 3"/>
+          <p:cNvSpPr>
+            <a:spLocks noGrp="1"/>
+          </p:cNvSpPr>
+          <p:nvPr>
+            <p:ph type="sldNum" sz="quarter" idx="10"/>
+          </p:nvPr>
+        </p:nvSpPr>
+        <p:spPr/>
+        <p:txBody>
+          <a:bodyPr/>
+          <a:lstStyle/>
+          <a:p>
+            <a:fld id="{580C3CF9-2088-4345-84DE-A0500A36AC73}" type="slidenum">
+              <a:rPr lang="en-US" smtClean="0"/>
+              <a:pPr/>
+              <a:t>9</a:t>
+            </a:fld>
+            <a:endParaRPr lang="en-US"/>
+          </a:p>
+        </p:txBody>
+      </p:sp>
+    </p:spTree>
+    <p:extLst>
+      <p:ext uri="{BB962C8B-B14F-4D97-AF65-F5344CB8AC3E}">
+        <p14:creationId xmlns:p14="http://schemas.microsoft.com/office/powerpoint/2010/main" val="3229578436"/>
       </p:ext>
     </p:extLst>
   </p:cSld>
@@ -9759,28 +10149,63 @@
           </a:bodyPr>
           <a:lstStyle/>
           <a:p>
-            <a:pPr algn="l"/>
+            <a:pPr algn="l">
+              <a:lnSpc>
+                <a:spcPct val="100000"/>
+              </a:lnSpc>
+              <a:spcBef>
+                <a:spcPts val="600"/>
+              </a:spcBef>
+            </a:pPr>
             <a:r>
               <a:rPr lang="en-US" sz="2400" b="1" dirty="0"/>
               <a:t>Chris Hunt</a:t>
             </a:r>
           </a:p>
           <a:p>
-            <a:pPr algn="l"/>
-            <a:r>
-              <a:rPr lang="en-US" sz="2400" dirty="0"/>
+            <a:pPr algn="l">
+              <a:lnSpc>
+                <a:spcPct val="100000"/>
+              </a:lnSpc>
+              <a:spcBef>
+                <a:spcPts val="600"/>
+              </a:spcBef>
+            </a:pPr>
+            <a:r>
+              <a:rPr lang="en-US" sz="1800" dirty="0"/>
+              <a:t>Windows Platform Engineer @ Ticketmaster</a:t>
+            </a:r>
+          </a:p>
+          <a:p>
+            <a:pPr algn="l">
+              <a:lnSpc>
+                <a:spcPct val="100000"/>
+              </a:lnSpc>
+              <a:spcBef>
+                <a:spcPts val="600"/>
+              </a:spcBef>
+            </a:pPr>
+            <a:r>
+              <a:rPr lang="en-US" sz="1800" dirty="0"/>
               <a:t>@</a:t>
             </a:r>
             <a:r>
-              <a:rPr lang="en-US" sz="2400" dirty="0" err="1"/>
+              <a:rPr lang="en-US" sz="1800" dirty="0" err="1"/>
               <a:t>LogicalDiagram</a:t>
             </a:r>
-            <a:endParaRPr lang="en-US" sz="2400" dirty="0"/>
-          </a:p>
-          <a:p>
-            <a:pPr algn="l"/>
-            <a:r>
-              <a:rPr lang="en-US" sz="2400" dirty="0"/>
+            <a:endParaRPr lang="en-US" sz="1800" dirty="0"/>
+          </a:p>
+          <a:p>
+            <a:pPr algn="l">
+              <a:lnSpc>
+                <a:spcPct val="100000"/>
+              </a:lnSpc>
+              <a:spcBef>
+                <a:spcPts val="600"/>
+              </a:spcBef>
+            </a:pPr>
+            <a:r>
+              <a:rPr lang="en-US" sz="1800" dirty="0"/>
               <a:t>https://github.com/cdhunt</a:t>
             </a:r>
           </a:p>
@@ -9882,6 +10307,461 @@
                 <a:latin typeface="Interstate-Black"/>
                 <a:cs typeface="Interstate-Black"/>
               </a:rPr>
+              <a:t>Compute Provisioning</a:t>
+            </a:r>
+          </a:p>
+          <a:p>
+            <a:endParaRPr lang="en-US" dirty="0">
+              <a:latin typeface="Interstate-Black"/>
+              <a:cs typeface="Interstate-Black"/>
+            </a:endParaRPr>
+          </a:p>
+        </p:txBody>
+      </p:sp>
+      <p:sp>
+        <p:nvSpPr>
+          <p:cNvPr id="4" name="Content Placeholder 3"/>
+          <p:cNvSpPr>
+            <a:spLocks noGrp="1"/>
+          </p:cNvSpPr>
+          <p:nvPr>
+            <p:ph sz="quarter" idx="17"/>
+          </p:nvPr>
+        </p:nvSpPr>
+        <p:spPr>
+          <a:xfrm>
+            <a:off x="273051" y="4011513"/>
+            <a:ext cx="8550274" cy="770366"/>
+          </a:xfrm>
+        </p:spPr>
+        <p:txBody>
+          <a:bodyPr>
+            <a:noAutofit/>
+          </a:bodyPr>
+          <a:lstStyle/>
+          <a:p>
+            <a:r>
+              <a:rPr lang="en-US" sz="1200" dirty="0"/>
+              <a:t>One of the biggest decisions is determining how the compute for your application will be provisioned. Docker or server-less technologies are strongly preferred, and will work for most Windows applications, but not all. In cases where Docker containers are not suitable, it is recommended to use immutable EC2 instances, as this will provide a similar management experience as containers. Terraform(</a:t>
+            </a:r>
+            <a:r>
+              <a:rPr lang="en-US" sz="1200" dirty="0" err="1"/>
+              <a:t>er</a:t>
+            </a:r>
+            <a:r>
+              <a:rPr lang="en-US" sz="1200" dirty="0"/>
+              <a:t>) must be used for all options.</a:t>
+            </a:r>
+          </a:p>
+          <a:p>
+            <a:endParaRPr lang="en-US" sz="1200" dirty="0"/>
+          </a:p>
+        </p:txBody>
+      </p:sp>
+      <p:cxnSp>
+        <p:nvCxnSpPr>
+          <p:cNvPr id="6" name="Straight Connector 5"/>
+          <p:cNvCxnSpPr>
+            <a:stCxn id="3" idx="1"/>
+            <a:endCxn id="3" idx="3"/>
+          </p:cNvCxnSpPr>
+          <p:nvPr/>
+        </p:nvCxnSpPr>
+        <p:spPr>
+          <a:xfrm>
+            <a:off x="273051" y="641272"/>
+            <a:ext cx="8550274" cy="0"/>
+          </a:xfrm>
+          <a:prstGeom prst="line">
+            <a:avLst/>
+          </a:prstGeom>
+        </p:spPr>
+        <p:style>
+          <a:lnRef idx="2">
+            <a:schemeClr val="accent1"/>
+          </a:lnRef>
+          <a:fillRef idx="0">
+            <a:schemeClr val="accent1"/>
+          </a:fillRef>
+          <a:effectRef idx="1">
+            <a:schemeClr val="accent1"/>
+          </a:effectRef>
+          <a:fontRef idx="minor">
+            <a:schemeClr val="tx1"/>
+          </a:fontRef>
+        </p:style>
+      </p:cxnSp>
+      <p:pic>
+        <p:nvPicPr>
+          <p:cNvPr id="2" name="Picture 1"/>
+          <p:cNvPicPr>
+            <a:picLocks noChangeAspect="1"/>
+          </p:cNvPicPr>
+          <p:nvPr/>
+        </p:nvPicPr>
+        <p:blipFill>
+          <a:blip r:embed="rId2"/>
+          <a:stretch>
+            <a:fillRect/>
+          </a:stretch>
+        </p:blipFill>
+        <p:spPr>
+          <a:xfrm>
+            <a:off x="273051" y="793760"/>
+            <a:ext cx="8573478" cy="3049801"/>
+          </a:xfrm>
+          <a:prstGeom prst="rect">
+            <a:avLst/>
+          </a:prstGeom>
+        </p:spPr>
+      </p:pic>
+    </p:spTree>
+    <p:extLst>
+      <p:ext uri="{BB962C8B-B14F-4D97-AF65-F5344CB8AC3E}">
+        <p14:creationId xmlns:p14="http://schemas.microsoft.com/office/powerpoint/2010/main" val="2378701437"/>
+      </p:ext>
+    </p:extLst>
+  </p:cSld>
+  <p:clrMapOvr>
+    <a:masterClrMapping/>
+  </p:clrMapOvr>
+</p:sld>
+</file>
+
+<file path=ppt/slides/slide11.xml><?xml version="1.0" encoding="utf-8"?>
+<p:sld xmlns:a="http://schemas.openxmlformats.org/drawingml/2006/main" xmlns:r="http://schemas.openxmlformats.org/officeDocument/2006/relationships" xmlns:p="http://schemas.openxmlformats.org/presentationml/2006/main">
+  <p:cSld>
+    <p:spTree>
+      <p:nvGrpSpPr>
+        <p:cNvPr id="1" name=""/>
+        <p:cNvGrpSpPr/>
+        <p:nvPr/>
+      </p:nvGrpSpPr>
+      <p:grpSpPr>
+        <a:xfrm>
+          <a:off x="0" y="0"/>
+          <a:ext cx="0" cy="0"/>
+          <a:chOff x="0" y="0"/>
+          <a:chExt cx="0" cy="0"/>
+        </a:xfrm>
+      </p:grpSpPr>
+      <p:sp>
+        <p:nvSpPr>
+          <p:cNvPr id="3" name="Text Placeholder 2"/>
+          <p:cNvSpPr>
+            <a:spLocks noGrp="1"/>
+          </p:cNvSpPr>
+          <p:nvPr>
+            <p:ph type="body" sz="quarter" idx="15"/>
+          </p:nvPr>
+        </p:nvSpPr>
+        <p:spPr>
+          <a:effectLst>
+            <a:outerShdw blurRad="40005" dist="20320" dir="5400000" algn="ctr" rotWithShape="0">
+              <a:schemeClr val="bg2">
+                <a:alpha val="38000"/>
+              </a:schemeClr>
+            </a:outerShdw>
+          </a:effectLst>
+        </p:spPr>
+        <p:txBody>
+          <a:bodyPr/>
+          <a:lstStyle/>
+          <a:p>
+            <a:r>
+              <a:rPr lang="en-US" dirty="0">
+                <a:latin typeface="Interstate-Black"/>
+                <a:cs typeface="Interstate-Black"/>
+              </a:rPr>
+              <a:t>Web Gateways</a:t>
+            </a:r>
+          </a:p>
+          <a:p>
+            <a:endParaRPr lang="en-US" dirty="0">
+              <a:latin typeface="Interstate-Black"/>
+              <a:cs typeface="Interstate-Black"/>
+            </a:endParaRPr>
+          </a:p>
+        </p:txBody>
+      </p:sp>
+      <p:cxnSp>
+        <p:nvCxnSpPr>
+          <p:cNvPr id="6" name="Straight Connector 5"/>
+          <p:cNvCxnSpPr>
+            <a:stCxn id="3" idx="1"/>
+            <a:endCxn id="3" idx="3"/>
+          </p:cNvCxnSpPr>
+          <p:nvPr/>
+        </p:nvCxnSpPr>
+        <p:spPr>
+          <a:xfrm>
+            <a:off x="273051" y="641272"/>
+            <a:ext cx="8550274" cy="0"/>
+          </a:xfrm>
+          <a:prstGeom prst="line">
+            <a:avLst/>
+          </a:prstGeom>
+        </p:spPr>
+        <p:style>
+          <a:lnRef idx="2">
+            <a:schemeClr val="accent1"/>
+          </a:lnRef>
+          <a:fillRef idx="0">
+            <a:schemeClr val="accent1"/>
+          </a:fillRef>
+          <a:effectRef idx="1">
+            <a:schemeClr val="accent1"/>
+          </a:effectRef>
+          <a:fontRef idx="minor">
+            <a:schemeClr val="tx1"/>
+          </a:fontRef>
+        </p:style>
+      </p:cxnSp>
+      <p:sp>
+        <p:nvSpPr>
+          <p:cNvPr id="5" name="Content Placeholder 4"/>
+          <p:cNvSpPr>
+            <a:spLocks noGrp="1"/>
+          </p:cNvSpPr>
+          <p:nvPr>
+            <p:ph sz="quarter" idx="18"/>
+          </p:nvPr>
+        </p:nvSpPr>
+        <p:spPr>
+          <a:xfrm>
+            <a:off x="273051" y="1130561"/>
+            <a:ext cx="3886200" cy="3340292"/>
+          </a:xfrm>
+        </p:spPr>
+        <p:txBody>
+          <a:bodyPr>
+            <a:normAutofit/>
+          </a:bodyPr>
+          <a:lstStyle/>
+          <a:p>
+            <a:pPr algn="ctr"/>
+            <a:r>
+              <a:rPr lang="en-US" sz="1600" b="1" u="sng" dirty="0">
+                <a:solidFill>
+                  <a:schemeClr val="accent3"/>
+                </a:solidFill>
+              </a:rPr>
+              <a:t>Recommendations</a:t>
+            </a:r>
+          </a:p>
+          <a:p>
+            <a:pPr marL="285750" indent="-285750">
+              <a:buFont typeface="Arial" panose="020B0604020202020204" pitchFamily="34" charset="0"/>
+              <a:buChar char="•"/>
+            </a:pPr>
+            <a:r>
+              <a:rPr lang="en-US" dirty="0"/>
+              <a:t>Leverage Docker containers based on Windows Server 2016</a:t>
+            </a:r>
+          </a:p>
+          <a:p>
+            <a:pPr marL="285750" indent="-285750">
+              <a:buFont typeface="Arial" panose="020B0604020202020204" pitchFamily="34" charset="0"/>
+              <a:buChar char="•"/>
+            </a:pPr>
+            <a:r>
+              <a:rPr lang="en-US" dirty="0"/>
+              <a:t>Long term: consider migrating to .NET Core for ease of deployment, maturity and the ability to run cross-platform / use Nano Server</a:t>
+            </a:r>
+          </a:p>
+          <a:p>
+            <a:pPr marL="285750" indent="-285750">
+              <a:buFont typeface="Arial" panose="020B0604020202020204" pitchFamily="34" charset="0"/>
+              <a:buChar char="•"/>
+            </a:pPr>
+            <a:r>
+              <a:rPr lang="en-US" dirty="0"/>
+              <a:t>Use ELB (Elastic Load Balancer) for load balancing</a:t>
+            </a:r>
+          </a:p>
+          <a:p>
+            <a:pPr marL="285750" indent="-285750">
+              <a:buFont typeface="Arial" panose="020B0604020202020204" pitchFamily="34" charset="0"/>
+              <a:buChar char="•"/>
+            </a:pPr>
+            <a:r>
+              <a:rPr lang="en-US" dirty="0"/>
+              <a:t>Should be implemented as one or more auto-scaling group(s)</a:t>
+            </a:r>
+          </a:p>
+          <a:p>
+            <a:pPr marL="285750" indent="-285750">
+              <a:buFont typeface="Arial" panose="020B0604020202020204" pitchFamily="34" charset="0"/>
+              <a:buChar char="•"/>
+            </a:pPr>
+            <a:endParaRPr lang="en-US" dirty="0"/>
+          </a:p>
+          <a:p>
+            <a:pPr marL="285750" indent="-285750">
+              <a:buFont typeface="Arial" panose="020B0604020202020204" pitchFamily="34" charset="0"/>
+              <a:buChar char="•"/>
+            </a:pPr>
+            <a:endParaRPr lang="en-US" dirty="0"/>
+          </a:p>
+          <a:p>
+            <a:pPr marL="285750" indent="-285750">
+              <a:buFont typeface="Arial" panose="020B0604020202020204" pitchFamily="34" charset="0"/>
+              <a:buChar char="•"/>
+            </a:pPr>
+            <a:endParaRPr lang="en-US" dirty="0"/>
+          </a:p>
+        </p:txBody>
+      </p:sp>
+      <p:sp>
+        <p:nvSpPr>
+          <p:cNvPr id="7" name="Content Placeholder 6"/>
+          <p:cNvSpPr>
+            <a:spLocks noGrp="1"/>
+          </p:cNvSpPr>
+          <p:nvPr>
+            <p:ph sz="quarter" idx="17"/>
+          </p:nvPr>
+        </p:nvSpPr>
+        <p:spPr>
+          <a:xfrm>
+            <a:off x="4937125" y="1131957"/>
+            <a:ext cx="3886200" cy="3340292"/>
+          </a:xfrm>
+        </p:spPr>
+        <p:txBody>
+          <a:bodyPr>
+            <a:normAutofit/>
+          </a:bodyPr>
+          <a:lstStyle/>
+          <a:p>
+            <a:pPr algn="ctr"/>
+            <a:r>
+              <a:rPr lang="en-US" sz="1600" b="1" u="sng" dirty="0">
+                <a:solidFill>
+                  <a:schemeClr val="accent3"/>
+                </a:solidFill>
+              </a:rPr>
+              <a:t>Concerns</a:t>
+            </a:r>
+          </a:p>
+          <a:p>
+            <a:pPr marL="285750" indent="-285750">
+              <a:buFont typeface="Arial" panose="020B0604020202020204" pitchFamily="34" charset="0"/>
+              <a:buChar char="•"/>
+            </a:pPr>
+            <a:r>
+              <a:rPr lang="en-US" dirty="0"/>
+              <a:t>TMWS is currently a single point of failure, which needs to be addressed</a:t>
+            </a:r>
+          </a:p>
+          <a:p>
+            <a:pPr marL="285750" indent="-285750">
+              <a:buFont typeface="Arial" panose="020B0604020202020204" pitchFamily="34" charset="0"/>
+              <a:buChar char="•"/>
+            </a:pPr>
+            <a:r>
+              <a:rPr lang="en-US" dirty="0"/>
+              <a:t>Services requiring an IP address (vs. a DNS name) will add risk, complexity and cost</a:t>
+            </a:r>
+          </a:p>
+          <a:p>
+            <a:pPr algn="ctr"/>
+            <a:endParaRPr lang="en-US" sz="1600" b="1" u="sng" dirty="0">
+              <a:solidFill>
+                <a:schemeClr val="accent3"/>
+              </a:solidFill>
+            </a:endParaRPr>
+          </a:p>
+        </p:txBody>
+      </p:sp>
+      <p:cxnSp>
+        <p:nvCxnSpPr>
+          <p:cNvPr id="9" name="Straight Connector 8"/>
+          <p:cNvCxnSpPr/>
+          <p:nvPr/>
+        </p:nvCxnSpPr>
+        <p:spPr>
+          <a:xfrm>
+            <a:off x="4562669" y="1131957"/>
+            <a:ext cx="18662" cy="3673308"/>
+          </a:xfrm>
+          <a:prstGeom prst="line">
+            <a:avLst/>
+          </a:prstGeom>
+        </p:spPr>
+        <p:style>
+          <a:lnRef idx="2">
+            <a:schemeClr val="accent1"/>
+          </a:lnRef>
+          <a:fillRef idx="0">
+            <a:schemeClr val="accent1"/>
+          </a:fillRef>
+          <a:effectRef idx="1">
+            <a:schemeClr val="accent1"/>
+          </a:effectRef>
+          <a:fontRef idx="minor">
+            <a:schemeClr val="tx1"/>
+          </a:fontRef>
+        </p:style>
+      </p:cxnSp>
+    </p:spTree>
+    <p:extLst>
+      <p:ext uri="{BB962C8B-B14F-4D97-AF65-F5344CB8AC3E}">
+        <p14:creationId xmlns:p14="http://schemas.microsoft.com/office/powerpoint/2010/main" val="973501123"/>
+      </p:ext>
+    </p:extLst>
+  </p:cSld>
+  <p:clrMapOvr>
+    <a:masterClrMapping/>
+  </p:clrMapOvr>
+</p:sld>
+</file>
+
+<file path=ppt/slides/slide12.xml><?xml version="1.0" encoding="utf-8"?>
+<p:sld xmlns:a="http://schemas.openxmlformats.org/drawingml/2006/main" xmlns:r="http://schemas.openxmlformats.org/officeDocument/2006/relationships" xmlns:p="http://schemas.openxmlformats.org/presentationml/2006/main">
+  <p:cSld>
+    <p:spTree>
+      <p:nvGrpSpPr>
+        <p:cNvPr id="1" name=""/>
+        <p:cNvGrpSpPr/>
+        <p:nvPr/>
+      </p:nvGrpSpPr>
+      <p:grpSpPr>
+        <a:xfrm>
+          <a:off x="0" y="0"/>
+          <a:ext cx="0" cy="0"/>
+          <a:chOff x="0" y="0"/>
+          <a:chExt cx="0" cy="0"/>
+        </a:xfrm>
+      </p:grpSpPr>
+      <p:sp>
+        <p:nvSpPr>
+          <p:cNvPr id="3" name="Text Placeholder 2"/>
+          <p:cNvSpPr>
+            <a:spLocks noGrp="1"/>
+          </p:cNvSpPr>
+          <p:nvPr>
+            <p:ph type="body" sz="quarter" idx="15"/>
+          </p:nvPr>
+        </p:nvSpPr>
+        <p:spPr>
+          <a:effectLst>
+            <a:outerShdw blurRad="40005" dist="20320" dir="5400000" algn="ctr" rotWithShape="0">
+              <a:schemeClr val="bg2">
+                <a:alpha val="38000"/>
+              </a:schemeClr>
+            </a:outerShdw>
+          </a:effectLst>
+        </p:spPr>
+        <p:txBody>
+          <a:bodyPr/>
+          <a:lstStyle/>
+          <a:p>
+            <a:r>
+              <a:rPr lang="en-US" dirty="0">
+                <a:latin typeface="Interstate-Black"/>
+                <a:cs typeface="Interstate-Black"/>
+              </a:rPr>
               <a:t>Databases</a:t>
             </a:r>
           </a:p>
@@ -10190,7 +11070,7 @@
 </p:sld>
 </file>
 
-<file path=ppt/slides/slide11.xml><?xml version="1.0" encoding="utf-8"?>
+<file path=ppt/slides/slide13.xml><?xml version="1.0" encoding="utf-8"?>
 <p:sld xmlns:a="http://schemas.openxmlformats.org/drawingml/2006/main" xmlns:r="http://schemas.openxmlformats.org/officeDocument/2006/relationships" xmlns:p="http://schemas.openxmlformats.org/presentationml/2006/main">
   <p:cSld>
     <p:spTree>
@@ -10491,7 +11371,7 @@
 </p:sld>
 </file>
 
-<file path=ppt/slides/slide12.xml><?xml version="1.0" encoding="utf-8"?>
+<file path=ppt/slides/slide14.xml><?xml version="1.0" encoding="utf-8"?>
 <p:sld xmlns:a="http://schemas.openxmlformats.org/drawingml/2006/main" xmlns:r="http://schemas.openxmlformats.org/officeDocument/2006/relationships" xmlns:p="http://schemas.openxmlformats.org/presentationml/2006/main">
   <p:cSld>
     <p:spTree>
@@ -10838,7 +11718,7 @@
 </p:sld>
 </file>
 
-<file path=ppt/slides/slide13.xml><?xml version="1.0" encoding="utf-8"?>
+<file path=ppt/slides/slide15.xml><?xml version="1.0" encoding="utf-8"?>
 <p:sld xmlns:a="http://schemas.openxmlformats.org/drawingml/2006/main" xmlns:r="http://schemas.openxmlformats.org/officeDocument/2006/relationships" xmlns:p="http://schemas.openxmlformats.org/presentationml/2006/main">
   <p:cSld>
     <p:spTree>
@@ -11107,7 +11987,7 @@
 </p:sld>
 </file>
 
-<file path=ppt/slides/slide14.xml><?xml version="1.0" encoding="utf-8"?>
+<file path=ppt/slides/slide16.xml><?xml version="1.0" encoding="utf-8"?>
 <p:sld xmlns:a="http://schemas.openxmlformats.org/drawingml/2006/main" xmlns:r="http://schemas.openxmlformats.org/officeDocument/2006/relationships" xmlns:p="http://schemas.openxmlformats.org/presentationml/2006/main">
   <p:cSld>
     <p:spTree>
@@ -11274,7 +12154,7 @@
 </p:sld>
 </file>
 
-<file path=ppt/slides/slide15.xml><?xml version="1.0" encoding="utf-8"?>
+<file path=ppt/slides/slide17.xml><?xml version="1.0" encoding="utf-8"?>
 <p:sld xmlns:a="http://schemas.openxmlformats.org/drawingml/2006/main" xmlns:r="http://schemas.openxmlformats.org/officeDocument/2006/relationships" xmlns:p="http://schemas.openxmlformats.org/presentationml/2006/main">
   <p:cSld>
     <p:spTree>
@@ -12017,7 +12897,7 @@
                 <a:latin typeface="Interstate-Black"/>
                 <a:cs typeface="Interstate-Black"/>
               </a:rPr>
-              <a:t>1965</a:t>
+              <a:t>1964</a:t>
             </a:r>
           </a:p>
           <a:p>
@@ -12057,25 +12937,8 @@
                   <a:schemeClr val="tx1"/>
                 </a:solidFill>
               </a:rPr>
-              <a:t>Ford built a dynamometer laboratory to </a:t>
-            </a:r>
-            <a:r>
-              <a:rPr lang="en-US" sz="1800" dirty="0">
-                <a:solidFill>
-                  <a:schemeClr val="tx1"/>
-                </a:solidFill>
-              </a:rPr>
-              <a:t>automate</a:t>
-            </a:r>
-            <a:r>
-              <a:rPr lang="en-US" sz="1800" dirty="0">
-                <a:solidFill>
-                  <a:schemeClr val="tx1"/>
-                </a:solidFill>
-              </a:rPr>
-              <a:t> engine testing</a:t>
-            </a:r>
-            <a:endParaRPr lang="en-US" sz="1800" dirty="0"/>
+              <a:t>Despite setting a lap, record all three GT40s failed to finish and Ferrari won</a:t>
+            </a:r>
           </a:p>
         </p:txBody>
       </p:sp>
@@ -12312,9 +13175,45 @@
           </a:p>
         </p:txBody>
       </p:sp>
+      <p:sp>
+        <p:nvSpPr>
+          <p:cNvPr id="9" name="TextBox 8"/>
+          <p:cNvSpPr txBox="1"/>
+          <p:nvPr/>
+        </p:nvSpPr>
+        <p:spPr>
+          <a:xfrm>
+            <a:off x="5934467" y="4926963"/>
+            <a:ext cx="3209533" cy="246221"/>
+          </a:xfrm>
+          <a:prstGeom prst="rect">
+            <a:avLst/>
+          </a:prstGeom>
+          <a:noFill/>
+        </p:spPr>
+        <p:txBody>
+          <a:bodyPr wrap="none" rtlCol="0">
+            <a:spAutoFit/>
+          </a:bodyPr>
+          <a:lstStyle/>
+          <a:p>
+            <a:r>
+              <a:rPr lang="en-US" sz="1000" dirty="0">
+                <a:latin typeface="TM Sans"/>
+                <a:cs typeface="TM Sans"/>
+              </a:rPr>
+              <a:t>http://www.autosport.com/news/report.php/id/122477</a:t>
+            </a:r>
+            <a:endParaRPr lang="en-US" sz="1000" dirty="0">
+              <a:latin typeface="TM Sans"/>
+              <a:cs typeface="TM Sans"/>
+            </a:endParaRPr>
+          </a:p>
+        </p:txBody>
+      </p:sp>
       <p:pic>
         <p:nvPicPr>
-          <p:cNvPr id="5" name="Picture 4"/>
+          <p:cNvPr id="8" name="Picture 7"/>
           <p:cNvPicPr>
             <a:picLocks noChangeAspect="1"/>
           </p:cNvPicPr>
@@ -12328,50 +13227,14 @@
         </p:blipFill>
         <p:spPr>
           <a:xfrm>
-            <a:off x="2045835" y="1374250"/>
-            <a:ext cx="5004703" cy="3449081"/>
+            <a:off x="1811749" y="1282151"/>
+            <a:ext cx="5490080" cy="3660053"/>
           </a:xfrm>
           <a:prstGeom prst="rect">
             <a:avLst/>
           </a:prstGeom>
         </p:spPr>
       </p:pic>
-      <p:sp>
-        <p:nvSpPr>
-          <p:cNvPr id="9" name="TextBox 8"/>
-          <p:cNvSpPr txBox="1"/>
-          <p:nvPr/>
-        </p:nvSpPr>
-        <p:spPr>
-          <a:xfrm>
-            <a:off x="7301829" y="4942203"/>
-            <a:ext cx="1842171" cy="246221"/>
-          </a:xfrm>
-          <a:prstGeom prst="rect">
-            <a:avLst/>
-          </a:prstGeom>
-          <a:noFill/>
-        </p:spPr>
-        <p:txBody>
-          <a:bodyPr wrap="none" rtlCol="0">
-            <a:spAutoFit/>
-          </a:bodyPr>
-          <a:lstStyle/>
-          <a:p>
-            <a:r>
-              <a:rPr lang="en-US" sz="1000" dirty="0">
-                <a:latin typeface="TM Sans"/>
-                <a:cs typeface="TM Sans"/>
-              </a:rPr>
-              <a:t>https://youtu.be/NxP__UPj7L8</a:t>
-            </a:r>
-            <a:endParaRPr lang="en-US" sz="1000" dirty="0">
-              <a:latin typeface="TM Sans"/>
-              <a:cs typeface="TM Sans"/>
-            </a:endParaRPr>
-          </a:p>
-        </p:txBody>
-      </p:sp>
     </p:spTree>
     <p:extLst>
       <p:ext uri="{BB962C8B-B14F-4D97-AF65-F5344CB8AC3E}">
@@ -12464,7 +13327,7 @@
                   <a:schemeClr val="tx1"/>
                 </a:solidFill>
               </a:rPr>
-              <a:t>1965: Ford built a dynamometer laboratory to </a:t>
+              <a:t>Ford built a dynamometer laboratory to </a:t>
             </a:r>
             <a:r>
               <a:rPr lang="en-US" sz="1800" b="1" i="1" u="sng" dirty="0">
@@ -12730,7 +13593,7 @@
         </p:nvSpPr>
         <p:spPr>
           <a:xfrm>
-            <a:off x="5720317" y="561242"/>
+            <a:off x="5445997" y="528495"/>
             <a:ext cx="730102" cy="354419"/>
           </a:xfrm>
           <a:prstGeom prst="downArrow">
@@ -12767,67 +13630,63 @@
           </a:p>
         </p:txBody>
       </p:sp>
+      <p:sp>
+        <p:nvSpPr>
+          <p:cNvPr id="8" name="Rectangle 7"/>
+          <p:cNvSpPr/>
+          <p:nvPr/>
+        </p:nvSpPr>
+        <p:spPr>
+          <a:xfrm>
+            <a:off x="7574340" y="4928056"/>
+            <a:ext cx="1569660" cy="215444"/>
+          </a:xfrm>
+          <a:prstGeom prst="rect">
+            <a:avLst/>
+          </a:prstGeom>
+        </p:spPr>
+        <p:txBody>
+          <a:bodyPr wrap="none">
+            <a:spAutoFit/>
+          </a:bodyPr>
+          <a:lstStyle/>
+          <a:p>
+            <a:r>
+              <a:rPr lang="en-US" sz="800" dirty="0">
+                <a:latin typeface="TM Sans" panose="020B0502030402020204" pitchFamily="34" charset="0"/>
+              </a:rPr>
+              <a:t>https://youtu.be/NxP__UPj7L8</a:t>
+            </a:r>
+            <a:endParaRPr lang="en-US" sz="800" dirty="0">
+              <a:latin typeface="TM Sans" panose="020B0502030402020204" pitchFamily="34" charset="0"/>
+            </a:endParaRPr>
+          </a:p>
+        </p:txBody>
+      </p:sp>
       <p:pic>
         <p:nvPicPr>
-          <p:cNvPr id="7" name="NxP__UPj7L8">
-            <a:hlinkClick r:id="" action="ppaction://media"/>
-          </p:cNvPr>
+          <p:cNvPr id="11" name="Picture 10"/>
           <p:cNvPicPr>
-            <a:picLocks noRot="1" noChangeAspect="1"/>
+            <a:picLocks noChangeAspect="1"/>
           </p:cNvPicPr>
-          <p:nvPr>
-            <a:videoFile r:link="rId1"/>
-          </p:nvPr>
+          <p:nvPr/>
         </p:nvPicPr>
         <p:blipFill>
-          <a:blip r:embed="rId4"/>
+          <a:blip r:embed="rId3"/>
           <a:stretch>
             <a:fillRect/>
           </a:stretch>
         </p:blipFill>
         <p:spPr>
           <a:xfrm>
-            <a:off x="2436466" y="1556539"/>
-            <a:ext cx="4297487" cy="3223116"/>
+            <a:off x="2045835" y="1478975"/>
+            <a:ext cx="5004703" cy="3449081"/>
           </a:xfrm>
           <a:prstGeom prst="rect">
             <a:avLst/>
           </a:prstGeom>
         </p:spPr>
       </p:pic>
-      <p:sp>
-        <p:nvSpPr>
-          <p:cNvPr id="8" name="Rectangle 7"/>
-          <p:cNvSpPr/>
-          <p:nvPr/>
-        </p:nvSpPr>
-        <p:spPr>
-          <a:xfrm>
-            <a:off x="7574340" y="4928056"/>
-            <a:ext cx="1569660" cy="215444"/>
-          </a:xfrm>
-          <a:prstGeom prst="rect">
-            <a:avLst/>
-          </a:prstGeom>
-        </p:spPr>
-        <p:txBody>
-          <a:bodyPr wrap="none">
-            <a:spAutoFit/>
-          </a:bodyPr>
-          <a:lstStyle/>
-          <a:p>
-            <a:r>
-              <a:rPr lang="en-US" sz="800" dirty="0">
-                <a:latin typeface="TM Sans" panose="020B0502030402020204" pitchFamily="34" charset="0"/>
-              </a:rPr>
-              <a:t>https://youtu.be/NxP__UPj7L8</a:t>
-            </a:r>
-            <a:endParaRPr lang="en-US" sz="800" dirty="0">
-              <a:latin typeface="TM Sans" panose="020B0502030402020204" pitchFamily="34" charset="0"/>
-            </a:endParaRPr>
-          </a:p>
-        </p:txBody>
-      </p:sp>
     </p:spTree>
     <p:extLst>
       <p:ext uri="{BB962C8B-B14F-4D97-AF65-F5344CB8AC3E}">
@@ -12838,86 +13697,6 @@
   <p:clrMapOvr>
     <a:masterClrMapping/>
   </p:clrMapOvr>
-  <p:timing>
-    <p:tnLst>
-      <p:par>
-        <p:cTn id="1" dur="indefinite" restart="never" nodeType="tmRoot">
-          <p:childTnLst>
-            <p:seq concurrent="1" nextAc="seek">
-              <p:cTn id="2" restart="whenNotActive" fill="hold" evtFilter="cancelBubble" nodeType="interactiveSeq">
-                <p:stCondLst>
-                  <p:cond evt="onClick" delay="0">
-                    <p:tgtEl>
-                      <p:spTgt spid="7"/>
-                    </p:tgtEl>
-                  </p:cond>
-                </p:stCondLst>
-                <p:endSync evt="end" delay="0">
-                  <p:rtn val="all"/>
-                </p:endSync>
-                <p:childTnLst>
-                  <p:par>
-                    <p:cTn id="3" fill="hold">
-                      <p:stCondLst>
-                        <p:cond delay="0"/>
-                      </p:stCondLst>
-                      <p:childTnLst>
-                        <p:par>
-                          <p:cTn id="4" fill="hold">
-                            <p:stCondLst>
-                              <p:cond delay="0"/>
-                            </p:stCondLst>
-                            <p:childTnLst>
-                              <p:par>
-                                <p:cTn id="5" presetID="2" presetClass="mediacall" presetSubtype="0" fill="hold" nodeType="clickEffect">
-                                  <p:stCondLst>
-                                    <p:cond delay="0"/>
-                                  </p:stCondLst>
-                                  <p:childTnLst>
-                                    <p:cmd type="call" cmd="togglePause">
-                                      <p:cBhvr>
-                                        <p:cTn id="6" dur="1" fill="hold"/>
-                                        <p:tgtEl>
-                                          <p:spTgt spid="7"/>
-                                        </p:tgtEl>
-                                      </p:cBhvr>
-                                    </p:cmd>
-                                  </p:childTnLst>
-                                </p:cTn>
-                              </p:par>
-                            </p:childTnLst>
-                          </p:cTn>
-                        </p:par>
-                      </p:childTnLst>
-                    </p:cTn>
-                  </p:par>
-                </p:childTnLst>
-              </p:cTn>
-              <p:nextCondLst>
-                <p:cond evt="onClick" delay="0">
-                  <p:tgtEl>
-                    <p:spTgt spid="7"/>
-                  </p:tgtEl>
-                </p:cond>
-              </p:nextCondLst>
-            </p:seq>
-            <p:video>
-              <p:cMediaNode vol="80000">
-                <p:cTn id="7" fill="hold" display="0">
-                  <p:stCondLst>
-                    <p:cond delay="indefinite"/>
-                  </p:stCondLst>
-                </p:cTn>
-                <p:tgtEl>
-                  <p:spTgt spid="7"/>
-                </p:tgtEl>
-              </p:cMediaNode>
-            </p:video>
-          </p:childTnLst>
-        </p:cTn>
-      </p:par>
-    </p:tnLst>
-  </p:timing>
 </p:sld>
 </file>
 
@@ -13360,10 +14139,8 @@
                 <a:latin typeface="Interstate-Black"/>
                 <a:cs typeface="Interstate-Black"/>
               </a:rPr>
-              <a:t>Product vs. Platform Team Responsibilities</a:t>
-            </a:r>
-          </a:p>
-          <a:p>
+              <a:t>Let's start with the correct vocabulary</a:t>
+            </a:r>
             <a:endParaRPr lang="en-US" dirty="0">
               <a:latin typeface="Interstate-Black"/>
               <a:cs typeface="Interstate-Black"/>
@@ -13416,34 +14193,31 @@
         </p:nvSpPr>
         <p:spPr>
           <a:xfrm>
-            <a:off x="273051" y="1130561"/>
-            <a:ext cx="3886200" cy="3340292"/>
+            <a:off x="273050" y="1130561"/>
+            <a:ext cx="8474709" cy="3340292"/>
           </a:xfrm>
         </p:spPr>
         <p:txBody>
           <a:bodyPr>
-            <a:normAutofit/>
+            <a:normAutofit fontScale="92500"/>
           </a:bodyPr>
           <a:lstStyle/>
-          <a:p>
-            <a:pPr algn="ctr"/>
-            <a:r>
-              <a:rPr lang="en-US" sz="1600" b="1" u="sng" dirty="0">
-                <a:solidFill>
-                  <a:schemeClr val="accent3"/>
-                </a:solidFill>
-              </a:rPr>
-              <a:t>Product team responsibilities</a:t>
-            </a:r>
-          </a:p>
           <a:p>
             <a:pPr marL="285750" indent="-285750">
               <a:buFont typeface="Arial" panose="020B0604020202020204" pitchFamily="34" charset="0"/>
               <a:buChar char="•"/>
             </a:pPr>
             <a:r>
+              <a:rPr lang="en-US" b="1" dirty="0"/>
+              <a:t>M</a:t>
+            </a:r>
+            <a:r>
+              <a:rPr lang="en-US" b="1" dirty="0"/>
+              <a:t>ocks</a:t>
+            </a:r>
+            <a:r>
               <a:rPr lang="en-US" dirty="0"/>
-              <a:t>Determine AWS architecture and technologies</a:t>
+              <a:t> - Functions pre-programmed with expectations which form a specification of the calls they are expected to receive</a:t>
             </a:r>
           </a:p>
           <a:p>
@@ -13452,8 +14226,12 @@
               <a:buChar char="•"/>
             </a:pPr>
             <a:r>
+              <a:rPr lang="en-US" b="1" dirty="0"/>
+              <a:t>Stubs</a:t>
+            </a:r>
+            <a:r>
               <a:rPr lang="en-US" dirty="0"/>
-              <a:t>Modify application as needed to meet AWS requirements</a:t>
+              <a:t> - Provide static response to calls made during the test</a:t>
             </a:r>
           </a:p>
           <a:p>
@@ -13462,16 +14240,12 @@
               <a:buChar char="•"/>
             </a:pPr>
             <a:r>
+              <a:rPr lang="en-US" b="1" dirty="0"/>
+              <a:t>Fake Object - </a:t>
+            </a:r>
+            <a:r>
               <a:rPr lang="en-US" dirty="0"/>
-              <a:t>Create terraform(</a:t>
-            </a:r>
-            <a:r>
-              <a:rPr lang="en-US" dirty="0" err="1"/>
-              <a:t>er</a:t>
-            </a:r>
-            <a:r>
-              <a:rPr lang="en-US" dirty="0"/>
-              <a:t>) configurations to manage infrastructure assets</a:t>
+              <a:t>A working object, but takes some shortcuts. Example: Hard codes some properties instead of pulls them from an external source</a:t>
             </a:r>
           </a:p>
           <a:p>
@@ -13480,8 +14254,12 @@
               <a:buChar char="•"/>
             </a:pPr>
             <a:r>
+              <a:rPr lang="en-US" b="1" dirty="0"/>
+              <a:t>Dummy Object - </a:t>
+            </a:r>
+            <a:r>
               <a:rPr lang="en-US" dirty="0"/>
-              <a:t>Leverage build pipeline (or create one) to deploy infrastructure and application to AWS</a:t>
+              <a:t>An object that is passed around but never used</a:t>
             </a:r>
           </a:p>
           <a:p>
@@ -13490,8 +14268,12 @@
               <a:buChar char="•"/>
             </a:pPr>
             <a:r>
+              <a:rPr lang="en-US" b="1" dirty="0"/>
+              <a:t>Test Double -</a:t>
+            </a:r>
+            <a:r>
               <a:rPr lang="en-US" dirty="0"/>
-              <a:t>Manage monitoring and alerting</a:t>
+              <a:t> Any kind of pretend object used in place of a real object for testing purposes. All of the above</a:t>
             </a:r>
           </a:p>
           <a:p>
@@ -13500,8 +14282,63 @@
               <a:buChar char="•"/>
             </a:pPr>
             <a:r>
+              <a:rPr lang="en-US" b="1" dirty="0"/>
+              <a:t>System Under Test</a:t>
+            </a:r>
+            <a:r>
               <a:rPr lang="en-US" dirty="0"/>
-              <a:t>Manage the lifecycle of infrastructure assets and the application</a:t>
+              <a:t> or rather the abbreviation SUT</a:t>
+            </a:r>
+          </a:p>
+          <a:p>
+            <a:pPr marL="285750" indent="-285750">
+              <a:buFont typeface="Arial" panose="020B0604020202020204" pitchFamily="34" charset="0"/>
+              <a:buChar char="•"/>
+            </a:pPr>
+            <a:r>
+              <a:rPr lang="en-US" b="1" dirty="0"/>
+              <a:t>Behavior Verification</a:t>
+            </a:r>
+            <a:r>
+              <a:rPr lang="en-US" dirty="0"/>
+              <a:t> - Check to see if the system made the correct calls</a:t>
+            </a:r>
+          </a:p>
+          <a:p>
+            <a:pPr marL="285750" indent="-285750">
+              <a:buFont typeface="Arial" panose="020B0604020202020204" pitchFamily="34" charset="0"/>
+              <a:buChar char="•"/>
+            </a:pPr>
+            <a:r>
+              <a:rPr lang="en-US" b="1" dirty="0"/>
+              <a:t>State Verification</a:t>
+            </a:r>
+            <a:r>
+              <a:rPr lang="en-US" dirty="0"/>
+              <a:t> - Determine whether the exercised method worked correctly by examining the state of the SUT and its collaborators after the method was exercised</a:t>
+            </a:r>
+          </a:p>
+          <a:p>
+            <a:pPr algn="r"/>
+            <a:r>
+              <a:rPr lang="en-US" dirty="0"/>
+              <a:t>As defined by Gerard </a:t>
+            </a:r>
+            <a:r>
+              <a:rPr lang="en-US" dirty="0" err="1"/>
+              <a:t>Meszaros</a:t>
+            </a:r>
+            <a:r>
+              <a:rPr lang="en-US" dirty="0"/>
+              <a:t> in </a:t>
+            </a:r>
+            <a:r>
+              <a:rPr lang="en-US" i="1" dirty="0" err="1"/>
+              <a:t>xUnit</a:t>
+            </a:r>
+            <a:r>
+              <a:rPr lang="en-US" i="1" dirty="0"/>
+              <a:t>: Testing Patterns</a:t>
             </a:r>
           </a:p>
           <a:p>
@@ -13511,145 +14348,8 @@
             </a:pPr>
             <a:endParaRPr lang="en-US" dirty="0"/>
           </a:p>
-          <a:p>
-            <a:pPr marL="285750" indent="-285750">
-              <a:buFont typeface="Arial" panose="020B0604020202020204" pitchFamily="34" charset="0"/>
-              <a:buChar char="•"/>
-            </a:pPr>
-            <a:endParaRPr lang="en-US" dirty="0"/>
-          </a:p>
-        </p:txBody>
-      </p:sp>
-      <p:sp>
-        <p:nvSpPr>
-          <p:cNvPr id="7" name="Content Placeholder 6"/>
-          <p:cNvSpPr>
-            <a:spLocks noGrp="1"/>
-          </p:cNvSpPr>
-          <p:nvPr>
-            <p:ph sz="quarter" idx="17"/>
-          </p:nvPr>
-        </p:nvSpPr>
-        <p:spPr>
-          <a:xfrm>
-            <a:off x="4937125" y="1131957"/>
-            <a:ext cx="3886200" cy="3340292"/>
-          </a:xfrm>
-        </p:spPr>
-        <p:txBody>
-          <a:bodyPr>
-            <a:normAutofit/>
-          </a:bodyPr>
-          <a:lstStyle/>
-          <a:p>
-            <a:pPr algn="ctr"/>
-            <a:r>
-              <a:rPr lang="en-US" sz="1600" b="1" u="sng" dirty="0">
-                <a:solidFill>
-                  <a:schemeClr val="accent3"/>
-                </a:solidFill>
-              </a:rPr>
-              <a:t>Platform team responsibilities</a:t>
-            </a:r>
-          </a:p>
-          <a:p>
-            <a:pPr marL="285750" indent="-285750">
-              <a:buFont typeface="Arial" panose="020B0604020202020204" pitchFamily="34" charset="0"/>
-              <a:buChar char="•"/>
-            </a:pPr>
-            <a:r>
-              <a:rPr lang="en-US" dirty="0"/>
-              <a:t>Provide guidance and assistance in choosing AWS technologies</a:t>
-            </a:r>
-          </a:p>
-          <a:p>
-            <a:pPr marL="285750" indent="-285750">
-              <a:buFont typeface="Arial" panose="020B0604020202020204" pitchFamily="34" charset="0"/>
-              <a:buChar char="•"/>
-            </a:pPr>
-            <a:r>
-              <a:rPr lang="en-US" dirty="0"/>
-              <a:t>Provide recommendations for application best practices within AWS</a:t>
-            </a:r>
-          </a:p>
-          <a:p>
-            <a:pPr marL="285750" indent="-285750">
-              <a:buFont typeface="Arial" panose="020B0604020202020204" pitchFamily="34" charset="0"/>
-              <a:buChar char="•"/>
-            </a:pPr>
-            <a:r>
-              <a:rPr lang="en-US" dirty="0"/>
-              <a:t>Provide beginner resources for terraform(</a:t>
-            </a:r>
-            <a:r>
-              <a:rPr lang="en-US" dirty="0" err="1"/>
-              <a:t>er</a:t>
-            </a:r>
-            <a:r>
-              <a:rPr lang="en-US" dirty="0"/>
-              <a:t>) and consult as needed</a:t>
-            </a:r>
-          </a:p>
-          <a:p>
-            <a:pPr marL="285750" indent="-285750">
-              <a:buFont typeface="Arial" panose="020B0604020202020204" pitchFamily="34" charset="0"/>
-              <a:buChar char="•"/>
-            </a:pPr>
-            <a:r>
-              <a:rPr lang="en-US" dirty="0"/>
-              <a:t>Create a build pipeline to manage AWS AMI and Docker image assets</a:t>
-            </a:r>
-          </a:p>
-          <a:p>
-            <a:pPr marL="285750" indent="-285750">
-              <a:buFont typeface="Arial" panose="020B0604020202020204" pitchFamily="34" charset="0"/>
-              <a:buChar char="•"/>
-            </a:pPr>
-            <a:r>
-              <a:rPr lang="en-US" dirty="0"/>
-              <a:t>Provide ‘base images’ for Windows Server AMI and Windows Docker images (continuously updated)</a:t>
-            </a:r>
-          </a:p>
-          <a:p>
-            <a:pPr algn="ctr"/>
-            <a:endParaRPr lang="en-US" sz="1600" b="1" u="sng" dirty="0">
-              <a:solidFill>
-                <a:schemeClr val="accent3"/>
-              </a:solidFill>
-            </a:endParaRPr>
-          </a:p>
-        </p:txBody>
-      </p:sp>
-      <p:cxnSp>
-        <p:nvCxnSpPr>
-          <p:cNvPr id="9" name="Straight Connector 8"/>
-          <p:cNvCxnSpPr/>
-          <p:nvPr/>
-        </p:nvCxnSpPr>
-        <p:spPr>
-          <a:xfrm>
-            <a:off x="4562669" y="1131957"/>
-            <a:ext cx="18662" cy="3673308"/>
-          </a:xfrm>
-          <a:prstGeom prst="line">
-            <a:avLst/>
-          </a:prstGeom>
-        </p:spPr>
-        <p:style>
-          <a:lnRef idx="2">
-            <a:schemeClr val="accent1"/>
-          </a:lnRef>
-          <a:fillRef idx="0">
-            <a:schemeClr val="accent1"/>
-          </a:fillRef>
-          <a:effectRef idx="1">
-            <a:schemeClr val="accent1"/>
-          </a:effectRef>
-          <a:fontRef idx="minor">
-            <a:schemeClr val="tx1"/>
-          </a:fontRef>
-        </p:style>
-      </p:cxnSp>
+        </p:txBody>
+      </p:sp>
     </p:spTree>
     <p:extLst>
       <p:ext uri="{BB962C8B-B14F-4D97-AF65-F5344CB8AC3E}">
@@ -13708,54 +14408,26 @@
                 <a:latin typeface="Interstate-Black"/>
                 <a:cs typeface="Interstate-Black"/>
               </a:rPr>
-              <a:t>Compute Provisioning</a:t>
-            </a:r>
-          </a:p>
-          <a:p>
+              <a:t>[Mock] </a:t>
+            </a:r>
+            <a:r>
+              <a:rPr lang="en-US" sz="1600" dirty="0">
+                <a:latin typeface="Interstate-Black"/>
+                <a:cs typeface="Interstate-Black"/>
+              </a:rPr>
+              <a:t>vs. </a:t>
+            </a:r>
+            <a:r>
+              <a:rPr lang="en-US" dirty="0">
+                <a:latin typeface="Interstate-Black"/>
+                <a:cs typeface="Interstate-Black"/>
+              </a:rPr>
+              <a:t>Stub</a:t>
+            </a:r>
             <a:endParaRPr lang="en-US" dirty="0">
               <a:latin typeface="Interstate-Black"/>
               <a:cs typeface="Interstate-Black"/>
             </a:endParaRPr>
-          </a:p>
-        </p:txBody>
-      </p:sp>
-      <p:sp>
-        <p:nvSpPr>
-          <p:cNvPr id="4" name="Content Placeholder 3"/>
-          <p:cNvSpPr>
-            <a:spLocks noGrp="1"/>
-          </p:cNvSpPr>
-          <p:nvPr>
-            <p:ph sz="quarter" idx="17"/>
-          </p:nvPr>
-        </p:nvSpPr>
-        <p:spPr>
-          <a:xfrm>
-            <a:off x="273051" y="4011513"/>
-            <a:ext cx="8550274" cy="770366"/>
-          </a:xfrm>
-        </p:spPr>
-        <p:txBody>
-          <a:bodyPr>
-            <a:noAutofit/>
-          </a:bodyPr>
-          <a:lstStyle/>
-          <a:p>
-            <a:r>
-              <a:rPr lang="en-US" sz="1200" dirty="0"/>
-              <a:t>One of the biggest decisions is determining how the compute for your application will be provisioned. Docker or server-less technologies are strongly preferred, and will work for most Windows applications, but not all. In cases where Docker containers are not suitable, it is recommended to use immutable EC2 instances, as this will provide a similar management experience as containers. Terraform(</a:t>
-            </a:r>
-            <a:r>
-              <a:rPr lang="en-US" sz="1200" dirty="0" err="1"/>
-              <a:t>er</a:t>
-            </a:r>
-            <a:r>
-              <a:rPr lang="en-US" sz="1200" dirty="0"/>
-              <a:t>) must be used for all options.</a:t>
-            </a:r>
-          </a:p>
-          <a:p>
-            <a:endParaRPr lang="en-US" sz="1200" dirty="0"/>
           </a:p>
         </p:txBody>
       </p:sp>
@@ -13794,32 +14466,31 @@
       </p:cxnSp>
       <p:pic>
         <p:nvPicPr>
-          <p:cNvPr id="2" name="Picture 1"/>
+          <p:cNvPr id="16" name="Content Placeholder 15"/>
           <p:cNvPicPr>
-            <a:picLocks noChangeAspect="1"/>
+            <a:picLocks noGrp="1" noChangeAspect="1"/>
           </p:cNvPicPr>
-          <p:nvPr/>
+          <p:nvPr>
+            <p:ph sz="quarter" idx="18"/>
+          </p:nvPr>
         </p:nvPicPr>
         <p:blipFill>
-          <a:blip r:embed="rId2"/>
+          <a:blip r:embed="rId3"/>
           <a:stretch>
             <a:fillRect/>
           </a:stretch>
         </p:blipFill>
         <p:spPr>
           <a:xfrm>
-            <a:off x="273051" y="793760"/>
-            <a:ext cx="8573478" cy="3049801"/>
-          </a:xfrm>
-          <a:prstGeom prst="rect">
-            <a:avLst/>
-          </a:prstGeom>
+            <a:off x="657543" y="805289"/>
+            <a:ext cx="7781290" cy="3928701"/>
+          </a:xfrm>
         </p:spPr>
       </p:pic>
     </p:spTree>
     <p:extLst>
       <p:ext uri="{BB962C8B-B14F-4D97-AF65-F5344CB8AC3E}">
-        <p14:creationId xmlns:p14="http://schemas.microsoft.com/office/powerpoint/2010/main" val="2378701437"/>
+        <p14:creationId xmlns:p14="http://schemas.microsoft.com/office/powerpoint/2010/main" val="912458881"/>
       </p:ext>
     </p:extLst>
   </p:cSld>
@@ -13874,10 +14545,22 @@
                 <a:latin typeface="Interstate-Black"/>
                 <a:cs typeface="Interstate-Black"/>
               </a:rPr>
-              <a:t>Web Gateways</a:t>
-            </a:r>
-          </a:p>
-          <a:p>
+              <a:t>Mock </a:t>
+            </a:r>
+            <a:r>
+              <a:rPr lang="en-US" sz="1600" dirty="0">
+                <a:latin typeface="Interstate-Black"/>
+                <a:cs typeface="Interstate-Black"/>
+              </a:rPr>
+              <a:t>vs. </a:t>
+            </a:r>
+            <a:r>
+              <a:rPr lang="en-US" dirty="0">
+                <a:latin typeface="Interstate-Black"/>
+                <a:cs typeface="Interstate-Black"/>
+              </a:rPr>
+              <a:t>[Stub]</a:t>
+            </a:r>
             <a:endParaRPr lang="en-US" dirty="0">
               <a:latin typeface="Interstate-Black"/>
               <a:cs typeface="Interstate-Black"/>
@@ -13918,197 +14601,33 @@
           </a:fontRef>
         </p:style>
       </p:cxnSp>
-      <p:sp>
-        <p:nvSpPr>
-          <p:cNvPr id="5" name="Content Placeholder 4"/>
-          <p:cNvSpPr>
-            <a:spLocks noGrp="1"/>
-          </p:cNvSpPr>
+      <p:pic>
+        <p:nvPicPr>
+          <p:cNvPr id="16" name="Content Placeholder 15"/>
+          <p:cNvPicPr>
+            <a:picLocks noGrp="1" noChangeAspect="1"/>
+          </p:cNvPicPr>
           <p:nvPr>
             <p:ph sz="quarter" idx="18"/>
           </p:nvPr>
-        </p:nvSpPr>
-        <p:spPr>
-          <a:xfrm>
-            <a:off x="273051" y="1130561"/>
-            <a:ext cx="3886200" cy="3340292"/>
-          </a:xfrm>
-        </p:spPr>
-        <p:txBody>
-          <a:bodyPr>
-            <a:normAutofit/>
-          </a:bodyPr>
-          <a:lstStyle/>
-          <a:p>
-            <a:pPr algn="ctr"/>
-            <a:r>
-              <a:rPr lang="en-US" sz="1600" b="1" u="sng" dirty="0">
-                <a:solidFill>
-                  <a:schemeClr val="accent3"/>
-                </a:solidFill>
-              </a:rPr>
-              <a:t>Recommendations</a:t>
-            </a:r>
-          </a:p>
-          <a:p>
-            <a:pPr marL="285750" indent="-285750">
-              <a:buFont typeface="Arial" panose="020B0604020202020204" pitchFamily="34" charset="0"/>
-              <a:buChar char="•"/>
-            </a:pPr>
-            <a:r>
-              <a:rPr lang="en-US" dirty="0"/>
-              <a:t>Leverage Docker containers based on Windows Server 2016</a:t>
-            </a:r>
-          </a:p>
-          <a:p>
-            <a:pPr marL="285750" indent="-285750">
-              <a:buFont typeface="Arial" panose="020B0604020202020204" pitchFamily="34" charset="0"/>
-              <a:buChar char="•"/>
-            </a:pPr>
-            <a:r>
-              <a:rPr lang="en-US" dirty="0"/>
-              <a:t>Long term: consider migrating to .NET Core for ease of deployment, maturity and the ability to run cross-platform / use Nano Server</a:t>
-            </a:r>
-          </a:p>
-          <a:p>
-            <a:pPr marL="285750" indent="-285750">
-              <a:buFont typeface="Arial" panose="020B0604020202020204" pitchFamily="34" charset="0"/>
-              <a:buChar char="•"/>
-            </a:pPr>
-            <a:r>
-              <a:rPr lang="en-US" dirty="0"/>
-              <a:t>Use ELB (Elastic Load Balancer) for load balancing</a:t>
-            </a:r>
-          </a:p>
-          <a:p>
-            <a:pPr marL="285750" indent="-285750">
-              <a:buFont typeface="Arial" panose="020B0604020202020204" pitchFamily="34" charset="0"/>
-              <a:buChar char="•"/>
-            </a:pPr>
-            <a:r>
-              <a:rPr lang="en-US" dirty="0"/>
-              <a:t>Should be implemented as one or more auto-scaling group(s)</a:t>
-            </a:r>
-          </a:p>
-          <a:p>
-            <a:pPr marL="285750" indent="-285750">
-              <a:buFont typeface="Arial" panose="020B0604020202020204" pitchFamily="34" charset="0"/>
-              <a:buChar char="•"/>
-            </a:pPr>
-            <a:endParaRPr lang="en-US" dirty="0"/>
-          </a:p>
-          <a:p>
-            <a:pPr marL="285750" indent="-285750">
-              <a:buFont typeface="Arial" panose="020B0604020202020204" pitchFamily="34" charset="0"/>
-              <a:buChar char="•"/>
-            </a:pPr>
-            <a:endParaRPr lang="en-US" dirty="0"/>
-          </a:p>
-          <a:p>
-            <a:pPr marL="285750" indent="-285750">
-              <a:buFont typeface="Arial" panose="020B0604020202020204" pitchFamily="34" charset="0"/>
-              <a:buChar char="•"/>
-            </a:pPr>
-            <a:endParaRPr lang="en-US" dirty="0"/>
-          </a:p>
-        </p:txBody>
-      </p:sp>
-      <p:sp>
-        <p:nvSpPr>
-          <p:cNvPr id="7" name="Content Placeholder 6"/>
-          <p:cNvSpPr>
-            <a:spLocks noGrp="1"/>
-          </p:cNvSpPr>
-          <p:nvPr>
-            <p:ph sz="quarter" idx="17"/>
-          </p:nvPr>
-        </p:nvSpPr>
-        <p:spPr>
-          <a:xfrm>
-            <a:off x="4937125" y="1131957"/>
-            <a:ext cx="3886200" cy="3340292"/>
-          </a:xfrm>
-        </p:spPr>
-        <p:txBody>
-          <a:bodyPr>
-            <a:normAutofit/>
-          </a:bodyPr>
-          <a:lstStyle/>
-          <a:p>
-            <a:pPr algn="ctr"/>
-            <a:r>
-              <a:rPr lang="en-US" sz="1600" b="1" u="sng" dirty="0">
-                <a:solidFill>
-                  <a:schemeClr val="accent3"/>
-                </a:solidFill>
-              </a:rPr>
-              <a:t>Concerns</a:t>
-            </a:r>
-          </a:p>
-          <a:p>
-            <a:pPr marL="285750" indent="-285750">
-              <a:buFont typeface="Arial" panose="020B0604020202020204" pitchFamily="34" charset="0"/>
-              <a:buChar char="•"/>
-            </a:pPr>
-            <a:r>
-              <a:rPr lang="en-US" dirty="0"/>
-              <a:t>TMWS is currently a single point of failure, which needs to be addressed</a:t>
-            </a:r>
-          </a:p>
-          <a:p>
-            <a:pPr marL="285750" indent="-285750">
-              <a:buFont typeface="Arial" panose="020B0604020202020204" pitchFamily="34" charset="0"/>
-              <a:buChar char="•"/>
-            </a:pPr>
-            <a:r>
-              <a:rPr lang="en-US" dirty="0"/>
-              <a:t>Services requiring an IP address (vs. a DNS name) will add risk, complexity and cost</a:t>
-            </a:r>
-          </a:p>
-          <a:p>
-            <a:pPr algn="ctr"/>
-            <a:endParaRPr lang="en-US" sz="1600" b="1" u="sng" dirty="0">
-              <a:solidFill>
-                <a:schemeClr val="accent3"/>
-              </a:solidFill>
-            </a:endParaRPr>
-          </a:p>
-        </p:txBody>
-      </p:sp>
-      <p:cxnSp>
-        <p:nvCxnSpPr>
-          <p:cNvPr id="9" name="Straight Connector 8"/>
-          <p:cNvCxnSpPr/>
-          <p:nvPr/>
-        </p:nvCxnSpPr>
-        <p:spPr>
-          <a:xfrm>
-            <a:off x="4562669" y="1131957"/>
-            <a:ext cx="18662" cy="3673308"/>
-          </a:xfrm>
-          <a:prstGeom prst="line">
-            <a:avLst/>
-          </a:prstGeom>
-        </p:spPr>
-        <p:style>
-          <a:lnRef idx="2">
-            <a:schemeClr val="accent1"/>
-          </a:lnRef>
-          <a:fillRef idx="0">
-            <a:schemeClr val="accent1"/>
-          </a:fillRef>
-          <a:effectRef idx="1">
-            <a:schemeClr val="accent1"/>
-          </a:effectRef>
-          <a:fontRef idx="minor">
-            <a:schemeClr val="tx1"/>
-          </a:fontRef>
-        </p:style>
-      </p:cxnSp>
+        </p:nvPicPr>
+        <p:blipFill>
+          <a:blip r:embed="rId3"/>
+          <a:stretch>
+            <a:fillRect/>
+          </a:stretch>
+        </p:blipFill>
+        <p:spPr>
+          <a:xfrm>
+            <a:off x="657543" y="961711"/>
+            <a:ext cx="7781290" cy="2770093"/>
+          </a:xfrm>
+        </p:spPr>
+      </p:pic>
     </p:spTree>
     <p:extLst>
       <p:ext uri="{BB962C8B-B14F-4D97-AF65-F5344CB8AC3E}">
-        <p14:creationId xmlns:p14="http://schemas.microsoft.com/office/powerpoint/2010/main" val="973501123"/>
+        <p14:creationId xmlns:p14="http://schemas.microsoft.com/office/powerpoint/2010/main" val="2955137991"/>
       </p:ext>
     </p:extLst>
   </p:cSld>
@@ -15308,13 +15827,13 @@
 <ds:datastoreItem xmlns:ds="http://schemas.openxmlformats.org/officeDocument/2006/customXml" ds:itemID="{85D5E7DC-E869-4789-9860-B4A138DCBC9C}">
   <ds:schemaRefs>
     <ds:schemaRef ds:uri="6eed6d30-21cb-4d2a-afd5-64247d3e7b92"/>
-    <ds:schemaRef ds:uri="http://schemas.openxmlformats.org/package/2006/metadata/core-properties"/>
     <ds:schemaRef ds:uri="http://purl.org/dc/terms/"/>
-    <ds:schemaRef ds:uri="3608d996-f921-4209-962b-af552f1375e0"/>
     <ds:schemaRef ds:uri="http://schemas.microsoft.com/office/2006/documentManagement/types"/>
-    <ds:schemaRef ds:uri="http://schemas.microsoft.com/office/2006/metadata/properties"/>
     <ds:schemaRef ds:uri="http://purl.org/dc/elements/1.1/"/>
     <ds:schemaRef ds:uri="http://schemas.microsoft.com/office/infopath/2007/PartnerControls"/>
+    <ds:schemaRef ds:uri="http://schemas.openxmlformats.org/package/2006/metadata/core-properties"/>
+    <ds:schemaRef ds:uri="3608d996-f921-4209-962b-af552f1375e0"/>
+    <ds:schemaRef ds:uri="http://schemas.microsoft.com/office/2006/metadata/properties"/>
     <ds:schemaRef ds:uri="http://www.w3.org/XML/1998/namespace"/>
     <ds:schemaRef ds:uri="http://purl.org/dc/dcmitype/"/>
   </ds:schemaRefs>

--- a/Summit2017_Mocking.pptx
+++ b/Summit2017_Mocking.pptx
@@ -910,7 +910,7 @@
                 <a:ea typeface="+mn-ea"/>
                 <a:cs typeface="+mn-cs"/>
               </a:rPr>
-              <a:t>In 1964, Despite setting a lap, record all three GT40s failed to finish and Ferrari won.</a:t>
+              <a:t>In 1964, Despite setting a lap, record all three GT40s failed to finish and a Ferrari won.</a:t>
             </a:r>
           </a:p>
           <a:p>
@@ -928,7 +928,7 @@
                 <a:ea typeface="+mn-ea"/>
                 <a:cs typeface="+mn-cs"/>
               </a:rPr>
-              <a:t>In 1965, two GT40's were entered and both failed to finish and Ferrari won.</a:t>
+              <a:t>In 1965, two GT40's were entered and both failed to finish and a Ferrari won.</a:t>
             </a:r>
           </a:p>
         </p:txBody>
@@ -12395,45 +12395,321 @@
         </p:nvSpPr>
         <p:spPr>
           <a:xfrm>
-            <a:off x="519978" y="372610"/>
-            <a:ext cx="7125422" cy="2312232"/>
+            <a:off x="519978" y="1096510"/>
+            <a:ext cx="7983942" cy="930410"/>
           </a:xfrm>
         </p:spPr>
         <p:txBody>
           <a:bodyPr/>
           <a:lstStyle/>
           <a:p>
-            <a:pPr lvl="1"/>
-            <a:r>
-              <a:rPr lang="en-GB" dirty="0">
+            <a:pPr lvl="1" algn="ctr"/>
+            <a:r>
+              <a:rPr lang="en-GB" sz="4000" dirty="0">
                 <a:latin typeface="Interstate-Black"/>
                 <a:cs typeface="Interstate-Black"/>
               </a:rPr>
-              <a:t>Archtics AWS Migration Introduction</a:t>
-            </a:r>
-          </a:p>
-        </p:txBody>
-      </p:sp>
-      <p:sp>
-        <p:nvSpPr>
-          <p:cNvPr id="5" name="Date Placeholder 4"/>
-          <p:cNvSpPr>
-            <a:spLocks noGrp="1"/>
-          </p:cNvSpPr>
-          <p:nvPr>
-            <p:ph type="dt" sz="half" idx="2"/>
-          </p:nvPr>
-        </p:nvSpPr>
-        <p:spPr/>
-        <p:txBody>
-          <a:bodyPr/>
+              <a:t>Windows @ Ticketmaster</a:t>
+            </a:r>
+          </a:p>
+        </p:txBody>
+      </p:sp>
+      <p:sp>
+        <p:nvSpPr>
+          <p:cNvPr id="3" name="TextBox 2"/>
+          <p:cNvSpPr txBox="1"/>
+          <p:nvPr/>
+        </p:nvSpPr>
+        <p:spPr>
+          <a:xfrm>
+            <a:off x="1519414" y="2049780"/>
+            <a:ext cx="1228478" cy="461665"/>
+          </a:xfrm>
+          <a:prstGeom prst="rect">
+            <a:avLst/>
+          </a:prstGeom>
+          <a:noFill/>
+        </p:spPr>
+        <p:txBody>
+          <a:bodyPr wrap="none" rtlCol="0">
+            <a:spAutoFit/>
+          </a:bodyPr>
           <a:lstStyle/>
           <a:p>
-            <a:fld id="{B68F874E-2AAB-6746-AA75-DC3D541616E8}" type="datetime1">
-              <a:rPr lang="en-US" smtClean="0"/>
-              <a:t>3/31/2017</a:t>
-            </a:fld>
-            <a:endParaRPr lang="en-GB" dirty="0"/>
+            <a:r>
+              <a:rPr lang="en-US" sz="2400" dirty="0">
+                <a:latin typeface="TM Sans"/>
+                <a:cs typeface="TM Sans"/>
+              </a:rPr>
+              <a:t>Physical</a:t>
+            </a:r>
+          </a:p>
+        </p:txBody>
+      </p:sp>
+      <p:sp>
+        <p:nvSpPr>
+          <p:cNvPr id="6" name="TextBox 5"/>
+          <p:cNvSpPr txBox="1"/>
+          <p:nvPr/>
+        </p:nvSpPr>
+        <p:spPr>
+          <a:xfrm>
+            <a:off x="2189974" y="2606040"/>
+            <a:ext cx="1949893" cy="461665"/>
+          </a:xfrm>
+          <a:prstGeom prst="rect">
+            <a:avLst/>
+          </a:prstGeom>
+          <a:noFill/>
+        </p:spPr>
+        <p:txBody>
+          <a:bodyPr wrap="none" rtlCol="0">
+            <a:spAutoFit/>
+          </a:bodyPr>
+          <a:lstStyle/>
+          <a:p>
+            <a:r>
+              <a:rPr lang="en-US" sz="2400" dirty="0">
+                <a:latin typeface="TM Sans"/>
+                <a:cs typeface="TM Sans"/>
+              </a:rPr>
+              <a:t>Private Cloud</a:t>
+            </a:r>
+          </a:p>
+        </p:txBody>
+      </p:sp>
+      <p:sp>
+        <p:nvSpPr>
+          <p:cNvPr id="7" name="TextBox 6"/>
+          <p:cNvSpPr txBox="1"/>
+          <p:nvPr/>
+        </p:nvSpPr>
+        <p:spPr>
+          <a:xfrm>
+            <a:off x="3217980" y="3253740"/>
+            <a:ext cx="1843774" cy="461665"/>
+          </a:xfrm>
+          <a:prstGeom prst="rect">
+            <a:avLst/>
+          </a:prstGeom>
+          <a:noFill/>
+        </p:spPr>
+        <p:txBody>
+          <a:bodyPr wrap="none" rtlCol="0">
+            <a:spAutoFit/>
+          </a:bodyPr>
+          <a:lstStyle/>
+          <a:p>
+            <a:r>
+              <a:rPr lang="en-US" sz="2400" dirty="0">
+                <a:latin typeface="TM Sans"/>
+                <a:cs typeface="TM Sans"/>
+              </a:rPr>
+              <a:t>Public Cloud</a:t>
+            </a:r>
+          </a:p>
+        </p:txBody>
+      </p:sp>
+      <p:sp>
+        <p:nvSpPr>
+          <p:cNvPr id="8" name="TextBox 7"/>
+          <p:cNvSpPr txBox="1"/>
+          <p:nvPr/>
+        </p:nvSpPr>
+        <p:spPr>
+          <a:xfrm>
+            <a:off x="4139867" y="2327910"/>
+            <a:ext cx="1114536" cy="461665"/>
+          </a:xfrm>
+          <a:prstGeom prst="rect">
+            <a:avLst/>
+          </a:prstGeom>
+          <a:noFill/>
+        </p:spPr>
+        <p:txBody>
+          <a:bodyPr wrap="none" rtlCol="0">
+            <a:spAutoFit/>
+          </a:bodyPr>
+          <a:lstStyle/>
+          <a:p>
+            <a:r>
+              <a:rPr lang="en-US" sz="2400" dirty="0">
+                <a:latin typeface="TM Sans"/>
+                <a:cs typeface="TM Sans"/>
+              </a:rPr>
+              <a:t>Docker</a:t>
+            </a:r>
+          </a:p>
+        </p:txBody>
+      </p:sp>
+      <p:sp>
+        <p:nvSpPr>
+          <p:cNvPr id="9" name="TextBox 8"/>
+          <p:cNvSpPr txBox="1"/>
+          <p:nvPr/>
+        </p:nvSpPr>
+        <p:spPr>
+          <a:xfrm>
+            <a:off x="1808147" y="3484572"/>
+            <a:ext cx="1071255" cy="461665"/>
+          </a:xfrm>
+          <a:prstGeom prst="rect">
+            <a:avLst/>
+          </a:prstGeom>
+          <a:noFill/>
+        </p:spPr>
+        <p:txBody>
+          <a:bodyPr wrap="none" rtlCol="0">
+            <a:spAutoFit/>
+          </a:bodyPr>
+          <a:lstStyle/>
+          <a:p>
+            <a:r>
+              <a:rPr lang="en-US" sz="2400" dirty="0">
+                <a:latin typeface="TM Sans"/>
+                <a:cs typeface="TM Sans"/>
+              </a:rPr>
+              <a:t>Packer</a:t>
+            </a:r>
+          </a:p>
+        </p:txBody>
+      </p:sp>
+      <p:sp>
+        <p:nvSpPr>
+          <p:cNvPr id="10" name="TextBox 9"/>
+          <p:cNvSpPr txBox="1"/>
+          <p:nvPr/>
+        </p:nvSpPr>
+        <p:spPr>
+          <a:xfrm>
+            <a:off x="5254403" y="2954347"/>
+            <a:ext cx="1470339" cy="461665"/>
+          </a:xfrm>
+          <a:prstGeom prst="rect">
+            <a:avLst/>
+          </a:prstGeom>
+          <a:noFill/>
+        </p:spPr>
+        <p:txBody>
+          <a:bodyPr wrap="none" rtlCol="0">
+            <a:spAutoFit/>
+          </a:bodyPr>
+          <a:lstStyle/>
+          <a:p>
+            <a:r>
+              <a:rPr lang="en-US" sz="2400" dirty="0">
+                <a:latin typeface="TM Sans"/>
+                <a:cs typeface="TM Sans"/>
+              </a:rPr>
+              <a:t>Terraform</a:t>
+            </a:r>
+          </a:p>
+        </p:txBody>
+      </p:sp>
+      <p:sp>
+        <p:nvSpPr>
+          <p:cNvPr id="11" name="TextBox 10"/>
+          <p:cNvSpPr txBox="1"/>
+          <p:nvPr/>
+        </p:nvSpPr>
+        <p:spPr>
+          <a:xfrm>
+            <a:off x="5733957" y="2102484"/>
+            <a:ext cx="1447960" cy="461665"/>
+          </a:xfrm>
+          <a:prstGeom prst="rect">
+            <a:avLst/>
+          </a:prstGeom>
+          <a:noFill/>
+        </p:spPr>
+        <p:txBody>
+          <a:bodyPr wrap="none" rtlCol="0">
+            <a:spAutoFit/>
+          </a:bodyPr>
+          <a:lstStyle/>
+          <a:p>
+            <a:r>
+              <a:rPr lang="en-US" sz="2400" dirty="0" err="1">
+                <a:latin typeface="TM Sans"/>
+                <a:cs typeface="TM Sans"/>
+              </a:rPr>
+              <a:t>GitLab</a:t>
+            </a:r>
+            <a:r>
+              <a:rPr lang="en-US" sz="2400" dirty="0">
+                <a:latin typeface="TM Sans"/>
+                <a:cs typeface="TM Sans"/>
+              </a:rPr>
+              <a:t> CI</a:t>
+            </a:r>
+          </a:p>
+        </p:txBody>
+      </p:sp>
+      <p:sp>
+        <p:nvSpPr>
+          <p:cNvPr id="12" name="TextBox 11"/>
+          <p:cNvSpPr txBox="1"/>
+          <p:nvPr/>
+        </p:nvSpPr>
+        <p:spPr>
+          <a:xfrm>
+            <a:off x="7072721" y="3402388"/>
+            <a:ext cx="766557" cy="461665"/>
+          </a:xfrm>
+          <a:prstGeom prst="rect">
+            <a:avLst/>
+          </a:prstGeom>
+          <a:noFill/>
+        </p:spPr>
+        <p:txBody>
+          <a:bodyPr wrap="none" rtlCol="0">
+            <a:spAutoFit/>
+          </a:bodyPr>
+          <a:lstStyle/>
+          <a:p>
+            <a:r>
+              <a:rPr lang="en-US" sz="2400" dirty="0">
+                <a:latin typeface="TM Sans"/>
+                <a:cs typeface="TM Sans"/>
+              </a:rPr>
+              <a:t>DSC</a:t>
+            </a:r>
+          </a:p>
+        </p:txBody>
+      </p:sp>
+      <p:sp>
+        <p:nvSpPr>
+          <p:cNvPr id="13" name="TextBox 12"/>
+          <p:cNvSpPr txBox="1"/>
+          <p:nvPr/>
+        </p:nvSpPr>
+        <p:spPr>
+          <a:xfrm>
+            <a:off x="4519233" y="3826857"/>
+            <a:ext cx="1467068" cy="461665"/>
+          </a:xfrm>
+          <a:prstGeom prst="rect">
+            <a:avLst/>
+          </a:prstGeom>
+          <a:noFill/>
+        </p:spPr>
+        <p:txBody>
+          <a:bodyPr wrap="none" rtlCol="0">
+            <a:spAutoFit/>
+          </a:bodyPr>
+          <a:lstStyle/>
+          <a:p>
+            <a:r>
+              <a:rPr lang="en-US" sz="2400" dirty="0" err="1">
+                <a:latin typeface="TM Sans"/>
+                <a:cs typeface="TM Sans"/>
+              </a:rPr>
+              <a:t>PoshSpec</a:t>
+            </a:r>
+            <a:endParaRPr lang="en-US" sz="2400" dirty="0">
+              <a:latin typeface="TM Sans"/>
+              <a:cs typeface="TM Sans"/>
+            </a:endParaRPr>
           </a:p>
         </p:txBody>
       </p:sp>

--- a/Summit2017_Mocking.pptx
+++ b/Summit2017_Mocking.pptx
@@ -1422,7 +1422,6 @@
               <a:rPr lang="en-US" dirty="0"/>
               <a:t>invoke-pester .\Demo1-MockvsStub.ps1</a:t>
             </a:r>
-            <a:endParaRPr lang="en-US" dirty="0"/>
           </a:p>
         </p:txBody>
       </p:sp>
@@ -1525,7 +1524,6 @@
               <a:rPr lang="en-US" dirty="0"/>
               <a:t>invoke-pester .\Demo1-MockvsStub.ps1</a:t>
             </a:r>
-            <a:endParaRPr lang="en-US" dirty="0"/>
           </a:p>
         </p:txBody>
       </p:sp>
@@ -10123,7 +10121,6 @@
               <a:rPr lang="en-US" dirty="0"/>
               <a:t>You can mock me as much as you like </a:t>
             </a:r>
-            <a:endParaRPr lang="en-US" dirty="0"/>
           </a:p>
         </p:txBody>
       </p:sp>
@@ -12828,7 +12825,6 @@
               <a:rPr lang="en-US" sz="1800" dirty="0"/>
               <a:t>In 1963 Ford wanted a car at Le Mans</a:t>
             </a:r>
-            <a:endParaRPr lang="en-US" sz="1800" dirty="0"/>
           </a:p>
         </p:txBody>
       </p:sp>
@@ -13108,10 +13104,6 @@
               </a:rPr>
               <a:t>.jpg</a:t>
             </a:r>
-            <a:endParaRPr lang="en-US" sz="1000" dirty="0">
-              <a:latin typeface="TM Sans"/>
-              <a:cs typeface="TM Sans"/>
-            </a:endParaRPr>
           </a:p>
         </p:txBody>
       </p:sp>
@@ -13480,10 +13472,6 @@
               </a:rPr>
               <a:t>http://www.autosport.com/news/report.php/id/122477</a:t>
             </a:r>
-            <a:endParaRPr lang="en-US" sz="1000" dirty="0">
-              <a:latin typeface="TM Sans"/>
-              <a:cs typeface="TM Sans"/>
-            </a:endParaRPr>
           </a:p>
         </p:txBody>
       </p:sp>
@@ -13933,9 +13921,6 @@
               </a:rPr>
               <a:t>https://youtu.be/NxP__UPj7L8</a:t>
             </a:r>
-            <a:endParaRPr lang="en-US" sz="800" dirty="0">
-              <a:latin typeface="TM Sans" panose="020B0502030402020204" pitchFamily="34" charset="0"/>
-            </a:endParaRPr>
           </a:p>
         </p:txBody>
       </p:sp>
@@ -14351,9 +14336,6 @@
               </a:rPr>
               <a:t>https://assets.hemmings.com/blog/wp-content/uploads//2015/01/1966_GT40s_LeMans_HR.jpg</a:t>
             </a:r>
-            <a:endParaRPr lang="en-US" sz="800" dirty="0">
-              <a:latin typeface="TM Sans" panose="020B0502030402020204" pitchFamily="34" charset="0"/>
-            </a:endParaRPr>
           </a:p>
         </p:txBody>
       </p:sp>
@@ -14417,10 +14399,6 @@
               </a:rPr>
               <a:t>Let's start with the correct vocabulary</a:t>
             </a:r>
-            <a:endParaRPr lang="en-US" dirty="0">
-              <a:latin typeface="Interstate-Black"/>
-              <a:cs typeface="Interstate-Black"/>
-            </a:endParaRPr>
           </a:p>
         </p:txBody>
       </p:sp>
@@ -14485,11 +14463,7 @@
             </a:pPr>
             <a:r>
               <a:rPr lang="en-US" b="1" dirty="0"/>
-              <a:t>M</a:t>
-            </a:r>
-            <a:r>
-              <a:rPr lang="en-US" b="1" dirty="0"/>
-              <a:t>ocks</a:t>
+              <a:t>Mocks</a:t>
             </a:r>
             <a:r>
               <a:rPr lang="en-US" dirty="0"/>
@@ -14700,10 +14674,6 @@
               </a:rPr>
               <a:t>Stub</a:t>
             </a:r>
-            <a:endParaRPr lang="en-US" dirty="0">
-              <a:latin typeface="Interstate-Black"/>
-              <a:cs typeface="Interstate-Black"/>
-            </a:endParaRPr>
           </a:p>
         </p:txBody>
       </p:sp>
@@ -14758,8 +14728,8 @@
         </p:blipFill>
         <p:spPr>
           <a:xfrm>
-            <a:off x="657543" y="805289"/>
-            <a:ext cx="7781290" cy="3928701"/>
+            <a:off x="1138233" y="805289"/>
+            <a:ext cx="6819910" cy="3928701"/>
           </a:xfrm>
         </p:spPr>
       </p:pic>
@@ -14837,10 +14807,6 @@
               </a:rPr>
               <a:t>[Stub]</a:t>
             </a:r>
-            <a:endParaRPr lang="en-US" dirty="0">
-              <a:latin typeface="Interstate-Black"/>
-              <a:cs typeface="Interstate-Black"/>
-            </a:endParaRPr>
           </a:p>
         </p:txBody>
       </p:sp>
@@ -15896,6 +15862,30 @@
 </file>
 
 <file path=customXml/item1.xml><?xml version="1.0" encoding="utf-8"?>
+<?mso-contentType ?>
+<FormTemplates xmlns="http://schemas.microsoft.com/sharepoint/v3/contenttype/forms">
+  <Display>DocumentLibraryForm</Display>
+  <Edit>DocumentLibraryForm</Edit>
+  <New>DocumentLibraryForm</New>
+</FormTemplates>
+</file>
+
+<file path=customXml/item2.xml><?xml version="1.0" encoding="utf-8"?>
+<p:properties xmlns:p="http://schemas.microsoft.com/office/2006/metadata/properties" xmlns:xsi="http://www.w3.org/2001/XMLSchema-instance" xmlns:pc="http://schemas.microsoft.com/office/infopath/2007/PartnerControls">
+  <documentManagement>
+    <Description0 xmlns="6eed6d30-21cb-4d2a-afd5-64247d3e7b92" xsi:nil="true"/>
+    <SharedWithUsers xmlns="3608d996-f921-4209-962b-af552f1375e0">
+      <UserInfo>
+        <DisplayName>Tonya Coldiron</DisplayName>
+        <AccountId>760</AccountId>
+        <AccountType/>
+      </UserInfo>
+    </SharedWithUsers>
+  </documentManagement>
+</p:properties>
+</file>
+
+<file path=customXml/item3.xml><?xml version="1.0" encoding="utf-8"?>
 <ct:contentTypeSchema xmlns:ct="http://schemas.microsoft.com/office/2006/metadata/contentType" xmlns:ma="http://schemas.microsoft.com/office/2006/metadata/properties/metaAttributes" ct:_="" ma:_="" ma:contentTypeName="Document" ma:contentTypeID="0x010100CB72CB62A2C7A84F8A09B310C9A494EA" ma:contentTypeVersion="3" ma:contentTypeDescription="Create a new document." ma:contentTypeScope="" ma:versionID="b4e75306b3d220e66d8bdfce9a72d9cb">
   <xsd:schema xmlns:xsd="http://www.w3.org/2001/XMLSchema" xmlns:xs="http://www.w3.org/2001/XMLSchema" xmlns:p="http://schemas.microsoft.com/office/2006/metadata/properties" xmlns:ns2="6eed6d30-21cb-4d2a-afd5-64247d3e7b92" xmlns:ns3="3608d996-f921-4209-962b-af552f1375e0" targetNamespace="http://schemas.microsoft.com/office/2006/metadata/properties" ma:root="true" ma:fieldsID="fa291b8313cb5ba9c7328f054605bda0" ns2:_="" ns3:_="">
     <xsd:import namespace="6eed6d30-21cb-4d2a-afd5-64247d3e7b92"/>
@@ -16056,45 +16046,10 @@
 </ct:contentTypeSchema>
 </file>
 
-<file path=customXml/item2.xml><?xml version="1.0" encoding="utf-8"?>
-<p:properties xmlns:p="http://schemas.microsoft.com/office/2006/metadata/properties" xmlns:xsi="http://www.w3.org/2001/XMLSchema-instance" xmlns:pc="http://schemas.microsoft.com/office/infopath/2007/PartnerControls">
-  <documentManagement>
-    <Description0 xmlns="6eed6d30-21cb-4d2a-afd5-64247d3e7b92" xsi:nil="true"/>
-    <SharedWithUsers xmlns="3608d996-f921-4209-962b-af552f1375e0">
-      <UserInfo>
-        <DisplayName>Tonya Coldiron</DisplayName>
-        <AccountId>760</AccountId>
-        <AccountType/>
-      </UserInfo>
-    </SharedWithUsers>
-  </documentManagement>
-</p:properties>
-</file>
-
-<file path=customXml/item3.xml><?xml version="1.0" encoding="utf-8"?>
-<?mso-contentType ?>
-<FormTemplates xmlns="http://schemas.microsoft.com/sharepoint/v3/contenttype/forms">
-  <Display>DocumentLibraryForm</Display>
-  <Edit>DocumentLibraryForm</Edit>
-  <New>DocumentLibraryForm</New>
-</FormTemplates>
-</file>
-
 <file path=customXml/itemProps1.xml><?xml version="1.0" encoding="utf-8"?>
-<ds:datastoreItem xmlns:ds="http://schemas.openxmlformats.org/officeDocument/2006/customXml" ds:itemID="{9D896509-6A47-4130-BB9D-1890AB9F6845}">
+<ds:datastoreItem xmlns:ds="http://schemas.openxmlformats.org/officeDocument/2006/customXml" ds:itemID="{68C3422F-B7B4-474F-834A-53BF9C172DDC}">
   <ds:schemaRefs>
-    <ds:schemaRef ds:uri="http://schemas.microsoft.com/office/2006/metadata/contentType"/>
-    <ds:schemaRef ds:uri="http://schemas.microsoft.com/office/2006/metadata/properties/metaAttributes"/>
-    <ds:schemaRef ds:uri="http://www.w3.org/2001/XMLSchema"/>
-    <ds:schemaRef ds:uri="http://schemas.microsoft.com/office/2006/metadata/properties"/>
-    <ds:schemaRef ds:uri="6eed6d30-21cb-4d2a-afd5-64247d3e7b92"/>
-    <ds:schemaRef ds:uri="3608d996-f921-4209-962b-af552f1375e0"/>
-    <ds:schemaRef ds:uri="http://schemas.microsoft.com/office/2006/documentManagement/types"/>
-    <ds:schemaRef ds:uri="http://schemas.microsoft.com/office/infopath/2007/PartnerControls"/>
-    <ds:schemaRef ds:uri="http://schemas.openxmlformats.org/package/2006/metadata/core-properties"/>
-    <ds:schemaRef ds:uri="http://purl.org/dc/elements/1.1/"/>
-    <ds:schemaRef ds:uri="http://purl.org/dc/terms/"/>
-    <ds:schemaRef ds:uri="http://schemas.microsoft.com/internal/obd"/>
+    <ds:schemaRef ds:uri="http://schemas.microsoft.com/sharepoint/v3/contenttype/forms"/>
   </ds:schemaRefs>
 </ds:datastoreItem>
 </file>
@@ -16117,9 +16072,20 @@
 </file>
 
 <file path=customXml/itemProps3.xml><?xml version="1.0" encoding="utf-8"?>
-<ds:datastoreItem xmlns:ds="http://schemas.openxmlformats.org/officeDocument/2006/customXml" ds:itemID="{68C3422F-B7B4-474F-834A-53BF9C172DDC}">
+<ds:datastoreItem xmlns:ds="http://schemas.openxmlformats.org/officeDocument/2006/customXml" ds:itemID="{9D896509-6A47-4130-BB9D-1890AB9F6845}">
   <ds:schemaRefs>
-    <ds:schemaRef ds:uri="http://schemas.microsoft.com/sharepoint/v3/contenttype/forms"/>
+    <ds:schemaRef ds:uri="http://schemas.microsoft.com/office/2006/metadata/contentType"/>
+    <ds:schemaRef ds:uri="http://schemas.microsoft.com/office/2006/metadata/properties/metaAttributes"/>
+    <ds:schemaRef ds:uri="http://www.w3.org/2001/XMLSchema"/>
+    <ds:schemaRef ds:uri="http://schemas.microsoft.com/office/2006/metadata/properties"/>
+    <ds:schemaRef ds:uri="6eed6d30-21cb-4d2a-afd5-64247d3e7b92"/>
+    <ds:schemaRef ds:uri="3608d996-f921-4209-962b-af552f1375e0"/>
+    <ds:schemaRef ds:uri="http://schemas.microsoft.com/office/2006/documentManagement/types"/>
+    <ds:schemaRef ds:uri="http://schemas.microsoft.com/office/infopath/2007/PartnerControls"/>
+    <ds:schemaRef ds:uri="http://schemas.openxmlformats.org/package/2006/metadata/core-properties"/>
+    <ds:schemaRef ds:uri="http://purl.org/dc/elements/1.1/"/>
+    <ds:schemaRef ds:uri="http://purl.org/dc/terms/"/>
+    <ds:schemaRef ds:uri="http://schemas.microsoft.com/internal/obd"/>
   </ds:schemaRefs>
 </ds:datastoreItem>
 </file>
--- a/Summit2017_Mocking.pptx
+++ b/Summit2017_Mocking.pptx
@@ -240,7 +240,7 @@
             <a:fld id="{96F0360C-9056-C14A-BCFB-ED74D9563C93}" type="datetimeFigureOut">
               <a:rPr lang="en-GB"/>
               <a:pPr/>
-              <a:t>31/03/2017</a:t>
+              <a:t>03/04/2017</a:t>
             </a:fld>
             <a:endParaRPr lang="en-GB"/>
           </a:p>
@@ -408,7 +408,7 @@
             <a:fld id="{A0AC4B9B-ADFA-2B4A-92EC-606ADF46D83E}" type="datetimeFigureOut">
               <a:rPr lang="en-GB"/>
               <a:pPr/>
-              <a:t>31/03/2017</a:t>
+              <a:t>03/04/2017</a:t>
             </a:fld>
             <a:endParaRPr lang="en-GB"/>
           </a:p>
@@ -1139,7 +1139,49 @@
                 <a:ea typeface="+mn-ea"/>
                 <a:cs typeface="+mn-cs"/>
               </a:rPr>
-              <a:t>That’s a big win for automated testing</a:t>
+              <a:t>Automated testing leads to better, more reliable products</a:t>
+            </a:r>
+          </a:p>
+          <a:p>
+            <a:pPr marL="171450" indent="-171450">
+              <a:buFont typeface="Arial" panose="020B0604020202020204" pitchFamily="34" charset="0"/>
+              <a:buChar char="•"/>
+            </a:pPr>
+            <a:r>
+              <a:rPr lang="en-US" sz="1000" b="0" i="0" kern="1200" dirty="0">
+                <a:solidFill>
+                  <a:schemeClr val="tx1"/>
+                </a:solidFill>
+                <a:effectLst/>
+                <a:latin typeface="+mn-lt"/>
+                <a:ea typeface="+mn-ea"/>
+                <a:cs typeface="+mn-cs"/>
+              </a:rPr>
+              <a:t>A significant part of automated testing is isolating your system under test and validating real-world conditions and </a:t>
+            </a:r>
+            <a:r>
+              <a:rPr lang="en-US" sz="1000" b="0" i="0" kern="1200">
+                <a:solidFill>
+                  <a:schemeClr val="tx1"/>
+                </a:solidFill>
+                <a:effectLst/>
+                <a:latin typeface="+mn-lt"/>
+                <a:ea typeface="+mn-ea"/>
+                <a:cs typeface="+mn-cs"/>
+              </a:rPr>
+              <a:t>oftentimes even conditions </a:t>
+            </a:r>
+            <a:r>
+              <a:rPr lang="en-US" sz="1000" b="0" i="0" kern="1200" dirty="0">
+                <a:solidFill>
+                  <a:schemeClr val="tx1"/>
+                </a:solidFill>
+                <a:effectLst/>
+                <a:latin typeface="+mn-lt"/>
+                <a:ea typeface="+mn-ea"/>
+                <a:cs typeface="+mn-cs"/>
+              </a:rPr>
+              <a:t>you don’t expect</a:t>
             </a:r>
           </a:p>
         </p:txBody>
@@ -1263,7 +1305,7 @@
                 <a:ea typeface="+mn-ea"/>
                 <a:cs typeface="+mn-cs"/>
               </a:rPr>
-              <a:t> we are most likely meant Test Double</a:t>
+              <a:t> we are most likely mean Test Double</a:t>
             </a:r>
           </a:p>
           <a:p>
@@ -1410,7 +1452,23 @@
             </a:pPr>
             <a:r>
               <a:rPr lang="en-US" dirty="0"/>
-              <a:t>code C:\Source\TMGit\chris.hunt\pssummit2017-mocking\Demo1-MockvsSt ub.ps1</a:t>
+              <a:t>My function </a:t>
+            </a:r>
+            <a:r>
+              <a:rPr lang="en-US" dirty="0" err="1"/>
+              <a:t>MockMe</a:t>
+            </a:r>
+            <a:r>
+              <a:rPr lang="en-US" dirty="0"/>
+              <a:t> just takes a parameter and calls Get-</a:t>
+            </a:r>
+            <a:r>
+              <a:rPr lang="en-US" dirty="0" err="1"/>
+              <a:t>ChildItem</a:t>
+            </a:r>
+            <a:r>
+              <a:rPr lang="en-US" dirty="0"/>
+              <a:t> with the given parameter</a:t>
             </a:r>
           </a:p>
           <a:p>
@@ -1420,7 +1478,17 @@
             </a:pPr>
             <a:r>
               <a:rPr lang="en-US" dirty="0"/>
-              <a:t>invoke-pester .\Demo1-MockvsStub.ps1</a:t>
+              <a:t>I have two Mock statements with different specifications</a:t>
+            </a:r>
+          </a:p>
+          <a:p>
+            <a:pPr marL="171450" indent="-171450">
+              <a:buFont typeface="Arial" panose="020B0604020202020204" pitchFamily="34" charset="0"/>
+              <a:buChar char="•"/>
+            </a:pPr>
+            <a:r>
+              <a:rPr lang="en-US" dirty="0"/>
+              <a:t>You see that there are no Should assertions and both Mocks just return $null. We’re verify the functionality entirely based on the calls made</a:t>
             </a:r>
           </a:p>
         </p:txBody>
@@ -1512,8 +1580,21 @@
             </a:pPr>
             <a:r>
               <a:rPr lang="en-US" dirty="0"/>
-              <a:t>code C:\Source\TMGit\chris.hunt\pssummit2017-mocking\Demo1-MockvsSt ub.ps1</a:t>
-            </a:r>
+              <a:t>Here, my </a:t>
+            </a:r>
+            <a:r>
+              <a:rPr lang="en-US" dirty="0" err="1"/>
+              <a:t>StubMe</a:t>
+            </a:r>
+            <a:r>
+              <a:rPr lang="en-US" dirty="0"/>
+              <a:t> function is extracting a specific property of the output of Get-</a:t>
+            </a:r>
+            <a:r>
+              <a:rPr lang="en-US" dirty="0" err="1"/>
+              <a:t>ChildItem</a:t>
+            </a:r>
+            <a:endParaRPr lang="en-US" dirty="0"/>
           </a:p>
           <a:p>
             <a:pPr marL="171450" indent="-171450">
@@ -1522,7 +1603,60 @@
             </a:pPr>
             <a:r>
               <a:rPr lang="en-US" dirty="0"/>
-              <a:t>invoke-pester .\Demo1-MockvsStub.ps1</a:t>
+              <a:t>In this case my Mock statement has no </a:t>
+            </a:r>
+            <a:r>
+              <a:rPr lang="en-US" dirty="0" err="1"/>
+              <a:t>ParameterFilter</a:t>
+            </a:r>
+            <a:r>
+              <a:rPr lang="en-US" dirty="0"/>
+              <a:t> and instead returns a Fake Object</a:t>
+            </a:r>
+          </a:p>
+          <a:p>
+            <a:pPr marL="171450" indent="-171450">
+              <a:buFont typeface="Arial" panose="020B0604020202020204" pitchFamily="34" charset="0"/>
+              <a:buChar char="•"/>
+            </a:pPr>
+            <a:r>
+              <a:rPr lang="en-US" dirty="0"/>
+              <a:t>This test does use a Should Be assertion to verify the value returned by </a:t>
+            </a:r>
+            <a:r>
+              <a:rPr lang="en-US" dirty="0" err="1"/>
+              <a:t>StubMe</a:t>
+            </a:r>
+            <a:endParaRPr lang="en-US" dirty="0"/>
+          </a:p>
+          <a:p>
+            <a:pPr marL="171450" indent="-171450">
+              <a:buFont typeface="Arial" panose="020B0604020202020204" pitchFamily="34" charset="0"/>
+              <a:buChar char="•"/>
+            </a:pPr>
+            <a:r>
+              <a:rPr lang="en-US" dirty="0"/>
+              <a:t>These are both simple examples, but even as the code and tests become more complex it boils down to behavior or state verification.</a:t>
+            </a:r>
+          </a:p>
+          <a:p>
+            <a:pPr marL="171450" indent="-171450">
+              <a:buFont typeface="Arial" panose="020B0604020202020204" pitchFamily="34" charset="0"/>
+              <a:buChar char="•"/>
+            </a:pPr>
+            <a:r>
+              <a:rPr lang="en-US" dirty="0"/>
+              <a:t>Behavior Verification is good when you are testing an integration with some dependency. You want to test that you are making the correct calls, but not actually making them.</a:t>
+            </a:r>
+          </a:p>
+          <a:p>
+            <a:pPr marL="171450" indent="-171450">
+              <a:buFont typeface="Arial" panose="020B0604020202020204" pitchFamily="34" charset="0"/>
+              <a:buChar char="•"/>
+            </a:pPr>
+            <a:r>
+              <a:rPr lang="en-US" dirty="0"/>
+              <a:t>State Verification is necessary when your System Under Test is modifying state. Obviously. </a:t>
             </a:r>
           </a:p>
         </p:txBody>
@@ -1555,6 +1689,245 @@
     <p:extLst>
       <p:ext uri="{BB962C8B-B14F-4D97-AF65-F5344CB8AC3E}">
         <p14:creationId xmlns:p14="http://schemas.microsoft.com/office/powerpoint/2010/main" val="3229578436"/>
+      </p:ext>
+    </p:extLst>
+  </p:cSld>
+  <p:clrMapOvr>
+    <a:masterClrMapping/>
+  </p:clrMapOvr>
+</p:notes>
+</file>
+
+<file path=ppt/notesSlides/notesSlide8.xml><?xml version="1.0" encoding="utf-8"?>
+<p:notes xmlns:a="http://schemas.openxmlformats.org/drawingml/2006/main" xmlns:r="http://schemas.openxmlformats.org/officeDocument/2006/relationships" xmlns:p="http://schemas.openxmlformats.org/presentationml/2006/main">
+  <p:cSld>
+    <p:spTree>
+      <p:nvGrpSpPr>
+        <p:cNvPr id="1" name=""/>
+        <p:cNvGrpSpPr/>
+        <p:nvPr/>
+      </p:nvGrpSpPr>
+      <p:grpSpPr>
+        <a:xfrm>
+          <a:off x="0" y="0"/>
+          <a:ext cx="0" cy="0"/>
+          <a:chOff x="0" y="0"/>
+          <a:chExt cx="0" cy="0"/>
+        </a:xfrm>
+      </p:grpSpPr>
+      <p:sp>
+        <p:nvSpPr>
+          <p:cNvPr id="2" name="Slide Image Placeholder 1"/>
+          <p:cNvSpPr>
+            <a:spLocks noGrp="1" noRot="1" noChangeAspect="1"/>
+          </p:cNvSpPr>
+          <p:nvPr>
+            <p:ph type="sldImg"/>
+          </p:nvPr>
+        </p:nvSpPr>
+        <p:spPr/>
+      </p:sp>
+      <p:sp>
+        <p:nvSpPr>
+          <p:cNvPr id="3" name="Notes Placeholder 2"/>
+          <p:cNvSpPr>
+            <a:spLocks noGrp="1"/>
+          </p:cNvSpPr>
+          <p:nvPr>
+            <p:ph type="body" idx="1"/>
+          </p:nvPr>
+        </p:nvSpPr>
+        <p:spPr/>
+        <p:txBody>
+          <a:bodyPr/>
+          <a:lstStyle/>
+          <a:p>
+            <a:pPr marL="171450" indent="-171450">
+              <a:buFont typeface="Arial" panose="020B0604020202020204" pitchFamily="34" charset="0"/>
+              <a:buChar char="•"/>
+            </a:pPr>
+            <a:r>
+              <a:rPr lang="en-US" dirty="0"/>
+              <a:t>The “fun” of Mocking in PowerShell is there are so many ways to execute commands</a:t>
+            </a:r>
+          </a:p>
+          <a:p>
+            <a:pPr marL="171450" indent="-171450">
+              <a:buFont typeface="Arial" panose="020B0604020202020204" pitchFamily="34" charset="0"/>
+              <a:buChar char="•"/>
+            </a:pPr>
+            <a:r>
+              <a:rPr lang="en-US" dirty="0"/>
+              <a:t>The Mock command in Pester works with functions/cmdlets</a:t>
+            </a:r>
+          </a:p>
+          <a:p>
+            <a:pPr marL="171450" indent="-171450">
+              <a:buFont typeface="Arial" panose="020B0604020202020204" pitchFamily="34" charset="0"/>
+              <a:buChar char="•"/>
+            </a:pPr>
+            <a:r>
+              <a:rPr lang="en-US" dirty="0"/>
+              <a:t>The very flexibility that makes testing in PowerShell a challenge makes it easy to Mock almost any call</a:t>
+            </a:r>
+          </a:p>
+          <a:p>
+            <a:pPr marL="171450" indent="-171450">
+              <a:buFont typeface="Arial" panose="020B0604020202020204" pitchFamily="34" charset="0"/>
+              <a:buChar char="•"/>
+            </a:pPr>
+            <a:r>
+              <a:rPr lang="en-US" dirty="0"/>
+              <a:t>While it’s easy to create Test Dummies in PowerShell, we are pretty much stuck with State Verification once we abandon the Mock command of Pester</a:t>
+            </a:r>
+          </a:p>
+        </p:txBody>
+      </p:sp>
+      <p:sp>
+        <p:nvSpPr>
+          <p:cNvPr id="4" name="Slide Number Placeholder 3"/>
+          <p:cNvSpPr>
+            <a:spLocks noGrp="1"/>
+          </p:cNvSpPr>
+          <p:nvPr>
+            <p:ph type="sldNum" sz="quarter" idx="10"/>
+          </p:nvPr>
+        </p:nvSpPr>
+        <p:spPr/>
+        <p:txBody>
+          <a:bodyPr/>
+          <a:lstStyle/>
+          <a:p>
+            <a:fld id="{580C3CF9-2088-4345-84DE-A0500A36AC73}" type="slidenum">
+              <a:rPr lang="en-US" smtClean="0"/>
+              <a:pPr/>
+              <a:t>10</a:t>
+            </a:fld>
+            <a:endParaRPr lang="en-US"/>
+          </a:p>
+        </p:txBody>
+      </p:sp>
+    </p:spTree>
+    <p:extLst>
+      <p:ext uri="{BB962C8B-B14F-4D97-AF65-F5344CB8AC3E}">
+        <p14:creationId xmlns:p14="http://schemas.microsoft.com/office/powerpoint/2010/main" val="3422262724"/>
+      </p:ext>
+    </p:extLst>
+  </p:cSld>
+  <p:clrMapOvr>
+    <a:masterClrMapping/>
+  </p:clrMapOvr>
+</p:notes>
+</file>
+
+<file path=ppt/notesSlides/notesSlide9.xml><?xml version="1.0" encoding="utf-8"?>
+<p:notes xmlns:a="http://schemas.openxmlformats.org/drawingml/2006/main" xmlns:r="http://schemas.openxmlformats.org/officeDocument/2006/relationships" xmlns:p="http://schemas.openxmlformats.org/presentationml/2006/main">
+  <p:cSld>
+    <p:spTree>
+      <p:nvGrpSpPr>
+        <p:cNvPr id="1" name=""/>
+        <p:cNvGrpSpPr/>
+        <p:nvPr/>
+      </p:nvGrpSpPr>
+      <p:grpSpPr>
+        <a:xfrm>
+          <a:off x="0" y="0"/>
+          <a:ext cx="0" cy="0"/>
+          <a:chOff x="0" y="0"/>
+          <a:chExt cx="0" cy="0"/>
+        </a:xfrm>
+      </p:grpSpPr>
+      <p:sp>
+        <p:nvSpPr>
+          <p:cNvPr id="2" name="Slide Image Placeholder 1"/>
+          <p:cNvSpPr>
+            <a:spLocks noGrp="1" noRot="1" noChangeAspect="1"/>
+          </p:cNvSpPr>
+          <p:nvPr>
+            <p:ph type="sldImg"/>
+          </p:nvPr>
+        </p:nvSpPr>
+        <p:spPr/>
+      </p:sp>
+      <p:sp>
+        <p:nvSpPr>
+          <p:cNvPr id="3" name="Notes Placeholder 2"/>
+          <p:cNvSpPr>
+            <a:spLocks noGrp="1"/>
+          </p:cNvSpPr>
+          <p:nvPr>
+            <p:ph type="body" idx="1"/>
+          </p:nvPr>
+        </p:nvSpPr>
+        <p:spPr/>
+        <p:txBody>
+          <a:bodyPr/>
+          <a:lstStyle/>
+          <a:p>
+            <a:pPr marL="171450" indent="-171450">
+              <a:buFont typeface="Arial" panose="020B0604020202020204" pitchFamily="34" charset="0"/>
+              <a:buChar char="•"/>
+            </a:pPr>
+            <a:r>
+              <a:rPr lang="en-US" dirty="0"/>
+              <a:t>Say you need to invoke a stand-alone script and you want to Stub that out without actually executing the script</a:t>
+            </a:r>
+          </a:p>
+          <a:p>
+            <a:pPr marL="171450" indent="-171450">
+              <a:buFont typeface="Arial" panose="020B0604020202020204" pitchFamily="34" charset="0"/>
+              <a:buChar char="•"/>
+            </a:pPr>
+            <a:r>
+              <a:rPr lang="en-US" dirty="0"/>
+              <a:t>You can create a function with a name that is equivalent to the path of your script</a:t>
+            </a:r>
+          </a:p>
+          <a:p>
+            <a:pPr marL="171450" indent="-171450">
+              <a:buFont typeface="Arial" panose="020B0604020202020204" pitchFamily="34" charset="0"/>
+              <a:buChar char="•"/>
+            </a:pPr>
+            <a:r>
+              <a:rPr lang="en-US" dirty="0"/>
+              <a:t>This is one of the primary patterns you can use in PowerShell to fake just </a:t>
+            </a:r>
+            <a:r>
+              <a:rPr lang="en-US"/>
+              <a:t>about anything</a:t>
+            </a:r>
+            <a:endParaRPr lang="en-US"/>
+          </a:p>
+        </p:txBody>
+      </p:sp>
+      <p:sp>
+        <p:nvSpPr>
+          <p:cNvPr id="4" name="Slide Number Placeholder 3"/>
+          <p:cNvSpPr>
+            <a:spLocks noGrp="1"/>
+          </p:cNvSpPr>
+          <p:nvPr>
+            <p:ph type="sldNum" sz="quarter" idx="10"/>
+          </p:nvPr>
+        </p:nvSpPr>
+        <p:spPr/>
+        <p:txBody>
+          <a:bodyPr/>
+          <a:lstStyle/>
+          <a:p>
+            <a:fld id="{580C3CF9-2088-4345-84DE-A0500A36AC73}" type="slidenum">
+              <a:rPr lang="en-US" smtClean="0"/>
+              <a:pPr/>
+              <a:t>11</a:t>
+            </a:fld>
+            <a:endParaRPr lang="en-US"/>
+          </a:p>
+        </p:txBody>
+      </p:sp>
+    </p:spTree>
+    <p:extLst>
+      <p:ext uri="{BB962C8B-B14F-4D97-AF65-F5344CB8AC3E}">
+        <p14:creationId xmlns:p14="http://schemas.microsoft.com/office/powerpoint/2010/main" val="2449545183"/>
       </p:ext>
     </p:extLst>
   </p:cSld>
@@ -1774,7 +2147,7 @@
           <a:p>
             <a:fld id="{AA9C65CA-C0C5-5647-9B9D-8C41F3BBC317}" type="datetime1">
               <a:rPr lang="en-US" smtClean="0"/>
-              <a:t>3/31/2017</a:t>
+              <a:t>4/3/2017</a:t>
             </a:fld>
             <a:endParaRPr lang="en-GB"/>
           </a:p>
@@ -6209,7 +6582,7 @@
           <a:p>
             <a:fld id="{33A48E83-E413-D242-BBD3-800CC27D9C6D}" type="datetime1">
               <a:rPr lang="en-US" smtClean="0"/>
-              <a:t>3/31/2017</a:t>
+              <a:t>4/3/2017</a:t>
             </a:fld>
             <a:endParaRPr lang="en-GB"/>
           </a:p>
@@ -6992,7 +7365,7 @@
           <a:p>
             <a:fld id="{6AD6EE87-EBD5-4F12-A48A-63ACA297AC8F}" type="datetimeFigureOut">
               <a:rPr lang="en-US" smtClean="0"/>
-              <a:t>3/31/2017</a:t>
+              <a:t>4/3/2017</a:t>
             </a:fld>
             <a:endParaRPr lang="en-US" dirty="0"/>
           </a:p>
@@ -7293,7 +7666,7 @@
           <a:p>
             <a:fld id="{5529F2C3-B841-0047-A63E-7498D1DF6566}" type="datetime1">
               <a:rPr lang="en-US" smtClean="0"/>
-              <a:t>3/31/2017</a:t>
+              <a:t>4/3/2017</a:t>
             </a:fld>
             <a:endParaRPr lang="en-GB"/>
           </a:p>
@@ -7803,7 +8176,7 @@
           <a:p>
             <a:fld id="{A06776DC-7B5D-4A40-B28C-D3FA8A3DADC6}" type="datetime1">
               <a:rPr lang="en-US" smtClean="0"/>
-              <a:t>3/31/2017</a:t>
+              <a:t>4/3/2017</a:t>
             </a:fld>
             <a:endParaRPr lang="en-GB"/>
           </a:p>
@@ -8035,7 +8408,7 @@
           <a:p>
             <a:fld id="{EB764B47-E48A-2B4C-8F0F-00B600CE9930}" type="datetime1">
               <a:rPr lang="en-US" smtClean="0"/>
-              <a:t>3/31/2017</a:t>
+              <a:t>4/3/2017</a:t>
             </a:fld>
             <a:endParaRPr lang="en-GB"/>
           </a:p>
@@ -8344,7 +8717,7 @@
           <a:p>
             <a:fld id="{EBC1EF0D-6E6B-FA48-A207-E1059D751D30}" type="datetime1">
               <a:rPr lang="en-US" smtClean="0"/>
-              <a:t>3/31/2017</a:t>
+              <a:t>4/3/2017</a:t>
             </a:fld>
             <a:endParaRPr lang="en-GB"/>
           </a:p>
@@ -8711,7 +9084,7 @@
           <a:p>
             <a:fld id="{218291B2-557C-0D44-A285-A91C3B6367DF}" type="datetime1">
               <a:rPr lang="en-US" smtClean="0"/>
-              <a:t>3/31/2017</a:t>
+              <a:t>4/3/2017</a:t>
             </a:fld>
             <a:endParaRPr lang="en-GB"/>
           </a:p>
@@ -10304,7 +10677,7 @@
                 <a:latin typeface="Interstate-Black"/>
                 <a:cs typeface="Interstate-Black"/>
               </a:rPr>
-              <a:t>Compute Provisioning</a:t>
+              <a:t>Mocking outside of the Box</a:t>
             </a:r>
           </a:p>
           <a:p>
@@ -10312,46 +10685,6 @@
               <a:latin typeface="Interstate-Black"/>
               <a:cs typeface="Interstate-Black"/>
             </a:endParaRPr>
-          </a:p>
-        </p:txBody>
-      </p:sp>
-      <p:sp>
-        <p:nvSpPr>
-          <p:cNvPr id="4" name="Content Placeholder 3"/>
-          <p:cNvSpPr>
-            <a:spLocks noGrp="1"/>
-          </p:cNvSpPr>
-          <p:nvPr>
-            <p:ph sz="quarter" idx="17"/>
-          </p:nvPr>
-        </p:nvSpPr>
-        <p:spPr>
-          <a:xfrm>
-            <a:off x="273051" y="4011513"/>
-            <a:ext cx="8550274" cy="770366"/>
-          </a:xfrm>
-        </p:spPr>
-        <p:txBody>
-          <a:bodyPr>
-            <a:noAutofit/>
-          </a:bodyPr>
-          <a:lstStyle/>
-          <a:p>
-            <a:r>
-              <a:rPr lang="en-US" sz="1200" dirty="0"/>
-              <a:t>One of the biggest decisions is determining how the compute for your application will be provisioned. Docker or server-less technologies are strongly preferred, and will work for most Windows applications, but not all. In cases where Docker containers are not suitable, it is recommended to use immutable EC2 instances, as this will provide a similar management experience as containers. Terraform(</a:t>
-            </a:r>
-            <a:r>
-              <a:rPr lang="en-US" sz="1200" dirty="0" err="1"/>
-              <a:t>er</a:t>
-            </a:r>
-            <a:r>
-              <a:rPr lang="en-US" sz="1200" dirty="0"/>
-              <a:t>) must be used for all options.</a:t>
-            </a:r>
-          </a:p>
-          <a:p>
-            <a:endParaRPr lang="en-US" sz="1200" dirty="0"/>
           </a:p>
         </p:txBody>
       </p:sp>
@@ -10388,30 +10721,237 @@
           </a:fontRef>
         </p:style>
       </p:cxnSp>
-      <p:pic>
-        <p:nvPicPr>
-          <p:cNvPr id="2" name="Picture 1"/>
-          <p:cNvPicPr>
-            <a:picLocks noChangeAspect="1"/>
-          </p:cNvPicPr>
+      <p:sp>
+        <p:nvSpPr>
+          <p:cNvPr id="10" name="TextBox 9"/>
+          <p:cNvSpPr txBox="1"/>
           <p:nvPr/>
-        </p:nvPicPr>
-        <p:blipFill>
-          <a:blip r:embed="rId2"/>
-          <a:stretch>
-            <a:fillRect/>
-          </a:stretch>
-        </p:blipFill>
-        <p:spPr>
-          <a:xfrm>
-            <a:off x="273051" y="793760"/>
-            <a:ext cx="8573478" cy="3049801"/>
+        </p:nvSpPr>
+        <p:spPr>
+          <a:xfrm>
+            <a:off x="1519414" y="2049780"/>
+            <a:ext cx="1581010" cy="461665"/>
           </a:xfrm>
           <a:prstGeom prst="rect">
             <a:avLst/>
           </a:prstGeom>
-        </p:spPr>
-      </p:pic>
+          <a:noFill/>
+        </p:spPr>
+        <p:txBody>
+          <a:bodyPr wrap="none" rtlCol="0">
+            <a:spAutoFit/>
+          </a:bodyPr>
+          <a:lstStyle/>
+          <a:p>
+            <a:r>
+              <a:rPr lang="en-US" sz="2400" dirty="0">
+                <a:latin typeface="TM Sans"/>
+                <a:cs typeface="TM Sans"/>
+              </a:rPr>
+              <a:t>Script Files</a:t>
+            </a:r>
+          </a:p>
+        </p:txBody>
+      </p:sp>
+      <p:sp>
+        <p:nvSpPr>
+          <p:cNvPr id="11" name="TextBox 10"/>
+          <p:cNvSpPr txBox="1"/>
+          <p:nvPr/>
+        </p:nvSpPr>
+        <p:spPr>
+          <a:xfrm>
+            <a:off x="3112824" y="1198755"/>
+            <a:ext cx="1220270" cy="461665"/>
+          </a:xfrm>
+          <a:prstGeom prst="rect">
+            <a:avLst/>
+          </a:prstGeom>
+          <a:noFill/>
+        </p:spPr>
+        <p:txBody>
+          <a:bodyPr wrap="none" rtlCol="0">
+            <a:spAutoFit/>
+          </a:bodyPr>
+          <a:lstStyle/>
+          <a:p>
+            <a:r>
+              <a:rPr lang="en-US" sz="2400" dirty="0">
+                <a:latin typeface="TM Sans"/>
+                <a:cs typeface="TM Sans"/>
+              </a:rPr>
+              <a:t>Binaries</a:t>
+            </a:r>
+          </a:p>
+        </p:txBody>
+      </p:sp>
+      <p:sp>
+        <p:nvSpPr>
+          <p:cNvPr id="12" name="TextBox 11"/>
+          <p:cNvSpPr txBox="1"/>
+          <p:nvPr/>
+        </p:nvSpPr>
+        <p:spPr>
+          <a:xfrm>
+            <a:off x="3938053" y="2647310"/>
+            <a:ext cx="1815177" cy="461665"/>
+          </a:xfrm>
+          <a:prstGeom prst="rect">
+            <a:avLst/>
+          </a:prstGeom>
+          <a:noFill/>
+        </p:spPr>
+        <p:txBody>
+          <a:bodyPr wrap="none" rtlCol="0">
+            <a:spAutoFit/>
+          </a:bodyPr>
+          <a:lstStyle/>
+          <a:p>
+            <a:r>
+              <a:rPr lang="en-US" sz="2400" dirty="0">
+                <a:latin typeface="TM Sans"/>
+                <a:cs typeface="TM Sans"/>
+              </a:rPr>
+              <a:t>Script Blocks</a:t>
+            </a:r>
+          </a:p>
+        </p:txBody>
+      </p:sp>
+      <p:sp>
+        <p:nvSpPr>
+          <p:cNvPr id="13" name="TextBox 12"/>
+          <p:cNvSpPr txBox="1"/>
+          <p:nvPr/>
+        </p:nvSpPr>
+        <p:spPr>
+          <a:xfrm>
+            <a:off x="1981141" y="3226732"/>
+            <a:ext cx="1802160" cy="461665"/>
+          </a:xfrm>
+          <a:prstGeom prst="rect">
+            <a:avLst/>
+          </a:prstGeom>
+          <a:noFill/>
+        </p:spPr>
+        <p:txBody>
+          <a:bodyPr wrap="none" rtlCol="0">
+            <a:spAutoFit/>
+          </a:bodyPr>
+          <a:lstStyle/>
+          <a:p>
+            <a:r>
+              <a:rPr lang="en-US" sz="2400" dirty="0" err="1">
+                <a:latin typeface="TM Sans"/>
+                <a:cs typeface="TM Sans"/>
+              </a:rPr>
+              <a:t>.Net</a:t>
+            </a:r>
+            <a:r>
+              <a:rPr lang="en-US" sz="2400" dirty="0">
+                <a:latin typeface="TM Sans"/>
+                <a:cs typeface="TM Sans"/>
+              </a:rPr>
+              <a:t> Classes</a:t>
+            </a:r>
+          </a:p>
+        </p:txBody>
+      </p:sp>
+      <p:sp>
+        <p:nvSpPr>
+          <p:cNvPr id="14" name="TextBox 13"/>
+          <p:cNvSpPr txBox="1"/>
+          <p:nvPr/>
+        </p:nvSpPr>
+        <p:spPr>
+          <a:xfrm>
+            <a:off x="4172079" y="1745723"/>
+            <a:ext cx="2688813" cy="461665"/>
+          </a:xfrm>
+          <a:prstGeom prst="rect">
+            <a:avLst/>
+          </a:prstGeom>
+          <a:noFill/>
+        </p:spPr>
+        <p:txBody>
+          <a:bodyPr wrap="none" rtlCol="0">
+            <a:spAutoFit/>
+          </a:bodyPr>
+          <a:lstStyle/>
+          <a:p>
+            <a:r>
+              <a:rPr lang="en-US" sz="2400" dirty="0">
+                <a:latin typeface="TM Sans"/>
+                <a:cs typeface="TM Sans"/>
+              </a:rPr>
+              <a:t>PowerShell Classes</a:t>
+            </a:r>
+          </a:p>
+        </p:txBody>
+      </p:sp>
+      <p:sp>
+        <p:nvSpPr>
+          <p:cNvPr id="15" name="TextBox 14"/>
+          <p:cNvSpPr txBox="1"/>
+          <p:nvPr/>
+        </p:nvSpPr>
+        <p:spPr>
+          <a:xfrm>
+            <a:off x="3783301" y="3919229"/>
+            <a:ext cx="1436804" cy="461665"/>
+          </a:xfrm>
+          <a:prstGeom prst="rect">
+            <a:avLst/>
+          </a:prstGeom>
+          <a:noFill/>
+        </p:spPr>
+        <p:txBody>
+          <a:bodyPr wrap="none" rtlCol="0">
+            <a:spAutoFit/>
+          </a:bodyPr>
+          <a:lstStyle/>
+          <a:p>
+            <a:r>
+              <a:rPr lang="en-US" sz="2400" dirty="0">
+                <a:latin typeface="TM Sans"/>
+                <a:cs typeface="TM Sans"/>
+              </a:rPr>
+              <a:t>Functions</a:t>
+            </a:r>
+          </a:p>
+        </p:txBody>
+      </p:sp>
+      <p:sp>
+        <p:nvSpPr>
+          <p:cNvPr id="16" name="TextBox 15"/>
+          <p:cNvSpPr txBox="1"/>
+          <p:nvPr/>
+        </p:nvSpPr>
+        <p:spPr>
+          <a:xfrm>
+            <a:off x="5753230" y="3230369"/>
+            <a:ext cx="1282852" cy="461665"/>
+          </a:xfrm>
+          <a:prstGeom prst="rect">
+            <a:avLst/>
+          </a:prstGeom>
+          <a:noFill/>
+        </p:spPr>
+        <p:txBody>
+          <a:bodyPr wrap="none" rtlCol="0">
+            <a:spAutoFit/>
+          </a:bodyPr>
+          <a:lstStyle/>
+          <a:p>
+            <a:r>
+              <a:rPr lang="en-US" sz="2400" dirty="0">
+                <a:latin typeface="TM Sans"/>
+                <a:cs typeface="TM Sans"/>
+              </a:rPr>
+              <a:t>Cmdlets</a:t>
+            </a:r>
+          </a:p>
+        </p:txBody>
+      </p:sp>
     </p:spTree>
     <p:extLst>
       <p:ext uri="{BB962C8B-B14F-4D97-AF65-F5344CB8AC3E}">
@@ -10470,7 +11010,7 @@
                 <a:latin typeface="Interstate-Black"/>
                 <a:cs typeface="Interstate-Black"/>
               </a:rPr>
-              <a:t>Web Gateways</a:t>
+              <a:t>Script Files</a:t>
             </a:r>
           </a:p>
           <a:p>
@@ -10514,193 +11054,77 @@
           </a:fontRef>
         </p:style>
       </p:cxnSp>
-      <p:sp>
-        <p:nvSpPr>
-          <p:cNvPr id="5" name="Content Placeholder 4"/>
-          <p:cNvSpPr>
-            <a:spLocks noGrp="1"/>
-          </p:cNvSpPr>
-          <p:nvPr>
-            <p:ph sz="quarter" idx="18"/>
-          </p:nvPr>
-        </p:nvSpPr>
-        <p:spPr>
-          <a:xfrm>
-            <a:off x="273051" y="1130561"/>
-            <a:ext cx="3886200" cy="3340292"/>
-          </a:xfrm>
-        </p:spPr>
-        <p:txBody>
-          <a:bodyPr>
-            <a:normAutofit/>
-          </a:bodyPr>
-          <a:lstStyle/>
-          <a:p>
-            <a:pPr algn="ctr"/>
-            <a:r>
-              <a:rPr lang="en-US" sz="1600" b="1" u="sng" dirty="0">
-                <a:solidFill>
-                  <a:schemeClr val="accent3"/>
-                </a:solidFill>
-              </a:rPr>
-              <a:t>Recommendations</a:t>
-            </a:r>
-          </a:p>
-          <a:p>
-            <a:pPr marL="285750" indent="-285750">
-              <a:buFont typeface="Arial" panose="020B0604020202020204" pitchFamily="34" charset="0"/>
-              <a:buChar char="•"/>
-            </a:pPr>
-            <a:r>
-              <a:rPr lang="en-US" dirty="0"/>
-              <a:t>Leverage Docker containers based on Windows Server 2016</a:t>
-            </a:r>
-          </a:p>
-          <a:p>
-            <a:pPr marL="285750" indent="-285750">
-              <a:buFont typeface="Arial" panose="020B0604020202020204" pitchFamily="34" charset="0"/>
-              <a:buChar char="•"/>
-            </a:pPr>
-            <a:r>
-              <a:rPr lang="en-US" dirty="0"/>
-              <a:t>Long term: consider migrating to .NET Core for ease of deployment, maturity and the ability to run cross-platform / use Nano Server</a:t>
-            </a:r>
-          </a:p>
-          <a:p>
-            <a:pPr marL="285750" indent="-285750">
-              <a:buFont typeface="Arial" panose="020B0604020202020204" pitchFamily="34" charset="0"/>
-              <a:buChar char="•"/>
-            </a:pPr>
-            <a:r>
-              <a:rPr lang="en-US" dirty="0"/>
-              <a:t>Use ELB (Elastic Load Balancer) for load balancing</a:t>
-            </a:r>
-          </a:p>
-          <a:p>
-            <a:pPr marL="285750" indent="-285750">
-              <a:buFont typeface="Arial" panose="020B0604020202020204" pitchFamily="34" charset="0"/>
-              <a:buChar char="•"/>
-            </a:pPr>
-            <a:r>
-              <a:rPr lang="en-US" dirty="0"/>
-              <a:t>Should be implemented as one or more auto-scaling group(s)</a:t>
-            </a:r>
-          </a:p>
-          <a:p>
-            <a:pPr marL="285750" indent="-285750">
-              <a:buFont typeface="Arial" panose="020B0604020202020204" pitchFamily="34" charset="0"/>
-              <a:buChar char="•"/>
-            </a:pPr>
-            <a:endParaRPr lang="en-US" dirty="0"/>
-          </a:p>
-          <a:p>
-            <a:pPr marL="285750" indent="-285750">
-              <a:buFont typeface="Arial" panose="020B0604020202020204" pitchFamily="34" charset="0"/>
-              <a:buChar char="•"/>
-            </a:pPr>
-            <a:endParaRPr lang="en-US" dirty="0"/>
-          </a:p>
-          <a:p>
-            <a:pPr marL="285750" indent="-285750">
-              <a:buFont typeface="Arial" panose="020B0604020202020204" pitchFamily="34" charset="0"/>
-              <a:buChar char="•"/>
-            </a:pPr>
-            <a:endParaRPr lang="en-US" dirty="0"/>
-          </a:p>
-        </p:txBody>
-      </p:sp>
-      <p:sp>
-        <p:nvSpPr>
-          <p:cNvPr id="7" name="Content Placeholder 6"/>
-          <p:cNvSpPr>
-            <a:spLocks noGrp="1"/>
-          </p:cNvSpPr>
+      <p:pic>
+        <p:nvPicPr>
+          <p:cNvPr id="12" name="Content Placeholder 11"/>
+          <p:cNvPicPr>
+            <a:picLocks noGrp="1" noChangeAspect="1"/>
+          </p:cNvPicPr>
           <p:nvPr>
             <p:ph sz="quarter" idx="17"/>
           </p:nvPr>
-        </p:nvSpPr>
-        <p:spPr>
-          <a:xfrm>
-            <a:off x="4937125" y="1131957"/>
-            <a:ext cx="3886200" cy="3340292"/>
-          </a:xfrm>
-        </p:spPr>
-        <p:txBody>
-          <a:bodyPr>
-            <a:normAutofit/>
-          </a:bodyPr>
-          <a:lstStyle/>
-          <a:p>
-            <a:pPr algn="ctr"/>
-            <a:r>
-              <a:rPr lang="en-US" sz="1600" b="1" u="sng" dirty="0">
-                <a:solidFill>
-                  <a:schemeClr val="accent3"/>
-                </a:solidFill>
-              </a:rPr>
-              <a:t>Concerns</a:t>
-            </a:r>
-          </a:p>
-          <a:p>
-            <a:pPr marL="285750" indent="-285750">
-              <a:buFont typeface="Arial" panose="020B0604020202020204" pitchFamily="34" charset="0"/>
-              <a:buChar char="•"/>
-            </a:pPr>
-            <a:r>
-              <a:rPr lang="en-US" dirty="0"/>
-              <a:t>TMWS is currently a single point of failure, which needs to be addressed</a:t>
-            </a:r>
-          </a:p>
-          <a:p>
-            <a:pPr marL="285750" indent="-285750">
-              <a:buFont typeface="Arial" panose="020B0604020202020204" pitchFamily="34" charset="0"/>
-              <a:buChar char="•"/>
-            </a:pPr>
-            <a:r>
-              <a:rPr lang="en-US" dirty="0"/>
-              <a:t>Services requiring an IP address (vs. a DNS name) will add risk, complexity and cost</a:t>
-            </a:r>
-          </a:p>
-          <a:p>
-            <a:pPr algn="ctr"/>
-            <a:endParaRPr lang="en-US" sz="1600" b="1" u="sng" dirty="0">
-              <a:solidFill>
-                <a:schemeClr val="accent3"/>
-              </a:solidFill>
-            </a:endParaRPr>
-          </a:p>
-        </p:txBody>
-      </p:sp>
-      <p:cxnSp>
-        <p:nvCxnSpPr>
-          <p:cNvPr id="9" name="Straight Connector 8"/>
-          <p:cNvCxnSpPr/>
+        </p:nvPicPr>
+        <p:blipFill>
+          <a:blip r:embed="rId3"/>
+          <a:stretch>
+            <a:fillRect/>
+          </a:stretch>
+        </p:blipFill>
+        <p:spPr>
+          <a:xfrm>
+            <a:off x="360258" y="1360064"/>
+            <a:ext cx="8463068" cy="2643401"/>
+          </a:xfrm>
+        </p:spPr>
+      </p:pic>
+      <p:pic>
+        <p:nvPicPr>
+          <p:cNvPr id="16" name="Picture 15"/>
+          <p:cNvPicPr>
+            <a:picLocks noChangeAspect="1"/>
+          </p:cNvPicPr>
           <p:nvPr/>
-        </p:nvCxnSpPr>
-        <p:spPr>
-          <a:xfrm>
-            <a:off x="4562669" y="1131957"/>
-            <a:ext cx="18662" cy="3673308"/>
-          </a:xfrm>
-          <a:prstGeom prst="line">
+        </p:nvPicPr>
+        <p:blipFill>
+          <a:blip r:embed="rId4"/>
+          <a:stretch>
+            <a:fillRect/>
+          </a:stretch>
+        </p:blipFill>
+        <p:spPr>
+          <a:xfrm>
+            <a:off x="706892" y="4186126"/>
+            <a:ext cx="8116433" cy="600159"/>
+          </a:xfrm>
+          <a:prstGeom prst="rect">
             <a:avLst/>
           </a:prstGeom>
         </p:spPr>
-        <p:style>
-          <a:lnRef idx="2">
-            <a:schemeClr val="accent1"/>
-          </a:lnRef>
-          <a:fillRef idx="0">
-            <a:schemeClr val="accent1"/>
-          </a:fillRef>
-          <a:effectRef idx="1">
-            <a:schemeClr val="accent1"/>
-          </a:effectRef>
-          <a:fontRef idx="minor">
-            <a:schemeClr val="tx1"/>
-          </a:fontRef>
-        </p:style>
-      </p:cxnSp>
+      </p:pic>
+      <p:pic>
+        <p:nvPicPr>
+          <p:cNvPr id="18" name="Picture 17"/>
+          <p:cNvPicPr>
+            <a:picLocks noChangeAspect="1"/>
+          </p:cNvPicPr>
+          <p:nvPr/>
+        </p:nvPicPr>
+        <p:blipFill>
+          <a:blip r:embed="rId5"/>
+          <a:stretch>
+            <a:fillRect/>
+          </a:stretch>
+        </p:blipFill>
+        <p:spPr>
+          <a:xfrm>
+            <a:off x="360258" y="815345"/>
+            <a:ext cx="6792273" cy="400106"/>
+          </a:xfrm>
+          <a:prstGeom prst="rect">
+            <a:avLst/>
+          </a:prstGeom>
+        </p:spPr>
+      </p:pic>
     </p:spTree>
     <p:extLst>
       <p:ext uri="{BB962C8B-B14F-4D97-AF65-F5344CB8AC3E}">
@@ -14397,7 +14821,7 @@
                 <a:latin typeface="Interstate-Black"/>
                 <a:cs typeface="Interstate-Black"/>
               </a:rPr>
-              <a:t>Let's start with the correct vocabulary</a:t>
+              <a:t>Let's start with the vocabulary</a:t>
             </a:r>
           </a:p>
         </p:txBody>
@@ -14861,8 +15285,8 @@
         </p:blipFill>
         <p:spPr>
           <a:xfrm>
-            <a:off x="657543" y="961711"/>
-            <a:ext cx="7781290" cy="2770093"/>
+            <a:off x="674571" y="961711"/>
+            <a:ext cx="7503801" cy="3682717"/>
           </a:xfrm>
         </p:spPr>
       </p:pic>
@@ -15862,30 +16286,6 @@
 </file>
 
 <file path=customXml/item1.xml><?xml version="1.0" encoding="utf-8"?>
-<?mso-contentType ?>
-<FormTemplates xmlns="http://schemas.microsoft.com/sharepoint/v3/contenttype/forms">
-  <Display>DocumentLibraryForm</Display>
-  <Edit>DocumentLibraryForm</Edit>
-  <New>DocumentLibraryForm</New>
-</FormTemplates>
-</file>
-
-<file path=customXml/item2.xml><?xml version="1.0" encoding="utf-8"?>
-<p:properties xmlns:p="http://schemas.microsoft.com/office/2006/metadata/properties" xmlns:xsi="http://www.w3.org/2001/XMLSchema-instance" xmlns:pc="http://schemas.microsoft.com/office/infopath/2007/PartnerControls">
-  <documentManagement>
-    <Description0 xmlns="6eed6d30-21cb-4d2a-afd5-64247d3e7b92" xsi:nil="true"/>
-    <SharedWithUsers xmlns="3608d996-f921-4209-962b-af552f1375e0">
-      <UserInfo>
-        <DisplayName>Tonya Coldiron</DisplayName>
-        <AccountId>760</AccountId>
-        <AccountType/>
-      </UserInfo>
-    </SharedWithUsers>
-  </documentManagement>
-</p:properties>
-</file>
-
-<file path=customXml/item3.xml><?xml version="1.0" encoding="utf-8"?>
 <ct:contentTypeSchema xmlns:ct="http://schemas.microsoft.com/office/2006/metadata/contentType" xmlns:ma="http://schemas.microsoft.com/office/2006/metadata/properties/metaAttributes" ct:_="" ma:_="" ma:contentTypeName="Document" ma:contentTypeID="0x010100CB72CB62A2C7A84F8A09B310C9A494EA" ma:contentTypeVersion="3" ma:contentTypeDescription="Create a new document." ma:contentTypeScope="" ma:versionID="b4e75306b3d220e66d8bdfce9a72d9cb">
   <xsd:schema xmlns:xsd="http://www.w3.org/2001/XMLSchema" xmlns:xs="http://www.w3.org/2001/XMLSchema" xmlns:p="http://schemas.microsoft.com/office/2006/metadata/properties" xmlns:ns2="6eed6d30-21cb-4d2a-afd5-64247d3e7b92" xmlns:ns3="3608d996-f921-4209-962b-af552f1375e0" targetNamespace="http://schemas.microsoft.com/office/2006/metadata/properties" ma:root="true" ma:fieldsID="fa291b8313cb5ba9c7328f054605bda0" ns2:_="" ns3:_="">
     <xsd:import namespace="6eed6d30-21cb-4d2a-afd5-64247d3e7b92"/>
@@ -16046,10 +16446,45 @@
 </ct:contentTypeSchema>
 </file>
 
+<file path=customXml/item2.xml><?xml version="1.0" encoding="utf-8"?>
+<p:properties xmlns:p="http://schemas.microsoft.com/office/2006/metadata/properties" xmlns:xsi="http://www.w3.org/2001/XMLSchema-instance" xmlns:pc="http://schemas.microsoft.com/office/infopath/2007/PartnerControls">
+  <documentManagement>
+    <Description0 xmlns="6eed6d30-21cb-4d2a-afd5-64247d3e7b92" xsi:nil="true"/>
+    <SharedWithUsers xmlns="3608d996-f921-4209-962b-af552f1375e0">
+      <UserInfo>
+        <DisplayName>Tonya Coldiron</DisplayName>
+        <AccountId>760</AccountId>
+        <AccountType/>
+      </UserInfo>
+    </SharedWithUsers>
+  </documentManagement>
+</p:properties>
+</file>
+
+<file path=customXml/item3.xml><?xml version="1.0" encoding="utf-8"?>
+<?mso-contentType ?>
+<FormTemplates xmlns="http://schemas.microsoft.com/sharepoint/v3/contenttype/forms">
+  <Display>DocumentLibraryForm</Display>
+  <Edit>DocumentLibraryForm</Edit>
+  <New>DocumentLibraryForm</New>
+</FormTemplates>
+</file>
+
 <file path=customXml/itemProps1.xml><?xml version="1.0" encoding="utf-8"?>
-<ds:datastoreItem xmlns:ds="http://schemas.openxmlformats.org/officeDocument/2006/customXml" ds:itemID="{68C3422F-B7B4-474F-834A-53BF9C172DDC}">
+<ds:datastoreItem xmlns:ds="http://schemas.openxmlformats.org/officeDocument/2006/customXml" ds:itemID="{9D896509-6A47-4130-BB9D-1890AB9F6845}">
   <ds:schemaRefs>
-    <ds:schemaRef ds:uri="http://schemas.microsoft.com/sharepoint/v3/contenttype/forms"/>
+    <ds:schemaRef ds:uri="http://schemas.microsoft.com/office/2006/metadata/contentType"/>
+    <ds:schemaRef ds:uri="http://schemas.microsoft.com/office/2006/metadata/properties/metaAttributes"/>
+    <ds:schemaRef ds:uri="http://www.w3.org/2001/XMLSchema"/>
+    <ds:schemaRef ds:uri="http://schemas.microsoft.com/office/2006/metadata/properties"/>
+    <ds:schemaRef ds:uri="6eed6d30-21cb-4d2a-afd5-64247d3e7b92"/>
+    <ds:schemaRef ds:uri="3608d996-f921-4209-962b-af552f1375e0"/>
+    <ds:schemaRef ds:uri="http://schemas.microsoft.com/office/2006/documentManagement/types"/>
+    <ds:schemaRef ds:uri="http://schemas.microsoft.com/office/infopath/2007/PartnerControls"/>
+    <ds:schemaRef ds:uri="http://schemas.openxmlformats.org/package/2006/metadata/core-properties"/>
+    <ds:schemaRef ds:uri="http://purl.org/dc/elements/1.1/"/>
+    <ds:schemaRef ds:uri="http://purl.org/dc/terms/"/>
+    <ds:schemaRef ds:uri="http://schemas.microsoft.com/internal/obd"/>
   </ds:schemaRefs>
 </ds:datastoreItem>
 </file>
@@ -16072,20 +16507,9 @@
 </file>
 
 <file path=customXml/itemProps3.xml><?xml version="1.0" encoding="utf-8"?>
-<ds:datastoreItem xmlns:ds="http://schemas.openxmlformats.org/officeDocument/2006/customXml" ds:itemID="{9D896509-6A47-4130-BB9D-1890AB9F6845}">
+<ds:datastoreItem xmlns:ds="http://schemas.openxmlformats.org/officeDocument/2006/customXml" ds:itemID="{68C3422F-B7B4-474F-834A-53BF9C172DDC}">
   <ds:schemaRefs>
-    <ds:schemaRef ds:uri="http://schemas.microsoft.com/office/2006/metadata/contentType"/>
-    <ds:schemaRef ds:uri="http://schemas.microsoft.com/office/2006/metadata/properties/metaAttributes"/>
-    <ds:schemaRef ds:uri="http://www.w3.org/2001/XMLSchema"/>
-    <ds:schemaRef ds:uri="http://schemas.microsoft.com/office/2006/metadata/properties"/>
-    <ds:schemaRef ds:uri="6eed6d30-21cb-4d2a-afd5-64247d3e7b92"/>
-    <ds:schemaRef ds:uri="3608d996-f921-4209-962b-af552f1375e0"/>
-    <ds:schemaRef ds:uri="http://schemas.microsoft.com/office/2006/documentManagement/types"/>
-    <ds:schemaRef ds:uri="http://schemas.microsoft.com/office/infopath/2007/PartnerControls"/>
-    <ds:schemaRef ds:uri="http://schemas.openxmlformats.org/package/2006/metadata/core-properties"/>
-    <ds:schemaRef ds:uri="http://purl.org/dc/elements/1.1/"/>
-    <ds:schemaRef ds:uri="http://purl.org/dc/terms/"/>
-    <ds:schemaRef ds:uri="http://schemas.microsoft.com/internal/obd"/>
+    <ds:schemaRef ds:uri="http://schemas.microsoft.com/sharepoint/v3/contenttype/forms"/>
   </ds:schemaRefs>
 </ds:datastoreItem>
 </file>
--- a/Summit2017_Mocking.pptx
+++ b/Summit2017_Mocking.pptx
@@ -5,10 +5,10 @@
     <p:sldMasterId id="2147483648" r:id="rId4"/>
   </p:sldMasterIdLst>
   <p:notesMasterIdLst>
-    <p:notesMasterId r:id="rId22"/>
+    <p:notesMasterId r:id="rId24"/>
   </p:notesMasterIdLst>
   <p:handoutMasterIdLst>
-    <p:handoutMasterId r:id="rId23"/>
+    <p:handoutMasterId r:id="rId25"/>
   </p:handoutMasterIdLst>
   <p:sldIdLst>
     <p:sldId id="422" r:id="rId5"/>
@@ -22,12 +22,14 @@
     <p:sldId id="427" r:id="rId13"/>
     <p:sldId id="402" r:id="rId14"/>
     <p:sldId id="416" r:id="rId15"/>
-    <p:sldId id="417" r:id="rId16"/>
-    <p:sldId id="418" r:id="rId17"/>
-    <p:sldId id="419" r:id="rId18"/>
-    <p:sldId id="420" r:id="rId19"/>
-    <p:sldId id="409" r:id="rId20"/>
-    <p:sldId id="421" r:id="rId21"/>
+    <p:sldId id="428" r:id="rId16"/>
+    <p:sldId id="429" r:id="rId17"/>
+    <p:sldId id="417" r:id="rId18"/>
+    <p:sldId id="418" r:id="rId19"/>
+    <p:sldId id="419" r:id="rId20"/>
+    <p:sldId id="420" r:id="rId21"/>
+    <p:sldId id="409" r:id="rId22"/>
+    <p:sldId id="421" r:id="rId23"/>
   </p:sldIdLst>
   <p:sldSz cx="9144000" cy="5143500" type="screen16x9"/>
   <p:notesSz cx="6858000" cy="9144000"/>
@@ -852,6 +854,386 @@
 </p:notes>
 </file>
 
+<file path=ppt/notesSlides/notesSlide10.xml><?xml version="1.0" encoding="utf-8"?>
+<p:notes xmlns:a="http://schemas.openxmlformats.org/drawingml/2006/main" xmlns:r="http://schemas.openxmlformats.org/officeDocument/2006/relationships" xmlns:p="http://schemas.openxmlformats.org/presentationml/2006/main">
+  <p:cSld>
+    <p:spTree>
+      <p:nvGrpSpPr>
+        <p:cNvPr id="1" name=""/>
+        <p:cNvGrpSpPr/>
+        <p:nvPr/>
+      </p:nvGrpSpPr>
+      <p:grpSpPr>
+        <a:xfrm>
+          <a:off x="0" y="0"/>
+          <a:ext cx="0" cy="0"/>
+          <a:chOff x="0" y="0"/>
+          <a:chExt cx="0" cy="0"/>
+        </a:xfrm>
+      </p:grpSpPr>
+      <p:sp>
+        <p:nvSpPr>
+          <p:cNvPr id="2" name="Slide Image Placeholder 1"/>
+          <p:cNvSpPr>
+            <a:spLocks noGrp="1" noRot="1" noChangeAspect="1"/>
+          </p:cNvSpPr>
+          <p:nvPr>
+            <p:ph type="sldImg"/>
+          </p:nvPr>
+        </p:nvSpPr>
+        <p:spPr/>
+      </p:sp>
+      <p:sp>
+        <p:nvSpPr>
+          <p:cNvPr id="3" name="Notes Placeholder 2"/>
+          <p:cNvSpPr>
+            <a:spLocks noGrp="1"/>
+          </p:cNvSpPr>
+          <p:nvPr>
+            <p:ph type="body" idx="1"/>
+          </p:nvPr>
+        </p:nvSpPr>
+        <p:spPr/>
+        <p:txBody>
+          <a:bodyPr/>
+          <a:lstStyle/>
+          <a:p>
+            <a:pPr marL="171450" indent="-171450">
+              <a:buFont typeface="Arial" panose="020B0604020202020204" pitchFamily="34" charset="0"/>
+              <a:buChar char="•"/>
+            </a:pPr>
+            <a:r>
+              <a:rPr lang="en-US" dirty="0"/>
+              <a:t>The Function trick works well for binaries also</a:t>
+            </a:r>
+          </a:p>
+          <a:p>
+            <a:pPr marL="171450" indent="-171450">
+              <a:buFont typeface="Arial" panose="020B0604020202020204" pitchFamily="34" charset="0"/>
+              <a:buChar char="•"/>
+            </a:pPr>
+            <a:r>
+              <a:rPr lang="en-US" dirty="0"/>
+              <a:t>If you are just trying to verify the binary was called, you can return a static value</a:t>
+            </a:r>
+          </a:p>
+          <a:p>
+            <a:pPr marL="171450" indent="-171450">
+              <a:buFont typeface="Arial" panose="020B0604020202020204" pitchFamily="34" charset="0"/>
+              <a:buChar char="•"/>
+            </a:pPr>
+            <a:endParaRPr lang="en-US" dirty="0"/>
+          </a:p>
+        </p:txBody>
+      </p:sp>
+      <p:sp>
+        <p:nvSpPr>
+          <p:cNvPr id="4" name="Slide Number Placeholder 3"/>
+          <p:cNvSpPr>
+            <a:spLocks noGrp="1"/>
+          </p:cNvSpPr>
+          <p:nvPr>
+            <p:ph type="sldNum" sz="quarter" idx="10"/>
+          </p:nvPr>
+        </p:nvSpPr>
+        <p:spPr/>
+        <p:txBody>
+          <a:bodyPr/>
+          <a:lstStyle/>
+          <a:p>
+            <a:fld id="{580C3CF9-2088-4345-84DE-A0500A36AC73}" type="slidenum">
+              <a:rPr lang="en-US" smtClean="0"/>
+              <a:pPr/>
+              <a:t>12</a:t>
+            </a:fld>
+            <a:endParaRPr lang="en-US"/>
+          </a:p>
+        </p:txBody>
+      </p:sp>
+    </p:spTree>
+    <p:extLst>
+      <p:ext uri="{BB962C8B-B14F-4D97-AF65-F5344CB8AC3E}">
+        <p14:creationId xmlns:p14="http://schemas.microsoft.com/office/powerpoint/2010/main" val="2137406744"/>
+      </p:ext>
+    </p:extLst>
+  </p:cSld>
+  <p:clrMapOvr>
+    <a:masterClrMapping/>
+  </p:clrMapOvr>
+</p:notes>
+</file>
+
+<file path=ppt/notesSlides/notesSlide11.xml><?xml version="1.0" encoding="utf-8"?>
+<p:notes xmlns:a="http://schemas.openxmlformats.org/drawingml/2006/main" xmlns:r="http://schemas.openxmlformats.org/officeDocument/2006/relationships" xmlns:p="http://schemas.openxmlformats.org/presentationml/2006/main">
+  <p:cSld>
+    <p:spTree>
+      <p:nvGrpSpPr>
+        <p:cNvPr id="1" name=""/>
+        <p:cNvGrpSpPr/>
+        <p:nvPr/>
+      </p:nvGrpSpPr>
+      <p:grpSpPr>
+        <a:xfrm>
+          <a:off x="0" y="0"/>
+          <a:ext cx="0" cy="0"/>
+          <a:chOff x="0" y="0"/>
+          <a:chExt cx="0" cy="0"/>
+        </a:xfrm>
+      </p:grpSpPr>
+      <p:sp>
+        <p:nvSpPr>
+          <p:cNvPr id="2" name="Slide Image Placeholder 1"/>
+          <p:cNvSpPr>
+            <a:spLocks noGrp="1" noRot="1" noChangeAspect="1"/>
+          </p:cNvSpPr>
+          <p:nvPr>
+            <p:ph type="sldImg"/>
+          </p:nvPr>
+        </p:nvSpPr>
+        <p:spPr/>
+      </p:sp>
+      <p:sp>
+        <p:nvSpPr>
+          <p:cNvPr id="3" name="Notes Placeholder 2"/>
+          <p:cNvSpPr>
+            <a:spLocks noGrp="1"/>
+          </p:cNvSpPr>
+          <p:nvPr>
+            <p:ph type="body" idx="1"/>
+          </p:nvPr>
+        </p:nvSpPr>
+        <p:spPr/>
+        <p:txBody>
+          <a:bodyPr/>
+          <a:lstStyle/>
+          <a:p>
+            <a:pPr marL="171450" indent="-171450">
+              <a:buFont typeface="Arial" panose="020B0604020202020204" pitchFamily="34" charset="0"/>
+              <a:buChar char="•"/>
+            </a:pPr>
+            <a:r>
+              <a:rPr lang="en-US" dirty="0"/>
+              <a:t>But, you could take it a bit further and work with $</a:t>
+            </a:r>
+            <a:r>
+              <a:rPr lang="en-US" dirty="0" err="1"/>
+              <a:t>args</a:t>
+            </a:r>
+            <a:r>
+              <a:rPr lang="en-US" dirty="0"/>
+              <a:t> </a:t>
+            </a:r>
+          </a:p>
+          <a:p>
+            <a:pPr marL="171450" indent="-171450">
+              <a:buFont typeface="Arial" panose="020B0604020202020204" pitchFamily="34" charset="0"/>
+              <a:buChar char="•"/>
+            </a:pPr>
+            <a:r>
+              <a:rPr lang="en-US" dirty="0"/>
+              <a:t>If you test the $</a:t>
+            </a:r>
+            <a:r>
+              <a:rPr lang="en-US" dirty="0" err="1"/>
+              <a:t>arg</a:t>
+            </a:r>
+            <a:r>
+              <a:rPr lang="en-US" dirty="0"/>
+              <a:t> values, you create a call specification and do some basic Behavior </a:t>
+            </a:r>
+            <a:r>
+              <a:rPr lang="en-US" dirty="0" err="1"/>
+              <a:t>Verificaiton</a:t>
+            </a:r>
+            <a:endParaRPr lang="en-US" dirty="0"/>
+          </a:p>
+          <a:p>
+            <a:pPr marL="171450" indent="-171450">
+              <a:buFont typeface="Arial" panose="020B0604020202020204" pitchFamily="34" charset="0"/>
+              <a:buChar char="•"/>
+            </a:pPr>
+            <a:r>
+              <a:rPr lang="en-US" dirty="0"/>
+              <a:t>Just don’t get carried away with logic or you’ll have to unit test your unit tests</a:t>
+            </a:r>
+          </a:p>
+        </p:txBody>
+      </p:sp>
+      <p:sp>
+        <p:nvSpPr>
+          <p:cNvPr id="4" name="Slide Number Placeholder 3"/>
+          <p:cNvSpPr>
+            <a:spLocks noGrp="1"/>
+          </p:cNvSpPr>
+          <p:nvPr>
+            <p:ph type="sldNum" sz="quarter" idx="10"/>
+          </p:nvPr>
+        </p:nvSpPr>
+        <p:spPr/>
+        <p:txBody>
+          <a:bodyPr/>
+          <a:lstStyle/>
+          <a:p>
+            <a:fld id="{580C3CF9-2088-4345-84DE-A0500A36AC73}" type="slidenum">
+              <a:rPr lang="en-US" smtClean="0"/>
+              <a:pPr/>
+              <a:t>13</a:t>
+            </a:fld>
+            <a:endParaRPr lang="en-US"/>
+          </a:p>
+        </p:txBody>
+      </p:sp>
+    </p:spTree>
+    <p:extLst>
+      <p:ext uri="{BB962C8B-B14F-4D97-AF65-F5344CB8AC3E}">
+        <p14:creationId xmlns:p14="http://schemas.microsoft.com/office/powerpoint/2010/main" val="3304852470"/>
+      </p:ext>
+    </p:extLst>
+  </p:cSld>
+  <p:clrMapOvr>
+    <a:masterClrMapping/>
+  </p:clrMapOvr>
+</p:notes>
+</file>
+
+<file path=ppt/notesSlides/notesSlide12.xml><?xml version="1.0" encoding="utf-8"?>
+<p:notes xmlns:a="http://schemas.openxmlformats.org/drawingml/2006/main" xmlns:r="http://schemas.openxmlformats.org/officeDocument/2006/relationships" xmlns:p="http://schemas.openxmlformats.org/presentationml/2006/main">
+  <p:cSld>
+    <p:spTree>
+      <p:nvGrpSpPr>
+        <p:cNvPr id="1" name=""/>
+        <p:cNvGrpSpPr/>
+        <p:nvPr/>
+      </p:nvGrpSpPr>
+      <p:grpSpPr>
+        <a:xfrm>
+          <a:off x="0" y="0"/>
+          <a:ext cx="0" cy="0"/>
+          <a:chOff x="0" y="0"/>
+          <a:chExt cx="0" cy="0"/>
+        </a:xfrm>
+      </p:grpSpPr>
+      <p:sp>
+        <p:nvSpPr>
+          <p:cNvPr id="2" name="Slide Image Placeholder 1"/>
+          <p:cNvSpPr>
+            <a:spLocks noGrp="1" noRot="1" noChangeAspect="1"/>
+          </p:cNvSpPr>
+          <p:nvPr>
+            <p:ph type="sldImg"/>
+          </p:nvPr>
+        </p:nvSpPr>
+        <p:spPr/>
+      </p:sp>
+      <p:sp>
+        <p:nvSpPr>
+          <p:cNvPr id="3" name="Notes Placeholder 2"/>
+          <p:cNvSpPr>
+            <a:spLocks noGrp="1"/>
+          </p:cNvSpPr>
+          <p:nvPr>
+            <p:ph type="body" idx="1"/>
+          </p:nvPr>
+        </p:nvSpPr>
+        <p:spPr/>
+        <p:txBody>
+          <a:bodyPr/>
+          <a:lstStyle/>
+          <a:p>
+            <a:pPr marL="171450" indent="-171450">
+              <a:buFont typeface="Arial" panose="020B0604020202020204" pitchFamily="34" charset="0"/>
+              <a:buChar char="•"/>
+            </a:pPr>
+            <a:r>
+              <a:rPr lang="en-US" dirty="0"/>
+              <a:t>In this example, we actually spin up a small web service to respond to Invoke-</a:t>
+            </a:r>
+            <a:r>
+              <a:rPr lang="en-US" dirty="0" err="1"/>
+              <a:t>RestMethod</a:t>
+            </a:r>
+            <a:endParaRPr lang="en-US" dirty="0"/>
+          </a:p>
+          <a:p>
+            <a:pPr marL="171450" indent="-171450">
+              <a:buFont typeface="Arial" panose="020B0604020202020204" pitchFamily="34" charset="0"/>
+              <a:buChar char="•"/>
+            </a:pPr>
+            <a:r>
+              <a:rPr lang="en-US" dirty="0"/>
+              <a:t>The only value this has over just mocking Invoke-</a:t>
+            </a:r>
+            <a:r>
+              <a:rPr lang="en-US" dirty="0" err="1"/>
+              <a:t>RestMethod</a:t>
+            </a:r>
+            <a:r>
+              <a:rPr lang="en-US" dirty="0"/>
+              <a:t> is you more closely simulate the real integration with real Request and </a:t>
+            </a:r>
+            <a:r>
+              <a:rPr lang="en-US" dirty="0" err="1"/>
+              <a:t>Respone</a:t>
+            </a:r>
+            <a:r>
+              <a:rPr lang="en-US"/>
+              <a:t> objects</a:t>
+            </a:r>
+            <a:endParaRPr lang="en-US" dirty="0"/>
+          </a:p>
+          <a:p>
+            <a:pPr marL="0" indent="0">
+              <a:buFont typeface="Arial" panose="020B0604020202020204" pitchFamily="34" charset="0"/>
+              <a:buNone/>
+            </a:pPr>
+            <a:endParaRPr lang="en-US" dirty="0"/>
+          </a:p>
+          <a:p>
+            <a:pPr marL="171450" indent="-171450">
+              <a:buFont typeface="Arial" panose="020B0604020202020204" pitchFamily="34" charset="0"/>
+              <a:buChar char="•"/>
+            </a:pPr>
+            <a:endParaRPr lang="en-US" dirty="0"/>
+          </a:p>
+        </p:txBody>
+      </p:sp>
+      <p:sp>
+        <p:nvSpPr>
+          <p:cNvPr id="4" name="Slide Number Placeholder 3"/>
+          <p:cNvSpPr>
+            <a:spLocks noGrp="1"/>
+          </p:cNvSpPr>
+          <p:nvPr>
+            <p:ph type="sldNum" sz="quarter" idx="10"/>
+          </p:nvPr>
+        </p:nvSpPr>
+        <p:spPr/>
+        <p:txBody>
+          <a:bodyPr/>
+          <a:lstStyle/>
+          <a:p>
+            <a:fld id="{580C3CF9-2088-4345-84DE-A0500A36AC73}" type="slidenum">
+              <a:rPr lang="en-US" smtClean="0"/>
+              <a:pPr/>
+              <a:t>14</a:t>
+            </a:fld>
+            <a:endParaRPr lang="en-US"/>
+          </a:p>
+        </p:txBody>
+      </p:sp>
+    </p:spTree>
+    <p:extLst>
+      <p:ext uri="{BB962C8B-B14F-4D97-AF65-F5344CB8AC3E}">
+        <p14:creationId xmlns:p14="http://schemas.microsoft.com/office/powerpoint/2010/main" val="700219314"/>
+      </p:ext>
+    </p:extLst>
+  </p:cSld>
+  <p:clrMapOvr>
+    <a:masterClrMapping/>
+  </p:clrMapOvr>
+</p:notes>
+</file>
+
 <file path=ppt/notesSlides/notesSlide2.xml><?xml version="1.0" encoding="utf-8"?>
 <p:notes xmlns:a="http://schemas.openxmlformats.org/drawingml/2006/main" xmlns:r="http://schemas.openxmlformats.org/officeDocument/2006/relationships" xmlns:p="http://schemas.openxmlformats.org/presentationml/2006/main">
   <p:cSld>
@@ -1890,13 +2272,8 @@
             </a:pPr>
             <a:r>
               <a:rPr lang="en-US" dirty="0"/>
-              <a:t>This is one of the primary patterns you can use in PowerShell to fake just </a:t>
-            </a:r>
-            <a:r>
-              <a:rPr lang="en-US"/>
-              <a:t>about anything</a:t>
-            </a:r>
-            <a:endParaRPr lang="en-US"/>
+              <a:t>This is one of the primary patterns you can use in PowerShell to fake just about any call</a:t>
+            </a:r>
           </a:p>
         </p:txBody>
       </p:sp>
@@ -11183,7 +11560,7 @@
                 <a:latin typeface="Interstate-Black"/>
                 <a:cs typeface="Interstate-Black"/>
               </a:rPr>
-              <a:t>Databases</a:t>
+              <a:t>Binaries</a:t>
             </a:r>
           </a:p>
           <a:p>
@@ -11227,237 +11604,111 @@
           </a:fontRef>
         </p:style>
       </p:cxnSp>
-      <p:sp>
-        <p:nvSpPr>
-          <p:cNvPr id="5" name="Content Placeholder 4"/>
+      <p:pic>
+        <p:nvPicPr>
+          <p:cNvPr id="7" name="Content Placeholder 6"/>
+          <p:cNvPicPr>
+            <a:picLocks noGrp="1" noChangeAspect="1"/>
+          </p:cNvPicPr>
+          <p:nvPr>
+            <p:ph sz="quarter" idx="17"/>
+          </p:nvPr>
+        </p:nvPicPr>
+        <p:blipFill>
+          <a:blip r:embed="rId3"/>
+          <a:stretch>
+            <a:fillRect/>
+          </a:stretch>
+        </p:blipFill>
+        <p:spPr>
+          <a:xfrm>
+            <a:off x="1464180" y="963197"/>
+            <a:ext cx="5814805" cy="3821783"/>
+          </a:xfrm>
+        </p:spPr>
+      </p:pic>
+    </p:spTree>
+    <p:extLst>
+      <p:ext uri="{BB962C8B-B14F-4D97-AF65-F5344CB8AC3E}">
+        <p14:creationId xmlns:p14="http://schemas.microsoft.com/office/powerpoint/2010/main" val="2374449727"/>
+      </p:ext>
+    </p:extLst>
+  </p:cSld>
+  <p:clrMapOvr>
+    <a:masterClrMapping/>
+  </p:clrMapOvr>
+</p:sld>
+</file>
+
+<file path=ppt/slides/slide13.xml><?xml version="1.0" encoding="utf-8"?>
+<p:sld xmlns:a="http://schemas.openxmlformats.org/drawingml/2006/main" xmlns:r="http://schemas.openxmlformats.org/officeDocument/2006/relationships" xmlns:p="http://schemas.openxmlformats.org/presentationml/2006/main">
+  <p:cSld>
+    <p:spTree>
+      <p:nvGrpSpPr>
+        <p:cNvPr id="1" name=""/>
+        <p:cNvGrpSpPr/>
+        <p:nvPr/>
+      </p:nvGrpSpPr>
+      <p:grpSpPr>
+        <a:xfrm>
+          <a:off x="0" y="0"/>
+          <a:ext cx="0" cy="0"/>
+          <a:chOff x="0" y="0"/>
+          <a:chExt cx="0" cy="0"/>
+        </a:xfrm>
+      </p:grpSpPr>
+      <p:sp>
+        <p:nvSpPr>
+          <p:cNvPr id="3" name="Text Placeholder 2"/>
           <p:cNvSpPr>
             <a:spLocks noGrp="1"/>
           </p:cNvSpPr>
           <p:nvPr>
-            <p:ph sz="quarter" idx="18"/>
+            <p:ph type="body" sz="quarter" idx="15"/>
           </p:nvPr>
         </p:nvSpPr>
         <p:spPr>
-          <a:xfrm>
-            <a:off x="273051" y="1130561"/>
-            <a:ext cx="3886200" cy="3340292"/>
-          </a:xfrm>
-        </p:spPr>
-        <p:txBody>
-          <a:bodyPr>
-            <a:normAutofit/>
-          </a:bodyPr>
+          <a:effectLst>
+            <a:outerShdw blurRad="40005" dist="20320" dir="5400000" algn="ctr" rotWithShape="0">
+              <a:schemeClr val="bg2">
+                <a:alpha val="38000"/>
+              </a:schemeClr>
+            </a:outerShdw>
+          </a:effectLst>
+        </p:spPr>
+        <p:txBody>
+          <a:bodyPr/>
           <a:lstStyle/>
           <a:p>
-            <a:pPr algn="ctr"/>
-            <a:r>
-              <a:rPr lang="en-US" sz="1600" b="1" u="sng" dirty="0">
-                <a:solidFill>
-                  <a:schemeClr val="accent3"/>
-                </a:solidFill>
+            <a:r>
+              <a:rPr lang="en-US" dirty="0">
+                <a:latin typeface="Interstate-Black"/>
+                <a:cs typeface="Interstate-Black"/>
               </a:rPr>
-              <a:t>Recommendations</a:t>
-            </a:r>
-          </a:p>
-          <a:p>
-            <a:pPr marL="285750" indent="-285750">
-              <a:buFont typeface="Arial" panose="020B0604020202020204" pitchFamily="34" charset="0"/>
-              <a:buChar char="•"/>
-            </a:pPr>
-            <a:r>
-              <a:rPr lang="en-US" dirty="0"/>
-              <a:t>Investigate and if possible, leverage Docker containers based on Windows Server 2016</a:t>
-            </a:r>
-          </a:p>
-          <a:p>
-            <a:pPr marL="429718" lvl="1" indent="-285750">
-              <a:buFont typeface="Arial" panose="020B0604020202020204" pitchFamily="34" charset="0"/>
-              <a:buChar char="•"/>
-            </a:pPr>
-            <a:r>
-              <a:rPr lang="en-US" dirty="0"/>
-              <a:t>Consider database layout – one database per container/EC2 instance or more?</a:t>
-            </a:r>
-          </a:p>
-          <a:p>
-            <a:pPr marL="285750" indent="-285750">
-              <a:buFont typeface="Arial" panose="020B0604020202020204" pitchFamily="34" charset="0"/>
-              <a:buChar char="•"/>
-            </a:pPr>
-            <a:r>
-              <a:rPr lang="en-US" dirty="0"/>
-              <a:t>Use EBS (Elastic Block Storage) for database storage</a:t>
-            </a:r>
-          </a:p>
-          <a:p>
-            <a:pPr marL="285750" indent="-285750">
-              <a:buFont typeface="Arial" panose="020B0604020202020204" pitchFamily="34" charset="0"/>
-              <a:buChar char="•"/>
-            </a:pPr>
-            <a:r>
-              <a:rPr lang="en-US" dirty="0"/>
-              <a:t>Do not migrate live log servers, as it’s not needed with high availability</a:t>
-            </a:r>
-          </a:p>
-          <a:p>
-            <a:pPr marL="285750" indent="-285750">
-              <a:buFont typeface="Arial" panose="020B0604020202020204" pitchFamily="34" charset="0"/>
-              <a:buChar char="•"/>
-            </a:pPr>
-            <a:endParaRPr lang="en-US" dirty="0"/>
-          </a:p>
-          <a:p>
-            <a:pPr marL="285750" indent="-285750">
-              <a:buFont typeface="Arial" panose="020B0604020202020204" pitchFamily="34" charset="0"/>
-              <a:buChar char="•"/>
-            </a:pPr>
-            <a:endParaRPr lang="en-US" dirty="0"/>
-          </a:p>
-          <a:p>
-            <a:pPr marL="285750" indent="-285750">
-              <a:buFont typeface="Arial" panose="020B0604020202020204" pitchFamily="34" charset="0"/>
-              <a:buChar char="•"/>
-            </a:pPr>
-            <a:endParaRPr lang="en-US" dirty="0"/>
-          </a:p>
-        </p:txBody>
-      </p:sp>
-      <p:sp>
-        <p:nvSpPr>
-          <p:cNvPr id="7" name="Content Placeholder 6"/>
-          <p:cNvSpPr>
-            <a:spLocks noGrp="1"/>
-          </p:cNvSpPr>
-          <p:nvPr>
-            <p:ph sz="quarter" idx="17"/>
-          </p:nvPr>
-        </p:nvSpPr>
-        <p:spPr>
-          <a:xfrm>
-            <a:off x="4937125" y="1131957"/>
-            <a:ext cx="3886200" cy="3340292"/>
-          </a:xfrm>
-        </p:spPr>
-        <p:txBody>
-          <a:bodyPr>
-            <a:normAutofit/>
-          </a:bodyPr>
-          <a:lstStyle/>
-          <a:p>
-            <a:pPr algn="ctr"/>
-            <a:r>
-              <a:rPr lang="en-US" sz="1600" b="1" u="sng" dirty="0">
-                <a:solidFill>
-                  <a:schemeClr val="accent3"/>
-                </a:solidFill>
-              </a:rPr>
-              <a:t>Concerns</a:t>
-            </a:r>
-          </a:p>
-          <a:p>
-            <a:pPr marL="285750" indent="-285750">
-              <a:buFont typeface="Arial" panose="020B0604020202020204" pitchFamily="34" charset="0"/>
-              <a:buChar char="•"/>
-            </a:pPr>
-            <a:r>
-              <a:rPr lang="en-US" dirty="0"/>
-              <a:t>High availability must be implemented</a:t>
-            </a:r>
-          </a:p>
-          <a:p>
-            <a:pPr marL="285750" indent="-285750">
-              <a:buFont typeface="Arial" panose="020B0604020202020204" pitchFamily="34" charset="0"/>
-              <a:buChar char="•"/>
-            </a:pPr>
-            <a:r>
-              <a:rPr lang="en-US" dirty="0"/>
-              <a:t>Cost is a significant factor for databases; some type of dynamic re-allocation may allow cost savings</a:t>
-            </a:r>
-          </a:p>
-          <a:p>
-            <a:pPr marL="285750" indent="-285750">
-              <a:buFont typeface="Arial" panose="020B0604020202020204" pitchFamily="34" charset="0"/>
-              <a:buChar char="•"/>
-            </a:pPr>
-            <a:r>
-              <a:rPr lang="en-US" dirty="0"/>
-              <a:t>Client/3</a:t>
-            </a:r>
-            <a:r>
-              <a:rPr lang="en-US" baseline="30000" dirty="0"/>
-              <a:t>rd</a:t>
-            </a:r>
-            <a:r>
-              <a:rPr lang="en-US" dirty="0"/>
-              <a:t> party ODBC access</a:t>
-            </a:r>
-          </a:p>
-          <a:p>
-            <a:pPr marL="285750" indent="-285750">
-              <a:buFont typeface="Arial" panose="020B0604020202020204" pitchFamily="34" charset="0"/>
-              <a:buChar char="•"/>
-            </a:pPr>
-            <a:r>
-              <a:rPr lang="en-US" dirty="0"/>
-              <a:t>To support remote management, do all databases (including archive and training) need to be in </a:t>
-            </a:r>
-            <a:r>
-              <a:rPr lang="en-US" dirty="0" err="1"/>
-              <a:t>OnDemand</a:t>
-            </a:r>
-            <a:r>
-              <a:rPr lang="en-US" dirty="0"/>
-              <a:t> cloud?</a:t>
-            </a:r>
-          </a:p>
-          <a:p>
-            <a:pPr marL="285750" indent="-285750">
-              <a:buFont typeface="Arial" panose="020B0604020202020204" pitchFamily="34" charset="0"/>
-              <a:buChar char="•"/>
-            </a:pPr>
-            <a:r>
-              <a:rPr lang="en-US" dirty="0"/>
-              <a:t>Is the inability to run </a:t>
-            </a:r>
-            <a:r>
-              <a:rPr lang="en-US" dirty="0" err="1"/>
-              <a:t>isql</a:t>
-            </a:r>
-            <a:r>
-              <a:rPr lang="en-US" dirty="0"/>
-              <a:t> from database servers a PCI issue?</a:t>
-            </a:r>
-          </a:p>
-          <a:p>
-            <a:pPr marL="285750" indent="-285750">
-              <a:buFont typeface="Arial" panose="020B0604020202020204" pitchFamily="34" charset="0"/>
-              <a:buChar char="•"/>
-            </a:pPr>
-            <a:r>
-              <a:rPr lang="en-US" dirty="0"/>
-              <a:t>How will databases be initially moved into AWS?</a:t>
-            </a:r>
-          </a:p>
-          <a:p>
-            <a:pPr algn="ctr"/>
-            <a:endParaRPr lang="en-US" sz="1600" b="1" u="sng" dirty="0">
-              <a:solidFill>
-                <a:schemeClr val="accent3"/>
-              </a:solidFill>
+              <a:t>Binaries</a:t>
+            </a:r>
+          </a:p>
+          <a:p>
+            <a:endParaRPr lang="en-US" dirty="0">
+              <a:latin typeface="Interstate-Black"/>
+              <a:cs typeface="Interstate-Black"/>
             </a:endParaRPr>
           </a:p>
         </p:txBody>
       </p:sp>
       <p:cxnSp>
         <p:nvCxnSpPr>
-          <p:cNvPr id="9" name="Straight Connector 8"/>
-          <p:cNvCxnSpPr/>
+          <p:cNvPr id="6" name="Straight Connector 5"/>
+          <p:cNvCxnSpPr>
+            <a:stCxn id="3" idx="1"/>
+            <a:endCxn id="3" idx="3"/>
+          </p:cNvCxnSpPr>
           <p:nvPr/>
         </p:nvCxnSpPr>
         <p:spPr>
           <a:xfrm>
-            <a:off x="4562669" y="1131957"/>
-            <a:ext cx="18662" cy="3673308"/>
+            <a:off x="273051" y="641272"/>
+            <a:ext cx="8550274" cy="0"/>
           </a:xfrm>
           <a:prstGeom prst="line">
             <a:avLst/>
@@ -11478,6 +11729,384 @@
           </a:fontRef>
         </p:style>
       </p:cxnSp>
+      <p:pic>
+        <p:nvPicPr>
+          <p:cNvPr id="7" name="Content Placeholder 6"/>
+          <p:cNvPicPr>
+            <a:picLocks noGrp="1" noChangeAspect="1"/>
+          </p:cNvPicPr>
+          <p:nvPr>
+            <p:ph sz="quarter" idx="17"/>
+          </p:nvPr>
+        </p:nvPicPr>
+        <p:blipFill>
+          <a:blip r:embed="rId3"/>
+          <a:stretch>
+            <a:fillRect/>
+          </a:stretch>
+        </p:blipFill>
+        <p:spPr>
+          <a:xfrm>
+            <a:off x="1464180" y="1106567"/>
+            <a:ext cx="5814805" cy="2064677"/>
+          </a:xfrm>
+        </p:spPr>
+      </p:pic>
+    </p:spTree>
+    <p:extLst>
+      <p:ext uri="{BB962C8B-B14F-4D97-AF65-F5344CB8AC3E}">
+        <p14:creationId xmlns:p14="http://schemas.microsoft.com/office/powerpoint/2010/main" val="2153701213"/>
+      </p:ext>
+    </p:extLst>
+  </p:cSld>
+  <p:clrMapOvr>
+    <a:masterClrMapping/>
+  </p:clrMapOvr>
+</p:sld>
+</file>
+
+<file path=ppt/slides/slide14.xml><?xml version="1.0" encoding="utf-8"?>
+<p:sld xmlns:a="http://schemas.openxmlformats.org/drawingml/2006/main" xmlns:r="http://schemas.openxmlformats.org/officeDocument/2006/relationships" xmlns:p="http://schemas.openxmlformats.org/presentationml/2006/main">
+  <p:cSld>
+    <p:spTree>
+      <p:nvGrpSpPr>
+        <p:cNvPr id="1" name=""/>
+        <p:cNvGrpSpPr/>
+        <p:nvPr/>
+      </p:nvGrpSpPr>
+      <p:grpSpPr>
+        <a:xfrm>
+          <a:off x="0" y="0"/>
+          <a:ext cx="0" cy="0"/>
+          <a:chOff x="0" y="0"/>
+          <a:chExt cx="0" cy="0"/>
+        </a:xfrm>
+      </p:grpSpPr>
+      <p:sp>
+        <p:nvSpPr>
+          <p:cNvPr id="3" name="Text Placeholder 2"/>
+          <p:cNvSpPr>
+            <a:spLocks noGrp="1"/>
+          </p:cNvSpPr>
+          <p:nvPr>
+            <p:ph type="body" sz="quarter" idx="15"/>
+          </p:nvPr>
+        </p:nvSpPr>
+        <p:spPr>
+          <a:effectLst>
+            <a:outerShdw blurRad="40005" dist="20320" dir="5400000" algn="ctr" rotWithShape="0">
+              <a:schemeClr val="bg2">
+                <a:alpha val="38000"/>
+              </a:schemeClr>
+            </a:outerShdw>
+          </a:effectLst>
+        </p:spPr>
+        <p:txBody>
+          <a:bodyPr/>
+          <a:lstStyle/>
+          <a:p>
+            <a:r>
+              <a:rPr lang="en-US" dirty="0">
+                <a:latin typeface="Interstate-Black"/>
+                <a:cs typeface="Interstate-Black"/>
+              </a:rPr>
+              <a:t>Web APIs</a:t>
+            </a:r>
+          </a:p>
+          <a:p>
+            <a:endParaRPr lang="en-US" dirty="0">
+              <a:latin typeface="Interstate-Black"/>
+              <a:cs typeface="Interstate-Black"/>
+            </a:endParaRPr>
+          </a:p>
+        </p:txBody>
+      </p:sp>
+      <p:cxnSp>
+        <p:nvCxnSpPr>
+          <p:cNvPr id="6" name="Straight Connector 5"/>
+          <p:cNvCxnSpPr>
+            <a:stCxn id="3" idx="1"/>
+            <a:endCxn id="3" idx="3"/>
+          </p:cNvCxnSpPr>
+          <p:nvPr/>
+        </p:nvCxnSpPr>
+        <p:spPr>
+          <a:xfrm>
+            <a:off x="273051" y="641272"/>
+            <a:ext cx="8550274" cy="0"/>
+          </a:xfrm>
+          <a:prstGeom prst="line">
+            <a:avLst/>
+          </a:prstGeom>
+        </p:spPr>
+        <p:style>
+          <a:lnRef idx="2">
+            <a:schemeClr val="accent1"/>
+          </a:lnRef>
+          <a:fillRef idx="0">
+            <a:schemeClr val="accent1"/>
+          </a:fillRef>
+          <a:effectRef idx="1">
+            <a:schemeClr val="accent1"/>
+          </a:effectRef>
+          <a:fontRef idx="minor">
+            <a:schemeClr val="tx1"/>
+          </a:fontRef>
+        </p:style>
+      </p:cxnSp>
+      <p:sp>
+        <p:nvSpPr>
+          <p:cNvPr id="7" name="Content Placeholder 6"/>
+          <p:cNvSpPr>
+            <a:spLocks noGrp="1"/>
+          </p:cNvSpPr>
+          <p:nvPr>
+            <p:ph sz="quarter" idx="17"/>
+          </p:nvPr>
+        </p:nvSpPr>
+        <p:spPr>
+          <a:xfrm>
+            <a:off x="661988" y="4508626"/>
+            <a:ext cx="3249109" cy="284938"/>
+          </a:xfrm>
+        </p:spPr>
+        <p:txBody>
+          <a:bodyPr>
+            <a:normAutofit/>
+          </a:bodyPr>
+          <a:lstStyle/>
+          <a:p>
+            <a:pPr marL="285750" indent="-285750">
+              <a:buFont typeface="Arial" panose="020B0604020202020204" pitchFamily="34" charset="0"/>
+              <a:buChar char="•"/>
+            </a:pPr>
+            <a:r>
+              <a:rPr lang="en-US" dirty="0"/>
+              <a:t>https://github.com/toenuff/</a:t>
+            </a:r>
+            <a:r>
+              <a:rPr lang="en-US" b="1" dirty="0"/>
+              <a:t>flancy</a:t>
+            </a:r>
+          </a:p>
+        </p:txBody>
+      </p:sp>
+      <p:pic>
+        <p:nvPicPr>
+          <p:cNvPr id="10" name="Content Placeholder 9"/>
+          <p:cNvPicPr>
+            <a:picLocks noGrp="1" noChangeAspect="1"/>
+          </p:cNvPicPr>
+          <p:nvPr>
+            <p:ph sz="quarter" idx="18"/>
+          </p:nvPr>
+        </p:nvPicPr>
+        <p:blipFill>
+          <a:blip r:embed="rId3"/>
+          <a:stretch>
+            <a:fillRect/>
+          </a:stretch>
+        </p:blipFill>
+        <p:spPr>
+          <a:xfrm>
+            <a:off x="533882" y="831458"/>
+            <a:ext cx="8028612" cy="2862356"/>
+          </a:xfrm>
+        </p:spPr>
+      </p:pic>
+      <p:sp>
+        <p:nvSpPr>
+          <p:cNvPr id="11" name="Content Placeholder 6"/>
+          <p:cNvSpPr txBox="1">
+            <a:spLocks/>
+          </p:cNvSpPr>
+          <p:nvPr/>
+        </p:nvSpPr>
+        <p:spPr>
+          <a:xfrm>
+            <a:off x="4962384" y="4508626"/>
+            <a:ext cx="3249109" cy="284937"/>
+          </a:xfrm>
+          <a:prstGeom prst="rect">
+            <a:avLst/>
+          </a:prstGeom>
+        </p:spPr>
+        <p:txBody>
+          <a:bodyPr vert="horz" lIns="0" tIns="0" rIns="0" bIns="0" rtlCol="0">
+            <a:normAutofit/>
+          </a:bodyPr>
+          <a:lstStyle>
+            <a:lvl1pPr marL="0" indent="0" algn="l" defTabSz="424406" rtl="0" eaLnBrk="1" latinLnBrk="0" hangingPunct="1">
+              <a:lnSpc>
+                <a:spcPct val="90000"/>
+              </a:lnSpc>
+              <a:spcBef>
+                <a:spcPts val="1500"/>
+              </a:spcBef>
+              <a:buFontTx/>
+              <a:buNone/>
+              <a:defRPr sz="1300" b="0" i="0" kern="1200" spc="0">
+                <a:solidFill>
+                  <a:srgbClr val="7A7A7A"/>
+                </a:solidFill>
+                <a:latin typeface="TM Sans"/>
+                <a:ea typeface="+mn-ea"/>
+                <a:cs typeface="TM Sans"/>
+              </a:defRPr>
+            </a:lvl1pPr>
+            <a:lvl2pPr marL="143968" indent="-143968" algn="l" defTabSz="424406" rtl="0" eaLnBrk="1" latinLnBrk="0" hangingPunct="1">
+              <a:lnSpc>
+                <a:spcPct val="90000"/>
+              </a:lnSpc>
+              <a:spcBef>
+                <a:spcPts val="1500"/>
+              </a:spcBef>
+              <a:buClr>
+                <a:srgbClr val="D0006F"/>
+              </a:buClr>
+              <a:buFont typeface="Wingdings" charset="2"/>
+              <a:buChar char="§"/>
+              <a:defRPr sz="1300" b="0" i="0" kern="1200" spc="0">
+                <a:solidFill>
+                  <a:srgbClr val="7A7A7A"/>
+                </a:solidFill>
+                <a:latin typeface="TM Sans"/>
+                <a:ea typeface="+mn-ea"/>
+                <a:cs typeface="TM Sans"/>
+              </a:defRPr>
+            </a:lvl2pPr>
+            <a:lvl3pPr marL="359918" indent="-215951" algn="l" defTabSz="424406" rtl="0" eaLnBrk="1" latinLnBrk="0" hangingPunct="1">
+              <a:lnSpc>
+                <a:spcPct val="90000"/>
+              </a:lnSpc>
+              <a:spcBef>
+                <a:spcPts val="600"/>
+              </a:spcBef>
+              <a:buFont typeface="Lucida Grande"/>
+              <a:buChar char="−"/>
+              <a:defRPr sz="1300" b="0" i="0" kern="1200" spc="0">
+                <a:solidFill>
+                  <a:srgbClr val="7A7A7A"/>
+                </a:solidFill>
+                <a:latin typeface="TM Sans"/>
+                <a:ea typeface="+mn-ea"/>
+                <a:cs typeface="TM Sans"/>
+              </a:defRPr>
+            </a:lvl3pPr>
+            <a:lvl4pPr marL="359918" indent="-215951" algn="l" defTabSz="424406" rtl="0" eaLnBrk="1" latinLnBrk="0" hangingPunct="1">
+              <a:lnSpc>
+                <a:spcPct val="90000"/>
+              </a:lnSpc>
+              <a:spcBef>
+                <a:spcPts val="600"/>
+              </a:spcBef>
+              <a:buFont typeface="Lucida Grande"/>
+              <a:buChar char="−"/>
+              <a:defRPr sz="1300" b="0" i="0" kern="1200" spc="0">
+                <a:solidFill>
+                  <a:srgbClr val="7A7A7A"/>
+                </a:solidFill>
+                <a:latin typeface="TM Sans"/>
+                <a:ea typeface="+mn-ea"/>
+                <a:cs typeface="TM Sans"/>
+              </a:defRPr>
+            </a:lvl4pPr>
+            <a:lvl5pPr marL="359918" indent="-215951" algn="l" defTabSz="424406" rtl="0" eaLnBrk="1" latinLnBrk="0" hangingPunct="1">
+              <a:lnSpc>
+                <a:spcPct val="90000"/>
+              </a:lnSpc>
+              <a:spcBef>
+                <a:spcPts val="600"/>
+              </a:spcBef>
+              <a:buFont typeface="Lucida Grande"/>
+              <a:buChar char="−"/>
+              <a:defRPr sz="1300" b="0" i="0" kern="1200" spc="0">
+                <a:solidFill>
+                  <a:srgbClr val="7A7A7A"/>
+                </a:solidFill>
+                <a:latin typeface="TM Sans"/>
+                <a:ea typeface="+mn-ea"/>
+                <a:cs typeface="TM Sans"/>
+              </a:defRPr>
+            </a:lvl5pPr>
+            <a:lvl6pPr marL="2334228" indent="-212203" algn="l" defTabSz="424406" rtl="0" eaLnBrk="1" latinLnBrk="0" hangingPunct="1">
+              <a:spcBef>
+                <a:spcPct val="20000"/>
+              </a:spcBef>
+              <a:buFont typeface="Arial"/>
+              <a:buChar char="•"/>
+              <a:defRPr sz="1900" kern="1200">
+                <a:solidFill>
+                  <a:schemeClr val="tx1"/>
+                </a:solidFill>
+                <a:latin typeface="+mn-lt"/>
+                <a:ea typeface="+mn-ea"/>
+                <a:cs typeface="+mn-cs"/>
+              </a:defRPr>
+            </a:lvl6pPr>
+            <a:lvl7pPr marL="2758634" indent="-212203" algn="l" defTabSz="424406" rtl="0" eaLnBrk="1" latinLnBrk="0" hangingPunct="1">
+              <a:spcBef>
+                <a:spcPct val="20000"/>
+              </a:spcBef>
+              <a:buFont typeface="Arial"/>
+              <a:buChar char="•"/>
+              <a:defRPr sz="1900" kern="1200">
+                <a:solidFill>
+                  <a:schemeClr val="tx1"/>
+                </a:solidFill>
+                <a:latin typeface="+mn-lt"/>
+                <a:ea typeface="+mn-ea"/>
+                <a:cs typeface="+mn-cs"/>
+              </a:defRPr>
+            </a:lvl7pPr>
+            <a:lvl8pPr marL="3183040" indent="-212203" algn="l" defTabSz="424406" rtl="0" eaLnBrk="1" latinLnBrk="0" hangingPunct="1">
+              <a:spcBef>
+                <a:spcPct val="20000"/>
+              </a:spcBef>
+              <a:buFont typeface="Arial"/>
+              <a:buChar char="•"/>
+              <a:defRPr sz="1900" kern="1200">
+                <a:solidFill>
+                  <a:schemeClr val="tx1"/>
+                </a:solidFill>
+                <a:latin typeface="+mn-lt"/>
+                <a:ea typeface="+mn-ea"/>
+                <a:cs typeface="+mn-cs"/>
+              </a:defRPr>
+            </a:lvl8pPr>
+            <a:lvl9pPr marL="3607445" indent="-212203" algn="l" defTabSz="424406" rtl="0" eaLnBrk="1" latinLnBrk="0" hangingPunct="1">
+              <a:spcBef>
+                <a:spcPct val="20000"/>
+              </a:spcBef>
+              <a:buFont typeface="Arial"/>
+              <a:buChar char="•"/>
+              <a:defRPr sz="1900" kern="1200">
+                <a:solidFill>
+                  <a:schemeClr val="tx1"/>
+                </a:solidFill>
+                <a:latin typeface="+mn-lt"/>
+                <a:ea typeface="+mn-ea"/>
+                <a:cs typeface="+mn-cs"/>
+              </a:defRPr>
+            </a:lvl9pPr>
+          </a:lstStyle>
+          <a:p>
+            <a:pPr marL="285750" indent="-285750">
+              <a:buFont typeface="Arial" panose="020B0604020202020204" pitchFamily="34" charset="0"/>
+              <a:buChar char="•"/>
+            </a:pPr>
+            <a:r>
+              <a:rPr lang="en-US" dirty="0"/>
+              <a:t>https://github.com/Jaykul/</a:t>
+            </a:r>
+            <a:r>
+              <a:rPr lang="en-US" b="1" dirty="0"/>
+              <a:t>NancyPS</a:t>
+            </a:r>
+            <a:endParaRPr lang="en-US" b="1" dirty="0"/>
+          </a:p>
+        </p:txBody>
+      </p:sp>
     </p:spTree>
     <p:extLst>
       <p:ext uri="{BB962C8B-B14F-4D97-AF65-F5344CB8AC3E}">
@@ -11491,7 +12120,7 @@
 </p:sld>
 </file>
 
-<file path=ppt/slides/slide13.xml><?xml version="1.0" encoding="utf-8"?>
+<file path=ppt/slides/slide15.xml><?xml version="1.0" encoding="utf-8"?>
 <p:sld xmlns:a="http://schemas.openxmlformats.org/drawingml/2006/main" xmlns:r="http://schemas.openxmlformats.org/officeDocument/2006/relationships" xmlns:p="http://schemas.openxmlformats.org/presentationml/2006/main">
   <p:cSld>
     <p:spTree>
@@ -11792,7 +12421,7 @@
 </p:sld>
 </file>
 
-<file path=ppt/slides/slide14.xml><?xml version="1.0" encoding="utf-8"?>
+<file path=ppt/slides/slide16.xml><?xml version="1.0" encoding="utf-8"?>
 <p:sld xmlns:a="http://schemas.openxmlformats.org/drawingml/2006/main" xmlns:r="http://schemas.openxmlformats.org/officeDocument/2006/relationships" xmlns:p="http://schemas.openxmlformats.org/presentationml/2006/main">
   <p:cSld>
     <p:spTree>
@@ -12139,7 +12768,7 @@
 </p:sld>
 </file>
 
-<file path=ppt/slides/slide15.xml><?xml version="1.0" encoding="utf-8"?>
+<file path=ppt/slides/slide17.xml><?xml version="1.0" encoding="utf-8"?>
 <p:sld xmlns:a="http://schemas.openxmlformats.org/drawingml/2006/main" xmlns:r="http://schemas.openxmlformats.org/officeDocument/2006/relationships" xmlns:p="http://schemas.openxmlformats.org/presentationml/2006/main">
   <p:cSld>
     <p:spTree>
@@ -12408,7 +13037,7 @@
 </p:sld>
 </file>
 
-<file path=ppt/slides/slide16.xml><?xml version="1.0" encoding="utf-8"?>
+<file path=ppt/slides/slide18.xml><?xml version="1.0" encoding="utf-8"?>
 <p:sld xmlns:a="http://schemas.openxmlformats.org/drawingml/2006/main" xmlns:r="http://schemas.openxmlformats.org/officeDocument/2006/relationships" xmlns:p="http://schemas.openxmlformats.org/presentationml/2006/main">
   <p:cSld>
     <p:spTree>
@@ -12575,7 +13204,7 @@
 </p:sld>
 </file>
 
-<file path=ppt/slides/slide17.xml><?xml version="1.0" encoding="utf-8"?>
+<file path=ppt/slides/slide19.xml><?xml version="1.0" encoding="utf-8"?>
 <p:sld xmlns:a="http://schemas.openxmlformats.org/drawingml/2006/main" xmlns:r="http://schemas.openxmlformats.org/officeDocument/2006/relationships" xmlns:p="http://schemas.openxmlformats.org/presentationml/2006/main">
   <p:cSld>
     <p:spTree>

--- a/Summit2017_Mocking.pptx
+++ b/Summit2017_Mocking.pptx
@@ -5,10 +5,10 @@
     <p:sldMasterId id="2147483648" r:id="rId4"/>
   </p:sldMasterIdLst>
   <p:notesMasterIdLst>
-    <p:notesMasterId r:id="rId24"/>
+    <p:notesMasterId r:id="rId26"/>
   </p:notesMasterIdLst>
   <p:handoutMasterIdLst>
-    <p:handoutMasterId r:id="rId25"/>
+    <p:handoutMasterId r:id="rId27"/>
   </p:handoutMasterIdLst>
   <p:sldIdLst>
     <p:sldId id="422" r:id="rId5"/>
@@ -25,11 +25,13 @@
     <p:sldId id="428" r:id="rId16"/>
     <p:sldId id="429" r:id="rId17"/>
     <p:sldId id="417" r:id="rId18"/>
-    <p:sldId id="418" r:id="rId19"/>
-    <p:sldId id="419" r:id="rId20"/>
-    <p:sldId id="420" r:id="rId21"/>
-    <p:sldId id="409" r:id="rId22"/>
-    <p:sldId id="421" r:id="rId23"/>
+    <p:sldId id="430" r:id="rId19"/>
+    <p:sldId id="431" r:id="rId20"/>
+    <p:sldId id="418" r:id="rId21"/>
+    <p:sldId id="419" r:id="rId22"/>
+    <p:sldId id="420" r:id="rId23"/>
+    <p:sldId id="409" r:id="rId24"/>
+    <p:sldId id="421" r:id="rId25"/>
   </p:sldIdLst>
   <p:sldSz cx="9144000" cy="5143500" type="screen16x9"/>
   <p:notesSz cx="6858000" cy="9144000"/>
@@ -1160,39 +1162,25 @@
               <a:buChar char="•"/>
             </a:pPr>
             <a:r>
+              <a:rPr lang="en-US" dirty="0" err="1"/>
+              <a:t>Flancy</a:t>
+            </a:r>
+            <a:r>
               <a:rPr lang="en-US" dirty="0"/>
-              <a:t>The only value this has over just mocking Invoke-</a:t>
+              <a:t> and </a:t>
             </a:r>
             <a:r>
               <a:rPr lang="en-US" dirty="0" err="1"/>
-              <a:t>RestMethod</a:t>
+              <a:t>NancyPS</a:t>
             </a:r>
             <a:r>
               <a:rPr lang="en-US" dirty="0"/>
-              <a:t> is you more closely simulate the real integration with real Request and </a:t>
-            </a:r>
-            <a:r>
-              <a:rPr lang="en-US" dirty="0" err="1"/>
-              <a:t>Respone</a:t>
+              <a:t> are similar, but with slightly different approaches</a:t>
             </a:r>
             <a:r>
               <a:rPr lang="en-US"/>
-              <a:t> objects</a:t>
-            </a:r>
-            <a:endParaRPr lang="en-US" dirty="0"/>
-          </a:p>
-          <a:p>
-            <a:pPr marL="0" indent="0">
-              <a:buFont typeface="Arial" panose="020B0604020202020204" pitchFamily="34" charset="0"/>
-              <a:buNone/>
-            </a:pPr>
-            <a:endParaRPr lang="en-US" dirty="0"/>
-          </a:p>
-          <a:p>
-            <a:pPr marL="171450" indent="-171450">
-              <a:buFont typeface="Arial" panose="020B0604020202020204" pitchFamily="34" charset="0"/>
-              <a:buChar char="•"/>
-            </a:pPr>
+              <a:t>. </a:t>
+            </a:r>
             <a:endParaRPr lang="en-US" dirty="0"/>
           </a:p>
         </p:txBody>
@@ -1225,6 +1213,243 @@
     <p:extLst>
       <p:ext uri="{BB962C8B-B14F-4D97-AF65-F5344CB8AC3E}">
         <p14:creationId xmlns:p14="http://schemas.microsoft.com/office/powerpoint/2010/main" val="700219314"/>
+      </p:ext>
+    </p:extLst>
+  </p:cSld>
+  <p:clrMapOvr>
+    <a:masterClrMapping/>
+  </p:clrMapOvr>
+</p:notes>
+</file>
+
+<file path=ppt/notesSlides/notesSlide13.xml><?xml version="1.0" encoding="utf-8"?>
+<p:notes xmlns:a="http://schemas.openxmlformats.org/drawingml/2006/main" xmlns:r="http://schemas.openxmlformats.org/officeDocument/2006/relationships" xmlns:p="http://schemas.openxmlformats.org/presentationml/2006/main">
+  <p:cSld>
+    <p:spTree>
+      <p:nvGrpSpPr>
+        <p:cNvPr id="1" name=""/>
+        <p:cNvGrpSpPr/>
+        <p:nvPr/>
+      </p:nvGrpSpPr>
+      <p:grpSpPr>
+        <a:xfrm>
+          <a:off x="0" y="0"/>
+          <a:ext cx="0" cy="0"/>
+          <a:chOff x="0" y="0"/>
+          <a:chExt cx="0" cy="0"/>
+        </a:xfrm>
+      </p:grpSpPr>
+      <p:sp>
+        <p:nvSpPr>
+          <p:cNvPr id="2" name="Slide Image Placeholder 1"/>
+          <p:cNvSpPr>
+            <a:spLocks noGrp="1" noRot="1" noChangeAspect="1"/>
+          </p:cNvSpPr>
+          <p:nvPr>
+            <p:ph type="sldImg"/>
+          </p:nvPr>
+        </p:nvSpPr>
+        <p:spPr/>
+      </p:sp>
+      <p:sp>
+        <p:nvSpPr>
+          <p:cNvPr id="3" name="Notes Placeholder 2"/>
+          <p:cNvSpPr>
+            <a:spLocks noGrp="1"/>
+          </p:cNvSpPr>
+          <p:nvPr>
+            <p:ph type="body" idx="1"/>
+          </p:nvPr>
+        </p:nvSpPr>
+        <p:spPr/>
+        <p:txBody>
+          <a:bodyPr/>
+          <a:lstStyle/>
+          <a:p>
+            <a:pPr marL="171450" indent="-171450">
+              <a:buFont typeface="Arial" panose="020B0604020202020204" pitchFamily="34" charset="0"/>
+              <a:buChar char="•"/>
+            </a:pPr>
+            <a:r>
+              <a:rPr lang="en-US" dirty="0"/>
+              <a:t>The only value this has over just mocking Invoke-</a:t>
+            </a:r>
+            <a:r>
+              <a:rPr lang="en-US" dirty="0" err="1"/>
+              <a:t>RestMethod</a:t>
+            </a:r>
+            <a:r>
+              <a:rPr lang="en-US" dirty="0"/>
+              <a:t> is you more closely simulate the real integration with real Request and Response objects</a:t>
+            </a:r>
+          </a:p>
+          <a:p>
+            <a:pPr marL="171450" indent="-171450">
+              <a:buFont typeface="Arial" panose="020B0604020202020204" pitchFamily="34" charset="0"/>
+              <a:buChar char="•"/>
+            </a:pPr>
+            <a:r>
+              <a:rPr lang="en-US" dirty="0"/>
+              <a:t>You can test how your code handles different Http status codes without hand crafting Response objects</a:t>
+            </a:r>
+          </a:p>
+          <a:p>
+            <a:pPr marL="0" indent="0">
+              <a:buFont typeface="Arial" panose="020B0604020202020204" pitchFamily="34" charset="0"/>
+              <a:buNone/>
+            </a:pPr>
+            <a:endParaRPr lang="en-US" dirty="0"/>
+          </a:p>
+          <a:p>
+            <a:pPr marL="171450" indent="-171450">
+              <a:buFont typeface="Arial" panose="020B0604020202020204" pitchFamily="34" charset="0"/>
+              <a:buChar char="•"/>
+            </a:pPr>
+            <a:endParaRPr lang="en-US" dirty="0"/>
+          </a:p>
+        </p:txBody>
+      </p:sp>
+      <p:sp>
+        <p:nvSpPr>
+          <p:cNvPr id="4" name="Slide Number Placeholder 3"/>
+          <p:cNvSpPr>
+            <a:spLocks noGrp="1"/>
+          </p:cNvSpPr>
+          <p:nvPr>
+            <p:ph type="sldNum" sz="quarter" idx="10"/>
+          </p:nvPr>
+        </p:nvSpPr>
+        <p:spPr/>
+        <p:txBody>
+          <a:bodyPr/>
+          <a:lstStyle/>
+          <a:p>
+            <a:fld id="{580C3CF9-2088-4345-84DE-A0500A36AC73}" type="slidenum">
+              <a:rPr lang="en-US" smtClean="0"/>
+              <a:pPr/>
+              <a:t>15</a:t>
+            </a:fld>
+            <a:endParaRPr lang="en-US"/>
+          </a:p>
+        </p:txBody>
+      </p:sp>
+    </p:spTree>
+    <p:extLst>
+      <p:ext uri="{BB962C8B-B14F-4D97-AF65-F5344CB8AC3E}">
+        <p14:creationId xmlns:p14="http://schemas.microsoft.com/office/powerpoint/2010/main" val="2259575911"/>
+      </p:ext>
+    </p:extLst>
+  </p:cSld>
+  <p:clrMapOvr>
+    <a:masterClrMapping/>
+  </p:clrMapOvr>
+</p:notes>
+</file>
+
+<file path=ppt/notesSlides/notesSlide14.xml><?xml version="1.0" encoding="utf-8"?>
+<p:notes xmlns:a="http://schemas.openxmlformats.org/drawingml/2006/main" xmlns:r="http://schemas.openxmlformats.org/officeDocument/2006/relationships" xmlns:p="http://schemas.openxmlformats.org/presentationml/2006/main">
+  <p:cSld>
+    <p:spTree>
+      <p:nvGrpSpPr>
+        <p:cNvPr id="1" name=""/>
+        <p:cNvGrpSpPr/>
+        <p:nvPr/>
+      </p:nvGrpSpPr>
+      <p:grpSpPr>
+        <a:xfrm>
+          <a:off x="0" y="0"/>
+          <a:ext cx="0" cy="0"/>
+          <a:chOff x="0" y="0"/>
+          <a:chExt cx="0" cy="0"/>
+        </a:xfrm>
+      </p:grpSpPr>
+      <p:sp>
+        <p:nvSpPr>
+          <p:cNvPr id="2" name="Slide Image Placeholder 1"/>
+          <p:cNvSpPr>
+            <a:spLocks noGrp="1" noRot="1" noChangeAspect="1"/>
+          </p:cNvSpPr>
+          <p:nvPr>
+            <p:ph type="sldImg"/>
+          </p:nvPr>
+        </p:nvSpPr>
+        <p:spPr/>
+      </p:sp>
+      <p:sp>
+        <p:nvSpPr>
+          <p:cNvPr id="3" name="Notes Placeholder 2"/>
+          <p:cNvSpPr>
+            <a:spLocks noGrp="1"/>
+          </p:cNvSpPr>
+          <p:nvPr>
+            <p:ph type="body" idx="1"/>
+          </p:nvPr>
+        </p:nvSpPr>
+        <p:spPr/>
+        <p:txBody>
+          <a:bodyPr/>
+          <a:lstStyle/>
+          <a:p>
+            <a:pPr marL="171450" indent="-171450">
+              <a:buFont typeface="Arial" panose="020B0604020202020204" pitchFamily="34" charset="0"/>
+              <a:buChar char="•"/>
+            </a:pPr>
+            <a:r>
+              <a:rPr lang="en-US" dirty="0"/>
+              <a:t>Speaking of hand crafting objects</a:t>
+            </a:r>
+          </a:p>
+          <a:p>
+            <a:pPr marL="171450" indent="-171450">
+              <a:buFont typeface="Arial" panose="020B0604020202020204" pitchFamily="34" charset="0"/>
+              <a:buChar char="•"/>
+            </a:pPr>
+            <a:endParaRPr lang="en-US" dirty="0"/>
+          </a:p>
+          <a:p>
+            <a:pPr marL="0" indent="0">
+              <a:buFont typeface="Arial" panose="020B0604020202020204" pitchFamily="34" charset="0"/>
+              <a:buNone/>
+            </a:pPr>
+            <a:endParaRPr lang="en-US" dirty="0"/>
+          </a:p>
+          <a:p>
+            <a:pPr marL="171450" indent="-171450">
+              <a:buFont typeface="Arial" panose="020B0604020202020204" pitchFamily="34" charset="0"/>
+              <a:buChar char="•"/>
+            </a:pPr>
+            <a:endParaRPr lang="en-US" dirty="0"/>
+          </a:p>
+        </p:txBody>
+      </p:sp>
+      <p:sp>
+        <p:nvSpPr>
+          <p:cNvPr id="4" name="Slide Number Placeholder 3"/>
+          <p:cNvSpPr>
+            <a:spLocks noGrp="1"/>
+          </p:cNvSpPr>
+          <p:nvPr>
+            <p:ph type="sldNum" sz="quarter" idx="10"/>
+          </p:nvPr>
+        </p:nvSpPr>
+        <p:spPr/>
+        <p:txBody>
+          <a:bodyPr/>
+          <a:lstStyle/>
+          <a:p>
+            <a:fld id="{580C3CF9-2088-4345-84DE-A0500A36AC73}" type="slidenum">
+              <a:rPr lang="en-US" smtClean="0"/>
+              <a:pPr/>
+              <a:t>16</a:t>
+            </a:fld>
+            <a:endParaRPr lang="en-US"/>
+          </a:p>
+        </p:txBody>
+      </p:sp>
+    </p:spTree>
+    <p:extLst>
+      <p:ext uri="{BB962C8B-B14F-4D97-AF65-F5344CB8AC3E}">
+        <p14:creationId xmlns:p14="http://schemas.microsoft.com/office/powerpoint/2010/main" val="431507397"/>
       </p:ext>
     </p:extLst>
   </p:cSld>
@@ -11866,7 +12091,7 @@
         </p:nvSpPr>
         <p:spPr>
           <a:xfrm>
-            <a:off x="661988" y="4508626"/>
+            <a:off x="1171245" y="4671579"/>
             <a:ext cx="3249109" cy="284938"/>
           </a:xfrm>
         </p:spPr>
@@ -11909,8 +12134,8 @@
         </p:blipFill>
         <p:spPr>
           <a:xfrm>
-            <a:off x="533882" y="831458"/>
-            <a:ext cx="8028612" cy="2862356"/>
+            <a:off x="1171245" y="759031"/>
+            <a:ext cx="6753885" cy="3746456"/>
           </a:xfrm>
         </p:spPr>
       </p:pic>
@@ -11924,7 +12149,7 @@
         </p:nvSpPr>
         <p:spPr>
           <a:xfrm>
-            <a:off x="4962384" y="4508626"/>
+            <a:off x="4676021" y="4671580"/>
             <a:ext cx="3249109" cy="284937"/>
           </a:xfrm>
           <a:prstGeom prst="rect">
@@ -12091,7 +12316,7 @@
             </a:lvl9pPr>
           </a:lstStyle>
           <a:p>
-            <a:pPr marL="285750" indent="-285750">
+            <a:pPr marL="285750" indent="-285750" algn="r">
               <a:buFont typeface="Arial" panose="020B0604020202020204" pitchFamily="34" charset="0"/>
               <a:buChar char="•"/>
             </a:pPr>
@@ -12165,6 +12390,263 @@
                 <a:latin typeface="Interstate-Black"/>
                 <a:cs typeface="Interstate-Black"/>
               </a:rPr>
+              <a:t>Web APIs</a:t>
+            </a:r>
+          </a:p>
+          <a:p>
+            <a:endParaRPr lang="en-US" dirty="0">
+              <a:latin typeface="Interstate-Black"/>
+              <a:cs typeface="Interstate-Black"/>
+            </a:endParaRPr>
+          </a:p>
+        </p:txBody>
+      </p:sp>
+      <p:cxnSp>
+        <p:nvCxnSpPr>
+          <p:cNvPr id="6" name="Straight Connector 5"/>
+          <p:cNvCxnSpPr>
+            <a:stCxn id="3" idx="1"/>
+            <a:endCxn id="3" idx="3"/>
+          </p:cNvCxnSpPr>
+          <p:nvPr/>
+        </p:nvCxnSpPr>
+        <p:spPr>
+          <a:xfrm>
+            <a:off x="273051" y="641272"/>
+            <a:ext cx="8550274" cy="0"/>
+          </a:xfrm>
+          <a:prstGeom prst="line">
+            <a:avLst/>
+          </a:prstGeom>
+        </p:spPr>
+        <p:style>
+          <a:lnRef idx="2">
+            <a:schemeClr val="accent1"/>
+          </a:lnRef>
+          <a:fillRef idx="0">
+            <a:schemeClr val="accent1"/>
+          </a:fillRef>
+          <a:effectRef idx="1">
+            <a:schemeClr val="accent1"/>
+          </a:effectRef>
+          <a:fontRef idx="minor">
+            <a:schemeClr val="tx1"/>
+          </a:fontRef>
+        </p:style>
+      </p:cxnSp>
+      <p:pic>
+        <p:nvPicPr>
+          <p:cNvPr id="10" name="Content Placeholder 9"/>
+          <p:cNvPicPr>
+            <a:picLocks noGrp="1" noChangeAspect="1"/>
+          </p:cNvPicPr>
+          <p:nvPr>
+            <p:ph sz="quarter" idx="18"/>
+          </p:nvPr>
+        </p:nvPicPr>
+        <p:blipFill>
+          <a:blip r:embed="rId3"/>
+          <a:stretch>
+            <a:fillRect/>
+          </a:stretch>
+        </p:blipFill>
+        <p:spPr>
+          <a:xfrm>
+            <a:off x="1527131" y="894831"/>
+            <a:ext cx="6042114" cy="3356731"/>
+          </a:xfrm>
+        </p:spPr>
+      </p:pic>
+    </p:spTree>
+    <p:extLst>
+      <p:ext uri="{BB962C8B-B14F-4D97-AF65-F5344CB8AC3E}">
+        <p14:creationId xmlns:p14="http://schemas.microsoft.com/office/powerpoint/2010/main" val="3378356856"/>
+      </p:ext>
+    </p:extLst>
+  </p:cSld>
+  <p:clrMapOvr>
+    <a:masterClrMapping/>
+  </p:clrMapOvr>
+</p:sld>
+</file>
+
+<file path=ppt/slides/slide16.xml><?xml version="1.0" encoding="utf-8"?>
+<p:sld xmlns:a="http://schemas.openxmlformats.org/drawingml/2006/main" xmlns:r="http://schemas.openxmlformats.org/officeDocument/2006/relationships" xmlns:p="http://schemas.openxmlformats.org/presentationml/2006/main">
+  <p:cSld>
+    <p:spTree>
+      <p:nvGrpSpPr>
+        <p:cNvPr id="1" name=""/>
+        <p:cNvGrpSpPr/>
+        <p:nvPr/>
+      </p:nvGrpSpPr>
+      <p:grpSpPr>
+        <a:xfrm>
+          <a:off x="0" y="0"/>
+          <a:ext cx="0" cy="0"/>
+          <a:chOff x="0" y="0"/>
+          <a:chExt cx="0" cy="0"/>
+        </a:xfrm>
+      </p:grpSpPr>
+      <p:sp>
+        <p:nvSpPr>
+          <p:cNvPr id="3" name="Text Placeholder 2"/>
+          <p:cNvSpPr>
+            <a:spLocks noGrp="1"/>
+          </p:cNvSpPr>
+          <p:nvPr>
+            <p:ph type="body" sz="quarter" idx="15"/>
+          </p:nvPr>
+        </p:nvSpPr>
+        <p:spPr>
+          <a:effectLst>
+            <a:outerShdw blurRad="40005" dist="20320" dir="5400000" algn="ctr" rotWithShape="0">
+              <a:schemeClr val="bg2">
+                <a:alpha val="38000"/>
+              </a:schemeClr>
+            </a:outerShdw>
+          </a:effectLst>
+        </p:spPr>
+        <p:txBody>
+          <a:bodyPr/>
+          <a:lstStyle/>
+          <a:p>
+            <a:r>
+              <a:rPr lang="en-US" dirty="0" err="1">
+                <a:latin typeface="Interstate-Black"/>
+                <a:cs typeface="Interstate-Black"/>
+              </a:rPr>
+              <a:t>.Net</a:t>
+            </a:r>
+            <a:r>
+              <a:rPr lang="en-US" dirty="0">
+                <a:latin typeface="Interstate-Black"/>
+                <a:cs typeface="Interstate-Black"/>
+              </a:rPr>
+              <a:t> Objects</a:t>
+            </a:r>
+          </a:p>
+          <a:p>
+            <a:endParaRPr lang="en-US" dirty="0">
+              <a:latin typeface="Interstate-Black"/>
+              <a:cs typeface="Interstate-Black"/>
+            </a:endParaRPr>
+          </a:p>
+        </p:txBody>
+      </p:sp>
+      <p:cxnSp>
+        <p:nvCxnSpPr>
+          <p:cNvPr id="6" name="Straight Connector 5"/>
+          <p:cNvCxnSpPr>
+            <a:stCxn id="3" idx="1"/>
+            <a:endCxn id="3" idx="3"/>
+          </p:cNvCxnSpPr>
+          <p:nvPr/>
+        </p:nvCxnSpPr>
+        <p:spPr>
+          <a:xfrm>
+            <a:off x="273051" y="641272"/>
+            <a:ext cx="8550274" cy="0"/>
+          </a:xfrm>
+          <a:prstGeom prst="line">
+            <a:avLst/>
+          </a:prstGeom>
+        </p:spPr>
+        <p:style>
+          <a:lnRef idx="2">
+            <a:schemeClr val="accent1"/>
+          </a:lnRef>
+          <a:fillRef idx="0">
+            <a:schemeClr val="accent1"/>
+          </a:fillRef>
+          <a:effectRef idx="1">
+            <a:schemeClr val="accent1"/>
+          </a:effectRef>
+          <a:fontRef idx="minor">
+            <a:schemeClr val="tx1"/>
+          </a:fontRef>
+        </p:style>
+      </p:cxnSp>
+      <p:pic>
+        <p:nvPicPr>
+          <p:cNvPr id="10" name="Content Placeholder 9"/>
+          <p:cNvPicPr>
+            <a:picLocks noGrp="1" noChangeAspect="1"/>
+          </p:cNvPicPr>
+          <p:nvPr>
+            <p:ph sz="quarter" idx="18"/>
+          </p:nvPr>
+        </p:nvPicPr>
+        <p:blipFill>
+          <a:blip r:embed="rId3"/>
+          <a:stretch>
+            <a:fillRect/>
+          </a:stretch>
+        </p:blipFill>
+        <p:spPr>
+          <a:xfrm>
+            <a:off x="1527131" y="894831"/>
+            <a:ext cx="6042114" cy="3356731"/>
+          </a:xfrm>
+        </p:spPr>
+      </p:pic>
+    </p:spTree>
+    <p:extLst>
+      <p:ext uri="{BB962C8B-B14F-4D97-AF65-F5344CB8AC3E}">
+        <p14:creationId xmlns:p14="http://schemas.microsoft.com/office/powerpoint/2010/main" val="717199269"/>
+      </p:ext>
+    </p:extLst>
+  </p:cSld>
+  <p:clrMapOvr>
+    <a:masterClrMapping/>
+  </p:clrMapOvr>
+</p:sld>
+</file>
+
+<file path=ppt/slides/slide17.xml><?xml version="1.0" encoding="utf-8"?>
+<p:sld xmlns:a="http://schemas.openxmlformats.org/drawingml/2006/main" xmlns:r="http://schemas.openxmlformats.org/officeDocument/2006/relationships" xmlns:p="http://schemas.openxmlformats.org/presentationml/2006/main">
+  <p:cSld>
+    <p:spTree>
+      <p:nvGrpSpPr>
+        <p:cNvPr id="1" name=""/>
+        <p:cNvGrpSpPr/>
+        <p:nvPr/>
+      </p:nvGrpSpPr>
+      <p:grpSpPr>
+        <a:xfrm>
+          <a:off x="0" y="0"/>
+          <a:ext cx="0" cy="0"/>
+          <a:chOff x="0" y="0"/>
+          <a:chExt cx="0" cy="0"/>
+        </a:xfrm>
+      </p:grpSpPr>
+      <p:sp>
+        <p:nvSpPr>
+          <p:cNvPr id="3" name="Text Placeholder 2"/>
+          <p:cNvSpPr>
+            <a:spLocks noGrp="1"/>
+          </p:cNvSpPr>
+          <p:nvPr>
+            <p:ph type="body" sz="quarter" idx="15"/>
+          </p:nvPr>
+        </p:nvSpPr>
+        <p:spPr>
+          <a:effectLst>
+            <a:outerShdw blurRad="40005" dist="20320" dir="5400000" algn="ctr" rotWithShape="0">
+              <a:schemeClr val="bg2">
+                <a:alpha val="38000"/>
+              </a:schemeClr>
+            </a:outerShdw>
+          </a:effectLst>
+        </p:spPr>
+        <p:txBody>
+          <a:bodyPr/>
+          <a:lstStyle/>
+          <a:p>
+            <a:r>
+              <a:rPr lang="en-US" dirty="0">
+                <a:latin typeface="Interstate-Black"/>
+                <a:cs typeface="Interstate-Black"/>
+              </a:rPr>
               <a:t>Digit</a:t>
             </a:r>
           </a:p>
@@ -12421,7 +12903,7 @@
 </p:sld>
 </file>
 
-<file path=ppt/slides/slide16.xml><?xml version="1.0" encoding="utf-8"?>
+<file path=ppt/slides/slide18.xml><?xml version="1.0" encoding="utf-8"?>
 <p:sld xmlns:a="http://schemas.openxmlformats.org/drawingml/2006/main" xmlns:r="http://schemas.openxmlformats.org/officeDocument/2006/relationships" xmlns:p="http://schemas.openxmlformats.org/presentationml/2006/main">
   <p:cSld>
     <p:spTree>
@@ -12768,7 +13250,7 @@
 </p:sld>
 </file>
 
-<file path=ppt/slides/slide17.xml><?xml version="1.0" encoding="utf-8"?>
+<file path=ppt/slides/slide19.xml><?xml version="1.0" encoding="utf-8"?>
 <p:sld xmlns:a="http://schemas.openxmlformats.org/drawingml/2006/main" xmlns:r="http://schemas.openxmlformats.org/officeDocument/2006/relationships" xmlns:p="http://schemas.openxmlformats.org/presentationml/2006/main">
   <p:cSld>
     <p:spTree>
@@ -13037,385 +13519,6 @@
 </p:sld>
 </file>
 
-<file path=ppt/slides/slide18.xml><?xml version="1.0" encoding="utf-8"?>
-<p:sld xmlns:a="http://schemas.openxmlformats.org/drawingml/2006/main" xmlns:r="http://schemas.openxmlformats.org/officeDocument/2006/relationships" xmlns:p="http://schemas.openxmlformats.org/presentationml/2006/main">
-  <p:cSld>
-    <p:spTree>
-      <p:nvGrpSpPr>
-        <p:cNvPr id="1" name=""/>
-        <p:cNvGrpSpPr/>
-        <p:nvPr/>
-      </p:nvGrpSpPr>
-      <p:grpSpPr>
-        <a:xfrm>
-          <a:off x="0" y="0"/>
-          <a:ext cx="0" cy="0"/>
-          <a:chOff x="0" y="0"/>
-          <a:chExt cx="0" cy="0"/>
-        </a:xfrm>
-      </p:grpSpPr>
-      <p:sp>
-        <p:nvSpPr>
-          <p:cNvPr id="3" name="Text Placeholder 2"/>
-          <p:cNvSpPr>
-            <a:spLocks noGrp="1"/>
-          </p:cNvSpPr>
-          <p:nvPr>
-            <p:ph type="body" sz="quarter" idx="15"/>
-          </p:nvPr>
-        </p:nvSpPr>
-        <p:spPr>
-          <a:effectLst>
-            <a:outerShdw blurRad="40005" dist="20320" dir="5400000" algn="ctr" rotWithShape="0">
-              <a:schemeClr val="bg2">
-                <a:alpha val="38000"/>
-              </a:schemeClr>
-            </a:outerShdw>
-          </a:effectLst>
-        </p:spPr>
-        <p:txBody>
-          <a:bodyPr/>
-          <a:lstStyle/>
-          <a:p>
-            <a:r>
-              <a:rPr lang="en-US" dirty="0">
-                <a:latin typeface="Interstate-Black"/>
-                <a:cs typeface="Interstate-Black"/>
-              </a:rPr>
-              <a:t>Miscellaneous</a:t>
-            </a:r>
-            <a:endParaRPr lang="en-US" cap="none" dirty="0">
-              <a:latin typeface="Interstate-Black"/>
-              <a:cs typeface="Interstate-Black"/>
-            </a:endParaRPr>
-          </a:p>
-          <a:p>
-            <a:endParaRPr lang="en-US" dirty="0">
-              <a:latin typeface="Interstate-Black"/>
-              <a:cs typeface="Interstate-Black"/>
-            </a:endParaRPr>
-          </a:p>
-        </p:txBody>
-      </p:sp>
-      <p:cxnSp>
-        <p:nvCxnSpPr>
-          <p:cNvPr id="6" name="Straight Connector 5"/>
-          <p:cNvCxnSpPr>
-            <a:stCxn id="3" idx="1"/>
-            <a:endCxn id="3" idx="3"/>
-          </p:cNvCxnSpPr>
-          <p:nvPr/>
-        </p:nvCxnSpPr>
-        <p:spPr>
-          <a:xfrm>
-            <a:off x="273051" y="641272"/>
-            <a:ext cx="8550274" cy="0"/>
-          </a:xfrm>
-          <a:prstGeom prst="line">
-            <a:avLst/>
-          </a:prstGeom>
-        </p:spPr>
-        <p:style>
-          <a:lnRef idx="2">
-            <a:schemeClr val="accent1"/>
-          </a:lnRef>
-          <a:fillRef idx="0">
-            <a:schemeClr val="accent1"/>
-          </a:fillRef>
-          <a:effectRef idx="1">
-            <a:schemeClr val="accent1"/>
-          </a:effectRef>
-          <a:fontRef idx="minor">
-            <a:schemeClr val="tx1"/>
-          </a:fontRef>
-        </p:style>
-      </p:cxnSp>
-      <p:sp>
-        <p:nvSpPr>
-          <p:cNvPr id="9" name="Content Placeholder 8"/>
-          <p:cNvSpPr>
-            <a:spLocks noGrp="1"/>
-          </p:cNvSpPr>
-          <p:nvPr>
-            <p:ph sz="quarter" idx="18"/>
-          </p:nvPr>
-        </p:nvSpPr>
-        <p:spPr>
-          <a:xfrm>
-            <a:off x="273052" y="1130561"/>
-            <a:ext cx="8550273" cy="3340292"/>
-          </a:xfrm>
-        </p:spPr>
-        <p:txBody>
-          <a:bodyPr/>
-          <a:lstStyle/>
-          <a:p>
-            <a:pPr marL="285750" indent="-285750">
-              <a:buFont typeface="Arial" panose="020B0604020202020204" pitchFamily="34" charset="0"/>
-              <a:buChar char="•"/>
-            </a:pPr>
-            <a:r>
-              <a:rPr lang="en-US" dirty="0"/>
-              <a:t>TMCRM will not be in scope for AWS (in a separate data center)</a:t>
-            </a:r>
-          </a:p>
-          <a:p>
-            <a:pPr marL="285750" indent="-285750">
-              <a:buFont typeface="Arial" panose="020B0604020202020204" pitchFamily="34" charset="0"/>
-              <a:buChar char="•"/>
-            </a:pPr>
-            <a:r>
-              <a:rPr lang="en-US" dirty="0"/>
-              <a:t>Disaster Recovery plans will need to be updated</a:t>
-            </a:r>
-          </a:p>
-          <a:p>
-            <a:pPr marL="285750" indent="-285750">
-              <a:buFont typeface="Arial" panose="020B0604020202020204" pitchFamily="34" charset="0"/>
-              <a:buChar char="•"/>
-            </a:pPr>
-            <a:r>
-              <a:rPr lang="en-US" dirty="0"/>
-              <a:t>DSC / AADS and AWS / containers / immutable EC2</a:t>
-            </a:r>
-          </a:p>
-          <a:p>
-            <a:pPr marL="285750" indent="-285750">
-              <a:buFont typeface="Arial" panose="020B0604020202020204" pitchFamily="34" charset="0"/>
-              <a:buChar char="•"/>
-            </a:pPr>
-            <a:r>
-              <a:rPr lang="en-US" dirty="0"/>
-              <a:t>Hosted.Ticketmaster.com DNS zone</a:t>
-            </a:r>
-          </a:p>
-        </p:txBody>
-      </p:sp>
-    </p:spTree>
-    <p:extLst>
-      <p:ext uri="{BB962C8B-B14F-4D97-AF65-F5344CB8AC3E}">
-        <p14:creationId xmlns:p14="http://schemas.microsoft.com/office/powerpoint/2010/main" val="1021542222"/>
-      </p:ext>
-    </p:extLst>
-  </p:cSld>
-  <p:clrMapOvr>
-    <a:masterClrMapping/>
-  </p:clrMapOvr>
-</p:sld>
-</file>
-
-<file path=ppt/slides/slide19.xml><?xml version="1.0" encoding="utf-8"?>
-<p:sld xmlns:a="http://schemas.openxmlformats.org/drawingml/2006/main" xmlns:r="http://schemas.openxmlformats.org/officeDocument/2006/relationships" xmlns:p="http://schemas.openxmlformats.org/presentationml/2006/main">
-  <p:cSld>
-    <p:spTree>
-      <p:nvGrpSpPr>
-        <p:cNvPr id="1" name=""/>
-        <p:cNvGrpSpPr/>
-        <p:nvPr/>
-      </p:nvGrpSpPr>
-      <p:grpSpPr>
-        <a:xfrm>
-          <a:off x="0" y="0"/>
-          <a:ext cx="0" cy="0"/>
-          <a:chOff x="0" y="0"/>
-          <a:chExt cx="0" cy="0"/>
-        </a:xfrm>
-      </p:grpSpPr>
-      <p:sp>
-        <p:nvSpPr>
-          <p:cNvPr id="3" name="Text Placeholder 2"/>
-          <p:cNvSpPr>
-            <a:spLocks noGrp="1"/>
-          </p:cNvSpPr>
-          <p:nvPr>
-            <p:ph type="body" sz="quarter" idx="15"/>
-          </p:nvPr>
-        </p:nvSpPr>
-        <p:spPr>
-          <a:effectLst>
-            <a:outerShdw blurRad="40005" dist="20320" dir="5400000" algn="ctr" rotWithShape="0">
-              <a:schemeClr val="bg2">
-                <a:alpha val="38000"/>
-              </a:schemeClr>
-            </a:outerShdw>
-          </a:effectLst>
-        </p:spPr>
-        <p:txBody>
-          <a:bodyPr/>
-          <a:lstStyle/>
-          <a:p>
-            <a:r>
-              <a:rPr lang="en-US" dirty="0">
-                <a:latin typeface="Interstate-Black"/>
-                <a:cs typeface="Interstate-Black"/>
-              </a:rPr>
-              <a:t>Next Steps</a:t>
-            </a:r>
-            <a:endParaRPr lang="en-US" cap="none" dirty="0">
-              <a:latin typeface="Interstate-Black"/>
-              <a:cs typeface="Interstate-Black"/>
-            </a:endParaRPr>
-          </a:p>
-          <a:p>
-            <a:endParaRPr lang="en-US" dirty="0">
-              <a:latin typeface="Interstate-Black"/>
-              <a:cs typeface="Interstate-Black"/>
-            </a:endParaRPr>
-          </a:p>
-        </p:txBody>
-      </p:sp>
-      <p:cxnSp>
-        <p:nvCxnSpPr>
-          <p:cNvPr id="6" name="Straight Connector 5"/>
-          <p:cNvCxnSpPr>
-            <a:stCxn id="3" idx="1"/>
-            <a:endCxn id="3" idx="3"/>
-          </p:cNvCxnSpPr>
-          <p:nvPr/>
-        </p:nvCxnSpPr>
-        <p:spPr>
-          <a:xfrm>
-            <a:off x="273051" y="641272"/>
-            <a:ext cx="8550274" cy="0"/>
-          </a:xfrm>
-          <a:prstGeom prst="line">
-            <a:avLst/>
-          </a:prstGeom>
-        </p:spPr>
-        <p:style>
-          <a:lnRef idx="2">
-            <a:schemeClr val="accent1"/>
-          </a:lnRef>
-          <a:fillRef idx="0">
-            <a:schemeClr val="accent1"/>
-          </a:fillRef>
-          <a:effectRef idx="1">
-            <a:schemeClr val="accent1"/>
-          </a:effectRef>
-          <a:fontRef idx="minor">
-            <a:schemeClr val="tx1"/>
-          </a:fontRef>
-        </p:style>
-      </p:cxnSp>
-      <p:sp>
-        <p:nvSpPr>
-          <p:cNvPr id="9" name="Content Placeholder 8"/>
-          <p:cNvSpPr>
-            <a:spLocks noGrp="1"/>
-          </p:cNvSpPr>
-          <p:nvPr>
-            <p:ph sz="quarter" idx="18"/>
-          </p:nvPr>
-        </p:nvSpPr>
-        <p:spPr>
-          <a:xfrm>
-            <a:off x="273052" y="1130561"/>
-            <a:ext cx="8550273" cy="3340292"/>
-          </a:xfrm>
-        </p:spPr>
-        <p:txBody>
-          <a:bodyPr/>
-          <a:lstStyle/>
-          <a:p>
-            <a:pPr marL="285750" indent="-285750">
-              <a:buFont typeface="Arial" panose="020B0604020202020204" pitchFamily="34" charset="0"/>
-              <a:buChar char="•"/>
-            </a:pPr>
-            <a:r>
-              <a:rPr lang="en-US" dirty="0"/>
-              <a:t>Investigate and finalize compute provisioning decisions</a:t>
-            </a:r>
-          </a:p>
-          <a:p>
-            <a:pPr marL="285750" indent="-285750">
-              <a:buFont typeface="Arial" panose="020B0604020202020204" pitchFamily="34" charset="0"/>
-              <a:buChar char="•"/>
-            </a:pPr>
-            <a:r>
-              <a:rPr lang="en-US" dirty="0"/>
-              <a:t>Determine application changes required for AWS</a:t>
-            </a:r>
-          </a:p>
-          <a:p>
-            <a:pPr marL="285750" indent="-285750">
-              <a:buFont typeface="Arial" panose="020B0604020202020204" pitchFamily="34" charset="0"/>
-              <a:buChar char="•"/>
-            </a:pPr>
-            <a:r>
-              <a:rPr lang="en-US" dirty="0"/>
-              <a:t>Identify solutions for potential blockers / concerns</a:t>
-            </a:r>
-          </a:p>
-          <a:p>
-            <a:pPr marL="285750" indent="-285750">
-              <a:buFont typeface="Arial" panose="020B0604020202020204" pitchFamily="34" charset="0"/>
-              <a:buChar char="•"/>
-            </a:pPr>
-            <a:r>
-              <a:rPr lang="en-US" dirty="0"/>
-              <a:t>Determine availability zone / region layout</a:t>
-            </a:r>
-          </a:p>
-          <a:p>
-            <a:pPr marL="285750" indent="-285750">
-              <a:buFont typeface="Arial" panose="020B0604020202020204" pitchFamily="34" charset="0"/>
-              <a:buChar char="•"/>
-            </a:pPr>
-            <a:r>
-              <a:rPr lang="en-US" dirty="0"/>
-              <a:t>Finalize decision on first product to move</a:t>
-            </a:r>
-          </a:p>
-          <a:p>
-            <a:pPr marL="285750" indent="-285750">
-              <a:buFont typeface="Arial" panose="020B0604020202020204" pitchFamily="34" charset="0"/>
-              <a:buChar char="•"/>
-            </a:pPr>
-            <a:r>
-              <a:rPr lang="en-US" dirty="0"/>
-              <a:t>Decision on archive / training databases in the cloud</a:t>
-            </a:r>
-          </a:p>
-          <a:p>
-            <a:pPr marL="285750" indent="-285750">
-              <a:buFont typeface="Arial" panose="020B0604020202020204" pitchFamily="34" charset="0"/>
-              <a:buChar char="•"/>
-            </a:pPr>
-            <a:r>
-              <a:rPr lang="en-US" dirty="0"/>
-              <a:t>Consider revisiting RDS licensing scheme (per-server vs. per-user)</a:t>
-            </a:r>
-          </a:p>
-          <a:p>
-            <a:pPr marL="285750" indent="-285750">
-              <a:buFont typeface="Arial" panose="020B0604020202020204" pitchFamily="34" charset="0"/>
-              <a:buChar char="•"/>
-            </a:pPr>
-            <a:r>
-              <a:rPr lang="en-US" dirty="0"/>
-              <a:t>Final decisions on client networking and responsibility </a:t>
-            </a:r>
-            <a:r>
-              <a:rPr lang="en-US"/>
-              <a:t>for that</a:t>
-            </a:r>
-            <a:endParaRPr lang="en-US" dirty="0"/>
-          </a:p>
-        </p:txBody>
-      </p:sp>
-    </p:spTree>
-    <p:extLst>
-      <p:ext uri="{BB962C8B-B14F-4D97-AF65-F5344CB8AC3E}">
-        <p14:creationId xmlns:p14="http://schemas.microsoft.com/office/powerpoint/2010/main" val="1199315376"/>
-      </p:ext>
-    </p:extLst>
-  </p:cSld>
-  <p:clrMapOvr>
-    <a:masterClrMapping/>
-  </p:clrMapOvr>
-</p:sld>
-</file>
-
 <file path=ppt/slides/slide2.xml><?xml version="1.0" encoding="utf-8"?>
 <p:sld xmlns:a="http://schemas.openxmlformats.org/drawingml/2006/main" xmlns:r="http://schemas.openxmlformats.org/officeDocument/2006/relationships" xmlns:p="http://schemas.openxmlformats.org/presentationml/2006/main">
   <p:cSld>
@@ -13764,6 +13867,385 @@
         </p:txBody>
       </p:sp>
     </p:spTree>
+  </p:cSld>
+  <p:clrMapOvr>
+    <a:masterClrMapping/>
+  </p:clrMapOvr>
+</p:sld>
+</file>
+
+<file path=ppt/slides/slide20.xml><?xml version="1.0" encoding="utf-8"?>
+<p:sld xmlns:a="http://schemas.openxmlformats.org/drawingml/2006/main" xmlns:r="http://schemas.openxmlformats.org/officeDocument/2006/relationships" xmlns:p="http://schemas.openxmlformats.org/presentationml/2006/main">
+  <p:cSld>
+    <p:spTree>
+      <p:nvGrpSpPr>
+        <p:cNvPr id="1" name=""/>
+        <p:cNvGrpSpPr/>
+        <p:nvPr/>
+      </p:nvGrpSpPr>
+      <p:grpSpPr>
+        <a:xfrm>
+          <a:off x="0" y="0"/>
+          <a:ext cx="0" cy="0"/>
+          <a:chOff x="0" y="0"/>
+          <a:chExt cx="0" cy="0"/>
+        </a:xfrm>
+      </p:grpSpPr>
+      <p:sp>
+        <p:nvSpPr>
+          <p:cNvPr id="3" name="Text Placeholder 2"/>
+          <p:cNvSpPr>
+            <a:spLocks noGrp="1"/>
+          </p:cNvSpPr>
+          <p:nvPr>
+            <p:ph type="body" sz="quarter" idx="15"/>
+          </p:nvPr>
+        </p:nvSpPr>
+        <p:spPr>
+          <a:effectLst>
+            <a:outerShdw blurRad="40005" dist="20320" dir="5400000" algn="ctr" rotWithShape="0">
+              <a:schemeClr val="bg2">
+                <a:alpha val="38000"/>
+              </a:schemeClr>
+            </a:outerShdw>
+          </a:effectLst>
+        </p:spPr>
+        <p:txBody>
+          <a:bodyPr/>
+          <a:lstStyle/>
+          <a:p>
+            <a:r>
+              <a:rPr lang="en-US" dirty="0">
+                <a:latin typeface="Interstate-Black"/>
+                <a:cs typeface="Interstate-Black"/>
+              </a:rPr>
+              <a:t>Miscellaneous</a:t>
+            </a:r>
+            <a:endParaRPr lang="en-US" cap="none" dirty="0">
+              <a:latin typeface="Interstate-Black"/>
+              <a:cs typeface="Interstate-Black"/>
+            </a:endParaRPr>
+          </a:p>
+          <a:p>
+            <a:endParaRPr lang="en-US" dirty="0">
+              <a:latin typeface="Interstate-Black"/>
+              <a:cs typeface="Interstate-Black"/>
+            </a:endParaRPr>
+          </a:p>
+        </p:txBody>
+      </p:sp>
+      <p:cxnSp>
+        <p:nvCxnSpPr>
+          <p:cNvPr id="6" name="Straight Connector 5"/>
+          <p:cNvCxnSpPr>
+            <a:stCxn id="3" idx="1"/>
+            <a:endCxn id="3" idx="3"/>
+          </p:cNvCxnSpPr>
+          <p:nvPr/>
+        </p:nvCxnSpPr>
+        <p:spPr>
+          <a:xfrm>
+            <a:off x="273051" y="641272"/>
+            <a:ext cx="8550274" cy="0"/>
+          </a:xfrm>
+          <a:prstGeom prst="line">
+            <a:avLst/>
+          </a:prstGeom>
+        </p:spPr>
+        <p:style>
+          <a:lnRef idx="2">
+            <a:schemeClr val="accent1"/>
+          </a:lnRef>
+          <a:fillRef idx="0">
+            <a:schemeClr val="accent1"/>
+          </a:fillRef>
+          <a:effectRef idx="1">
+            <a:schemeClr val="accent1"/>
+          </a:effectRef>
+          <a:fontRef idx="minor">
+            <a:schemeClr val="tx1"/>
+          </a:fontRef>
+        </p:style>
+      </p:cxnSp>
+      <p:sp>
+        <p:nvSpPr>
+          <p:cNvPr id="9" name="Content Placeholder 8"/>
+          <p:cNvSpPr>
+            <a:spLocks noGrp="1"/>
+          </p:cNvSpPr>
+          <p:nvPr>
+            <p:ph sz="quarter" idx="18"/>
+          </p:nvPr>
+        </p:nvSpPr>
+        <p:spPr>
+          <a:xfrm>
+            <a:off x="273052" y="1130561"/>
+            <a:ext cx="8550273" cy="3340292"/>
+          </a:xfrm>
+        </p:spPr>
+        <p:txBody>
+          <a:bodyPr/>
+          <a:lstStyle/>
+          <a:p>
+            <a:pPr marL="285750" indent="-285750">
+              <a:buFont typeface="Arial" panose="020B0604020202020204" pitchFamily="34" charset="0"/>
+              <a:buChar char="•"/>
+            </a:pPr>
+            <a:r>
+              <a:rPr lang="en-US" dirty="0"/>
+              <a:t>TMCRM will not be in scope for AWS (in a separate data center)</a:t>
+            </a:r>
+          </a:p>
+          <a:p>
+            <a:pPr marL="285750" indent="-285750">
+              <a:buFont typeface="Arial" panose="020B0604020202020204" pitchFamily="34" charset="0"/>
+              <a:buChar char="•"/>
+            </a:pPr>
+            <a:r>
+              <a:rPr lang="en-US" dirty="0"/>
+              <a:t>Disaster Recovery plans will need to be updated</a:t>
+            </a:r>
+          </a:p>
+          <a:p>
+            <a:pPr marL="285750" indent="-285750">
+              <a:buFont typeface="Arial" panose="020B0604020202020204" pitchFamily="34" charset="0"/>
+              <a:buChar char="•"/>
+            </a:pPr>
+            <a:r>
+              <a:rPr lang="en-US" dirty="0"/>
+              <a:t>DSC / AADS and AWS / containers / immutable EC2</a:t>
+            </a:r>
+          </a:p>
+          <a:p>
+            <a:pPr marL="285750" indent="-285750">
+              <a:buFont typeface="Arial" panose="020B0604020202020204" pitchFamily="34" charset="0"/>
+              <a:buChar char="•"/>
+            </a:pPr>
+            <a:r>
+              <a:rPr lang="en-US" dirty="0"/>
+              <a:t>Hosted.Ticketmaster.com DNS zone</a:t>
+            </a:r>
+          </a:p>
+        </p:txBody>
+      </p:sp>
+    </p:spTree>
+    <p:extLst>
+      <p:ext uri="{BB962C8B-B14F-4D97-AF65-F5344CB8AC3E}">
+        <p14:creationId xmlns:p14="http://schemas.microsoft.com/office/powerpoint/2010/main" val="1021542222"/>
+      </p:ext>
+    </p:extLst>
+  </p:cSld>
+  <p:clrMapOvr>
+    <a:masterClrMapping/>
+  </p:clrMapOvr>
+</p:sld>
+</file>
+
+<file path=ppt/slides/slide21.xml><?xml version="1.0" encoding="utf-8"?>
+<p:sld xmlns:a="http://schemas.openxmlformats.org/drawingml/2006/main" xmlns:r="http://schemas.openxmlformats.org/officeDocument/2006/relationships" xmlns:p="http://schemas.openxmlformats.org/presentationml/2006/main">
+  <p:cSld>
+    <p:spTree>
+      <p:nvGrpSpPr>
+        <p:cNvPr id="1" name=""/>
+        <p:cNvGrpSpPr/>
+        <p:nvPr/>
+      </p:nvGrpSpPr>
+      <p:grpSpPr>
+        <a:xfrm>
+          <a:off x="0" y="0"/>
+          <a:ext cx="0" cy="0"/>
+          <a:chOff x="0" y="0"/>
+          <a:chExt cx="0" cy="0"/>
+        </a:xfrm>
+      </p:grpSpPr>
+      <p:sp>
+        <p:nvSpPr>
+          <p:cNvPr id="3" name="Text Placeholder 2"/>
+          <p:cNvSpPr>
+            <a:spLocks noGrp="1"/>
+          </p:cNvSpPr>
+          <p:nvPr>
+            <p:ph type="body" sz="quarter" idx="15"/>
+          </p:nvPr>
+        </p:nvSpPr>
+        <p:spPr>
+          <a:effectLst>
+            <a:outerShdw blurRad="40005" dist="20320" dir="5400000" algn="ctr" rotWithShape="0">
+              <a:schemeClr val="bg2">
+                <a:alpha val="38000"/>
+              </a:schemeClr>
+            </a:outerShdw>
+          </a:effectLst>
+        </p:spPr>
+        <p:txBody>
+          <a:bodyPr/>
+          <a:lstStyle/>
+          <a:p>
+            <a:r>
+              <a:rPr lang="en-US" dirty="0">
+                <a:latin typeface="Interstate-Black"/>
+                <a:cs typeface="Interstate-Black"/>
+              </a:rPr>
+              <a:t>Next Steps</a:t>
+            </a:r>
+            <a:endParaRPr lang="en-US" cap="none" dirty="0">
+              <a:latin typeface="Interstate-Black"/>
+              <a:cs typeface="Interstate-Black"/>
+            </a:endParaRPr>
+          </a:p>
+          <a:p>
+            <a:endParaRPr lang="en-US" dirty="0">
+              <a:latin typeface="Interstate-Black"/>
+              <a:cs typeface="Interstate-Black"/>
+            </a:endParaRPr>
+          </a:p>
+        </p:txBody>
+      </p:sp>
+      <p:cxnSp>
+        <p:nvCxnSpPr>
+          <p:cNvPr id="6" name="Straight Connector 5"/>
+          <p:cNvCxnSpPr>
+            <a:stCxn id="3" idx="1"/>
+            <a:endCxn id="3" idx="3"/>
+          </p:cNvCxnSpPr>
+          <p:nvPr/>
+        </p:nvCxnSpPr>
+        <p:spPr>
+          <a:xfrm>
+            <a:off x="273051" y="641272"/>
+            <a:ext cx="8550274" cy="0"/>
+          </a:xfrm>
+          <a:prstGeom prst="line">
+            <a:avLst/>
+          </a:prstGeom>
+        </p:spPr>
+        <p:style>
+          <a:lnRef idx="2">
+            <a:schemeClr val="accent1"/>
+          </a:lnRef>
+          <a:fillRef idx="0">
+            <a:schemeClr val="accent1"/>
+          </a:fillRef>
+          <a:effectRef idx="1">
+            <a:schemeClr val="accent1"/>
+          </a:effectRef>
+          <a:fontRef idx="minor">
+            <a:schemeClr val="tx1"/>
+          </a:fontRef>
+        </p:style>
+      </p:cxnSp>
+      <p:sp>
+        <p:nvSpPr>
+          <p:cNvPr id="9" name="Content Placeholder 8"/>
+          <p:cNvSpPr>
+            <a:spLocks noGrp="1"/>
+          </p:cNvSpPr>
+          <p:nvPr>
+            <p:ph sz="quarter" idx="18"/>
+          </p:nvPr>
+        </p:nvSpPr>
+        <p:spPr>
+          <a:xfrm>
+            <a:off x="273052" y="1130561"/>
+            <a:ext cx="8550273" cy="3340292"/>
+          </a:xfrm>
+        </p:spPr>
+        <p:txBody>
+          <a:bodyPr/>
+          <a:lstStyle/>
+          <a:p>
+            <a:pPr marL="285750" indent="-285750">
+              <a:buFont typeface="Arial" panose="020B0604020202020204" pitchFamily="34" charset="0"/>
+              <a:buChar char="•"/>
+            </a:pPr>
+            <a:r>
+              <a:rPr lang="en-US" dirty="0"/>
+              <a:t>Investigate and finalize compute provisioning decisions</a:t>
+            </a:r>
+          </a:p>
+          <a:p>
+            <a:pPr marL="285750" indent="-285750">
+              <a:buFont typeface="Arial" panose="020B0604020202020204" pitchFamily="34" charset="0"/>
+              <a:buChar char="•"/>
+            </a:pPr>
+            <a:r>
+              <a:rPr lang="en-US" dirty="0"/>
+              <a:t>Determine application changes required for AWS</a:t>
+            </a:r>
+          </a:p>
+          <a:p>
+            <a:pPr marL="285750" indent="-285750">
+              <a:buFont typeface="Arial" panose="020B0604020202020204" pitchFamily="34" charset="0"/>
+              <a:buChar char="•"/>
+            </a:pPr>
+            <a:r>
+              <a:rPr lang="en-US" dirty="0"/>
+              <a:t>Identify solutions for potential blockers / concerns</a:t>
+            </a:r>
+          </a:p>
+          <a:p>
+            <a:pPr marL="285750" indent="-285750">
+              <a:buFont typeface="Arial" panose="020B0604020202020204" pitchFamily="34" charset="0"/>
+              <a:buChar char="•"/>
+            </a:pPr>
+            <a:r>
+              <a:rPr lang="en-US" dirty="0"/>
+              <a:t>Determine availability zone / region layout</a:t>
+            </a:r>
+          </a:p>
+          <a:p>
+            <a:pPr marL="285750" indent="-285750">
+              <a:buFont typeface="Arial" panose="020B0604020202020204" pitchFamily="34" charset="0"/>
+              <a:buChar char="•"/>
+            </a:pPr>
+            <a:r>
+              <a:rPr lang="en-US" dirty="0"/>
+              <a:t>Finalize decision on first product to move</a:t>
+            </a:r>
+          </a:p>
+          <a:p>
+            <a:pPr marL="285750" indent="-285750">
+              <a:buFont typeface="Arial" panose="020B0604020202020204" pitchFamily="34" charset="0"/>
+              <a:buChar char="•"/>
+            </a:pPr>
+            <a:r>
+              <a:rPr lang="en-US" dirty="0"/>
+              <a:t>Decision on archive / training databases in the cloud</a:t>
+            </a:r>
+          </a:p>
+          <a:p>
+            <a:pPr marL="285750" indent="-285750">
+              <a:buFont typeface="Arial" panose="020B0604020202020204" pitchFamily="34" charset="0"/>
+              <a:buChar char="•"/>
+            </a:pPr>
+            <a:r>
+              <a:rPr lang="en-US" dirty="0"/>
+              <a:t>Consider revisiting RDS licensing scheme (per-server vs. per-user)</a:t>
+            </a:r>
+          </a:p>
+          <a:p>
+            <a:pPr marL="285750" indent="-285750">
+              <a:buFont typeface="Arial" panose="020B0604020202020204" pitchFamily="34" charset="0"/>
+              <a:buChar char="•"/>
+            </a:pPr>
+            <a:r>
+              <a:rPr lang="en-US" dirty="0"/>
+              <a:t>Final decisions on client networking and responsibility </a:t>
+            </a:r>
+            <a:r>
+              <a:rPr lang="en-US"/>
+              <a:t>for that</a:t>
+            </a:r>
+            <a:endParaRPr lang="en-US" dirty="0"/>
+          </a:p>
+        </p:txBody>
+      </p:sp>
+    </p:spTree>
+    <p:extLst>
+      <p:ext uri="{BB962C8B-B14F-4D97-AF65-F5344CB8AC3E}">
+        <p14:creationId xmlns:p14="http://schemas.microsoft.com/office/powerpoint/2010/main" val="1199315376"/>
+      </p:ext>
+    </p:extLst>
   </p:cSld>
   <p:clrMapOvr>
     <a:masterClrMapping/>

--- a/Summit2017_Mocking.pptx
+++ b/Summit2017_Mocking.pptx
@@ -1175,13 +1175,8 @@
             </a:r>
             <a:r>
               <a:rPr lang="en-US" dirty="0"/>
-              <a:t> are similar, but with slightly different approaches</a:t>
-            </a:r>
-            <a:r>
-              <a:rPr lang="en-US"/>
-              <a:t>. </a:t>
-            </a:r>
-            <a:endParaRPr lang="en-US" dirty="0"/>
+              <a:t> are similar, but with slightly different approaches. </a:t>
+            </a:r>
           </a:p>
         </p:txBody>
       </p:sp>
@@ -1398,6 +1393,13 @@
               <a:rPr lang="en-US" dirty="0"/>
               <a:t>Speaking of hand crafting objects</a:t>
             </a:r>
+          </a:p>
+          <a:p>
+            <a:pPr marL="171450" indent="-171450">
+              <a:buFont typeface="Arial" panose="020B0604020202020204" pitchFamily="34" charset="0"/>
+              <a:buChar char="•"/>
+            </a:pPr>
+            <a:endParaRPr lang="en-US" dirty="0"/>
           </a:p>
           <a:p>
             <a:pPr marL="171450" indent="-171450">
@@ -12568,7 +12570,7 @@
       </p:cxnSp>
       <p:pic>
         <p:nvPicPr>
-          <p:cNvPr id="10" name="Content Placeholder 9"/>
+          <p:cNvPr id="7" name="Content Placeholder 6"/>
           <p:cNvPicPr>
             <a:picLocks noGrp="1" noChangeAspect="1"/>
           </p:cNvPicPr>
@@ -12584,11 +12586,140 @@
         </p:blipFill>
         <p:spPr>
           <a:xfrm>
-            <a:off x="1527131" y="894831"/>
-            <a:ext cx="6042114" cy="3356731"/>
+            <a:off x="336594" y="1169941"/>
+            <a:ext cx="8423187" cy="906570"/>
           </a:xfrm>
         </p:spPr>
       </p:pic>
+      <p:sp>
+        <p:nvSpPr>
+          <p:cNvPr id="8" name="TextBox 7"/>
+          <p:cNvSpPr txBox="1"/>
+          <p:nvPr/>
+        </p:nvSpPr>
+        <p:spPr>
+          <a:xfrm>
+            <a:off x="273051" y="803344"/>
+            <a:ext cx="8454559" cy="307777"/>
+          </a:xfrm>
+          <a:prstGeom prst="rect">
+            <a:avLst/>
+          </a:prstGeom>
+          <a:noFill/>
+        </p:spPr>
+        <p:txBody>
+          <a:bodyPr wrap="none" rtlCol="0">
+            <a:spAutoFit/>
+          </a:bodyPr>
+          <a:lstStyle/>
+          <a:p>
+            <a:r>
+              <a:rPr lang="en-US" sz="1400" dirty="0">
+                <a:latin typeface="Fira Code" panose="020B0509050000020004" pitchFamily="49" charset="0"/>
+                <a:ea typeface="Fira Code" panose="020B0509050000020004" pitchFamily="49" charset="0"/>
+                <a:cs typeface="TM Sans"/>
+              </a:rPr>
+              <a:t>New-Object -TypeName Diagnostics.Process -Property @{Name = "IMadeItUp.exe" }</a:t>
+            </a:r>
+            <a:endParaRPr lang="en-US" sz="1400" dirty="0">
+              <a:latin typeface="Fira Code" panose="020B0509050000020004" pitchFamily="49" charset="0"/>
+              <a:ea typeface="Fira Code" panose="020B0509050000020004" pitchFamily="49" charset="0"/>
+              <a:cs typeface="TM Sans"/>
+            </a:endParaRPr>
+          </a:p>
+        </p:txBody>
+      </p:sp>
+      <p:pic>
+        <p:nvPicPr>
+          <p:cNvPr id="11" name="Picture 10"/>
+          <p:cNvPicPr>
+            <a:picLocks noChangeAspect="1"/>
+          </p:cNvPicPr>
+          <p:nvPr/>
+        </p:nvPicPr>
+        <p:blipFill>
+          <a:blip r:embed="rId4"/>
+          <a:stretch>
+            <a:fillRect/>
+          </a:stretch>
+        </p:blipFill>
+        <p:spPr>
+          <a:xfrm>
+            <a:off x="336594" y="2467450"/>
+            <a:ext cx="8423187" cy="1029501"/>
+          </a:xfrm>
+          <a:prstGeom prst="rect">
+            <a:avLst/>
+          </a:prstGeom>
+        </p:spPr>
+      </p:pic>
+      <p:pic>
+        <p:nvPicPr>
+          <p:cNvPr id="13" name="Picture 12"/>
+          <p:cNvPicPr>
+            <a:picLocks noChangeAspect="1"/>
+          </p:cNvPicPr>
+          <p:nvPr/>
+        </p:nvPicPr>
+        <p:blipFill>
+          <a:blip r:embed="rId5"/>
+          <a:stretch>
+            <a:fillRect/>
+          </a:stretch>
+        </p:blipFill>
+        <p:spPr>
+          <a:xfrm>
+            <a:off x="2672456" y="3887890"/>
+            <a:ext cx="6087325" cy="857370"/>
+          </a:xfrm>
+          <a:prstGeom prst="rect">
+            <a:avLst/>
+          </a:prstGeom>
+        </p:spPr>
+      </p:pic>
+      <p:sp>
+        <p:nvSpPr>
+          <p:cNvPr id="14" name="TextBox 13"/>
+          <p:cNvSpPr txBox="1"/>
+          <p:nvPr/>
+        </p:nvSpPr>
+        <p:spPr>
+          <a:xfrm>
+            <a:off x="336594" y="3953998"/>
+            <a:ext cx="2339102" cy="707886"/>
+          </a:xfrm>
+          <a:prstGeom prst="rect">
+            <a:avLst/>
+          </a:prstGeom>
+          <a:noFill/>
+        </p:spPr>
+        <p:txBody>
+          <a:bodyPr wrap="none" rtlCol="0">
+            <a:spAutoFit/>
+          </a:bodyPr>
+          <a:lstStyle/>
+          <a:p>
+            <a:r>
+              <a:rPr lang="en-US" sz="2000" dirty="0">
+                <a:latin typeface="Fira Code" panose="020B0509050000020004" pitchFamily="49" charset="0"/>
+                <a:ea typeface="Fira Code" panose="020B0509050000020004" pitchFamily="49" charset="0"/>
+                <a:cs typeface="TM Sans"/>
+              </a:rPr>
+              <a:t>PS &gt;$ps</a:t>
+            </a:r>
+          </a:p>
+          <a:p>
+            <a:r>
+              <a:rPr lang="en-US" sz="2000" dirty="0">
+                <a:latin typeface="Fira Code" panose="020B0509050000020004" pitchFamily="49" charset="0"/>
+                <a:ea typeface="Fira Code" panose="020B0509050000020004" pitchFamily="49" charset="0"/>
+                <a:cs typeface="TM Sans"/>
+              </a:rPr>
+              <a:t>PS &gt;$ps.Kill()</a:t>
+            </a:r>
+          </a:p>
+        </p:txBody>
+      </p:sp>
     </p:spTree>
     <p:extLst>
       <p:ext uri="{BB962C8B-B14F-4D97-AF65-F5344CB8AC3E}">

--- a/Summit2017_Mocking.pptx
+++ b/Summit2017_Mocking.pptx
@@ -12645,8 +12645,8 @@
         </p:blipFill>
         <p:spPr>
           <a:xfrm>
-            <a:off x="336594" y="2467450"/>
-            <a:ext cx="8423187" cy="1029501"/>
+            <a:off x="336594" y="2569494"/>
+            <a:ext cx="8423187" cy="825412"/>
           </a:xfrm>
           <a:prstGeom prst="rect">
             <a:avLst/>

--- a/Summit2017_Mocking.pptx
+++ b/Summit2017_Mocking.pptx
@@ -11658,77 +11658,610 @@
           </a:fontRef>
         </p:style>
       </p:cxnSp>
-      <p:pic>
-        <p:nvPicPr>
-          <p:cNvPr id="12" name="Content Placeholder 11"/>
-          <p:cNvPicPr>
-            <a:picLocks noGrp="1" noChangeAspect="1"/>
-          </p:cNvPicPr>
-          <p:nvPr>
-            <p:ph sz="quarter" idx="17"/>
-          </p:nvPr>
-        </p:nvPicPr>
-        <p:blipFill>
-          <a:blip r:embed="rId3"/>
-          <a:stretch>
-            <a:fillRect/>
-          </a:stretch>
-        </p:blipFill>
+      <p:sp>
+        <p:nvSpPr>
+          <p:cNvPr id="22" name="TextBox 21"/>
+          <p:cNvSpPr txBox="1"/>
+          <p:nvPr/>
+        </p:nvSpPr>
         <p:spPr>
           <a:xfrm>
-            <a:off x="360258" y="1360064"/>
-            <a:ext cx="8463068" cy="2643401"/>
-          </a:xfrm>
-        </p:spPr>
-      </p:pic>
-      <p:pic>
-        <p:nvPicPr>
-          <p:cNvPr id="16" name="Picture 15"/>
-          <p:cNvPicPr>
-            <a:picLocks noChangeAspect="1"/>
-          </p:cNvPicPr>
-          <p:nvPr/>
-        </p:nvPicPr>
-        <p:blipFill>
-          <a:blip r:embed="rId4"/>
-          <a:stretch>
-            <a:fillRect/>
-          </a:stretch>
-        </p:blipFill>
-        <p:spPr>
-          <a:xfrm>
-            <a:off x="706892" y="4186126"/>
-            <a:ext cx="8116433" cy="600159"/>
+            <a:off x="273051" y="1438904"/>
+            <a:ext cx="8645315" cy="2123658"/>
           </a:xfrm>
           <a:prstGeom prst="rect">
             <a:avLst/>
           </a:prstGeom>
+          <a:solidFill>
+            <a:schemeClr val="bg2">
+              <a:lumMod val="50000"/>
+            </a:schemeClr>
+          </a:solidFill>
+          <a:ln w="76200">
+            <a:solidFill>
+              <a:schemeClr val="bg2">
+                <a:lumMod val="50000"/>
+              </a:schemeClr>
+            </a:solidFill>
+          </a:ln>
         </p:spPr>
-      </p:pic>
-      <p:pic>
-        <p:nvPicPr>
-          <p:cNvPr id="18" name="Picture 17"/>
-          <p:cNvPicPr>
-            <a:picLocks noChangeAspect="1"/>
-          </p:cNvPicPr>
+        <p:txBody>
+          <a:bodyPr wrap="none" rtlCol="0">
+            <a:spAutoFit/>
+          </a:bodyPr>
+          <a:lstStyle/>
+          <a:p>
+            <a:r>
+              <a:rPr lang="en-US" sz="1200" dirty="0">
+                <a:solidFill>
+                  <a:srgbClr val="D4D4D4"/>
+                </a:solidFill>
+                <a:latin typeface="Fira Code" panose="020B0509050000020004" pitchFamily="49" charset="0"/>
+              </a:rPr>
+              <a:t>Describe </a:t>
+            </a:r>
+            <a:r>
+              <a:rPr lang="en-US" sz="1200" dirty="0">
+                <a:solidFill>
+                  <a:srgbClr val="CE9178"/>
+                </a:solidFill>
+                <a:latin typeface="Fira Code" panose="020B0509050000020004" pitchFamily="49" charset="0"/>
+              </a:rPr>
+              <a:t>'Script File'</a:t>
+            </a:r>
+            <a:r>
+              <a:rPr lang="en-US" sz="1200" dirty="0">
+                <a:solidFill>
+                  <a:srgbClr val="D4D4D4"/>
+                </a:solidFill>
+                <a:latin typeface="Fira Code" panose="020B0509050000020004" pitchFamily="49" charset="0"/>
+              </a:rPr>
+              <a:t> {</a:t>
+            </a:r>
+          </a:p>
+          <a:p>
+            <a:r>
+              <a:rPr lang="en-US" sz="1200" dirty="0">
+                <a:solidFill>
+                  <a:srgbClr val="D4D4D4"/>
+                </a:solidFill>
+                <a:latin typeface="Fira Code" panose="020B0509050000020004" pitchFamily="49" charset="0"/>
+              </a:rPr>
+              <a:t>    It </a:t>
+            </a:r>
+            <a:r>
+              <a:rPr lang="en-US" sz="1200" dirty="0">
+                <a:solidFill>
+                  <a:srgbClr val="CE9178"/>
+                </a:solidFill>
+                <a:latin typeface="Fira Code" panose="020B0509050000020004" pitchFamily="49" charset="0"/>
+              </a:rPr>
+              <a:t>'Should call Demo2a-ScriptFiles.ps1'</a:t>
+            </a:r>
+            <a:r>
+              <a:rPr lang="en-US" sz="1200" dirty="0">
+                <a:solidFill>
+                  <a:srgbClr val="D4D4D4"/>
+                </a:solidFill>
+                <a:latin typeface="Fira Code" panose="020B0509050000020004" pitchFamily="49" charset="0"/>
+              </a:rPr>
+              <a:t> {</a:t>
+            </a:r>
+          </a:p>
+          <a:p>
+            <a:br>
+              <a:rPr lang="en-US" sz="1200" dirty="0">
+                <a:solidFill>
+                  <a:srgbClr val="D4D4D4"/>
+                </a:solidFill>
+                <a:latin typeface="Fira Code" panose="020B0509050000020004" pitchFamily="49" charset="0"/>
+              </a:rPr>
+            </a:br>
+            <a:r>
+              <a:rPr lang="en-US" sz="1200" dirty="0">
+                <a:solidFill>
+                  <a:srgbClr val="D4D4D4"/>
+                </a:solidFill>
+                <a:latin typeface="Fira Code" panose="020B0509050000020004" pitchFamily="49" charset="0"/>
+              </a:rPr>
+              <a:t>        </a:t>
+            </a:r>
+            <a:r>
+              <a:rPr lang="en-US" sz="1200" dirty="0">
+                <a:solidFill>
+                  <a:srgbClr val="569CD6"/>
+                </a:solidFill>
+                <a:latin typeface="Fira Code" panose="020B0509050000020004" pitchFamily="49" charset="0"/>
+              </a:rPr>
+              <a:t>${</a:t>
+            </a:r>
+            <a:r>
+              <a:rPr lang="en-US" sz="1200" dirty="0" err="1">
+                <a:solidFill>
+                  <a:srgbClr val="9CDCFE"/>
+                </a:solidFill>
+                <a:latin typeface="Fira Code" panose="020B0509050000020004" pitchFamily="49" charset="0"/>
+              </a:rPr>
+              <a:t>function:C</a:t>
+            </a:r>
+            <a:r>
+              <a:rPr lang="en-US" sz="1200" dirty="0">
+                <a:solidFill>
+                  <a:srgbClr val="9CDCFE"/>
+                </a:solidFill>
+                <a:latin typeface="Fira Code" panose="020B0509050000020004" pitchFamily="49" charset="0"/>
+              </a:rPr>
+              <a:t>:\Source\</a:t>
+            </a:r>
+            <a:r>
+              <a:rPr lang="en-US" sz="1200" dirty="0" err="1">
+                <a:solidFill>
+                  <a:srgbClr val="9CDCFE"/>
+                </a:solidFill>
+                <a:latin typeface="Fira Code" panose="020B0509050000020004" pitchFamily="49" charset="0"/>
+              </a:rPr>
+              <a:t>TMGit</a:t>
+            </a:r>
+            <a:r>
+              <a:rPr lang="en-US" sz="1200" dirty="0">
+                <a:solidFill>
+                  <a:srgbClr val="9CDCFE"/>
+                </a:solidFill>
+                <a:latin typeface="Fira Code" panose="020B0509050000020004" pitchFamily="49" charset="0"/>
+              </a:rPr>
+              <a:t>\</a:t>
+            </a:r>
+            <a:r>
+              <a:rPr lang="en-US" sz="1200" dirty="0" err="1">
+                <a:solidFill>
+                  <a:srgbClr val="9CDCFE"/>
+                </a:solidFill>
+                <a:latin typeface="Fira Code" panose="020B0509050000020004" pitchFamily="49" charset="0"/>
+              </a:rPr>
+              <a:t>Chris.Hunt</a:t>
+            </a:r>
+            <a:r>
+              <a:rPr lang="en-US" sz="1200" dirty="0">
+                <a:solidFill>
+                  <a:srgbClr val="9CDCFE"/>
+                </a:solidFill>
+                <a:latin typeface="Fira Code" panose="020B0509050000020004" pitchFamily="49" charset="0"/>
+              </a:rPr>
+              <a:t>\pssummit2017-mocking\Demo2a-ScriptFiles.ps1</a:t>
+            </a:r>
+            <a:r>
+              <a:rPr lang="en-US" sz="1200" dirty="0">
+                <a:solidFill>
+                  <a:srgbClr val="569CD6"/>
+                </a:solidFill>
+                <a:latin typeface="Fira Code" panose="020B0509050000020004" pitchFamily="49" charset="0"/>
+              </a:rPr>
+              <a:t>}</a:t>
+            </a:r>
+            <a:r>
+              <a:rPr lang="en-US" sz="1200" dirty="0">
+                <a:solidFill>
+                  <a:srgbClr val="D4D4D4"/>
+                </a:solidFill>
+                <a:latin typeface="Fira Code" panose="020B0509050000020004" pitchFamily="49" charset="0"/>
+              </a:rPr>
+              <a:t>`</a:t>
+            </a:r>
+          </a:p>
+          <a:p>
+            <a:r>
+              <a:rPr lang="en-US" sz="1200" dirty="0">
+                <a:solidFill>
+                  <a:srgbClr val="D4D4D4"/>
+                </a:solidFill>
+                <a:latin typeface="Fira Code" panose="020B0509050000020004" pitchFamily="49" charset="0"/>
+              </a:rPr>
+              <a:t>            = {</a:t>
+            </a:r>
+            <a:r>
+              <a:rPr lang="en-US" sz="1200" dirty="0">
+                <a:solidFill>
+                  <a:srgbClr val="DCDCAA"/>
+                </a:solidFill>
+                <a:latin typeface="Fira Code" panose="020B0509050000020004" pitchFamily="49" charset="0"/>
+              </a:rPr>
+              <a:t>Write-Output</a:t>
+            </a:r>
+            <a:r>
+              <a:rPr lang="en-US" sz="1200" dirty="0">
+                <a:solidFill>
+                  <a:srgbClr val="D4D4D4"/>
+                </a:solidFill>
+                <a:latin typeface="Fira Code" panose="020B0509050000020004" pitchFamily="49" charset="0"/>
+              </a:rPr>
+              <a:t> </a:t>
+            </a:r>
+            <a:r>
+              <a:rPr lang="en-US" sz="1200" dirty="0">
+                <a:solidFill>
+                  <a:srgbClr val="CE9178"/>
+                </a:solidFill>
+                <a:latin typeface="Fira Code" panose="020B0509050000020004" pitchFamily="49" charset="0"/>
+              </a:rPr>
+              <a:t>'Testing'</a:t>
+            </a:r>
+            <a:r>
+              <a:rPr lang="en-US" sz="1200" dirty="0">
+                <a:solidFill>
+                  <a:srgbClr val="D4D4D4"/>
+                </a:solidFill>
+                <a:latin typeface="Fira Code" panose="020B0509050000020004" pitchFamily="49" charset="0"/>
+              </a:rPr>
+              <a:t>}</a:t>
+            </a:r>
+          </a:p>
+          <a:p>
+            <a:br>
+              <a:rPr lang="en-US" sz="1200" dirty="0">
+                <a:solidFill>
+                  <a:srgbClr val="D4D4D4"/>
+                </a:solidFill>
+                <a:latin typeface="Fira Code" panose="020B0509050000020004" pitchFamily="49" charset="0"/>
+              </a:rPr>
+            </a:br>
+            <a:r>
+              <a:rPr lang="en-US" sz="1200" dirty="0">
+                <a:solidFill>
+                  <a:srgbClr val="D4D4D4"/>
+                </a:solidFill>
+                <a:latin typeface="Fira Code" panose="020B0509050000020004" pitchFamily="49" charset="0"/>
+              </a:rPr>
+              <a:t>        </a:t>
+            </a:r>
+            <a:r>
+              <a:rPr lang="en-US" sz="1200" dirty="0">
+                <a:solidFill>
+                  <a:srgbClr val="569CD6"/>
+                </a:solidFill>
+                <a:latin typeface="Fira Code" panose="020B0509050000020004" pitchFamily="49" charset="0"/>
+              </a:rPr>
+              <a:t>$</a:t>
+            </a:r>
+            <a:r>
+              <a:rPr lang="en-US" sz="1200" dirty="0">
+                <a:solidFill>
+                  <a:srgbClr val="9CDCFE"/>
+                </a:solidFill>
+                <a:latin typeface="Fira Code" panose="020B0509050000020004" pitchFamily="49" charset="0"/>
+              </a:rPr>
+              <a:t>results</a:t>
+            </a:r>
+            <a:r>
+              <a:rPr lang="en-US" sz="1200" dirty="0">
+                <a:solidFill>
+                  <a:srgbClr val="D4D4D4"/>
+                </a:solidFill>
+                <a:latin typeface="Fira Code" panose="020B0509050000020004" pitchFamily="49" charset="0"/>
+              </a:rPr>
+              <a:t> = C:\Source\TMGit\Chris.Hunt\pssummit2017-mocking\</a:t>
+            </a:r>
+            <a:r>
+              <a:rPr lang="en-US" sz="1200" dirty="0">
+                <a:solidFill>
+                  <a:srgbClr val="DCDCAA"/>
+                </a:solidFill>
+                <a:latin typeface="Fira Code" panose="020B0509050000020004" pitchFamily="49" charset="0"/>
+              </a:rPr>
+              <a:t>Demo2a-ScriptFiles.ps1</a:t>
+            </a:r>
+            <a:endParaRPr lang="en-US" sz="1200" dirty="0">
+              <a:solidFill>
+                <a:srgbClr val="D4D4D4"/>
+              </a:solidFill>
+              <a:latin typeface="Fira Code" panose="020B0509050000020004" pitchFamily="49" charset="0"/>
+            </a:endParaRPr>
+          </a:p>
+          <a:p>
+            <a:br>
+              <a:rPr lang="en-US" sz="1200" dirty="0">
+                <a:solidFill>
+                  <a:srgbClr val="D4D4D4"/>
+                </a:solidFill>
+                <a:latin typeface="Fira Code" panose="020B0509050000020004" pitchFamily="49" charset="0"/>
+              </a:rPr>
+            </a:br>
+            <a:r>
+              <a:rPr lang="en-US" sz="1200" dirty="0">
+                <a:solidFill>
+                  <a:srgbClr val="D4D4D4"/>
+                </a:solidFill>
+                <a:latin typeface="Fira Code" panose="020B0509050000020004" pitchFamily="49" charset="0"/>
+              </a:rPr>
+              <a:t>        </a:t>
+            </a:r>
+            <a:r>
+              <a:rPr lang="en-US" sz="1200" dirty="0">
+                <a:solidFill>
+                  <a:srgbClr val="569CD6"/>
+                </a:solidFill>
+                <a:latin typeface="Fira Code" panose="020B0509050000020004" pitchFamily="49" charset="0"/>
+              </a:rPr>
+              <a:t>$</a:t>
+            </a:r>
+            <a:r>
+              <a:rPr lang="en-US" sz="1200" dirty="0">
+                <a:solidFill>
+                  <a:srgbClr val="9CDCFE"/>
+                </a:solidFill>
+                <a:latin typeface="Fira Code" panose="020B0509050000020004" pitchFamily="49" charset="0"/>
+              </a:rPr>
+              <a:t>results</a:t>
+            </a:r>
+            <a:r>
+              <a:rPr lang="en-US" sz="1200" dirty="0">
+                <a:solidFill>
+                  <a:srgbClr val="D4D4D4"/>
+                </a:solidFill>
+                <a:latin typeface="Fira Code" panose="020B0509050000020004" pitchFamily="49" charset="0"/>
+              </a:rPr>
+              <a:t> | Should Be </a:t>
+            </a:r>
+            <a:r>
+              <a:rPr lang="en-US" sz="1200" dirty="0">
+                <a:solidFill>
+                  <a:srgbClr val="CE9178"/>
+                </a:solidFill>
+                <a:latin typeface="Fira Code" panose="020B0509050000020004" pitchFamily="49" charset="0"/>
+              </a:rPr>
+              <a:t>'Testing'</a:t>
+            </a:r>
+            <a:endParaRPr lang="en-US" sz="1200" dirty="0">
+              <a:solidFill>
+                <a:srgbClr val="D4D4D4"/>
+              </a:solidFill>
+              <a:latin typeface="Fira Code" panose="020B0509050000020004" pitchFamily="49" charset="0"/>
+            </a:endParaRPr>
+          </a:p>
+          <a:p>
+            <a:r>
+              <a:rPr lang="en-US" sz="1200" dirty="0">
+                <a:solidFill>
+                  <a:srgbClr val="D4D4D4"/>
+                </a:solidFill>
+                <a:latin typeface="Fira Code" panose="020B0509050000020004" pitchFamily="49" charset="0"/>
+              </a:rPr>
+              <a:t>    }</a:t>
+            </a:r>
+          </a:p>
+          <a:p>
+            <a:r>
+              <a:rPr lang="en-US" sz="1200" dirty="0">
+                <a:solidFill>
+                  <a:srgbClr val="D4D4D4"/>
+                </a:solidFill>
+                <a:latin typeface="Fira Code" panose="020B0509050000020004" pitchFamily="49" charset="0"/>
+              </a:rPr>
+              <a:t>}</a:t>
+            </a:r>
+            <a:endParaRPr lang="en-US" sz="1200" b="0" dirty="0">
+              <a:solidFill>
+                <a:srgbClr val="D4D4D4"/>
+              </a:solidFill>
+              <a:effectLst/>
+              <a:latin typeface="Fira Code" panose="020B0509050000020004" pitchFamily="49" charset="0"/>
+            </a:endParaRPr>
+          </a:p>
+        </p:txBody>
+      </p:sp>
+      <p:sp>
+        <p:nvSpPr>
+          <p:cNvPr id="23" name="TextBox 22"/>
+          <p:cNvSpPr txBox="1"/>
           <p:nvPr/>
-        </p:nvPicPr>
-        <p:blipFill>
-          <a:blip r:embed="rId5"/>
-          <a:stretch>
-            <a:fillRect/>
-          </a:stretch>
-        </p:blipFill>
+        </p:nvSpPr>
         <p:spPr>
           <a:xfrm>
-            <a:off x="360258" y="815345"/>
-            <a:ext cx="6792273" cy="400106"/>
+            <a:off x="2946591" y="844930"/>
+            <a:ext cx="2787943" cy="276999"/>
           </a:xfrm>
           <a:prstGeom prst="rect">
             <a:avLst/>
           </a:prstGeom>
+          <a:solidFill>
+            <a:schemeClr val="bg2">
+              <a:lumMod val="50000"/>
+            </a:schemeClr>
+          </a:solidFill>
+          <a:ln w="76200">
+            <a:solidFill>
+              <a:schemeClr val="bg2">
+                <a:lumMod val="50000"/>
+              </a:schemeClr>
+            </a:solidFill>
+          </a:ln>
         </p:spPr>
-      </p:pic>
+        <p:txBody>
+          <a:bodyPr wrap="none" rtlCol="0">
+            <a:spAutoFit/>
+          </a:bodyPr>
+          <a:lstStyle/>
+          <a:p>
+            <a:r>
+              <a:rPr lang="en-US" sz="1200" dirty="0">
+                <a:solidFill>
+                  <a:srgbClr val="DCDCAA"/>
+                </a:solidFill>
+                <a:latin typeface="Fira Code" panose="020B0509050000020004" pitchFamily="49" charset="0"/>
+              </a:rPr>
+              <a:t>Write-Output</a:t>
+            </a:r>
+            <a:r>
+              <a:rPr lang="en-US" sz="1200" dirty="0">
+                <a:solidFill>
+                  <a:srgbClr val="D4D4D4"/>
+                </a:solidFill>
+                <a:latin typeface="Fira Code" panose="020B0509050000020004" pitchFamily="49" charset="0"/>
+              </a:rPr>
+              <a:t> </a:t>
+            </a:r>
+            <a:r>
+              <a:rPr lang="en-US" sz="1200" dirty="0">
+                <a:solidFill>
+                  <a:srgbClr val="CE9178"/>
+                </a:solidFill>
+                <a:latin typeface="Fira Code" panose="020B0509050000020004" pitchFamily="49" charset="0"/>
+              </a:rPr>
+              <a:t>"Original File"</a:t>
+            </a:r>
+            <a:endParaRPr lang="en-US" sz="1200" b="0" dirty="0">
+              <a:solidFill>
+                <a:srgbClr val="D4D4D4"/>
+              </a:solidFill>
+              <a:effectLst/>
+              <a:latin typeface="Fira Code" panose="020B0509050000020004" pitchFamily="49" charset="0"/>
+            </a:endParaRPr>
+          </a:p>
+        </p:txBody>
+      </p:sp>
+      <p:sp>
+        <p:nvSpPr>
+          <p:cNvPr id="24" name="TextBox 23"/>
+          <p:cNvSpPr txBox="1"/>
+          <p:nvPr/>
+        </p:nvSpPr>
+        <p:spPr>
+          <a:xfrm>
+            <a:off x="273051" y="862155"/>
+            <a:ext cx="2547492" cy="307777"/>
+          </a:xfrm>
+          <a:prstGeom prst="rect">
+            <a:avLst/>
+          </a:prstGeom>
+          <a:noFill/>
+        </p:spPr>
+        <p:txBody>
+          <a:bodyPr wrap="none" rtlCol="0">
+            <a:spAutoFit/>
+          </a:bodyPr>
+          <a:lstStyle/>
+          <a:p>
+            <a:r>
+              <a:rPr lang="en-US" sz="1400" dirty="0">
+                <a:latin typeface="Fira Code" panose="020B0509050000020004" pitchFamily="49" charset="0"/>
+                <a:ea typeface="Fira Code" panose="020B0509050000020004" pitchFamily="49" charset="0"/>
+                <a:cs typeface="TM Sans"/>
+              </a:rPr>
+              <a:t>Demo2a-ScriptFiles.ps1</a:t>
+            </a:r>
+            <a:endParaRPr lang="en-US" sz="1400" dirty="0">
+              <a:latin typeface="Fira Code" panose="020B0509050000020004" pitchFamily="49" charset="0"/>
+              <a:ea typeface="Fira Code" panose="020B0509050000020004" pitchFamily="49" charset="0"/>
+              <a:cs typeface="TM Sans"/>
+            </a:endParaRPr>
+          </a:p>
+        </p:txBody>
+      </p:sp>
+      <p:sp>
+        <p:nvSpPr>
+          <p:cNvPr id="25" name="Content Placeholder 16"/>
+          <p:cNvSpPr>
+            <a:spLocks noGrp="1"/>
+          </p:cNvSpPr>
+          <p:nvPr>
+            <p:ph sz="quarter" idx="18"/>
+          </p:nvPr>
+        </p:nvSpPr>
+        <p:spPr>
+          <a:xfrm>
+            <a:off x="3299599" y="3879537"/>
+            <a:ext cx="5618767" cy="630002"/>
+          </a:xfrm>
+          <a:solidFill>
+            <a:schemeClr val="bg2">
+              <a:lumMod val="50000"/>
+            </a:schemeClr>
+          </a:solidFill>
+          <a:ln w="76200">
+            <a:solidFill>
+              <a:schemeClr val="bg2">
+                <a:lumMod val="50000"/>
+              </a:schemeClr>
+            </a:solidFill>
+          </a:ln>
+        </p:spPr>
+        <p:txBody>
+          <a:bodyPr>
+            <a:normAutofit/>
+          </a:bodyPr>
+          <a:lstStyle/>
+          <a:p>
+            <a:pPr>
+              <a:lnSpc>
+                <a:spcPct val="100000"/>
+              </a:lnSpc>
+              <a:spcBef>
+                <a:spcPts val="0"/>
+              </a:spcBef>
+            </a:pPr>
+            <a:r>
+              <a:rPr lang="en-US" sz="1200" dirty="0">
+                <a:solidFill>
+                  <a:srgbClr val="197552"/>
+                </a:solidFill>
+                <a:latin typeface="Fira Code" panose="020B0509050000020004" pitchFamily="49" charset="0"/>
+                <a:ea typeface="Fira Code" panose="020B0509050000020004" pitchFamily="49" charset="0"/>
+              </a:rPr>
+              <a:t>Describing Script File  </a:t>
+            </a:r>
+          </a:p>
+          <a:p>
+            <a:pPr>
+              <a:lnSpc>
+                <a:spcPct val="100000"/>
+              </a:lnSpc>
+              <a:spcBef>
+                <a:spcPts val="0"/>
+              </a:spcBef>
+            </a:pPr>
+            <a:r>
+              <a:rPr lang="en-US" sz="1200" dirty="0">
+                <a:solidFill>
+                  <a:srgbClr val="197552"/>
+                </a:solidFill>
+                <a:latin typeface="Fira Code" panose="020B0509050000020004" pitchFamily="49" charset="0"/>
+                <a:ea typeface="Fira Code" panose="020B0509050000020004" pitchFamily="49" charset="0"/>
+              </a:rPr>
+              <a:t>	[+] Should call Demo2a-ScriptFiles.ps1</a:t>
+            </a:r>
+            <a:r>
+              <a:rPr lang="en-US" sz="1200" dirty="0">
+                <a:solidFill>
+                  <a:srgbClr val="166949"/>
+                </a:solidFill>
+                <a:latin typeface="Fira Code" panose="020B0509050000020004" pitchFamily="49" charset="0"/>
+                <a:ea typeface="Fira Code" panose="020B0509050000020004" pitchFamily="49" charset="0"/>
+              </a:rPr>
+              <a:t> </a:t>
+            </a:r>
+            <a:r>
+              <a:rPr lang="en-US" sz="1200" dirty="0">
+                <a:solidFill>
+                  <a:schemeClr val="bg1">
+                    <a:lumMod val="50000"/>
+                  </a:schemeClr>
+                </a:solidFill>
+                <a:latin typeface="Fira Code" panose="020B0509050000020004" pitchFamily="49" charset="0"/>
+                <a:ea typeface="Fira Code" panose="020B0509050000020004" pitchFamily="49" charset="0"/>
+              </a:rPr>
+              <a:t>143ms</a:t>
+            </a:r>
+            <a:endParaRPr lang="en-US" sz="1200" dirty="0">
+              <a:solidFill>
+                <a:schemeClr val="bg1">
+                  <a:lumMod val="50000"/>
+                </a:schemeClr>
+              </a:solidFill>
+              <a:latin typeface="Fira Code" panose="020B0509050000020004" pitchFamily="49" charset="0"/>
+              <a:ea typeface="Fira Code" panose="020B0509050000020004" pitchFamily="49" charset="0"/>
+            </a:endParaRPr>
+          </a:p>
+        </p:txBody>
+      </p:sp>
     </p:spTree>
     <p:extLst>
       <p:ext uri="{BB962C8B-B14F-4D97-AF65-F5344CB8AC3E}">
@@ -11831,29 +12364,479 @@
           </a:fontRef>
         </p:style>
       </p:cxnSp>
-      <p:pic>
-        <p:nvPicPr>
-          <p:cNvPr id="7" name="Content Placeholder 6"/>
-          <p:cNvPicPr>
-            <a:picLocks noGrp="1" noChangeAspect="1"/>
-          </p:cNvPicPr>
-          <p:nvPr>
-            <p:ph sz="quarter" idx="17"/>
-          </p:nvPr>
-        </p:nvPicPr>
-        <p:blipFill>
-          <a:blip r:embed="rId3"/>
-          <a:stretch>
-            <a:fillRect/>
-          </a:stretch>
-        </p:blipFill>
+      <p:sp>
+        <p:nvSpPr>
+          <p:cNvPr id="13" name="TextBox 12"/>
+          <p:cNvSpPr txBox="1"/>
+          <p:nvPr/>
+        </p:nvSpPr>
         <p:spPr>
           <a:xfrm>
-            <a:off x="1464180" y="963197"/>
-            <a:ext cx="5814805" cy="3821783"/>
+            <a:off x="1448621" y="880230"/>
+            <a:ext cx="6199133" cy="3970318"/>
           </a:xfrm>
+          <a:prstGeom prst="rect">
+            <a:avLst/>
+          </a:prstGeom>
+          <a:solidFill>
+            <a:schemeClr val="bg2">
+              <a:lumMod val="50000"/>
+            </a:schemeClr>
+          </a:solidFill>
+          <a:ln w="76200">
+            <a:solidFill>
+              <a:schemeClr val="bg2">
+                <a:lumMod val="50000"/>
+              </a:schemeClr>
+            </a:solidFill>
+          </a:ln>
         </p:spPr>
-      </p:pic>
+        <p:txBody>
+          <a:bodyPr wrap="none" rtlCol="0">
+            <a:spAutoFit/>
+          </a:bodyPr>
+          <a:lstStyle/>
+          <a:p>
+            <a:r>
+              <a:rPr lang="en-US" sz="1400" dirty="0">
+                <a:solidFill>
+                  <a:srgbClr val="D4D4D4"/>
+                </a:solidFill>
+                <a:latin typeface="Fira Code" panose="020B0509050000020004" pitchFamily="49" charset="0"/>
+              </a:rPr>
+              <a:t>Describe </a:t>
+            </a:r>
+            <a:r>
+              <a:rPr lang="en-US" sz="1400" dirty="0">
+                <a:solidFill>
+                  <a:srgbClr val="CE9178"/>
+                </a:solidFill>
+                <a:latin typeface="Fira Code" panose="020B0509050000020004" pitchFamily="49" charset="0"/>
+              </a:rPr>
+              <a:t>'Binaries'</a:t>
+            </a:r>
+            <a:r>
+              <a:rPr lang="en-US" sz="1400" dirty="0">
+                <a:solidFill>
+                  <a:srgbClr val="D4D4D4"/>
+                </a:solidFill>
+                <a:latin typeface="Fira Code" panose="020B0509050000020004" pitchFamily="49" charset="0"/>
+              </a:rPr>
+              <a:t> {</a:t>
+            </a:r>
+          </a:p>
+          <a:p>
+            <a:r>
+              <a:rPr lang="en-US" sz="1400" dirty="0">
+                <a:solidFill>
+                  <a:srgbClr val="D4D4D4"/>
+                </a:solidFill>
+                <a:latin typeface="Fira Code" panose="020B0509050000020004" pitchFamily="49" charset="0"/>
+              </a:rPr>
+              <a:t>    Context </a:t>
+            </a:r>
+            <a:r>
+              <a:rPr lang="en-US" sz="1400" dirty="0">
+                <a:solidFill>
+                  <a:srgbClr val="CE9178"/>
+                </a:solidFill>
+                <a:latin typeface="Fira Code" panose="020B0509050000020004" pitchFamily="49" charset="0"/>
+              </a:rPr>
+              <a:t>'</a:t>
+            </a:r>
+            <a:r>
+              <a:rPr lang="en-US" sz="1400" dirty="0" err="1">
+                <a:solidFill>
+                  <a:srgbClr val="CE9178"/>
+                </a:solidFill>
+                <a:latin typeface="Fira Code" panose="020B0509050000020004" pitchFamily="49" charset="0"/>
+              </a:rPr>
+              <a:t>LocalHost</a:t>
+            </a:r>
+            <a:r>
+              <a:rPr lang="en-US" sz="1400" dirty="0">
+                <a:solidFill>
+                  <a:srgbClr val="CE9178"/>
+                </a:solidFill>
+                <a:latin typeface="Fira Code" panose="020B0509050000020004" pitchFamily="49" charset="0"/>
+              </a:rPr>
+              <a:t>'</a:t>
+            </a:r>
+            <a:r>
+              <a:rPr lang="en-US" sz="1400" dirty="0">
+                <a:solidFill>
+                  <a:srgbClr val="D4D4D4"/>
+                </a:solidFill>
+                <a:latin typeface="Fira Code" panose="020B0509050000020004" pitchFamily="49" charset="0"/>
+              </a:rPr>
+              <a:t> {</a:t>
+            </a:r>
+          </a:p>
+          <a:p>
+            <a:br>
+              <a:rPr lang="en-US" sz="1400" dirty="0">
+                <a:solidFill>
+                  <a:srgbClr val="D4D4D4"/>
+                </a:solidFill>
+                <a:latin typeface="Fira Code" panose="020B0509050000020004" pitchFamily="49" charset="0"/>
+              </a:rPr>
+            </a:br>
+            <a:r>
+              <a:rPr lang="en-US" sz="1400" dirty="0">
+                <a:solidFill>
+                  <a:srgbClr val="D4D4D4"/>
+                </a:solidFill>
+                <a:latin typeface="Fira Code" panose="020B0509050000020004" pitchFamily="49" charset="0"/>
+              </a:rPr>
+              <a:t>        </a:t>
+            </a:r>
+            <a:r>
+              <a:rPr lang="en-US" sz="1400" dirty="0">
+                <a:solidFill>
+                  <a:srgbClr val="569CD6"/>
+                </a:solidFill>
+                <a:latin typeface="Fira Code" panose="020B0509050000020004" pitchFamily="49" charset="0"/>
+              </a:rPr>
+              <a:t>function</a:t>
+            </a:r>
+            <a:r>
+              <a:rPr lang="en-US" sz="1400" dirty="0">
+                <a:solidFill>
+                  <a:srgbClr val="D4D4D4"/>
+                </a:solidFill>
+                <a:latin typeface="Fira Code" panose="020B0509050000020004" pitchFamily="49" charset="0"/>
+              </a:rPr>
+              <a:t> </a:t>
+            </a:r>
+            <a:r>
+              <a:rPr lang="en-US" sz="1400" dirty="0">
+                <a:solidFill>
+                  <a:srgbClr val="DCDCAA"/>
+                </a:solidFill>
+                <a:latin typeface="Fira Code" panose="020B0509050000020004" pitchFamily="49" charset="0"/>
+              </a:rPr>
+              <a:t>ping</a:t>
+            </a:r>
+            <a:r>
+              <a:rPr lang="en-US" sz="1400" dirty="0">
+                <a:solidFill>
+                  <a:srgbClr val="D4D4D4"/>
+                </a:solidFill>
+                <a:latin typeface="Fira Code" panose="020B0509050000020004" pitchFamily="49" charset="0"/>
+              </a:rPr>
+              <a:t> { </a:t>
+            </a:r>
+            <a:r>
+              <a:rPr lang="en-US" sz="1400" dirty="0">
+                <a:solidFill>
+                  <a:srgbClr val="C586C0"/>
+                </a:solidFill>
+                <a:latin typeface="Fira Code" panose="020B0509050000020004" pitchFamily="49" charset="0"/>
+              </a:rPr>
+              <a:t>return</a:t>
+            </a:r>
+            <a:r>
+              <a:rPr lang="en-US" sz="1400" dirty="0">
+                <a:solidFill>
+                  <a:srgbClr val="D4D4D4"/>
+                </a:solidFill>
+                <a:latin typeface="Fira Code" panose="020B0509050000020004" pitchFamily="49" charset="0"/>
+              </a:rPr>
+              <a:t> </a:t>
+            </a:r>
+            <a:r>
+              <a:rPr lang="en-US" sz="1400" dirty="0">
+                <a:solidFill>
+                  <a:srgbClr val="CE9178"/>
+                </a:solidFill>
+                <a:latin typeface="Fira Code" panose="020B0509050000020004" pitchFamily="49" charset="0"/>
+              </a:rPr>
+              <a:t>@'</a:t>
+            </a:r>
+            <a:endParaRPr lang="en-US" sz="1400" dirty="0">
+              <a:solidFill>
+                <a:srgbClr val="D4D4D4"/>
+              </a:solidFill>
+              <a:latin typeface="Fira Code" panose="020B0509050000020004" pitchFamily="49" charset="0"/>
+            </a:endParaRPr>
+          </a:p>
+          <a:p>
+            <a:r>
+              <a:rPr lang="en-US" sz="1400" dirty="0">
+                <a:solidFill>
+                  <a:srgbClr val="CE9178"/>
+                </a:solidFill>
+                <a:latin typeface="Fira Code" panose="020B0509050000020004" pitchFamily="49" charset="0"/>
+              </a:rPr>
+              <a:t>Pinging LOCALHOST [::1] with 32 bytes of data:</a:t>
+            </a:r>
+            <a:endParaRPr lang="en-US" sz="1400" dirty="0">
+              <a:solidFill>
+                <a:srgbClr val="D4D4D4"/>
+              </a:solidFill>
+              <a:latin typeface="Fira Code" panose="020B0509050000020004" pitchFamily="49" charset="0"/>
+            </a:endParaRPr>
+          </a:p>
+          <a:p>
+            <a:r>
+              <a:rPr lang="en-US" sz="1400" dirty="0">
+                <a:solidFill>
+                  <a:srgbClr val="CE9178"/>
+                </a:solidFill>
+                <a:latin typeface="Fira Code" panose="020B0509050000020004" pitchFamily="49" charset="0"/>
+              </a:rPr>
+              <a:t>Reply from ::1: time&lt;1ms</a:t>
+            </a:r>
+            <a:endParaRPr lang="en-US" sz="1400" dirty="0">
+              <a:solidFill>
+                <a:srgbClr val="D4D4D4"/>
+              </a:solidFill>
+              <a:latin typeface="Fira Code" panose="020B0509050000020004" pitchFamily="49" charset="0"/>
+            </a:endParaRPr>
+          </a:p>
+          <a:p>
+            <a:r>
+              <a:rPr lang="en-US" sz="1400" dirty="0">
+                <a:solidFill>
+                  <a:srgbClr val="CE9178"/>
+                </a:solidFill>
+                <a:latin typeface="Fira Code" panose="020B0509050000020004" pitchFamily="49" charset="0"/>
+              </a:rPr>
+              <a:t>Reply from ::1: time&lt;1ms</a:t>
+            </a:r>
+            <a:endParaRPr lang="en-US" sz="1400" dirty="0">
+              <a:solidFill>
+                <a:srgbClr val="D4D4D4"/>
+              </a:solidFill>
+              <a:latin typeface="Fira Code" panose="020B0509050000020004" pitchFamily="49" charset="0"/>
+            </a:endParaRPr>
+          </a:p>
+          <a:p>
+            <a:r>
+              <a:rPr lang="en-US" sz="1400" dirty="0">
+                <a:solidFill>
+                  <a:srgbClr val="CE9178"/>
+                </a:solidFill>
+                <a:latin typeface="Fira Code" panose="020B0509050000020004" pitchFamily="49" charset="0"/>
+              </a:rPr>
+              <a:t>Ping statistics for ::1:</a:t>
+            </a:r>
+            <a:endParaRPr lang="en-US" sz="1400" dirty="0">
+              <a:solidFill>
+                <a:srgbClr val="D4D4D4"/>
+              </a:solidFill>
+              <a:latin typeface="Fira Code" panose="020B0509050000020004" pitchFamily="49" charset="0"/>
+            </a:endParaRPr>
+          </a:p>
+          <a:p>
+            <a:r>
+              <a:rPr lang="en-US" sz="1400" dirty="0">
+                <a:solidFill>
+                  <a:srgbClr val="CE9178"/>
+                </a:solidFill>
+                <a:latin typeface="Fira Code" panose="020B0509050000020004" pitchFamily="49" charset="0"/>
+              </a:rPr>
+              <a:t>    Packets: Sent = 2, Received = 2, Lost = 0 (0% loss),</a:t>
+            </a:r>
+            <a:endParaRPr lang="en-US" sz="1400" dirty="0">
+              <a:solidFill>
+                <a:srgbClr val="D4D4D4"/>
+              </a:solidFill>
+              <a:latin typeface="Fira Code" panose="020B0509050000020004" pitchFamily="49" charset="0"/>
+            </a:endParaRPr>
+          </a:p>
+          <a:p>
+            <a:r>
+              <a:rPr lang="en-US" sz="1400" dirty="0">
+                <a:solidFill>
+                  <a:srgbClr val="CE9178"/>
+                </a:solidFill>
+                <a:latin typeface="Fira Code" panose="020B0509050000020004" pitchFamily="49" charset="0"/>
+              </a:rPr>
+              <a:t>Approximate round trip times in milli-seconds:</a:t>
+            </a:r>
+            <a:endParaRPr lang="en-US" sz="1400" dirty="0">
+              <a:solidFill>
+                <a:srgbClr val="D4D4D4"/>
+              </a:solidFill>
+              <a:latin typeface="Fira Code" panose="020B0509050000020004" pitchFamily="49" charset="0"/>
+            </a:endParaRPr>
+          </a:p>
+          <a:p>
+            <a:r>
+              <a:rPr lang="en-US" sz="1400" dirty="0">
+                <a:solidFill>
+                  <a:srgbClr val="CE9178"/>
+                </a:solidFill>
+                <a:latin typeface="Fira Code" panose="020B0509050000020004" pitchFamily="49" charset="0"/>
+              </a:rPr>
+              <a:t>    Minimum = 0ms, Maximum = 0ms, Average = 0ms</a:t>
+            </a:r>
+            <a:endParaRPr lang="en-US" sz="1400" dirty="0">
+              <a:solidFill>
+                <a:srgbClr val="D4D4D4"/>
+              </a:solidFill>
+              <a:latin typeface="Fira Code" panose="020B0509050000020004" pitchFamily="49" charset="0"/>
+            </a:endParaRPr>
+          </a:p>
+          <a:p>
+            <a:r>
+              <a:rPr lang="en-US" sz="1400" dirty="0">
+                <a:solidFill>
+                  <a:srgbClr val="CE9178"/>
+                </a:solidFill>
+                <a:latin typeface="Fira Code" panose="020B0509050000020004" pitchFamily="49" charset="0"/>
+              </a:rPr>
+              <a:t>'@</a:t>
+            </a:r>
+            <a:endParaRPr lang="en-US" sz="1400" dirty="0">
+              <a:solidFill>
+                <a:srgbClr val="D4D4D4"/>
+              </a:solidFill>
+              <a:latin typeface="Fira Code" panose="020B0509050000020004" pitchFamily="49" charset="0"/>
+            </a:endParaRPr>
+          </a:p>
+          <a:p>
+            <a:r>
+              <a:rPr lang="en-US" sz="1400" dirty="0">
+                <a:solidFill>
+                  <a:srgbClr val="D4D4D4"/>
+                </a:solidFill>
+                <a:latin typeface="Fira Code" panose="020B0509050000020004" pitchFamily="49" charset="0"/>
+              </a:rPr>
+              <a:t>        }</a:t>
+            </a:r>
+          </a:p>
+          <a:p>
+            <a:br>
+              <a:rPr lang="en-US" sz="1400" dirty="0">
+                <a:solidFill>
+                  <a:srgbClr val="D4D4D4"/>
+                </a:solidFill>
+                <a:latin typeface="Fira Code" panose="020B0509050000020004" pitchFamily="49" charset="0"/>
+              </a:rPr>
+            </a:br>
+            <a:r>
+              <a:rPr lang="en-US" sz="1400" dirty="0">
+                <a:solidFill>
+                  <a:srgbClr val="D4D4D4"/>
+                </a:solidFill>
+                <a:latin typeface="Fira Code" panose="020B0509050000020004" pitchFamily="49" charset="0"/>
+              </a:rPr>
+              <a:t>        </a:t>
+            </a:r>
+            <a:r>
+              <a:rPr lang="en-US" sz="1400" dirty="0">
+                <a:solidFill>
+                  <a:srgbClr val="569CD6"/>
+                </a:solidFill>
+                <a:latin typeface="Fira Code" panose="020B0509050000020004" pitchFamily="49" charset="0"/>
+              </a:rPr>
+              <a:t>$</a:t>
+            </a:r>
+            <a:r>
+              <a:rPr lang="en-US" sz="1400" dirty="0">
+                <a:solidFill>
+                  <a:srgbClr val="9CDCFE"/>
+                </a:solidFill>
+                <a:latin typeface="Fira Code" panose="020B0509050000020004" pitchFamily="49" charset="0"/>
+              </a:rPr>
+              <a:t>results</a:t>
+            </a:r>
+            <a:r>
+              <a:rPr lang="en-US" sz="1400" dirty="0">
+                <a:solidFill>
+                  <a:srgbClr val="D4D4D4"/>
+                </a:solidFill>
+                <a:latin typeface="Fira Code" panose="020B0509050000020004" pitchFamily="49" charset="0"/>
+              </a:rPr>
+              <a:t> = ping localhost</a:t>
+            </a:r>
+          </a:p>
+          <a:p>
+            <a:r>
+              <a:rPr lang="en-US" sz="1400" dirty="0">
+                <a:solidFill>
+                  <a:srgbClr val="D4D4D4"/>
+                </a:solidFill>
+                <a:latin typeface="Fira Code" panose="020B0509050000020004" pitchFamily="49" charset="0"/>
+              </a:rPr>
+              <a:t>        </a:t>
+            </a:r>
+            <a:r>
+              <a:rPr lang="en-US" sz="1400" dirty="0">
+                <a:solidFill>
+                  <a:srgbClr val="569CD6"/>
+                </a:solidFill>
+                <a:latin typeface="Fira Code" panose="020B0509050000020004" pitchFamily="49" charset="0"/>
+              </a:rPr>
+              <a:t>$</a:t>
+            </a:r>
+            <a:r>
+              <a:rPr lang="en-US" sz="1400" dirty="0">
+                <a:solidFill>
+                  <a:srgbClr val="9CDCFE"/>
+                </a:solidFill>
+                <a:latin typeface="Fira Code" panose="020B0509050000020004" pitchFamily="49" charset="0"/>
+              </a:rPr>
+              <a:t>results</a:t>
+            </a:r>
+            <a:r>
+              <a:rPr lang="en-US" sz="1400" dirty="0">
+                <a:solidFill>
+                  <a:srgbClr val="D4D4D4"/>
+                </a:solidFill>
+                <a:latin typeface="Fira Code" panose="020B0509050000020004" pitchFamily="49" charset="0"/>
+              </a:rPr>
+              <a:t> | Should Match </a:t>
+            </a:r>
+            <a:r>
+              <a:rPr lang="en-US" sz="1400" dirty="0">
+                <a:solidFill>
+                  <a:srgbClr val="CE9178"/>
+                </a:solidFill>
+                <a:latin typeface="Fira Code" panose="020B0509050000020004" pitchFamily="49" charset="0"/>
+              </a:rPr>
+              <a:t>'0% loss'</a:t>
+            </a:r>
+            <a:endParaRPr lang="en-US" sz="1400" dirty="0">
+              <a:solidFill>
+                <a:srgbClr val="D4D4D4"/>
+              </a:solidFill>
+              <a:latin typeface="Fira Code" panose="020B0509050000020004" pitchFamily="49" charset="0"/>
+            </a:endParaRPr>
+          </a:p>
+          <a:p>
+            <a:r>
+              <a:rPr lang="en-US" sz="1400" dirty="0">
+                <a:solidFill>
+                  <a:srgbClr val="D4D4D4"/>
+                </a:solidFill>
+                <a:latin typeface="Fira Code" panose="020B0509050000020004" pitchFamily="49" charset="0"/>
+              </a:rPr>
+              <a:t>    }</a:t>
+            </a:r>
+          </a:p>
+          <a:p>
+            <a:r>
+              <a:rPr lang="en-US" sz="1400" dirty="0">
+                <a:solidFill>
+                  <a:srgbClr val="D4D4D4"/>
+                </a:solidFill>
+                <a:latin typeface="Fira Code" panose="020B0509050000020004" pitchFamily="49" charset="0"/>
+              </a:rPr>
+              <a:t>}</a:t>
+            </a:r>
+            <a:endParaRPr lang="en-US" sz="1400" b="0" dirty="0">
+              <a:solidFill>
+                <a:srgbClr val="D4D4D4"/>
+              </a:solidFill>
+              <a:effectLst/>
+              <a:latin typeface="Fira Code" panose="020B0509050000020004" pitchFamily="49" charset="0"/>
+            </a:endParaRPr>
+          </a:p>
+        </p:txBody>
+      </p:sp>
     </p:spTree>
     <p:extLst>
       <p:ext uri="{BB962C8B-B14F-4D97-AF65-F5344CB8AC3E}">
@@ -11956,29 +12939,430 @@
           </a:fontRef>
         </p:style>
       </p:cxnSp>
-      <p:pic>
-        <p:nvPicPr>
-          <p:cNvPr id="7" name="Content Placeholder 6"/>
-          <p:cNvPicPr>
-            <a:picLocks noGrp="1" noChangeAspect="1"/>
-          </p:cNvPicPr>
-          <p:nvPr>
-            <p:ph sz="quarter" idx="17"/>
-          </p:nvPr>
-        </p:nvPicPr>
-        <p:blipFill>
-          <a:blip r:embed="rId3"/>
-          <a:stretch>
-            <a:fillRect/>
-          </a:stretch>
-        </p:blipFill>
+      <p:sp>
+        <p:nvSpPr>
+          <p:cNvPr id="8" name="TextBox 7"/>
+          <p:cNvSpPr txBox="1"/>
+          <p:nvPr/>
+        </p:nvSpPr>
         <p:spPr>
           <a:xfrm>
-            <a:off x="1464180" y="1106567"/>
-            <a:ext cx="5814805" cy="2064677"/>
+            <a:off x="1802083" y="961711"/>
+            <a:ext cx="5492209" cy="2554545"/>
           </a:xfrm>
+          <a:prstGeom prst="rect">
+            <a:avLst/>
+          </a:prstGeom>
+          <a:solidFill>
+            <a:schemeClr val="bg2">
+              <a:lumMod val="50000"/>
+            </a:schemeClr>
+          </a:solidFill>
+          <a:ln w="76200">
+            <a:solidFill>
+              <a:schemeClr val="bg2">
+                <a:lumMod val="50000"/>
+              </a:schemeClr>
+            </a:solidFill>
+          </a:ln>
         </p:spPr>
-      </p:pic>
+        <p:txBody>
+          <a:bodyPr wrap="none" rtlCol="0">
+            <a:spAutoFit/>
+          </a:bodyPr>
+          <a:lstStyle/>
+          <a:p>
+            <a:r>
+              <a:rPr lang="en-US" sz="1600" dirty="0">
+                <a:solidFill>
+                  <a:srgbClr val="D4D4D4"/>
+                </a:solidFill>
+                <a:latin typeface="Fira Code" panose="020B0509050000020004" pitchFamily="49" charset="0"/>
+              </a:rPr>
+              <a:t>Describe </a:t>
+            </a:r>
+            <a:r>
+              <a:rPr lang="en-US" sz="1600" dirty="0">
+                <a:solidFill>
+                  <a:srgbClr val="CE9178"/>
+                </a:solidFill>
+                <a:latin typeface="Fira Code" panose="020B0509050000020004" pitchFamily="49" charset="0"/>
+              </a:rPr>
+              <a:t>'Binaries Again'</a:t>
+            </a:r>
+            <a:r>
+              <a:rPr lang="en-US" sz="1600" dirty="0">
+                <a:solidFill>
+                  <a:srgbClr val="D4D4D4"/>
+                </a:solidFill>
+                <a:latin typeface="Fira Code" panose="020B0509050000020004" pitchFamily="49" charset="0"/>
+              </a:rPr>
+              <a:t> {</a:t>
+            </a:r>
+          </a:p>
+          <a:p>
+            <a:r>
+              <a:rPr lang="en-US" sz="1600" dirty="0">
+                <a:solidFill>
+                  <a:srgbClr val="D4D4D4"/>
+                </a:solidFill>
+                <a:latin typeface="Fira Code" panose="020B0509050000020004" pitchFamily="49" charset="0"/>
+              </a:rPr>
+              <a:t>    Context </a:t>
+            </a:r>
+            <a:r>
+              <a:rPr lang="en-US" sz="1600" dirty="0">
+                <a:solidFill>
+                  <a:srgbClr val="CE9178"/>
+                </a:solidFill>
+                <a:latin typeface="Fira Code" panose="020B0509050000020004" pitchFamily="49" charset="0"/>
+              </a:rPr>
+              <a:t>'</a:t>
+            </a:r>
+            <a:r>
+              <a:rPr lang="en-US" sz="1600" dirty="0" err="1">
+                <a:solidFill>
+                  <a:srgbClr val="CE9178"/>
+                </a:solidFill>
+                <a:latin typeface="Fira Code" panose="020B0509050000020004" pitchFamily="49" charset="0"/>
+              </a:rPr>
+              <a:t>Psudo</a:t>
+            </a:r>
+            <a:r>
+              <a:rPr lang="en-US" sz="1600" dirty="0">
+                <a:solidFill>
+                  <a:srgbClr val="CE9178"/>
+                </a:solidFill>
+                <a:latin typeface="Fira Code" panose="020B0509050000020004" pitchFamily="49" charset="0"/>
+              </a:rPr>
+              <a:t>-Behavior </a:t>
+            </a:r>
+            <a:r>
+              <a:rPr lang="en-US" sz="1600" dirty="0" err="1">
+                <a:solidFill>
+                  <a:srgbClr val="CE9178"/>
+                </a:solidFill>
+                <a:latin typeface="Fira Code" panose="020B0509050000020004" pitchFamily="49" charset="0"/>
+              </a:rPr>
+              <a:t>Verificaiton</a:t>
+            </a:r>
+            <a:r>
+              <a:rPr lang="en-US" sz="1600" dirty="0">
+                <a:solidFill>
+                  <a:srgbClr val="CE9178"/>
+                </a:solidFill>
+                <a:latin typeface="Fira Code" panose="020B0509050000020004" pitchFamily="49" charset="0"/>
+              </a:rPr>
+              <a:t>'</a:t>
+            </a:r>
+            <a:r>
+              <a:rPr lang="en-US" sz="1600" dirty="0">
+                <a:solidFill>
+                  <a:srgbClr val="D4D4D4"/>
+                </a:solidFill>
+                <a:latin typeface="Fira Code" panose="020B0509050000020004" pitchFamily="49" charset="0"/>
+              </a:rPr>
+              <a:t> {</a:t>
+            </a:r>
+          </a:p>
+          <a:p>
+            <a:br>
+              <a:rPr lang="en-US" sz="1600" dirty="0">
+                <a:solidFill>
+                  <a:srgbClr val="D4D4D4"/>
+                </a:solidFill>
+                <a:latin typeface="Fira Code" panose="020B0509050000020004" pitchFamily="49" charset="0"/>
+              </a:rPr>
+            </a:br>
+            <a:r>
+              <a:rPr lang="en-US" sz="1600" dirty="0">
+                <a:solidFill>
+                  <a:srgbClr val="D4D4D4"/>
+                </a:solidFill>
+                <a:latin typeface="Fira Code" panose="020B0509050000020004" pitchFamily="49" charset="0"/>
+              </a:rPr>
+              <a:t>        </a:t>
+            </a:r>
+            <a:r>
+              <a:rPr lang="en-US" sz="1600" dirty="0">
+                <a:solidFill>
+                  <a:srgbClr val="569CD6"/>
+                </a:solidFill>
+                <a:latin typeface="Fira Code" panose="020B0509050000020004" pitchFamily="49" charset="0"/>
+              </a:rPr>
+              <a:t>function</a:t>
+            </a:r>
+            <a:r>
+              <a:rPr lang="en-US" sz="1600" dirty="0">
+                <a:solidFill>
+                  <a:srgbClr val="D4D4D4"/>
+                </a:solidFill>
+                <a:latin typeface="Fira Code" panose="020B0509050000020004" pitchFamily="49" charset="0"/>
+              </a:rPr>
+              <a:t> </a:t>
+            </a:r>
+            <a:r>
+              <a:rPr lang="en-US" sz="1600" dirty="0">
+                <a:solidFill>
+                  <a:srgbClr val="DCDCAA"/>
+                </a:solidFill>
+                <a:latin typeface="Fira Code" panose="020B0509050000020004" pitchFamily="49" charset="0"/>
+              </a:rPr>
+              <a:t>ping</a:t>
+            </a:r>
+            <a:r>
+              <a:rPr lang="en-US" sz="1600" dirty="0">
+                <a:solidFill>
+                  <a:srgbClr val="D4D4D4"/>
+                </a:solidFill>
+                <a:latin typeface="Fira Code" panose="020B0509050000020004" pitchFamily="49" charset="0"/>
+              </a:rPr>
+              <a:t> { </a:t>
+            </a:r>
+            <a:r>
+              <a:rPr lang="en-US" sz="1600" dirty="0">
+                <a:solidFill>
+                  <a:srgbClr val="C586C0"/>
+                </a:solidFill>
+                <a:latin typeface="Fira Code" panose="020B0509050000020004" pitchFamily="49" charset="0"/>
+              </a:rPr>
+              <a:t>return</a:t>
+            </a:r>
+            <a:r>
+              <a:rPr lang="en-US" sz="1600" dirty="0">
+                <a:solidFill>
+                  <a:srgbClr val="D4D4D4"/>
+                </a:solidFill>
+                <a:latin typeface="Fira Code" panose="020B0509050000020004" pitchFamily="49" charset="0"/>
+              </a:rPr>
+              <a:t> </a:t>
+            </a:r>
+            <a:r>
+              <a:rPr lang="en-US" sz="1600" dirty="0">
+                <a:solidFill>
+                  <a:srgbClr val="569CD6"/>
+                </a:solidFill>
+                <a:latin typeface="Fira Code" panose="020B0509050000020004" pitchFamily="49" charset="0"/>
+              </a:rPr>
+              <a:t>$</a:t>
+            </a:r>
+            <a:r>
+              <a:rPr lang="en-US" sz="1600" dirty="0" err="1">
+                <a:solidFill>
+                  <a:srgbClr val="D4D4D4"/>
+                </a:solidFill>
+                <a:latin typeface="Fira Code" panose="020B0509050000020004" pitchFamily="49" charset="0"/>
+              </a:rPr>
+              <a:t>args</a:t>
+            </a:r>
+            <a:r>
+              <a:rPr lang="en-US" sz="1600" dirty="0">
+                <a:solidFill>
+                  <a:srgbClr val="9CDCFE"/>
+                </a:solidFill>
+                <a:latin typeface="Fira Code" panose="020B0509050000020004" pitchFamily="49" charset="0"/>
+              </a:rPr>
+              <a:t>[</a:t>
+            </a:r>
+            <a:r>
+              <a:rPr lang="en-US" sz="1600" dirty="0">
+                <a:solidFill>
+                  <a:srgbClr val="B5CEA8"/>
+                </a:solidFill>
+                <a:latin typeface="Fira Code" panose="020B0509050000020004" pitchFamily="49" charset="0"/>
+              </a:rPr>
+              <a:t>0</a:t>
+            </a:r>
+            <a:r>
+              <a:rPr lang="en-US" sz="1600" dirty="0">
+                <a:solidFill>
+                  <a:srgbClr val="9CDCFE"/>
+                </a:solidFill>
+                <a:latin typeface="Fira Code" panose="020B0509050000020004" pitchFamily="49" charset="0"/>
+              </a:rPr>
+              <a:t>]</a:t>
+            </a:r>
+            <a:r>
+              <a:rPr lang="en-US" sz="1600" dirty="0">
+                <a:solidFill>
+                  <a:srgbClr val="D4D4D4"/>
+                </a:solidFill>
+                <a:latin typeface="Fira Code" panose="020B0509050000020004" pitchFamily="49" charset="0"/>
+              </a:rPr>
+              <a:t> }</a:t>
+            </a:r>
+          </a:p>
+          <a:p>
+            <a:br>
+              <a:rPr lang="en-US" sz="1600" dirty="0">
+                <a:solidFill>
+                  <a:srgbClr val="D4D4D4"/>
+                </a:solidFill>
+                <a:latin typeface="Fira Code" panose="020B0509050000020004" pitchFamily="49" charset="0"/>
+              </a:rPr>
+            </a:br>
+            <a:r>
+              <a:rPr lang="en-US" sz="1600" dirty="0">
+                <a:solidFill>
+                  <a:srgbClr val="D4D4D4"/>
+                </a:solidFill>
+                <a:latin typeface="Fira Code" panose="020B0509050000020004" pitchFamily="49" charset="0"/>
+              </a:rPr>
+              <a:t>        </a:t>
+            </a:r>
+            <a:r>
+              <a:rPr lang="en-US" sz="1600" dirty="0">
+                <a:solidFill>
+                  <a:srgbClr val="569CD6"/>
+                </a:solidFill>
+                <a:latin typeface="Fira Code" panose="020B0509050000020004" pitchFamily="49" charset="0"/>
+              </a:rPr>
+              <a:t>$</a:t>
+            </a:r>
+            <a:r>
+              <a:rPr lang="en-US" sz="1600" dirty="0">
+                <a:solidFill>
+                  <a:srgbClr val="9CDCFE"/>
+                </a:solidFill>
+                <a:latin typeface="Fira Code" panose="020B0509050000020004" pitchFamily="49" charset="0"/>
+              </a:rPr>
+              <a:t>results</a:t>
+            </a:r>
+            <a:r>
+              <a:rPr lang="en-US" sz="1600" dirty="0">
+                <a:solidFill>
+                  <a:srgbClr val="D4D4D4"/>
+                </a:solidFill>
+                <a:latin typeface="Fira Code" panose="020B0509050000020004" pitchFamily="49" charset="0"/>
+              </a:rPr>
+              <a:t> = ping </a:t>
+            </a:r>
+            <a:r>
+              <a:rPr lang="en-US" sz="1600" dirty="0" err="1">
+                <a:solidFill>
+                  <a:srgbClr val="D4D4D4"/>
+                </a:solidFill>
+                <a:latin typeface="Fira Code" panose="020B0509050000020004" pitchFamily="49" charset="0"/>
+              </a:rPr>
+              <a:t>remotehost</a:t>
+            </a:r>
+            <a:endParaRPr lang="en-US" sz="1600" dirty="0">
+              <a:solidFill>
+                <a:srgbClr val="D4D4D4"/>
+              </a:solidFill>
+              <a:latin typeface="Fira Code" panose="020B0509050000020004" pitchFamily="49" charset="0"/>
+            </a:endParaRPr>
+          </a:p>
+          <a:p>
+            <a:r>
+              <a:rPr lang="en-US" sz="1600" dirty="0">
+                <a:solidFill>
+                  <a:srgbClr val="D4D4D4"/>
+                </a:solidFill>
+                <a:latin typeface="Fira Code" panose="020B0509050000020004" pitchFamily="49" charset="0"/>
+              </a:rPr>
+              <a:t>        </a:t>
+            </a:r>
+            <a:r>
+              <a:rPr lang="en-US" sz="1600" dirty="0">
+                <a:solidFill>
+                  <a:srgbClr val="569CD6"/>
+                </a:solidFill>
+                <a:latin typeface="Fira Code" panose="020B0509050000020004" pitchFamily="49" charset="0"/>
+              </a:rPr>
+              <a:t>$</a:t>
+            </a:r>
+            <a:r>
+              <a:rPr lang="en-US" sz="1600" dirty="0">
+                <a:solidFill>
+                  <a:srgbClr val="9CDCFE"/>
+                </a:solidFill>
+                <a:latin typeface="Fira Code" panose="020B0509050000020004" pitchFamily="49" charset="0"/>
+              </a:rPr>
+              <a:t>results</a:t>
+            </a:r>
+            <a:r>
+              <a:rPr lang="en-US" sz="1600" dirty="0">
+                <a:solidFill>
+                  <a:srgbClr val="D4D4D4"/>
+                </a:solidFill>
+                <a:latin typeface="Fira Code" panose="020B0509050000020004" pitchFamily="49" charset="0"/>
+              </a:rPr>
+              <a:t> | Should Be </a:t>
+            </a:r>
+            <a:r>
+              <a:rPr lang="en-US" sz="1600" dirty="0">
+                <a:solidFill>
+                  <a:srgbClr val="CE9178"/>
+                </a:solidFill>
+                <a:latin typeface="Fira Code" panose="020B0509050000020004" pitchFamily="49" charset="0"/>
+              </a:rPr>
+              <a:t>'</a:t>
+            </a:r>
+            <a:r>
+              <a:rPr lang="en-US" sz="1600" dirty="0" err="1">
+                <a:solidFill>
+                  <a:srgbClr val="CE9178"/>
+                </a:solidFill>
+                <a:latin typeface="Fira Code" panose="020B0509050000020004" pitchFamily="49" charset="0"/>
+              </a:rPr>
+              <a:t>remotehost</a:t>
+            </a:r>
+            <a:r>
+              <a:rPr lang="en-US" sz="1600" dirty="0">
+                <a:solidFill>
+                  <a:srgbClr val="CE9178"/>
+                </a:solidFill>
+                <a:latin typeface="Fira Code" panose="020B0509050000020004" pitchFamily="49" charset="0"/>
+              </a:rPr>
+              <a:t>'</a:t>
+            </a:r>
+            <a:endParaRPr lang="en-US" sz="1600" dirty="0">
+              <a:solidFill>
+                <a:srgbClr val="D4D4D4"/>
+              </a:solidFill>
+              <a:latin typeface="Fira Code" panose="020B0509050000020004" pitchFamily="49" charset="0"/>
+            </a:endParaRPr>
+          </a:p>
+          <a:p>
+            <a:br>
+              <a:rPr lang="en-US" sz="1600" dirty="0">
+                <a:solidFill>
+                  <a:srgbClr val="D4D4D4"/>
+                </a:solidFill>
+                <a:latin typeface="Fira Code" panose="020B0509050000020004" pitchFamily="49" charset="0"/>
+              </a:rPr>
+            </a:br>
+            <a:r>
+              <a:rPr lang="en-US" sz="1600" dirty="0">
+                <a:solidFill>
+                  <a:srgbClr val="D4D4D4"/>
+                </a:solidFill>
+                <a:latin typeface="Fira Code" panose="020B0509050000020004" pitchFamily="49" charset="0"/>
+              </a:rPr>
+              <a:t>    }</a:t>
+            </a:r>
+          </a:p>
+          <a:p>
+            <a:r>
+              <a:rPr lang="en-US" sz="1600" dirty="0">
+                <a:solidFill>
+                  <a:srgbClr val="D4D4D4"/>
+                </a:solidFill>
+                <a:latin typeface="Fira Code" panose="020B0509050000020004" pitchFamily="49" charset="0"/>
+              </a:rPr>
+              <a:t>}</a:t>
+            </a:r>
+            <a:endParaRPr lang="en-US" sz="1600" b="0" dirty="0">
+              <a:solidFill>
+                <a:srgbClr val="D4D4D4"/>
+              </a:solidFill>
+              <a:effectLst/>
+              <a:latin typeface="Fira Code" panose="020B0509050000020004" pitchFamily="49" charset="0"/>
+            </a:endParaRPr>
+          </a:p>
+        </p:txBody>
+      </p:sp>
     </p:spTree>
     <p:extLst>
       <p:ext uri="{BB962C8B-B14F-4D97-AF65-F5344CB8AC3E}">
@@ -12118,29 +13502,6 @@
           </a:p>
         </p:txBody>
       </p:sp>
-      <p:pic>
-        <p:nvPicPr>
-          <p:cNvPr id="10" name="Content Placeholder 9"/>
-          <p:cNvPicPr>
-            <a:picLocks noGrp="1" noChangeAspect="1"/>
-          </p:cNvPicPr>
-          <p:nvPr>
-            <p:ph sz="quarter" idx="18"/>
-          </p:nvPr>
-        </p:nvPicPr>
-        <p:blipFill>
-          <a:blip r:embed="rId3"/>
-          <a:stretch>
-            <a:fillRect/>
-          </a:stretch>
-        </p:blipFill>
-        <p:spPr>
-          <a:xfrm>
-            <a:off x="1171245" y="759031"/>
-            <a:ext cx="6753885" cy="3746456"/>
-          </a:xfrm>
-        </p:spPr>
-      </p:pic>
       <p:sp>
         <p:nvSpPr>
           <p:cNvPr id="11" name="Content Placeholder 6"/>
@@ -12331,6 +13692,988 @@
               <a:t>NancyPS</a:t>
             </a:r>
             <a:endParaRPr lang="en-US" b="1" dirty="0"/>
+          </a:p>
+        </p:txBody>
+      </p:sp>
+      <p:sp>
+        <p:nvSpPr>
+          <p:cNvPr id="14" name="TextBox 13"/>
+          <p:cNvSpPr txBox="1"/>
+          <p:nvPr/>
+        </p:nvSpPr>
+        <p:spPr>
+          <a:xfrm>
+            <a:off x="535711" y="790907"/>
+            <a:ext cx="8024954" cy="4185761"/>
+          </a:xfrm>
+          <a:prstGeom prst="rect">
+            <a:avLst/>
+          </a:prstGeom>
+          <a:solidFill>
+            <a:schemeClr val="bg2">
+              <a:lumMod val="50000"/>
+            </a:schemeClr>
+          </a:solidFill>
+          <a:ln w="76200">
+            <a:solidFill>
+              <a:schemeClr val="bg2">
+                <a:lumMod val="50000"/>
+              </a:schemeClr>
+            </a:solidFill>
+          </a:ln>
+        </p:spPr>
+        <p:txBody>
+          <a:bodyPr wrap="none" rtlCol="0">
+            <a:spAutoFit/>
+          </a:bodyPr>
+          <a:lstStyle/>
+          <a:p>
+            <a:r>
+              <a:rPr lang="en-US" sz="1400" dirty="0">
+                <a:solidFill>
+                  <a:srgbClr val="DCDCAA"/>
+                </a:solidFill>
+                <a:latin typeface="Fira Code" panose="020B0509050000020004" pitchFamily="49" charset="0"/>
+              </a:rPr>
+              <a:t>Import-Module</a:t>
+            </a:r>
+            <a:r>
+              <a:rPr lang="en-US" sz="1400" dirty="0">
+                <a:solidFill>
+                  <a:srgbClr val="D4D4D4"/>
+                </a:solidFill>
+                <a:latin typeface="Fira Code" panose="020B0509050000020004" pitchFamily="49" charset="0"/>
+              </a:rPr>
+              <a:t> </a:t>
+            </a:r>
+            <a:r>
+              <a:rPr lang="en-US" sz="1400" dirty="0" err="1">
+                <a:solidFill>
+                  <a:srgbClr val="D4D4D4"/>
+                </a:solidFill>
+                <a:latin typeface="Fira Code" panose="020B0509050000020004" pitchFamily="49" charset="0"/>
+              </a:rPr>
+              <a:t>flancy</a:t>
+            </a:r>
+            <a:endParaRPr lang="en-US" sz="1400" dirty="0">
+              <a:solidFill>
+                <a:srgbClr val="D4D4D4"/>
+              </a:solidFill>
+              <a:latin typeface="Fira Code" panose="020B0509050000020004" pitchFamily="49" charset="0"/>
+            </a:endParaRPr>
+          </a:p>
+          <a:p>
+            <a:r>
+              <a:rPr lang="en-US" sz="1400" dirty="0">
+                <a:solidFill>
+                  <a:srgbClr val="569CD6"/>
+                </a:solidFill>
+                <a:latin typeface="Fira Code" panose="020B0509050000020004" pitchFamily="49" charset="0"/>
+              </a:rPr>
+              <a:t>$</a:t>
+            </a:r>
+            <a:r>
+              <a:rPr lang="en-US" sz="1400" dirty="0" err="1">
+                <a:solidFill>
+                  <a:srgbClr val="9CDCFE"/>
+                </a:solidFill>
+                <a:latin typeface="Fira Code" panose="020B0509050000020004" pitchFamily="49" charset="0"/>
+              </a:rPr>
+              <a:t>url</a:t>
+            </a:r>
+            <a:r>
+              <a:rPr lang="en-US" sz="1400" dirty="0">
+                <a:solidFill>
+                  <a:srgbClr val="D4D4D4"/>
+                </a:solidFill>
+                <a:latin typeface="Fira Code" panose="020B0509050000020004" pitchFamily="49" charset="0"/>
+              </a:rPr>
+              <a:t> = </a:t>
+            </a:r>
+            <a:r>
+              <a:rPr lang="en-US" sz="1400" dirty="0">
+                <a:solidFill>
+                  <a:srgbClr val="CE9178"/>
+                </a:solidFill>
+                <a:latin typeface="Fira Code" panose="020B0509050000020004" pitchFamily="49" charset="0"/>
+              </a:rPr>
+              <a:t>"http://localhost:8001"</a:t>
+            </a:r>
+            <a:endParaRPr lang="en-US" sz="1400" dirty="0">
+              <a:solidFill>
+                <a:srgbClr val="D4D4D4"/>
+              </a:solidFill>
+              <a:latin typeface="Fira Code" panose="020B0509050000020004" pitchFamily="49" charset="0"/>
+            </a:endParaRPr>
+          </a:p>
+          <a:p>
+            <a:r>
+              <a:rPr lang="en-US" sz="1400" dirty="0">
+                <a:solidFill>
+                  <a:srgbClr val="DCDCAA"/>
+                </a:solidFill>
+                <a:latin typeface="Fira Code" panose="020B0509050000020004" pitchFamily="49" charset="0"/>
+              </a:rPr>
+              <a:t>New-</a:t>
+            </a:r>
+            <a:r>
+              <a:rPr lang="en-US" sz="1400" dirty="0" err="1">
+                <a:solidFill>
+                  <a:srgbClr val="DCDCAA"/>
+                </a:solidFill>
+                <a:latin typeface="Fira Code" panose="020B0509050000020004" pitchFamily="49" charset="0"/>
+              </a:rPr>
+              <a:t>Flancy</a:t>
+            </a:r>
+            <a:r>
+              <a:rPr lang="en-US" sz="1400" dirty="0">
+                <a:solidFill>
+                  <a:srgbClr val="D4D4D4"/>
+                </a:solidFill>
+                <a:latin typeface="Fira Code" panose="020B0509050000020004" pitchFamily="49" charset="0"/>
+              </a:rPr>
+              <a:t> -</a:t>
+            </a:r>
+            <a:r>
+              <a:rPr lang="en-US" sz="1400" dirty="0" err="1">
+                <a:solidFill>
+                  <a:srgbClr val="D4D4D4"/>
+                </a:solidFill>
+                <a:latin typeface="Fira Code" panose="020B0509050000020004" pitchFamily="49" charset="0"/>
+              </a:rPr>
+              <a:t>url</a:t>
+            </a:r>
+            <a:r>
+              <a:rPr lang="en-US" sz="1400" dirty="0">
+                <a:solidFill>
+                  <a:srgbClr val="D4D4D4"/>
+                </a:solidFill>
+                <a:latin typeface="Fira Code" panose="020B0509050000020004" pitchFamily="49" charset="0"/>
+              </a:rPr>
+              <a:t> </a:t>
+            </a:r>
+            <a:r>
+              <a:rPr lang="en-US" sz="1400" dirty="0">
+                <a:solidFill>
+                  <a:srgbClr val="569CD6"/>
+                </a:solidFill>
+                <a:latin typeface="Fira Code" panose="020B0509050000020004" pitchFamily="49" charset="0"/>
+              </a:rPr>
+              <a:t>$</a:t>
+            </a:r>
+            <a:r>
+              <a:rPr lang="en-US" sz="1400" dirty="0" err="1">
+                <a:solidFill>
+                  <a:srgbClr val="9CDCFE"/>
+                </a:solidFill>
+                <a:latin typeface="Fira Code" panose="020B0509050000020004" pitchFamily="49" charset="0"/>
+              </a:rPr>
+              <a:t>url</a:t>
+            </a:r>
+            <a:r>
+              <a:rPr lang="en-US" sz="1400" dirty="0">
+                <a:solidFill>
+                  <a:srgbClr val="D4D4D4"/>
+                </a:solidFill>
+                <a:latin typeface="Fira Code" panose="020B0509050000020004" pitchFamily="49" charset="0"/>
+              </a:rPr>
+              <a:t> -</a:t>
+            </a:r>
+            <a:r>
+              <a:rPr lang="en-US" sz="1400" dirty="0" err="1">
+                <a:solidFill>
+                  <a:srgbClr val="D4D4D4"/>
+                </a:solidFill>
+                <a:latin typeface="Fira Code" panose="020B0509050000020004" pitchFamily="49" charset="0"/>
+              </a:rPr>
+              <a:t>webschema</a:t>
+            </a:r>
+            <a:r>
+              <a:rPr lang="en-US" sz="1400" dirty="0">
+                <a:solidFill>
+                  <a:srgbClr val="D4D4D4"/>
+                </a:solidFill>
+                <a:latin typeface="Fira Code" panose="020B0509050000020004" pitchFamily="49" charset="0"/>
+              </a:rPr>
+              <a:t> </a:t>
+            </a:r>
+            <a:r>
+              <a:rPr lang="en-US" sz="1400" dirty="0">
+                <a:solidFill>
+                  <a:srgbClr val="569CD6"/>
+                </a:solidFill>
+                <a:latin typeface="Fira Code" panose="020B0509050000020004" pitchFamily="49" charset="0"/>
+              </a:rPr>
+              <a:t>@(</a:t>
+            </a:r>
+            <a:endParaRPr lang="en-US" sz="1400" dirty="0">
+              <a:solidFill>
+                <a:srgbClr val="D4D4D4"/>
+              </a:solidFill>
+              <a:latin typeface="Fira Code" panose="020B0509050000020004" pitchFamily="49" charset="0"/>
+            </a:endParaRPr>
+          </a:p>
+          <a:p>
+            <a:r>
+              <a:rPr lang="en-US" sz="1400" dirty="0">
+                <a:solidFill>
+                  <a:srgbClr val="D4D4D4"/>
+                </a:solidFill>
+                <a:latin typeface="Fira Code" panose="020B0509050000020004" pitchFamily="49" charset="0"/>
+              </a:rPr>
+              <a:t>    Get </a:t>
+            </a:r>
+            <a:r>
+              <a:rPr lang="en-US" sz="1400" dirty="0">
+                <a:solidFill>
+                  <a:srgbClr val="CE9178"/>
+                </a:solidFill>
+                <a:latin typeface="Fira Code" panose="020B0509050000020004" pitchFamily="49" charset="0"/>
+              </a:rPr>
+              <a:t>'/'</a:t>
+            </a:r>
+            <a:r>
+              <a:rPr lang="en-US" sz="1400" dirty="0">
+                <a:solidFill>
+                  <a:srgbClr val="D4D4D4"/>
+                </a:solidFill>
+                <a:latin typeface="Fira Code" panose="020B0509050000020004" pitchFamily="49" charset="0"/>
+              </a:rPr>
+              <a:t> { </a:t>
+            </a:r>
+            <a:r>
+              <a:rPr lang="en-US" sz="1400" dirty="0">
+                <a:solidFill>
+                  <a:srgbClr val="CE9178"/>
+                </a:solidFill>
+                <a:latin typeface="Fira Code" panose="020B0509050000020004" pitchFamily="49" charset="0"/>
+              </a:rPr>
+              <a:t>"</a:t>
+            </a:r>
+            <a:r>
+              <a:rPr lang="en-US" sz="1400" dirty="0" err="1">
+                <a:solidFill>
+                  <a:srgbClr val="CE9178"/>
+                </a:solidFill>
+                <a:latin typeface="Fira Code" panose="020B0509050000020004" pitchFamily="49" charset="0"/>
+              </a:rPr>
+              <a:t>Api</a:t>
+            </a:r>
+            <a:r>
+              <a:rPr lang="en-US" sz="1400" dirty="0">
+                <a:solidFill>
+                  <a:srgbClr val="CE9178"/>
+                </a:solidFill>
+                <a:latin typeface="Fira Code" panose="020B0509050000020004" pitchFamily="49" charset="0"/>
+              </a:rPr>
+              <a:t> Mocks"</a:t>
+            </a:r>
+            <a:r>
+              <a:rPr lang="en-US" sz="1400" dirty="0">
+                <a:solidFill>
+                  <a:srgbClr val="D4D4D4"/>
+                </a:solidFill>
+                <a:latin typeface="Fira Code" panose="020B0509050000020004" pitchFamily="49" charset="0"/>
+              </a:rPr>
+              <a:t> }</a:t>
+            </a:r>
+          </a:p>
+          <a:p>
+            <a:br>
+              <a:rPr lang="en-US" sz="1400" dirty="0">
+                <a:solidFill>
+                  <a:srgbClr val="D4D4D4"/>
+                </a:solidFill>
+                <a:latin typeface="Fira Code" panose="020B0509050000020004" pitchFamily="49" charset="0"/>
+              </a:rPr>
+            </a:br>
+            <a:r>
+              <a:rPr lang="en-US" sz="1400" dirty="0">
+                <a:solidFill>
+                  <a:srgbClr val="D4D4D4"/>
+                </a:solidFill>
+                <a:latin typeface="Fira Code" panose="020B0509050000020004" pitchFamily="49" charset="0"/>
+              </a:rPr>
+              <a:t>    Post </a:t>
+            </a:r>
+            <a:r>
+              <a:rPr lang="en-US" sz="1400" dirty="0">
+                <a:solidFill>
+                  <a:srgbClr val="CE9178"/>
+                </a:solidFill>
+                <a:latin typeface="Fira Code" panose="020B0509050000020004" pitchFamily="49" charset="0"/>
+              </a:rPr>
+              <a:t>'/nodes/'</a:t>
+            </a:r>
+            <a:r>
+              <a:rPr lang="en-US" sz="1400" dirty="0">
+                <a:solidFill>
+                  <a:srgbClr val="D4D4D4"/>
+                </a:solidFill>
+                <a:latin typeface="Fira Code" panose="020B0509050000020004" pitchFamily="49" charset="0"/>
+              </a:rPr>
+              <a:t> {</a:t>
+            </a:r>
+          </a:p>
+          <a:p>
+            <a:r>
+              <a:rPr lang="en-US" sz="1400" dirty="0">
+                <a:solidFill>
+                  <a:srgbClr val="D4D4D4"/>
+                </a:solidFill>
+                <a:latin typeface="Fira Code" panose="020B0509050000020004" pitchFamily="49" charset="0"/>
+              </a:rPr>
+              <a:t>        </a:t>
+            </a:r>
+            <a:r>
+              <a:rPr lang="en-US" sz="1400" dirty="0">
+                <a:solidFill>
+                  <a:srgbClr val="C586C0"/>
+                </a:solidFill>
+                <a:latin typeface="Fira Code" panose="020B0509050000020004" pitchFamily="49" charset="0"/>
+              </a:rPr>
+              <a:t>try</a:t>
+            </a:r>
+            <a:r>
+              <a:rPr lang="en-US" sz="1400" dirty="0">
+                <a:solidFill>
+                  <a:srgbClr val="D4D4D4"/>
+                </a:solidFill>
+                <a:latin typeface="Fira Code" panose="020B0509050000020004" pitchFamily="49" charset="0"/>
+              </a:rPr>
+              <a:t> {</a:t>
+            </a:r>
+          </a:p>
+          <a:p>
+            <a:r>
+              <a:rPr lang="en-US" sz="1400" dirty="0">
+                <a:solidFill>
+                  <a:srgbClr val="D4D4D4"/>
+                </a:solidFill>
+                <a:latin typeface="Fira Code" panose="020B0509050000020004" pitchFamily="49" charset="0"/>
+              </a:rPr>
+              <a:t>            </a:t>
+            </a:r>
+            <a:r>
+              <a:rPr lang="en-US" sz="1400" dirty="0">
+                <a:solidFill>
+                  <a:srgbClr val="569CD6"/>
+                </a:solidFill>
+                <a:latin typeface="Fira Code" panose="020B0509050000020004" pitchFamily="49" charset="0"/>
+              </a:rPr>
+              <a:t>$</a:t>
+            </a:r>
+            <a:r>
+              <a:rPr lang="en-US" sz="1400" dirty="0">
+                <a:solidFill>
+                  <a:srgbClr val="9CDCFE"/>
+                </a:solidFill>
+                <a:latin typeface="Fira Code" panose="020B0509050000020004" pitchFamily="49" charset="0"/>
+              </a:rPr>
+              <a:t>body</a:t>
+            </a:r>
+            <a:r>
+              <a:rPr lang="en-US" sz="1400" dirty="0">
+                <a:solidFill>
+                  <a:srgbClr val="D4D4D4"/>
+                </a:solidFill>
+                <a:latin typeface="Fira Code" panose="020B0509050000020004" pitchFamily="49" charset="0"/>
+              </a:rPr>
+              <a:t> = </a:t>
+            </a:r>
+            <a:r>
+              <a:rPr lang="en-US" sz="1400" dirty="0">
+                <a:solidFill>
+                  <a:srgbClr val="569CD6"/>
+                </a:solidFill>
+                <a:latin typeface="Fira Code" panose="020B0509050000020004" pitchFamily="49" charset="0"/>
+              </a:rPr>
+              <a:t>(</a:t>
+            </a:r>
+            <a:r>
+              <a:rPr lang="en-US" sz="1400" dirty="0">
+                <a:solidFill>
+                  <a:srgbClr val="DCDCAA"/>
+                </a:solidFill>
+                <a:latin typeface="Fira Code" panose="020B0509050000020004" pitchFamily="49" charset="0"/>
+              </a:rPr>
+              <a:t>New-Object</a:t>
+            </a:r>
+            <a:r>
+              <a:rPr lang="en-US" sz="1400" dirty="0">
+                <a:solidFill>
+                  <a:srgbClr val="D4D4D4"/>
+                </a:solidFill>
+                <a:latin typeface="Fira Code" panose="020B0509050000020004" pitchFamily="49" charset="0"/>
+              </a:rPr>
+              <a:t> </a:t>
+            </a:r>
+            <a:r>
+              <a:rPr lang="en-US" sz="1400" dirty="0" err="1">
+                <a:solidFill>
+                  <a:srgbClr val="D4D4D4"/>
+                </a:solidFill>
+                <a:latin typeface="Fira Code" panose="020B0509050000020004" pitchFamily="49" charset="0"/>
+              </a:rPr>
+              <a:t>System.IO.StreamReader</a:t>
+            </a:r>
+            <a:r>
+              <a:rPr lang="en-US" sz="1400" dirty="0">
+                <a:solidFill>
+                  <a:srgbClr val="D4D4D4"/>
+                </a:solidFill>
+                <a:latin typeface="Fira Code" panose="020B0509050000020004" pitchFamily="49" charset="0"/>
+              </a:rPr>
+              <a:t> </a:t>
+            </a:r>
+            <a:r>
+              <a:rPr lang="en-US" sz="1400" dirty="0">
+                <a:solidFill>
+                  <a:srgbClr val="569CD6"/>
+                </a:solidFill>
+                <a:latin typeface="Fira Code" panose="020B0509050000020004" pitchFamily="49" charset="0"/>
+              </a:rPr>
+              <a:t>@($</a:t>
+            </a:r>
+            <a:r>
+              <a:rPr lang="en-US" sz="1400" dirty="0" err="1">
+                <a:solidFill>
+                  <a:srgbClr val="9CDCFE"/>
+                </a:solidFill>
+                <a:latin typeface="Fira Code" panose="020B0509050000020004" pitchFamily="49" charset="0"/>
+              </a:rPr>
+              <a:t>Request</a:t>
+            </a:r>
+            <a:r>
+              <a:rPr lang="en-US" sz="1400" dirty="0" err="1">
+                <a:solidFill>
+                  <a:srgbClr val="DCDCAA"/>
+                </a:solidFill>
+                <a:latin typeface="Fira Code" panose="020B0509050000020004" pitchFamily="49" charset="0"/>
+              </a:rPr>
+              <a:t>.Body</a:t>
+            </a:r>
+            <a:r>
+              <a:rPr lang="en-US" sz="1400" dirty="0">
+                <a:solidFill>
+                  <a:srgbClr val="D4D4D4"/>
+                </a:solidFill>
+                <a:latin typeface="Fira Code" panose="020B0509050000020004" pitchFamily="49" charset="0"/>
+              </a:rPr>
+              <a:t>, `</a:t>
+            </a:r>
+          </a:p>
+          <a:p>
+            <a:r>
+              <a:rPr lang="en-US" sz="1400" dirty="0">
+                <a:solidFill>
+                  <a:srgbClr val="D4D4D4"/>
+                </a:solidFill>
+                <a:latin typeface="Fira Code" panose="020B0509050000020004" pitchFamily="49" charset="0"/>
+              </a:rPr>
+              <a:t>                        </a:t>
+            </a:r>
+            <a:r>
+              <a:rPr lang="en-US" sz="1400" dirty="0">
+                <a:solidFill>
+                  <a:srgbClr val="9CDCFE"/>
+                </a:solidFill>
+                <a:latin typeface="Fira Code" panose="020B0509050000020004" pitchFamily="49" charset="0"/>
+              </a:rPr>
+              <a:t>[</a:t>
+            </a:r>
+            <a:r>
+              <a:rPr lang="en-US" sz="1400" dirty="0" err="1">
+                <a:solidFill>
+                  <a:srgbClr val="9CDCFE"/>
+                </a:solidFill>
+                <a:latin typeface="Fira Code" panose="020B0509050000020004" pitchFamily="49" charset="0"/>
+              </a:rPr>
+              <a:t>System.Text.Encoding</a:t>
+            </a:r>
+            <a:r>
+              <a:rPr lang="en-US" sz="1400" dirty="0">
+                <a:solidFill>
+                  <a:srgbClr val="9CDCFE"/>
+                </a:solidFill>
+                <a:latin typeface="Fira Code" panose="020B0509050000020004" pitchFamily="49" charset="0"/>
+              </a:rPr>
+              <a:t>]</a:t>
+            </a:r>
+            <a:r>
+              <a:rPr lang="en-US" sz="1400" dirty="0">
+                <a:solidFill>
+                  <a:srgbClr val="D4D4D4"/>
+                </a:solidFill>
+                <a:latin typeface="Fira Code" panose="020B0509050000020004" pitchFamily="49" charset="0"/>
+              </a:rPr>
+              <a:t>::UTF8</a:t>
+            </a:r>
+            <a:r>
+              <a:rPr lang="en-US" sz="1400" dirty="0">
+                <a:solidFill>
+                  <a:srgbClr val="569CD6"/>
+                </a:solidFill>
+                <a:latin typeface="Fira Code" panose="020B0509050000020004" pitchFamily="49" charset="0"/>
+              </a:rPr>
+              <a:t>))</a:t>
+            </a:r>
+            <a:r>
+              <a:rPr lang="en-US" sz="1400" dirty="0">
+                <a:solidFill>
+                  <a:srgbClr val="D4D4D4"/>
+                </a:solidFill>
+                <a:latin typeface="Fira Code" panose="020B0509050000020004" pitchFamily="49" charset="0"/>
+              </a:rPr>
+              <a:t>.</a:t>
+            </a:r>
+            <a:r>
+              <a:rPr lang="en-US" sz="1400" dirty="0" err="1">
+                <a:solidFill>
+                  <a:srgbClr val="D4D4D4"/>
+                </a:solidFill>
+                <a:latin typeface="Fira Code" panose="020B0509050000020004" pitchFamily="49" charset="0"/>
+              </a:rPr>
+              <a:t>ReadToEnd</a:t>
+            </a:r>
+            <a:r>
+              <a:rPr lang="en-US" sz="1400" dirty="0">
+                <a:solidFill>
+                  <a:srgbClr val="569CD6"/>
+                </a:solidFill>
+                <a:latin typeface="Fira Code" panose="020B0509050000020004" pitchFamily="49" charset="0"/>
+              </a:rPr>
+              <a:t>()</a:t>
+            </a:r>
+            <a:endParaRPr lang="en-US" sz="1400" dirty="0">
+              <a:solidFill>
+                <a:srgbClr val="D4D4D4"/>
+              </a:solidFill>
+              <a:latin typeface="Fira Code" panose="020B0509050000020004" pitchFamily="49" charset="0"/>
+            </a:endParaRPr>
+          </a:p>
+          <a:p>
+            <a:r>
+              <a:rPr lang="en-US" sz="1400" dirty="0">
+                <a:solidFill>
+                  <a:srgbClr val="D4D4D4"/>
+                </a:solidFill>
+                <a:latin typeface="Fira Code" panose="020B0509050000020004" pitchFamily="49" charset="0"/>
+              </a:rPr>
+              <a:t>            </a:t>
+            </a:r>
+            <a:r>
+              <a:rPr lang="en-US" sz="1400" dirty="0">
+                <a:solidFill>
+                  <a:srgbClr val="9CDCFE"/>
+                </a:solidFill>
+                <a:latin typeface="Fira Code" panose="020B0509050000020004" pitchFamily="49" charset="0"/>
+              </a:rPr>
+              <a:t>[</a:t>
+            </a:r>
+            <a:r>
+              <a:rPr lang="en-US" sz="1400" dirty="0" err="1">
+                <a:solidFill>
+                  <a:srgbClr val="9CDCFE"/>
+                </a:solidFill>
+                <a:latin typeface="Fira Code" panose="020B0509050000020004" pitchFamily="49" charset="0"/>
+              </a:rPr>
+              <a:t>PSCustomObject</a:t>
+            </a:r>
+            <a:r>
+              <a:rPr lang="en-US" sz="1400" dirty="0">
+                <a:solidFill>
+                  <a:srgbClr val="9CDCFE"/>
+                </a:solidFill>
+                <a:latin typeface="Fira Code" panose="020B0509050000020004" pitchFamily="49" charset="0"/>
+              </a:rPr>
+              <a:t>]</a:t>
+            </a:r>
+            <a:r>
+              <a:rPr lang="en-US" sz="1400" dirty="0">
+                <a:solidFill>
+                  <a:srgbClr val="D4D4D4"/>
+                </a:solidFill>
+                <a:latin typeface="Fira Code" panose="020B0509050000020004" pitchFamily="49" charset="0"/>
+              </a:rPr>
+              <a:t>@{Path=</a:t>
+            </a:r>
+            <a:r>
+              <a:rPr lang="en-US" sz="1400" dirty="0">
+                <a:solidFill>
+                  <a:srgbClr val="569CD6"/>
+                </a:solidFill>
+                <a:latin typeface="Fira Code" panose="020B0509050000020004" pitchFamily="49" charset="0"/>
+              </a:rPr>
+              <a:t>$</a:t>
+            </a:r>
+            <a:r>
+              <a:rPr lang="en-US" sz="1400" dirty="0" err="1">
+                <a:solidFill>
+                  <a:srgbClr val="9CDCFE"/>
+                </a:solidFill>
+                <a:latin typeface="Fira Code" panose="020B0509050000020004" pitchFamily="49" charset="0"/>
+              </a:rPr>
+              <a:t>Request</a:t>
+            </a:r>
+            <a:r>
+              <a:rPr lang="en-US" sz="1400" dirty="0" err="1">
+                <a:solidFill>
+                  <a:srgbClr val="DCDCAA"/>
+                </a:solidFill>
+                <a:latin typeface="Fira Code" panose="020B0509050000020004" pitchFamily="49" charset="0"/>
+              </a:rPr>
+              <a:t>.Path</a:t>
+            </a:r>
+            <a:endParaRPr lang="en-US" sz="1400" dirty="0">
+              <a:solidFill>
+                <a:srgbClr val="D4D4D4"/>
+              </a:solidFill>
+              <a:latin typeface="Fira Code" panose="020B0509050000020004" pitchFamily="49" charset="0"/>
+            </a:endParaRPr>
+          </a:p>
+          <a:p>
+            <a:r>
+              <a:rPr lang="en-US" sz="1400" dirty="0">
+                <a:solidFill>
+                  <a:srgbClr val="D4D4D4"/>
+                </a:solidFill>
+                <a:latin typeface="Fira Code" panose="020B0509050000020004" pitchFamily="49" charset="0"/>
+              </a:rPr>
+              <a:t>                Headers=</a:t>
+            </a:r>
+            <a:r>
+              <a:rPr lang="en-US" sz="1400" dirty="0">
+                <a:solidFill>
+                  <a:srgbClr val="569CD6"/>
+                </a:solidFill>
+                <a:latin typeface="Fira Code" panose="020B0509050000020004" pitchFamily="49" charset="0"/>
+              </a:rPr>
+              <a:t>$</a:t>
+            </a:r>
+            <a:r>
+              <a:rPr lang="en-US" sz="1400" dirty="0" err="1">
+                <a:solidFill>
+                  <a:srgbClr val="9CDCFE"/>
+                </a:solidFill>
+                <a:latin typeface="Fira Code" panose="020B0509050000020004" pitchFamily="49" charset="0"/>
+              </a:rPr>
+              <a:t>Request</a:t>
+            </a:r>
+            <a:r>
+              <a:rPr lang="en-US" sz="1400" dirty="0" err="1">
+                <a:solidFill>
+                  <a:srgbClr val="DCDCAA"/>
+                </a:solidFill>
+                <a:latin typeface="Fira Code" panose="020B0509050000020004" pitchFamily="49" charset="0"/>
+              </a:rPr>
+              <a:t>.Headers</a:t>
+            </a:r>
+            <a:endParaRPr lang="en-US" sz="1400" dirty="0">
+              <a:solidFill>
+                <a:srgbClr val="D4D4D4"/>
+              </a:solidFill>
+              <a:latin typeface="Fira Code" panose="020B0509050000020004" pitchFamily="49" charset="0"/>
+            </a:endParaRPr>
+          </a:p>
+          <a:p>
+            <a:r>
+              <a:rPr lang="en-US" sz="1400" dirty="0">
+                <a:solidFill>
+                  <a:srgbClr val="D4D4D4"/>
+                </a:solidFill>
+                <a:latin typeface="Fira Code" panose="020B0509050000020004" pitchFamily="49" charset="0"/>
+              </a:rPr>
+              <a:t>                Query=</a:t>
+            </a:r>
+            <a:r>
+              <a:rPr lang="en-US" sz="1400" dirty="0">
+                <a:solidFill>
+                  <a:srgbClr val="569CD6"/>
+                </a:solidFill>
+                <a:latin typeface="Fira Code" panose="020B0509050000020004" pitchFamily="49" charset="0"/>
+              </a:rPr>
+              <a:t>$</a:t>
+            </a:r>
+            <a:r>
+              <a:rPr lang="en-US" sz="1400" dirty="0" err="1">
+                <a:solidFill>
+                  <a:srgbClr val="9CDCFE"/>
+                </a:solidFill>
+                <a:latin typeface="Fira Code" panose="020B0509050000020004" pitchFamily="49" charset="0"/>
+              </a:rPr>
+              <a:t>Request</a:t>
+            </a:r>
+            <a:r>
+              <a:rPr lang="en-US" sz="1400" dirty="0" err="1">
+                <a:solidFill>
+                  <a:srgbClr val="DCDCAA"/>
+                </a:solidFill>
+                <a:latin typeface="Fira Code" panose="020B0509050000020004" pitchFamily="49" charset="0"/>
+              </a:rPr>
+              <a:t>.Query</a:t>
+            </a:r>
+            <a:endParaRPr lang="en-US" sz="1400" dirty="0">
+              <a:solidFill>
+                <a:srgbClr val="D4D4D4"/>
+              </a:solidFill>
+              <a:latin typeface="Fira Code" panose="020B0509050000020004" pitchFamily="49" charset="0"/>
+            </a:endParaRPr>
+          </a:p>
+          <a:p>
+            <a:r>
+              <a:rPr lang="en-US" sz="1400" dirty="0">
+                <a:solidFill>
+                  <a:srgbClr val="D4D4D4"/>
+                </a:solidFill>
+                <a:latin typeface="Fira Code" panose="020B0509050000020004" pitchFamily="49" charset="0"/>
+              </a:rPr>
+              <a:t>                Method=</a:t>
+            </a:r>
+            <a:r>
+              <a:rPr lang="en-US" sz="1400" dirty="0">
+                <a:solidFill>
+                  <a:srgbClr val="569CD6"/>
+                </a:solidFill>
+                <a:latin typeface="Fira Code" panose="020B0509050000020004" pitchFamily="49" charset="0"/>
+              </a:rPr>
+              <a:t>$</a:t>
+            </a:r>
+            <a:r>
+              <a:rPr lang="en-US" sz="1400" dirty="0" err="1">
+                <a:solidFill>
+                  <a:srgbClr val="9CDCFE"/>
+                </a:solidFill>
+                <a:latin typeface="Fira Code" panose="020B0509050000020004" pitchFamily="49" charset="0"/>
+              </a:rPr>
+              <a:t>Request</a:t>
+            </a:r>
+            <a:r>
+              <a:rPr lang="en-US" sz="1400" dirty="0" err="1">
+                <a:solidFill>
+                  <a:srgbClr val="DCDCAA"/>
+                </a:solidFill>
+                <a:latin typeface="Fira Code" panose="020B0509050000020004" pitchFamily="49" charset="0"/>
+              </a:rPr>
+              <a:t>.Method</a:t>
+            </a:r>
+            <a:endParaRPr lang="en-US" sz="1400" dirty="0">
+              <a:solidFill>
+                <a:srgbClr val="D4D4D4"/>
+              </a:solidFill>
+              <a:latin typeface="Fira Code" panose="020B0509050000020004" pitchFamily="49" charset="0"/>
+            </a:endParaRPr>
+          </a:p>
+          <a:p>
+            <a:r>
+              <a:rPr lang="en-US" sz="1400" dirty="0">
+                <a:solidFill>
+                  <a:srgbClr val="D4D4D4"/>
+                </a:solidFill>
+                <a:latin typeface="Fira Code" panose="020B0509050000020004" pitchFamily="49" charset="0"/>
+              </a:rPr>
+              <a:t>                Body=</a:t>
+            </a:r>
+            <a:r>
+              <a:rPr lang="en-US" sz="1400" dirty="0">
+                <a:solidFill>
+                  <a:srgbClr val="569CD6"/>
+                </a:solidFill>
+                <a:latin typeface="Fira Code" panose="020B0509050000020004" pitchFamily="49" charset="0"/>
+              </a:rPr>
+              <a:t>$</a:t>
+            </a:r>
+            <a:r>
+              <a:rPr lang="en-US" sz="1400" dirty="0">
+                <a:solidFill>
+                  <a:srgbClr val="9CDCFE"/>
+                </a:solidFill>
+                <a:latin typeface="Fira Code" panose="020B0509050000020004" pitchFamily="49" charset="0"/>
+              </a:rPr>
+              <a:t>body</a:t>
+            </a:r>
+            <a:r>
+              <a:rPr lang="en-US" sz="1400" dirty="0">
+                <a:solidFill>
+                  <a:srgbClr val="D4D4D4"/>
+                </a:solidFill>
+                <a:latin typeface="Fira Code" panose="020B0509050000020004" pitchFamily="49" charset="0"/>
+              </a:rPr>
+              <a:t>} |</a:t>
+            </a:r>
+          </a:p>
+          <a:p>
+            <a:r>
+              <a:rPr lang="en-US" sz="1400" dirty="0">
+                <a:solidFill>
+                  <a:srgbClr val="D4D4D4"/>
+                </a:solidFill>
+                <a:latin typeface="Fira Code" panose="020B0509050000020004" pitchFamily="49" charset="0"/>
+              </a:rPr>
+              <a:t>            </a:t>
+            </a:r>
+            <a:r>
+              <a:rPr lang="en-US" sz="1400" dirty="0" err="1">
+                <a:solidFill>
+                  <a:srgbClr val="DCDCAA"/>
+                </a:solidFill>
+                <a:latin typeface="Fira Code" panose="020B0509050000020004" pitchFamily="49" charset="0"/>
+              </a:rPr>
+              <a:t>ConvertTo-Json</a:t>
+            </a:r>
+            <a:r>
+              <a:rPr lang="en-US" sz="1400" dirty="0">
+                <a:solidFill>
+                  <a:srgbClr val="D4D4D4"/>
+                </a:solidFill>
+                <a:latin typeface="Fira Code" panose="020B0509050000020004" pitchFamily="49" charset="0"/>
+              </a:rPr>
+              <a:t> -depth </a:t>
+            </a:r>
+            <a:r>
+              <a:rPr lang="en-US" sz="1400" dirty="0">
+                <a:solidFill>
+                  <a:srgbClr val="B5CEA8"/>
+                </a:solidFill>
+                <a:latin typeface="Fira Code" panose="020B0509050000020004" pitchFamily="49" charset="0"/>
+              </a:rPr>
+              <a:t>2</a:t>
+            </a:r>
+            <a:r>
+              <a:rPr lang="en-US" sz="1400" dirty="0">
+                <a:solidFill>
+                  <a:srgbClr val="D4D4D4"/>
+                </a:solidFill>
+                <a:latin typeface="Fira Code" panose="020B0509050000020004" pitchFamily="49" charset="0"/>
+              </a:rPr>
+              <a:t> }</a:t>
+            </a:r>
+          </a:p>
+          <a:p>
+            <a:r>
+              <a:rPr lang="en-US" sz="1400" dirty="0">
+                <a:solidFill>
+                  <a:srgbClr val="D4D4D4"/>
+                </a:solidFill>
+                <a:latin typeface="Fira Code" panose="020B0509050000020004" pitchFamily="49" charset="0"/>
+              </a:rPr>
+              <a:t>        </a:t>
+            </a:r>
+            <a:r>
+              <a:rPr lang="en-US" sz="1400" dirty="0">
+                <a:solidFill>
+                  <a:srgbClr val="C586C0"/>
+                </a:solidFill>
+                <a:latin typeface="Fira Code" panose="020B0509050000020004" pitchFamily="49" charset="0"/>
+              </a:rPr>
+              <a:t>catch</a:t>
+            </a:r>
+            <a:r>
+              <a:rPr lang="en-US" sz="1400" dirty="0">
+                <a:solidFill>
+                  <a:srgbClr val="D4D4D4"/>
+                </a:solidFill>
+                <a:latin typeface="Fira Code" panose="020B0509050000020004" pitchFamily="49" charset="0"/>
+              </a:rPr>
+              <a:t> { </a:t>
+            </a:r>
+            <a:r>
+              <a:rPr lang="en-US" sz="1400" dirty="0">
+                <a:solidFill>
+                  <a:srgbClr val="569CD6"/>
+                </a:solidFill>
+                <a:latin typeface="Fira Code" panose="020B0509050000020004" pitchFamily="49" charset="0"/>
+              </a:rPr>
+              <a:t>$</a:t>
+            </a:r>
+            <a:r>
+              <a:rPr lang="en-US" sz="1400" dirty="0">
+                <a:solidFill>
+                  <a:srgbClr val="D4D4D4"/>
+                </a:solidFill>
+                <a:latin typeface="Fira Code" panose="020B0509050000020004" pitchFamily="49" charset="0"/>
+              </a:rPr>
+              <a:t>Error } }</a:t>
+            </a:r>
+          </a:p>
+          <a:p>
+            <a:r>
+              <a:rPr lang="en-US" sz="1400" dirty="0">
+                <a:solidFill>
+                  <a:srgbClr val="569CD6"/>
+                </a:solidFill>
+                <a:latin typeface="Fira Code" panose="020B0509050000020004" pitchFamily="49" charset="0"/>
+              </a:rPr>
+              <a:t>)</a:t>
+            </a:r>
+            <a:endParaRPr lang="en-US" sz="1400" dirty="0">
+              <a:solidFill>
+                <a:srgbClr val="D4D4D4"/>
+              </a:solidFill>
+              <a:latin typeface="Fira Code" panose="020B0509050000020004" pitchFamily="49" charset="0"/>
+            </a:endParaRPr>
+          </a:p>
+          <a:p>
+            <a:r>
+              <a:rPr lang="en-US" sz="1400" dirty="0">
+                <a:solidFill>
+                  <a:srgbClr val="DCDCAA"/>
+                </a:solidFill>
+                <a:latin typeface="Fira Code" panose="020B0509050000020004" pitchFamily="49" charset="0"/>
+              </a:rPr>
+              <a:t>Start-Sleep</a:t>
+            </a:r>
+            <a:r>
+              <a:rPr lang="en-US" sz="1400" dirty="0">
+                <a:solidFill>
+                  <a:srgbClr val="D4D4D4"/>
+                </a:solidFill>
+                <a:latin typeface="Fira Code" panose="020B0509050000020004" pitchFamily="49" charset="0"/>
+              </a:rPr>
+              <a:t> -Seconds </a:t>
+            </a:r>
+            <a:r>
+              <a:rPr lang="en-US" sz="1400" dirty="0">
+                <a:solidFill>
+                  <a:srgbClr val="B5CEA8"/>
+                </a:solidFill>
+                <a:latin typeface="Fira Code" panose="020B0509050000020004" pitchFamily="49" charset="0"/>
+              </a:rPr>
+              <a:t>1</a:t>
+            </a:r>
+            <a:endParaRPr lang="en-US" sz="1400" dirty="0">
+              <a:solidFill>
+                <a:srgbClr val="D4D4D4"/>
+              </a:solidFill>
+              <a:latin typeface="Fira Code" panose="020B0509050000020004" pitchFamily="49" charset="0"/>
+            </a:endParaRPr>
+          </a:p>
+          <a:p>
+            <a:r>
+              <a:rPr lang="en-US" sz="1400" dirty="0">
+                <a:solidFill>
+                  <a:srgbClr val="DCDCAA"/>
+                </a:solidFill>
+                <a:latin typeface="Fira Code" panose="020B0509050000020004" pitchFamily="49" charset="0"/>
+              </a:rPr>
+              <a:t>PING.EXE</a:t>
+            </a:r>
+            <a:r>
+              <a:rPr lang="en-US" sz="1400" dirty="0">
+                <a:solidFill>
+                  <a:srgbClr val="D4D4D4"/>
+                </a:solidFill>
+                <a:latin typeface="Fira Code" panose="020B0509050000020004" pitchFamily="49" charset="0"/>
+              </a:rPr>
+              <a:t> localhost -t</a:t>
+            </a:r>
+            <a:endParaRPr lang="en-US" sz="1400" b="0" dirty="0">
+              <a:solidFill>
+                <a:srgbClr val="D4D4D4"/>
+              </a:solidFill>
+              <a:effectLst/>
+              <a:latin typeface="Fira Code" panose="020B0509050000020004" pitchFamily="49" charset="0"/>
+            </a:endParaRPr>
           </a:p>
         </p:txBody>
       </p:sp>
@@ -12436,29 +14779,564 @@
           </a:fontRef>
         </p:style>
       </p:cxnSp>
-      <p:pic>
-        <p:nvPicPr>
-          <p:cNvPr id="10" name="Content Placeholder 9"/>
-          <p:cNvPicPr>
-            <a:picLocks noGrp="1" noChangeAspect="1"/>
-          </p:cNvPicPr>
-          <p:nvPr>
-            <p:ph sz="quarter" idx="18"/>
-          </p:nvPr>
-        </p:nvPicPr>
-        <p:blipFill>
-          <a:blip r:embed="rId3"/>
-          <a:stretch>
-            <a:fillRect/>
-          </a:stretch>
-        </p:blipFill>
+      <p:sp>
+        <p:nvSpPr>
+          <p:cNvPr id="12" name="TextBox 11"/>
+          <p:cNvSpPr txBox="1"/>
+          <p:nvPr/>
+        </p:nvSpPr>
         <p:spPr>
           <a:xfrm>
-            <a:off x="1527131" y="894831"/>
-            <a:ext cx="6042114" cy="3356731"/>
+            <a:off x="1308358" y="961711"/>
+            <a:ext cx="6479659" cy="3539430"/>
           </a:xfrm>
+          <a:prstGeom prst="rect">
+            <a:avLst/>
+          </a:prstGeom>
+          <a:solidFill>
+            <a:schemeClr val="bg2">
+              <a:lumMod val="50000"/>
+            </a:schemeClr>
+          </a:solidFill>
+          <a:ln w="76200">
+            <a:solidFill>
+              <a:schemeClr val="bg2">
+                <a:lumMod val="50000"/>
+              </a:schemeClr>
+            </a:solidFill>
+          </a:ln>
         </p:spPr>
-      </p:pic>
+        <p:txBody>
+          <a:bodyPr wrap="none" rtlCol="0">
+            <a:spAutoFit/>
+          </a:bodyPr>
+          <a:lstStyle/>
+          <a:p>
+            <a:r>
+              <a:rPr lang="en-US" sz="1600" dirty="0">
+                <a:solidFill>
+                  <a:srgbClr val="D4D4D4"/>
+                </a:solidFill>
+                <a:latin typeface="Fira Code" panose="020B0509050000020004" pitchFamily="49" charset="0"/>
+              </a:rPr>
+              <a:t>Describe Nodes {</a:t>
+            </a:r>
+          </a:p>
+          <a:p>
+            <a:r>
+              <a:rPr lang="en-US" sz="1600" dirty="0">
+                <a:solidFill>
+                  <a:srgbClr val="D4D4D4"/>
+                </a:solidFill>
+                <a:latin typeface="Fira Code" panose="020B0509050000020004" pitchFamily="49" charset="0"/>
+              </a:rPr>
+              <a:t>    </a:t>
+            </a:r>
+            <a:r>
+              <a:rPr lang="en-US" sz="1600" dirty="0">
+                <a:solidFill>
+                  <a:srgbClr val="569CD6"/>
+                </a:solidFill>
+                <a:latin typeface="Fira Code" panose="020B0509050000020004" pitchFamily="49" charset="0"/>
+              </a:rPr>
+              <a:t>$</a:t>
+            </a:r>
+            <a:r>
+              <a:rPr lang="en-US" sz="1600" dirty="0">
+                <a:solidFill>
+                  <a:srgbClr val="9CDCFE"/>
+                </a:solidFill>
+                <a:latin typeface="Fira Code" panose="020B0509050000020004" pitchFamily="49" charset="0"/>
+              </a:rPr>
+              <a:t>URI</a:t>
+            </a:r>
+            <a:r>
+              <a:rPr lang="en-US" sz="1600" dirty="0">
+                <a:solidFill>
+                  <a:srgbClr val="D4D4D4"/>
+                </a:solidFill>
+                <a:latin typeface="Fira Code" panose="020B0509050000020004" pitchFamily="49" charset="0"/>
+              </a:rPr>
+              <a:t> = </a:t>
+            </a:r>
+            <a:r>
+              <a:rPr lang="en-US" sz="1600" dirty="0">
+                <a:solidFill>
+                  <a:srgbClr val="CE9178"/>
+                </a:solidFill>
+                <a:latin typeface="Fira Code" panose="020B0509050000020004" pitchFamily="49" charset="0"/>
+              </a:rPr>
+              <a:t>"http://localhost:8001"</a:t>
+            </a:r>
+            <a:endParaRPr lang="en-US" sz="1600" dirty="0">
+              <a:solidFill>
+                <a:srgbClr val="D4D4D4"/>
+              </a:solidFill>
+              <a:latin typeface="Fira Code" panose="020B0509050000020004" pitchFamily="49" charset="0"/>
+            </a:endParaRPr>
+          </a:p>
+          <a:p>
+            <a:r>
+              <a:rPr lang="en-US" sz="1600" dirty="0">
+                <a:solidFill>
+                  <a:srgbClr val="D4D4D4"/>
+                </a:solidFill>
+                <a:latin typeface="Fira Code" panose="020B0509050000020004" pitchFamily="49" charset="0"/>
+              </a:rPr>
+              <a:t>    </a:t>
+            </a:r>
+            <a:r>
+              <a:rPr lang="en-US" sz="1600" dirty="0">
+                <a:solidFill>
+                  <a:srgbClr val="DCDCAA"/>
+                </a:solidFill>
+                <a:latin typeface="Fira Code" panose="020B0509050000020004" pitchFamily="49" charset="0"/>
+              </a:rPr>
+              <a:t>Start-Job</a:t>
+            </a:r>
+            <a:r>
+              <a:rPr lang="en-US" sz="1600" dirty="0">
+                <a:solidFill>
+                  <a:srgbClr val="D4D4D4"/>
+                </a:solidFill>
+                <a:latin typeface="Fira Code" panose="020B0509050000020004" pitchFamily="49" charset="0"/>
+              </a:rPr>
+              <a:t> -Name </a:t>
+            </a:r>
+            <a:r>
+              <a:rPr lang="en-US" sz="1600" dirty="0" err="1">
+                <a:solidFill>
+                  <a:srgbClr val="D4D4D4"/>
+                </a:solidFill>
+                <a:latin typeface="Fira Code" panose="020B0509050000020004" pitchFamily="49" charset="0"/>
+              </a:rPr>
+              <a:t>ApiMocks</a:t>
+            </a:r>
+            <a:r>
+              <a:rPr lang="en-US" sz="1600" dirty="0">
+                <a:solidFill>
+                  <a:srgbClr val="D4D4D4"/>
+                </a:solidFill>
+                <a:latin typeface="Fira Code" panose="020B0509050000020004" pitchFamily="49" charset="0"/>
+              </a:rPr>
+              <a:t> -</a:t>
+            </a:r>
+            <a:r>
+              <a:rPr lang="en-US" sz="1600" dirty="0" err="1">
+                <a:solidFill>
+                  <a:srgbClr val="D4D4D4"/>
+                </a:solidFill>
+                <a:latin typeface="Fira Code" panose="020B0509050000020004" pitchFamily="49" charset="0"/>
+              </a:rPr>
+              <a:t>FilePath</a:t>
+            </a:r>
+            <a:r>
+              <a:rPr lang="en-US" sz="1600" dirty="0">
+                <a:solidFill>
+                  <a:srgbClr val="D4D4D4"/>
+                </a:solidFill>
+                <a:latin typeface="Fira Code" panose="020B0509050000020004" pitchFamily="49" charset="0"/>
+              </a:rPr>
+              <a:t> .\</a:t>
+            </a:r>
+            <a:r>
+              <a:rPr lang="en-US" sz="1600" dirty="0">
+                <a:solidFill>
+                  <a:srgbClr val="DCDCAA"/>
+                </a:solidFill>
+                <a:latin typeface="Fira Code" panose="020B0509050000020004" pitchFamily="49" charset="0"/>
+              </a:rPr>
+              <a:t>Demo4a.ps1</a:t>
+            </a:r>
+            <a:endParaRPr lang="en-US" sz="1600" dirty="0">
+              <a:solidFill>
+                <a:srgbClr val="D4D4D4"/>
+              </a:solidFill>
+              <a:latin typeface="Fira Code" panose="020B0509050000020004" pitchFamily="49" charset="0"/>
+            </a:endParaRPr>
+          </a:p>
+          <a:p>
+            <a:br>
+              <a:rPr lang="en-US" sz="1600" dirty="0">
+                <a:solidFill>
+                  <a:srgbClr val="D4D4D4"/>
+                </a:solidFill>
+                <a:latin typeface="Fira Code" panose="020B0509050000020004" pitchFamily="49" charset="0"/>
+              </a:rPr>
+            </a:br>
+            <a:r>
+              <a:rPr lang="en-US" sz="1600" dirty="0">
+                <a:solidFill>
+                  <a:srgbClr val="D4D4D4"/>
+                </a:solidFill>
+                <a:latin typeface="Fira Code" panose="020B0509050000020004" pitchFamily="49" charset="0"/>
+              </a:rPr>
+              <a:t>    Context </a:t>
+            </a:r>
+            <a:r>
+              <a:rPr lang="en-US" sz="1600" dirty="0">
+                <a:solidFill>
+                  <a:srgbClr val="CE9178"/>
+                </a:solidFill>
+                <a:latin typeface="Fira Code" panose="020B0509050000020004" pitchFamily="49" charset="0"/>
+              </a:rPr>
+              <a:t>"Verify </a:t>
+            </a:r>
+            <a:r>
+              <a:rPr lang="en-US" sz="1600" dirty="0" err="1">
+                <a:solidFill>
+                  <a:srgbClr val="CE9178"/>
+                </a:solidFill>
+                <a:latin typeface="Fira Code" panose="020B0509050000020004" pitchFamily="49" charset="0"/>
+              </a:rPr>
+              <a:t>Flancy</a:t>
+            </a:r>
+            <a:r>
+              <a:rPr lang="en-US" sz="1600" dirty="0">
+                <a:solidFill>
+                  <a:srgbClr val="CE9178"/>
+                </a:solidFill>
+                <a:latin typeface="Fira Code" panose="020B0509050000020004" pitchFamily="49" charset="0"/>
+              </a:rPr>
+              <a:t> Server is running"</a:t>
+            </a:r>
+            <a:r>
+              <a:rPr lang="en-US" sz="1600" dirty="0">
+                <a:solidFill>
+                  <a:srgbClr val="D4D4D4"/>
+                </a:solidFill>
+                <a:latin typeface="Fira Code" panose="020B0509050000020004" pitchFamily="49" charset="0"/>
+              </a:rPr>
+              <a:t> {</a:t>
+            </a:r>
+          </a:p>
+          <a:p>
+            <a:r>
+              <a:rPr lang="en-US" sz="1600" dirty="0">
+                <a:solidFill>
+                  <a:srgbClr val="D4D4D4"/>
+                </a:solidFill>
+                <a:latin typeface="Fira Code" panose="020B0509050000020004" pitchFamily="49" charset="0"/>
+              </a:rPr>
+              <a:t>        It </a:t>
+            </a:r>
+            <a:r>
+              <a:rPr lang="en-US" sz="1600" dirty="0">
+                <a:solidFill>
+                  <a:srgbClr val="CE9178"/>
+                </a:solidFill>
+                <a:latin typeface="Fira Code" panose="020B0509050000020004" pitchFamily="49" charset="0"/>
+              </a:rPr>
+              <a:t>"Should respond"</a:t>
+            </a:r>
+            <a:r>
+              <a:rPr lang="en-US" sz="1600" dirty="0">
+                <a:solidFill>
+                  <a:srgbClr val="D4D4D4"/>
+                </a:solidFill>
+                <a:latin typeface="Fira Code" panose="020B0509050000020004" pitchFamily="49" charset="0"/>
+              </a:rPr>
+              <a:t> {</a:t>
+            </a:r>
+          </a:p>
+          <a:p>
+            <a:r>
+              <a:rPr lang="en-US" sz="1600" dirty="0">
+                <a:solidFill>
+                  <a:srgbClr val="D4D4D4"/>
+                </a:solidFill>
+                <a:latin typeface="Fira Code" panose="020B0509050000020004" pitchFamily="49" charset="0"/>
+              </a:rPr>
+              <a:t>            </a:t>
+            </a:r>
+            <a:r>
+              <a:rPr lang="en-US" sz="1600" dirty="0">
+                <a:solidFill>
+                  <a:srgbClr val="569CD6"/>
+                </a:solidFill>
+                <a:latin typeface="Fira Code" panose="020B0509050000020004" pitchFamily="49" charset="0"/>
+              </a:rPr>
+              <a:t>$</a:t>
+            </a:r>
+            <a:r>
+              <a:rPr lang="en-US" sz="1600" dirty="0">
+                <a:solidFill>
+                  <a:srgbClr val="9CDCFE"/>
+                </a:solidFill>
+                <a:latin typeface="Fira Code" panose="020B0509050000020004" pitchFamily="49" charset="0"/>
+              </a:rPr>
+              <a:t>results</a:t>
+            </a:r>
+            <a:r>
+              <a:rPr lang="en-US" sz="1600" dirty="0">
+                <a:solidFill>
+                  <a:srgbClr val="D4D4D4"/>
+                </a:solidFill>
+                <a:latin typeface="Fira Code" panose="020B0509050000020004" pitchFamily="49" charset="0"/>
+              </a:rPr>
+              <a:t> = </a:t>
+            </a:r>
+            <a:r>
+              <a:rPr lang="en-US" sz="1600" dirty="0">
+                <a:solidFill>
+                  <a:srgbClr val="DCDCAA"/>
+                </a:solidFill>
+                <a:latin typeface="Fira Code" panose="020B0509050000020004" pitchFamily="49" charset="0"/>
+              </a:rPr>
+              <a:t>Invoke-</a:t>
+            </a:r>
+            <a:r>
+              <a:rPr lang="en-US" sz="1600" dirty="0" err="1">
+                <a:solidFill>
+                  <a:srgbClr val="DCDCAA"/>
+                </a:solidFill>
+                <a:latin typeface="Fira Code" panose="020B0509050000020004" pitchFamily="49" charset="0"/>
+              </a:rPr>
+              <a:t>RestMethod</a:t>
+            </a:r>
+            <a:r>
+              <a:rPr lang="en-US" sz="1600" dirty="0">
+                <a:solidFill>
+                  <a:srgbClr val="D4D4D4"/>
+                </a:solidFill>
+                <a:latin typeface="Fira Code" panose="020B0509050000020004" pitchFamily="49" charset="0"/>
+              </a:rPr>
+              <a:t> </a:t>
+            </a:r>
+            <a:r>
+              <a:rPr lang="en-US" sz="1600" dirty="0">
+                <a:solidFill>
+                  <a:srgbClr val="569CD6"/>
+                </a:solidFill>
+                <a:latin typeface="Fira Code" panose="020B0509050000020004" pitchFamily="49" charset="0"/>
+              </a:rPr>
+              <a:t>$</a:t>
+            </a:r>
+            <a:r>
+              <a:rPr lang="en-US" sz="1600" dirty="0">
+                <a:solidFill>
+                  <a:srgbClr val="9CDCFE"/>
+                </a:solidFill>
+                <a:latin typeface="Fira Code" panose="020B0509050000020004" pitchFamily="49" charset="0"/>
+              </a:rPr>
+              <a:t>URI</a:t>
+            </a:r>
+            <a:endParaRPr lang="en-US" sz="1600" dirty="0">
+              <a:solidFill>
+                <a:srgbClr val="D4D4D4"/>
+              </a:solidFill>
+              <a:latin typeface="Fira Code" panose="020B0509050000020004" pitchFamily="49" charset="0"/>
+            </a:endParaRPr>
+          </a:p>
+          <a:p>
+            <a:r>
+              <a:rPr lang="en-US" sz="1600" dirty="0">
+                <a:solidFill>
+                  <a:srgbClr val="D4D4D4"/>
+                </a:solidFill>
+                <a:latin typeface="Fira Code" panose="020B0509050000020004" pitchFamily="49" charset="0"/>
+              </a:rPr>
+              <a:t>            </a:t>
+            </a:r>
+            <a:r>
+              <a:rPr lang="en-US" sz="1600" dirty="0">
+                <a:solidFill>
+                  <a:srgbClr val="569CD6"/>
+                </a:solidFill>
+                <a:latin typeface="Fira Code" panose="020B0509050000020004" pitchFamily="49" charset="0"/>
+              </a:rPr>
+              <a:t>$</a:t>
+            </a:r>
+            <a:r>
+              <a:rPr lang="en-US" sz="1600" dirty="0">
+                <a:solidFill>
+                  <a:srgbClr val="9CDCFE"/>
+                </a:solidFill>
+                <a:latin typeface="Fira Code" panose="020B0509050000020004" pitchFamily="49" charset="0"/>
+              </a:rPr>
+              <a:t>results</a:t>
+            </a:r>
+            <a:r>
+              <a:rPr lang="en-US" sz="1600" dirty="0">
+                <a:solidFill>
+                  <a:srgbClr val="D4D4D4"/>
+                </a:solidFill>
+                <a:latin typeface="Fira Code" panose="020B0509050000020004" pitchFamily="49" charset="0"/>
+              </a:rPr>
+              <a:t> | Should Be </a:t>
+            </a:r>
+            <a:r>
+              <a:rPr lang="en-US" sz="1600" dirty="0">
+                <a:solidFill>
+                  <a:srgbClr val="CE9178"/>
+                </a:solidFill>
+                <a:latin typeface="Fira Code" panose="020B0509050000020004" pitchFamily="49" charset="0"/>
+              </a:rPr>
+              <a:t>"</a:t>
+            </a:r>
+            <a:r>
+              <a:rPr lang="en-US" sz="1600" dirty="0" err="1">
+                <a:solidFill>
+                  <a:srgbClr val="CE9178"/>
+                </a:solidFill>
+                <a:latin typeface="Fira Code" panose="020B0509050000020004" pitchFamily="49" charset="0"/>
+              </a:rPr>
+              <a:t>Api</a:t>
+            </a:r>
+            <a:r>
+              <a:rPr lang="en-US" sz="1600" dirty="0">
+                <a:solidFill>
+                  <a:srgbClr val="CE9178"/>
+                </a:solidFill>
+                <a:latin typeface="Fira Code" panose="020B0509050000020004" pitchFamily="49" charset="0"/>
+              </a:rPr>
+              <a:t> Mocks"</a:t>
+            </a:r>
+            <a:endParaRPr lang="en-US" sz="1600" dirty="0">
+              <a:solidFill>
+                <a:srgbClr val="D4D4D4"/>
+              </a:solidFill>
+              <a:latin typeface="Fira Code" panose="020B0509050000020004" pitchFamily="49" charset="0"/>
+            </a:endParaRPr>
+          </a:p>
+          <a:p>
+            <a:r>
+              <a:rPr lang="en-US" sz="1600" dirty="0">
+                <a:solidFill>
+                  <a:srgbClr val="D4D4D4"/>
+                </a:solidFill>
+                <a:latin typeface="Fira Code" panose="020B0509050000020004" pitchFamily="49" charset="0"/>
+              </a:rPr>
+              <a:t>        }</a:t>
+            </a:r>
+          </a:p>
+          <a:p>
+            <a:r>
+              <a:rPr lang="en-US" sz="1600" dirty="0">
+                <a:solidFill>
+                  <a:srgbClr val="D4D4D4"/>
+                </a:solidFill>
+                <a:latin typeface="Fira Code" panose="020B0509050000020004" pitchFamily="49" charset="0"/>
+              </a:rPr>
+              <a:t>    }</a:t>
+            </a:r>
+          </a:p>
+          <a:p>
+            <a:br>
+              <a:rPr lang="en-US" sz="1600" dirty="0">
+                <a:solidFill>
+                  <a:srgbClr val="D4D4D4"/>
+                </a:solidFill>
+                <a:latin typeface="Fira Code" panose="020B0509050000020004" pitchFamily="49" charset="0"/>
+              </a:rPr>
+            </a:br>
+            <a:r>
+              <a:rPr lang="en-US" sz="1600" dirty="0">
+                <a:solidFill>
+                  <a:srgbClr val="D4D4D4"/>
+                </a:solidFill>
+                <a:latin typeface="Fira Code" panose="020B0509050000020004" pitchFamily="49" charset="0"/>
+              </a:rPr>
+              <a:t>    </a:t>
+            </a:r>
+            <a:r>
+              <a:rPr lang="en-US" sz="1600" dirty="0">
+                <a:solidFill>
+                  <a:srgbClr val="DCDCAA"/>
+                </a:solidFill>
+                <a:latin typeface="Fira Code" panose="020B0509050000020004" pitchFamily="49" charset="0"/>
+              </a:rPr>
+              <a:t>Stop-Job</a:t>
+            </a:r>
+            <a:r>
+              <a:rPr lang="en-US" sz="1600" dirty="0">
+                <a:solidFill>
+                  <a:srgbClr val="D4D4D4"/>
+                </a:solidFill>
+                <a:latin typeface="Fira Code" panose="020B0509050000020004" pitchFamily="49" charset="0"/>
+              </a:rPr>
+              <a:t> -Name </a:t>
+            </a:r>
+            <a:r>
+              <a:rPr lang="en-US" sz="1600" dirty="0" err="1">
+                <a:solidFill>
+                  <a:srgbClr val="D4D4D4"/>
+                </a:solidFill>
+                <a:latin typeface="Fira Code" panose="020B0509050000020004" pitchFamily="49" charset="0"/>
+              </a:rPr>
+              <a:t>ApiMocks</a:t>
+            </a:r>
+            <a:endParaRPr lang="en-US" sz="1600" dirty="0">
+              <a:solidFill>
+                <a:srgbClr val="D4D4D4"/>
+              </a:solidFill>
+              <a:latin typeface="Fira Code" panose="020B0509050000020004" pitchFamily="49" charset="0"/>
+            </a:endParaRPr>
+          </a:p>
+          <a:p>
+            <a:r>
+              <a:rPr lang="en-US" sz="1600" dirty="0">
+                <a:solidFill>
+                  <a:srgbClr val="D4D4D4"/>
+                </a:solidFill>
+                <a:latin typeface="Fira Code" panose="020B0509050000020004" pitchFamily="49" charset="0"/>
+              </a:rPr>
+              <a:t>    </a:t>
+            </a:r>
+            <a:r>
+              <a:rPr lang="en-US" sz="1600" dirty="0">
+                <a:solidFill>
+                  <a:srgbClr val="DCDCAA"/>
+                </a:solidFill>
+                <a:latin typeface="Fira Code" panose="020B0509050000020004" pitchFamily="49" charset="0"/>
+              </a:rPr>
+              <a:t>Remove-Job</a:t>
+            </a:r>
+            <a:r>
+              <a:rPr lang="en-US" sz="1600" dirty="0">
+                <a:solidFill>
+                  <a:srgbClr val="D4D4D4"/>
+                </a:solidFill>
+                <a:latin typeface="Fira Code" panose="020B0509050000020004" pitchFamily="49" charset="0"/>
+              </a:rPr>
+              <a:t> -Name </a:t>
+            </a:r>
+            <a:r>
+              <a:rPr lang="en-US" sz="1600" dirty="0" err="1">
+                <a:solidFill>
+                  <a:srgbClr val="D4D4D4"/>
+                </a:solidFill>
+                <a:latin typeface="Fira Code" panose="020B0509050000020004" pitchFamily="49" charset="0"/>
+              </a:rPr>
+              <a:t>ApiMocks</a:t>
+            </a:r>
+            <a:endParaRPr lang="en-US" sz="1600" dirty="0">
+              <a:solidFill>
+                <a:srgbClr val="D4D4D4"/>
+              </a:solidFill>
+              <a:latin typeface="Fira Code" panose="020B0509050000020004" pitchFamily="49" charset="0"/>
+            </a:endParaRPr>
+          </a:p>
+          <a:p>
+            <a:r>
+              <a:rPr lang="en-US" sz="1600" dirty="0">
+                <a:solidFill>
+                  <a:srgbClr val="D4D4D4"/>
+                </a:solidFill>
+                <a:latin typeface="Fira Code" panose="020B0509050000020004" pitchFamily="49" charset="0"/>
+              </a:rPr>
+              <a:t>}</a:t>
+            </a:r>
+            <a:endParaRPr lang="en-US" sz="1600" b="0" dirty="0">
+              <a:solidFill>
+                <a:srgbClr val="D4D4D4"/>
+              </a:solidFill>
+              <a:effectLst/>
+              <a:latin typeface="Fira Code" panose="020B0509050000020004" pitchFamily="49" charset="0"/>
+            </a:endParaRPr>
+          </a:p>
+        </p:txBody>
+      </p:sp>
     </p:spTree>
     <p:extLst>
       <p:ext uri="{BB962C8B-B14F-4D97-AF65-F5344CB8AC3E}">
@@ -12568,29 +15446,6 @@
           </a:fontRef>
         </p:style>
       </p:cxnSp>
-      <p:pic>
-        <p:nvPicPr>
-          <p:cNvPr id="7" name="Content Placeholder 6"/>
-          <p:cNvPicPr>
-            <a:picLocks noGrp="1" noChangeAspect="1"/>
-          </p:cNvPicPr>
-          <p:nvPr>
-            <p:ph sz="quarter" idx="18"/>
-          </p:nvPr>
-        </p:nvPicPr>
-        <p:blipFill>
-          <a:blip r:embed="rId3"/>
-          <a:stretch>
-            <a:fillRect/>
-          </a:stretch>
-        </p:blipFill>
-        <p:spPr>
-          <a:xfrm>
-            <a:off x="336594" y="1169941"/>
-            <a:ext cx="8423187" cy="906570"/>
-          </a:xfrm>
-        </p:spPr>
-      </p:pic>
       <p:sp>
         <p:nvSpPr>
           <p:cNvPr id="8" name="TextBox 7"/>
@@ -12631,30 +15486,6 @@
       </p:sp>
       <p:pic>
         <p:nvPicPr>
-          <p:cNvPr id="11" name="Picture 10"/>
-          <p:cNvPicPr>
-            <a:picLocks noChangeAspect="1"/>
-          </p:cNvPicPr>
-          <p:nvPr/>
-        </p:nvPicPr>
-        <p:blipFill>
-          <a:blip r:embed="rId4"/>
-          <a:stretch>
-            <a:fillRect/>
-          </a:stretch>
-        </p:blipFill>
-        <p:spPr>
-          <a:xfrm>
-            <a:off x="336594" y="2569494"/>
-            <a:ext cx="8423187" cy="825412"/>
-          </a:xfrm>
-          <a:prstGeom prst="rect">
-            <a:avLst/>
-          </a:prstGeom>
-        </p:spPr>
-      </p:pic>
-      <p:pic>
-        <p:nvPicPr>
           <p:cNvPr id="13" name="Picture 12"/>
           <p:cNvPicPr>
             <a:picLocks noChangeAspect="1"/>
@@ -12662,7 +15493,7 @@
           <p:nvPr/>
         </p:nvPicPr>
         <p:blipFill>
-          <a:blip r:embed="rId5"/>
+          <a:blip r:embed="rId3"/>
           <a:stretch>
             <a:fillRect/>
           </a:stretch>
@@ -12675,6 +15506,13 @@
           <a:prstGeom prst="rect">
             <a:avLst/>
           </a:prstGeom>
+          <a:ln w="76200">
+            <a:solidFill>
+              <a:schemeClr val="bg2">
+                <a:lumMod val="50000"/>
+              </a:schemeClr>
+            </a:solidFill>
+          </a:ln>
         </p:spPr>
       </p:pic>
       <p:sp>
@@ -12717,6 +15555,495 @@
               </a:rPr>
               <a:t>PS &gt;$ps.Kill()</a:t>
             </a:r>
+          </a:p>
+        </p:txBody>
+      </p:sp>
+      <p:sp>
+        <p:nvSpPr>
+          <p:cNvPr id="15" name="TextBox 14"/>
+          <p:cNvSpPr txBox="1"/>
+          <p:nvPr/>
+        </p:nvSpPr>
+        <p:spPr>
+          <a:xfrm>
+            <a:off x="225529" y="2349449"/>
+            <a:ext cx="8645315" cy="830997"/>
+          </a:xfrm>
+          <a:prstGeom prst="rect">
+            <a:avLst/>
+          </a:prstGeom>
+          <a:solidFill>
+            <a:schemeClr val="bg2">
+              <a:lumMod val="50000"/>
+            </a:schemeClr>
+          </a:solidFill>
+          <a:ln w="76200">
+            <a:solidFill>
+              <a:schemeClr val="bg2">
+                <a:lumMod val="50000"/>
+              </a:schemeClr>
+            </a:solidFill>
+          </a:ln>
+        </p:spPr>
+        <p:txBody>
+          <a:bodyPr wrap="none" rtlCol="0">
+            <a:spAutoFit/>
+          </a:bodyPr>
+          <a:lstStyle/>
+          <a:p>
+            <a:r>
+              <a:rPr lang="en-US" sz="1200" dirty="0">
+                <a:solidFill>
+                  <a:srgbClr val="569CD6"/>
+                </a:solidFill>
+                <a:latin typeface="Fira Code" panose="020B0509050000020004" pitchFamily="49" charset="0"/>
+              </a:rPr>
+              <a:t>$</a:t>
+            </a:r>
+            <a:r>
+              <a:rPr lang="en-US" sz="1200" dirty="0">
+                <a:solidFill>
+                  <a:srgbClr val="9CDCFE"/>
+                </a:solidFill>
+                <a:latin typeface="Fira Code" panose="020B0509050000020004" pitchFamily="49" charset="0"/>
+              </a:rPr>
+              <a:t>ps</a:t>
+            </a:r>
+            <a:r>
+              <a:rPr lang="en-US" sz="1200" dirty="0">
+                <a:solidFill>
+                  <a:srgbClr val="D4D4D4"/>
+                </a:solidFill>
+                <a:latin typeface="Fira Code" panose="020B0509050000020004" pitchFamily="49" charset="0"/>
+              </a:rPr>
+              <a:t> = </a:t>
+            </a:r>
+            <a:r>
+              <a:rPr lang="en-US" sz="1200" dirty="0">
+                <a:solidFill>
+                  <a:srgbClr val="DCDCAA"/>
+                </a:solidFill>
+                <a:latin typeface="Fira Code" panose="020B0509050000020004" pitchFamily="49" charset="0"/>
+              </a:rPr>
+              <a:t>New-Object</a:t>
+            </a:r>
+            <a:r>
+              <a:rPr lang="en-US" sz="1200" dirty="0">
+                <a:solidFill>
+                  <a:srgbClr val="D4D4D4"/>
+                </a:solidFill>
+                <a:latin typeface="Fira Code" panose="020B0509050000020004" pitchFamily="49" charset="0"/>
+              </a:rPr>
+              <a:t> -TypeName Diagnostics.</a:t>
+            </a:r>
+            <a:r>
+              <a:rPr lang="en-US" sz="1200" dirty="0">
+                <a:solidFill>
+                  <a:srgbClr val="C586C0"/>
+                </a:solidFill>
+                <a:latin typeface="Fira Code" panose="020B0509050000020004" pitchFamily="49" charset="0"/>
+              </a:rPr>
+              <a:t>Process</a:t>
+            </a:r>
+            <a:r>
+              <a:rPr lang="en-US" sz="1200" dirty="0">
+                <a:solidFill>
+                  <a:srgbClr val="D4D4D4"/>
+                </a:solidFill>
+                <a:latin typeface="Fira Code" panose="020B0509050000020004" pitchFamily="49" charset="0"/>
+              </a:rPr>
+              <a:t> |</a:t>
+            </a:r>
+          </a:p>
+          <a:p>
+            <a:r>
+              <a:rPr lang="en-US" sz="1200" dirty="0">
+                <a:solidFill>
+                  <a:srgbClr val="D4D4D4"/>
+                </a:solidFill>
+                <a:latin typeface="Fira Code" panose="020B0509050000020004" pitchFamily="49" charset="0"/>
+              </a:rPr>
+              <a:t>    </a:t>
+            </a:r>
+            <a:r>
+              <a:rPr lang="en-US" sz="1200" dirty="0">
+                <a:solidFill>
+                  <a:srgbClr val="DCDCAA"/>
+                </a:solidFill>
+                <a:latin typeface="Fira Code" panose="020B0509050000020004" pitchFamily="49" charset="0"/>
+              </a:rPr>
+              <a:t>Add-Member</a:t>
+            </a:r>
+            <a:r>
+              <a:rPr lang="en-US" sz="1200" dirty="0">
+                <a:solidFill>
+                  <a:srgbClr val="D4D4D4"/>
+                </a:solidFill>
+                <a:latin typeface="Fira Code" panose="020B0509050000020004" pitchFamily="49" charset="0"/>
+              </a:rPr>
+              <a:t> </a:t>
+            </a:r>
+            <a:r>
+              <a:rPr lang="en-US" sz="1200" dirty="0" err="1">
+                <a:solidFill>
+                  <a:srgbClr val="D4D4D4"/>
+                </a:solidFill>
+                <a:latin typeface="Fira Code" panose="020B0509050000020004" pitchFamily="49" charset="0"/>
+              </a:rPr>
+              <a:t>ScriptProperty</a:t>
+            </a:r>
+            <a:r>
+              <a:rPr lang="en-US" sz="1200" dirty="0">
+                <a:solidFill>
+                  <a:srgbClr val="D4D4D4"/>
+                </a:solidFill>
+                <a:latin typeface="Fira Code" panose="020B0509050000020004" pitchFamily="49" charset="0"/>
+              </a:rPr>
+              <a:t> -Name </a:t>
+            </a:r>
+            <a:r>
+              <a:rPr lang="en-US" sz="1200" dirty="0" err="1">
+                <a:solidFill>
+                  <a:srgbClr val="D4D4D4"/>
+                </a:solidFill>
+                <a:latin typeface="Fira Code" panose="020B0509050000020004" pitchFamily="49" charset="0"/>
+              </a:rPr>
+              <a:t>ProcessName</a:t>
+            </a:r>
+            <a:r>
+              <a:rPr lang="en-US" sz="1200" dirty="0">
+                <a:solidFill>
+                  <a:srgbClr val="D4D4D4"/>
+                </a:solidFill>
+                <a:latin typeface="Fira Code" panose="020B0509050000020004" pitchFamily="49" charset="0"/>
+              </a:rPr>
+              <a:t> -Value {</a:t>
+            </a:r>
+            <a:r>
+              <a:rPr lang="en-US" sz="1200" dirty="0">
+                <a:solidFill>
+                  <a:srgbClr val="CE9178"/>
+                </a:solidFill>
+                <a:latin typeface="Fira Code" panose="020B0509050000020004" pitchFamily="49" charset="0"/>
+              </a:rPr>
+              <a:t>"IMadeItUp.exe"</a:t>
+            </a:r>
+            <a:r>
+              <a:rPr lang="en-US" sz="1200" dirty="0">
+                <a:solidFill>
+                  <a:srgbClr val="D4D4D4"/>
+                </a:solidFill>
+                <a:latin typeface="Fira Code" panose="020B0509050000020004" pitchFamily="49" charset="0"/>
+              </a:rPr>
+              <a:t>} -Force -</a:t>
+            </a:r>
+            <a:r>
+              <a:rPr lang="en-US" sz="1200" dirty="0" err="1">
+                <a:solidFill>
+                  <a:srgbClr val="D4D4D4"/>
+                </a:solidFill>
+                <a:latin typeface="Fira Code" panose="020B0509050000020004" pitchFamily="49" charset="0"/>
+              </a:rPr>
+              <a:t>PassThru</a:t>
+            </a:r>
+            <a:r>
+              <a:rPr lang="en-US" sz="1200" dirty="0">
+                <a:solidFill>
+                  <a:srgbClr val="D4D4D4"/>
+                </a:solidFill>
+                <a:latin typeface="Fira Code" panose="020B0509050000020004" pitchFamily="49" charset="0"/>
+              </a:rPr>
+              <a:t> |</a:t>
+            </a:r>
+          </a:p>
+          <a:p>
+            <a:r>
+              <a:rPr lang="en-US" sz="1200" dirty="0">
+                <a:solidFill>
+                  <a:srgbClr val="D4D4D4"/>
+                </a:solidFill>
+                <a:latin typeface="Fira Code" panose="020B0509050000020004" pitchFamily="49" charset="0"/>
+              </a:rPr>
+              <a:t>    </a:t>
+            </a:r>
+            <a:r>
+              <a:rPr lang="en-US" sz="1200" dirty="0">
+                <a:solidFill>
+                  <a:srgbClr val="DCDCAA"/>
+                </a:solidFill>
+                <a:latin typeface="Fira Code" panose="020B0509050000020004" pitchFamily="49" charset="0"/>
+              </a:rPr>
+              <a:t>Add-Member</a:t>
+            </a:r>
+            <a:r>
+              <a:rPr lang="en-US" sz="1200" dirty="0">
+                <a:solidFill>
+                  <a:srgbClr val="D4D4D4"/>
+                </a:solidFill>
+                <a:latin typeface="Fira Code" panose="020B0509050000020004" pitchFamily="49" charset="0"/>
+              </a:rPr>
+              <a:t> </a:t>
+            </a:r>
+            <a:r>
+              <a:rPr lang="en-US" sz="1200" dirty="0" err="1">
+                <a:solidFill>
+                  <a:srgbClr val="D4D4D4"/>
+                </a:solidFill>
+                <a:latin typeface="Fira Code" panose="020B0509050000020004" pitchFamily="49" charset="0"/>
+              </a:rPr>
+              <a:t>ScriptProperty</a:t>
+            </a:r>
+            <a:r>
+              <a:rPr lang="en-US" sz="1200" dirty="0">
+                <a:solidFill>
+                  <a:srgbClr val="D4D4D4"/>
+                </a:solidFill>
+                <a:latin typeface="Fira Code" panose="020B0509050000020004" pitchFamily="49" charset="0"/>
+              </a:rPr>
+              <a:t> -Name ID -Value {</a:t>
+            </a:r>
+            <a:r>
+              <a:rPr lang="en-US" sz="1200" dirty="0">
+                <a:solidFill>
+                  <a:srgbClr val="B5CEA8"/>
+                </a:solidFill>
+                <a:latin typeface="Fira Code" panose="020B0509050000020004" pitchFamily="49" charset="0"/>
+              </a:rPr>
+              <a:t>321</a:t>
+            </a:r>
+            <a:r>
+              <a:rPr lang="en-US" sz="1200" dirty="0">
+                <a:solidFill>
+                  <a:srgbClr val="D4D4D4"/>
+                </a:solidFill>
+                <a:latin typeface="Fira Code" panose="020B0509050000020004" pitchFamily="49" charset="0"/>
+              </a:rPr>
+              <a:t>} -Force -</a:t>
+            </a:r>
+            <a:r>
+              <a:rPr lang="en-US" sz="1200" dirty="0" err="1">
+                <a:solidFill>
+                  <a:srgbClr val="D4D4D4"/>
+                </a:solidFill>
+                <a:latin typeface="Fira Code" panose="020B0509050000020004" pitchFamily="49" charset="0"/>
+              </a:rPr>
+              <a:t>PassThru</a:t>
+            </a:r>
+            <a:r>
+              <a:rPr lang="en-US" sz="1200" dirty="0">
+                <a:solidFill>
+                  <a:srgbClr val="D4D4D4"/>
+                </a:solidFill>
+                <a:latin typeface="Fira Code" panose="020B0509050000020004" pitchFamily="49" charset="0"/>
+              </a:rPr>
+              <a:t> |</a:t>
+            </a:r>
+          </a:p>
+          <a:p>
+            <a:r>
+              <a:rPr lang="en-US" sz="1200" dirty="0">
+                <a:solidFill>
+                  <a:srgbClr val="D4D4D4"/>
+                </a:solidFill>
+                <a:latin typeface="Fira Code" panose="020B0509050000020004" pitchFamily="49" charset="0"/>
+              </a:rPr>
+              <a:t>    </a:t>
+            </a:r>
+            <a:r>
+              <a:rPr lang="en-US" sz="1200" dirty="0">
+                <a:solidFill>
+                  <a:srgbClr val="DCDCAA"/>
+                </a:solidFill>
+                <a:latin typeface="Fira Code" panose="020B0509050000020004" pitchFamily="49" charset="0"/>
+              </a:rPr>
+              <a:t>Add-Member</a:t>
+            </a:r>
+            <a:r>
+              <a:rPr lang="en-US" sz="1200" dirty="0">
+                <a:solidFill>
+                  <a:srgbClr val="D4D4D4"/>
+                </a:solidFill>
+                <a:latin typeface="Fira Code" panose="020B0509050000020004" pitchFamily="49" charset="0"/>
+              </a:rPr>
+              <a:t> </a:t>
+            </a:r>
+            <a:r>
+              <a:rPr lang="en-US" sz="1200" dirty="0" err="1">
+                <a:solidFill>
+                  <a:srgbClr val="D4D4D4"/>
+                </a:solidFill>
+                <a:latin typeface="Fira Code" panose="020B0509050000020004" pitchFamily="49" charset="0"/>
+              </a:rPr>
+              <a:t>ScriptMethod</a:t>
+            </a:r>
+            <a:r>
+              <a:rPr lang="en-US" sz="1200" dirty="0">
+                <a:solidFill>
+                  <a:srgbClr val="D4D4D4"/>
+                </a:solidFill>
+                <a:latin typeface="Fira Code" panose="020B0509050000020004" pitchFamily="49" charset="0"/>
+              </a:rPr>
+              <a:t> -Name Kill -Value {</a:t>
+            </a:r>
+            <a:r>
+              <a:rPr lang="en-US" sz="1200" dirty="0">
+                <a:solidFill>
+                  <a:srgbClr val="CE9178"/>
+                </a:solidFill>
+                <a:latin typeface="Fira Code" panose="020B0509050000020004" pitchFamily="49" charset="0"/>
+              </a:rPr>
+              <a:t>"Killed </a:t>
+            </a:r>
+            <a:r>
+              <a:rPr lang="en-US" sz="1200" dirty="0">
+                <a:solidFill>
+                  <a:srgbClr val="569CD6"/>
+                </a:solidFill>
+                <a:latin typeface="Fira Code" panose="020B0509050000020004" pitchFamily="49" charset="0"/>
+              </a:rPr>
+              <a:t>$($</a:t>
+            </a:r>
+            <a:r>
+              <a:rPr lang="en-US" sz="1200" dirty="0">
+                <a:solidFill>
+                  <a:srgbClr val="CE9178"/>
+                </a:solidFill>
+                <a:latin typeface="Fira Code" panose="020B0509050000020004" pitchFamily="49" charset="0"/>
+              </a:rPr>
+              <a:t>this</a:t>
+            </a:r>
+            <a:r>
+              <a:rPr lang="en-US" sz="1200" dirty="0">
+                <a:solidFill>
+                  <a:srgbClr val="DCDCAA"/>
+                </a:solidFill>
+                <a:latin typeface="Fira Code" panose="020B0509050000020004" pitchFamily="49" charset="0"/>
+              </a:rPr>
+              <a:t>.id</a:t>
+            </a:r>
+            <a:r>
+              <a:rPr lang="en-US" sz="1200" dirty="0">
+                <a:solidFill>
+                  <a:srgbClr val="569CD6"/>
+                </a:solidFill>
+                <a:latin typeface="Fira Code" panose="020B0509050000020004" pitchFamily="49" charset="0"/>
+              </a:rPr>
+              <a:t>)</a:t>
+            </a:r>
+            <a:r>
+              <a:rPr lang="en-US" sz="1200" dirty="0">
+                <a:solidFill>
+                  <a:srgbClr val="CE9178"/>
+                </a:solidFill>
+                <a:latin typeface="Fira Code" panose="020B0509050000020004" pitchFamily="49" charset="0"/>
+              </a:rPr>
+              <a:t>"</a:t>
+            </a:r>
+            <a:r>
+              <a:rPr lang="en-US" sz="1200" dirty="0">
+                <a:solidFill>
+                  <a:srgbClr val="D4D4D4"/>
+                </a:solidFill>
+                <a:latin typeface="Fira Code" panose="020B0509050000020004" pitchFamily="49" charset="0"/>
+              </a:rPr>
+              <a:t>} -Force -</a:t>
+            </a:r>
+            <a:r>
+              <a:rPr lang="en-US" sz="1200" dirty="0" err="1">
+                <a:solidFill>
+                  <a:srgbClr val="D4D4D4"/>
+                </a:solidFill>
+                <a:latin typeface="Fira Code" panose="020B0509050000020004" pitchFamily="49" charset="0"/>
+              </a:rPr>
+              <a:t>PassThru</a:t>
+            </a:r>
+            <a:endParaRPr lang="en-US" sz="1200" dirty="0">
+              <a:solidFill>
+                <a:srgbClr val="D4D4D4"/>
+              </a:solidFill>
+              <a:latin typeface="Fira Code" panose="020B0509050000020004" pitchFamily="49" charset="0"/>
+            </a:endParaRPr>
+          </a:p>
+        </p:txBody>
+      </p:sp>
+      <p:sp>
+        <p:nvSpPr>
+          <p:cNvPr id="17" name="Content Placeholder 16"/>
+          <p:cNvSpPr>
+            <a:spLocks noGrp="1"/>
+          </p:cNvSpPr>
+          <p:nvPr>
+            <p:ph sz="quarter" idx="18"/>
+          </p:nvPr>
+        </p:nvSpPr>
+        <p:spPr>
+          <a:xfrm>
+            <a:off x="273052" y="1130561"/>
+            <a:ext cx="8597792" cy="630002"/>
+          </a:xfrm>
+          <a:solidFill>
+            <a:schemeClr val="bg2">
+              <a:lumMod val="50000"/>
+            </a:schemeClr>
+          </a:solidFill>
+          <a:ln w="76200">
+            <a:solidFill>
+              <a:schemeClr val="bg2">
+                <a:lumMod val="50000"/>
+              </a:schemeClr>
+            </a:solidFill>
+          </a:ln>
+        </p:spPr>
+        <p:txBody>
+          <a:bodyPr>
+            <a:normAutofit/>
+          </a:bodyPr>
+          <a:lstStyle/>
+          <a:p>
+            <a:pPr>
+              <a:lnSpc>
+                <a:spcPct val="100000"/>
+              </a:lnSpc>
+              <a:spcBef>
+                <a:spcPts val="0"/>
+              </a:spcBef>
+            </a:pPr>
+            <a:r>
+              <a:rPr lang="en-US" sz="1200" dirty="0">
+                <a:solidFill>
+                  <a:srgbClr val="FF0000"/>
+                </a:solidFill>
+                <a:latin typeface="Fira Code" panose="020B0509050000020004" pitchFamily="49" charset="0"/>
+                <a:ea typeface="Fira Code" panose="020B0509050000020004" pitchFamily="49" charset="0"/>
+              </a:rPr>
+              <a:t>New-Object : The value supplied is not valid, or the property is read-only. Change the value, and then try again.</a:t>
+            </a:r>
+            <a:br>
+              <a:rPr lang="en-US" sz="1200" dirty="0">
+                <a:solidFill>
+                  <a:srgbClr val="FF0000"/>
+                </a:solidFill>
+                <a:latin typeface="Fira Code" panose="020B0509050000020004" pitchFamily="49" charset="0"/>
+                <a:ea typeface="Fira Code" panose="020B0509050000020004" pitchFamily="49" charset="0"/>
+              </a:rPr>
+            </a:br>
+            <a:r>
+              <a:rPr lang="en-US" sz="1200" dirty="0">
+                <a:solidFill>
+                  <a:srgbClr val="FF0000"/>
+                </a:solidFill>
+                <a:latin typeface="Fira Code" panose="020B0509050000020004" pitchFamily="49" charset="0"/>
+                <a:ea typeface="Fira Code" panose="020B0509050000020004" pitchFamily="49" charset="0"/>
+              </a:rPr>
+              <a:t>At line:1 char:7+ $ps = New-Object -TypeName Diagnostics.Process -Property @{Name = "IM ...</a:t>
+            </a:r>
+            <a:endParaRPr lang="en-US" sz="1200" dirty="0">
+              <a:solidFill>
+                <a:srgbClr val="FF0000"/>
+              </a:solidFill>
+              <a:latin typeface="Fira Code" panose="020B0509050000020004" pitchFamily="49" charset="0"/>
+              <a:ea typeface="Fira Code" panose="020B0509050000020004" pitchFamily="49" charset="0"/>
+            </a:endParaRPr>
           </a:p>
         </p:txBody>
       </p:sp>
@@ -14871,7 +18198,7 @@
                   <a:schemeClr val="tx1"/>
                 </a:solidFill>
               </a:rPr>
-              <a:t>Despite setting a lap, record all three GT40s failed to finish and Ferrari won</a:t>
+              <a:t>Despite setting a lap, record all three GT40s failed to finish and a Ferrari won</a:t>
             </a:r>
           </a:p>
         </p:txBody>
@@ -16254,7 +19581,7 @@
             </a:r>
             <a:r>
               <a:rPr lang="en-US" i="1" dirty="0"/>
-              <a:t>: Testing Patterns</a:t>
+              <a:t> Test Patterns</a:t>
             </a:r>
           </a:p>
           <a:p>
@@ -16376,29 +19703,1539 @@
           </a:fontRef>
         </p:style>
       </p:cxnSp>
-      <p:pic>
-        <p:nvPicPr>
-          <p:cNvPr id="16" name="Content Placeholder 15"/>
-          <p:cNvPicPr>
-            <a:picLocks noGrp="1" noChangeAspect="1"/>
-          </p:cNvPicPr>
-          <p:nvPr>
-            <p:ph sz="quarter" idx="18"/>
-          </p:nvPr>
-        </p:nvPicPr>
-        <p:blipFill>
-          <a:blip r:embed="rId3"/>
-          <a:stretch>
-            <a:fillRect/>
-          </a:stretch>
-        </p:blipFill>
+      <p:sp>
+        <p:nvSpPr>
+          <p:cNvPr id="7" name="TextBox 6"/>
+          <p:cNvSpPr txBox="1"/>
+          <p:nvPr/>
+        </p:nvSpPr>
         <p:spPr>
           <a:xfrm>
-            <a:off x="1138233" y="805289"/>
-            <a:ext cx="6819910" cy="3928701"/>
+            <a:off x="225530" y="837006"/>
+            <a:ext cx="8645315" cy="4154984"/>
           </a:xfrm>
+          <a:prstGeom prst="rect">
+            <a:avLst/>
+          </a:prstGeom>
+          <a:solidFill>
+            <a:schemeClr val="bg2">
+              <a:lumMod val="50000"/>
+            </a:schemeClr>
+          </a:solidFill>
+          <a:ln w="76200">
+            <a:solidFill>
+              <a:schemeClr val="bg2">
+                <a:lumMod val="50000"/>
+              </a:schemeClr>
+            </a:solidFill>
+          </a:ln>
         </p:spPr>
-      </p:pic>
+        <p:txBody>
+          <a:bodyPr wrap="none" rtlCol="0">
+            <a:spAutoFit/>
+          </a:bodyPr>
+          <a:lstStyle/>
+          <a:p>
+            <a:r>
+              <a:rPr lang="en-US" sz="1200" dirty="0">
+                <a:solidFill>
+                  <a:srgbClr val="569CD6"/>
+                </a:solidFill>
+                <a:latin typeface="Fira Code" panose="020B0509050000020004" pitchFamily="49" charset="0"/>
+              </a:rPr>
+              <a:t>function</a:t>
+            </a:r>
+            <a:r>
+              <a:rPr lang="en-US" sz="1200" dirty="0">
+                <a:solidFill>
+                  <a:srgbClr val="D4D4D4"/>
+                </a:solidFill>
+                <a:latin typeface="Fira Code" panose="020B0509050000020004" pitchFamily="49" charset="0"/>
+              </a:rPr>
+              <a:t> </a:t>
+            </a:r>
+            <a:r>
+              <a:rPr lang="en-US" sz="1200" dirty="0" err="1">
+                <a:solidFill>
+                  <a:srgbClr val="DCDCAA"/>
+                </a:solidFill>
+                <a:latin typeface="Fira Code" panose="020B0509050000020004" pitchFamily="49" charset="0"/>
+              </a:rPr>
+              <a:t>MockMe</a:t>
+            </a:r>
+            <a:r>
+              <a:rPr lang="en-US" sz="1200" dirty="0">
+                <a:solidFill>
+                  <a:srgbClr val="D4D4D4"/>
+                </a:solidFill>
+                <a:latin typeface="Fira Code" panose="020B0509050000020004" pitchFamily="49" charset="0"/>
+              </a:rPr>
+              <a:t> (</a:t>
+            </a:r>
+            <a:r>
+              <a:rPr lang="en-US" sz="1200" dirty="0">
+                <a:solidFill>
+                  <a:srgbClr val="569CD6"/>
+                </a:solidFill>
+                <a:latin typeface="Fira Code" panose="020B0509050000020004" pitchFamily="49" charset="0"/>
+              </a:rPr>
+              <a:t>$</a:t>
+            </a:r>
+            <a:r>
+              <a:rPr lang="en-US" sz="1200" dirty="0">
+                <a:solidFill>
+                  <a:srgbClr val="9CDCFE"/>
+                </a:solidFill>
+                <a:latin typeface="Fira Code" panose="020B0509050000020004" pitchFamily="49" charset="0"/>
+              </a:rPr>
+              <a:t>Path</a:t>
+            </a:r>
+            <a:r>
+              <a:rPr lang="en-US" sz="1200" dirty="0">
+                <a:solidFill>
+                  <a:srgbClr val="D4D4D4"/>
+                </a:solidFill>
+                <a:latin typeface="Fira Code" panose="020B0509050000020004" pitchFamily="49" charset="0"/>
+              </a:rPr>
+              <a:t>) {</a:t>
+            </a:r>
+          </a:p>
+          <a:p>
+            <a:r>
+              <a:rPr lang="en-US" sz="1200" dirty="0">
+                <a:solidFill>
+                  <a:srgbClr val="D4D4D4"/>
+                </a:solidFill>
+                <a:latin typeface="Fira Code" panose="020B0509050000020004" pitchFamily="49" charset="0"/>
+              </a:rPr>
+              <a:t>    </a:t>
+            </a:r>
+            <a:r>
+              <a:rPr lang="en-US" sz="1200" dirty="0">
+                <a:solidFill>
+                  <a:srgbClr val="C586C0"/>
+                </a:solidFill>
+                <a:latin typeface="Fira Code" panose="020B0509050000020004" pitchFamily="49" charset="0"/>
+              </a:rPr>
+              <a:t>return</a:t>
+            </a:r>
+            <a:r>
+              <a:rPr lang="en-US" sz="1200" dirty="0">
+                <a:solidFill>
+                  <a:srgbClr val="D4D4D4"/>
+                </a:solidFill>
+                <a:latin typeface="Fira Code" panose="020B0509050000020004" pitchFamily="49" charset="0"/>
+              </a:rPr>
+              <a:t> </a:t>
+            </a:r>
+            <a:r>
+              <a:rPr lang="en-US" sz="1200" dirty="0">
+                <a:solidFill>
+                  <a:srgbClr val="569CD6"/>
+                </a:solidFill>
+                <a:latin typeface="Fira Code" panose="020B0509050000020004" pitchFamily="49" charset="0"/>
+              </a:rPr>
+              <a:t>(</a:t>
+            </a:r>
+            <a:r>
+              <a:rPr lang="en-US" sz="1200" dirty="0">
+                <a:solidFill>
+                  <a:srgbClr val="DCDCAA"/>
+                </a:solidFill>
+                <a:latin typeface="Fira Code" panose="020B0509050000020004" pitchFamily="49" charset="0"/>
+              </a:rPr>
+              <a:t>Get-</a:t>
+            </a:r>
+            <a:r>
+              <a:rPr lang="en-US" sz="1200" dirty="0" err="1">
+                <a:solidFill>
+                  <a:srgbClr val="DCDCAA"/>
+                </a:solidFill>
+                <a:latin typeface="Fira Code" panose="020B0509050000020004" pitchFamily="49" charset="0"/>
+              </a:rPr>
+              <a:t>ChildItem</a:t>
+            </a:r>
+            <a:r>
+              <a:rPr lang="en-US" sz="1200" dirty="0">
+                <a:solidFill>
+                  <a:srgbClr val="D4D4D4"/>
+                </a:solidFill>
+                <a:latin typeface="Fira Code" panose="020B0509050000020004" pitchFamily="49" charset="0"/>
+              </a:rPr>
+              <a:t> -Path </a:t>
+            </a:r>
+            <a:r>
+              <a:rPr lang="en-US" sz="1200" dirty="0">
+                <a:solidFill>
+                  <a:srgbClr val="569CD6"/>
+                </a:solidFill>
+                <a:latin typeface="Fira Code" panose="020B0509050000020004" pitchFamily="49" charset="0"/>
+              </a:rPr>
+              <a:t>$</a:t>
+            </a:r>
+            <a:r>
+              <a:rPr lang="en-US" sz="1200" dirty="0">
+                <a:solidFill>
+                  <a:srgbClr val="9CDCFE"/>
+                </a:solidFill>
+                <a:latin typeface="Fira Code" panose="020B0509050000020004" pitchFamily="49" charset="0"/>
+              </a:rPr>
+              <a:t>Path</a:t>
+            </a:r>
+            <a:r>
+              <a:rPr lang="en-US" sz="1200" dirty="0">
+                <a:solidFill>
+                  <a:srgbClr val="569CD6"/>
+                </a:solidFill>
+                <a:latin typeface="Fira Code" panose="020B0509050000020004" pitchFamily="49" charset="0"/>
+              </a:rPr>
+              <a:t>)</a:t>
+            </a:r>
+            <a:endParaRPr lang="en-US" sz="1200" dirty="0">
+              <a:solidFill>
+                <a:srgbClr val="D4D4D4"/>
+              </a:solidFill>
+              <a:latin typeface="Fira Code" panose="020B0509050000020004" pitchFamily="49" charset="0"/>
+            </a:endParaRPr>
+          </a:p>
+          <a:p>
+            <a:r>
+              <a:rPr lang="en-US" sz="1200" dirty="0">
+                <a:solidFill>
+                  <a:srgbClr val="D4D4D4"/>
+                </a:solidFill>
+                <a:latin typeface="Fira Code" panose="020B0509050000020004" pitchFamily="49" charset="0"/>
+              </a:rPr>
+              <a:t>}</a:t>
+            </a:r>
+          </a:p>
+          <a:p>
+            <a:br>
+              <a:rPr lang="en-US" sz="1200" dirty="0">
+                <a:solidFill>
+                  <a:srgbClr val="D4D4D4"/>
+                </a:solidFill>
+                <a:latin typeface="Fira Code" panose="020B0509050000020004" pitchFamily="49" charset="0"/>
+              </a:rPr>
+            </a:br>
+            <a:r>
+              <a:rPr lang="en-US" sz="1200" dirty="0">
+                <a:solidFill>
+                  <a:srgbClr val="D4D4D4"/>
+                </a:solidFill>
+                <a:latin typeface="Fira Code" panose="020B0509050000020004" pitchFamily="49" charset="0"/>
+              </a:rPr>
+              <a:t>Describe </a:t>
+            </a:r>
+            <a:r>
+              <a:rPr lang="en-US" sz="1200" dirty="0">
+                <a:solidFill>
+                  <a:srgbClr val="CE9178"/>
+                </a:solidFill>
+                <a:latin typeface="Fira Code" panose="020B0509050000020004" pitchFamily="49" charset="0"/>
+              </a:rPr>
+              <a:t>'Mock'</a:t>
+            </a:r>
+            <a:r>
+              <a:rPr lang="en-US" sz="1200" dirty="0">
+                <a:solidFill>
+                  <a:srgbClr val="D4D4D4"/>
+                </a:solidFill>
+                <a:latin typeface="Fira Code" panose="020B0509050000020004" pitchFamily="49" charset="0"/>
+              </a:rPr>
+              <a:t> { </a:t>
+            </a:r>
+            <a:r>
+              <a:rPr lang="en-US" sz="1200" dirty="0">
+                <a:solidFill>
+                  <a:srgbClr val="608B4E"/>
+                </a:solidFill>
+                <a:latin typeface="Fira Code" panose="020B0509050000020004" pitchFamily="49" charset="0"/>
+              </a:rPr>
+              <a:t># Behavior Verification</a:t>
+            </a:r>
+            <a:endParaRPr lang="en-US" sz="1200" dirty="0">
+              <a:solidFill>
+                <a:srgbClr val="D4D4D4"/>
+              </a:solidFill>
+              <a:latin typeface="Fira Code" panose="020B0509050000020004" pitchFamily="49" charset="0"/>
+            </a:endParaRPr>
+          </a:p>
+          <a:p>
+            <a:r>
+              <a:rPr lang="en-US" sz="1200" dirty="0">
+                <a:solidFill>
+                  <a:srgbClr val="D4D4D4"/>
+                </a:solidFill>
+                <a:latin typeface="Fira Code" panose="020B0509050000020004" pitchFamily="49" charset="0"/>
+              </a:rPr>
+              <a:t>    Mock </a:t>
+            </a:r>
+            <a:r>
+              <a:rPr lang="en-US" sz="1200" dirty="0">
+                <a:solidFill>
+                  <a:srgbClr val="DCDCAA"/>
+                </a:solidFill>
+                <a:latin typeface="Fira Code" panose="020B0509050000020004" pitchFamily="49" charset="0"/>
+              </a:rPr>
+              <a:t>Get-</a:t>
+            </a:r>
+            <a:r>
+              <a:rPr lang="en-US" sz="1200" dirty="0" err="1">
+                <a:solidFill>
+                  <a:srgbClr val="DCDCAA"/>
+                </a:solidFill>
+                <a:latin typeface="Fira Code" panose="020B0509050000020004" pitchFamily="49" charset="0"/>
+              </a:rPr>
+              <a:t>ChildItem</a:t>
+            </a:r>
+            <a:r>
+              <a:rPr lang="en-US" sz="1200" dirty="0">
+                <a:solidFill>
+                  <a:srgbClr val="D4D4D4"/>
+                </a:solidFill>
+                <a:latin typeface="Fira Code" panose="020B0509050000020004" pitchFamily="49" charset="0"/>
+              </a:rPr>
+              <a:t> -</a:t>
+            </a:r>
+            <a:r>
+              <a:rPr lang="en-US" sz="1200" dirty="0" err="1">
+                <a:solidFill>
+                  <a:srgbClr val="D4D4D4"/>
+                </a:solidFill>
+                <a:latin typeface="Fira Code" panose="020B0509050000020004" pitchFamily="49" charset="0"/>
+              </a:rPr>
+              <a:t>ParameterFilter</a:t>
+            </a:r>
+            <a:r>
+              <a:rPr lang="en-US" sz="1200" dirty="0">
+                <a:solidFill>
+                  <a:srgbClr val="D4D4D4"/>
+                </a:solidFill>
+                <a:latin typeface="Fira Code" panose="020B0509050000020004" pitchFamily="49" charset="0"/>
+              </a:rPr>
+              <a:t> {</a:t>
+            </a:r>
+            <a:r>
+              <a:rPr lang="en-US" sz="1200" dirty="0">
+                <a:solidFill>
+                  <a:srgbClr val="569CD6"/>
+                </a:solidFill>
+                <a:latin typeface="Fira Code" panose="020B0509050000020004" pitchFamily="49" charset="0"/>
+              </a:rPr>
+              <a:t>$</a:t>
+            </a:r>
+            <a:r>
+              <a:rPr lang="en-US" sz="1200" dirty="0">
+                <a:solidFill>
+                  <a:srgbClr val="9CDCFE"/>
+                </a:solidFill>
+                <a:latin typeface="Fira Code" panose="020B0509050000020004" pitchFamily="49" charset="0"/>
+              </a:rPr>
+              <a:t>Path</a:t>
+            </a:r>
+            <a:r>
+              <a:rPr lang="en-US" sz="1200" dirty="0">
+                <a:solidFill>
+                  <a:srgbClr val="D4D4D4"/>
+                </a:solidFill>
+                <a:latin typeface="Fira Code" panose="020B0509050000020004" pitchFamily="49" charset="0"/>
+              </a:rPr>
+              <a:t> -</a:t>
+            </a:r>
+            <a:r>
+              <a:rPr lang="en-US" sz="1200" dirty="0" err="1">
+                <a:solidFill>
+                  <a:srgbClr val="D4D4D4"/>
+                </a:solidFill>
+                <a:latin typeface="Fira Code" panose="020B0509050000020004" pitchFamily="49" charset="0"/>
+              </a:rPr>
+              <a:t>eq</a:t>
+            </a:r>
+            <a:r>
+              <a:rPr lang="en-US" sz="1200" dirty="0">
+                <a:solidFill>
+                  <a:srgbClr val="D4D4D4"/>
+                </a:solidFill>
+                <a:latin typeface="Fira Code" panose="020B0509050000020004" pitchFamily="49" charset="0"/>
+              </a:rPr>
+              <a:t> </a:t>
+            </a:r>
+            <a:r>
+              <a:rPr lang="en-US" sz="1200" dirty="0">
+                <a:solidFill>
+                  <a:srgbClr val="CE9178"/>
+                </a:solidFill>
+                <a:latin typeface="Fira Code" panose="020B0509050000020004" pitchFamily="49" charset="0"/>
+              </a:rPr>
+              <a:t>'C:\foo'</a:t>
+            </a:r>
+            <a:r>
+              <a:rPr lang="en-US" sz="1200" dirty="0">
+                <a:solidFill>
+                  <a:srgbClr val="D4D4D4"/>
+                </a:solidFill>
+                <a:latin typeface="Fira Code" panose="020B0509050000020004" pitchFamily="49" charset="0"/>
+              </a:rPr>
+              <a:t>} -</a:t>
+            </a:r>
+            <a:r>
+              <a:rPr lang="en-US" sz="1200" dirty="0" err="1">
+                <a:solidFill>
+                  <a:srgbClr val="D4D4D4"/>
+                </a:solidFill>
+                <a:latin typeface="Fira Code" panose="020B0509050000020004" pitchFamily="49" charset="0"/>
+              </a:rPr>
+              <a:t>MockWith</a:t>
+            </a:r>
+            <a:r>
+              <a:rPr lang="en-US" sz="1200" dirty="0">
+                <a:solidFill>
+                  <a:srgbClr val="D4D4D4"/>
+                </a:solidFill>
+                <a:latin typeface="Fira Code" panose="020B0509050000020004" pitchFamily="49" charset="0"/>
+              </a:rPr>
+              <a:t> {</a:t>
+            </a:r>
+            <a:r>
+              <a:rPr lang="en-US" sz="1200" dirty="0">
+                <a:solidFill>
+                  <a:srgbClr val="569CD6"/>
+                </a:solidFill>
+                <a:latin typeface="Fira Code" panose="020B0509050000020004" pitchFamily="49" charset="0"/>
+              </a:rPr>
+              <a:t>$null</a:t>
+            </a:r>
+            <a:r>
+              <a:rPr lang="en-US" sz="1200" dirty="0">
+                <a:solidFill>
+                  <a:srgbClr val="D4D4D4"/>
+                </a:solidFill>
+                <a:latin typeface="Fira Code" panose="020B0509050000020004" pitchFamily="49" charset="0"/>
+              </a:rPr>
+              <a:t>}</a:t>
+            </a:r>
+          </a:p>
+          <a:p>
+            <a:r>
+              <a:rPr lang="en-US" sz="1200" dirty="0">
+                <a:solidFill>
+                  <a:srgbClr val="D4D4D4"/>
+                </a:solidFill>
+                <a:latin typeface="Fira Code" panose="020B0509050000020004" pitchFamily="49" charset="0"/>
+              </a:rPr>
+              <a:t>    Mock </a:t>
+            </a:r>
+            <a:r>
+              <a:rPr lang="en-US" sz="1200" dirty="0">
+                <a:solidFill>
+                  <a:srgbClr val="DCDCAA"/>
+                </a:solidFill>
+                <a:latin typeface="Fira Code" panose="020B0509050000020004" pitchFamily="49" charset="0"/>
+              </a:rPr>
+              <a:t>Get-</a:t>
+            </a:r>
+            <a:r>
+              <a:rPr lang="en-US" sz="1200" dirty="0" err="1">
+                <a:solidFill>
+                  <a:srgbClr val="DCDCAA"/>
+                </a:solidFill>
+                <a:latin typeface="Fira Code" panose="020B0509050000020004" pitchFamily="49" charset="0"/>
+              </a:rPr>
+              <a:t>ChildItem</a:t>
+            </a:r>
+            <a:r>
+              <a:rPr lang="en-US" sz="1200" dirty="0">
+                <a:solidFill>
+                  <a:srgbClr val="D4D4D4"/>
+                </a:solidFill>
+                <a:latin typeface="Fira Code" panose="020B0509050000020004" pitchFamily="49" charset="0"/>
+              </a:rPr>
+              <a:t> -</a:t>
+            </a:r>
+            <a:r>
+              <a:rPr lang="en-US" sz="1200" dirty="0" err="1">
+                <a:solidFill>
+                  <a:srgbClr val="D4D4D4"/>
+                </a:solidFill>
+                <a:latin typeface="Fira Code" panose="020B0509050000020004" pitchFamily="49" charset="0"/>
+              </a:rPr>
+              <a:t>ParameterFilter</a:t>
+            </a:r>
+            <a:r>
+              <a:rPr lang="en-US" sz="1200" dirty="0">
+                <a:solidFill>
+                  <a:srgbClr val="D4D4D4"/>
+                </a:solidFill>
+                <a:latin typeface="Fira Code" panose="020B0509050000020004" pitchFamily="49" charset="0"/>
+              </a:rPr>
+              <a:t> {</a:t>
+            </a:r>
+            <a:r>
+              <a:rPr lang="en-US" sz="1200" dirty="0">
+                <a:solidFill>
+                  <a:srgbClr val="569CD6"/>
+                </a:solidFill>
+                <a:latin typeface="Fira Code" panose="020B0509050000020004" pitchFamily="49" charset="0"/>
+              </a:rPr>
+              <a:t>$</a:t>
+            </a:r>
+            <a:r>
+              <a:rPr lang="en-US" sz="1200" dirty="0">
+                <a:solidFill>
+                  <a:srgbClr val="9CDCFE"/>
+                </a:solidFill>
+                <a:latin typeface="Fira Code" panose="020B0509050000020004" pitchFamily="49" charset="0"/>
+              </a:rPr>
+              <a:t>Path</a:t>
+            </a:r>
+            <a:r>
+              <a:rPr lang="en-US" sz="1200" dirty="0">
+                <a:solidFill>
+                  <a:srgbClr val="D4D4D4"/>
+                </a:solidFill>
+                <a:latin typeface="Fira Code" panose="020B0509050000020004" pitchFamily="49" charset="0"/>
+              </a:rPr>
+              <a:t> -</a:t>
+            </a:r>
+            <a:r>
+              <a:rPr lang="en-US" sz="1200" dirty="0" err="1">
+                <a:solidFill>
+                  <a:srgbClr val="D4D4D4"/>
+                </a:solidFill>
+                <a:latin typeface="Fira Code" panose="020B0509050000020004" pitchFamily="49" charset="0"/>
+              </a:rPr>
+              <a:t>eq</a:t>
+            </a:r>
+            <a:r>
+              <a:rPr lang="en-US" sz="1200" dirty="0">
+                <a:solidFill>
+                  <a:srgbClr val="D4D4D4"/>
+                </a:solidFill>
+                <a:latin typeface="Fira Code" panose="020B0509050000020004" pitchFamily="49" charset="0"/>
+              </a:rPr>
+              <a:t> </a:t>
+            </a:r>
+            <a:r>
+              <a:rPr lang="en-US" sz="1200" dirty="0">
+                <a:solidFill>
+                  <a:srgbClr val="CE9178"/>
+                </a:solidFill>
+                <a:latin typeface="Fira Code" panose="020B0509050000020004" pitchFamily="49" charset="0"/>
+              </a:rPr>
+              <a:t>'C:\bar'</a:t>
+            </a:r>
+            <a:r>
+              <a:rPr lang="en-US" sz="1200" dirty="0">
+                <a:solidFill>
+                  <a:srgbClr val="D4D4D4"/>
+                </a:solidFill>
+                <a:latin typeface="Fira Code" panose="020B0509050000020004" pitchFamily="49" charset="0"/>
+              </a:rPr>
+              <a:t>} -</a:t>
+            </a:r>
+            <a:r>
+              <a:rPr lang="en-US" sz="1200" dirty="0" err="1">
+                <a:solidFill>
+                  <a:srgbClr val="D4D4D4"/>
+                </a:solidFill>
+                <a:latin typeface="Fira Code" panose="020B0509050000020004" pitchFamily="49" charset="0"/>
+              </a:rPr>
+              <a:t>MockWith</a:t>
+            </a:r>
+            <a:r>
+              <a:rPr lang="en-US" sz="1200" dirty="0">
+                <a:solidFill>
+                  <a:srgbClr val="D4D4D4"/>
+                </a:solidFill>
+                <a:latin typeface="Fira Code" panose="020B0509050000020004" pitchFamily="49" charset="0"/>
+              </a:rPr>
+              <a:t> {</a:t>
+            </a:r>
+            <a:r>
+              <a:rPr lang="en-US" sz="1200" dirty="0">
+                <a:solidFill>
+                  <a:srgbClr val="569CD6"/>
+                </a:solidFill>
+                <a:latin typeface="Fira Code" panose="020B0509050000020004" pitchFamily="49" charset="0"/>
+              </a:rPr>
+              <a:t>$null</a:t>
+            </a:r>
+            <a:r>
+              <a:rPr lang="en-US" sz="1200" dirty="0">
+                <a:solidFill>
+                  <a:srgbClr val="D4D4D4"/>
+                </a:solidFill>
+                <a:latin typeface="Fira Code" panose="020B0509050000020004" pitchFamily="49" charset="0"/>
+              </a:rPr>
+              <a:t>}</a:t>
+            </a:r>
+          </a:p>
+          <a:p>
+            <a:br>
+              <a:rPr lang="en-US" sz="1200" dirty="0">
+                <a:solidFill>
+                  <a:srgbClr val="D4D4D4"/>
+                </a:solidFill>
+                <a:latin typeface="Fira Code" panose="020B0509050000020004" pitchFamily="49" charset="0"/>
+              </a:rPr>
+            </a:br>
+            <a:r>
+              <a:rPr lang="en-US" sz="1200" dirty="0">
+                <a:solidFill>
+                  <a:srgbClr val="D4D4D4"/>
+                </a:solidFill>
+                <a:latin typeface="Fira Code" panose="020B0509050000020004" pitchFamily="49" charset="0"/>
+              </a:rPr>
+              <a:t>    Context </a:t>
+            </a:r>
+            <a:r>
+              <a:rPr lang="en-US" sz="1200" dirty="0">
+                <a:solidFill>
+                  <a:srgbClr val="CE9178"/>
+                </a:solidFill>
+                <a:latin typeface="Fira Code" panose="020B0509050000020004" pitchFamily="49" charset="0"/>
+              </a:rPr>
+              <a:t>'Foo'</a:t>
+            </a:r>
+            <a:r>
+              <a:rPr lang="en-US" sz="1200" dirty="0">
+                <a:solidFill>
+                  <a:srgbClr val="D4D4D4"/>
+                </a:solidFill>
+                <a:latin typeface="Fira Code" panose="020B0509050000020004" pitchFamily="49" charset="0"/>
+              </a:rPr>
+              <a:t> {</a:t>
+            </a:r>
+          </a:p>
+          <a:p>
+            <a:r>
+              <a:rPr lang="en-US" sz="1200" dirty="0">
+                <a:solidFill>
+                  <a:srgbClr val="D4D4D4"/>
+                </a:solidFill>
+                <a:latin typeface="Fira Code" panose="020B0509050000020004" pitchFamily="49" charset="0"/>
+              </a:rPr>
+              <a:t>        It </a:t>
+            </a:r>
+            <a:r>
+              <a:rPr lang="en-US" sz="1200" dirty="0">
+                <a:solidFill>
+                  <a:srgbClr val="CE9178"/>
+                </a:solidFill>
+                <a:latin typeface="Fira Code" panose="020B0509050000020004" pitchFamily="49" charset="0"/>
+              </a:rPr>
+              <a:t>'Should only call GCI Foo'</a:t>
+            </a:r>
+            <a:r>
+              <a:rPr lang="en-US" sz="1200" dirty="0">
+                <a:solidFill>
+                  <a:srgbClr val="D4D4D4"/>
+                </a:solidFill>
+                <a:latin typeface="Fira Code" panose="020B0509050000020004" pitchFamily="49" charset="0"/>
+              </a:rPr>
+              <a:t> {</a:t>
+            </a:r>
+          </a:p>
+          <a:p>
+            <a:r>
+              <a:rPr lang="en-US" sz="1200" dirty="0">
+                <a:solidFill>
+                  <a:srgbClr val="D4D4D4"/>
+                </a:solidFill>
+                <a:latin typeface="Fira Code" panose="020B0509050000020004" pitchFamily="49" charset="0"/>
+              </a:rPr>
+              <a:t>            </a:t>
+            </a:r>
+            <a:r>
+              <a:rPr lang="en-US" sz="1200" dirty="0">
+                <a:solidFill>
+                  <a:srgbClr val="569CD6"/>
+                </a:solidFill>
+                <a:latin typeface="Fira Code" panose="020B0509050000020004" pitchFamily="49" charset="0"/>
+              </a:rPr>
+              <a:t>$</a:t>
+            </a:r>
+            <a:r>
+              <a:rPr lang="en-US" sz="1200" dirty="0">
+                <a:solidFill>
+                  <a:srgbClr val="9CDCFE"/>
+                </a:solidFill>
+                <a:latin typeface="Fira Code" panose="020B0509050000020004" pitchFamily="49" charset="0"/>
+              </a:rPr>
+              <a:t>output</a:t>
+            </a:r>
+            <a:r>
+              <a:rPr lang="en-US" sz="1200" dirty="0">
+                <a:solidFill>
+                  <a:srgbClr val="D4D4D4"/>
+                </a:solidFill>
+                <a:latin typeface="Fira Code" panose="020B0509050000020004" pitchFamily="49" charset="0"/>
+              </a:rPr>
+              <a:t> = </a:t>
+            </a:r>
+            <a:r>
+              <a:rPr lang="en-US" sz="1200" dirty="0" err="1">
+                <a:solidFill>
+                  <a:srgbClr val="D4D4D4"/>
+                </a:solidFill>
+                <a:latin typeface="Fira Code" panose="020B0509050000020004" pitchFamily="49" charset="0"/>
+              </a:rPr>
+              <a:t>MockMe</a:t>
+            </a:r>
+            <a:r>
+              <a:rPr lang="en-US" sz="1200" dirty="0">
+                <a:solidFill>
+                  <a:srgbClr val="D4D4D4"/>
+                </a:solidFill>
+                <a:latin typeface="Fira Code" panose="020B0509050000020004" pitchFamily="49" charset="0"/>
+              </a:rPr>
+              <a:t> </a:t>
+            </a:r>
+            <a:r>
+              <a:rPr lang="en-US" sz="1200" dirty="0">
+                <a:solidFill>
+                  <a:srgbClr val="CE9178"/>
+                </a:solidFill>
+                <a:latin typeface="Fira Code" panose="020B0509050000020004" pitchFamily="49" charset="0"/>
+              </a:rPr>
+              <a:t>'C:\foo'</a:t>
+            </a:r>
+            <a:endParaRPr lang="en-US" sz="1200" dirty="0">
+              <a:solidFill>
+                <a:srgbClr val="D4D4D4"/>
+              </a:solidFill>
+              <a:latin typeface="Fira Code" panose="020B0509050000020004" pitchFamily="49" charset="0"/>
+            </a:endParaRPr>
+          </a:p>
+          <a:p>
+            <a:r>
+              <a:rPr lang="en-US" sz="1200" dirty="0">
+                <a:solidFill>
+                  <a:srgbClr val="D4D4D4"/>
+                </a:solidFill>
+                <a:latin typeface="Fira Code" panose="020B0509050000020004" pitchFamily="49" charset="0"/>
+              </a:rPr>
+              <a:t>            </a:t>
+            </a:r>
+            <a:r>
+              <a:rPr lang="en-US" sz="1200" dirty="0">
+                <a:solidFill>
+                  <a:srgbClr val="DCDCAA"/>
+                </a:solidFill>
+                <a:latin typeface="Fira Code" panose="020B0509050000020004" pitchFamily="49" charset="0"/>
+              </a:rPr>
+              <a:t>Assert-</a:t>
+            </a:r>
+            <a:r>
+              <a:rPr lang="en-US" sz="1200" dirty="0" err="1">
+                <a:solidFill>
+                  <a:srgbClr val="DCDCAA"/>
+                </a:solidFill>
+                <a:latin typeface="Fira Code" panose="020B0509050000020004" pitchFamily="49" charset="0"/>
+              </a:rPr>
+              <a:t>MockCalled</a:t>
+            </a:r>
+            <a:r>
+              <a:rPr lang="en-US" sz="1200" dirty="0">
+                <a:solidFill>
+                  <a:srgbClr val="D4D4D4"/>
+                </a:solidFill>
+                <a:latin typeface="Fira Code" panose="020B0509050000020004" pitchFamily="49" charset="0"/>
+              </a:rPr>
+              <a:t> </a:t>
+            </a:r>
+            <a:r>
+              <a:rPr lang="en-US" sz="1200" dirty="0">
+                <a:solidFill>
+                  <a:srgbClr val="DCDCAA"/>
+                </a:solidFill>
+                <a:latin typeface="Fira Code" panose="020B0509050000020004" pitchFamily="49" charset="0"/>
+              </a:rPr>
+              <a:t>Get-</a:t>
+            </a:r>
+            <a:r>
+              <a:rPr lang="en-US" sz="1200" dirty="0" err="1">
+                <a:solidFill>
+                  <a:srgbClr val="DCDCAA"/>
+                </a:solidFill>
+                <a:latin typeface="Fira Code" panose="020B0509050000020004" pitchFamily="49" charset="0"/>
+              </a:rPr>
+              <a:t>ChildItem</a:t>
+            </a:r>
+            <a:r>
+              <a:rPr lang="en-US" sz="1200" dirty="0">
+                <a:solidFill>
+                  <a:srgbClr val="D4D4D4"/>
+                </a:solidFill>
+                <a:latin typeface="Fira Code" panose="020B0509050000020004" pitchFamily="49" charset="0"/>
+              </a:rPr>
+              <a:t>  -Times </a:t>
+            </a:r>
+            <a:r>
+              <a:rPr lang="en-US" sz="1200" dirty="0">
+                <a:solidFill>
+                  <a:srgbClr val="B5CEA8"/>
+                </a:solidFill>
+                <a:latin typeface="Fira Code" panose="020B0509050000020004" pitchFamily="49" charset="0"/>
+              </a:rPr>
+              <a:t>1</a:t>
+            </a:r>
+            <a:r>
+              <a:rPr lang="en-US" sz="1200" dirty="0">
+                <a:solidFill>
+                  <a:srgbClr val="D4D4D4"/>
+                </a:solidFill>
+                <a:latin typeface="Fira Code" panose="020B0509050000020004" pitchFamily="49" charset="0"/>
+              </a:rPr>
+              <a:t> -</a:t>
+            </a:r>
+            <a:r>
+              <a:rPr lang="en-US" sz="1200" dirty="0" err="1">
+                <a:solidFill>
+                  <a:srgbClr val="D4D4D4"/>
+                </a:solidFill>
+                <a:latin typeface="Fira Code" panose="020B0509050000020004" pitchFamily="49" charset="0"/>
+              </a:rPr>
+              <a:t>ParameterFilter</a:t>
+            </a:r>
+            <a:r>
+              <a:rPr lang="en-US" sz="1200" dirty="0">
+                <a:solidFill>
+                  <a:srgbClr val="D4D4D4"/>
+                </a:solidFill>
+                <a:latin typeface="Fira Code" panose="020B0509050000020004" pitchFamily="49" charset="0"/>
+              </a:rPr>
+              <a:t> {</a:t>
+            </a:r>
+            <a:r>
+              <a:rPr lang="en-US" sz="1200" dirty="0">
+                <a:solidFill>
+                  <a:srgbClr val="569CD6"/>
+                </a:solidFill>
+                <a:latin typeface="Fira Code" panose="020B0509050000020004" pitchFamily="49" charset="0"/>
+              </a:rPr>
+              <a:t>$</a:t>
+            </a:r>
+            <a:r>
+              <a:rPr lang="en-US" sz="1200" dirty="0">
+                <a:solidFill>
+                  <a:srgbClr val="9CDCFE"/>
+                </a:solidFill>
+                <a:latin typeface="Fira Code" panose="020B0509050000020004" pitchFamily="49" charset="0"/>
+              </a:rPr>
+              <a:t>Path</a:t>
+            </a:r>
+            <a:r>
+              <a:rPr lang="en-US" sz="1200" dirty="0">
+                <a:solidFill>
+                  <a:srgbClr val="D4D4D4"/>
+                </a:solidFill>
+                <a:latin typeface="Fira Code" panose="020B0509050000020004" pitchFamily="49" charset="0"/>
+              </a:rPr>
+              <a:t> -</a:t>
+            </a:r>
+            <a:r>
+              <a:rPr lang="en-US" sz="1200" dirty="0" err="1">
+                <a:solidFill>
+                  <a:srgbClr val="D4D4D4"/>
+                </a:solidFill>
+                <a:latin typeface="Fira Code" panose="020B0509050000020004" pitchFamily="49" charset="0"/>
+              </a:rPr>
+              <a:t>eq</a:t>
+            </a:r>
+            <a:r>
+              <a:rPr lang="en-US" sz="1200" dirty="0">
+                <a:solidFill>
+                  <a:srgbClr val="D4D4D4"/>
+                </a:solidFill>
+                <a:latin typeface="Fira Code" panose="020B0509050000020004" pitchFamily="49" charset="0"/>
+              </a:rPr>
+              <a:t> </a:t>
+            </a:r>
+            <a:r>
+              <a:rPr lang="en-US" sz="1200" dirty="0">
+                <a:solidFill>
+                  <a:srgbClr val="CE9178"/>
+                </a:solidFill>
+                <a:latin typeface="Fira Code" panose="020B0509050000020004" pitchFamily="49" charset="0"/>
+              </a:rPr>
+              <a:t>'C:\foo'</a:t>
+            </a:r>
+            <a:r>
+              <a:rPr lang="en-US" sz="1200" dirty="0">
+                <a:solidFill>
+                  <a:srgbClr val="D4D4D4"/>
+                </a:solidFill>
+                <a:latin typeface="Fira Code" panose="020B0509050000020004" pitchFamily="49" charset="0"/>
+              </a:rPr>
+              <a:t>}</a:t>
+            </a:r>
+          </a:p>
+          <a:p>
+            <a:r>
+              <a:rPr lang="en-US" sz="1200" dirty="0">
+                <a:solidFill>
+                  <a:srgbClr val="D4D4D4"/>
+                </a:solidFill>
+                <a:latin typeface="Fira Code" panose="020B0509050000020004" pitchFamily="49" charset="0"/>
+              </a:rPr>
+              <a:t>            </a:t>
+            </a:r>
+            <a:r>
+              <a:rPr lang="en-US" sz="1200" dirty="0">
+                <a:solidFill>
+                  <a:srgbClr val="DCDCAA"/>
+                </a:solidFill>
+                <a:latin typeface="Fira Code" panose="020B0509050000020004" pitchFamily="49" charset="0"/>
+              </a:rPr>
+              <a:t>Assert-</a:t>
+            </a:r>
+            <a:r>
+              <a:rPr lang="en-US" sz="1200" dirty="0" err="1">
+                <a:solidFill>
+                  <a:srgbClr val="DCDCAA"/>
+                </a:solidFill>
+                <a:latin typeface="Fira Code" panose="020B0509050000020004" pitchFamily="49" charset="0"/>
+              </a:rPr>
+              <a:t>MockCalled</a:t>
+            </a:r>
+            <a:r>
+              <a:rPr lang="en-US" sz="1200" dirty="0">
+                <a:solidFill>
+                  <a:srgbClr val="D4D4D4"/>
+                </a:solidFill>
+                <a:latin typeface="Fira Code" panose="020B0509050000020004" pitchFamily="49" charset="0"/>
+              </a:rPr>
+              <a:t> </a:t>
+            </a:r>
+            <a:r>
+              <a:rPr lang="en-US" sz="1200" dirty="0">
+                <a:solidFill>
+                  <a:srgbClr val="DCDCAA"/>
+                </a:solidFill>
+                <a:latin typeface="Fira Code" panose="020B0509050000020004" pitchFamily="49" charset="0"/>
+              </a:rPr>
+              <a:t>Get-</a:t>
+            </a:r>
+            <a:r>
+              <a:rPr lang="en-US" sz="1200" dirty="0" err="1">
+                <a:solidFill>
+                  <a:srgbClr val="DCDCAA"/>
+                </a:solidFill>
+                <a:latin typeface="Fira Code" panose="020B0509050000020004" pitchFamily="49" charset="0"/>
+              </a:rPr>
+              <a:t>ChildItem</a:t>
+            </a:r>
+            <a:r>
+              <a:rPr lang="en-US" sz="1200" dirty="0">
+                <a:solidFill>
+                  <a:srgbClr val="D4D4D4"/>
+                </a:solidFill>
+                <a:latin typeface="Fira Code" panose="020B0509050000020004" pitchFamily="49" charset="0"/>
+              </a:rPr>
+              <a:t>  -Times </a:t>
+            </a:r>
+            <a:r>
+              <a:rPr lang="en-US" sz="1200" dirty="0">
+                <a:solidFill>
+                  <a:srgbClr val="B5CEA8"/>
+                </a:solidFill>
+                <a:latin typeface="Fira Code" panose="020B0509050000020004" pitchFamily="49" charset="0"/>
+              </a:rPr>
+              <a:t>0</a:t>
+            </a:r>
+            <a:r>
+              <a:rPr lang="en-US" sz="1200" dirty="0">
+                <a:solidFill>
+                  <a:srgbClr val="D4D4D4"/>
+                </a:solidFill>
+                <a:latin typeface="Fira Code" panose="020B0509050000020004" pitchFamily="49" charset="0"/>
+              </a:rPr>
+              <a:t> -</a:t>
+            </a:r>
+            <a:r>
+              <a:rPr lang="en-US" sz="1200" dirty="0" err="1">
+                <a:solidFill>
+                  <a:srgbClr val="D4D4D4"/>
+                </a:solidFill>
+                <a:latin typeface="Fira Code" panose="020B0509050000020004" pitchFamily="49" charset="0"/>
+              </a:rPr>
+              <a:t>ParameterFilter</a:t>
+            </a:r>
+            <a:r>
+              <a:rPr lang="en-US" sz="1200" dirty="0">
+                <a:solidFill>
+                  <a:srgbClr val="D4D4D4"/>
+                </a:solidFill>
+                <a:latin typeface="Fira Code" panose="020B0509050000020004" pitchFamily="49" charset="0"/>
+              </a:rPr>
+              <a:t> {</a:t>
+            </a:r>
+            <a:r>
+              <a:rPr lang="en-US" sz="1200" dirty="0">
+                <a:solidFill>
+                  <a:srgbClr val="569CD6"/>
+                </a:solidFill>
+                <a:latin typeface="Fira Code" panose="020B0509050000020004" pitchFamily="49" charset="0"/>
+              </a:rPr>
+              <a:t>$</a:t>
+            </a:r>
+            <a:r>
+              <a:rPr lang="en-US" sz="1200" dirty="0">
+                <a:solidFill>
+                  <a:srgbClr val="9CDCFE"/>
+                </a:solidFill>
+                <a:latin typeface="Fira Code" panose="020B0509050000020004" pitchFamily="49" charset="0"/>
+              </a:rPr>
+              <a:t>Path</a:t>
+            </a:r>
+            <a:r>
+              <a:rPr lang="en-US" sz="1200" dirty="0">
+                <a:solidFill>
+                  <a:srgbClr val="D4D4D4"/>
+                </a:solidFill>
+                <a:latin typeface="Fira Code" panose="020B0509050000020004" pitchFamily="49" charset="0"/>
+              </a:rPr>
+              <a:t> -</a:t>
+            </a:r>
+            <a:r>
+              <a:rPr lang="en-US" sz="1200" dirty="0" err="1">
+                <a:solidFill>
+                  <a:srgbClr val="D4D4D4"/>
+                </a:solidFill>
+                <a:latin typeface="Fira Code" panose="020B0509050000020004" pitchFamily="49" charset="0"/>
+              </a:rPr>
+              <a:t>eq</a:t>
+            </a:r>
+            <a:r>
+              <a:rPr lang="en-US" sz="1200" dirty="0">
+                <a:solidFill>
+                  <a:srgbClr val="D4D4D4"/>
+                </a:solidFill>
+                <a:latin typeface="Fira Code" panose="020B0509050000020004" pitchFamily="49" charset="0"/>
+              </a:rPr>
+              <a:t> </a:t>
+            </a:r>
+            <a:r>
+              <a:rPr lang="en-US" sz="1200" dirty="0">
+                <a:solidFill>
+                  <a:srgbClr val="CE9178"/>
+                </a:solidFill>
+                <a:latin typeface="Fira Code" panose="020B0509050000020004" pitchFamily="49" charset="0"/>
+              </a:rPr>
+              <a:t>'C:\bar'</a:t>
+            </a:r>
+            <a:r>
+              <a:rPr lang="en-US" sz="1200" dirty="0">
+                <a:solidFill>
+                  <a:srgbClr val="D4D4D4"/>
+                </a:solidFill>
+                <a:latin typeface="Fira Code" panose="020B0509050000020004" pitchFamily="49" charset="0"/>
+              </a:rPr>
+              <a:t>}</a:t>
+            </a:r>
+          </a:p>
+          <a:p>
+            <a:r>
+              <a:rPr lang="en-US" sz="1200" dirty="0">
+                <a:solidFill>
+                  <a:srgbClr val="D4D4D4"/>
+                </a:solidFill>
+                <a:latin typeface="Fira Code" panose="020B0509050000020004" pitchFamily="49" charset="0"/>
+              </a:rPr>
+              <a:t>        }</a:t>
+            </a:r>
+          </a:p>
+          <a:p>
+            <a:r>
+              <a:rPr lang="en-US" sz="1200" dirty="0">
+                <a:solidFill>
+                  <a:srgbClr val="D4D4D4"/>
+                </a:solidFill>
+                <a:latin typeface="Fira Code" panose="020B0509050000020004" pitchFamily="49" charset="0"/>
+              </a:rPr>
+              <a:t>    }</a:t>
+            </a:r>
+          </a:p>
+          <a:p>
+            <a:br>
+              <a:rPr lang="en-US" sz="1200" dirty="0">
+                <a:solidFill>
+                  <a:srgbClr val="D4D4D4"/>
+                </a:solidFill>
+                <a:latin typeface="Fira Code" panose="020B0509050000020004" pitchFamily="49" charset="0"/>
+              </a:rPr>
+            </a:br>
+            <a:r>
+              <a:rPr lang="en-US" sz="1200" dirty="0">
+                <a:solidFill>
+                  <a:srgbClr val="D4D4D4"/>
+                </a:solidFill>
+                <a:latin typeface="Fira Code" panose="020B0509050000020004" pitchFamily="49" charset="0"/>
+              </a:rPr>
+              <a:t>    Context </a:t>
+            </a:r>
+            <a:r>
+              <a:rPr lang="en-US" sz="1200" dirty="0">
+                <a:solidFill>
+                  <a:srgbClr val="CE9178"/>
+                </a:solidFill>
+                <a:latin typeface="Fira Code" panose="020B0509050000020004" pitchFamily="49" charset="0"/>
+              </a:rPr>
+              <a:t>'Bar'</a:t>
+            </a:r>
+            <a:r>
+              <a:rPr lang="en-US" sz="1200" dirty="0">
+                <a:solidFill>
+                  <a:srgbClr val="D4D4D4"/>
+                </a:solidFill>
+                <a:latin typeface="Fira Code" panose="020B0509050000020004" pitchFamily="49" charset="0"/>
+              </a:rPr>
+              <a:t> {</a:t>
+            </a:r>
+          </a:p>
+          <a:p>
+            <a:r>
+              <a:rPr lang="en-US" sz="1200" dirty="0">
+                <a:solidFill>
+                  <a:srgbClr val="D4D4D4"/>
+                </a:solidFill>
+                <a:latin typeface="Fira Code" panose="020B0509050000020004" pitchFamily="49" charset="0"/>
+              </a:rPr>
+              <a:t>        It </a:t>
+            </a:r>
+            <a:r>
+              <a:rPr lang="en-US" sz="1200" dirty="0">
+                <a:solidFill>
+                  <a:srgbClr val="CE9178"/>
+                </a:solidFill>
+                <a:latin typeface="Fira Code" panose="020B0509050000020004" pitchFamily="49" charset="0"/>
+              </a:rPr>
+              <a:t>'Should only call GCI Bar'</a:t>
+            </a:r>
+            <a:r>
+              <a:rPr lang="en-US" sz="1200" dirty="0">
+                <a:solidFill>
+                  <a:srgbClr val="D4D4D4"/>
+                </a:solidFill>
+                <a:latin typeface="Fira Code" panose="020B0509050000020004" pitchFamily="49" charset="0"/>
+              </a:rPr>
+              <a:t> {</a:t>
+            </a:r>
+          </a:p>
+          <a:p>
+            <a:r>
+              <a:rPr lang="en-US" sz="1200" dirty="0">
+                <a:solidFill>
+                  <a:srgbClr val="D4D4D4"/>
+                </a:solidFill>
+                <a:latin typeface="Fira Code" panose="020B0509050000020004" pitchFamily="49" charset="0"/>
+              </a:rPr>
+              <a:t>            </a:t>
+            </a:r>
+            <a:r>
+              <a:rPr lang="en-US" sz="1200" dirty="0">
+                <a:solidFill>
+                  <a:srgbClr val="569CD6"/>
+                </a:solidFill>
+                <a:latin typeface="Fira Code" panose="020B0509050000020004" pitchFamily="49" charset="0"/>
+              </a:rPr>
+              <a:t>$</a:t>
+            </a:r>
+            <a:r>
+              <a:rPr lang="en-US" sz="1200" dirty="0">
+                <a:solidFill>
+                  <a:srgbClr val="9CDCFE"/>
+                </a:solidFill>
+                <a:latin typeface="Fira Code" panose="020B0509050000020004" pitchFamily="49" charset="0"/>
+              </a:rPr>
+              <a:t>output</a:t>
+            </a:r>
+            <a:r>
+              <a:rPr lang="en-US" sz="1200" dirty="0">
+                <a:solidFill>
+                  <a:srgbClr val="D4D4D4"/>
+                </a:solidFill>
+                <a:latin typeface="Fira Code" panose="020B0509050000020004" pitchFamily="49" charset="0"/>
+              </a:rPr>
+              <a:t> = </a:t>
+            </a:r>
+            <a:r>
+              <a:rPr lang="en-US" sz="1200" dirty="0" err="1">
+                <a:solidFill>
+                  <a:srgbClr val="D4D4D4"/>
+                </a:solidFill>
+                <a:latin typeface="Fira Code" panose="020B0509050000020004" pitchFamily="49" charset="0"/>
+              </a:rPr>
+              <a:t>MockMe</a:t>
+            </a:r>
+            <a:r>
+              <a:rPr lang="en-US" sz="1200" dirty="0">
+                <a:solidFill>
+                  <a:srgbClr val="D4D4D4"/>
+                </a:solidFill>
+                <a:latin typeface="Fira Code" panose="020B0509050000020004" pitchFamily="49" charset="0"/>
+              </a:rPr>
+              <a:t> </a:t>
+            </a:r>
+            <a:r>
+              <a:rPr lang="en-US" sz="1200" dirty="0">
+                <a:solidFill>
+                  <a:srgbClr val="CE9178"/>
+                </a:solidFill>
+                <a:latin typeface="Fira Code" panose="020B0509050000020004" pitchFamily="49" charset="0"/>
+              </a:rPr>
+              <a:t>'C:\bar'</a:t>
+            </a:r>
+            <a:endParaRPr lang="en-US" sz="1200" dirty="0">
+              <a:solidFill>
+                <a:srgbClr val="D4D4D4"/>
+              </a:solidFill>
+              <a:latin typeface="Fira Code" panose="020B0509050000020004" pitchFamily="49" charset="0"/>
+            </a:endParaRPr>
+          </a:p>
+          <a:p>
+            <a:r>
+              <a:rPr lang="en-US" sz="1200" dirty="0">
+                <a:solidFill>
+                  <a:srgbClr val="D4D4D4"/>
+                </a:solidFill>
+                <a:latin typeface="Fira Code" panose="020B0509050000020004" pitchFamily="49" charset="0"/>
+              </a:rPr>
+              <a:t>            </a:t>
+            </a:r>
+            <a:r>
+              <a:rPr lang="en-US" sz="1200" dirty="0">
+                <a:solidFill>
+                  <a:srgbClr val="DCDCAA"/>
+                </a:solidFill>
+                <a:latin typeface="Fira Code" panose="020B0509050000020004" pitchFamily="49" charset="0"/>
+              </a:rPr>
+              <a:t>Assert-</a:t>
+            </a:r>
+            <a:r>
+              <a:rPr lang="en-US" sz="1200" dirty="0" err="1">
+                <a:solidFill>
+                  <a:srgbClr val="DCDCAA"/>
+                </a:solidFill>
+                <a:latin typeface="Fira Code" panose="020B0509050000020004" pitchFamily="49" charset="0"/>
+              </a:rPr>
+              <a:t>MockCalled</a:t>
+            </a:r>
+            <a:r>
+              <a:rPr lang="en-US" sz="1200" dirty="0">
+                <a:solidFill>
+                  <a:srgbClr val="D4D4D4"/>
+                </a:solidFill>
+                <a:latin typeface="Fira Code" panose="020B0509050000020004" pitchFamily="49" charset="0"/>
+              </a:rPr>
+              <a:t> </a:t>
+            </a:r>
+            <a:r>
+              <a:rPr lang="en-US" sz="1200" dirty="0">
+                <a:solidFill>
+                  <a:srgbClr val="DCDCAA"/>
+                </a:solidFill>
+                <a:latin typeface="Fira Code" panose="020B0509050000020004" pitchFamily="49" charset="0"/>
+              </a:rPr>
+              <a:t>Get-</a:t>
+            </a:r>
+            <a:r>
+              <a:rPr lang="en-US" sz="1200" dirty="0" err="1">
+                <a:solidFill>
+                  <a:srgbClr val="DCDCAA"/>
+                </a:solidFill>
+                <a:latin typeface="Fira Code" panose="020B0509050000020004" pitchFamily="49" charset="0"/>
+              </a:rPr>
+              <a:t>ChildItem</a:t>
+            </a:r>
+            <a:r>
+              <a:rPr lang="en-US" sz="1200" dirty="0">
+                <a:solidFill>
+                  <a:srgbClr val="D4D4D4"/>
+                </a:solidFill>
+                <a:latin typeface="Fira Code" panose="020B0509050000020004" pitchFamily="49" charset="0"/>
+              </a:rPr>
+              <a:t>  -Times </a:t>
+            </a:r>
+            <a:r>
+              <a:rPr lang="en-US" sz="1200" dirty="0">
+                <a:solidFill>
+                  <a:srgbClr val="B5CEA8"/>
+                </a:solidFill>
+                <a:latin typeface="Fira Code" panose="020B0509050000020004" pitchFamily="49" charset="0"/>
+              </a:rPr>
+              <a:t>0</a:t>
+            </a:r>
+            <a:r>
+              <a:rPr lang="en-US" sz="1200" dirty="0">
+                <a:solidFill>
+                  <a:srgbClr val="D4D4D4"/>
+                </a:solidFill>
+                <a:latin typeface="Fira Code" panose="020B0509050000020004" pitchFamily="49" charset="0"/>
+              </a:rPr>
+              <a:t> -</a:t>
+            </a:r>
+            <a:r>
+              <a:rPr lang="en-US" sz="1200" dirty="0" err="1">
+                <a:solidFill>
+                  <a:srgbClr val="D4D4D4"/>
+                </a:solidFill>
+                <a:latin typeface="Fira Code" panose="020B0509050000020004" pitchFamily="49" charset="0"/>
+              </a:rPr>
+              <a:t>ParameterFilter</a:t>
+            </a:r>
+            <a:r>
+              <a:rPr lang="en-US" sz="1200" dirty="0">
+                <a:solidFill>
+                  <a:srgbClr val="D4D4D4"/>
+                </a:solidFill>
+                <a:latin typeface="Fira Code" panose="020B0509050000020004" pitchFamily="49" charset="0"/>
+              </a:rPr>
+              <a:t> {</a:t>
+            </a:r>
+            <a:r>
+              <a:rPr lang="en-US" sz="1200" dirty="0">
+                <a:solidFill>
+                  <a:srgbClr val="569CD6"/>
+                </a:solidFill>
+                <a:latin typeface="Fira Code" panose="020B0509050000020004" pitchFamily="49" charset="0"/>
+              </a:rPr>
+              <a:t>$</a:t>
+            </a:r>
+            <a:r>
+              <a:rPr lang="en-US" sz="1200" dirty="0">
+                <a:solidFill>
+                  <a:srgbClr val="9CDCFE"/>
+                </a:solidFill>
+                <a:latin typeface="Fira Code" panose="020B0509050000020004" pitchFamily="49" charset="0"/>
+              </a:rPr>
+              <a:t>Path</a:t>
+            </a:r>
+            <a:r>
+              <a:rPr lang="en-US" sz="1200" dirty="0">
+                <a:solidFill>
+                  <a:srgbClr val="D4D4D4"/>
+                </a:solidFill>
+                <a:latin typeface="Fira Code" panose="020B0509050000020004" pitchFamily="49" charset="0"/>
+              </a:rPr>
+              <a:t> -</a:t>
+            </a:r>
+            <a:r>
+              <a:rPr lang="en-US" sz="1200" dirty="0" err="1">
+                <a:solidFill>
+                  <a:srgbClr val="D4D4D4"/>
+                </a:solidFill>
+                <a:latin typeface="Fira Code" panose="020B0509050000020004" pitchFamily="49" charset="0"/>
+              </a:rPr>
+              <a:t>eq</a:t>
+            </a:r>
+            <a:r>
+              <a:rPr lang="en-US" sz="1200" dirty="0">
+                <a:solidFill>
+                  <a:srgbClr val="D4D4D4"/>
+                </a:solidFill>
+                <a:latin typeface="Fira Code" panose="020B0509050000020004" pitchFamily="49" charset="0"/>
+              </a:rPr>
+              <a:t> </a:t>
+            </a:r>
+            <a:r>
+              <a:rPr lang="en-US" sz="1200" dirty="0">
+                <a:solidFill>
+                  <a:srgbClr val="CE9178"/>
+                </a:solidFill>
+                <a:latin typeface="Fira Code" panose="020B0509050000020004" pitchFamily="49" charset="0"/>
+              </a:rPr>
+              <a:t>'C:\foo'</a:t>
+            </a:r>
+            <a:r>
+              <a:rPr lang="en-US" sz="1200" dirty="0">
+                <a:solidFill>
+                  <a:srgbClr val="D4D4D4"/>
+                </a:solidFill>
+                <a:latin typeface="Fira Code" panose="020B0509050000020004" pitchFamily="49" charset="0"/>
+              </a:rPr>
+              <a:t>}</a:t>
+            </a:r>
+          </a:p>
+          <a:p>
+            <a:r>
+              <a:rPr lang="en-US" sz="1200" dirty="0">
+                <a:solidFill>
+                  <a:srgbClr val="D4D4D4"/>
+                </a:solidFill>
+                <a:latin typeface="Fira Code" panose="020B0509050000020004" pitchFamily="49" charset="0"/>
+              </a:rPr>
+              <a:t>            </a:t>
+            </a:r>
+            <a:r>
+              <a:rPr lang="en-US" sz="1200" dirty="0">
+                <a:solidFill>
+                  <a:srgbClr val="DCDCAA"/>
+                </a:solidFill>
+                <a:latin typeface="Fira Code" panose="020B0509050000020004" pitchFamily="49" charset="0"/>
+              </a:rPr>
+              <a:t>Assert-</a:t>
+            </a:r>
+            <a:r>
+              <a:rPr lang="en-US" sz="1200" dirty="0" err="1">
+                <a:solidFill>
+                  <a:srgbClr val="DCDCAA"/>
+                </a:solidFill>
+                <a:latin typeface="Fira Code" panose="020B0509050000020004" pitchFamily="49" charset="0"/>
+              </a:rPr>
+              <a:t>MockCalled</a:t>
+            </a:r>
+            <a:r>
+              <a:rPr lang="en-US" sz="1200" dirty="0">
+                <a:solidFill>
+                  <a:srgbClr val="D4D4D4"/>
+                </a:solidFill>
+                <a:latin typeface="Fira Code" panose="020B0509050000020004" pitchFamily="49" charset="0"/>
+              </a:rPr>
+              <a:t> </a:t>
+            </a:r>
+            <a:r>
+              <a:rPr lang="en-US" sz="1200" dirty="0">
+                <a:solidFill>
+                  <a:srgbClr val="DCDCAA"/>
+                </a:solidFill>
+                <a:latin typeface="Fira Code" panose="020B0509050000020004" pitchFamily="49" charset="0"/>
+              </a:rPr>
+              <a:t>Get-</a:t>
+            </a:r>
+            <a:r>
+              <a:rPr lang="en-US" sz="1200" dirty="0" err="1">
+                <a:solidFill>
+                  <a:srgbClr val="DCDCAA"/>
+                </a:solidFill>
+                <a:latin typeface="Fira Code" panose="020B0509050000020004" pitchFamily="49" charset="0"/>
+              </a:rPr>
+              <a:t>ChildItem</a:t>
+            </a:r>
+            <a:r>
+              <a:rPr lang="en-US" sz="1200" dirty="0">
+                <a:solidFill>
+                  <a:srgbClr val="D4D4D4"/>
+                </a:solidFill>
+                <a:latin typeface="Fira Code" panose="020B0509050000020004" pitchFamily="49" charset="0"/>
+              </a:rPr>
+              <a:t>  -Times </a:t>
+            </a:r>
+            <a:r>
+              <a:rPr lang="en-US" sz="1200" dirty="0">
+                <a:solidFill>
+                  <a:srgbClr val="B5CEA8"/>
+                </a:solidFill>
+                <a:latin typeface="Fira Code" panose="020B0509050000020004" pitchFamily="49" charset="0"/>
+              </a:rPr>
+              <a:t>1</a:t>
+            </a:r>
+            <a:r>
+              <a:rPr lang="en-US" sz="1200" dirty="0">
+                <a:solidFill>
+                  <a:srgbClr val="D4D4D4"/>
+                </a:solidFill>
+                <a:latin typeface="Fira Code" panose="020B0509050000020004" pitchFamily="49" charset="0"/>
+              </a:rPr>
+              <a:t> -</a:t>
+            </a:r>
+            <a:r>
+              <a:rPr lang="en-US" sz="1200" dirty="0" err="1">
+                <a:solidFill>
+                  <a:srgbClr val="D4D4D4"/>
+                </a:solidFill>
+                <a:latin typeface="Fira Code" panose="020B0509050000020004" pitchFamily="49" charset="0"/>
+              </a:rPr>
+              <a:t>ParameterFilter</a:t>
+            </a:r>
+            <a:r>
+              <a:rPr lang="en-US" sz="1200" dirty="0">
+                <a:solidFill>
+                  <a:srgbClr val="D4D4D4"/>
+                </a:solidFill>
+                <a:latin typeface="Fira Code" panose="020B0509050000020004" pitchFamily="49" charset="0"/>
+              </a:rPr>
+              <a:t> {</a:t>
+            </a:r>
+            <a:r>
+              <a:rPr lang="en-US" sz="1200" dirty="0">
+                <a:solidFill>
+                  <a:srgbClr val="569CD6"/>
+                </a:solidFill>
+                <a:latin typeface="Fira Code" panose="020B0509050000020004" pitchFamily="49" charset="0"/>
+              </a:rPr>
+              <a:t>$</a:t>
+            </a:r>
+            <a:r>
+              <a:rPr lang="en-US" sz="1200" dirty="0">
+                <a:solidFill>
+                  <a:srgbClr val="9CDCFE"/>
+                </a:solidFill>
+                <a:latin typeface="Fira Code" panose="020B0509050000020004" pitchFamily="49" charset="0"/>
+              </a:rPr>
+              <a:t>Path</a:t>
+            </a:r>
+            <a:r>
+              <a:rPr lang="en-US" sz="1200" dirty="0">
+                <a:solidFill>
+                  <a:srgbClr val="D4D4D4"/>
+                </a:solidFill>
+                <a:latin typeface="Fira Code" panose="020B0509050000020004" pitchFamily="49" charset="0"/>
+              </a:rPr>
+              <a:t> -</a:t>
+            </a:r>
+            <a:r>
+              <a:rPr lang="en-US" sz="1200" dirty="0" err="1">
+                <a:solidFill>
+                  <a:srgbClr val="D4D4D4"/>
+                </a:solidFill>
+                <a:latin typeface="Fira Code" panose="020B0509050000020004" pitchFamily="49" charset="0"/>
+              </a:rPr>
+              <a:t>eq</a:t>
+            </a:r>
+            <a:r>
+              <a:rPr lang="en-US" sz="1200" dirty="0">
+                <a:solidFill>
+                  <a:srgbClr val="D4D4D4"/>
+                </a:solidFill>
+                <a:latin typeface="Fira Code" panose="020B0509050000020004" pitchFamily="49" charset="0"/>
+              </a:rPr>
+              <a:t> </a:t>
+            </a:r>
+            <a:r>
+              <a:rPr lang="en-US" sz="1200" dirty="0">
+                <a:solidFill>
+                  <a:srgbClr val="CE9178"/>
+                </a:solidFill>
+                <a:latin typeface="Fira Code" panose="020B0509050000020004" pitchFamily="49" charset="0"/>
+              </a:rPr>
+              <a:t>'C:\bar'</a:t>
+            </a:r>
+            <a:r>
+              <a:rPr lang="en-US" sz="1200" dirty="0">
+                <a:solidFill>
+                  <a:srgbClr val="D4D4D4"/>
+                </a:solidFill>
+                <a:latin typeface="Fira Code" panose="020B0509050000020004" pitchFamily="49" charset="0"/>
+              </a:rPr>
+              <a:t>}</a:t>
+            </a:r>
+          </a:p>
+          <a:p>
+            <a:r>
+              <a:rPr lang="en-US" sz="1200" dirty="0">
+                <a:solidFill>
+                  <a:srgbClr val="D4D4D4"/>
+                </a:solidFill>
+                <a:latin typeface="Fira Code" panose="020B0509050000020004" pitchFamily="49" charset="0"/>
+              </a:rPr>
+              <a:t>} } }</a:t>
+            </a:r>
+          </a:p>
+        </p:txBody>
+      </p:sp>
     </p:spTree>
     <p:extLst>
       <p:ext uri="{BB962C8B-B14F-4D97-AF65-F5344CB8AC3E}">
@@ -16509,29 +21346,781 @@
           </a:fontRef>
         </p:style>
       </p:cxnSp>
-      <p:pic>
-        <p:nvPicPr>
-          <p:cNvPr id="16" name="Content Placeholder 15"/>
-          <p:cNvPicPr>
-            <a:picLocks noGrp="1" noChangeAspect="1"/>
-          </p:cNvPicPr>
-          <p:nvPr>
-            <p:ph sz="quarter" idx="18"/>
-          </p:nvPr>
-        </p:nvPicPr>
-        <p:blipFill>
-          <a:blip r:embed="rId3"/>
-          <a:stretch>
-            <a:fillRect/>
-          </a:stretch>
-        </p:blipFill>
+      <p:sp>
+        <p:nvSpPr>
+          <p:cNvPr id="7" name="TextBox 6"/>
+          <p:cNvSpPr txBox="1"/>
+          <p:nvPr/>
+        </p:nvSpPr>
         <p:spPr>
           <a:xfrm>
-            <a:off x="674571" y="961711"/>
-            <a:ext cx="7503801" cy="3682717"/>
+            <a:off x="273051" y="961711"/>
+            <a:ext cx="8561959" cy="3539430"/>
           </a:xfrm>
+          <a:prstGeom prst="rect">
+            <a:avLst/>
+          </a:prstGeom>
+          <a:solidFill>
+            <a:schemeClr val="bg2">
+              <a:lumMod val="50000"/>
+            </a:schemeClr>
+          </a:solidFill>
+          <a:ln w="76200">
+            <a:solidFill>
+              <a:schemeClr val="bg2">
+                <a:lumMod val="50000"/>
+              </a:schemeClr>
+            </a:solidFill>
+          </a:ln>
         </p:spPr>
-      </p:pic>
+        <p:txBody>
+          <a:bodyPr wrap="none" rtlCol="0">
+            <a:spAutoFit/>
+          </a:bodyPr>
+          <a:lstStyle/>
+          <a:p>
+            <a:r>
+              <a:rPr lang="en-US" sz="1400" dirty="0">
+                <a:solidFill>
+                  <a:srgbClr val="569CD6"/>
+                </a:solidFill>
+                <a:latin typeface="Fira Code" panose="020B0509050000020004" pitchFamily="49" charset="0"/>
+              </a:rPr>
+              <a:t>function</a:t>
+            </a:r>
+            <a:r>
+              <a:rPr lang="en-US" sz="1400" dirty="0">
+                <a:solidFill>
+                  <a:srgbClr val="D4D4D4"/>
+                </a:solidFill>
+                <a:latin typeface="Fira Code" panose="020B0509050000020004" pitchFamily="49" charset="0"/>
+              </a:rPr>
+              <a:t> </a:t>
+            </a:r>
+            <a:r>
+              <a:rPr lang="en-US" sz="1400" dirty="0" err="1">
+                <a:solidFill>
+                  <a:srgbClr val="DCDCAA"/>
+                </a:solidFill>
+                <a:latin typeface="Fira Code" panose="020B0509050000020004" pitchFamily="49" charset="0"/>
+              </a:rPr>
+              <a:t>StubMe</a:t>
+            </a:r>
+            <a:r>
+              <a:rPr lang="en-US" sz="1400" dirty="0">
+                <a:solidFill>
+                  <a:srgbClr val="D4D4D4"/>
+                </a:solidFill>
+                <a:latin typeface="Fira Code" panose="020B0509050000020004" pitchFamily="49" charset="0"/>
+              </a:rPr>
+              <a:t> (</a:t>
+            </a:r>
+            <a:r>
+              <a:rPr lang="en-US" sz="1400" dirty="0">
+                <a:solidFill>
+                  <a:srgbClr val="569CD6"/>
+                </a:solidFill>
+                <a:latin typeface="Fira Code" panose="020B0509050000020004" pitchFamily="49" charset="0"/>
+              </a:rPr>
+              <a:t>$</a:t>
+            </a:r>
+            <a:r>
+              <a:rPr lang="en-US" sz="1400" dirty="0">
+                <a:solidFill>
+                  <a:srgbClr val="9CDCFE"/>
+                </a:solidFill>
+                <a:latin typeface="Fira Code" panose="020B0509050000020004" pitchFamily="49" charset="0"/>
+              </a:rPr>
+              <a:t>Path</a:t>
+            </a:r>
+            <a:r>
+              <a:rPr lang="en-US" sz="1400" dirty="0">
+                <a:solidFill>
+                  <a:srgbClr val="D4D4D4"/>
+                </a:solidFill>
+                <a:latin typeface="Fira Code" panose="020B0509050000020004" pitchFamily="49" charset="0"/>
+              </a:rPr>
+              <a:t>) {</a:t>
+            </a:r>
+          </a:p>
+          <a:p>
+            <a:endParaRPr lang="en-US" sz="1400" dirty="0">
+              <a:solidFill>
+                <a:srgbClr val="D4D4D4"/>
+              </a:solidFill>
+              <a:latin typeface="Fira Code" panose="020B0509050000020004" pitchFamily="49" charset="0"/>
+            </a:endParaRPr>
+          </a:p>
+          <a:p>
+            <a:r>
+              <a:rPr lang="en-US" sz="1400" dirty="0">
+                <a:solidFill>
+                  <a:srgbClr val="D4D4D4"/>
+                </a:solidFill>
+                <a:latin typeface="Fira Code" panose="020B0509050000020004" pitchFamily="49" charset="0"/>
+              </a:rPr>
+              <a:t>    </a:t>
+            </a:r>
+            <a:r>
+              <a:rPr lang="en-US" sz="1400" dirty="0">
+                <a:solidFill>
+                  <a:srgbClr val="569CD6"/>
+                </a:solidFill>
+                <a:latin typeface="Fira Code" panose="020B0509050000020004" pitchFamily="49" charset="0"/>
+              </a:rPr>
+              <a:t>$</a:t>
+            </a:r>
+            <a:r>
+              <a:rPr lang="en-US" sz="1400" dirty="0">
+                <a:solidFill>
+                  <a:srgbClr val="9CDCFE"/>
+                </a:solidFill>
+                <a:latin typeface="Fira Code" panose="020B0509050000020004" pitchFamily="49" charset="0"/>
+              </a:rPr>
+              <a:t>files</a:t>
+            </a:r>
+            <a:r>
+              <a:rPr lang="en-US" sz="1400" dirty="0">
+                <a:solidFill>
+                  <a:srgbClr val="D4D4D4"/>
+                </a:solidFill>
+                <a:latin typeface="Fira Code" panose="020B0509050000020004" pitchFamily="49" charset="0"/>
+              </a:rPr>
+              <a:t> = </a:t>
+            </a:r>
+            <a:r>
+              <a:rPr lang="en-US" sz="1400" dirty="0">
+                <a:solidFill>
+                  <a:srgbClr val="DCDCAA"/>
+                </a:solidFill>
+                <a:latin typeface="Fira Code" panose="020B0509050000020004" pitchFamily="49" charset="0"/>
+              </a:rPr>
+              <a:t>Get-</a:t>
+            </a:r>
+            <a:r>
+              <a:rPr lang="en-US" sz="1400" dirty="0" err="1">
+                <a:solidFill>
+                  <a:srgbClr val="DCDCAA"/>
+                </a:solidFill>
+                <a:latin typeface="Fira Code" panose="020B0509050000020004" pitchFamily="49" charset="0"/>
+              </a:rPr>
+              <a:t>ChildItem</a:t>
+            </a:r>
+            <a:r>
+              <a:rPr lang="en-US" sz="1400" dirty="0">
+                <a:solidFill>
+                  <a:srgbClr val="D4D4D4"/>
+                </a:solidFill>
+                <a:latin typeface="Fira Code" panose="020B0509050000020004" pitchFamily="49" charset="0"/>
+              </a:rPr>
+              <a:t> -Path </a:t>
+            </a:r>
+            <a:r>
+              <a:rPr lang="en-US" sz="1400" dirty="0">
+                <a:solidFill>
+                  <a:srgbClr val="569CD6"/>
+                </a:solidFill>
+                <a:latin typeface="Fira Code" panose="020B0509050000020004" pitchFamily="49" charset="0"/>
+              </a:rPr>
+              <a:t>$</a:t>
+            </a:r>
+            <a:r>
+              <a:rPr lang="en-US" sz="1400" dirty="0">
+                <a:solidFill>
+                  <a:srgbClr val="9CDCFE"/>
+                </a:solidFill>
+                <a:latin typeface="Fira Code" panose="020B0509050000020004" pitchFamily="49" charset="0"/>
+              </a:rPr>
+              <a:t>Path</a:t>
+            </a:r>
+            <a:endParaRPr lang="en-US" sz="1400" dirty="0">
+              <a:solidFill>
+                <a:srgbClr val="D4D4D4"/>
+              </a:solidFill>
+              <a:latin typeface="Fira Code" panose="020B0509050000020004" pitchFamily="49" charset="0"/>
+            </a:endParaRPr>
+          </a:p>
+          <a:p>
+            <a:r>
+              <a:rPr lang="en-US" sz="1400" dirty="0">
+                <a:solidFill>
+                  <a:srgbClr val="D4D4D4"/>
+                </a:solidFill>
+                <a:latin typeface="Fira Code" panose="020B0509050000020004" pitchFamily="49" charset="0"/>
+              </a:rPr>
+              <a:t>    </a:t>
+            </a:r>
+            <a:r>
+              <a:rPr lang="en-US" sz="1400" dirty="0">
+                <a:solidFill>
+                  <a:srgbClr val="C586C0"/>
+                </a:solidFill>
+                <a:latin typeface="Fira Code" panose="020B0509050000020004" pitchFamily="49" charset="0"/>
+              </a:rPr>
+              <a:t>return</a:t>
+            </a:r>
+            <a:r>
+              <a:rPr lang="en-US" sz="1400" dirty="0">
+                <a:solidFill>
+                  <a:srgbClr val="D4D4D4"/>
+                </a:solidFill>
+                <a:latin typeface="Fira Code" panose="020B0509050000020004" pitchFamily="49" charset="0"/>
+              </a:rPr>
+              <a:t> </a:t>
+            </a:r>
+            <a:r>
+              <a:rPr lang="en-US" sz="1400" dirty="0">
+                <a:solidFill>
+                  <a:srgbClr val="569CD6"/>
+                </a:solidFill>
+                <a:latin typeface="Fira Code" panose="020B0509050000020004" pitchFamily="49" charset="0"/>
+              </a:rPr>
+              <a:t>($</a:t>
+            </a:r>
+            <a:r>
+              <a:rPr lang="en-US" sz="1400" dirty="0">
+                <a:solidFill>
+                  <a:srgbClr val="9CDCFE"/>
+                </a:solidFill>
+                <a:latin typeface="Fira Code" panose="020B0509050000020004" pitchFamily="49" charset="0"/>
+              </a:rPr>
+              <a:t>files</a:t>
+            </a:r>
+            <a:r>
+              <a:rPr lang="en-US" sz="1400" dirty="0">
+                <a:solidFill>
+                  <a:srgbClr val="D4D4D4"/>
+                </a:solidFill>
+                <a:latin typeface="Fira Code" panose="020B0509050000020004" pitchFamily="49" charset="0"/>
+              </a:rPr>
+              <a:t> | </a:t>
+            </a:r>
+            <a:r>
+              <a:rPr lang="en-US" sz="1400" dirty="0">
+                <a:solidFill>
+                  <a:srgbClr val="DCDCAA"/>
+                </a:solidFill>
+                <a:latin typeface="Fira Code" panose="020B0509050000020004" pitchFamily="49" charset="0"/>
+              </a:rPr>
+              <a:t>Select-Object</a:t>
+            </a:r>
+            <a:r>
+              <a:rPr lang="en-US" sz="1400" dirty="0">
+                <a:solidFill>
+                  <a:srgbClr val="D4D4D4"/>
+                </a:solidFill>
+                <a:latin typeface="Fira Code" panose="020B0509050000020004" pitchFamily="49" charset="0"/>
+              </a:rPr>
+              <a:t> -First </a:t>
+            </a:r>
+            <a:r>
+              <a:rPr lang="en-US" sz="1400" dirty="0">
+                <a:solidFill>
+                  <a:srgbClr val="B5CEA8"/>
+                </a:solidFill>
+                <a:latin typeface="Fira Code" panose="020B0509050000020004" pitchFamily="49" charset="0"/>
+              </a:rPr>
+              <a:t>1</a:t>
+            </a:r>
+            <a:r>
+              <a:rPr lang="en-US" sz="1400" dirty="0">
+                <a:solidFill>
+                  <a:srgbClr val="D4D4D4"/>
+                </a:solidFill>
+                <a:latin typeface="Fira Code" panose="020B0509050000020004" pitchFamily="49" charset="0"/>
+              </a:rPr>
+              <a:t> -</a:t>
+            </a:r>
+            <a:r>
+              <a:rPr lang="en-US" sz="1400" dirty="0" err="1">
+                <a:solidFill>
+                  <a:srgbClr val="D4D4D4"/>
+                </a:solidFill>
+                <a:latin typeface="Fira Code" panose="020B0509050000020004" pitchFamily="49" charset="0"/>
+              </a:rPr>
+              <a:t>ExpandProperty</a:t>
+            </a:r>
+            <a:r>
+              <a:rPr lang="en-US" sz="1400" dirty="0">
+                <a:solidFill>
+                  <a:srgbClr val="D4D4D4"/>
+                </a:solidFill>
+                <a:latin typeface="Fira Code" panose="020B0509050000020004" pitchFamily="49" charset="0"/>
+              </a:rPr>
+              <a:t> Name</a:t>
+            </a:r>
+            <a:r>
+              <a:rPr lang="en-US" sz="1400" dirty="0">
+                <a:solidFill>
+                  <a:srgbClr val="569CD6"/>
+                </a:solidFill>
+                <a:latin typeface="Fira Code" panose="020B0509050000020004" pitchFamily="49" charset="0"/>
+              </a:rPr>
+              <a:t>)</a:t>
+            </a:r>
+            <a:endParaRPr lang="en-US" sz="1400" dirty="0">
+              <a:solidFill>
+                <a:srgbClr val="D4D4D4"/>
+              </a:solidFill>
+              <a:latin typeface="Fira Code" panose="020B0509050000020004" pitchFamily="49" charset="0"/>
+            </a:endParaRPr>
+          </a:p>
+          <a:p>
+            <a:r>
+              <a:rPr lang="en-US" sz="1400" dirty="0">
+                <a:solidFill>
+                  <a:srgbClr val="D4D4D4"/>
+                </a:solidFill>
+                <a:latin typeface="Fira Code" panose="020B0509050000020004" pitchFamily="49" charset="0"/>
+              </a:rPr>
+              <a:t>}</a:t>
+            </a:r>
+          </a:p>
+          <a:p>
+            <a:br>
+              <a:rPr lang="en-US" sz="1400" dirty="0">
+                <a:solidFill>
+                  <a:srgbClr val="D4D4D4"/>
+                </a:solidFill>
+                <a:latin typeface="Fira Code" panose="020B0509050000020004" pitchFamily="49" charset="0"/>
+              </a:rPr>
+            </a:br>
+            <a:r>
+              <a:rPr lang="en-US" sz="1400" dirty="0">
+                <a:solidFill>
+                  <a:srgbClr val="D4D4D4"/>
+                </a:solidFill>
+                <a:latin typeface="Fira Code" panose="020B0509050000020004" pitchFamily="49" charset="0"/>
+              </a:rPr>
+              <a:t>Describe </a:t>
+            </a:r>
+            <a:r>
+              <a:rPr lang="en-US" sz="1400" dirty="0">
+                <a:solidFill>
+                  <a:srgbClr val="CE9178"/>
+                </a:solidFill>
+                <a:latin typeface="Fira Code" panose="020B0509050000020004" pitchFamily="49" charset="0"/>
+              </a:rPr>
+              <a:t>'Stub'</a:t>
+            </a:r>
+            <a:r>
+              <a:rPr lang="en-US" sz="1400" dirty="0">
+                <a:solidFill>
+                  <a:srgbClr val="D4D4D4"/>
+                </a:solidFill>
+                <a:latin typeface="Fira Code" panose="020B0509050000020004" pitchFamily="49" charset="0"/>
+              </a:rPr>
+              <a:t> { </a:t>
+            </a:r>
+            <a:r>
+              <a:rPr lang="en-US" sz="1400" dirty="0">
+                <a:solidFill>
+                  <a:srgbClr val="608B4E"/>
+                </a:solidFill>
+                <a:latin typeface="Fira Code" panose="020B0509050000020004" pitchFamily="49" charset="0"/>
+              </a:rPr>
+              <a:t># State Verification</a:t>
+            </a:r>
+            <a:endParaRPr lang="en-US" sz="1400" dirty="0">
+              <a:solidFill>
+                <a:srgbClr val="D4D4D4"/>
+              </a:solidFill>
+              <a:latin typeface="Fira Code" panose="020B0509050000020004" pitchFamily="49" charset="0"/>
+            </a:endParaRPr>
+          </a:p>
+          <a:p>
+            <a:br>
+              <a:rPr lang="en-US" sz="1400" dirty="0">
+                <a:solidFill>
+                  <a:srgbClr val="D4D4D4"/>
+                </a:solidFill>
+                <a:latin typeface="Fira Code" panose="020B0509050000020004" pitchFamily="49" charset="0"/>
+              </a:rPr>
+            </a:br>
+            <a:r>
+              <a:rPr lang="en-US" sz="1400" dirty="0">
+                <a:solidFill>
+                  <a:srgbClr val="D4D4D4"/>
+                </a:solidFill>
+                <a:latin typeface="Fira Code" panose="020B0509050000020004" pitchFamily="49" charset="0"/>
+              </a:rPr>
+              <a:t>    Mock </a:t>
+            </a:r>
+            <a:r>
+              <a:rPr lang="en-US" sz="1400" dirty="0">
+                <a:solidFill>
+                  <a:srgbClr val="DCDCAA"/>
+                </a:solidFill>
+                <a:latin typeface="Fira Code" panose="020B0509050000020004" pitchFamily="49" charset="0"/>
+              </a:rPr>
+              <a:t>Get-</a:t>
+            </a:r>
+            <a:r>
+              <a:rPr lang="en-US" sz="1400" dirty="0" err="1">
+                <a:solidFill>
+                  <a:srgbClr val="DCDCAA"/>
+                </a:solidFill>
+                <a:latin typeface="Fira Code" panose="020B0509050000020004" pitchFamily="49" charset="0"/>
+              </a:rPr>
+              <a:t>ChildItem</a:t>
+            </a:r>
+            <a:r>
+              <a:rPr lang="en-US" sz="1400" dirty="0">
+                <a:solidFill>
+                  <a:srgbClr val="D4D4D4"/>
+                </a:solidFill>
+                <a:latin typeface="Fira Code" panose="020B0509050000020004" pitchFamily="49" charset="0"/>
+              </a:rPr>
+              <a:t> -</a:t>
+            </a:r>
+            <a:r>
+              <a:rPr lang="en-US" sz="1400" dirty="0" err="1">
+                <a:solidFill>
+                  <a:srgbClr val="D4D4D4"/>
+                </a:solidFill>
+                <a:latin typeface="Fira Code" panose="020B0509050000020004" pitchFamily="49" charset="0"/>
+              </a:rPr>
+              <a:t>MockWith</a:t>
+            </a:r>
+            <a:r>
+              <a:rPr lang="en-US" sz="1400" dirty="0">
+                <a:solidFill>
+                  <a:srgbClr val="D4D4D4"/>
+                </a:solidFill>
+                <a:latin typeface="Fira Code" panose="020B0509050000020004" pitchFamily="49" charset="0"/>
+              </a:rPr>
+              <a:t> {</a:t>
+            </a:r>
+            <a:r>
+              <a:rPr lang="en-US" sz="1400" dirty="0">
+                <a:solidFill>
+                  <a:srgbClr val="9CDCFE"/>
+                </a:solidFill>
+                <a:latin typeface="Fira Code" panose="020B0509050000020004" pitchFamily="49" charset="0"/>
+              </a:rPr>
+              <a:t>[</a:t>
+            </a:r>
+            <a:r>
+              <a:rPr lang="en-US" sz="1400" dirty="0" err="1">
+                <a:solidFill>
+                  <a:srgbClr val="9CDCFE"/>
+                </a:solidFill>
+                <a:latin typeface="Fira Code" panose="020B0509050000020004" pitchFamily="49" charset="0"/>
+              </a:rPr>
+              <a:t>PSCustomObject</a:t>
+            </a:r>
+            <a:r>
+              <a:rPr lang="en-US" sz="1400" dirty="0">
+                <a:solidFill>
+                  <a:srgbClr val="9CDCFE"/>
+                </a:solidFill>
+                <a:latin typeface="Fira Code" panose="020B0509050000020004" pitchFamily="49" charset="0"/>
+              </a:rPr>
+              <a:t>]</a:t>
+            </a:r>
+            <a:r>
+              <a:rPr lang="en-US" sz="1400" dirty="0">
+                <a:solidFill>
+                  <a:srgbClr val="D4D4D4"/>
+                </a:solidFill>
+                <a:latin typeface="Fira Code" panose="020B0509050000020004" pitchFamily="49" charset="0"/>
+              </a:rPr>
+              <a:t>@{Name=</a:t>
+            </a:r>
+            <a:r>
+              <a:rPr lang="en-US" sz="1400" dirty="0">
+                <a:solidFill>
+                  <a:srgbClr val="CE9178"/>
+                </a:solidFill>
+                <a:latin typeface="Fira Code" panose="020B0509050000020004" pitchFamily="49" charset="0"/>
+              </a:rPr>
+              <a:t>"test.txt"</a:t>
+            </a:r>
+            <a:endParaRPr lang="en-US" sz="1400" dirty="0">
+              <a:solidFill>
+                <a:srgbClr val="D4D4D4"/>
+              </a:solidFill>
+              <a:latin typeface="Fira Code" panose="020B0509050000020004" pitchFamily="49" charset="0"/>
+            </a:endParaRPr>
+          </a:p>
+          <a:p>
+            <a:r>
+              <a:rPr lang="en-US" sz="1400" dirty="0">
+                <a:solidFill>
+                  <a:srgbClr val="D4D4D4"/>
+                </a:solidFill>
+                <a:latin typeface="Fira Code" panose="020B0509050000020004" pitchFamily="49" charset="0"/>
+              </a:rPr>
+              <a:t>                                     </a:t>
+            </a:r>
+            <a:r>
+              <a:rPr lang="en-US" sz="1400" dirty="0">
+                <a:solidFill>
+                  <a:srgbClr val="CE9178"/>
+                </a:solidFill>
+                <a:latin typeface="Fira Code" panose="020B0509050000020004" pitchFamily="49" charset="0"/>
+              </a:rPr>
+              <a:t>"</a:t>
+            </a:r>
+            <a:r>
+              <a:rPr lang="en-US" sz="1400" dirty="0" err="1">
+                <a:solidFill>
+                  <a:srgbClr val="CE9178"/>
+                </a:solidFill>
+                <a:latin typeface="Fira Code" panose="020B0509050000020004" pitchFamily="49" charset="0"/>
+              </a:rPr>
+              <a:t>LastWriteTime</a:t>
+            </a:r>
+            <a:r>
+              <a:rPr lang="en-US" sz="1400" dirty="0">
+                <a:solidFill>
+                  <a:srgbClr val="CE9178"/>
+                </a:solidFill>
+                <a:latin typeface="Fira Code" panose="020B0509050000020004" pitchFamily="49" charset="0"/>
+              </a:rPr>
+              <a:t>"</a:t>
+            </a:r>
+            <a:r>
+              <a:rPr lang="en-US" sz="1400" dirty="0">
+                <a:solidFill>
+                  <a:srgbClr val="D4D4D4"/>
+                </a:solidFill>
+                <a:latin typeface="Fira Code" panose="020B0509050000020004" pitchFamily="49" charset="0"/>
+              </a:rPr>
+              <a:t>=</a:t>
+            </a:r>
+            <a:r>
+              <a:rPr lang="en-US" sz="1400" dirty="0">
+                <a:solidFill>
+                  <a:srgbClr val="569CD6"/>
+                </a:solidFill>
+                <a:latin typeface="Fira Code" panose="020B0509050000020004" pitchFamily="49" charset="0"/>
+              </a:rPr>
+              <a:t>(</a:t>
+            </a:r>
+            <a:r>
+              <a:rPr lang="en-US" sz="1400" dirty="0">
+                <a:solidFill>
+                  <a:srgbClr val="DCDCAA"/>
+                </a:solidFill>
+                <a:latin typeface="Fira Code" panose="020B0509050000020004" pitchFamily="49" charset="0"/>
+              </a:rPr>
+              <a:t>Get-Date</a:t>
+            </a:r>
+            <a:r>
+              <a:rPr lang="en-US" sz="1400" dirty="0">
+                <a:solidFill>
+                  <a:srgbClr val="D4D4D4"/>
+                </a:solidFill>
+                <a:latin typeface="Fira Code" panose="020B0509050000020004" pitchFamily="49" charset="0"/>
+              </a:rPr>
+              <a:t> </a:t>
+            </a:r>
+            <a:r>
+              <a:rPr lang="en-US" sz="1400" dirty="0">
+                <a:solidFill>
+                  <a:srgbClr val="CE9178"/>
+                </a:solidFill>
+                <a:latin typeface="Fira Code" panose="020B0509050000020004" pitchFamily="49" charset="0"/>
+              </a:rPr>
+              <a:t>"2000-01-01"</a:t>
+            </a:r>
+            <a:r>
+              <a:rPr lang="en-US" sz="1400" dirty="0">
+                <a:solidFill>
+                  <a:srgbClr val="569CD6"/>
+                </a:solidFill>
+                <a:latin typeface="Fira Code" panose="020B0509050000020004" pitchFamily="49" charset="0"/>
+              </a:rPr>
+              <a:t>)</a:t>
+            </a:r>
+            <a:r>
+              <a:rPr lang="en-US" sz="1400" dirty="0">
+                <a:solidFill>
+                  <a:srgbClr val="D4D4D4"/>
+                </a:solidFill>
+                <a:latin typeface="Fira Code" panose="020B0509050000020004" pitchFamily="49" charset="0"/>
+              </a:rPr>
+              <a:t>}}</a:t>
+            </a:r>
+          </a:p>
+          <a:p>
+            <a:br>
+              <a:rPr lang="en-US" sz="1400" dirty="0">
+                <a:solidFill>
+                  <a:srgbClr val="D4D4D4"/>
+                </a:solidFill>
+                <a:latin typeface="Fira Code" panose="020B0509050000020004" pitchFamily="49" charset="0"/>
+              </a:rPr>
+            </a:br>
+            <a:r>
+              <a:rPr lang="en-US" sz="1400" dirty="0">
+                <a:solidFill>
+                  <a:srgbClr val="D4D4D4"/>
+                </a:solidFill>
+                <a:latin typeface="Fira Code" panose="020B0509050000020004" pitchFamily="49" charset="0"/>
+              </a:rPr>
+              <a:t>    It </a:t>
+            </a:r>
+            <a:r>
+              <a:rPr lang="en-US" sz="1400" dirty="0">
+                <a:solidFill>
+                  <a:srgbClr val="CE9178"/>
+                </a:solidFill>
+                <a:latin typeface="Fira Code" panose="020B0509050000020004" pitchFamily="49" charset="0"/>
+              </a:rPr>
+              <a:t>'Should return test.txt'</a:t>
+            </a:r>
+            <a:r>
+              <a:rPr lang="en-US" sz="1400" dirty="0">
+                <a:solidFill>
+                  <a:srgbClr val="D4D4D4"/>
+                </a:solidFill>
+                <a:latin typeface="Fira Code" panose="020B0509050000020004" pitchFamily="49" charset="0"/>
+              </a:rPr>
+              <a:t> {</a:t>
+            </a:r>
+          </a:p>
+          <a:p>
+            <a:r>
+              <a:rPr lang="en-US" sz="1400" dirty="0">
+                <a:solidFill>
+                  <a:srgbClr val="D4D4D4"/>
+                </a:solidFill>
+                <a:latin typeface="Fira Code" panose="020B0509050000020004" pitchFamily="49" charset="0"/>
+              </a:rPr>
+              <a:t>        </a:t>
+            </a:r>
+            <a:r>
+              <a:rPr lang="en-US" sz="1400" dirty="0">
+                <a:solidFill>
+                  <a:srgbClr val="569CD6"/>
+                </a:solidFill>
+                <a:latin typeface="Fira Code" panose="020B0509050000020004" pitchFamily="49" charset="0"/>
+              </a:rPr>
+              <a:t>$</a:t>
+            </a:r>
+            <a:r>
+              <a:rPr lang="en-US" sz="1400" dirty="0">
+                <a:solidFill>
+                  <a:srgbClr val="9CDCFE"/>
+                </a:solidFill>
+                <a:latin typeface="Fira Code" panose="020B0509050000020004" pitchFamily="49" charset="0"/>
+              </a:rPr>
+              <a:t>output</a:t>
+            </a:r>
+            <a:r>
+              <a:rPr lang="en-US" sz="1400" dirty="0">
+                <a:solidFill>
+                  <a:srgbClr val="D4D4D4"/>
+                </a:solidFill>
+                <a:latin typeface="Fira Code" panose="020B0509050000020004" pitchFamily="49" charset="0"/>
+              </a:rPr>
+              <a:t> = </a:t>
+            </a:r>
+            <a:r>
+              <a:rPr lang="en-US" sz="1400" dirty="0" err="1">
+                <a:solidFill>
+                  <a:srgbClr val="D4D4D4"/>
+                </a:solidFill>
+                <a:latin typeface="Fira Code" panose="020B0509050000020004" pitchFamily="49" charset="0"/>
+              </a:rPr>
+              <a:t>StubMe</a:t>
+            </a:r>
+            <a:r>
+              <a:rPr lang="en-US" sz="1400" dirty="0">
+                <a:solidFill>
+                  <a:srgbClr val="D4D4D4"/>
+                </a:solidFill>
+                <a:latin typeface="Fira Code" panose="020B0509050000020004" pitchFamily="49" charset="0"/>
+              </a:rPr>
+              <a:t> C:\Whatever</a:t>
+            </a:r>
+          </a:p>
+          <a:p>
+            <a:r>
+              <a:rPr lang="en-US" sz="1400" dirty="0">
+                <a:solidFill>
+                  <a:srgbClr val="D4D4D4"/>
+                </a:solidFill>
+                <a:latin typeface="Fira Code" panose="020B0509050000020004" pitchFamily="49" charset="0"/>
+              </a:rPr>
+              <a:t>        </a:t>
+            </a:r>
+            <a:r>
+              <a:rPr lang="en-US" sz="1400" dirty="0">
+                <a:solidFill>
+                  <a:srgbClr val="569CD6"/>
+                </a:solidFill>
+                <a:latin typeface="Fira Code" panose="020B0509050000020004" pitchFamily="49" charset="0"/>
+              </a:rPr>
+              <a:t>$</a:t>
+            </a:r>
+            <a:r>
+              <a:rPr lang="en-US" sz="1400" dirty="0">
+                <a:solidFill>
+                  <a:srgbClr val="9CDCFE"/>
+                </a:solidFill>
+                <a:latin typeface="Fira Code" panose="020B0509050000020004" pitchFamily="49" charset="0"/>
+              </a:rPr>
+              <a:t>output</a:t>
+            </a:r>
+            <a:r>
+              <a:rPr lang="en-US" sz="1400" dirty="0">
+                <a:solidFill>
+                  <a:srgbClr val="D4D4D4"/>
+                </a:solidFill>
+                <a:latin typeface="Fira Code" panose="020B0509050000020004" pitchFamily="49" charset="0"/>
+              </a:rPr>
+              <a:t> | Should Be </a:t>
+            </a:r>
+            <a:r>
+              <a:rPr lang="en-US" sz="1400" dirty="0">
+                <a:solidFill>
+                  <a:srgbClr val="CE9178"/>
+                </a:solidFill>
+                <a:latin typeface="Fira Code" panose="020B0509050000020004" pitchFamily="49" charset="0"/>
+              </a:rPr>
+              <a:t>'test.txt'</a:t>
+            </a:r>
+            <a:endParaRPr lang="en-US" sz="1400" dirty="0">
+              <a:solidFill>
+                <a:srgbClr val="D4D4D4"/>
+              </a:solidFill>
+              <a:latin typeface="Fira Code" panose="020B0509050000020004" pitchFamily="49" charset="0"/>
+            </a:endParaRPr>
+          </a:p>
+          <a:p>
+            <a:r>
+              <a:rPr lang="en-US" sz="1400" dirty="0">
+                <a:solidFill>
+                  <a:srgbClr val="D4D4D4"/>
+                </a:solidFill>
+                <a:latin typeface="Fira Code" panose="020B0509050000020004" pitchFamily="49" charset="0"/>
+              </a:rPr>
+              <a:t>    }</a:t>
+            </a:r>
+          </a:p>
+          <a:p>
+            <a:r>
+              <a:rPr lang="en-US" sz="1400" dirty="0">
+                <a:solidFill>
+                  <a:srgbClr val="D4D4D4"/>
+                </a:solidFill>
+                <a:latin typeface="Fira Code" panose="020B0509050000020004" pitchFamily="49" charset="0"/>
+              </a:rPr>
+              <a:t>}</a:t>
+            </a:r>
+            <a:endParaRPr lang="en-US" sz="1400" b="0" dirty="0">
+              <a:solidFill>
+                <a:srgbClr val="D4D4D4"/>
+              </a:solidFill>
+              <a:effectLst/>
+              <a:latin typeface="Fira Code" panose="020B0509050000020004" pitchFamily="49" charset="0"/>
+            </a:endParaRPr>
+          </a:p>
+        </p:txBody>
+      </p:sp>
     </p:spTree>
     <p:extLst>
       <p:ext uri="{BB962C8B-B14F-4D97-AF65-F5344CB8AC3E}">
@@ -17734,16 +23323,16 @@
 <file path=customXml/itemProps2.xml><?xml version="1.0" encoding="utf-8"?>
 <ds:datastoreItem xmlns:ds="http://schemas.openxmlformats.org/officeDocument/2006/customXml" ds:itemID="{85D5E7DC-E869-4789-9860-B4A138DCBC9C}">
   <ds:schemaRefs>
+    <ds:schemaRef ds:uri="http://schemas.microsoft.com/office/2006/documentManagement/types"/>
+    <ds:schemaRef ds:uri="http://schemas.microsoft.com/office/2006/metadata/properties"/>
+    <ds:schemaRef ds:uri="http://purl.org/dc/terms/"/>
+    <ds:schemaRef ds:uri="http://schemas.openxmlformats.org/package/2006/metadata/core-properties"/>
+    <ds:schemaRef ds:uri="http://schemas.microsoft.com/office/infopath/2007/PartnerControls"/>
+    <ds:schemaRef ds:uri="http://purl.org/dc/dcmitype/"/>
+    <ds:schemaRef ds:uri="3608d996-f921-4209-962b-af552f1375e0"/>
     <ds:schemaRef ds:uri="6eed6d30-21cb-4d2a-afd5-64247d3e7b92"/>
-    <ds:schemaRef ds:uri="http://purl.org/dc/terms/"/>
-    <ds:schemaRef ds:uri="http://schemas.microsoft.com/office/2006/documentManagement/types"/>
+    <ds:schemaRef ds:uri="http://www.w3.org/XML/1998/namespace"/>
     <ds:schemaRef ds:uri="http://purl.org/dc/elements/1.1/"/>
-    <ds:schemaRef ds:uri="http://schemas.microsoft.com/office/infopath/2007/PartnerControls"/>
-    <ds:schemaRef ds:uri="http://schemas.openxmlformats.org/package/2006/metadata/core-properties"/>
-    <ds:schemaRef ds:uri="3608d996-f921-4209-962b-af552f1375e0"/>
-    <ds:schemaRef ds:uri="http://schemas.microsoft.com/office/2006/metadata/properties"/>
-    <ds:schemaRef ds:uri="http://www.w3.org/XML/1998/namespace"/>
-    <ds:schemaRef ds:uri="http://purl.org/dc/dcmitype/"/>
   </ds:schemaRefs>
 </ds:datastoreItem>
 </file>

--- a/Summit2017_Mocking.pptx
+++ b/Summit2017_Mocking.pptx
@@ -5,10 +5,10 @@
     <p:sldMasterId id="2147483648" r:id="rId4"/>
   </p:sldMasterIdLst>
   <p:notesMasterIdLst>
-    <p:notesMasterId r:id="rId26"/>
+    <p:notesMasterId r:id="rId27"/>
   </p:notesMasterIdLst>
   <p:handoutMasterIdLst>
-    <p:handoutMasterId r:id="rId27"/>
+    <p:handoutMasterId r:id="rId28"/>
   </p:handoutMasterIdLst>
   <p:sldIdLst>
     <p:sldId id="422" r:id="rId5"/>
@@ -27,11 +27,12 @@
     <p:sldId id="417" r:id="rId18"/>
     <p:sldId id="430" r:id="rId19"/>
     <p:sldId id="431" r:id="rId20"/>
-    <p:sldId id="418" r:id="rId21"/>
-    <p:sldId id="419" r:id="rId22"/>
-    <p:sldId id="420" r:id="rId23"/>
-    <p:sldId id="409" r:id="rId24"/>
-    <p:sldId id="421" r:id="rId25"/>
+    <p:sldId id="432" r:id="rId21"/>
+    <p:sldId id="418" r:id="rId22"/>
+    <p:sldId id="419" r:id="rId23"/>
+    <p:sldId id="420" r:id="rId24"/>
+    <p:sldId id="409" r:id="rId25"/>
+    <p:sldId id="421" r:id="rId26"/>
   </p:sldIdLst>
   <p:sldSz cx="9144000" cy="5143500" type="screen16x9"/>
   <p:notesSz cx="6858000" cy="9144000"/>
@@ -1399,6 +1400,26 @@
               <a:buFont typeface="Arial" panose="020B0604020202020204" pitchFamily="34" charset="0"/>
               <a:buChar char="•"/>
             </a:pPr>
+            <a:r>
+              <a:rPr lang="en-US" dirty="0"/>
+              <a:t>You can use Add-Member to effectively override the value of any Property or Method</a:t>
+            </a:r>
+          </a:p>
+          <a:p>
+            <a:pPr marL="171450" indent="-171450">
+              <a:buFont typeface="Arial" panose="020B0604020202020204" pitchFamily="34" charset="0"/>
+              <a:buChar char="•"/>
+            </a:pPr>
+            <a:r>
+              <a:rPr lang="en-US" dirty="0"/>
+              <a:t>Note, this method of creating a fake object requires a class with a public constructor</a:t>
+            </a:r>
+          </a:p>
+          <a:p>
+            <a:pPr marL="171450" indent="-171450">
+              <a:buFont typeface="Arial" panose="020B0604020202020204" pitchFamily="34" charset="0"/>
+              <a:buChar char="•"/>
+            </a:pPr>
             <a:endParaRPr lang="en-US" dirty="0"/>
           </a:p>
           <a:p>
@@ -1452,6 +1473,160 @@
     <p:extLst>
       <p:ext uri="{BB962C8B-B14F-4D97-AF65-F5344CB8AC3E}">
         <p14:creationId xmlns:p14="http://schemas.microsoft.com/office/powerpoint/2010/main" val="431507397"/>
+      </p:ext>
+    </p:extLst>
+  </p:cSld>
+  <p:clrMapOvr>
+    <a:masterClrMapping/>
+  </p:clrMapOvr>
+</p:notes>
+</file>
+
+<file path=ppt/notesSlides/notesSlide15.xml><?xml version="1.0" encoding="utf-8"?>
+<p:notes xmlns:a="http://schemas.openxmlformats.org/drawingml/2006/main" xmlns:r="http://schemas.openxmlformats.org/officeDocument/2006/relationships" xmlns:p="http://schemas.openxmlformats.org/presentationml/2006/main">
+  <p:cSld>
+    <p:spTree>
+      <p:nvGrpSpPr>
+        <p:cNvPr id="1" name=""/>
+        <p:cNvGrpSpPr/>
+        <p:nvPr/>
+      </p:nvGrpSpPr>
+      <p:grpSpPr>
+        <a:xfrm>
+          <a:off x="0" y="0"/>
+          <a:ext cx="0" cy="0"/>
+          <a:chOff x="0" y="0"/>
+          <a:chExt cx="0" cy="0"/>
+        </a:xfrm>
+      </p:grpSpPr>
+      <p:sp>
+        <p:nvSpPr>
+          <p:cNvPr id="2" name="Slide Image Placeholder 1"/>
+          <p:cNvSpPr>
+            <a:spLocks noGrp="1" noRot="1" noChangeAspect="1"/>
+          </p:cNvSpPr>
+          <p:nvPr>
+            <p:ph type="sldImg"/>
+          </p:nvPr>
+        </p:nvSpPr>
+        <p:spPr/>
+      </p:sp>
+      <p:sp>
+        <p:nvSpPr>
+          <p:cNvPr id="3" name="Notes Placeholder 2"/>
+          <p:cNvSpPr>
+            <a:spLocks noGrp="1"/>
+          </p:cNvSpPr>
+          <p:nvPr>
+            <p:ph type="body" idx="1"/>
+          </p:nvPr>
+        </p:nvSpPr>
+        <p:spPr/>
+        <p:txBody>
+          <a:bodyPr/>
+          <a:lstStyle/>
+          <a:p>
+            <a:pPr marL="171450" indent="-171450">
+              <a:buFont typeface="Arial" panose="020B0604020202020204" pitchFamily="34" charset="0"/>
+              <a:buChar char="•"/>
+            </a:pPr>
+            <a:r>
+              <a:rPr lang="en-US" dirty="0"/>
+              <a:t>How about testing a </a:t>
+            </a:r>
+            <a:r>
+              <a:rPr lang="en-US" dirty="0" err="1"/>
+              <a:t>ScriptBlock</a:t>
+            </a:r>
+            <a:r>
+              <a:rPr lang="en-US" dirty="0"/>
+              <a:t> that you are passing to Invoke-Command</a:t>
+            </a:r>
+          </a:p>
+          <a:p>
+            <a:pPr marL="171450" indent="-171450">
+              <a:buFont typeface="Arial" panose="020B0604020202020204" pitchFamily="34" charset="0"/>
+              <a:buChar char="•"/>
+            </a:pPr>
+            <a:r>
+              <a:rPr lang="en-US" dirty="0"/>
+              <a:t>Don’t put a lot of logic in your </a:t>
+            </a:r>
+            <a:r>
+              <a:rPr lang="en-US" dirty="0" err="1"/>
+              <a:t>ScriptBlock</a:t>
+            </a:r>
+            <a:r>
+              <a:rPr lang="en-US" dirty="0"/>
+              <a:t>. Build a testable module then use the </a:t>
+            </a:r>
+            <a:r>
+              <a:rPr lang="en-US" dirty="0" err="1"/>
+              <a:t>ScriptBlock</a:t>
+            </a:r>
+            <a:r>
+              <a:rPr lang="en-US" dirty="0"/>
+              <a:t> to install and invoke the module.</a:t>
+            </a:r>
+          </a:p>
+          <a:p>
+            <a:pPr marL="171450" indent="-171450">
+              <a:buFont typeface="Arial" panose="020B0604020202020204" pitchFamily="34" charset="0"/>
+              <a:buChar char="•"/>
+            </a:pPr>
+            <a:endParaRPr lang="en-US" dirty="0"/>
+          </a:p>
+          <a:p>
+            <a:pPr marL="171450" indent="-171450">
+              <a:buFont typeface="Arial" panose="020B0604020202020204" pitchFamily="34" charset="0"/>
+              <a:buChar char="•"/>
+            </a:pPr>
+            <a:endParaRPr lang="en-US" dirty="0"/>
+          </a:p>
+          <a:p>
+            <a:pPr marL="0" indent="0">
+              <a:buFont typeface="Arial" panose="020B0604020202020204" pitchFamily="34" charset="0"/>
+              <a:buNone/>
+            </a:pPr>
+            <a:endParaRPr lang="en-US" dirty="0"/>
+          </a:p>
+          <a:p>
+            <a:pPr marL="171450" indent="-171450">
+              <a:buFont typeface="Arial" panose="020B0604020202020204" pitchFamily="34" charset="0"/>
+              <a:buChar char="•"/>
+            </a:pPr>
+            <a:endParaRPr lang="en-US" dirty="0"/>
+          </a:p>
+        </p:txBody>
+      </p:sp>
+      <p:sp>
+        <p:nvSpPr>
+          <p:cNvPr id="4" name="Slide Number Placeholder 3"/>
+          <p:cNvSpPr>
+            <a:spLocks noGrp="1"/>
+          </p:cNvSpPr>
+          <p:nvPr>
+            <p:ph type="sldNum" sz="quarter" idx="10"/>
+          </p:nvPr>
+        </p:nvSpPr>
+        <p:spPr/>
+        <p:txBody>
+          <a:bodyPr/>
+          <a:lstStyle/>
+          <a:p>
+            <a:fld id="{580C3CF9-2088-4345-84DE-A0500A36AC73}" type="slidenum">
+              <a:rPr lang="en-US" smtClean="0"/>
+              <a:pPr/>
+              <a:t>17</a:t>
+            </a:fld>
+            <a:endParaRPr lang="en-US"/>
+          </a:p>
+        </p:txBody>
+      </p:sp>
+    </p:spTree>
+    <p:extLst>
+      <p:ext uri="{BB962C8B-B14F-4D97-AF65-F5344CB8AC3E}">
+        <p14:creationId xmlns:p14="http://schemas.microsoft.com/office/powerpoint/2010/main" val="430800703"/>
       </p:ext>
     </p:extLst>
   </p:cSld>
@@ -15448,125 +15623,13 @@
       </p:cxnSp>
       <p:sp>
         <p:nvSpPr>
-          <p:cNvPr id="8" name="TextBox 7"/>
-          <p:cNvSpPr txBox="1"/>
-          <p:nvPr/>
-        </p:nvSpPr>
-        <p:spPr>
-          <a:xfrm>
-            <a:off x="273051" y="803344"/>
-            <a:ext cx="8454559" cy="307777"/>
-          </a:xfrm>
-          <a:prstGeom prst="rect">
-            <a:avLst/>
-          </a:prstGeom>
-          <a:noFill/>
-        </p:spPr>
-        <p:txBody>
-          <a:bodyPr wrap="none" rtlCol="0">
-            <a:spAutoFit/>
-          </a:bodyPr>
-          <a:lstStyle/>
-          <a:p>
-            <a:r>
-              <a:rPr lang="en-US" sz="1400" dirty="0">
-                <a:latin typeface="Fira Code" panose="020B0509050000020004" pitchFamily="49" charset="0"/>
-                <a:ea typeface="Fira Code" panose="020B0509050000020004" pitchFamily="49" charset="0"/>
-                <a:cs typeface="TM Sans"/>
-              </a:rPr>
-              <a:t>New-Object -TypeName Diagnostics.Process -Property @{Name = "IMadeItUp.exe" }</a:t>
-            </a:r>
-            <a:endParaRPr lang="en-US" sz="1400" dirty="0">
-              <a:latin typeface="Fira Code" panose="020B0509050000020004" pitchFamily="49" charset="0"/>
-              <a:ea typeface="Fira Code" panose="020B0509050000020004" pitchFamily="49" charset="0"/>
-              <a:cs typeface="TM Sans"/>
-            </a:endParaRPr>
-          </a:p>
-        </p:txBody>
-      </p:sp>
-      <p:pic>
-        <p:nvPicPr>
-          <p:cNvPr id="13" name="Picture 12"/>
-          <p:cNvPicPr>
-            <a:picLocks noChangeAspect="1"/>
-          </p:cNvPicPr>
-          <p:nvPr/>
-        </p:nvPicPr>
-        <p:blipFill>
-          <a:blip r:embed="rId3"/>
-          <a:stretch>
-            <a:fillRect/>
-          </a:stretch>
-        </p:blipFill>
-        <p:spPr>
-          <a:xfrm>
-            <a:off x="2672456" y="3887890"/>
-            <a:ext cx="6087325" cy="857370"/>
-          </a:xfrm>
-          <a:prstGeom prst="rect">
-            <a:avLst/>
-          </a:prstGeom>
-          <a:ln w="76200">
-            <a:solidFill>
-              <a:schemeClr val="bg2">
-                <a:lumMod val="50000"/>
-              </a:schemeClr>
-            </a:solidFill>
-          </a:ln>
-        </p:spPr>
-      </p:pic>
-      <p:sp>
-        <p:nvSpPr>
-          <p:cNvPr id="14" name="TextBox 13"/>
-          <p:cNvSpPr txBox="1"/>
-          <p:nvPr/>
-        </p:nvSpPr>
-        <p:spPr>
-          <a:xfrm>
-            <a:off x="336594" y="3953998"/>
-            <a:ext cx="2339102" cy="707886"/>
-          </a:xfrm>
-          <a:prstGeom prst="rect">
-            <a:avLst/>
-          </a:prstGeom>
-          <a:noFill/>
-        </p:spPr>
-        <p:txBody>
-          <a:bodyPr wrap="none" rtlCol="0">
-            <a:spAutoFit/>
-          </a:bodyPr>
-          <a:lstStyle/>
-          <a:p>
-            <a:r>
-              <a:rPr lang="en-US" sz="2000" dirty="0">
-                <a:latin typeface="Fira Code" panose="020B0509050000020004" pitchFamily="49" charset="0"/>
-                <a:ea typeface="Fira Code" panose="020B0509050000020004" pitchFamily="49" charset="0"/>
-                <a:cs typeface="TM Sans"/>
-              </a:rPr>
-              <a:t>PS &gt;$ps</a:t>
-            </a:r>
-          </a:p>
-          <a:p>
-            <a:r>
-              <a:rPr lang="en-US" sz="2000" dirty="0">
-                <a:latin typeface="Fira Code" panose="020B0509050000020004" pitchFamily="49" charset="0"/>
-                <a:ea typeface="Fira Code" panose="020B0509050000020004" pitchFamily="49" charset="0"/>
-                <a:cs typeface="TM Sans"/>
-              </a:rPr>
-              <a:t>PS &gt;$ps.Kill()</a:t>
-            </a:r>
-          </a:p>
-        </p:txBody>
-      </p:sp>
-      <p:sp>
-        <p:nvSpPr>
           <p:cNvPr id="15" name="TextBox 14"/>
           <p:cNvSpPr txBox="1"/>
           <p:nvPr/>
         </p:nvSpPr>
         <p:spPr>
           <a:xfrm>
-            <a:off x="225529" y="2349449"/>
+            <a:off x="225530" y="2115250"/>
             <a:ext cx="8645315" cy="830997"/>
           </a:xfrm>
           <a:prstGeom prst="rect">
@@ -15978,8 +16041,8 @@
         </p:nvSpPr>
         <p:spPr>
           <a:xfrm>
-            <a:off x="273052" y="1130561"/>
-            <a:ext cx="8597792" cy="630002"/>
+            <a:off x="225530" y="830179"/>
+            <a:ext cx="8645314" cy="978809"/>
           </a:xfrm>
           <a:solidFill>
             <a:schemeClr val="bg2">
@@ -15996,9 +16059,50 @@
         </p:spPr>
         <p:txBody>
           <a:bodyPr>
-            <a:normAutofit/>
+            <a:noAutofit/>
           </a:bodyPr>
           <a:lstStyle/>
+          <a:p>
+            <a:pPr lvl="0">
+              <a:lnSpc>
+                <a:spcPct val="100000"/>
+              </a:lnSpc>
+              <a:spcBef>
+                <a:spcPts val="0"/>
+              </a:spcBef>
+            </a:pPr>
+            <a:r>
+              <a:rPr lang="en-US" sz="1200" dirty="0">
+                <a:solidFill>
+                  <a:schemeClr val="bg1">
+                    <a:lumMod val="65000"/>
+                  </a:schemeClr>
+                </a:solidFill>
+                <a:latin typeface="Fira Code" panose="020B0509050000020004" pitchFamily="49" charset="0"/>
+                <a:ea typeface="Fira Code" panose="020B0509050000020004" pitchFamily="49" charset="0"/>
+              </a:rPr>
+              <a:t>PS &gt; </a:t>
+            </a:r>
+            <a:r>
+              <a:rPr lang="en-US" sz="1200" dirty="0">
+                <a:solidFill>
+                  <a:schemeClr val="bg1">
+                    <a:lumMod val="65000"/>
+                  </a:schemeClr>
+                </a:solidFill>
+                <a:latin typeface="Fira Code" panose="020B0509050000020004" pitchFamily="49" charset="0"/>
+                <a:ea typeface="Fira Code" panose="020B0509050000020004" pitchFamily="49" charset="0"/>
+              </a:rPr>
+              <a:t>New-Object -TypeName Diagnostics.Process -Property @{Name = "IMadeItUp.exe" }</a:t>
+            </a:r>
+            <a:endParaRPr lang="en-US" sz="1200" dirty="0">
+              <a:solidFill>
+                <a:srgbClr val="FF0000"/>
+              </a:solidFill>
+              <a:latin typeface="Fira Code" panose="020B0509050000020004" pitchFamily="49" charset="0"/>
+              <a:ea typeface="Fira Code" panose="020B0509050000020004" pitchFamily="49" charset="0"/>
+            </a:endParaRPr>
+          </a:p>
           <a:p>
             <a:pPr>
               <a:lnSpc>
@@ -16008,41 +16112,281 @@
                 <a:spcPts val="0"/>
               </a:spcBef>
             </a:pPr>
-            <a:r>
-              <a:rPr lang="en-US" sz="1200" dirty="0">
-                <a:solidFill>
-                  <a:srgbClr val="FF0000"/>
-                </a:solidFill>
-                <a:latin typeface="Fira Code" panose="020B0509050000020004" pitchFamily="49" charset="0"/>
-                <a:ea typeface="Fira Code" panose="020B0509050000020004" pitchFamily="49" charset="0"/>
-              </a:rPr>
-              <a:t>New-Object : The value supplied is not valid, or the property is read-only. Change the value, and then try again.</a:t>
-            </a:r>
-            <a:br>
-              <a:rPr lang="en-US" sz="1200" dirty="0">
-                <a:solidFill>
-                  <a:srgbClr val="FF0000"/>
-                </a:solidFill>
-                <a:latin typeface="Fira Code" panose="020B0509050000020004" pitchFamily="49" charset="0"/>
-                <a:ea typeface="Fira Code" panose="020B0509050000020004" pitchFamily="49" charset="0"/>
-              </a:rPr>
-            </a:br>
-            <a:r>
-              <a:rPr lang="en-US" sz="1200" dirty="0">
-                <a:solidFill>
-                  <a:srgbClr val="FF0000"/>
-                </a:solidFill>
-                <a:latin typeface="Fira Code" panose="020B0509050000020004" pitchFamily="49" charset="0"/>
-                <a:ea typeface="Fira Code" panose="020B0509050000020004" pitchFamily="49" charset="0"/>
-              </a:rPr>
-              <a:t>At line:1 char:7+ $ps = New-Object -TypeName Diagnostics.Process -Property @{Name = "IM ...</a:t>
-            </a:r>
             <a:endParaRPr lang="en-US" sz="1200" dirty="0">
               <a:solidFill>
                 <a:srgbClr val="FF0000"/>
               </a:solidFill>
               <a:latin typeface="Fira Code" panose="020B0509050000020004" pitchFamily="49" charset="0"/>
               <a:ea typeface="Fira Code" panose="020B0509050000020004" pitchFamily="49" charset="0"/>
+            </a:endParaRPr>
+          </a:p>
+          <a:p>
+            <a:pPr>
+              <a:lnSpc>
+                <a:spcPct val="100000"/>
+              </a:lnSpc>
+              <a:spcBef>
+                <a:spcPts val="0"/>
+              </a:spcBef>
+            </a:pPr>
+            <a:r>
+              <a:rPr lang="en-US" sz="1200" dirty="0">
+                <a:solidFill>
+                  <a:srgbClr val="FF0000"/>
+                </a:solidFill>
+                <a:latin typeface="Fira Code" panose="020B0509050000020004" pitchFamily="49" charset="0"/>
+                <a:ea typeface="Fira Code" panose="020B0509050000020004" pitchFamily="49" charset="0"/>
+              </a:rPr>
+              <a:t>New-Object : The value supplied is not valid, or the property is read-only. Change the value, and then try again.</a:t>
+            </a:r>
+            <a:br>
+              <a:rPr lang="en-US" sz="1200" dirty="0">
+                <a:solidFill>
+                  <a:srgbClr val="FF0000"/>
+                </a:solidFill>
+                <a:latin typeface="Fira Code" panose="020B0509050000020004" pitchFamily="49" charset="0"/>
+                <a:ea typeface="Fira Code" panose="020B0509050000020004" pitchFamily="49" charset="0"/>
+              </a:rPr>
+            </a:br>
+            <a:r>
+              <a:rPr lang="en-US" sz="1200" dirty="0">
+                <a:solidFill>
+                  <a:srgbClr val="FF0000"/>
+                </a:solidFill>
+                <a:latin typeface="Fira Code" panose="020B0509050000020004" pitchFamily="49" charset="0"/>
+                <a:ea typeface="Fira Code" panose="020B0509050000020004" pitchFamily="49" charset="0"/>
+              </a:rPr>
+              <a:t>At line:1 char:7+ $ps = New-Object -TypeName Diagnostics.Process -Property @{Name = "IM ...</a:t>
+            </a:r>
+            <a:endParaRPr lang="en-US" sz="1200" dirty="0">
+              <a:solidFill>
+                <a:srgbClr val="FF0000"/>
+              </a:solidFill>
+              <a:latin typeface="Fira Code" panose="020B0509050000020004" pitchFamily="49" charset="0"/>
+              <a:ea typeface="Fira Code" panose="020B0509050000020004" pitchFamily="49" charset="0"/>
+            </a:endParaRPr>
+          </a:p>
+        </p:txBody>
+      </p:sp>
+      <p:sp>
+        <p:nvSpPr>
+          <p:cNvPr id="18" name="TextBox 17"/>
+          <p:cNvSpPr txBox="1"/>
+          <p:nvPr/>
+        </p:nvSpPr>
+        <p:spPr>
+          <a:xfrm>
+            <a:off x="2085013" y="3258252"/>
+            <a:ext cx="6785832" cy="1569660"/>
+          </a:xfrm>
+          <a:prstGeom prst="rect">
+            <a:avLst/>
+          </a:prstGeom>
+          <a:solidFill>
+            <a:schemeClr val="bg2">
+              <a:lumMod val="50000"/>
+            </a:schemeClr>
+          </a:solidFill>
+          <a:ln w="76200">
+            <a:solidFill>
+              <a:schemeClr val="bg2">
+                <a:lumMod val="50000"/>
+              </a:schemeClr>
+            </a:solidFill>
+          </a:ln>
+        </p:spPr>
+        <p:txBody>
+          <a:bodyPr wrap="none" rtlCol="0">
+            <a:spAutoFit/>
+          </a:bodyPr>
+          <a:lstStyle/>
+          <a:p>
+            <a:r>
+              <a:rPr lang="en-US" sz="1200" dirty="0">
+                <a:solidFill>
+                  <a:schemeClr val="bg1">
+                    <a:lumMod val="65000"/>
+                  </a:schemeClr>
+                </a:solidFill>
+                <a:latin typeface="Fira Code" panose="020B0509050000020004" pitchFamily="49" charset="0"/>
+              </a:rPr>
+              <a:t>PS &gt; </a:t>
+            </a:r>
+            <a:r>
+              <a:rPr lang="en-US" sz="1200" dirty="0">
+                <a:solidFill>
+                  <a:srgbClr val="569CD6"/>
+                </a:solidFill>
+                <a:latin typeface="Fira Code" panose="020B0509050000020004" pitchFamily="49" charset="0"/>
+              </a:rPr>
+              <a:t>$</a:t>
+            </a:r>
+            <a:r>
+              <a:rPr lang="en-US" sz="1200" dirty="0">
+                <a:solidFill>
+                  <a:srgbClr val="9CDCFE"/>
+                </a:solidFill>
+                <a:latin typeface="Fira Code" panose="020B0509050000020004" pitchFamily="49" charset="0"/>
+              </a:rPr>
+              <a:t>ps</a:t>
+            </a:r>
+            <a:endParaRPr lang="en-US" sz="1200" dirty="0">
+              <a:solidFill>
+                <a:srgbClr val="D4D4D4"/>
+              </a:solidFill>
+              <a:latin typeface="Fira Code" panose="020B0509050000020004" pitchFamily="49" charset="0"/>
+            </a:endParaRPr>
+          </a:p>
+          <a:p>
+            <a:endParaRPr lang="en-US" sz="1200" dirty="0">
+              <a:solidFill>
+                <a:schemeClr val="bg1">
+                  <a:lumMod val="65000"/>
+                </a:schemeClr>
+              </a:solidFill>
+              <a:latin typeface="Fira Code" panose="020B0509050000020004" pitchFamily="49" charset="0"/>
+            </a:endParaRPr>
+          </a:p>
+          <a:p>
+            <a:r>
+              <a:rPr lang="en-US" sz="1200" dirty="0">
+                <a:solidFill>
+                  <a:schemeClr val="bg1">
+                    <a:lumMod val="65000"/>
+                  </a:schemeClr>
+                </a:solidFill>
+                <a:latin typeface="Fira Code" panose="020B0509050000020004" pitchFamily="49" charset="0"/>
+              </a:rPr>
+              <a:t>Handles  NPM(K)    PM(K)      WS(K)     CPU(s)     Id  SI </a:t>
+            </a:r>
+            <a:r>
+              <a:rPr lang="en-US" sz="1200" dirty="0" err="1">
+                <a:solidFill>
+                  <a:schemeClr val="bg1">
+                    <a:lumMod val="65000"/>
+                  </a:schemeClr>
+                </a:solidFill>
+                <a:latin typeface="Fira Code" panose="020B0509050000020004" pitchFamily="49" charset="0"/>
+              </a:rPr>
+              <a:t>ProcessName</a:t>
+            </a:r>
+            <a:endParaRPr lang="en-US" sz="1200" dirty="0">
+              <a:solidFill>
+                <a:schemeClr val="bg1">
+                  <a:lumMod val="65000"/>
+                </a:schemeClr>
+              </a:solidFill>
+              <a:latin typeface="Fira Code" panose="020B0509050000020004" pitchFamily="49" charset="0"/>
+            </a:endParaRPr>
+          </a:p>
+          <a:p>
+            <a:r>
+              <a:rPr lang="en-US" sz="1200" dirty="0">
+                <a:solidFill>
+                  <a:schemeClr val="bg1">
+                    <a:lumMod val="65000"/>
+                  </a:schemeClr>
+                </a:solidFill>
+                <a:latin typeface="Fira Code" panose="020B0509050000020004" pitchFamily="49" charset="0"/>
+              </a:rPr>
+              <a:t>-------  ------    -----      -----     ------     --  -- -----------</a:t>
+            </a:r>
+          </a:p>
+          <a:p>
+            <a:r>
+              <a:rPr lang="en-US" sz="1200" dirty="0">
+                <a:solidFill>
+                  <a:schemeClr val="bg1">
+                    <a:lumMod val="65000"/>
+                  </a:schemeClr>
+                </a:solidFill>
+                <a:latin typeface="Fira Code" panose="020B0509050000020004" pitchFamily="49" charset="0"/>
+              </a:rPr>
+              <a:t>              0        0          0               321     IMadeItUp.exe</a:t>
+            </a:r>
+          </a:p>
+          <a:p>
+            <a:r>
+              <a:rPr lang="en-US" sz="1200" dirty="0">
+                <a:solidFill>
+                  <a:schemeClr val="bg1">
+                    <a:lumMod val="65000"/>
+                  </a:schemeClr>
+                </a:solidFill>
+                <a:latin typeface="Fira Code" panose="020B0509050000020004" pitchFamily="49" charset="0"/>
+              </a:rPr>
+              <a:t>PS &gt; </a:t>
+            </a:r>
+            <a:r>
+              <a:rPr lang="en-US" sz="1200" dirty="0">
+                <a:solidFill>
+                  <a:srgbClr val="569CD6"/>
+                </a:solidFill>
+                <a:latin typeface="Fira Code" panose="020B0509050000020004" pitchFamily="49" charset="0"/>
+              </a:rPr>
+              <a:t>$</a:t>
+            </a:r>
+            <a:r>
+              <a:rPr lang="en-US" sz="1200" dirty="0" err="1">
+                <a:solidFill>
+                  <a:srgbClr val="9CDCFE"/>
+                </a:solidFill>
+                <a:latin typeface="Fira Code" panose="020B0509050000020004" pitchFamily="49" charset="0"/>
+              </a:rPr>
+              <a:t>ps</a:t>
+            </a:r>
+            <a:r>
+              <a:rPr lang="en-US" sz="1200" dirty="0" err="1">
+                <a:solidFill>
+                  <a:srgbClr val="DCDCAA"/>
+                </a:solidFill>
+                <a:latin typeface="Fira Code" panose="020B0509050000020004" pitchFamily="49" charset="0"/>
+              </a:rPr>
+              <a:t>.kill</a:t>
+            </a:r>
+            <a:r>
+              <a:rPr lang="en-US" sz="1200" dirty="0">
+                <a:solidFill>
+                  <a:srgbClr val="569CD6"/>
+                </a:solidFill>
+                <a:latin typeface="Fira Code" panose="020B0509050000020004" pitchFamily="49" charset="0"/>
+              </a:rPr>
+              <a:t>()</a:t>
+            </a:r>
+            <a:endParaRPr lang="en-US" sz="1200" dirty="0">
+              <a:solidFill>
+                <a:srgbClr val="D4D4D4"/>
+              </a:solidFill>
+              <a:latin typeface="Fira Code" panose="020B0509050000020004" pitchFamily="49" charset="0"/>
+            </a:endParaRPr>
+          </a:p>
+          <a:p>
+            <a:br>
+              <a:rPr lang="en-US" sz="1200" dirty="0">
+                <a:solidFill>
+                  <a:srgbClr val="D4D4D4"/>
+                </a:solidFill>
+                <a:latin typeface="Fira Code" panose="020B0509050000020004" pitchFamily="49" charset="0"/>
+              </a:rPr>
+            </a:br>
+            <a:r>
+              <a:rPr lang="en-US" sz="1200" dirty="0">
+                <a:solidFill>
+                  <a:schemeClr val="bg1">
+                    <a:lumMod val="65000"/>
+                  </a:schemeClr>
+                </a:solidFill>
+                <a:latin typeface="Fira Code" panose="020B0509050000020004" pitchFamily="49" charset="0"/>
+              </a:rPr>
+              <a:t>Killed 321</a:t>
+            </a:r>
+            <a:endParaRPr lang="en-US" sz="1200" dirty="0">
+              <a:solidFill>
+                <a:schemeClr val="bg1">
+                  <a:lumMod val="65000"/>
+                </a:schemeClr>
+              </a:solidFill>
+              <a:latin typeface="Fira Code" panose="020B0509050000020004" pitchFamily="49" charset="0"/>
             </a:endParaRPr>
           </a:p>
         </p:txBody>
@@ -16061,6 +16405,725 @@
 </file>
 
 <file path=ppt/slides/slide17.xml><?xml version="1.0" encoding="utf-8"?>
+<p:sld xmlns:a="http://schemas.openxmlformats.org/drawingml/2006/main" xmlns:r="http://schemas.openxmlformats.org/officeDocument/2006/relationships" xmlns:p="http://schemas.openxmlformats.org/presentationml/2006/main">
+  <p:cSld>
+    <p:spTree>
+      <p:nvGrpSpPr>
+        <p:cNvPr id="1" name=""/>
+        <p:cNvGrpSpPr/>
+        <p:nvPr/>
+      </p:nvGrpSpPr>
+      <p:grpSpPr>
+        <a:xfrm>
+          <a:off x="0" y="0"/>
+          <a:ext cx="0" cy="0"/>
+          <a:chOff x="0" y="0"/>
+          <a:chExt cx="0" cy="0"/>
+        </a:xfrm>
+      </p:grpSpPr>
+      <p:sp>
+        <p:nvSpPr>
+          <p:cNvPr id="3" name="Text Placeholder 2"/>
+          <p:cNvSpPr>
+            <a:spLocks noGrp="1"/>
+          </p:cNvSpPr>
+          <p:nvPr>
+            <p:ph type="body" sz="quarter" idx="15"/>
+          </p:nvPr>
+        </p:nvSpPr>
+        <p:spPr>
+          <a:effectLst>
+            <a:outerShdw blurRad="40005" dist="20320" dir="5400000" algn="ctr" rotWithShape="0">
+              <a:schemeClr val="bg2">
+                <a:alpha val="38000"/>
+              </a:schemeClr>
+            </a:outerShdw>
+          </a:effectLst>
+        </p:spPr>
+        <p:txBody>
+          <a:bodyPr/>
+          <a:lstStyle/>
+          <a:p>
+            <a:r>
+              <a:rPr lang="en-US" dirty="0">
+                <a:latin typeface="Interstate-Black"/>
+                <a:cs typeface="Interstate-Black"/>
+              </a:rPr>
+              <a:t>Script Blocks</a:t>
+            </a:r>
+          </a:p>
+        </p:txBody>
+      </p:sp>
+      <p:cxnSp>
+        <p:nvCxnSpPr>
+          <p:cNvPr id="6" name="Straight Connector 5"/>
+          <p:cNvCxnSpPr>
+            <a:stCxn id="3" idx="1"/>
+            <a:endCxn id="3" idx="3"/>
+          </p:cNvCxnSpPr>
+          <p:nvPr/>
+        </p:nvCxnSpPr>
+        <p:spPr>
+          <a:xfrm>
+            <a:off x="273051" y="641272"/>
+            <a:ext cx="8550274" cy="0"/>
+          </a:xfrm>
+          <a:prstGeom prst="line">
+            <a:avLst/>
+          </a:prstGeom>
+        </p:spPr>
+        <p:style>
+          <a:lnRef idx="2">
+            <a:schemeClr val="accent1"/>
+          </a:lnRef>
+          <a:fillRef idx="0">
+            <a:schemeClr val="accent1"/>
+          </a:fillRef>
+          <a:effectRef idx="1">
+            <a:schemeClr val="accent1"/>
+          </a:effectRef>
+          <a:fontRef idx="minor">
+            <a:schemeClr val="tx1"/>
+          </a:fontRef>
+        </p:style>
+      </p:cxnSp>
+      <p:sp>
+        <p:nvSpPr>
+          <p:cNvPr id="15" name="TextBox 14"/>
+          <p:cNvSpPr txBox="1"/>
+          <p:nvPr/>
+        </p:nvSpPr>
+        <p:spPr>
+          <a:xfrm>
+            <a:off x="336594" y="946348"/>
+            <a:ext cx="3717684" cy="1938992"/>
+          </a:xfrm>
+          <a:prstGeom prst="rect">
+            <a:avLst/>
+          </a:prstGeom>
+          <a:solidFill>
+            <a:schemeClr val="bg2">
+              <a:lumMod val="50000"/>
+            </a:schemeClr>
+          </a:solidFill>
+          <a:ln w="76200">
+            <a:solidFill>
+              <a:schemeClr val="bg2">
+                <a:lumMod val="50000"/>
+              </a:schemeClr>
+            </a:solidFill>
+          </a:ln>
+        </p:spPr>
+        <p:txBody>
+          <a:bodyPr wrap="none" rtlCol="0">
+            <a:spAutoFit/>
+          </a:bodyPr>
+          <a:lstStyle/>
+          <a:p>
+            <a:r>
+              <a:rPr lang="en-US" sz="1200" dirty="0">
+                <a:solidFill>
+                  <a:srgbClr val="569CD6"/>
+                </a:solidFill>
+                <a:latin typeface="Fira Code" panose="020B0509050000020004" pitchFamily="49" charset="0"/>
+              </a:rPr>
+              <a:t>$</a:t>
+            </a:r>
+            <a:r>
+              <a:rPr lang="en-US" sz="1200" dirty="0" err="1">
+                <a:solidFill>
+                  <a:srgbClr val="9CDCFE"/>
+                </a:solidFill>
+                <a:latin typeface="Fira Code" panose="020B0509050000020004" pitchFamily="49" charset="0"/>
+              </a:rPr>
+              <a:t>scriptblock</a:t>
+            </a:r>
+            <a:r>
+              <a:rPr lang="en-US" sz="1200" dirty="0">
+                <a:solidFill>
+                  <a:srgbClr val="D4D4D4"/>
+                </a:solidFill>
+                <a:latin typeface="Fira Code" panose="020B0509050000020004" pitchFamily="49" charset="0"/>
+              </a:rPr>
+              <a:t> = {</a:t>
+            </a:r>
+            <a:r>
+              <a:rPr lang="en-US" sz="1200" dirty="0" err="1">
+                <a:solidFill>
+                  <a:srgbClr val="C586C0"/>
+                </a:solidFill>
+                <a:latin typeface="Fira Code" panose="020B0509050000020004" pitchFamily="49" charset="0"/>
+              </a:rPr>
+              <a:t>param</a:t>
+            </a:r>
+            <a:r>
+              <a:rPr lang="en-US" sz="1200" dirty="0">
+                <a:solidFill>
+                  <a:srgbClr val="569CD6"/>
+                </a:solidFill>
+                <a:latin typeface="Fira Code" panose="020B0509050000020004" pitchFamily="49" charset="0"/>
+              </a:rPr>
+              <a:t>(</a:t>
+            </a:r>
+            <a:r>
+              <a:rPr lang="en-US" sz="1200" dirty="0">
+                <a:solidFill>
+                  <a:srgbClr val="9CDCFE"/>
+                </a:solidFill>
+                <a:latin typeface="Fira Code" panose="020B0509050000020004" pitchFamily="49" charset="0"/>
+              </a:rPr>
+              <a:t>[bool]</a:t>
+            </a:r>
+            <a:r>
+              <a:rPr lang="en-US" sz="1200" dirty="0">
+                <a:solidFill>
+                  <a:srgbClr val="569CD6"/>
+                </a:solidFill>
+                <a:latin typeface="Fira Code" panose="020B0509050000020004" pitchFamily="49" charset="0"/>
+              </a:rPr>
+              <a:t>$</a:t>
+            </a:r>
+            <a:r>
+              <a:rPr lang="en-US" sz="1200" dirty="0">
+                <a:solidFill>
+                  <a:srgbClr val="9CDCFE"/>
+                </a:solidFill>
+                <a:latin typeface="Fira Code" panose="020B0509050000020004" pitchFamily="49" charset="0"/>
+              </a:rPr>
+              <a:t>testing</a:t>
+            </a:r>
+            <a:r>
+              <a:rPr lang="en-US" sz="1200" dirty="0">
+                <a:solidFill>
+                  <a:srgbClr val="569CD6"/>
+                </a:solidFill>
+                <a:latin typeface="Fira Code" panose="020B0509050000020004" pitchFamily="49" charset="0"/>
+              </a:rPr>
+              <a:t>)</a:t>
+            </a:r>
+            <a:r>
+              <a:rPr lang="en-US" sz="1200" dirty="0">
+                <a:solidFill>
+                  <a:srgbClr val="D4D4D4"/>
+                </a:solidFill>
+                <a:latin typeface="Fira Code" panose="020B0509050000020004" pitchFamily="49" charset="0"/>
+              </a:rPr>
+              <a:t> </a:t>
+            </a:r>
+          </a:p>
+          <a:p>
+            <a:r>
+              <a:rPr lang="en-US" sz="1200" dirty="0">
+                <a:solidFill>
+                  <a:srgbClr val="D4D4D4"/>
+                </a:solidFill>
+                <a:latin typeface="Fira Code" panose="020B0509050000020004" pitchFamily="49" charset="0"/>
+              </a:rPr>
+              <a:t>    </a:t>
+            </a:r>
+            <a:r>
+              <a:rPr lang="en-US" sz="1200" dirty="0">
+                <a:solidFill>
+                  <a:srgbClr val="C586C0"/>
+                </a:solidFill>
+                <a:latin typeface="Fira Code" panose="020B0509050000020004" pitchFamily="49" charset="0"/>
+              </a:rPr>
+              <a:t>if</a:t>
+            </a:r>
+            <a:r>
+              <a:rPr lang="en-US" sz="1200" dirty="0">
+                <a:solidFill>
+                  <a:srgbClr val="D4D4D4"/>
+                </a:solidFill>
+                <a:latin typeface="Fira Code" panose="020B0509050000020004" pitchFamily="49" charset="0"/>
+              </a:rPr>
+              <a:t> </a:t>
+            </a:r>
+            <a:r>
+              <a:rPr lang="en-US" sz="1200" dirty="0">
+                <a:solidFill>
+                  <a:srgbClr val="569CD6"/>
+                </a:solidFill>
+                <a:latin typeface="Fira Code" panose="020B0509050000020004" pitchFamily="49" charset="0"/>
+              </a:rPr>
+              <a:t>($</a:t>
+            </a:r>
+            <a:r>
+              <a:rPr lang="en-US" sz="1200" dirty="0">
+                <a:solidFill>
+                  <a:srgbClr val="9CDCFE"/>
+                </a:solidFill>
+                <a:latin typeface="Fira Code" panose="020B0509050000020004" pitchFamily="49" charset="0"/>
+              </a:rPr>
+              <a:t>testing</a:t>
+            </a:r>
+            <a:r>
+              <a:rPr lang="en-US" sz="1200" dirty="0">
+                <a:solidFill>
+                  <a:srgbClr val="569CD6"/>
+                </a:solidFill>
+                <a:latin typeface="Fira Code" panose="020B0509050000020004" pitchFamily="49" charset="0"/>
+              </a:rPr>
+              <a:t>)</a:t>
+            </a:r>
+            <a:r>
+              <a:rPr lang="en-US" sz="1200" dirty="0">
+                <a:solidFill>
+                  <a:srgbClr val="D4D4D4"/>
+                </a:solidFill>
+                <a:latin typeface="Fira Code" panose="020B0509050000020004" pitchFamily="49" charset="0"/>
+              </a:rPr>
+              <a:t> {</a:t>
+            </a:r>
+          </a:p>
+          <a:p>
+            <a:r>
+              <a:rPr lang="en-US" sz="1200" dirty="0">
+                <a:solidFill>
+                  <a:srgbClr val="D4D4D4"/>
+                </a:solidFill>
+                <a:latin typeface="Fira Code" panose="020B0509050000020004" pitchFamily="49" charset="0"/>
+              </a:rPr>
+              <a:t>        </a:t>
+            </a:r>
+            <a:r>
+              <a:rPr lang="en-US" sz="1200" dirty="0">
+                <a:solidFill>
+                  <a:srgbClr val="DCDCAA"/>
+                </a:solidFill>
+                <a:latin typeface="Fira Code" panose="020B0509050000020004" pitchFamily="49" charset="0"/>
+              </a:rPr>
+              <a:t>Write-Output</a:t>
+            </a:r>
+            <a:r>
+              <a:rPr lang="en-US" sz="1200" dirty="0">
+                <a:solidFill>
+                  <a:srgbClr val="D4D4D4"/>
+                </a:solidFill>
+                <a:latin typeface="Fira Code" panose="020B0509050000020004" pitchFamily="49" charset="0"/>
+              </a:rPr>
+              <a:t> </a:t>
+            </a:r>
+            <a:r>
+              <a:rPr lang="en-US" sz="1200" dirty="0">
+                <a:solidFill>
+                  <a:srgbClr val="CE9178"/>
+                </a:solidFill>
+                <a:latin typeface="Fira Code" panose="020B0509050000020004" pitchFamily="49" charset="0"/>
+              </a:rPr>
+              <a:t>'</a:t>
+            </a:r>
+            <a:r>
+              <a:rPr lang="en-US" sz="1200" dirty="0" err="1">
+                <a:solidFill>
+                  <a:srgbClr val="CE9178"/>
+                </a:solidFill>
+                <a:latin typeface="Fira Code" panose="020B0509050000020004" pitchFamily="49" charset="0"/>
+              </a:rPr>
+              <a:t>TestHostName</a:t>
+            </a:r>
+            <a:r>
+              <a:rPr lang="en-US" sz="1200" dirty="0">
+                <a:solidFill>
+                  <a:srgbClr val="CE9178"/>
+                </a:solidFill>
+                <a:latin typeface="Fira Code" panose="020B0509050000020004" pitchFamily="49" charset="0"/>
+              </a:rPr>
+              <a:t>'</a:t>
+            </a:r>
+            <a:endParaRPr lang="en-US" sz="1200" dirty="0">
+              <a:solidFill>
+                <a:srgbClr val="D4D4D4"/>
+              </a:solidFill>
+              <a:latin typeface="Fira Code" panose="020B0509050000020004" pitchFamily="49" charset="0"/>
+            </a:endParaRPr>
+          </a:p>
+          <a:p>
+            <a:r>
+              <a:rPr lang="en-US" sz="1200" dirty="0">
+                <a:solidFill>
+                  <a:srgbClr val="D4D4D4"/>
+                </a:solidFill>
+                <a:latin typeface="Fira Code" panose="020B0509050000020004" pitchFamily="49" charset="0"/>
+              </a:rPr>
+              <a:t>    }</a:t>
+            </a:r>
+          </a:p>
+          <a:p>
+            <a:r>
+              <a:rPr lang="en-US" sz="1200" dirty="0">
+                <a:solidFill>
+                  <a:srgbClr val="D4D4D4"/>
+                </a:solidFill>
+                <a:latin typeface="Fira Code" panose="020B0509050000020004" pitchFamily="49" charset="0"/>
+              </a:rPr>
+              <a:t>    </a:t>
+            </a:r>
+            <a:r>
+              <a:rPr lang="en-US" sz="1200" dirty="0">
+                <a:solidFill>
+                  <a:srgbClr val="C586C0"/>
+                </a:solidFill>
+                <a:latin typeface="Fira Code" panose="020B0509050000020004" pitchFamily="49" charset="0"/>
+              </a:rPr>
+              <a:t>else</a:t>
+            </a:r>
+            <a:r>
+              <a:rPr lang="en-US" sz="1200" dirty="0">
+                <a:solidFill>
+                  <a:srgbClr val="D4D4D4"/>
+                </a:solidFill>
+                <a:latin typeface="Fira Code" panose="020B0509050000020004" pitchFamily="49" charset="0"/>
+              </a:rPr>
+              <a:t> {</a:t>
+            </a:r>
+          </a:p>
+          <a:p>
+            <a:r>
+              <a:rPr lang="en-US" sz="1200" dirty="0">
+                <a:solidFill>
+                  <a:srgbClr val="D4D4D4"/>
+                </a:solidFill>
+                <a:latin typeface="Fira Code" panose="020B0509050000020004" pitchFamily="49" charset="0"/>
+              </a:rPr>
+              <a:t>        HOSTNAME</a:t>
+            </a:r>
+          </a:p>
+          <a:p>
+            <a:r>
+              <a:rPr lang="en-US" sz="1200" dirty="0">
+                <a:solidFill>
+                  <a:srgbClr val="D4D4D4"/>
+                </a:solidFill>
+                <a:latin typeface="Fira Code" panose="020B0509050000020004" pitchFamily="49" charset="0"/>
+              </a:rPr>
+              <a:t>    }</a:t>
+            </a:r>
+          </a:p>
+          <a:p>
+            <a:r>
+              <a:rPr lang="en-US" sz="1200" dirty="0">
+                <a:solidFill>
+                  <a:srgbClr val="D4D4D4"/>
+                </a:solidFill>
+                <a:latin typeface="Fira Code" panose="020B0509050000020004" pitchFamily="49" charset="0"/>
+              </a:rPr>
+              <a:t>}</a:t>
+            </a:r>
+          </a:p>
+          <a:p>
+            <a:br>
+              <a:rPr lang="en-US" sz="1200" dirty="0">
+                <a:solidFill>
+                  <a:srgbClr val="D4D4D4"/>
+                </a:solidFill>
+                <a:latin typeface="Fira Code" panose="020B0509050000020004" pitchFamily="49" charset="0"/>
+              </a:rPr>
+            </a:br>
+            <a:endParaRPr lang="en-US" sz="1200" b="0" dirty="0">
+              <a:solidFill>
+                <a:srgbClr val="D4D4D4"/>
+              </a:solidFill>
+              <a:effectLst/>
+              <a:latin typeface="Fira Code" panose="020B0509050000020004" pitchFamily="49" charset="0"/>
+            </a:endParaRPr>
+          </a:p>
+        </p:txBody>
+      </p:sp>
+      <p:sp>
+        <p:nvSpPr>
+          <p:cNvPr id="11" name="TextBox 10"/>
+          <p:cNvSpPr txBox="1"/>
+          <p:nvPr/>
+        </p:nvSpPr>
+        <p:spPr>
+          <a:xfrm>
+            <a:off x="2595338" y="3258252"/>
+            <a:ext cx="6227987" cy="1384995"/>
+          </a:xfrm>
+          <a:prstGeom prst="rect">
+            <a:avLst/>
+          </a:prstGeom>
+          <a:solidFill>
+            <a:schemeClr val="bg2">
+              <a:lumMod val="50000"/>
+            </a:schemeClr>
+          </a:solidFill>
+          <a:ln w="76200">
+            <a:solidFill>
+              <a:schemeClr val="bg2">
+                <a:lumMod val="50000"/>
+              </a:schemeClr>
+            </a:solidFill>
+          </a:ln>
+        </p:spPr>
+        <p:txBody>
+          <a:bodyPr wrap="none" rtlCol="0">
+            <a:spAutoFit/>
+          </a:bodyPr>
+          <a:lstStyle/>
+          <a:p>
+            <a:r>
+              <a:rPr lang="en-US" sz="1200" dirty="0">
+                <a:solidFill>
+                  <a:schemeClr val="bg1">
+                    <a:lumMod val="65000"/>
+                  </a:schemeClr>
+                </a:solidFill>
+                <a:latin typeface="Fira Code" panose="020B0509050000020004" pitchFamily="49" charset="0"/>
+              </a:rPr>
+              <a:t>PS &gt; </a:t>
+            </a:r>
+            <a:r>
+              <a:rPr lang="en-US" sz="1200" dirty="0">
+                <a:solidFill>
+                  <a:srgbClr val="DCDCAA"/>
+                </a:solidFill>
+                <a:latin typeface="Fira Code" panose="020B0509050000020004" pitchFamily="49" charset="0"/>
+              </a:rPr>
+              <a:t>Invoke-Command</a:t>
+            </a:r>
+            <a:r>
+              <a:rPr lang="en-US" sz="1200" dirty="0">
+                <a:solidFill>
+                  <a:srgbClr val="D4D4D4"/>
+                </a:solidFill>
+                <a:latin typeface="Fira Code" panose="020B0509050000020004" pitchFamily="49" charset="0"/>
+              </a:rPr>
+              <a:t> -</a:t>
+            </a:r>
+            <a:r>
+              <a:rPr lang="en-US" sz="1200" dirty="0" err="1">
+                <a:solidFill>
+                  <a:srgbClr val="D4D4D4"/>
+                </a:solidFill>
+                <a:latin typeface="Fira Code" panose="020B0509050000020004" pitchFamily="49" charset="0"/>
+              </a:rPr>
+              <a:t>ScriptBlock</a:t>
+            </a:r>
+            <a:r>
+              <a:rPr lang="en-US" sz="1200" dirty="0">
+                <a:solidFill>
+                  <a:srgbClr val="D4D4D4"/>
+                </a:solidFill>
+                <a:latin typeface="Fira Code" panose="020B0509050000020004" pitchFamily="49" charset="0"/>
+              </a:rPr>
+              <a:t> </a:t>
+            </a:r>
+            <a:r>
+              <a:rPr lang="en-US" sz="1200" dirty="0">
+                <a:solidFill>
+                  <a:srgbClr val="569CD6"/>
+                </a:solidFill>
+                <a:latin typeface="Fira Code" panose="020B0509050000020004" pitchFamily="49" charset="0"/>
+              </a:rPr>
+              <a:t>$</a:t>
+            </a:r>
+            <a:r>
+              <a:rPr lang="en-US" sz="1200" dirty="0" err="1">
+                <a:solidFill>
+                  <a:srgbClr val="9CDCFE"/>
+                </a:solidFill>
+                <a:latin typeface="Fira Code" panose="020B0509050000020004" pitchFamily="49" charset="0"/>
+              </a:rPr>
+              <a:t>scriptblock</a:t>
+            </a:r>
+            <a:endParaRPr lang="en-US" sz="1200" dirty="0">
+              <a:solidFill>
+                <a:srgbClr val="D4D4D4"/>
+              </a:solidFill>
+              <a:latin typeface="Fira Code" panose="020B0509050000020004" pitchFamily="49" charset="0"/>
+            </a:endParaRPr>
+          </a:p>
+          <a:p>
+            <a:endParaRPr lang="en-US" sz="1200" dirty="0">
+              <a:solidFill>
+                <a:schemeClr val="bg1">
+                  <a:lumMod val="65000"/>
+                </a:schemeClr>
+              </a:solidFill>
+              <a:latin typeface="Fira Code" panose="020B0509050000020004" pitchFamily="49" charset="0"/>
+            </a:endParaRPr>
+          </a:p>
+          <a:p>
+            <a:r>
+              <a:rPr lang="en-US" sz="1200" dirty="0">
+                <a:solidFill>
+                  <a:schemeClr val="bg1">
+                    <a:lumMod val="65000"/>
+                  </a:schemeClr>
+                </a:solidFill>
+                <a:latin typeface="Fira Code" panose="020B0509050000020004" pitchFamily="49" charset="0"/>
+              </a:rPr>
+              <a:t>USHOLCHU1-L</a:t>
+            </a:r>
+          </a:p>
+          <a:p>
+            <a:endParaRPr lang="en-US" sz="1200" dirty="0">
+              <a:solidFill>
+                <a:schemeClr val="bg1">
+                  <a:lumMod val="65000"/>
+                </a:schemeClr>
+              </a:solidFill>
+              <a:latin typeface="Fira Code" panose="020B0509050000020004" pitchFamily="49" charset="0"/>
+            </a:endParaRPr>
+          </a:p>
+          <a:p>
+            <a:r>
+              <a:rPr lang="en-US" sz="1200" dirty="0">
+                <a:solidFill>
+                  <a:schemeClr val="bg1">
+                    <a:lumMod val="65000"/>
+                  </a:schemeClr>
+                </a:solidFill>
+                <a:latin typeface="Fira Code" panose="020B0509050000020004" pitchFamily="49" charset="0"/>
+              </a:rPr>
+              <a:t>PS &gt; </a:t>
+            </a:r>
+            <a:r>
+              <a:rPr lang="en-US" sz="1200" dirty="0">
+                <a:solidFill>
+                  <a:srgbClr val="DCDCAA"/>
+                </a:solidFill>
+                <a:latin typeface="Fira Code" panose="020B0509050000020004" pitchFamily="49" charset="0"/>
+              </a:rPr>
+              <a:t>Invoke-Command</a:t>
+            </a:r>
+            <a:r>
+              <a:rPr lang="en-US" sz="1200" dirty="0">
+                <a:solidFill>
+                  <a:srgbClr val="D4D4D4"/>
+                </a:solidFill>
+                <a:latin typeface="Fira Code" panose="020B0509050000020004" pitchFamily="49" charset="0"/>
+              </a:rPr>
+              <a:t> -</a:t>
+            </a:r>
+            <a:r>
+              <a:rPr lang="en-US" sz="1200" dirty="0" err="1">
+                <a:solidFill>
+                  <a:srgbClr val="D4D4D4"/>
+                </a:solidFill>
+                <a:latin typeface="Fira Code" panose="020B0509050000020004" pitchFamily="49" charset="0"/>
+              </a:rPr>
+              <a:t>ScriptBlock</a:t>
+            </a:r>
+            <a:r>
+              <a:rPr lang="en-US" sz="1200" dirty="0">
+                <a:solidFill>
+                  <a:srgbClr val="D4D4D4"/>
+                </a:solidFill>
+                <a:latin typeface="Fira Code" panose="020B0509050000020004" pitchFamily="49" charset="0"/>
+              </a:rPr>
+              <a:t> </a:t>
+            </a:r>
+            <a:r>
+              <a:rPr lang="en-US" sz="1200" dirty="0">
+                <a:solidFill>
+                  <a:srgbClr val="569CD6"/>
+                </a:solidFill>
+                <a:latin typeface="Fira Code" panose="020B0509050000020004" pitchFamily="49" charset="0"/>
+              </a:rPr>
+              <a:t>$</a:t>
+            </a:r>
+            <a:r>
+              <a:rPr lang="en-US" sz="1200" dirty="0" err="1">
+                <a:solidFill>
+                  <a:srgbClr val="9CDCFE"/>
+                </a:solidFill>
+                <a:latin typeface="Fira Code" panose="020B0509050000020004" pitchFamily="49" charset="0"/>
+              </a:rPr>
+              <a:t>scriptblock</a:t>
+            </a:r>
+            <a:r>
+              <a:rPr lang="en-US" sz="1200" dirty="0">
+                <a:solidFill>
+                  <a:srgbClr val="D4D4D4"/>
+                </a:solidFill>
+                <a:latin typeface="Fira Code" panose="020B0509050000020004" pitchFamily="49" charset="0"/>
+              </a:rPr>
+              <a:t> -</a:t>
+            </a:r>
+            <a:r>
+              <a:rPr lang="en-US" sz="1200" dirty="0" err="1">
+                <a:solidFill>
+                  <a:srgbClr val="D4D4D4"/>
+                </a:solidFill>
+                <a:latin typeface="Fira Code" panose="020B0509050000020004" pitchFamily="49" charset="0"/>
+              </a:rPr>
+              <a:t>ArgumentList</a:t>
+            </a:r>
+            <a:r>
+              <a:rPr lang="en-US" sz="1200" dirty="0">
+                <a:solidFill>
+                  <a:srgbClr val="D4D4D4"/>
+                </a:solidFill>
+                <a:latin typeface="Fira Code" panose="020B0509050000020004" pitchFamily="49" charset="0"/>
+              </a:rPr>
+              <a:t> </a:t>
+            </a:r>
+            <a:r>
+              <a:rPr lang="en-US" sz="1200" dirty="0">
+                <a:solidFill>
+                  <a:srgbClr val="569CD6"/>
+                </a:solidFill>
+                <a:latin typeface="Fira Code" panose="020B0509050000020004" pitchFamily="49" charset="0"/>
+              </a:rPr>
+              <a:t>$true</a:t>
+            </a:r>
+            <a:endParaRPr lang="en-US" sz="1200" dirty="0">
+              <a:solidFill>
+                <a:srgbClr val="D4D4D4"/>
+              </a:solidFill>
+              <a:latin typeface="Fira Code" panose="020B0509050000020004" pitchFamily="49" charset="0"/>
+            </a:endParaRPr>
+          </a:p>
+          <a:p>
+            <a:endParaRPr lang="en-US" sz="1200" dirty="0">
+              <a:solidFill>
+                <a:schemeClr val="bg1">
+                  <a:lumMod val="65000"/>
+                </a:schemeClr>
+              </a:solidFill>
+              <a:latin typeface="Fira Code" panose="020B0509050000020004" pitchFamily="49" charset="0"/>
+            </a:endParaRPr>
+          </a:p>
+          <a:p>
+            <a:r>
+              <a:rPr lang="en-US" sz="1200" dirty="0" err="1">
+                <a:solidFill>
+                  <a:schemeClr val="bg1">
+                    <a:lumMod val="65000"/>
+                  </a:schemeClr>
+                </a:solidFill>
+                <a:latin typeface="Fira Code" panose="020B0509050000020004" pitchFamily="49" charset="0"/>
+              </a:rPr>
+              <a:t>TestHostName</a:t>
+            </a:r>
+            <a:endParaRPr lang="en-US" sz="1200" dirty="0">
+              <a:solidFill>
+                <a:schemeClr val="bg1">
+                  <a:lumMod val="65000"/>
+                </a:schemeClr>
+              </a:solidFill>
+              <a:latin typeface="Fira Code" panose="020B0509050000020004" pitchFamily="49" charset="0"/>
+            </a:endParaRPr>
+          </a:p>
+        </p:txBody>
+      </p:sp>
+    </p:spTree>
+    <p:extLst>
+      <p:ext uri="{BB962C8B-B14F-4D97-AF65-F5344CB8AC3E}">
+        <p14:creationId xmlns:p14="http://schemas.microsoft.com/office/powerpoint/2010/main" val="2146753326"/>
+      </p:ext>
+    </p:extLst>
+  </p:cSld>
+  <p:clrMapOvr>
+    <a:masterClrMapping/>
+  </p:clrMapOvr>
+</p:sld>
+</file>
+
+<file path=ppt/slides/slide18.xml><?xml version="1.0" encoding="utf-8"?>
 <p:sld xmlns:a="http://schemas.openxmlformats.org/drawingml/2006/main" xmlns:r="http://schemas.openxmlformats.org/officeDocument/2006/relationships" xmlns:p="http://schemas.openxmlformats.org/presentationml/2006/main">
   <p:cSld>
     <p:spTree>
@@ -16361,7 +17424,7 @@
 </p:sld>
 </file>
 
-<file path=ppt/slides/slide18.xml><?xml version="1.0" encoding="utf-8"?>
+<file path=ppt/slides/slide19.xml><?xml version="1.0" encoding="utf-8"?>
 <p:sld xmlns:a="http://schemas.openxmlformats.org/drawingml/2006/main" xmlns:r="http://schemas.openxmlformats.org/officeDocument/2006/relationships" xmlns:p="http://schemas.openxmlformats.org/presentationml/2006/main">
   <p:cSld>
     <p:spTree>
@@ -16708,7 +17771,362 @@
 </p:sld>
 </file>
 
-<file path=ppt/slides/slide19.xml><?xml version="1.0" encoding="utf-8"?>
+<file path=ppt/slides/slide2.xml><?xml version="1.0" encoding="utf-8"?>
+<p:sld xmlns:a="http://schemas.openxmlformats.org/drawingml/2006/main" xmlns:r="http://schemas.openxmlformats.org/officeDocument/2006/relationships" xmlns:p="http://schemas.openxmlformats.org/presentationml/2006/main">
+  <p:cSld>
+    <p:spTree>
+      <p:nvGrpSpPr>
+        <p:cNvPr id="1" name=""/>
+        <p:cNvGrpSpPr/>
+        <p:nvPr/>
+      </p:nvGrpSpPr>
+      <p:grpSpPr>
+        <a:xfrm>
+          <a:off x="0" y="0"/>
+          <a:ext cx="0" cy="0"/>
+          <a:chOff x="0" y="0"/>
+          <a:chExt cx="0" cy="0"/>
+        </a:xfrm>
+      </p:grpSpPr>
+      <p:sp>
+        <p:nvSpPr>
+          <p:cNvPr id="2" name="Text Placeholder 1"/>
+          <p:cNvSpPr>
+            <a:spLocks noGrp="1"/>
+          </p:cNvSpPr>
+          <p:nvPr>
+            <p:ph type="body" sz="quarter" idx="12"/>
+          </p:nvPr>
+        </p:nvSpPr>
+        <p:spPr>
+          <a:xfrm>
+            <a:off x="519978" y="1096510"/>
+            <a:ext cx="7983942" cy="930410"/>
+          </a:xfrm>
+        </p:spPr>
+        <p:txBody>
+          <a:bodyPr/>
+          <a:lstStyle/>
+          <a:p>
+            <a:pPr lvl="1" algn="ctr"/>
+            <a:r>
+              <a:rPr lang="en-GB" sz="4000" dirty="0">
+                <a:latin typeface="Interstate-Black"/>
+                <a:cs typeface="Interstate-Black"/>
+              </a:rPr>
+              <a:t>Windows @ Ticketmaster</a:t>
+            </a:r>
+          </a:p>
+        </p:txBody>
+      </p:sp>
+      <p:sp>
+        <p:nvSpPr>
+          <p:cNvPr id="3" name="TextBox 2"/>
+          <p:cNvSpPr txBox="1"/>
+          <p:nvPr/>
+        </p:nvSpPr>
+        <p:spPr>
+          <a:xfrm>
+            <a:off x="1519414" y="2049780"/>
+            <a:ext cx="1228478" cy="461665"/>
+          </a:xfrm>
+          <a:prstGeom prst="rect">
+            <a:avLst/>
+          </a:prstGeom>
+          <a:noFill/>
+        </p:spPr>
+        <p:txBody>
+          <a:bodyPr wrap="none" rtlCol="0">
+            <a:spAutoFit/>
+          </a:bodyPr>
+          <a:lstStyle/>
+          <a:p>
+            <a:r>
+              <a:rPr lang="en-US" sz="2400" dirty="0">
+                <a:latin typeface="TM Sans"/>
+                <a:cs typeface="TM Sans"/>
+              </a:rPr>
+              <a:t>Physical</a:t>
+            </a:r>
+          </a:p>
+        </p:txBody>
+      </p:sp>
+      <p:sp>
+        <p:nvSpPr>
+          <p:cNvPr id="6" name="TextBox 5"/>
+          <p:cNvSpPr txBox="1"/>
+          <p:nvPr/>
+        </p:nvSpPr>
+        <p:spPr>
+          <a:xfrm>
+            <a:off x="2189974" y="2606040"/>
+            <a:ext cx="1949893" cy="461665"/>
+          </a:xfrm>
+          <a:prstGeom prst="rect">
+            <a:avLst/>
+          </a:prstGeom>
+          <a:noFill/>
+        </p:spPr>
+        <p:txBody>
+          <a:bodyPr wrap="none" rtlCol="0">
+            <a:spAutoFit/>
+          </a:bodyPr>
+          <a:lstStyle/>
+          <a:p>
+            <a:r>
+              <a:rPr lang="en-US" sz="2400" dirty="0">
+                <a:latin typeface="TM Sans"/>
+                <a:cs typeface="TM Sans"/>
+              </a:rPr>
+              <a:t>Private Cloud</a:t>
+            </a:r>
+          </a:p>
+        </p:txBody>
+      </p:sp>
+      <p:sp>
+        <p:nvSpPr>
+          <p:cNvPr id="7" name="TextBox 6"/>
+          <p:cNvSpPr txBox="1"/>
+          <p:nvPr/>
+        </p:nvSpPr>
+        <p:spPr>
+          <a:xfrm>
+            <a:off x="3217980" y="3253740"/>
+            <a:ext cx="1843774" cy="461665"/>
+          </a:xfrm>
+          <a:prstGeom prst="rect">
+            <a:avLst/>
+          </a:prstGeom>
+          <a:noFill/>
+        </p:spPr>
+        <p:txBody>
+          <a:bodyPr wrap="none" rtlCol="0">
+            <a:spAutoFit/>
+          </a:bodyPr>
+          <a:lstStyle/>
+          <a:p>
+            <a:r>
+              <a:rPr lang="en-US" sz="2400" dirty="0">
+                <a:latin typeface="TM Sans"/>
+                <a:cs typeface="TM Sans"/>
+              </a:rPr>
+              <a:t>Public Cloud</a:t>
+            </a:r>
+          </a:p>
+        </p:txBody>
+      </p:sp>
+      <p:sp>
+        <p:nvSpPr>
+          <p:cNvPr id="8" name="TextBox 7"/>
+          <p:cNvSpPr txBox="1"/>
+          <p:nvPr/>
+        </p:nvSpPr>
+        <p:spPr>
+          <a:xfrm>
+            <a:off x="4139867" y="2327910"/>
+            <a:ext cx="1114536" cy="461665"/>
+          </a:xfrm>
+          <a:prstGeom prst="rect">
+            <a:avLst/>
+          </a:prstGeom>
+          <a:noFill/>
+        </p:spPr>
+        <p:txBody>
+          <a:bodyPr wrap="none" rtlCol="0">
+            <a:spAutoFit/>
+          </a:bodyPr>
+          <a:lstStyle/>
+          <a:p>
+            <a:r>
+              <a:rPr lang="en-US" sz="2400" dirty="0">
+                <a:latin typeface="TM Sans"/>
+                <a:cs typeface="TM Sans"/>
+              </a:rPr>
+              <a:t>Docker</a:t>
+            </a:r>
+          </a:p>
+        </p:txBody>
+      </p:sp>
+      <p:sp>
+        <p:nvSpPr>
+          <p:cNvPr id="9" name="TextBox 8"/>
+          <p:cNvSpPr txBox="1"/>
+          <p:nvPr/>
+        </p:nvSpPr>
+        <p:spPr>
+          <a:xfrm>
+            <a:off x="1808147" y="3484572"/>
+            <a:ext cx="1071255" cy="461665"/>
+          </a:xfrm>
+          <a:prstGeom prst="rect">
+            <a:avLst/>
+          </a:prstGeom>
+          <a:noFill/>
+        </p:spPr>
+        <p:txBody>
+          <a:bodyPr wrap="none" rtlCol="0">
+            <a:spAutoFit/>
+          </a:bodyPr>
+          <a:lstStyle/>
+          <a:p>
+            <a:r>
+              <a:rPr lang="en-US" sz="2400" dirty="0">
+                <a:latin typeface="TM Sans"/>
+                <a:cs typeface="TM Sans"/>
+              </a:rPr>
+              <a:t>Packer</a:t>
+            </a:r>
+          </a:p>
+        </p:txBody>
+      </p:sp>
+      <p:sp>
+        <p:nvSpPr>
+          <p:cNvPr id="10" name="TextBox 9"/>
+          <p:cNvSpPr txBox="1"/>
+          <p:nvPr/>
+        </p:nvSpPr>
+        <p:spPr>
+          <a:xfrm>
+            <a:off x="5254403" y="2954347"/>
+            <a:ext cx="1470339" cy="461665"/>
+          </a:xfrm>
+          <a:prstGeom prst="rect">
+            <a:avLst/>
+          </a:prstGeom>
+          <a:noFill/>
+        </p:spPr>
+        <p:txBody>
+          <a:bodyPr wrap="none" rtlCol="0">
+            <a:spAutoFit/>
+          </a:bodyPr>
+          <a:lstStyle/>
+          <a:p>
+            <a:r>
+              <a:rPr lang="en-US" sz="2400" dirty="0">
+                <a:latin typeface="TM Sans"/>
+                <a:cs typeface="TM Sans"/>
+              </a:rPr>
+              <a:t>Terraform</a:t>
+            </a:r>
+          </a:p>
+        </p:txBody>
+      </p:sp>
+      <p:sp>
+        <p:nvSpPr>
+          <p:cNvPr id="11" name="TextBox 10"/>
+          <p:cNvSpPr txBox="1"/>
+          <p:nvPr/>
+        </p:nvSpPr>
+        <p:spPr>
+          <a:xfrm>
+            <a:off x="5733957" y="2102484"/>
+            <a:ext cx="1447960" cy="461665"/>
+          </a:xfrm>
+          <a:prstGeom prst="rect">
+            <a:avLst/>
+          </a:prstGeom>
+          <a:noFill/>
+        </p:spPr>
+        <p:txBody>
+          <a:bodyPr wrap="none" rtlCol="0">
+            <a:spAutoFit/>
+          </a:bodyPr>
+          <a:lstStyle/>
+          <a:p>
+            <a:r>
+              <a:rPr lang="en-US" sz="2400" dirty="0" err="1">
+                <a:latin typeface="TM Sans"/>
+                <a:cs typeface="TM Sans"/>
+              </a:rPr>
+              <a:t>GitLab</a:t>
+            </a:r>
+            <a:r>
+              <a:rPr lang="en-US" sz="2400" dirty="0">
+                <a:latin typeface="TM Sans"/>
+                <a:cs typeface="TM Sans"/>
+              </a:rPr>
+              <a:t> CI</a:t>
+            </a:r>
+          </a:p>
+        </p:txBody>
+      </p:sp>
+      <p:sp>
+        <p:nvSpPr>
+          <p:cNvPr id="12" name="TextBox 11"/>
+          <p:cNvSpPr txBox="1"/>
+          <p:nvPr/>
+        </p:nvSpPr>
+        <p:spPr>
+          <a:xfrm>
+            <a:off x="7072721" y="3402388"/>
+            <a:ext cx="766557" cy="461665"/>
+          </a:xfrm>
+          <a:prstGeom prst="rect">
+            <a:avLst/>
+          </a:prstGeom>
+          <a:noFill/>
+        </p:spPr>
+        <p:txBody>
+          <a:bodyPr wrap="none" rtlCol="0">
+            <a:spAutoFit/>
+          </a:bodyPr>
+          <a:lstStyle/>
+          <a:p>
+            <a:r>
+              <a:rPr lang="en-US" sz="2400" dirty="0">
+                <a:latin typeface="TM Sans"/>
+                <a:cs typeface="TM Sans"/>
+              </a:rPr>
+              <a:t>DSC</a:t>
+            </a:r>
+          </a:p>
+        </p:txBody>
+      </p:sp>
+      <p:sp>
+        <p:nvSpPr>
+          <p:cNvPr id="13" name="TextBox 12"/>
+          <p:cNvSpPr txBox="1"/>
+          <p:nvPr/>
+        </p:nvSpPr>
+        <p:spPr>
+          <a:xfrm>
+            <a:off x="4519233" y="3826857"/>
+            <a:ext cx="1467068" cy="461665"/>
+          </a:xfrm>
+          <a:prstGeom prst="rect">
+            <a:avLst/>
+          </a:prstGeom>
+          <a:noFill/>
+        </p:spPr>
+        <p:txBody>
+          <a:bodyPr wrap="none" rtlCol="0">
+            <a:spAutoFit/>
+          </a:bodyPr>
+          <a:lstStyle/>
+          <a:p>
+            <a:r>
+              <a:rPr lang="en-US" sz="2400" dirty="0" err="1">
+                <a:latin typeface="TM Sans"/>
+                <a:cs typeface="TM Sans"/>
+              </a:rPr>
+              <a:t>PoshSpec</a:t>
+            </a:r>
+            <a:endParaRPr lang="en-US" sz="2400" dirty="0">
+              <a:latin typeface="TM Sans"/>
+              <a:cs typeface="TM Sans"/>
+            </a:endParaRPr>
+          </a:p>
+        </p:txBody>
+      </p:sp>
+    </p:spTree>
+  </p:cSld>
+  <p:clrMapOvr>
+    <a:masterClrMapping/>
+  </p:clrMapOvr>
+</p:sld>
+</file>
+
+<file path=ppt/slides/slide20.xml><?xml version="1.0" encoding="utf-8"?>
 <p:sld xmlns:a="http://schemas.openxmlformats.org/drawingml/2006/main" xmlns:r="http://schemas.openxmlformats.org/officeDocument/2006/relationships" xmlns:p="http://schemas.openxmlformats.org/presentationml/2006/main">
   <p:cSld>
     <p:spTree>
@@ -16977,362 +18395,7 @@
 </p:sld>
 </file>
 
-<file path=ppt/slides/slide2.xml><?xml version="1.0" encoding="utf-8"?>
-<p:sld xmlns:a="http://schemas.openxmlformats.org/drawingml/2006/main" xmlns:r="http://schemas.openxmlformats.org/officeDocument/2006/relationships" xmlns:p="http://schemas.openxmlformats.org/presentationml/2006/main">
-  <p:cSld>
-    <p:spTree>
-      <p:nvGrpSpPr>
-        <p:cNvPr id="1" name=""/>
-        <p:cNvGrpSpPr/>
-        <p:nvPr/>
-      </p:nvGrpSpPr>
-      <p:grpSpPr>
-        <a:xfrm>
-          <a:off x="0" y="0"/>
-          <a:ext cx="0" cy="0"/>
-          <a:chOff x="0" y="0"/>
-          <a:chExt cx="0" cy="0"/>
-        </a:xfrm>
-      </p:grpSpPr>
-      <p:sp>
-        <p:nvSpPr>
-          <p:cNvPr id="2" name="Text Placeholder 1"/>
-          <p:cNvSpPr>
-            <a:spLocks noGrp="1"/>
-          </p:cNvSpPr>
-          <p:nvPr>
-            <p:ph type="body" sz="quarter" idx="12"/>
-          </p:nvPr>
-        </p:nvSpPr>
-        <p:spPr>
-          <a:xfrm>
-            <a:off x="519978" y="1096510"/>
-            <a:ext cx="7983942" cy="930410"/>
-          </a:xfrm>
-        </p:spPr>
-        <p:txBody>
-          <a:bodyPr/>
-          <a:lstStyle/>
-          <a:p>
-            <a:pPr lvl="1" algn="ctr"/>
-            <a:r>
-              <a:rPr lang="en-GB" sz="4000" dirty="0">
-                <a:latin typeface="Interstate-Black"/>
-                <a:cs typeface="Interstate-Black"/>
-              </a:rPr>
-              <a:t>Windows @ Ticketmaster</a:t>
-            </a:r>
-          </a:p>
-        </p:txBody>
-      </p:sp>
-      <p:sp>
-        <p:nvSpPr>
-          <p:cNvPr id="3" name="TextBox 2"/>
-          <p:cNvSpPr txBox="1"/>
-          <p:nvPr/>
-        </p:nvSpPr>
-        <p:spPr>
-          <a:xfrm>
-            <a:off x="1519414" y="2049780"/>
-            <a:ext cx="1228478" cy="461665"/>
-          </a:xfrm>
-          <a:prstGeom prst="rect">
-            <a:avLst/>
-          </a:prstGeom>
-          <a:noFill/>
-        </p:spPr>
-        <p:txBody>
-          <a:bodyPr wrap="none" rtlCol="0">
-            <a:spAutoFit/>
-          </a:bodyPr>
-          <a:lstStyle/>
-          <a:p>
-            <a:r>
-              <a:rPr lang="en-US" sz="2400" dirty="0">
-                <a:latin typeface="TM Sans"/>
-                <a:cs typeface="TM Sans"/>
-              </a:rPr>
-              <a:t>Physical</a:t>
-            </a:r>
-          </a:p>
-        </p:txBody>
-      </p:sp>
-      <p:sp>
-        <p:nvSpPr>
-          <p:cNvPr id="6" name="TextBox 5"/>
-          <p:cNvSpPr txBox="1"/>
-          <p:nvPr/>
-        </p:nvSpPr>
-        <p:spPr>
-          <a:xfrm>
-            <a:off x="2189974" y="2606040"/>
-            <a:ext cx="1949893" cy="461665"/>
-          </a:xfrm>
-          <a:prstGeom prst="rect">
-            <a:avLst/>
-          </a:prstGeom>
-          <a:noFill/>
-        </p:spPr>
-        <p:txBody>
-          <a:bodyPr wrap="none" rtlCol="0">
-            <a:spAutoFit/>
-          </a:bodyPr>
-          <a:lstStyle/>
-          <a:p>
-            <a:r>
-              <a:rPr lang="en-US" sz="2400" dirty="0">
-                <a:latin typeface="TM Sans"/>
-                <a:cs typeface="TM Sans"/>
-              </a:rPr>
-              <a:t>Private Cloud</a:t>
-            </a:r>
-          </a:p>
-        </p:txBody>
-      </p:sp>
-      <p:sp>
-        <p:nvSpPr>
-          <p:cNvPr id="7" name="TextBox 6"/>
-          <p:cNvSpPr txBox="1"/>
-          <p:nvPr/>
-        </p:nvSpPr>
-        <p:spPr>
-          <a:xfrm>
-            <a:off x="3217980" y="3253740"/>
-            <a:ext cx="1843774" cy="461665"/>
-          </a:xfrm>
-          <a:prstGeom prst="rect">
-            <a:avLst/>
-          </a:prstGeom>
-          <a:noFill/>
-        </p:spPr>
-        <p:txBody>
-          <a:bodyPr wrap="none" rtlCol="0">
-            <a:spAutoFit/>
-          </a:bodyPr>
-          <a:lstStyle/>
-          <a:p>
-            <a:r>
-              <a:rPr lang="en-US" sz="2400" dirty="0">
-                <a:latin typeface="TM Sans"/>
-                <a:cs typeface="TM Sans"/>
-              </a:rPr>
-              <a:t>Public Cloud</a:t>
-            </a:r>
-          </a:p>
-        </p:txBody>
-      </p:sp>
-      <p:sp>
-        <p:nvSpPr>
-          <p:cNvPr id="8" name="TextBox 7"/>
-          <p:cNvSpPr txBox="1"/>
-          <p:nvPr/>
-        </p:nvSpPr>
-        <p:spPr>
-          <a:xfrm>
-            <a:off x="4139867" y="2327910"/>
-            <a:ext cx="1114536" cy="461665"/>
-          </a:xfrm>
-          <a:prstGeom prst="rect">
-            <a:avLst/>
-          </a:prstGeom>
-          <a:noFill/>
-        </p:spPr>
-        <p:txBody>
-          <a:bodyPr wrap="none" rtlCol="0">
-            <a:spAutoFit/>
-          </a:bodyPr>
-          <a:lstStyle/>
-          <a:p>
-            <a:r>
-              <a:rPr lang="en-US" sz="2400" dirty="0">
-                <a:latin typeface="TM Sans"/>
-                <a:cs typeface="TM Sans"/>
-              </a:rPr>
-              <a:t>Docker</a:t>
-            </a:r>
-          </a:p>
-        </p:txBody>
-      </p:sp>
-      <p:sp>
-        <p:nvSpPr>
-          <p:cNvPr id="9" name="TextBox 8"/>
-          <p:cNvSpPr txBox="1"/>
-          <p:nvPr/>
-        </p:nvSpPr>
-        <p:spPr>
-          <a:xfrm>
-            <a:off x="1808147" y="3484572"/>
-            <a:ext cx="1071255" cy="461665"/>
-          </a:xfrm>
-          <a:prstGeom prst="rect">
-            <a:avLst/>
-          </a:prstGeom>
-          <a:noFill/>
-        </p:spPr>
-        <p:txBody>
-          <a:bodyPr wrap="none" rtlCol="0">
-            <a:spAutoFit/>
-          </a:bodyPr>
-          <a:lstStyle/>
-          <a:p>
-            <a:r>
-              <a:rPr lang="en-US" sz="2400" dirty="0">
-                <a:latin typeface="TM Sans"/>
-                <a:cs typeface="TM Sans"/>
-              </a:rPr>
-              <a:t>Packer</a:t>
-            </a:r>
-          </a:p>
-        </p:txBody>
-      </p:sp>
-      <p:sp>
-        <p:nvSpPr>
-          <p:cNvPr id="10" name="TextBox 9"/>
-          <p:cNvSpPr txBox="1"/>
-          <p:nvPr/>
-        </p:nvSpPr>
-        <p:spPr>
-          <a:xfrm>
-            <a:off x="5254403" y="2954347"/>
-            <a:ext cx="1470339" cy="461665"/>
-          </a:xfrm>
-          <a:prstGeom prst="rect">
-            <a:avLst/>
-          </a:prstGeom>
-          <a:noFill/>
-        </p:spPr>
-        <p:txBody>
-          <a:bodyPr wrap="none" rtlCol="0">
-            <a:spAutoFit/>
-          </a:bodyPr>
-          <a:lstStyle/>
-          <a:p>
-            <a:r>
-              <a:rPr lang="en-US" sz="2400" dirty="0">
-                <a:latin typeface="TM Sans"/>
-                <a:cs typeface="TM Sans"/>
-              </a:rPr>
-              <a:t>Terraform</a:t>
-            </a:r>
-          </a:p>
-        </p:txBody>
-      </p:sp>
-      <p:sp>
-        <p:nvSpPr>
-          <p:cNvPr id="11" name="TextBox 10"/>
-          <p:cNvSpPr txBox="1"/>
-          <p:nvPr/>
-        </p:nvSpPr>
-        <p:spPr>
-          <a:xfrm>
-            <a:off x="5733957" y="2102484"/>
-            <a:ext cx="1447960" cy="461665"/>
-          </a:xfrm>
-          <a:prstGeom prst="rect">
-            <a:avLst/>
-          </a:prstGeom>
-          <a:noFill/>
-        </p:spPr>
-        <p:txBody>
-          <a:bodyPr wrap="none" rtlCol="0">
-            <a:spAutoFit/>
-          </a:bodyPr>
-          <a:lstStyle/>
-          <a:p>
-            <a:r>
-              <a:rPr lang="en-US" sz="2400" dirty="0" err="1">
-                <a:latin typeface="TM Sans"/>
-                <a:cs typeface="TM Sans"/>
-              </a:rPr>
-              <a:t>GitLab</a:t>
-            </a:r>
-            <a:r>
-              <a:rPr lang="en-US" sz="2400" dirty="0">
-                <a:latin typeface="TM Sans"/>
-                <a:cs typeface="TM Sans"/>
-              </a:rPr>
-              <a:t> CI</a:t>
-            </a:r>
-          </a:p>
-        </p:txBody>
-      </p:sp>
-      <p:sp>
-        <p:nvSpPr>
-          <p:cNvPr id="12" name="TextBox 11"/>
-          <p:cNvSpPr txBox="1"/>
-          <p:nvPr/>
-        </p:nvSpPr>
-        <p:spPr>
-          <a:xfrm>
-            <a:off x="7072721" y="3402388"/>
-            <a:ext cx="766557" cy="461665"/>
-          </a:xfrm>
-          <a:prstGeom prst="rect">
-            <a:avLst/>
-          </a:prstGeom>
-          <a:noFill/>
-        </p:spPr>
-        <p:txBody>
-          <a:bodyPr wrap="none" rtlCol="0">
-            <a:spAutoFit/>
-          </a:bodyPr>
-          <a:lstStyle/>
-          <a:p>
-            <a:r>
-              <a:rPr lang="en-US" sz="2400" dirty="0">
-                <a:latin typeface="TM Sans"/>
-                <a:cs typeface="TM Sans"/>
-              </a:rPr>
-              <a:t>DSC</a:t>
-            </a:r>
-          </a:p>
-        </p:txBody>
-      </p:sp>
-      <p:sp>
-        <p:nvSpPr>
-          <p:cNvPr id="13" name="TextBox 12"/>
-          <p:cNvSpPr txBox="1"/>
-          <p:nvPr/>
-        </p:nvSpPr>
-        <p:spPr>
-          <a:xfrm>
-            <a:off x="4519233" y="3826857"/>
-            <a:ext cx="1467068" cy="461665"/>
-          </a:xfrm>
-          <a:prstGeom prst="rect">
-            <a:avLst/>
-          </a:prstGeom>
-          <a:noFill/>
-        </p:spPr>
-        <p:txBody>
-          <a:bodyPr wrap="none" rtlCol="0">
-            <a:spAutoFit/>
-          </a:bodyPr>
-          <a:lstStyle/>
-          <a:p>
-            <a:r>
-              <a:rPr lang="en-US" sz="2400" dirty="0" err="1">
-                <a:latin typeface="TM Sans"/>
-                <a:cs typeface="TM Sans"/>
-              </a:rPr>
-              <a:t>PoshSpec</a:t>
-            </a:r>
-            <a:endParaRPr lang="en-US" sz="2400" dirty="0">
-              <a:latin typeface="TM Sans"/>
-              <a:cs typeface="TM Sans"/>
-            </a:endParaRPr>
-          </a:p>
-        </p:txBody>
-      </p:sp>
-    </p:spTree>
-  </p:cSld>
-  <p:clrMapOvr>
-    <a:masterClrMapping/>
-  </p:clrMapOvr>
-</p:sld>
-</file>
-
-<file path=ppt/slides/slide20.xml><?xml version="1.0" encoding="utf-8"?>
+<file path=ppt/slides/slide21.xml><?xml version="1.0" encoding="utf-8"?>
 <p:sld xmlns:a="http://schemas.openxmlformats.org/drawingml/2006/main" xmlns:r="http://schemas.openxmlformats.org/officeDocument/2006/relationships" xmlns:p="http://schemas.openxmlformats.org/presentationml/2006/main">
   <p:cSld>
     <p:spTree>
@@ -17499,7 +18562,7 @@
 </p:sld>
 </file>
 
-<file path=ppt/slides/slide21.xml><?xml version="1.0" encoding="utf-8"?>
+<file path=ppt/slides/slide22.xml><?xml version="1.0" encoding="utf-8"?>
 <p:sld xmlns:a="http://schemas.openxmlformats.org/drawingml/2006/main" xmlns:r="http://schemas.openxmlformats.org/officeDocument/2006/relationships" xmlns:p="http://schemas.openxmlformats.org/presentationml/2006/main">
   <p:cSld>
     <p:spTree>

--- a/Summit2017_Mocking.pptx
+++ b/Summit2017_Mocking.pptx
@@ -5,10 +5,10 @@
     <p:sldMasterId id="2147483648" r:id="rId4"/>
   </p:sldMasterIdLst>
   <p:notesMasterIdLst>
-    <p:notesMasterId r:id="rId27"/>
+    <p:notesMasterId r:id="rId23"/>
   </p:notesMasterIdLst>
   <p:handoutMasterIdLst>
-    <p:handoutMasterId r:id="rId28"/>
+    <p:handoutMasterId r:id="rId24"/>
   </p:handoutMasterIdLst>
   <p:sldIdLst>
     <p:sldId id="422" r:id="rId5"/>
@@ -28,11 +28,7 @@
     <p:sldId id="430" r:id="rId19"/>
     <p:sldId id="431" r:id="rId20"/>
     <p:sldId id="432" r:id="rId21"/>
-    <p:sldId id="418" r:id="rId22"/>
-    <p:sldId id="419" r:id="rId23"/>
-    <p:sldId id="420" r:id="rId24"/>
-    <p:sldId id="409" r:id="rId25"/>
-    <p:sldId id="421" r:id="rId26"/>
+    <p:sldId id="409" r:id="rId22"/>
   </p:sldIdLst>
   <p:sldSz cx="9144000" cy="5143500" type="screen16x9"/>
   <p:notesSz cx="6858000" cy="9144000"/>
@@ -733,16 +729,8 @@
               <a:buChar char="•"/>
             </a:pPr>
             <a:r>
-              <a:rPr lang="en-US" sz="1000" b="0" i="0" kern="1200" dirty="0">
-                <a:solidFill>
-                  <a:schemeClr val="tx1"/>
-                </a:solidFill>
-                <a:effectLst/>
-                <a:latin typeface="+mn-lt"/>
-                <a:ea typeface="+mn-ea"/>
-                <a:cs typeface="+mn-cs"/>
-              </a:rPr>
-              <a:t>In 1963 Ford wanted a car at Le Mans </a:t>
+              <a:rPr lang="en-US" dirty="0"/>
+              <a:t>Background on Ticketmaster</a:t>
             </a:r>
           </a:p>
           <a:p>
@@ -751,16 +739,8 @@
               <a:buChar char="•"/>
             </a:pPr>
             <a:r>
-              <a:rPr lang="en-US" sz="1000" b="0" i="0" kern="1200" dirty="0">
-                <a:solidFill>
-                  <a:schemeClr val="tx1"/>
-                </a:solidFill>
-                <a:effectLst/>
-                <a:latin typeface="+mn-lt"/>
-                <a:ea typeface="+mn-ea"/>
-                <a:cs typeface="+mn-cs"/>
-              </a:rPr>
-              <a:t>He found out Enzo Ferrari was looking to sell his company.</a:t>
+              <a:rPr lang="en-US" dirty="0"/>
+              <a:t>Ticketmaster is ancient compared to most technology companies</a:t>
             </a:r>
           </a:p>
           <a:p>
@@ -769,16 +749,16 @@
               <a:buChar char="•"/>
             </a:pPr>
             <a:r>
-              <a:rPr lang="en-US" sz="1000" b="0" i="0" kern="1200" dirty="0">
-                <a:solidFill>
-                  <a:schemeClr val="tx1"/>
-                </a:solidFill>
-                <a:effectLst/>
-                <a:latin typeface="+mn-lt"/>
-                <a:ea typeface="+mn-ea"/>
-                <a:cs typeface="+mn-cs"/>
-              </a:rPr>
-              <a:t>After a great deal of due diligence by Ford made an offer</a:t>
+              <a:rPr lang="en-US" dirty="0"/>
+              <a:t>We recently celebrated our 40</a:t>
+            </a:r>
+            <a:r>
+              <a:rPr lang="en-US" baseline="30000" dirty="0"/>
+              <a:t>th</a:t>
+            </a:r>
+            <a:r>
+              <a:rPr lang="en-US" dirty="0"/>
+              <a:t> anniversary</a:t>
             </a:r>
           </a:p>
           <a:p>
@@ -787,36 +767,9 @@
               <a:buChar char="•"/>
             </a:pPr>
             <a:r>
-              <a:rPr lang="en-US" sz="1000" b="0" i="0" kern="1200" dirty="0">
-                <a:solidFill>
-                  <a:schemeClr val="tx1"/>
-                </a:solidFill>
-                <a:effectLst/>
-                <a:latin typeface="+mn-lt"/>
-                <a:ea typeface="+mn-ea"/>
-                <a:cs typeface="+mn-cs"/>
-              </a:rPr>
-              <a:t>Ferrari walked out when he found out Ford refused to let him remain in control of the racing division. </a:t>
-            </a:r>
-          </a:p>
-          <a:p>
-            <a:pPr marL="171450" indent="-171450">
-              <a:buFont typeface="Arial" panose="020B0604020202020204" pitchFamily="34" charset="0"/>
-              <a:buChar char="•"/>
-            </a:pPr>
-            <a:r>
-              <a:rPr lang="en-US" sz="1000" b="0" i="0" kern="1200" dirty="0">
-                <a:solidFill>
-                  <a:schemeClr val="tx1"/>
-                </a:solidFill>
-                <a:effectLst/>
-                <a:latin typeface="+mn-lt"/>
-                <a:ea typeface="+mn-ea"/>
-                <a:cs typeface="+mn-cs"/>
-              </a:rPr>
-              <a:t>Ford was now determined to beat Ferrari and outsourced development of a race car to company from England. The result was the GT40.</a:t>
-            </a:r>
-            <a:endParaRPr lang="en-US" dirty="0"/>
+              <a:rPr lang="en-US" dirty="0"/>
+              <a:t>This is a sample of some of the technologies the Windows Platform Engineering team works with regularly</a:t>
+            </a:r>
           </a:p>
         </p:txBody>
       </p:sp>
@@ -838,7 +791,7 @@
             <a:fld id="{580C3CF9-2088-4345-84DE-A0500A36AC73}" type="slidenum">
               <a:rPr lang="en-US" smtClean="0"/>
               <a:pPr/>
-              <a:t>3</a:t>
+              <a:t>2</a:t>
             </a:fld>
             <a:endParaRPr lang="en-US"/>
           </a:p>
@@ -847,7 +800,7 @@
     </p:spTree>
     <p:extLst>
       <p:ext uri="{BB962C8B-B14F-4D97-AF65-F5344CB8AC3E}">
-        <p14:creationId xmlns:p14="http://schemas.microsoft.com/office/powerpoint/2010/main" val="201442134"/>
+        <p14:creationId xmlns:p14="http://schemas.microsoft.com/office/powerpoint/2010/main" val="2015341728"/>
       </p:ext>
     </p:extLst>
   </p:cSld>
@@ -907,7 +860,7 @@
             </a:pPr>
             <a:r>
               <a:rPr lang="en-US" dirty="0"/>
-              <a:t>The Function trick works well for binaries also</a:t>
+              <a:t>Say you need to invoke a stand-alone script and you want to Stub that out without actually executing the script</a:t>
             </a:r>
           </a:p>
           <a:p>
@@ -917,7 +870,7 @@
             </a:pPr>
             <a:r>
               <a:rPr lang="en-US" dirty="0"/>
-              <a:t>If you are just trying to verify the binary was called, you can return a static value</a:t>
+              <a:t>You can create a function with a name that is equivalent to the path of your script</a:t>
             </a:r>
           </a:p>
           <a:p>
@@ -925,7 +878,20 @@
               <a:buFont typeface="Arial" panose="020B0604020202020204" pitchFamily="34" charset="0"/>
               <a:buChar char="•"/>
             </a:pPr>
-            <a:endParaRPr lang="en-US" dirty="0"/>
+            <a:r>
+              <a:rPr lang="en-US" dirty="0"/>
+              <a:t>This is a form of Behavior verification. Even though I’m testing the value returned, it’s a static response. If we get the “Testing” response that means we invoked the script.</a:t>
+            </a:r>
+          </a:p>
+          <a:p>
+            <a:pPr marL="171450" indent="-171450">
+              <a:buFont typeface="Arial" panose="020B0604020202020204" pitchFamily="34" charset="0"/>
+              <a:buChar char="•"/>
+            </a:pPr>
+            <a:r>
+              <a:rPr lang="en-US" dirty="0"/>
+              <a:t>Creating functions is one of the primary patterns you can use in PowerShell to fake just about any call</a:t>
+            </a:r>
           </a:p>
         </p:txBody>
       </p:sp>
@@ -947,7 +913,7 @@
             <a:fld id="{580C3CF9-2088-4345-84DE-A0500A36AC73}" type="slidenum">
               <a:rPr lang="en-US" smtClean="0"/>
               <a:pPr/>
-              <a:t>12</a:t>
+              <a:t>11</a:t>
             </a:fld>
             <a:endParaRPr lang="en-US"/>
           </a:p>
@@ -956,7 +922,7 @@
     </p:spTree>
     <p:extLst>
       <p:ext uri="{BB962C8B-B14F-4D97-AF65-F5344CB8AC3E}">
-        <p14:creationId xmlns:p14="http://schemas.microsoft.com/office/powerpoint/2010/main" val="2137406744"/>
+        <p14:creationId xmlns:p14="http://schemas.microsoft.com/office/powerpoint/2010/main" val="2449545183"/>
       </p:ext>
     </p:extLst>
   </p:cSld>
@@ -1016,15 +982,7 @@
             </a:pPr>
             <a:r>
               <a:rPr lang="en-US" dirty="0"/>
-              <a:t>But, you could take it a bit further and work with $</a:t>
-            </a:r>
-            <a:r>
-              <a:rPr lang="en-US" dirty="0" err="1"/>
-              <a:t>args</a:t>
-            </a:r>
-            <a:r>
-              <a:rPr lang="en-US" dirty="0"/>
-              <a:t> </a:t>
+              <a:t>As you can see, the Function trick works well for binaries also</a:t>
             </a:r>
           </a:p>
           <a:p>
@@ -1034,31 +992,15 @@
             </a:pPr>
             <a:r>
               <a:rPr lang="en-US" dirty="0"/>
-              <a:t>If you test the $</a:t>
-            </a:r>
-            <a:r>
-              <a:rPr lang="en-US" dirty="0" err="1"/>
-              <a:t>arg</a:t>
-            </a:r>
-            <a:r>
-              <a:rPr lang="en-US" dirty="0"/>
-              <a:t> values, you create a call specification and do some basic Behavior </a:t>
-            </a:r>
-            <a:r>
-              <a:rPr lang="en-US" dirty="0" err="1"/>
-              <a:t>Verificaiton</a:t>
-            </a:r>
-            <a:endParaRPr lang="en-US" dirty="0"/>
+              <a:t>If you are just trying to verify the binary was called, you can return a static value</a:t>
+            </a:r>
           </a:p>
           <a:p>
             <a:pPr marL="171450" indent="-171450">
               <a:buFont typeface="Arial" panose="020B0604020202020204" pitchFamily="34" charset="0"/>
               <a:buChar char="•"/>
             </a:pPr>
-            <a:r>
-              <a:rPr lang="en-US" dirty="0"/>
-              <a:t>Just don’t get carried away with logic or you’ll have to unit test your unit tests</a:t>
-            </a:r>
+            <a:endParaRPr lang="en-US" dirty="0"/>
           </a:p>
         </p:txBody>
       </p:sp>
@@ -1080,7 +1022,7 @@
             <a:fld id="{580C3CF9-2088-4345-84DE-A0500A36AC73}" type="slidenum">
               <a:rPr lang="en-US" smtClean="0"/>
               <a:pPr/>
-              <a:t>13</a:t>
+              <a:t>12</a:t>
             </a:fld>
             <a:endParaRPr lang="en-US"/>
           </a:p>
@@ -1089,7 +1031,7 @@
     </p:spTree>
     <p:extLst>
       <p:ext uri="{BB962C8B-B14F-4D97-AF65-F5344CB8AC3E}">
-        <p14:creationId xmlns:p14="http://schemas.microsoft.com/office/powerpoint/2010/main" val="3304852470"/>
+        <p14:creationId xmlns:p14="http://schemas.microsoft.com/office/powerpoint/2010/main" val="2137406744"/>
       </p:ext>
     </p:extLst>
   </p:cSld>
@@ -1149,13 +1091,8 @@
             </a:pPr>
             <a:r>
               <a:rPr lang="en-US" dirty="0"/>
-              <a:t>In this example, we actually spin up a small web service to respond to Invoke-</a:t>
-            </a:r>
-            <a:r>
-              <a:rPr lang="en-US" dirty="0" err="1"/>
-              <a:t>RestMethod</a:t>
-            </a:r>
-            <a:endParaRPr lang="en-US" dirty="0"/>
+              <a:t>But, you could take it a bit further and process arguments</a:t>
+            </a:r>
           </a:p>
           <a:p>
             <a:pPr marL="171450" indent="-171450">
@@ -1163,20 +1100,26 @@
               <a:buChar char="•"/>
             </a:pPr>
             <a:r>
+              <a:rPr lang="en-US" dirty="0"/>
+              <a:t>By asserting the values in $</a:t>
+            </a:r>
+            <a:r>
               <a:rPr lang="en-US" dirty="0" err="1"/>
-              <a:t>Flancy</a:t>
+              <a:t>arg</a:t>
             </a:r>
             <a:r>
               <a:rPr lang="en-US" dirty="0"/>
-              <a:t> and </a:t>
-            </a:r>
-            <a:r>
-              <a:rPr lang="en-US" dirty="0" err="1"/>
-              <a:t>NancyPS</a:t>
-            </a:r>
+              <a:t>, you define a call specification and do some basic Behavior Verification</a:t>
+            </a:r>
+          </a:p>
+          <a:p>
+            <a:pPr marL="171450" indent="-171450">
+              <a:buFont typeface="Arial" panose="020B0604020202020204" pitchFamily="34" charset="0"/>
+              <a:buChar char="•"/>
+            </a:pPr>
             <a:r>
               <a:rPr lang="en-US" dirty="0"/>
-              <a:t> are similar, but with slightly different approaches. </a:t>
+              <a:t>Just don’t get carried away with logic or you’ll have to test your tests</a:t>
             </a:r>
           </a:p>
         </p:txBody>
@@ -1199,7 +1142,7 @@
             <a:fld id="{580C3CF9-2088-4345-84DE-A0500A36AC73}" type="slidenum">
               <a:rPr lang="en-US" smtClean="0"/>
               <a:pPr/>
-              <a:t>14</a:t>
+              <a:t>13</a:t>
             </a:fld>
             <a:endParaRPr lang="en-US"/>
           </a:p>
@@ -1208,7 +1151,7 @@
     </p:spTree>
     <p:extLst>
       <p:ext uri="{BB962C8B-B14F-4D97-AF65-F5344CB8AC3E}">
-        <p14:creationId xmlns:p14="http://schemas.microsoft.com/office/powerpoint/2010/main" val="700219314"/>
+        <p14:creationId xmlns:p14="http://schemas.microsoft.com/office/powerpoint/2010/main" val="3304852470"/>
       </p:ext>
     </p:extLst>
   </p:cSld>
@@ -1268,15 +1211,7 @@
             </a:pPr>
             <a:r>
               <a:rPr lang="en-US" dirty="0"/>
-              <a:t>The only value this has over just mocking Invoke-</a:t>
-            </a:r>
-            <a:r>
-              <a:rPr lang="en-US" dirty="0" err="1"/>
-              <a:t>RestMethod</a:t>
-            </a:r>
-            <a:r>
-              <a:rPr lang="en-US" dirty="0"/>
-              <a:t> is you more closely simulate the real integration with real Request and Response objects</a:t>
+              <a:t>You need to test Integrating with a Web API?</a:t>
             </a:r>
           </a:p>
           <a:p>
@@ -1286,14 +1221,12 @@
             </a:pPr>
             <a:r>
               <a:rPr lang="en-US" dirty="0"/>
-              <a:t>You can test how your code handles different Http status codes without hand crafting Response objects</a:t>
-            </a:r>
-          </a:p>
-          <a:p>
-            <a:pPr marL="0" indent="0">
-              <a:buFont typeface="Arial" panose="020B0604020202020204" pitchFamily="34" charset="0"/>
-              <a:buNone/>
-            </a:pPr>
+              <a:t>In this example, we actually spin up a small web service to respond to Invoke-</a:t>
+            </a:r>
+            <a:r>
+              <a:rPr lang="en-US" dirty="0" err="1"/>
+              <a:t>RestMethod</a:t>
+            </a:r>
             <a:endParaRPr lang="en-US" dirty="0"/>
           </a:p>
           <a:p>
@@ -1301,7 +1234,40 @@
               <a:buFont typeface="Arial" panose="020B0604020202020204" pitchFamily="34" charset="0"/>
               <a:buChar char="•"/>
             </a:pPr>
-            <a:endParaRPr lang="en-US" dirty="0"/>
+            <a:r>
+              <a:rPr lang="en-US" dirty="0"/>
+              <a:t>This configuration response to Get and Post commands. The Get returns a static value. The Post echoes back the contents of the Request.</a:t>
+            </a:r>
+          </a:p>
+          <a:p>
+            <a:pPr marL="171450" indent="-171450">
+              <a:buFont typeface="Arial" panose="020B0604020202020204" pitchFamily="34" charset="0"/>
+              <a:buChar char="•"/>
+            </a:pPr>
+            <a:r>
+              <a:rPr lang="en-US" dirty="0" err="1"/>
+              <a:t>Flancy</a:t>
+            </a:r>
+            <a:r>
+              <a:rPr lang="en-US" dirty="0"/>
+              <a:t> and </a:t>
+            </a:r>
+            <a:r>
+              <a:rPr lang="en-US" dirty="0" err="1"/>
+              <a:t>NancyPS</a:t>
+            </a:r>
+            <a:r>
+              <a:rPr lang="en-US" dirty="0"/>
+              <a:t> are both wrappers around the </a:t>
+            </a:r>
+            <a:r>
+              <a:rPr lang="en-US"/>
+              <a:t>.Net Nancy </a:t>
+            </a:r>
+            <a:r>
+              <a:rPr lang="en-US" dirty="0"/>
+              <a:t>framework</a:t>
+            </a:r>
           </a:p>
         </p:txBody>
       </p:sp>
@@ -1323,7 +1289,7 @@
             <a:fld id="{580C3CF9-2088-4345-84DE-A0500A36AC73}" type="slidenum">
               <a:rPr lang="en-US" smtClean="0"/>
               <a:pPr/>
-              <a:t>15</a:t>
+              <a:t>14</a:t>
             </a:fld>
             <a:endParaRPr lang="en-US"/>
           </a:p>
@@ -1332,7 +1298,7 @@
     </p:spTree>
     <p:extLst>
       <p:ext uri="{BB962C8B-B14F-4D97-AF65-F5344CB8AC3E}">
-        <p14:creationId xmlns:p14="http://schemas.microsoft.com/office/powerpoint/2010/main" val="2259575911"/>
+        <p14:creationId xmlns:p14="http://schemas.microsoft.com/office/powerpoint/2010/main" val="700219314"/>
       </p:ext>
     </p:extLst>
   </p:cSld>
@@ -1392,7 +1358,15 @@
             </a:pPr>
             <a:r>
               <a:rPr lang="en-US" dirty="0"/>
-              <a:t>Speaking of hand crafting objects</a:t>
+              <a:t>The only value this has over just mocking Invoke-</a:t>
+            </a:r>
+            <a:r>
+              <a:rPr lang="en-US" dirty="0" err="1"/>
+              <a:t>RestMethod</a:t>
+            </a:r>
+            <a:r>
+              <a:rPr lang="en-US" dirty="0"/>
+              <a:t> is you more closely simulate the real integration with real Request and Response objects</a:t>
             </a:r>
           </a:p>
           <a:p>
@@ -1402,32 +1376,8 @@
             </a:pPr>
             <a:r>
               <a:rPr lang="en-US" dirty="0"/>
-              <a:t>You can use Add-Member to effectively override the value of any Property or Method</a:t>
-            </a:r>
-          </a:p>
-          <a:p>
-            <a:pPr marL="171450" indent="-171450">
-              <a:buFont typeface="Arial" panose="020B0604020202020204" pitchFamily="34" charset="0"/>
-              <a:buChar char="•"/>
-            </a:pPr>
-            <a:r>
-              <a:rPr lang="en-US" dirty="0"/>
-              <a:t>Note, this method of creating a fake object requires a class with a public constructor</a:t>
-            </a:r>
-          </a:p>
-          <a:p>
-            <a:pPr marL="171450" indent="-171450">
-              <a:buFont typeface="Arial" panose="020B0604020202020204" pitchFamily="34" charset="0"/>
-              <a:buChar char="•"/>
-            </a:pPr>
-            <a:endParaRPr lang="en-US" dirty="0"/>
-          </a:p>
-          <a:p>
-            <a:pPr marL="171450" indent="-171450">
-              <a:buFont typeface="Arial" panose="020B0604020202020204" pitchFamily="34" charset="0"/>
-              <a:buChar char="•"/>
-            </a:pPr>
-            <a:endParaRPr lang="en-US" dirty="0"/>
+              <a:t>You can test how your code handles different Http status codes without hand crafting Response objects</a:t>
+            </a:r>
           </a:p>
           <a:p>
             <a:pPr marL="0" indent="0">
@@ -1463,7 +1413,7 @@
             <a:fld id="{580C3CF9-2088-4345-84DE-A0500A36AC73}" type="slidenum">
               <a:rPr lang="en-US" smtClean="0"/>
               <a:pPr/>
-              <a:t>16</a:t>
+              <a:t>15</a:t>
             </a:fld>
             <a:endParaRPr lang="en-US"/>
           </a:p>
@@ -1472,7 +1422,7 @@
     </p:spTree>
     <p:extLst>
       <p:ext uri="{BB962C8B-B14F-4D97-AF65-F5344CB8AC3E}">
-        <p14:creationId xmlns:p14="http://schemas.microsoft.com/office/powerpoint/2010/main" val="431507397"/>
+        <p14:creationId xmlns:p14="http://schemas.microsoft.com/office/powerpoint/2010/main" val="2259575911"/>
       </p:ext>
     </p:extLst>
   </p:cSld>
@@ -1532,15 +1482,7 @@
             </a:pPr>
             <a:r>
               <a:rPr lang="en-US" dirty="0"/>
-              <a:t>How about testing a </a:t>
-            </a:r>
-            <a:r>
-              <a:rPr lang="en-US" dirty="0" err="1"/>
-              <a:t>ScriptBlock</a:t>
-            </a:r>
-            <a:r>
-              <a:rPr lang="en-US" dirty="0"/>
-              <a:t> that you are passing to Invoke-Command</a:t>
+              <a:t>Speaking of hand crafting objects</a:t>
             </a:r>
           </a:p>
           <a:p>
@@ -1550,23 +1492,17 @@
             </a:pPr>
             <a:r>
               <a:rPr lang="en-US" dirty="0"/>
-              <a:t>Don’t put a lot of logic in your </a:t>
-            </a:r>
-            <a:r>
-              <a:rPr lang="en-US" dirty="0" err="1"/>
-              <a:t>ScriptBlock</a:t>
-            </a:r>
+              <a:t>You can use Add-Member to effectively override the value of any Property or Method</a:t>
+            </a:r>
+          </a:p>
+          <a:p>
+            <a:pPr marL="171450" indent="-171450">
+              <a:buFont typeface="Arial" panose="020B0604020202020204" pitchFamily="34" charset="0"/>
+              <a:buChar char="•"/>
+            </a:pPr>
             <a:r>
               <a:rPr lang="en-US" dirty="0"/>
-              <a:t>. Build a testable module then use the </a:t>
-            </a:r>
-            <a:r>
-              <a:rPr lang="en-US" dirty="0" err="1"/>
-              <a:t>ScriptBlock</a:t>
-            </a:r>
-            <a:r>
-              <a:rPr lang="en-US" dirty="0"/>
-              <a:t> to install and invoke the module.</a:t>
+              <a:t>Note, this method of creating a fake object requires a class with a public constructor</a:t>
             </a:r>
           </a:p>
           <a:p>
@@ -1617,6 +1553,160 @@
             <a:fld id="{580C3CF9-2088-4345-84DE-A0500A36AC73}" type="slidenum">
               <a:rPr lang="en-US" smtClean="0"/>
               <a:pPr/>
+              <a:t>16</a:t>
+            </a:fld>
+            <a:endParaRPr lang="en-US"/>
+          </a:p>
+        </p:txBody>
+      </p:sp>
+    </p:spTree>
+    <p:extLst>
+      <p:ext uri="{BB962C8B-B14F-4D97-AF65-F5344CB8AC3E}">
+        <p14:creationId xmlns:p14="http://schemas.microsoft.com/office/powerpoint/2010/main" val="431507397"/>
+      </p:ext>
+    </p:extLst>
+  </p:cSld>
+  <p:clrMapOvr>
+    <a:masterClrMapping/>
+  </p:clrMapOvr>
+</p:notes>
+</file>
+
+<file path=ppt/notesSlides/notesSlide16.xml><?xml version="1.0" encoding="utf-8"?>
+<p:notes xmlns:a="http://schemas.openxmlformats.org/drawingml/2006/main" xmlns:r="http://schemas.openxmlformats.org/officeDocument/2006/relationships" xmlns:p="http://schemas.openxmlformats.org/presentationml/2006/main">
+  <p:cSld>
+    <p:spTree>
+      <p:nvGrpSpPr>
+        <p:cNvPr id="1" name=""/>
+        <p:cNvGrpSpPr/>
+        <p:nvPr/>
+      </p:nvGrpSpPr>
+      <p:grpSpPr>
+        <a:xfrm>
+          <a:off x="0" y="0"/>
+          <a:ext cx="0" cy="0"/>
+          <a:chOff x="0" y="0"/>
+          <a:chExt cx="0" cy="0"/>
+        </a:xfrm>
+      </p:grpSpPr>
+      <p:sp>
+        <p:nvSpPr>
+          <p:cNvPr id="2" name="Slide Image Placeholder 1"/>
+          <p:cNvSpPr>
+            <a:spLocks noGrp="1" noRot="1" noChangeAspect="1"/>
+          </p:cNvSpPr>
+          <p:nvPr>
+            <p:ph type="sldImg"/>
+          </p:nvPr>
+        </p:nvSpPr>
+        <p:spPr/>
+      </p:sp>
+      <p:sp>
+        <p:nvSpPr>
+          <p:cNvPr id="3" name="Notes Placeholder 2"/>
+          <p:cNvSpPr>
+            <a:spLocks noGrp="1"/>
+          </p:cNvSpPr>
+          <p:nvPr>
+            <p:ph type="body" idx="1"/>
+          </p:nvPr>
+        </p:nvSpPr>
+        <p:spPr/>
+        <p:txBody>
+          <a:bodyPr/>
+          <a:lstStyle/>
+          <a:p>
+            <a:pPr marL="171450" indent="-171450">
+              <a:buFont typeface="Arial" panose="020B0604020202020204" pitchFamily="34" charset="0"/>
+              <a:buChar char="•"/>
+            </a:pPr>
+            <a:r>
+              <a:rPr lang="en-US" dirty="0"/>
+              <a:t>How about testing a </a:t>
+            </a:r>
+            <a:r>
+              <a:rPr lang="en-US" dirty="0" err="1"/>
+              <a:t>ScriptBlock</a:t>
+            </a:r>
+            <a:r>
+              <a:rPr lang="en-US" dirty="0"/>
+              <a:t> that you are passing to Invoke-Command</a:t>
+            </a:r>
+          </a:p>
+          <a:p>
+            <a:pPr marL="171450" indent="-171450">
+              <a:buFont typeface="Arial" panose="020B0604020202020204" pitchFamily="34" charset="0"/>
+              <a:buChar char="•"/>
+            </a:pPr>
+            <a:r>
+              <a:rPr lang="en-US" dirty="0"/>
+              <a:t>Don’t put a lot of logic in your </a:t>
+            </a:r>
+            <a:r>
+              <a:rPr lang="en-US" dirty="0" err="1"/>
+              <a:t>ScriptBlock</a:t>
+            </a:r>
+            <a:r>
+              <a:rPr lang="en-US" dirty="0"/>
+              <a:t>. Build a testable module then use the </a:t>
+            </a:r>
+            <a:r>
+              <a:rPr lang="en-US" dirty="0" err="1"/>
+              <a:t>ScriptBlock</a:t>
+            </a:r>
+            <a:r>
+              <a:rPr lang="en-US" dirty="0"/>
+              <a:t> to install and invoke the module.</a:t>
+            </a:r>
+          </a:p>
+          <a:p>
+            <a:pPr marL="171450" indent="-171450">
+              <a:buFont typeface="Arial" panose="020B0604020202020204" pitchFamily="34" charset="0"/>
+              <a:buChar char="•"/>
+            </a:pPr>
+            <a:endParaRPr lang="en-US" dirty="0"/>
+          </a:p>
+          <a:p>
+            <a:pPr marL="171450" indent="-171450">
+              <a:buFont typeface="Arial" panose="020B0604020202020204" pitchFamily="34" charset="0"/>
+              <a:buChar char="•"/>
+            </a:pPr>
+            <a:endParaRPr lang="en-US" dirty="0"/>
+          </a:p>
+          <a:p>
+            <a:pPr marL="0" indent="0">
+              <a:buFont typeface="Arial" panose="020B0604020202020204" pitchFamily="34" charset="0"/>
+              <a:buNone/>
+            </a:pPr>
+            <a:endParaRPr lang="en-US" dirty="0"/>
+          </a:p>
+          <a:p>
+            <a:pPr marL="171450" indent="-171450">
+              <a:buFont typeface="Arial" panose="020B0604020202020204" pitchFamily="34" charset="0"/>
+              <a:buChar char="•"/>
+            </a:pPr>
+            <a:endParaRPr lang="en-US" dirty="0"/>
+          </a:p>
+        </p:txBody>
+      </p:sp>
+      <p:sp>
+        <p:nvSpPr>
+          <p:cNvPr id="4" name="Slide Number Placeholder 3"/>
+          <p:cNvSpPr>
+            <a:spLocks noGrp="1"/>
+          </p:cNvSpPr>
+          <p:nvPr>
+            <p:ph type="sldNum" sz="quarter" idx="10"/>
+          </p:nvPr>
+        </p:nvSpPr>
+        <p:spPr/>
+        <p:txBody>
+          <a:bodyPr/>
+          <a:lstStyle/>
+          <a:p>
+            <a:fld id="{580C3CF9-2088-4345-84DE-A0500A36AC73}" type="slidenum">
+              <a:rPr lang="en-US" smtClean="0"/>
+              <a:pPr/>
               <a:t>17</a:t>
             </a:fld>
             <a:endParaRPr lang="en-US"/>
@@ -1627,6 +1717,91 @@
     <p:extLst>
       <p:ext uri="{BB962C8B-B14F-4D97-AF65-F5344CB8AC3E}">
         <p14:creationId xmlns:p14="http://schemas.microsoft.com/office/powerpoint/2010/main" val="430800703"/>
+      </p:ext>
+    </p:extLst>
+  </p:cSld>
+  <p:clrMapOvr>
+    <a:masterClrMapping/>
+  </p:clrMapOvr>
+</p:notes>
+</file>
+
+<file path=ppt/notesSlides/notesSlide17.xml><?xml version="1.0" encoding="utf-8"?>
+<p:notes xmlns:a="http://schemas.openxmlformats.org/drawingml/2006/main" xmlns:r="http://schemas.openxmlformats.org/officeDocument/2006/relationships" xmlns:p="http://schemas.openxmlformats.org/presentationml/2006/main">
+  <p:cSld>
+    <p:spTree>
+      <p:nvGrpSpPr>
+        <p:cNvPr id="1" name=""/>
+        <p:cNvGrpSpPr/>
+        <p:nvPr/>
+      </p:nvGrpSpPr>
+      <p:grpSpPr>
+        <a:xfrm>
+          <a:off x="0" y="0"/>
+          <a:ext cx="0" cy="0"/>
+          <a:chOff x="0" y="0"/>
+          <a:chExt cx="0" cy="0"/>
+        </a:xfrm>
+      </p:grpSpPr>
+      <p:sp>
+        <p:nvSpPr>
+          <p:cNvPr id="2" name="Slide Image Placeholder 1"/>
+          <p:cNvSpPr>
+            <a:spLocks noGrp="1" noRot="1" noChangeAspect="1"/>
+          </p:cNvSpPr>
+          <p:nvPr>
+            <p:ph type="sldImg"/>
+          </p:nvPr>
+        </p:nvSpPr>
+        <p:spPr/>
+      </p:sp>
+      <p:sp>
+        <p:nvSpPr>
+          <p:cNvPr id="3" name="Notes Placeholder 2"/>
+          <p:cNvSpPr>
+            <a:spLocks noGrp="1"/>
+          </p:cNvSpPr>
+          <p:nvPr>
+            <p:ph type="body" idx="1"/>
+          </p:nvPr>
+        </p:nvSpPr>
+        <p:spPr/>
+        <p:txBody>
+          <a:bodyPr/>
+          <a:lstStyle/>
+          <a:p>
+            <a:endParaRPr lang="en-US" dirty="0"/>
+          </a:p>
+        </p:txBody>
+      </p:sp>
+      <p:sp>
+        <p:nvSpPr>
+          <p:cNvPr id="4" name="Slide Number Placeholder 3"/>
+          <p:cNvSpPr>
+            <a:spLocks noGrp="1"/>
+          </p:cNvSpPr>
+          <p:nvPr>
+            <p:ph type="sldNum" sz="quarter" idx="10"/>
+          </p:nvPr>
+        </p:nvSpPr>
+        <p:spPr/>
+        <p:txBody>
+          <a:bodyPr/>
+          <a:lstStyle/>
+          <a:p>
+            <a:fld id="{580C3CF9-2088-4345-84DE-A0500A36AC73}" type="slidenum">
+              <a:rPr lang="en-US" smtClean="0"/>
+              <a:pPr/>
+              <a:t>18</a:t>
+            </a:fld>
+            <a:endParaRPr lang="en-US"/>
+          </a:p>
+        </p:txBody>
+      </p:sp>
+    </p:spTree>
+    <p:extLst>
+      <p:ext uri="{BB962C8B-B14F-4D97-AF65-F5344CB8AC3E}">
+        <p14:creationId xmlns:p14="http://schemas.microsoft.com/office/powerpoint/2010/main" val="3053668777"/>
       </p:ext>
     </p:extLst>
   </p:cSld>
@@ -1694,7 +1869,7 @@
                 <a:ea typeface="+mn-ea"/>
                 <a:cs typeface="+mn-cs"/>
               </a:rPr>
-              <a:t>In 1964, Despite setting a lap, record all three GT40s failed to finish and a Ferrari won.</a:t>
+              <a:t>In 1963 Ford wanted a car at Le Mans </a:t>
             </a:r>
           </a:p>
           <a:p>
@@ -1712,8 +1887,63 @@
                 <a:ea typeface="+mn-ea"/>
                 <a:cs typeface="+mn-cs"/>
               </a:rPr>
-              <a:t>In 1965, two GT40's were entered and both failed to finish and a Ferrari won.</a:t>
-            </a:r>
+              <a:t>He found out Enzo Ferrari was looking to sell his company.</a:t>
+            </a:r>
+          </a:p>
+          <a:p>
+            <a:pPr marL="171450" indent="-171450">
+              <a:buFont typeface="Arial" panose="020B0604020202020204" pitchFamily="34" charset="0"/>
+              <a:buChar char="•"/>
+            </a:pPr>
+            <a:r>
+              <a:rPr lang="en-US" sz="1000" b="0" i="0" kern="1200" dirty="0">
+                <a:solidFill>
+                  <a:schemeClr val="tx1"/>
+                </a:solidFill>
+                <a:effectLst/>
+                <a:latin typeface="+mn-lt"/>
+                <a:ea typeface="+mn-ea"/>
+                <a:cs typeface="+mn-cs"/>
+              </a:rPr>
+              <a:t>After a great deal of due diligence, Ford made an offer</a:t>
+            </a:r>
+          </a:p>
+          <a:p>
+            <a:pPr marL="171450" indent="-171450">
+              <a:buFont typeface="Arial" panose="020B0604020202020204" pitchFamily="34" charset="0"/>
+              <a:buChar char="•"/>
+            </a:pPr>
+            <a:r>
+              <a:rPr lang="en-US" sz="1000" b="0" i="0" kern="1200" dirty="0">
+                <a:solidFill>
+                  <a:schemeClr val="tx1"/>
+                </a:solidFill>
+                <a:effectLst/>
+                <a:latin typeface="+mn-lt"/>
+                <a:ea typeface="+mn-ea"/>
+                <a:cs typeface="+mn-cs"/>
+              </a:rPr>
+              <a:t>Ferrari walked out when he found out Ford refused to let him remain in control of the racing division. </a:t>
+            </a:r>
+          </a:p>
+          <a:p>
+            <a:pPr marL="171450" indent="-171450">
+              <a:buFont typeface="Arial" panose="020B0604020202020204" pitchFamily="34" charset="0"/>
+              <a:buChar char="•"/>
+            </a:pPr>
+            <a:r>
+              <a:rPr lang="en-US" sz="1000" b="0" i="0" kern="1200" dirty="0">
+                <a:solidFill>
+                  <a:schemeClr val="tx1"/>
+                </a:solidFill>
+                <a:effectLst/>
+                <a:latin typeface="+mn-lt"/>
+                <a:ea typeface="+mn-ea"/>
+                <a:cs typeface="+mn-cs"/>
+              </a:rPr>
+              <a:t>Ford was now determined to beat Ferrari and outsourced development of a race car to company from England. The result was the GT40.</a:t>
+            </a:r>
+            <a:endParaRPr lang="en-US" dirty="0"/>
           </a:p>
         </p:txBody>
       </p:sp>
@@ -1735,7 +1965,7 @@
             <a:fld id="{580C3CF9-2088-4345-84DE-A0500A36AC73}" type="slidenum">
               <a:rPr lang="en-US" smtClean="0"/>
               <a:pPr/>
-              <a:t>4</a:t>
+              <a:t>3</a:t>
             </a:fld>
             <a:endParaRPr lang="en-US"/>
           </a:p>
@@ -1744,7 +1974,7 @@
     </p:spTree>
     <p:extLst>
       <p:ext uri="{BB962C8B-B14F-4D97-AF65-F5344CB8AC3E}">
-        <p14:creationId xmlns:p14="http://schemas.microsoft.com/office/powerpoint/2010/main" val="2655302116"/>
+        <p14:creationId xmlns:p14="http://schemas.microsoft.com/office/powerpoint/2010/main" val="201442134"/>
       </p:ext>
     </p:extLst>
   </p:cSld>
@@ -1812,19 +2042,26 @@
                 <a:ea typeface="+mn-ea"/>
                 <a:cs typeface="+mn-cs"/>
               </a:rPr>
-              <a:t>After the 1965 season Ford built a dynamometer laboratory to automate the testing of the engines as closely as possible to on-course conditions.</a:t>
-            </a:r>
-          </a:p>
-          <a:p>
-            <a:endParaRPr lang="en-US" sz="1000" b="0" i="0" kern="1200" dirty="0">
-              <a:solidFill>
-                <a:schemeClr val="tx1"/>
-              </a:solidFill>
-              <a:effectLst/>
-              <a:latin typeface="+mn-lt"/>
-              <a:ea typeface="+mn-ea"/>
-              <a:cs typeface="+mn-cs"/>
-            </a:endParaRPr>
+              <a:t>In 1964, Despite setting a lap record, all three GT40s failed to finish and a Ferrari won the race.</a:t>
+            </a:r>
+          </a:p>
+          <a:p>
+            <a:pPr marL="171450" indent="-171450">
+              <a:buFont typeface="Arial" panose="020B0604020202020204" pitchFamily="34" charset="0"/>
+              <a:buChar char="•"/>
+            </a:pPr>
+            <a:r>
+              <a:rPr lang="en-US" sz="1000" b="0" i="0" kern="1200" dirty="0">
+                <a:solidFill>
+                  <a:schemeClr val="tx1"/>
+                </a:solidFill>
+                <a:effectLst/>
+                <a:latin typeface="+mn-lt"/>
+                <a:ea typeface="+mn-ea"/>
+                <a:cs typeface="+mn-cs"/>
+              </a:rPr>
+              <a:t>In 1965, two GT40's were entered and both failed to finish and a Ferrari won again.</a:t>
+            </a:r>
           </a:p>
         </p:txBody>
       </p:sp>
@@ -1846,7 +2083,7 @@
             <a:fld id="{580C3CF9-2088-4345-84DE-A0500A36AC73}" type="slidenum">
               <a:rPr lang="en-US" smtClean="0"/>
               <a:pPr/>
-              <a:t>5</a:t>
+              <a:t>4</a:t>
             </a:fld>
             <a:endParaRPr lang="en-US"/>
           </a:p>
@@ -1855,7 +2092,7 @@
     </p:spTree>
     <p:extLst>
       <p:ext uri="{BB962C8B-B14F-4D97-AF65-F5344CB8AC3E}">
-        <p14:creationId xmlns:p14="http://schemas.microsoft.com/office/powerpoint/2010/main" val="2965075264"/>
+        <p14:creationId xmlns:p14="http://schemas.microsoft.com/office/powerpoint/2010/main" val="2655302116"/>
       </p:ext>
     </p:extLst>
   </p:cSld>
@@ -1923,14 +2160,8 @@
                 <a:ea typeface="+mn-ea"/>
                 <a:cs typeface="+mn-cs"/>
               </a:rPr>
-              <a:t>Automated testing leads to better, more reliable products</a:t>
-            </a:r>
-          </a:p>
-          <a:p>
-            <a:pPr marL="171450" indent="-171450">
-              <a:buFont typeface="Arial" panose="020B0604020202020204" pitchFamily="34" charset="0"/>
-              <a:buChar char="•"/>
-            </a:pPr>
+              <a:t>After the 1965 season Ford built a dynamometer laboratory to automate the testing of the engines as closely to on-course conditions </a:t>
+            </a:r>
             <a:r>
               <a:rPr lang="en-US" sz="1000" b="0" i="0" kern="1200" dirty="0">
                 <a:solidFill>
@@ -1941,10 +2172,10 @@
                 <a:ea typeface="+mn-ea"/>
                 <a:cs typeface="+mn-cs"/>
               </a:rPr>
-              <a:t>A significant part of automated testing is isolating your system under test and validating real-world conditions and </a:t>
-            </a:r>
-            <a:r>
-              <a:rPr lang="en-US" sz="1000" b="0" i="0" kern="1200">
+              <a:t>as possible </a:t>
+            </a:r>
+            <a:r>
+              <a:rPr lang="en-US" sz="1000" b="0" i="0" kern="1200" dirty="0">
                 <a:solidFill>
                   <a:schemeClr val="tx1"/>
                 </a:solidFill>
@@ -1953,20 +2184,19 @@
                 <a:ea typeface="+mn-ea"/>
                 <a:cs typeface="+mn-cs"/>
               </a:rPr>
-              <a:t>oftentimes even conditions </a:t>
-            </a:r>
-            <a:r>
-              <a:rPr lang="en-US" sz="1000" b="0" i="0" kern="1200" dirty="0">
-                <a:solidFill>
-                  <a:schemeClr val="tx1"/>
-                </a:solidFill>
-                <a:effectLst/>
-                <a:latin typeface="+mn-lt"/>
-                <a:ea typeface="+mn-ea"/>
-                <a:cs typeface="+mn-cs"/>
-              </a:rPr>
-              <a:t>you don’t expect</a:t>
-            </a:r>
+              <a:t>.</a:t>
+            </a:r>
+          </a:p>
+          <a:p>
+            <a:endParaRPr lang="en-US" sz="1000" b="0" i="0" kern="1200" dirty="0">
+              <a:solidFill>
+                <a:schemeClr val="tx1"/>
+              </a:solidFill>
+              <a:effectLst/>
+              <a:latin typeface="+mn-lt"/>
+              <a:ea typeface="+mn-ea"/>
+              <a:cs typeface="+mn-cs"/>
+            </a:endParaRPr>
           </a:p>
         </p:txBody>
       </p:sp>
@@ -1988,7 +2218,7 @@
             <a:fld id="{580C3CF9-2088-4345-84DE-A0500A36AC73}" type="slidenum">
               <a:rPr lang="en-US" smtClean="0"/>
               <a:pPr/>
-              <a:t>6</a:t>
+              <a:t>5</a:t>
             </a:fld>
             <a:endParaRPr lang="en-US"/>
           </a:p>
@@ -1997,7 +2227,7 @@
     </p:spTree>
     <p:extLst>
       <p:ext uri="{BB962C8B-B14F-4D97-AF65-F5344CB8AC3E}">
-        <p14:creationId xmlns:p14="http://schemas.microsoft.com/office/powerpoint/2010/main" val="2577835155"/>
+        <p14:creationId xmlns:p14="http://schemas.microsoft.com/office/powerpoint/2010/main" val="2965075264"/>
       </p:ext>
     </p:extLst>
   </p:cSld>
@@ -2065,10 +2295,16 @@
                 <a:ea typeface="+mn-ea"/>
                 <a:cs typeface="+mn-cs"/>
               </a:rPr>
-              <a:t>We use the term </a:t>
-            </a:r>
-            <a:r>
-              <a:rPr lang="en-US" sz="1000" b="1" i="0" kern="1200" dirty="0">
+              <a:t>Not only did all three GT40’s finished, but they swept the podium</a:t>
+            </a:r>
+          </a:p>
+          <a:p>
+            <a:pPr marL="171450" indent="-171450">
+              <a:buFont typeface="Arial" panose="020B0604020202020204" pitchFamily="34" charset="0"/>
+              <a:buChar char="•"/>
+            </a:pPr>
+            <a:r>
+              <a:rPr lang="en-US" sz="1000" b="0" i="0" kern="1200" dirty="0">
                 <a:solidFill>
                   <a:schemeClr val="tx1"/>
                 </a:solidFill>
@@ -2077,8 +2313,14 @@
                 <a:ea typeface="+mn-ea"/>
                 <a:cs typeface="+mn-cs"/>
               </a:rPr>
-              <a:t>Mock</a:t>
-            </a:r>
+              <a:t>Automated testing leads to better, more reliable products</a:t>
+            </a:r>
+          </a:p>
+          <a:p>
+            <a:pPr marL="171450" indent="-171450">
+              <a:buFont typeface="Arial" panose="020B0604020202020204" pitchFamily="34" charset="0"/>
+              <a:buChar char="•"/>
+            </a:pPr>
             <a:r>
               <a:rPr lang="en-US" sz="1000" b="0" i="0" kern="1200" dirty="0">
                 <a:solidFill>
@@ -2089,63 +2331,8 @@
                 <a:ea typeface="+mn-ea"/>
                 <a:cs typeface="+mn-cs"/>
               </a:rPr>
-              <a:t> we are most likely mean Test Double</a:t>
-            </a:r>
-          </a:p>
-          <a:p>
-            <a:pPr marL="171450" indent="-171450">
-              <a:buFont typeface="Arial" panose="020B0604020202020204" pitchFamily="34" charset="0"/>
-              <a:buChar char="•"/>
-            </a:pPr>
-            <a:r>
-              <a:rPr lang="en-US" sz="1000" b="0" i="0" kern="1200" dirty="0">
-                <a:solidFill>
-                  <a:schemeClr val="tx1"/>
-                </a:solidFill>
-                <a:effectLst/>
-                <a:latin typeface="+mn-lt"/>
-                <a:ea typeface="+mn-ea"/>
-                <a:cs typeface="+mn-cs"/>
-              </a:rPr>
-              <a:t>It’s probably not super important that you know these by heart, but understand that you use different Test Doubles for the different types of verification</a:t>
-            </a:r>
-          </a:p>
-          <a:p>
-            <a:pPr marL="171450" indent="-171450">
-              <a:buFont typeface="Arial" panose="020B0604020202020204" pitchFamily="34" charset="0"/>
-              <a:buChar char="•"/>
-            </a:pPr>
-            <a:r>
-              <a:rPr lang="en-US" sz="1000" b="0" i="0" kern="1200" dirty="0">
-                <a:solidFill>
-                  <a:schemeClr val="tx1"/>
-                </a:solidFill>
-                <a:effectLst/>
-                <a:latin typeface="+mn-lt"/>
-                <a:ea typeface="+mn-ea"/>
-                <a:cs typeface="+mn-cs"/>
-              </a:rPr>
-              <a:t>When you are verifying the state, was your state affected by a Stub?</a:t>
-            </a:r>
-          </a:p>
-          <a:p>
-            <a:pPr marL="171450" indent="-171450">
-              <a:buFont typeface="Arial" panose="020B0604020202020204" pitchFamily="34" charset="0"/>
-              <a:buChar char="•"/>
-            </a:pPr>
-            <a:r>
-              <a:rPr lang="en-US" sz="1000" b="0" i="0" kern="1200" dirty="0">
-                <a:solidFill>
-                  <a:schemeClr val="tx1"/>
-                </a:solidFill>
-                <a:effectLst/>
-                <a:latin typeface="+mn-lt"/>
-                <a:ea typeface="+mn-ea"/>
-                <a:cs typeface="+mn-cs"/>
-              </a:rPr>
-              <a:t>When you are verifying behavior</a:t>
-            </a:r>
-            <a:endParaRPr lang="en-US" dirty="0"/>
+              <a:t>A significant part of automated testing is isolating your system under test and validating real-world conditions and oftentimes even conditions you don’t expect</a:t>
+            </a:r>
           </a:p>
         </p:txBody>
       </p:sp>
@@ -2167,7 +2354,7 @@
             <a:fld id="{580C3CF9-2088-4345-84DE-A0500A36AC73}" type="slidenum">
               <a:rPr lang="en-US" smtClean="0"/>
               <a:pPr/>
-              <a:t>7</a:t>
+              <a:t>6</a:t>
             </a:fld>
             <a:endParaRPr lang="en-US"/>
           </a:p>
@@ -2176,7 +2363,7 @@
     </p:spTree>
     <p:extLst>
       <p:ext uri="{BB962C8B-B14F-4D97-AF65-F5344CB8AC3E}">
-        <p14:creationId xmlns:p14="http://schemas.microsoft.com/office/powerpoint/2010/main" val="1630166121"/>
+        <p14:creationId xmlns:p14="http://schemas.microsoft.com/office/powerpoint/2010/main" val="2577835155"/>
       </p:ext>
     </p:extLst>
   </p:cSld>
@@ -2235,24 +2422,16 @@
               <a:buChar char="•"/>
             </a:pPr>
             <a:r>
-              <a:rPr lang="en-US" dirty="0"/>
-              <a:t>My function </a:t>
-            </a:r>
-            <a:r>
-              <a:rPr lang="en-US" dirty="0" err="1"/>
-              <a:t>MockMe</a:t>
-            </a:r>
-            <a:r>
-              <a:rPr lang="en-US" dirty="0"/>
-              <a:t> just takes a parameter and calls Get-</a:t>
-            </a:r>
-            <a:r>
-              <a:rPr lang="en-US" dirty="0" err="1"/>
-              <a:t>ChildItem</a:t>
-            </a:r>
-            <a:r>
-              <a:rPr lang="en-US" dirty="0"/>
-              <a:t> with the given parameter</a:t>
+              <a:rPr lang="en-US" sz="1000" b="0" i="0" kern="1200" dirty="0">
+                <a:solidFill>
+                  <a:schemeClr val="tx1"/>
+                </a:solidFill>
+                <a:effectLst/>
+                <a:latin typeface="+mn-lt"/>
+                <a:ea typeface="+mn-ea"/>
+                <a:cs typeface="+mn-cs"/>
+              </a:rPr>
+              <a:t>I want to start with some vocabulary</a:t>
             </a:r>
           </a:p>
           <a:p>
@@ -2261,8 +2440,16 @@
               <a:buChar char="•"/>
             </a:pPr>
             <a:r>
-              <a:rPr lang="en-US" dirty="0"/>
-              <a:t>I have two Mock statements with different specifications</a:t>
+              <a:rPr lang="en-US" sz="1000" b="0" i="0" kern="1200" dirty="0">
+                <a:solidFill>
+                  <a:schemeClr val="tx1"/>
+                </a:solidFill>
+                <a:effectLst/>
+                <a:latin typeface="+mn-lt"/>
+                <a:ea typeface="+mn-ea"/>
+                <a:cs typeface="+mn-cs"/>
+              </a:rPr>
+              <a:t>The names aren’t super important. We tend to refer to everything as Mocking unless your title is QA Automation Engineer, but it’s helpful to understand the different patterns.</a:t>
             </a:r>
           </a:p>
           <a:p>
@@ -2271,8 +2458,40 @@
               <a:buChar char="•"/>
             </a:pPr>
             <a:r>
-              <a:rPr lang="en-US" dirty="0"/>
-              <a:t>You see that there are no Should assertions and both Mocks just return $null. We’re verify the functionality entirely based on the calls made</a:t>
+              <a:rPr lang="en-US" sz="1000" b="0" i="1" kern="1200" dirty="0">
+                <a:solidFill>
+                  <a:schemeClr val="tx1"/>
+                </a:solidFill>
+                <a:effectLst/>
+                <a:latin typeface="+mn-lt"/>
+                <a:ea typeface="+mn-ea"/>
+                <a:cs typeface="+mn-cs"/>
+              </a:rPr>
+              <a:t>[go through </a:t>
+            </a:r>
+            <a:r>
+              <a:rPr lang="en-US" sz="1000" b="0" i="1" kern="1200" dirty="0" err="1">
+                <a:solidFill>
+                  <a:schemeClr val="tx1"/>
+                </a:solidFill>
+                <a:effectLst/>
+                <a:latin typeface="+mn-lt"/>
+                <a:ea typeface="+mn-ea"/>
+                <a:cs typeface="+mn-cs"/>
+              </a:rPr>
+              <a:t>defs</a:t>
+            </a:r>
+            <a:r>
+              <a:rPr lang="en-US" sz="1000" b="0" i="1" kern="1200" dirty="0">
+                <a:solidFill>
+                  <a:schemeClr val="tx1"/>
+                </a:solidFill>
+                <a:effectLst/>
+                <a:latin typeface="+mn-lt"/>
+                <a:ea typeface="+mn-ea"/>
+                <a:cs typeface="+mn-cs"/>
+              </a:rPr>
+              <a:t>]</a:t>
             </a:r>
           </a:p>
         </p:txBody>
@@ -2295,7 +2514,7 @@
             <a:fld id="{580C3CF9-2088-4345-84DE-A0500A36AC73}" type="slidenum">
               <a:rPr lang="en-US" smtClean="0"/>
               <a:pPr/>
-              <a:t>8</a:t>
+              <a:t>7</a:t>
             </a:fld>
             <a:endParaRPr lang="en-US"/>
           </a:p>
@@ -2304,7 +2523,7 @@
     </p:spTree>
     <p:extLst>
       <p:ext uri="{BB962C8B-B14F-4D97-AF65-F5344CB8AC3E}">
-        <p14:creationId xmlns:p14="http://schemas.microsoft.com/office/powerpoint/2010/main" val="3105298814"/>
+        <p14:creationId xmlns:p14="http://schemas.microsoft.com/office/powerpoint/2010/main" val="1630166121"/>
       </p:ext>
     </p:extLst>
   </p:cSld>
@@ -2364,21 +2583,24 @@
             </a:pPr>
             <a:r>
               <a:rPr lang="en-US" dirty="0"/>
-              <a:t>Here, my </a:t>
+              <a:t>My function </a:t>
             </a:r>
             <a:r>
               <a:rPr lang="en-US" dirty="0" err="1"/>
-              <a:t>StubMe</a:t>
+              <a:t>MockMe</a:t>
             </a:r>
             <a:r>
               <a:rPr lang="en-US" dirty="0"/>
-              <a:t> function is extracting a specific property of the output of Get-</a:t>
+              <a:t> just takes a parameter and calls Get-</a:t>
             </a:r>
             <a:r>
               <a:rPr lang="en-US" dirty="0" err="1"/>
               <a:t>ChildItem</a:t>
             </a:r>
-            <a:endParaRPr lang="en-US" dirty="0"/>
+            <a:r>
+              <a:rPr lang="en-US" dirty="0"/>
+              <a:t> with the given parameter</a:t>
+            </a:r>
           </a:p>
           <a:p>
             <a:pPr marL="171450" indent="-171450">
@@ -2387,15 +2609,7 @@
             </a:pPr>
             <a:r>
               <a:rPr lang="en-US" dirty="0"/>
-              <a:t>In this case my Mock statement has no </a:t>
-            </a:r>
-            <a:r>
-              <a:rPr lang="en-US" dirty="0" err="1"/>
-              <a:t>ParameterFilter</a:t>
-            </a:r>
-            <a:r>
-              <a:rPr lang="en-US" dirty="0"/>
-              <a:t> and instead returns a Fake Object</a:t>
+              <a:t>I have two Mock statements with different specifications</a:t>
             </a:r>
           </a:p>
           <a:p>
@@ -2405,42 +2619,7 @@
             </a:pPr>
             <a:r>
               <a:rPr lang="en-US" dirty="0"/>
-              <a:t>This test does use a Should Be assertion to verify the value returned by </a:t>
-            </a:r>
-            <a:r>
-              <a:rPr lang="en-US" dirty="0" err="1"/>
-              <a:t>StubMe</a:t>
-            </a:r>
-            <a:endParaRPr lang="en-US" dirty="0"/>
-          </a:p>
-          <a:p>
-            <a:pPr marL="171450" indent="-171450">
-              <a:buFont typeface="Arial" panose="020B0604020202020204" pitchFamily="34" charset="0"/>
-              <a:buChar char="•"/>
-            </a:pPr>
-            <a:r>
-              <a:rPr lang="en-US" dirty="0"/>
-              <a:t>These are both simple examples, but even as the code and tests become more complex it boils down to behavior or state verification.</a:t>
-            </a:r>
-          </a:p>
-          <a:p>
-            <a:pPr marL="171450" indent="-171450">
-              <a:buFont typeface="Arial" panose="020B0604020202020204" pitchFamily="34" charset="0"/>
-              <a:buChar char="•"/>
-            </a:pPr>
-            <a:r>
-              <a:rPr lang="en-US" dirty="0"/>
-              <a:t>Behavior Verification is good when you are testing an integration with some dependency. You want to test that you are making the correct calls, but not actually making them.</a:t>
-            </a:r>
-          </a:p>
-          <a:p>
-            <a:pPr marL="171450" indent="-171450">
-              <a:buFont typeface="Arial" panose="020B0604020202020204" pitchFamily="34" charset="0"/>
-              <a:buChar char="•"/>
-            </a:pPr>
-            <a:r>
-              <a:rPr lang="en-US" dirty="0"/>
-              <a:t>State Verification is necessary when your System Under Test is modifying state. Obviously. </a:t>
+              <a:t>You see that there are no Should assertions and both Mocks just return $null. We’re verify the functionality entirely based on the calls made</a:t>
             </a:r>
           </a:p>
         </p:txBody>
@@ -2463,7 +2642,7 @@
             <a:fld id="{580C3CF9-2088-4345-84DE-A0500A36AC73}" type="slidenum">
               <a:rPr lang="en-US" smtClean="0"/>
               <a:pPr/>
-              <a:t>9</a:t>
+              <a:t>8</a:t>
             </a:fld>
             <a:endParaRPr lang="en-US"/>
           </a:p>
@@ -2472,7 +2651,7 @@
     </p:spTree>
     <p:extLst>
       <p:ext uri="{BB962C8B-B14F-4D97-AF65-F5344CB8AC3E}">
-        <p14:creationId xmlns:p14="http://schemas.microsoft.com/office/powerpoint/2010/main" val="3229578436"/>
+        <p14:creationId xmlns:p14="http://schemas.microsoft.com/office/powerpoint/2010/main" val="3105298814"/>
       </p:ext>
     </p:extLst>
   </p:cSld>
@@ -2532,8 +2711,21 @@
             </a:pPr>
             <a:r>
               <a:rPr lang="en-US" dirty="0"/>
-              <a:t>The “fun” of Mocking in PowerShell is there are so many ways to execute commands</a:t>
-            </a:r>
+              <a:t>Here, my </a:t>
+            </a:r>
+            <a:r>
+              <a:rPr lang="en-US" dirty="0" err="1"/>
+              <a:t>StubMe</a:t>
+            </a:r>
+            <a:r>
+              <a:rPr lang="en-US" dirty="0"/>
+              <a:t> function is extracting a specific property of the output of Get-</a:t>
+            </a:r>
+            <a:r>
+              <a:rPr lang="en-US" dirty="0" err="1"/>
+              <a:t>ChildItem</a:t>
+            </a:r>
+            <a:endParaRPr lang="en-US" dirty="0"/>
           </a:p>
           <a:p>
             <a:pPr marL="171450" indent="-171450">
@@ -2542,7 +2734,15 @@
             </a:pPr>
             <a:r>
               <a:rPr lang="en-US" dirty="0"/>
-              <a:t>The Mock command in Pester works with functions/cmdlets</a:t>
+              <a:t>In this case my Mock statement has no </a:t>
+            </a:r>
+            <a:r>
+              <a:rPr lang="en-US" dirty="0" err="1"/>
+              <a:t>ParameterFilter</a:t>
+            </a:r>
+            <a:r>
+              <a:rPr lang="en-US" dirty="0"/>
+              <a:t> and instead returns a Fake Object</a:t>
             </a:r>
           </a:p>
           <a:p>
@@ -2552,8 +2752,13 @@
             </a:pPr>
             <a:r>
               <a:rPr lang="en-US" dirty="0"/>
-              <a:t>The very flexibility that makes testing in PowerShell a challenge makes it easy to Mock almost any call</a:t>
-            </a:r>
+              <a:t>This test does use a Should Be assertion to verify the value returned by </a:t>
+            </a:r>
+            <a:r>
+              <a:rPr lang="en-US" dirty="0" err="1"/>
+              <a:t>StubMe</a:t>
+            </a:r>
+            <a:endParaRPr lang="en-US" dirty="0"/>
           </a:p>
           <a:p>
             <a:pPr marL="171450" indent="-171450">
@@ -2562,7 +2767,27 @@
             </a:pPr>
             <a:r>
               <a:rPr lang="en-US" dirty="0"/>
-              <a:t>While it’s easy to create Test Dummies in PowerShell, we are pretty much stuck with State Verification once we abandon the Mock command of Pester</a:t>
+              <a:t>These are both simple examples, but even as the code and tests become more complex it boils down to behavior or state verification.</a:t>
+            </a:r>
+          </a:p>
+          <a:p>
+            <a:pPr marL="171450" indent="-171450">
+              <a:buFont typeface="Arial" panose="020B0604020202020204" pitchFamily="34" charset="0"/>
+              <a:buChar char="•"/>
+            </a:pPr>
+            <a:r>
+              <a:rPr lang="en-US" dirty="0"/>
+              <a:t>Behavior Verification is good when you are testing an integration with some dependency. You want to test that you are making the correct calls, but not actually making them.</a:t>
+            </a:r>
+          </a:p>
+          <a:p>
+            <a:pPr marL="171450" indent="-171450">
+              <a:buFont typeface="Arial" panose="020B0604020202020204" pitchFamily="34" charset="0"/>
+              <a:buChar char="•"/>
+            </a:pPr>
+            <a:r>
+              <a:rPr lang="en-US" dirty="0"/>
+              <a:t>State Verification is necessary when your System Under Test is modifying state. Obviously. </a:t>
             </a:r>
           </a:p>
         </p:txBody>
@@ -2585,7 +2810,7 @@
             <a:fld id="{580C3CF9-2088-4345-84DE-A0500A36AC73}" type="slidenum">
               <a:rPr lang="en-US" smtClean="0"/>
               <a:pPr/>
-              <a:t>10</a:t>
+              <a:t>9</a:t>
             </a:fld>
             <a:endParaRPr lang="en-US"/>
           </a:p>
@@ -2594,7 +2819,7 @@
     </p:spTree>
     <p:extLst>
       <p:ext uri="{BB962C8B-B14F-4D97-AF65-F5344CB8AC3E}">
-        <p14:creationId xmlns:p14="http://schemas.microsoft.com/office/powerpoint/2010/main" val="3422262724"/>
+        <p14:creationId xmlns:p14="http://schemas.microsoft.com/office/powerpoint/2010/main" val="3229578436"/>
       </p:ext>
     </p:extLst>
   </p:cSld>
@@ -2654,7 +2879,7 @@
             </a:pPr>
             <a:r>
               <a:rPr lang="en-US" dirty="0"/>
-              <a:t>Say you need to invoke a stand-alone script and you want to Stub that out without actually executing the script</a:t>
+              <a:t>The “fun” of Mocking in PowerShell is there are so many ways to execute commands</a:t>
             </a:r>
           </a:p>
           <a:p>
@@ -2664,7 +2889,7 @@
             </a:pPr>
             <a:r>
               <a:rPr lang="en-US" dirty="0"/>
-              <a:t>You can create a function with a name that is equivalent to the path of your script</a:t>
+              <a:t>The Mock command in Pester only works with functions</a:t>
             </a:r>
           </a:p>
           <a:p>
@@ -2674,7 +2899,25 @@
             </a:pPr>
             <a:r>
               <a:rPr lang="en-US" dirty="0"/>
-              <a:t>This is one of the primary patterns you can use in PowerShell to fake just about any call</a:t>
+              <a:t>However, the very flexibility that makes testing in PowerShell a challenge makes it easy to Mock almost any call</a:t>
+            </a:r>
+          </a:p>
+          <a:p>
+            <a:pPr marL="171450" indent="-171450">
+              <a:buFont typeface="Arial" panose="020B0604020202020204" pitchFamily="34" charset="0"/>
+              <a:buChar char="•"/>
+            </a:pPr>
+            <a:r>
+              <a:rPr lang="en-US" dirty="0"/>
+              <a:t>While it’s easy to create Test Dummies in PowerShell, we lose the ability to use Assert-</a:t>
+            </a:r>
+            <a:r>
+              <a:rPr lang="en-US" dirty="0" err="1"/>
+              <a:t>MockCalled</a:t>
+            </a:r>
+            <a:r>
+              <a:rPr lang="en-US" dirty="0"/>
+              <a:t> for Behavior Verification</a:t>
             </a:r>
           </a:p>
         </p:txBody>
@@ -2697,7 +2940,7 @@
             <a:fld id="{580C3CF9-2088-4345-84DE-A0500A36AC73}" type="slidenum">
               <a:rPr lang="en-US" smtClean="0"/>
               <a:pPr/>
-              <a:t>11</a:t>
+              <a:t>10</a:t>
             </a:fld>
             <a:endParaRPr lang="en-US"/>
           </a:p>
@@ -2706,7 +2949,7 @@
     </p:spTree>
     <p:extLst>
       <p:ext uri="{BB962C8B-B14F-4D97-AF65-F5344CB8AC3E}">
-        <p14:creationId xmlns:p14="http://schemas.microsoft.com/office/powerpoint/2010/main" val="2449545183"/>
+        <p14:creationId xmlns:p14="http://schemas.microsoft.com/office/powerpoint/2010/main" val="3422262724"/>
       </p:ext>
     </p:extLst>
   </p:cSld>
@@ -12231,7 +12474,7 @@
         </p:nvSpPr>
         <p:spPr>
           <a:xfrm>
-            <a:off x="2946591" y="844930"/>
+            <a:off x="3034271" y="877543"/>
             <a:ext cx="2787943" cy="276999"/>
           </a:xfrm>
           <a:prstGeom prst="rect">
@@ -12302,7 +12545,7 @@
         <p:spPr>
           <a:xfrm>
             <a:off x="273051" y="862155"/>
-            <a:ext cx="2547492" cy="307777"/>
+            <a:ext cx="2869696" cy="307777"/>
           </a:xfrm>
           <a:prstGeom prst="rect">
             <a:avLst/>
@@ -12321,7 +12564,7 @@
                 <a:ea typeface="Fira Code" panose="020B0509050000020004" pitchFamily="49" charset="0"/>
                 <a:cs typeface="TM Sans"/>
               </a:rPr>
-              <a:t>Demo2a-ScriptFiles.ps1</a:t>
+              <a:t>Demo2a-ScriptFiles.ps1 = </a:t>
             </a:r>
             <a:endParaRPr lang="en-US" sz="1400" dirty="0">
               <a:latin typeface="Fira Code" panose="020B0509050000020004" pitchFamily="49" charset="0"/>
@@ -13122,7 +13365,7 @@
         </p:nvSpPr>
         <p:spPr>
           <a:xfrm>
-            <a:off x="1802083" y="961711"/>
+            <a:off x="1802083" y="1282150"/>
             <a:ext cx="5492209" cy="2554545"/>
           </a:xfrm>
           <a:prstGeom prst="rect">
@@ -13210,25 +13453,7 @@
                 </a:solidFill>
                 <a:latin typeface="Fira Code" panose="020B0509050000020004" pitchFamily="49" charset="0"/>
               </a:rPr>
-              <a:t>-Behavior </a:t>
-            </a:r>
-            <a:r>
-              <a:rPr lang="en-US" sz="1600" dirty="0" err="1">
-                <a:solidFill>
-                  <a:srgbClr val="CE9178"/>
-                </a:solidFill>
-                <a:latin typeface="Fira Code" panose="020B0509050000020004" pitchFamily="49" charset="0"/>
-              </a:rPr>
-              <a:t>Verificaiton</a:t>
-            </a:r>
-            <a:r>
-              <a:rPr lang="en-US" sz="1600" dirty="0">
-                <a:solidFill>
-                  <a:srgbClr val="CE9178"/>
-                </a:solidFill>
-                <a:latin typeface="Fira Code" panose="020B0509050000020004" pitchFamily="49" charset="0"/>
-              </a:rPr>
-              <a:t>'</a:t>
+              <a:t>-Behavior Verification'</a:t>
             </a:r>
             <a:r>
               <a:rPr lang="en-US" sz="1600" dirty="0">
@@ -13879,7 +14104,7 @@
         <p:spPr>
           <a:xfrm>
             <a:off x="535711" y="790907"/>
-            <a:ext cx="8024954" cy="4185761"/>
+            <a:ext cx="8024954" cy="3970318"/>
           </a:xfrm>
           <a:prstGeom prst="rect">
             <a:avLst/>
@@ -14820,33 +15045,6 @@
               <a:solidFill>
                 <a:srgbClr val="D4D4D4"/>
               </a:solidFill>
-              <a:latin typeface="Fira Code" panose="020B0509050000020004" pitchFamily="49" charset="0"/>
-            </a:endParaRPr>
-          </a:p>
-          <a:p>
-            <a:r>
-              <a:rPr lang="en-US" sz="1400" dirty="0">
-                <a:solidFill>
-                  <a:srgbClr val="DCDCAA"/>
-                </a:solidFill>
-                <a:latin typeface="Fira Code" panose="020B0509050000020004" pitchFamily="49" charset="0"/>
-              </a:rPr>
-              <a:t>PING.EXE</a:t>
-            </a:r>
-            <a:r>
-              <a:rPr lang="en-US" sz="1400" dirty="0">
-                <a:solidFill>
-                  <a:srgbClr val="D4D4D4"/>
-                </a:solidFill>
-                <a:latin typeface="Fira Code" panose="020B0509050000020004" pitchFamily="49" charset="0"/>
-              </a:rPr>
-              <a:t> localhost -t</a:t>
-            </a:r>
-            <a:endParaRPr lang="en-US" sz="1400" b="0" dirty="0">
-              <a:solidFill>
-                <a:srgbClr val="D4D4D4"/>
-              </a:solidFill>
-              <a:effectLst/>
               <a:latin typeface="Fira Code" panose="020B0509050000020004" pitchFamily="49" charset="0"/>
             </a:endParaRPr>
           </a:p>
@@ -16955,7 +17153,7 @@
                 </a:solidFill>
                 <a:latin typeface="Fira Code" panose="020B0509050000020004" pitchFamily="49" charset="0"/>
               </a:rPr>
-              <a:t>USHOLCHU1-L</a:t>
+              <a:t>HACKWORTH</a:t>
             </a:r>
           </a:p>
           <a:p>
@@ -17168,1279 +17366,7 @@
                 <a:latin typeface="Interstate-Black"/>
                 <a:cs typeface="Interstate-Black"/>
               </a:rPr>
-              <a:t>Digit</a:t>
-            </a:r>
-          </a:p>
-          <a:p>
-            <a:endParaRPr lang="en-US" dirty="0">
-              <a:latin typeface="Interstate-Black"/>
-              <a:cs typeface="Interstate-Black"/>
-            </a:endParaRPr>
-          </a:p>
-        </p:txBody>
-      </p:sp>
-      <p:cxnSp>
-        <p:nvCxnSpPr>
-          <p:cNvPr id="6" name="Straight Connector 5"/>
-          <p:cNvCxnSpPr>
-            <a:stCxn id="3" idx="1"/>
-            <a:endCxn id="3" idx="3"/>
-          </p:cNvCxnSpPr>
-          <p:nvPr/>
-        </p:nvCxnSpPr>
-        <p:spPr>
-          <a:xfrm>
-            <a:off x="273051" y="641272"/>
-            <a:ext cx="8550274" cy="0"/>
-          </a:xfrm>
-          <a:prstGeom prst="line">
-            <a:avLst/>
-          </a:prstGeom>
-        </p:spPr>
-        <p:style>
-          <a:lnRef idx="2">
-            <a:schemeClr val="accent1"/>
-          </a:lnRef>
-          <a:fillRef idx="0">
-            <a:schemeClr val="accent1"/>
-          </a:fillRef>
-          <a:effectRef idx="1">
-            <a:schemeClr val="accent1"/>
-          </a:effectRef>
-          <a:fontRef idx="minor">
-            <a:schemeClr val="tx1"/>
-          </a:fontRef>
-        </p:style>
-      </p:cxnSp>
-      <p:sp>
-        <p:nvSpPr>
-          <p:cNvPr id="5" name="Content Placeholder 4"/>
-          <p:cNvSpPr>
-            <a:spLocks noGrp="1"/>
-          </p:cNvSpPr>
-          <p:nvPr>
-            <p:ph sz="quarter" idx="18"/>
-          </p:nvPr>
-        </p:nvSpPr>
-        <p:spPr>
-          <a:xfrm>
-            <a:off x="273051" y="1130561"/>
-            <a:ext cx="3886200" cy="3340292"/>
-          </a:xfrm>
-        </p:spPr>
-        <p:txBody>
-          <a:bodyPr>
-            <a:normAutofit/>
-          </a:bodyPr>
-          <a:lstStyle/>
-          <a:p>
-            <a:pPr algn="ctr"/>
-            <a:r>
-              <a:rPr lang="en-US" sz="1600" b="1" u="sng" dirty="0">
-                <a:solidFill>
-                  <a:schemeClr val="accent3"/>
-                </a:solidFill>
-              </a:rPr>
-              <a:t>Recommendations</a:t>
-            </a:r>
-          </a:p>
-          <a:p>
-            <a:pPr marL="285750" indent="-285750">
-              <a:buFont typeface="Arial" panose="020B0604020202020204" pitchFamily="34" charset="0"/>
-              <a:buChar char="•"/>
-            </a:pPr>
-            <a:r>
-              <a:rPr lang="en-US" dirty="0"/>
-              <a:t>Investigation and if possible, leverage Docker containers based on Windows Server 2016</a:t>
-            </a:r>
-          </a:p>
-          <a:p>
-            <a:pPr marL="285750" indent="-285750">
-              <a:buFont typeface="Arial" panose="020B0604020202020204" pitchFamily="34" charset="0"/>
-              <a:buChar char="•"/>
-            </a:pPr>
-            <a:r>
-              <a:rPr lang="en-US" dirty="0"/>
-              <a:t>Consider alternate solutions to the </a:t>
-            </a:r>
-            <a:r>
-              <a:rPr lang="en-US" dirty="0" err="1"/>
-              <a:t>IPList</a:t>
-            </a:r>
-            <a:r>
-              <a:rPr lang="en-US" dirty="0"/>
-              <a:t> / static address issue: NAT/PAT, reverse proxy, etc.</a:t>
-            </a:r>
-          </a:p>
-          <a:p>
-            <a:pPr marL="285750" indent="-285750">
-              <a:buFont typeface="Arial" panose="020B0604020202020204" pitchFamily="34" charset="0"/>
-              <a:buChar char="•"/>
-            </a:pPr>
-            <a:endParaRPr lang="en-US" dirty="0"/>
-          </a:p>
-          <a:p>
-            <a:pPr marL="285750" indent="-285750">
-              <a:buFont typeface="Arial" panose="020B0604020202020204" pitchFamily="34" charset="0"/>
-              <a:buChar char="•"/>
-            </a:pPr>
-            <a:endParaRPr lang="en-US" dirty="0"/>
-          </a:p>
-          <a:p>
-            <a:pPr marL="285750" indent="-285750">
-              <a:buFont typeface="Arial" panose="020B0604020202020204" pitchFamily="34" charset="0"/>
-              <a:buChar char="•"/>
-            </a:pPr>
-            <a:endParaRPr lang="en-US" dirty="0"/>
-          </a:p>
-        </p:txBody>
-      </p:sp>
-      <p:sp>
-        <p:nvSpPr>
-          <p:cNvPr id="7" name="Content Placeholder 6"/>
-          <p:cNvSpPr>
-            <a:spLocks noGrp="1"/>
-          </p:cNvSpPr>
-          <p:nvPr>
-            <p:ph sz="quarter" idx="17"/>
-          </p:nvPr>
-        </p:nvSpPr>
-        <p:spPr>
-          <a:xfrm>
-            <a:off x="4937125" y="1131957"/>
-            <a:ext cx="3886200" cy="3340292"/>
-          </a:xfrm>
-        </p:spPr>
-        <p:txBody>
-          <a:bodyPr>
-            <a:normAutofit/>
-          </a:bodyPr>
-          <a:lstStyle/>
-          <a:p>
-            <a:pPr algn="ctr"/>
-            <a:r>
-              <a:rPr lang="en-US" sz="1600" b="1" u="sng" dirty="0">
-                <a:solidFill>
-                  <a:schemeClr val="accent3"/>
-                </a:solidFill>
-              </a:rPr>
-              <a:t>Concerns</a:t>
-            </a:r>
-          </a:p>
-          <a:p>
-            <a:pPr marL="285750" indent="-285750">
-              <a:buFont typeface="Arial" panose="020B0604020202020204" pitchFamily="34" charset="0"/>
-              <a:buChar char="•"/>
-            </a:pPr>
-            <a:r>
-              <a:rPr lang="en-US" dirty="0"/>
-              <a:t>Digit is currently a single point of failure</a:t>
-            </a:r>
-          </a:p>
-          <a:p>
-            <a:pPr marL="285750" indent="-285750">
-              <a:buFont typeface="Arial" panose="020B0604020202020204" pitchFamily="34" charset="0"/>
-              <a:buChar char="•"/>
-            </a:pPr>
-            <a:r>
-              <a:rPr lang="en-US" dirty="0" err="1"/>
-              <a:t>IPList</a:t>
-            </a:r>
-            <a:r>
-              <a:rPr lang="en-US" dirty="0"/>
-              <a:t> / static IP addresses are not optimal in AWS</a:t>
-            </a:r>
-          </a:p>
-          <a:p>
-            <a:pPr marL="285750" indent="-285750">
-              <a:buFont typeface="Arial" panose="020B0604020202020204" pitchFamily="34" charset="0"/>
-              <a:buChar char="•"/>
-            </a:pPr>
-            <a:r>
-              <a:rPr lang="en-US" dirty="0"/>
-              <a:t>Should send the content of the console output of Digit to a remote location</a:t>
-            </a:r>
-          </a:p>
-          <a:p>
-            <a:pPr marL="285750" indent="-285750">
-              <a:buFont typeface="Arial" panose="020B0604020202020204" pitchFamily="34" charset="0"/>
-              <a:buChar char="•"/>
-            </a:pPr>
-            <a:r>
-              <a:rPr lang="en-US" dirty="0"/>
-              <a:t>Since Digit requires each client to run it’s own instance(s), it is relatively expensive to maintain. A shared pool (that could auto-scale) would achieve significant cost savings.</a:t>
-            </a:r>
-          </a:p>
-          <a:p>
-            <a:pPr algn="ctr"/>
-            <a:endParaRPr lang="en-US" sz="1600" b="1" u="sng" dirty="0">
-              <a:solidFill>
-                <a:schemeClr val="accent3"/>
-              </a:solidFill>
-            </a:endParaRPr>
-          </a:p>
-        </p:txBody>
-      </p:sp>
-      <p:cxnSp>
-        <p:nvCxnSpPr>
-          <p:cNvPr id="9" name="Straight Connector 8"/>
-          <p:cNvCxnSpPr/>
-          <p:nvPr/>
-        </p:nvCxnSpPr>
-        <p:spPr>
-          <a:xfrm>
-            <a:off x="4562669" y="1131957"/>
-            <a:ext cx="18662" cy="3673308"/>
-          </a:xfrm>
-          <a:prstGeom prst="line">
-            <a:avLst/>
-          </a:prstGeom>
-        </p:spPr>
-        <p:style>
-          <a:lnRef idx="2">
-            <a:schemeClr val="accent1"/>
-          </a:lnRef>
-          <a:fillRef idx="0">
-            <a:schemeClr val="accent1"/>
-          </a:fillRef>
-          <a:effectRef idx="1">
-            <a:schemeClr val="accent1"/>
-          </a:effectRef>
-          <a:fontRef idx="minor">
-            <a:schemeClr val="tx1"/>
-          </a:fontRef>
-        </p:style>
-      </p:cxnSp>
-    </p:spTree>
-    <p:extLst>
-      <p:ext uri="{BB962C8B-B14F-4D97-AF65-F5344CB8AC3E}">
-        <p14:creationId xmlns:p14="http://schemas.microsoft.com/office/powerpoint/2010/main" val="3139894451"/>
-      </p:ext>
-    </p:extLst>
-  </p:cSld>
-  <p:clrMapOvr>
-    <a:masterClrMapping/>
-  </p:clrMapOvr>
-</p:sld>
-</file>
-
-<file path=ppt/slides/slide19.xml><?xml version="1.0" encoding="utf-8"?>
-<p:sld xmlns:a="http://schemas.openxmlformats.org/drawingml/2006/main" xmlns:r="http://schemas.openxmlformats.org/officeDocument/2006/relationships" xmlns:p="http://schemas.openxmlformats.org/presentationml/2006/main">
-  <p:cSld>
-    <p:spTree>
-      <p:nvGrpSpPr>
-        <p:cNvPr id="1" name=""/>
-        <p:cNvGrpSpPr/>
-        <p:nvPr/>
-      </p:nvGrpSpPr>
-      <p:grpSpPr>
-        <a:xfrm>
-          <a:off x="0" y="0"/>
-          <a:ext cx="0" cy="0"/>
-          <a:chOff x="0" y="0"/>
-          <a:chExt cx="0" cy="0"/>
-        </a:xfrm>
-      </p:grpSpPr>
-      <p:sp>
-        <p:nvSpPr>
-          <p:cNvPr id="3" name="Text Placeholder 2"/>
-          <p:cNvSpPr>
-            <a:spLocks noGrp="1"/>
-          </p:cNvSpPr>
-          <p:nvPr>
-            <p:ph type="body" sz="quarter" idx="15"/>
-          </p:nvPr>
-        </p:nvSpPr>
-        <p:spPr>
-          <a:effectLst>
-            <a:outerShdw blurRad="40005" dist="20320" dir="5400000" algn="ctr" rotWithShape="0">
-              <a:schemeClr val="bg2">
-                <a:alpha val="38000"/>
-              </a:schemeClr>
-            </a:outerShdw>
-          </a:effectLst>
-        </p:spPr>
-        <p:txBody>
-          <a:bodyPr/>
-          <a:lstStyle/>
-          <a:p>
-            <a:r>
-              <a:rPr lang="en-US" dirty="0">
-                <a:latin typeface="Interstate-Black"/>
-                <a:cs typeface="Interstate-Black"/>
-              </a:rPr>
-              <a:t>RDS Farm</a:t>
-            </a:r>
-          </a:p>
-          <a:p>
-            <a:endParaRPr lang="en-US" dirty="0">
-              <a:latin typeface="Interstate-Black"/>
-              <a:cs typeface="Interstate-Black"/>
-            </a:endParaRPr>
-          </a:p>
-        </p:txBody>
-      </p:sp>
-      <p:cxnSp>
-        <p:nvCxnSpPr>
-          <p:cNvPr id="6" name="Straight Connector 5"/>
-          <p:cNvCxnSpPr>
-            <a:stCxn id="3" idx="1"/>
-            <a:endCxn id="3" idx="3"/>
-          </p:cNvCxnSpPr>
-          <p:nvPr/>
-        </p:nvCxnSpPr>
-        <p:spPr>
-          <a:xfrm>
-            <a:off x="273051" y="641272"/>
-            <a:ext cx="8550274" cy="0"/>
-          </a:xfrm>
-          <a:prstGeom prst="line">
-            <a:avLst/>
-          </a:prstGeom>
-        </p:spPr>
-        <p:style>
-          <a:lnRef idx="2">
-            <a:schemeClr val="accent1"/>
-          </a:lnRef>
-          <a:fillRef idx="0">
-            <a:schemeClr val="accent1"/>
-          </a:fillRef>
-          <a:effectRef idx="1">
-            <a:schemeClr val="accent1"/>
-          </a:effectRef>
-          <a:fontRef idx="minor">
-            <a:schemeClr val="tx1"/>
-          </a:fontRef>
-        </p:style>
-      </p:cxnSp>
-      <p:sp>
-        <p:nvSpPr>
-          <p:cNvPr id="5" name="Content Placeholder 4"/>
-          <p:cNvSpPr>
-            <a:spLocks noGrp="1"/>
-          </p:cNvSpPr>
-          <p:nvPr>
-            <p:ph sz="quarter" idx="18"/>
-          </p:nvPr>
-        </p:nvSpPr>
-        <p:spPr>
-          <a:xfrm>
-            <a:off x="273051" y="1130561"/>
-            <a:ext cx="3886200" cy="3340292"/>
-          </a:xfrm>
-        </p:spPr>
-        <p:txBody>
-          <a:bodyPr>
-            <a:normAutofit/>
-          </a:bodyPr>
-          <a:lstStyle/>
-          <a:p>
-            <a:pPr algn="ctr"/>
-            <a:r>
-              <a:rPr lang="en-US" sz="1600" b="1" u="sng" dirty="0">
-                <a:solidFill>
-                  <a:schemeClr val="accent3"/>
-                </a:solidFill>
-              </a:rPr>
-              <a:t>Recommendations</a:t>
-            </a:r>
-          </a:p>
-          <a:p>
-            <a:pPr marL="285750" indent="-285750">
-              <a:buFont typeface="Arial" panose="020B0604020202020204" pitchFamily="34" charset="0"/>
-              <a:buChar char="•"/>
-            </a:pPr>
-            <a:r>
-              <a:rPr lang="en-US" dirty="0"/>
-              <a:t>Docker is not possible; recommend immutable EC2 instances based on Server 2016</a:t>
-            </a:r>
-          </a:p>
-          <a:p>
-            <a:pPr marL="285750" indent="-285750">
-              <a:buFont typeface="Arial" panose="020B0604020202020204" pitchFamily="34" charset="0"/>
-              <a:buChar char="•"/>
-            </a:pPr>
-            <a:r>
-              <a:rPr lang="en-US" dirty="0"/>
-              <a:t>Use ELB (Elastic Load Balancer) for load balancing</a:t>
-            </a:r>
-          </a:p>
-          <a:p>
-            <a:pPr marL="285750" indent="-285750">
-              <a:buFont typeface="Arial" panose="020B0604020202020204" pitchFamily="34" charset="0"/>
-              <a:buChar char="•"/>
-            </a:pPr>
-            <a:r>
-              <a:rPr lang="en-US" dirty="0"/>
-              <a:t>Should be implemented as auto-scaling groups for: Gateways, connection broker and session host servers (per collection), SQL Servers</a:t>
-            </a:r>
-          </a:p>
-          <a:p>
-            <a:pPr marL="285750" indent="-285750">
-              <a:buFont typeface="Arial" panose="020B0604020202020204" pitchFamily="34" charset="0"/>
-              <a:buChar char="•"/>
-            </a:pPr>
-            <a:endParaRPr lang="en-US" dirty="0"/>
-          </a:p>
-          <a:p>
-            <a:pPr marL="285750" indent="-285750">
-              <a:buFont typeface="Arial" panose="020B0604020202020204" pitchFamily="34" charset="0"/>
-              <a:buChar char="•"/>
-            </a:pPr>
-            <a:endParaRPr lang="en-US" dirty="0"/>
-          </a:p>
-          <a:p>
-            <a:pPr marL="285750" indent="-285750">
-              <a:buFont typeface="Arial" panose="020B0604020202020204" pitchFamily="34" charset="0"/>
-              <a:buChar char="•"/>
-            </a:pPr>
-            <a:endParaRPr lang="en-US" dirty="0"/>
-          </a:p>
-        </p:txBody>
-      </p:sp>
-      <p:sp>
-        <p:nvSpPr>
-          <p:cNvPr id="7" name="Content Placeholder 6"/>
-          <p:cNvSpPr>
-            <a:spLocks noGrp="1"/>
-          </p:cNvSpPr>
-          <p:nvPr>
-            <p:ph sz="quarter" idx="17"/>
-          </p:nvPr>
-        </p:nvSpPr>
-        <p:spPr>
-          <a:xfrm>
-            <a:off x="4937125" y="1131957"/>
-            <a:ext cx="3886200" cy="3340292"/>
-          </a:xfrm>
-        </p:spPr>
-        <p:txBody>
-          <a:bodyPr>
-            <a:normAutofit/>
-          </a:bodyPr>
-          <a:lstStyle/>
-          <a:p>
-            <a:pPr algn="ctr"/>
-            <a:r>
-              <a:rPr lang="en-US" sz="1600" b="1" u="sng" dirty="0">
-                <a:solidFill>
-                  <a:schemeClr val="accent3"/>
-                </a:solidFill>
-              </a:rPr>
-              <a:t>Concerns</a:t>
-            </a:r>
-          </a:p>
-          <a:p>
-            <a:pPr marL="285750" indent="-285750">
-              <a:buFont typeface="Arial" panose="020B0604020202020204" pitchFamily="34" charset="0"/>
-              <a:buChar char="•"/>
-            </a:pPr>
-            <a:r>
-              <a:rPr lang="en-US" dirty="0"/>
-              <a:t>Current licensing prevents us from scaling horizontally (we also may not be licensed correctly)</a:t>
-            </a:r>
-          </a:p>
-          <a:p>
-            <a:pPr marL="285750" indent="-285750">
-              <a:buFont typeface="Arial" panose="020B0604020202020204" pitchFamily="34" charset="0"/>
-              <a:buChar char="•"/>
-            </a:pPr>
-            <a:r>
-              <a:rPr lang="en-US" dirty="0"/>
-              <a:t>Remove dependency on </a:t>
-            </a:r>
-            <a:r>
-              <a:rPr lang="en-US" dirty="0" err="1"/>
-              <a:t>Arcshare</a:t>
-            </a:r>
-            <a:r>
-              <a:rPr lang="en-US" dirty="0"/>
-              <a:t>, or provision file share cluster to support</a:t>
-            </a:r>
-          </a:p>
-          <a:p>
-            <a:pPr marL="285750" indent="-285750">
-              <a:buFont typeface="Arial" panose="020B0604020202020204" pitchFamily="34" charset="0"/>
-              <a:buChar char="•"/>
-            </a:pPr>
-            <a:r>
-              <a:rPr lang="en-US" dirty="0"/>
-              <a:t>Should another team be responsible for </a:t>
-            </a:r>
-            <a:r>
-              <a:rPr lang="en-US" dirty="0" err="1"/>
-              <a:t>TMWin</a:t>
-            </a:r>
-            <a:r>
-              <a:rPr lang="en-US" dirty="0"/>
-              <a:t>?</a:t>
-            </a:r>
-          </a:p>
-          <a:p>
-            <a:pPr marL="285750" indent="-285750">
-              <a:buFont typeface="Arial" panose="020B0604020202020204" pitchFamily="34" charset="0"/>
-              <a:buChar char="•"/>
-            </a:pPr>
-            <a:r>
-              <a:rPr lang="en-US" dirty="0" err="1"/>
-              <a:t>IPList</a:t>
-            </a:r>
-            <a:r>
-              <a:rPr lang="en-US" dirty="0"/>
-              <a:t> issues for </a:t>
-            </a:r>
-            <a:r>
-              <a:rPr lang="en-US" dirty="0" err="1"/>
-              <a:t>TMWin</a:t>
-            </a:r>
-            <a:r>
-              <a:rPr lang="en-US" dirty="0"/>
-              <a:t> will need to be solved</a:t>
-            </a:r>
-          </a:p>
-          <a:p>
-            <a:pPr marL="285750" indent="-285750">
-              <a:buFont typeface="Arial" panose="020B0604020202020204" pitchFamily="34" charset="0"/>
-              <a:buChar char="•"/>
-            </a:pPr>
-            <a:r>
-              <a:rPr lang="en-US" dirty="0"/>
-              <a:t>How will access to the gateways be handled (direct vs. TM router)</a:t>
-            </a:r>
-          </a:p>
-          <a:p>
-            <a:pPr marL="285750" indent="-285750">
-              <a:buFont typeface="Arial" panose="020B0604020202020204" pitchFamily="34" charset="0"/>
-              <a:buChar char="•"/>
-            </a:pPr>
-            <a:r>
-              <a:rPr lang="en-US" dirty="0"/>
-              <a:t>RDS Farm is very expensive to maintain; a web farm would be vastly less expensive</a:t>
-            </a:r>
-          </a:p>
-          <a:p>
-            <a:pPr algn="ctr"/>
-            <a:endParaRPr lang="en-US" sz="1600" b="1" u="sng" dirty="0">
-              <a:solidFill>
-                <a:schemeClr val="accent3"/>
-              </a:solidFill>
-            </a:endParaRPr>
-          </a:p>
-        </p:txBody>
-      </p:sp>
-      <p:cxnSp>
-        <p:nvCxnSpPr>
-          <p:cNvPr id="9" name="Straight Connector 8"/>
-          <p:cNvCxnSpPr/>
-          <p:nvPr/>
-        </p:nvCxnSpPr>
-        <p:spPr>
-          <a:xfrm>
-            <a:off x="4562669" y="1131957"/>
-            <a:ext cx="18662" cy="3673308"/>
-          </a:xfrm>
-          <a:prstGeom prst="line">
-            <a:avLst/>
-          </a:prstGeom>
-        </p:spPr>
-        <p:style>
-          <a:lnRef idx="2">
-            <a:schemeClr val="accent1"/>
-          </a:lnRef>
-          <a:fillRef idx="0">
-            <a:schemeClr val="accent1"/>
-          </a:fillRef>
-          <a:effectRef idx="1">
-            <a:schemeClr val="accent1"/>
-          </a:effectRef>
-          <a:fontRef idx="minor">
-            <a:schemeClr val="tx1"/>
-          </a:fontRef>
-        </p:style>
-      </p:cxnSp>
-    </p:spTree>
-    <p:extLst>
-      <p:ext uri="{BB962C8B-B14F-4D97-AF65-F5344CB8AC3E}">
-        <p14:creationId xmlns:p14="http://schemas.microsoft.com/office/powerpoint/2010/main" val="2034694857"/>
-      </p:ext>
-    </p:extLst>
-  </p:cSld>
-  <p:clrMapOvr>
-    <a:masterClrMapping/>
-  </p:clrMapOvr>
-</p:sld>
-</file>
-
-<file path=ppt/slides/slide2.xml><?xml version="1.0" encoding="utf-8"?>
-<p:sld xmlns:a="http://schemas.openxmlformats.org/drawingml/2006/main" xmlns:r="http://schemas.openxmlformats.org/officeDocument/2006/relationships" xmlns:p="http://schemas.openxmlformats.org/presentationml/2006/main">
-  <p:cSld>
-    <p:spTree>
-      <p:nvGrpSpPr>
-        <p:cNvPr id="1" name=""/>
-        <p:cNvGrpSpPr/>
-        <p:nvPr/>
-      </p:nvGrpSpPr>
-      <p:grpSpPr>
-        <a:xfrm>
-          <a:off x="0" y="0"/>
-          <a:ext cx="0" cy="0"/>
-          <a:chOff x="0" y="0"/>
-          <a:chExt cx="0" cy="0"/>
-        </a:xfrm>
-      </p:grpSpPr>
-      <p:sp>
-        <p:nvSpPr>
-          <p:cNvPr id="2" name="Text Placeholder 1"/>
-          <p:cNvSpPr>
-            <a:spLocks noGrp="1"/>
-          </p:cNvSpPr>
-          <p:nvPr>
-            <p:ph type="body" sz="quarter" idx="12"/>
-          </p:nvPr>
-        </p:nvSpPr>
-        <p:spPr>
-          <a:xfrm>
-            <a:off x="519978" y="1096510"/>
-            <a:ext cx="7983942" cy="930410"/>
-          </a:xfrm>
-        </p:spPr>
-        <p:txBody>
-          <a:bodyPr/>
-          <a:lstStyle/>
-          <a:p>
-            <a:pPr lvl="1" algn="ctr"/>
-            <a:r>
-              <a:rPr lang="en-GB" sz="4000" dirty="0">
-                <a:latin typeface="Interstate-Black"/>
-                <a:cs typeface="Interstate-Black"/>
-              </a:rPr>
-              <a:t>Windows @ Ticketmaster</a:t>
-            </a:r>
-          </a:p>
-        </p:txBody>
-      </p:sp>
-      <p:sp>
-        <p:nvSpPr>
-          <p:cNvPr id="3" name="TextBox 2"/>
-          <p:cNvSpPr txBox="1"/>
-          <p:nvPr/>
-        </p:nvSpPr>
-        <p:spPr>
-          <a:xfrm>
-            <a:off x="1519414" y="2049780"/>
-            <a:ext cx="1228478" cy="461665"/>
-          </a:xfrm>
-          <a:prstGeom prst="rect">
-            <a:avLst/>
-          </a:prstGeom>
-          <a:noFill/>
-        </p:spPr>
-        <p:txBody>
-          <a:bodyPr wrap="none" rtlCol="0">
-            <a:spAutoFit/>
-          </a:bodyPr>
-          <a:lstStyle/>
-          <a:p>
-            <a:r>
-              <a:rPr lang="en-US" sz="2400" dirty="0">
-                <a:latin typeface="TM Sans"/>
-                <a:cs typeface="TM Sans"/>
-              </a:rPr>
-              <a:t>Physical</a:t>
-            </a:r>
-          </a:p>
-        </p:txBody>
-      </p:sp>
-      <p:sp>
-        <p:nvSpPr>
-          <p:cNvPr id="6" name="TextBox 5"/>
-          <p:cNvSpPr txBox="1"/>
-          <p:nvPr/>
-        </p:nvSpPr>
-        <p:spPr>
-          <a:xfrm>
-            <a:off x="2189974" y="2606040"/>
-            <a:ext cx="1949893" cy="461665"/>
-          </a:xfrm>
-          <a:prstGeom prst="rect">
-            <a:avLst/>
-          </a:prstGeom>
-          <a:noFill/>
-        </p:spPr>
-        <p:txBody>
-          <a:bodyPr wrap="none" rtlCol="0">
-            <a:spAutoFit/>
-          </a:bodyPr>
-          <a:lstStyle/>
-          <a:p>
-            <a:r>
-              <a:rPr lang="en-US" sz="2400" dirty="0">
-                <a:latin typeface="TM Sans"/>
-                <a:cs typeface="TM Sans"/>
-              </a:rPr>
-              <a:t>Private Cloud</a:t>
-            </a:r>
-          </a:p>
-        </p:txBody>
-      </p:sp>
-      <p:sp>
-        <p:nvSpPr>
-          <p:cNvPr id="7" name="TextBox 6"/>
-          <p:cNvSpPr txBox="1"/>
-          <p:nvPr/>
-        </p:nvSpPr>
-        <p:spPr>
-          <a:xfrm>
-            <a:off x="3217980" y="3253740"/>
-            <a:ext cx="1843774" cy="461665"/>
-          </a:xfrm>
-          <a:prstGeom prst="rect">
-            <a:avLst/>
-          </a:prstGeom>
-          <a:noFill/>
-        </p:spPr>
-        <p:txBody>
-          <a:bodyPr wrap="none" rtlCol="0">
-            <a:spAutoFit/>
-          </a:bodyPr>
-          <a:lstStyle/>
-          <a:p>
-            <a:r>
-              <a:rPr lang="en-US" sz="2400" dirty="0">
-                <a:latin typeface="TM Sans"/>
-                <a:cs typeface="TM Sans"/>
-              </a:rPr>
-              <a:t>Public Cloud</a:t>
-            </a:r>
-          </a:p>
-        </p:txBody>
-      </p:sp>
-      <p:sp>
-        <p:nvSpPr>
-          <p:cNvPr id="8" name="TextBox 7"/>
-          <p:cNvSpPr txBox="1"/>
-          <p:nvPr/>
-        </p:nvSpPr>
-        <p:spPr>
-          <a:xfrm>
-            <a:off x="4139867" y="2327910"/>
-            <a:ext cx="1114536" cy="461665"/>
-          </a:xfrm>
-          <a:prstGeom prst="rect">
-            <a:avLst/>
-          </a:prstGeom>
-          <a:noFill/>
-        </p:spPr>
-        <p:txBody>
-          <a:bodyPr wrap="none" rtlCol="0">
-            <a:spAutoFit/>
-          </a:bodyPr>
-          <a:lstStyle/>
-          <a:p>
-            <a:r>
-              <a:rPr lang="en-US" sz="2400" dirty="0">
-                <a:latin typeface="TM Sans"/>
-                <a:cs typeface="TM Sans"/>
-              </a:rPr>
-              <a:t>Docker</a:t>
-            </a:r>
-          </a:p>
-        </p:txBody>
-      </p:sp>
-      <p:sp>
-        <p:nvSpPr>
-          <p:cNvPr id="9" name="TextBox 8"/>
-          <p:cNvSpPr txBox="1"/>
-          <p:nvPr/>
-        </p:nvSpPr>
-        <p:spPr>
-          <a:xfrm>
-            <a:off x="1808147" y="3484572"/>
-            <a:ext cx="1071255" cy="461665"/>
-          </a:xfrm>
-          <a:prstGeom prst="rect">
-            <a:avLst/>
-          </a:prstGeom>
-          <a:noFill/>
-        </p:spPr>
-        <p:txBody>
-          <a:bodyPr wrap="none" rtlCol="0">
-            <a:spAutoFit/>
-          </a:bodyPr>
-          <a:lstStyle/>
-          <a:p>
-            <a:r>
-              <a:rPr lang="en-US" sz="2400" dirty="0">
-                <a:latin typeface="TM Sans"/>
-                <a:cs typeface="TM Sans"/>
-              </a:rPr>
-              <a:t>Packer</a:t>
-            </a:r>
-          </a:p>
-        </p:txBody>
-      </p:sp>
-      <p:sp>
-        <p:nvSpPr>
-          <p:cNvPr id="10" name="TextBox 9"/>
-          <p:cNvSpPr txBox="1"/>
-          <p:nvPr/>
-        </p:nvSpPr>
-        <p:spPr>
-          <a:xfrm>
-            <a:off x="5254403" y="2954347"/>
-            <a:ext cx="1470339" cy="461665"/>
-          </a:xfrm>
-          <a:prstGeom prst="rect">
-            <a:avLst/>
-          </a:prstGeom>
-          <a:noFill/>
-        </p:spPr>
-        <p:txBody>
-          <a:bodyPr wrap="none" rtlCol="0">
-            <a:spAutoFit/>
-          </a:bodyPr>
-          <a:lstStyle/>
-          <a:p>
-            <a:r>
-              <a:rPr lang="en-US" sz="2400" dirty="0">
-                <a:latin typeface="TM Sans"/>
-                <a:cs typeface="TM Sans"/>
-              </a:rPr>
-              <a:t>Terraform</a:t>
-            </a:r>
-          </a:p>
-        </p:txBody>
-      </p:sp>
-      <p:sp>
-        <p:nvSpPr>
-          <p:cNvPr id="11" name="TextBox 10"/>
-          <p:cNvSpPr txBox="1"/>
-          <p:nvPr/>
-        </p:nvSpPr>
-        <p:spPr>
-          <a:xfrm>
-            <a:off x="5733957" y="2102484"/>
-            <a:ext cx="1447960" cy="461665"/>
-          </a:xfrm>
-          <a:prstGeom prst="rect">
-            <a:avLst/>
-          </a:prstGeom>
-          <a:noFill/>
-        </p:spPr>
-        <p:txBody>
-          <a:bodyPr wrap="none" rtlCol="0">
-            <a:spAutoFit/>
-          </a:bodyPr>
-          <a:lstStyle/>
-          <a:p>
-            <a:r>
-              <a:rPr lang="en-US" sz="2400" dirty="0" err="1">
-                <a:latin typeface="TM Sans"/>
-                <a:cs typeface="TM Sans"/>
-              </a:rPr>
-              <a:t>GitLab</a:t>
-            </a:r>
-            <a:r>
-              <a:rPr lang="en-US" sz="2400" dirty="0">
-                <a:latin typeface="TM Sans"/>
-                <a:cs typeface="TM Sans"/>
-              </a:rPr>
-              <a:t> CI</a:t>
-            </a:r>
-          </a:p>
-        </p:txBody>
-      </p:sp>
-      <p:sp>
-        <p:nvSpPr>
-          <p:cNvPr id="12" name="TextBox 11"/>
-          <p:cNvSpPr txBox="1"/>
-          <p:nvPr/>
-        </p:nvSpPr>
-        <p:spPr>
-          <a:xfrm>
-            <a:off x="7072721" y="3402388"/>
-            <a:ext cx="766557" cy="461665"/>
-          </a:xfrm>
-          <a:prstGeom prst="rect">
-            <a:avLst/>
-          </a:prstGeom>
-          <a:noFill/>
-        </p:spPr>
-        <p:txBody>
-          <a:bodyPr wrap="none" rtlCol="0">
-            <a:spAutoFit/>
-          </a:bodyPr>
-          <a:lstStyle/>
-          <a:p>
-            <a:r>
-              <a:rPr lang="en-US" sz="2400" dirty="0">
-                <a:latin typeface="TM Sans"/>
-                <a:cs typeface="TM Sans"/>
-              </a:rPr>
-              <a:t>DSC</a:t>
-            </a:r>
-          </a:p>
-        </p:txBody>
-      </p:sp>
-      <p:sp>
-        <p:nvSpPr>
-          <p:cNvPr id="13" name="TextBox 12"/>
-          <p:cNvSpPr txBox="1"/>
-          <p:nvPr/>
-        </p:nvSpPr>
-        <p:spPr>
-          <a:xfrm>
-            <a:off x="4519233" y="3826857"/>
-            <a:ext cx="1467068" cy="461665"/>
-          </a:xfrm>
-          <a:prstGeom prst="rect">
-            <a:avLst/>
-          </a:prstGeom>
-          <a:noFill/>
-        </p:spPr>
-        <p:txBody>
-          <a:bodyPr wrap="none" rtlCol="0">
-            <a:spAutoFit/>
-          </a:bodyPr>
-          <a:lstStyle/>
-          <a:p>
-            <a:r>
-              <a:rPr lang="en-US" sz="2400" dirty="0" err="1">
-                <a:latin typeface="TM Sans"/>
-                <a:cs typeface="TM Sans"/>
-              </a:rPr>
-              <a:t>PoshSpec</a:t>
-            </a:r>
-            <a:endParaRPr lang="en-US" sz="2400" dirty="0">
-              <a:latin typeface="TM Sans"/>
-              <a:cs typeface="TM Sans"/>
-            </a:endParaRPr>
-          </a:p>
-        </p:txBody>
-      </p:sp>
-    </p:spTree>
-  </p:cSld>
-  <p:clrMapOvr>
-    <a:masterClrMapping/>
-  </p:clrMapOvr>
-</p:sld>
-</file>
-
-<file path=ppt/slides/slide20.xml><?xml version="1.0" encoding="utf-8"?>
-<p:sld xmlns:a="http://schemas.openxmlformats.org/drawingml/2006/main" xmlns:r="http://schemas.openxmlformats.org/officeDocument/2006/relationships" xmlns:p="http://schemas.openxmlformats.org/presentationml/2006/main">
-  <p:cSld>
-    <p:spTree>
-      <p:nvGrpSpPr>
-        <p:cNvPr id="1" name=""/>
-        <p:cNvGrpSpPr/>
-        <p:nvPr/>
-      </p:nvGrpSpPr>
-      <p:grpSpPr>
-        <a:xfrm>
-          <a:off x="0" y="0"/>
-          <a:ext cx="0" cy="0"/>
-          <a:chOff x="0" y="0"/>
-          <a:chExt cx="0" cy="0"/>
-        </a:xfrm>
-      </p:grpSpPr>
-      <p:sp>
-        <p:nvSpPr>
-          <p:cNvPr id="3" name="Text Placeholder 2"/>
-          <p:cNvSpPr>
-            <a:spLocks noGrp="1"/>
-          </p:cNvSpPr>
-          <p:nvPr>
-            <p:ph type="body" sz="quarter" idx="15"/>
-          </p:nvPr>
-        </p:nvSpPr>
-        <p:spPr>
-          <a:effectLst>
-            <a:outerShdw blurRad="40005" dist="20320" dir="5400000" algn="ctr" rotWithShape="0">
-              <a:schemeClr val="bg2">
-                <a:alpha val="38000"/>
-              </a:schemeClr>
-            </a:outerShdw>
-          </a:effectLst>
-        </p:spPr>
-        <p:txBody>
-          <a:bodyPr/>
-          <a:lstStyle/>
-          <a:p>
-            <a:r>
-              <a:rPr lang="en-US" dirty="0">
-                <a:latin typeface="Interstate-Black"/>
-                <a:cs typeface="Interstate-Black"/>
-              </a:rPr>
-              <a:t>Other Classes</a:t>
-            </a:r>
-          </a:p>
-          <a:p>
-            <a:endParaRPr lang="en-US" dirty="0">
-              <a:latin typeface="Interstate-Black"/>
-              <a:cs typeface="Interstate-Black"/>
-            </a:endParaRPr>
-          </a:p>
-        </p:txBody>
-      </p:sp>
-      <p:cxnSp>
-        <p:nvCxnSpPr>
-          <p:cNvPr id="6" name="Straight Connector 5"/>
-          <p:cNvCxnSpPr>
-            <a:stCxn id="3" idx="1"/>
-            <a:endCxn id="3" idx="3"/>
-          </p:cNvCxnSpPr>
-          <p:nvPr/>
-        </p:nvCxnSpPr>
-        <p:spPr>
-          <a:xfrm>
-            <a:off x="273051" y="641272"/>
-            <a:ext cx="8550274" cy="0"/>
-          </a:xfrm>
-          <a:prstGeom prst="line">
-            <a:avLst/>
-          </a:prstGeom>
-        </p:spPr>
-        <p:style>
-          <a:lnRef idx="2">
-            <a:schemeClr val="accent1"/>
-          </a:lnRef>
-          <a:fillRef idx="0">
-            <a:schemeClr val="accent1"/>
-          </a:fillRef>
-          <a:effectRef idx="1">
-            <a:schemeClr val="accent1"/>
-          </a:effectRef>
-          <a:fontRef idx="minor">
-            <a:schemeClr val="tx1"/>
-          </a:fontRef>
-        </p:style>
-      </p:cxnSp>
-      <p:sp>
-        <p:nvSpPr>
-          <p:cNvPr id="5" name="Content Placeholder 4"/>
-          <p:cNvSpPr>
-            <a:spLocks noGrp="1"/>
-          </p:cNvSpPr>
-          <p:nvPr>
-            <p:ph sz="quarter" idx="18"/>
-          </p:nvPr>
-        </p:nvSpPr>
-        <p:spPr>
-          <a:xfrm>
-            <a:off x="273051" y="1130561"/>
-            <a:ext cx="3886200" cy="3340292"/>
-          </a:xfrm>
-        </p:spPr>
-        <p:txBody>
-          <a:bodyPr>
-            <a:normAutofit/>
-          </a:bodyPr>
-          <a:lstStyle/>
-          <a:p>
-            <a:pPr algn="ctr"/>
-            <a:r>
-              <a:rPr lang="en-US" sz="1600" b="1" u="sng" dirty="0">
-                <a:solidFill>
-                  <a:schemeClr val="accent3"/>
-                </a:solidFill>
-              </a:rPr>
-              <a:t>Recommendations</a:t>
-            </a:r>
-          </a:p>
-          <a:p>
-            <a:pPr marL="285750" indent="-285750">
-              <a:buFont typeface="Arial" panose="020B0604020202020204" pitchFamily="34" charset="0"/>
-              <a:buChar char="•"/>
-            </a:pPr>
-            <a:r>
-              <a:rPr lang="en-US" dirty="0"/>
-              <a:t>Leverage Docker containers based on Windows Server 2016 where possible</a:t>
-            </a:r>
-          </a:p>
-          <a:p>
-            <a:pPr marL="285750" indent="-285750">
-              <a:buFont typeface="Arial" panose="020B0604020202020204" pitchFamily="34" charset="0"/>
-              <a:buChar char="•"/>
-            </a:pPr>
-            <a:r>
-              <a:rPr lang="en-US" dirty="0"/>
-              <a:t>Use auto-scaling groups for self-healing where possible</a:t>
-            </a:r>
-          </a:p>
-          <a:p>
-            <a:pPr marL="285750" indent="-285750">
-              <a:buFont typeface="Arial" panose="020B0604020202020204" pitchFamily="34" charset="0"/>
-              <a:buChar char="•"/>
-            </a:pPr>
-            <a:endParaRPr lang="en-US" dirty="0"/>
-          </a:p>
-          <a:p>
-            <a:pPr marL="285750" indent="-285750">
-              <a:buFont typeface="Arial" panose="020B0604020202020204" pitchFamily="34" charset="0"/>
-              <a:buChar char="•"/>
-            </a:pPr>
-            <a:endParaRPr lang="en-US" dirty="0"/>
-          </a:p>
-          <a:p>
-            <a:pPr marL="285750" indent="-285750">
-              <a:buFont typeface="Arial" panose="020B0604020202020204" pitchFamily="34" charset="0"/>
-              <a:buChar char="•"/>
-            </a:pPr>
-            <a:endParaRPr lang="en-US" dirty="0"/>
-          </a:p>
-        </p:txBody>
-      </p:sp>
-      <p:sp>
-        <p:nvSpPr>
-          <p:cNvPr id="7" name="Content Placeholder 6"/>
-          <p:cNvSpPr>
-            <a:spLocks noGrp="1"/>
-          </p:cNvSpPr>
-          <p:nvPr>
-            <p:ph sz="quarter" idx="17"/>
-          </p:nvPr>
-        </p:nvSpPr>
-        <p:spPr>
-          <a:xfrm>
-            <a:off x="4937125" y="1131957"/>
-            <a:ext cx="3886200" cy="3340292"/>
-          </a:xfrm>
-        </p:spPr>
-        <p:txBody>
-          <a:bodyPr>
-            <a:normAutofit/>
-          </a:bodyPr>
-          <a:lstStyle/>
-          <a:p>
-            <a:pPr algn="ctr"/>
-            <a:r>
-              <a:rPr lang="en-US" sz="1600" b="1" u="sng" dirty="0">
-                <a:solidFill>
-                  <a:schemeClr val="accent3"/>
-                </a:solidFill>
-              </a:rPr>
-              <a:t>Concerns</a:t>
-            </a:r>
-          </a:p>
-          <a:p>
-            <a:pPr marL="285750" indent="-285750">
-              <a:buFont typeface="Arial" panose="020B0604020202020204" pitchFamily="34" charset="0"/>
-              <a:buChar char="•"/>
-            </a:pPr>
-            <a:r>
-              <a:rPr lang="en-US" dirty="0"/>
-              <a:t>Deployment must be fully automated</a:t>
-            </a:r>
-          </a:p>
-          <a:p>
-            <a:pPr marL="285750" indent="-285750">
-              <a:buFont typeface="Arial" panose="020B0604020202020204" pitchFamily="34" charset="0"/>
-              <a:buChar char="•"/>
-            </a:pPr>
-            <a:r>
-              <a:rPr lang="en-US" dirty="0"/>
-              <a:t>Discovery of configuration of servers is not complete</a:t>
-            </a:r>
-          </a:p>
-          <a:p>
-            <a:pPr algn="ctr"/>
-            <a:endParaRPr lang="en-US" sz="1600" b="1" u="sng" dirty="0">
-              <a:solidFill>
-                <a:schemeClr val="accent3"/>
-              </a:solidFill>
-            </a:endParaRPr>
-          </a:p>
-        </p:txBody>
-      </p:sp>
-      <p:cxnSp>
-        <p:nvCxnSpPr>
-          <p:cNvPr id="9" name="Straight Connector 8"/>
-          <p:cNvCxnSpPr/>
-          <p:nvPr/>
-        </p:nvCxnSpPr>
-        <p:spPr>
-          <a:xfrm>
-            <a:off x="4562669" y="1131957"/>
-            <a:ext cx="18662" cy="3673308"/>
-          </a:xfrm>
-          <a:prstGeom prst="line">
-            <a:avLst/>
-          </a:prstGeom>
-        </p:spPr>
-        <p:style>
-          <a:lnRef idx="2">
-            <a:schemeClr val="accent1"/>
-          </a:lnRef>
-          <a:fillRef idx="0">
-            <a:schemeClr val="accent1"/>
-          </a:fillRef>
-          <a:effectRef idx="1">
-            <a:schemeClr val="accent1"/>
-          </a:effectRef>
-          <a:fontRef idx="minor">
-            <a:schemeClr val="tx1"/>
-          </a:fontRef>
-        </p:style>
-      </p:cxnSp>
-    </p:spTree>
-    <p:extLst>
-      <p:ext uri="{BB962C8B-B14F-4D97-AF65-F5344CB8AC3E}">
-        <p14:creationId xmlns:p14="http://schemas.microsoft.com/office/powerpoint/2010/main" val="1001951695"/>
-      </p:ext>
-    </p:extLst>
-  </p:cSld>
-  <p:clrMapOvr>
-    <a:masterClrMapping/>
-  </p:clrMapOvr>
-</p:sld>
-</file>
-
-<file path=ppt/slides/slide21.xml><?xml version="1.0" encoding="utf-8"?>
-<p:sld xmlns:a="http://schemas.openxmlformats.org/drawingml/2006/main" xmlns:r="http://schemas.openxmlformats.org/officeDocument/2006/relationships" xmlns:p="http://schemas.openxmlformats.org/presentationml/2006/main">
-  <p:cSld>
-    <p:spTree>
-      <p:nvGrpSpPr>
-        <p:cNvPr id="1" name=""/>
-        <p:cNvGrpSpPr/>
-        <p:nvPr/>
-      </p:nvGrpSpPr>
-      <p:grpSpPr>
-        <a:xfrm>
-          <a:off x="0" y="0"/>
-          <a:ext cx="0" cy="0"/>
-          <a:chOff x="0" y="0"/>
-          <a:chExt cx="0" cy="0"/>
-        </a:xfrm>
-      </p:grpSpPr>
-      <p:sp>
-        <p:nvSpPr>
-          <p:cNvPr id="3" name="Text Placeholder 2"/>
-          <p:cNvSpPr>
-            <a:spLocks noGrp="1"/>
-          </p:cNvSpPr>
-          <p:nvPr>
-            <p:ph type="body" sz="quarter" idx="15"/>
-          </p:nvPr>
-        </p:nvSpPr>
-        <p:spPr>
-          <a:effectLst>
-            <a:outerShdw blurRad="40005" dist="20320" dir="5400000" algn="ctr" rotWithShape="0">
-              <a:schemeClr val="bg2">
-                <a:alpha val="38000"/>
-              </a:schemeClr>
-            </a:outerShdw>
-          </a:effectLst>
-        </p:spPr>
-        <p:txBody>
-          <a:bodyPr/>
-          <a:lstStyle/>
-          <a:p>
-            <a:r>
-              <a:rPr lang="en-US" dirty="0">
-                <a:latin typeface="Interstate-Black"/>
-                <a:cs typeface="Interstate-Black"/>
-              </a:rPr>
-              <a:t>Miscellaneous</a:t>
+              <a:t>Review</a:t>
             </a:r>
             <a:endParaRPr lang="en-US" cap="none" dirty="0">
               <a:latin typeface="Interstate-Black"/>
@@ -18514,7 +17440,69 @@
             </a:pPr>
             <a:r>
               <a:rPr lang="en-US" dirty="0"/>
-              <a:t>TMCRM will not be in scope for AWS (in a separate data center)</a:t>
+              <a:t>What are you trying to verify with your test?</a:t>
+            </a:r>
+          </a:p>
+          <a:p>
+            <a:pPr marL="429718" lvl="1" indent="-285750">
+              <a:buFont typeface="Arial" panose="020B0604020202020204" pitchFamily="34" charset="0"/>
+              <a:buChar char="•"/>
+            </a:pPr>
+            <a:r>
+              <a:rPr lang="en-US" b="1" dirty="0"/>
+              <a:t>Behavior</a:t>
+            </a:r>
+            <a:r>
+              <a:rPr lang="en-US" dirty="0"/>
+              <a:t> </a:t>
+            </a:r>
+          </a:p>
+          <a:p>
+            <a:pPr marL="645668" lvl="2" indent="-285750">
+              <a:buFont typeface="Wingdings" panose="05000000000000000000" pitchFamily="2" charset="2"/>
+              <a:buChar char="§"/>
+            </a:pPr>
+            <a:r>
+              <a:rPr lang="en-US" dirty="0"/>
+              <a:t>Did the system call the things you think it’s supposed to call with the correct </a:t>
+            </a:r>
+            <a:r>
+              <a:rPr lang="en-US" dirty="0" err="1"/>
+              <a:t>parmeters</a:t>
+            </a:r>
+            <a:r>
+              <a:rPr lang="en-US" dirty="0"/>
+              <a:t>?</a:t>
+            </a:r>
+          </a:p>
+          <a:p>
+            <a:pPr marL="429718" lvl="1" indent="-285750">
+              <a:buFont typeface="Arial" panose="020B0604020202020204" pitchFamily="34" charset="0"/>
+              <a:buChar char="•"/>
+            </a:pPr>
+            <a:r>
+              <a:rPr lang="en-US" b="1" dirty="0"/>
+              <a:t>State</a:t>
+            </a:r>
+          </a:p>
+          <a:p>
+            <a:pPr marL="645668" lvl="2" indent="-285750">
+              <a:buFont typeface="Wingdings" panose="05000000000000000000" pitchFamily="2" charset="2"/>
+              <a:buChar char="§"/>
+            </a:pPr>
+            <a:r>
+              <a:rPr lang="en-US" dirty="0"/>
+              <a:t>Did the system return data with the structure and values you expected?</a:t>
+            </a:r>
+          </a:p>
+          <a:p>
+            <a:pPr marL="429718" lvl="1" indent="-285750">
+              <a:buFont typeface="Arial" panose="020B0604020202020204" pitchFamily="34" charset="0"/>
+              <a:buChar char="•"/>
+            </a:pPr>
+            <a:r>
+              <a:rPr lang="en-US" dirty="0"/>
+              <a:t>A lot of the times you have to verify State in order to verify Behavior with the tools we have available today</a:t>
             </a:r>
           </a:p>
           <a:p>
@@ -18524,27 +17512,30 @@
             </a:pPr>
             <a:r>
               <a:rPr lang="en-US" dirty="0"/>
-              <a:t>Disaster Recovery plans will need to be updated</a:t>
-            </a:r>
-          </a:p>
-          <a:p>
-            <a:pPr marL="285750" indent="-285750">
+              <a:t>Take advantage of how </a:t>
+            </a:r>
+            <a:r>
+              <a:rPr lang="en-US" b="1" dirty="0"/>
+              <a:t>dynamic</a:t>
+            </a:r>
+            <a:r>
+              <a:rPr lang="en-US" dirty="0"/>
+              <a:t> PowerShell is and don’t fight it (</a:t>
+            </a:r>
+            <a:r>
+              <a:rPr lang="en-US" dirty="0"/>
+              <a:t>Just don’t go crazy)</a:t>
+            </a:r>
+            <a:endParaRPr lang="en-US" dirty="0"/>
+          </a:p>
+          <a:p>
+            <a:pPr marL="429718" lvl="1" indent="-285750">
               <a:buFont typeface="Arial" panose="020B0604020202020204" pitchFamily="34" charset="0"/>
               <a:buChar char="•"/>
             </a:pPr>
             <a:r>
               <a:rPr lang="en-US" dirty="0"/>
-              <a:t>DSC / AADS and AWS / containers / immutable EC2</a:t>
-            </a:r>
-          </a:p>
-          <a:p>
-            <a:pPr marL="285750" indent="-285750">
-              <a:buFont typeface="Arial" panose="020B0604020202020204" pitchFamily="34" charset="0"/>
-              <a:buChar char="•"/>
-            </a:pPr>
-            <a:r>
-              <a:rPr lang="en-US" dirty="0"/>
-              <a:t>Hosted.Ticketmaster.com DNS zone</a:t>
+              <a:t>If you add imperative code to your tests, you could be adding bugs to your tests</a:t>
             </a:r>
           </a:p>
         </p:txBody>
@@ -18562,7 +17553,7 @@
 </p:sld>
 </file>
 
-<file path=ppt/slides/slide22.xml><?xml version="1.0" encoding="utf-8"?>
+<file path=ppt/slides/slide2.xml><?xml version="1.0" encoding="utf-8"?>
 <p:sld xmlns:a="http://schemas.openxmlformats.org/drawingml/2006/main" xmlns:r="http://schemas.openxmlformats.org/officeDocument/2006/relationships" xmlns:p="http://schemas.openxmlformats.org/presentationml/2006/main">
   <p:cSld>
     <p:spTree>
@@ -18581,192 +17572,335 @@
       </p:grpSpPr>
       <p:sp>
         <p:nvSpPr>
-          <p:cNvPr id="3" name="Text Placeholder 2"/>
+          <p:cNvPr id="2" name="Text Placeholder 1"/>
           <p:cNvSpPr>
             <a:spLocks noGrp="1"/>
           </p:cNvSpPr>
           <p:nvPr>
-            <p:ph type="body" sz="quarter" idx="15"/>
-          </p:nvPr>
-        </p:nvSpPr>
-        <p:spPr>
-          <a:effectLst>
-            <a:outerShdw blurRad="40005" dist="20320" dir="5400000" algn="ctr" rotWithShape="0">
-              <a:schemeClr val="bg2">
-                <a:alpha val="38000"/>
-              </a:schemeClr>
-            </a:outerShdw>
-          </a:effectLst>
-        </p:spPr>
-        <p:txBody>
-          <a:bodyPr/>
-          <a:lstStyle/>
-          <a:p>
-            <a:r>
-              <a:rPr lang="en-US" dirty="0">
-                <a:latin typeface="Interstate-Black"/>
-                <a:cs typeface="Interstate-Black"/>
-              </a:rPr>
-              <a:t>Next Steps</a:t>
-            </a:r>
-            <a:endParaRPr lang="en-US" cap="none" dirty="0">
-              <a:latin typeface="Interstate-Black"/>
-              <a:cs typeface="Interstate-Black"/>
-            </a:endParaRPr>
-          </a:p>
-          <a:p>
-            <a:endParaRPr lang="en-US" dirty="0">
-              <a:latin typeface="Interstate-Black"/>
-              <a:cs typeface="Interstate-Black"/>
-            </a:endParaRPr>
-          </a:p>
-        </p:txBody>
-      </p:sp>
-      <p:cxnSp>
-        <p:nvCxnSpPr>
-          <p:cNvPr id="6" name="Straight Connector 5"/>
-          <p:cNvCxnSpPr>
-            <a:stCxn id="3" idx="1"/>
-            <a:endCxn id="3" idx="3"/>
-          </p:cNvCxnSpPr>
-          <p:nvPr/>
-        </p:nvCxnSpPr>
-        <p:spPr>
-          <a:xfrm>
-            <a:off x="273051" y="641272"/>
-            <a:ext cx="8550274" cy="0"/>
-          </a:xfrm>
-          <a:prstGeom prst="line">
-            <a:avLst/>
-          </a:prstGeom>
-        </p:spPr>
-        <p:style>
-          <a:lnRef idx="2">
-            <a:schemeClr val="accent1"/>
-          </a:lnRef>
-          <a:fillRef idx="0">
-            <a:schemeClr val="accent1"/>
-          </a:fillRef>
-          <a:effectRef idx="1">
-            <a:schemeClr val="accent1"/>
-          </a:effectRef>
-          <a:fontRef idx="minor">
-            <a:schemeClr val="tx1"/>
-          </a:fontRef>
-        </p:style>
-      </p:cxnSp>
-      <p:sp>
-        <p:nvSpPr>
-          <p:cNvPr id="9" name="Content Placeholder 8"/>
-          <p:cNvSpPr>
-            <a:spLocks noGrp="1"/>
-          </p:cNvSpPr>
-          <p:nvPr>
-            <p:ph sz="quarter" idx="18"/>
+            <p:ph type="body" sz="quarter" idx="12"/>
           </p:nvPr>
         </p:nvSpPr>
         <p:spPr>
           <a:xfrm>
-            <a:off x="273052" y="1130561"/>
-            <a:ext cx="8550273" cy="3340292"/>
+            <a:off x="519978" y="1096510"/>
+            <a:ext cx="7983942" cy="930410"/>
           </a:xfrm>
         </p:spPr>
         <p:txBody>
           <a:bodyPr/>
           <a:lstStyle/>
           <a:p>
-            <a:pPr marL="285750" indent="-285750">
-              <a:buFont typeface="Arial" panose="020B0604020202020204" pitchFamily="34" charset="0"/>
-              <a:buChar char="•"/>
-            </a:pPr>
-            <a:r>
-              <a:rPr lang="en-US" dirty="0"/>
-              <a:t>Investigate and finalize compute provisioning decisions</a:t>
-            </a:r>
-          </a:p>
-          <a:p>
-            <a:pPr marL="285750" indent="-285750">
-              <a:buFont typeface="Arial" panose="020B0604020202020204" pitchFamily="34" charset="0"/>
-              <a:buChar char="•"/>
-            </a:pPr>
-            <a:r>
-              <a:rPr lang="en-US" dirty="0"/>
-              <a:t>Determine application changes required for AWS</a:t>
-            </a:r>
-          </a:p>
-          <a:p>
-            <a:pPr marL="285750" indent="-285750">
-              <a:buFont typeface="Arial" panose="020B0604020202020204" pitchFamily="34" charset="0"/>
-              <a:buChar char="•"/>
-            </a:pPr>
-            <a:r>
-              <a:rPr lang="en-US" dirty="0"/>
-              <a:t>Identify solutions for potential blockers / concerns</a:t>
-            </a:r>
-          </a:p>
-          <a:p>
-            <a:pPr marL="285750" indent="-285750">
-              <a:buFont typeface="Arial" panose="020B0604020202020204" pitchFamily="34" charset="0"/>
-              <a:buChar char="•"/>
-            </a:pPr>
-            <a:r>
-              <a:rPr lang="en-US" dirty="0"/>
-              <a:t>Determine availability zone / region layout</a:t>
-            </a:r>
-          </a:p>
-          <a:p>
-            <a:pPr marL="285750" indent="-285750">
-              <a:buFont typeface="Arial" panose="020B0604020202020204" pitchFamily="34" charset="0"/>
-              <a:buChar char="•"/>
-            </a:pPr>
-            <a:r>
-              <a:rPr lang="en-US" dirty="0"/>
-              <a:t>Finalize decision on first product to move</a:t>
-            </a:r>
-          </a:p>
-          <a:p>
-            <a:pPr marL="285750" indent="-285750">
-              <a:buFont typeface="Arial" panose="020B0604020202020204" pitchFamily="34" charset="0"/>
-              <a:buChar char="•"/>
-            </a:pPr>
-            <a:r>
-              <a:rPr lang="en-US" dirty="0"/>
-              <a:t>Decision on archive / training databases in the cloud</a:t>
-            </a:r>
-          </a:p>
-          <a:p>
-            <a:pPr marL="285750" indent="-285750">
-              <a:buFont typeface="Arial" panose="020B0604020202020204" pitchFamily="34" charset="0"/>
-              <a:buChar char="•"/>
-            </a:pPr>
-            <a:r>
-              <a:rPr lang="en-US" dirty="0"/>
-              <a:t>Consider revisiting RDS licensing scheme (per-server vs. per-user)</a:t>
-            </a:r>
-          </a:p>
-          <a:p>
-            <a:pPr marL="285750" indent="-285750">
-              <a:buFont typeface="Arial" panose="020B0604020202020204" pitchFamily="34" charset="0"/>
-              <a:buChar char="•"/>
-            </a:pPr>
-            <a:r>
-              <a:rPr lang="en-US" dirty="0"/>
-              <a:t>Final decisions on client networking and responsibility </a:t>
-            </a:r>
-            <a:r>
-              <a:rPr lang="en-US"/>
-              <a:t>for that</a:t>
-            </a:r>
-            <a:endParaRPr lang="en-US" dirty="0"/>
+            <a:pPr lvl="1" algn="ctr"/>
+            <a:r>
+              <a:rPr lang="en-GB" sz="4000" dirty="0">
+                <a:latin typeface="Interstate-Black"/>
+                <a:cs typeface="Interstate-Black"/>
+              </a:rPr>
+              <a:t>Windows @ Ticketmaster</a:t>
+            </a:r>
+          </a:p>
+        </p:txBody>
+      </p:sp>
+      <p:sp>
+        <p:nvSpPr>
+          <p:cNvPr id="3" name="TextBox 2"/>
+          <p:cNvSpPr txBox="1"/>
+          <p:nvPr/>
+        </p:nvSpPr>
+        <p:spPr>
+          <a:xfrm>
+            <a:off x="1415468" y="2049780"/>
+            <a:ext cx="2244845" cy="461665"/>
+          </a:xfrm>
+          <a:prstGeom prst="rect">
+            <a:avLst/>
+          </a:prstGeom>
+          <a:noFill/>
+        </p:spPr>
+        <p:txBody>
+          <a:bodyPr wrap="none" rtlCol="0">
+            <a:spAutoFit/>
+          </a:bodyPr>
+          <a:lstStyle/>
+          <a:p>
+            <a:r>
+              <a:rPr lang="en-US" sz="2400" dirty="0">
+                <a:latin typeface="TM Sans"/>
+                <a:cs typeface="TM Sans"/>
+              </a:rPr>
+              <a:t>Physical Servers</a:t>
+            </a:r>
+          </a:p>
+        </p:txBody>
+      </p:sp>
+      <p:sp>
+        <p:nvSpPr>
+          <p:cNvPr id="6" name="TextBox 5"/>
+          <p:cNvSpPr txBox="1"/>
+          <p:nvPr/>
+        </p:nvSpPr>
+        <p:spPr>
+          <a:xfrm>
+            <a:off x="2650718" y="2606040"/>
+            <a:ext cx="680251" cy="461665"/>
+          </a:xfrm>
+          <a:prstGeom prst="rect">
+            <a:avLst/>
+          </a:prstGeom>
+          <a:noFill/>
+        </p:spPr>
+        <p:txBody>
+          <a:bodyPr wrap="none" rtlCol="0">
+            <a:spAutoFit/>
+          </a:bodyPr>
+          <a:lstStyle/>
+          <a:p>
+            <a:r>
+              <a:rPr lang="en-US" sz="2400" dirty="0">
+                <a:latin typeface="TM Sans"/>
+                <a:cs typeface="TM Sans"/>
+              </a:rPr>
+              <a:t>Xen</a:t>
+            </a:r>
+          </a:p>
+        </p:txBody>
+      </p:sp>
+      <p:sp>
+        <p:nvSpPr>
+          <p:cNvPr id="7" name="TextBox 6"/>
+          <p:cNvSpPr txBox="1"/>
+          <p:nvPr/>
+        </p:nvSpPr>
+        <p:spPr>
+          <a:xfrm>
+            <a:off x="3451896" y="3150467"/>
+            <a:ext cx="781432" cy="461665"/>
+          </a:xfrm>
+          <a:prstGeom prst="rect">
+            <a:avLst/>
+          </a:prstGeom>
+          <a:noFill/>
+        </p:spPr>
+        <p:txBody>
+          <a:bodyPr wrap="none" rtlCol="0">
+            <a:spAutoFit/>
+          </a:bodyPr>
+          <a:lstStyle/>
+          <a:p>
+            <a:r>
+              <a:rPr lang="en-US" sz="2400" dirty="0">
+                <a:latin typeface="TM Sans"/>
+                <a:cs typeface="TM Sans"/>
+              </a:rPr>
+              <a:t>AWS</a:t>
+            </a:r>
+          </a:p>
+        </p:txBody>
+      </p:sp>
+      <p:sp>
+        <p:nvSpPr>
+          <p:cNvPr id="8" name="TextBox 7"/>
+          <p:cNvSpPr txBox="1"/>
+          <p:nvPr/>
+        </p:nvSpPr>
+        <p:spPr>
+          <a:xfrm>
+            <a:off x="4139867" y="2327910"/>
+            <a:ext cx="1114536" cy="461665"/>
+          </a:xfrm>
+          <a:prstGeom prst="rect">
+            <a:avLst/>
+          </a:prstGeom>
+          <a:noFill/>
+        </p:spPr>
+        <p:txBody>
+          <a:bodyPr wrap="none" rtlCol="0">
+            <a:spAutoFit/>
+          </a:bodyPr>
+          <a:lstStyle/>
+          <a:p>
+            <a:r>
+              <a:rPr lang="en-US" sz="2400" dirty="0">
+                <a:latin typeface="TM Sans"/>
+                <a:cs typeface="TM Sans"/>
+              </a:rPr>
+              <a:t>Docker</a:t>
+            </a:r>
+          </a:p>
+        </p:txBody>
+      </p:sp>
+      <p:sp>
+        <p:nvSpPr>
+          <p:cNvPr id="9" name="TextBox 8"/>
+          <p:cNvSpPr txBox="1"/>
+          <p:nvPr/>
+        </p:nvSpPr>
+        <p:spPr>
+          <a:xfrm>
+            <a:off x="1808147" y="3484572"/>
+            <a:ext cx="1071255" cy="461665"/>
+          </a:xfrm>
+          <a:prstGeom prst="rect">
+            <a:avLst/>
+          </a:prstGeom>
+          <a:noFill/>
+        </p:spPr>
+        <p:txBody>
+          <a:bodyPr wrap="none" rtlCol="0">
+            <a:spAutoFit/>
+          </a:bodyPr>
+          <a:lstStyle/>
+          <a:p>
+            <a:r>
+              <a:rPr lang="en-US" sz="2400" dirty="0">
+                <a:latin typeface="TM Sans"/>
+                <a:cs typeface="TM Sans"/>
+              </a:rPr>
+              <a:t>Packer</a:t>
+            </a:r>
+          </a:p>
+        </p:txBody>
+      </p:sp>
+      <p:sp>
+        <p:nvSpPr>
+          <p:cNvPr id="10" name="TextBox 9"/>
+          <p:cNvSpPr txBox="1"/>
+          <p:nvPr/>
+        </p:nvSpPr>
+        <p:spPr>
+          <a:xfrm>
+            <a:off x="5254403" y="2954347"/>
+            <a:ext cx="1470339" cy="461665"/>
+          </a:xfrm>
+          <a:prstGeom prst="rect">
+            <a:avLst/>
+          </a:prstGeom>
+          <a:noFill/>
+        </p:spPr>
+        <p:txBody>
+          <a:bodyPr wrap="none" rtlCol="0">
+            <a:spAutoFit/>
+          </a:bodyPr>
+          <a:lstStyle/>
+          <a:p>
+            <a:r>
+              <a:rPr lang="en-US" sz="2400" dirty="0">
+                <a:latin typeface="TM Sans"/>
+                <a:cs typeface="TM Sans"/>
+              </a:rPr>
+              <a:t>Terraform</a:t>
+            </a:r>
+          </a:p>
+        </p:txBody>
+      </p:sp>
+      <p:sp>
+        <p:nvSpPr>
+          <p:cNvPr id="11" name="TextBox 10"/>
+          <p:cNvSpPr txBox="1"/>
+          <p:nvPr/>
+        </p:nvSpPr>
+        <p:spPr>
+          <a:xfrm>
+            <a:off x="5733957" y="2102484"/>
+            <a:ext cx="1447960" cy="461665"/>
+          </a:xfrm>
+          <a:prstGeom prst="rect">
+            <a:avLst/>
+          </a:prstGeom>
+          <a:noFill/>
+        </p:spPr>
+        <p:txBody>
+          <a:bodyPr wrap="none" rtlCol="0">
+            <a:spAutoFit/>
+          </a:bodyPr>
+          <a:lstStyle/>
+          <a:p>
+            <a:r>
+              <a:rPr lang="en-US" sz="2400" dirty="0" err="1">
+                <a:latin typeface="TM Sans"/>
+                <a:cs typeface="TM Sans"/>
+              </a:rPr>
+              <a:t>GitLab</a:t>
+            </a:r>
+            <a:r>
+              <a:rPr lang="en-US" sz="2400" dirty="0">
+                <a:latin typeface="TM Sans"/>
+                <a:cs typeface="TM Sans"/>
+              </a:rPr>
+              <a:t> CI</a:t>
+            </a:r>
+          </a:p>
+        </p:txBody>
+      </p:sp>
+      <p:sp>
+        <p:nvSpPr>
+          <p:cNvPr id="12" name="TextBox 11"/>
+          <p:cNvSpPr txBox="1"/>
+          <p:nvPr/>
+        </p:nvSpPr>
+        <p:spPr>
+          <a:xfrm>
+            <a:off x="7072721" y="3402388"/>
+            <a:ext cx="766557" cy="461665"/>
+          </a:xfrm>
+          <a:prstGeom prst="rect">
+            <a:avLst/>
+          </a:prstGeom>
+          <a:noFill/>
+        </p:spPr>
+        <p:txBody>
+          <a:bodyPr wrap="none" rtlCol="0">
+            <a:spAutoFit/>
+          </a:bodyPr>
+          <a:lstStyle/>
+          <a:p>
+            <a:r>
+              <a:rPr lang="en-US" sz="2400" dirty="0">
+                <a:latin typeface="TM Sans"/>
+                <a:cs typeface="TM Sans"/>
+              </a:rPr>
+              <a:t>DSC</a:t>
+            </a:r>
+          </a:p>
+        </p:txBody>
+      </p:sp>
+      <p:sp>
+        <p:nvSpPr>
+          <p:cNvPr id="13" name="TextBox 12"/>
+          <p:cNvSpPr txBox="1"/>
+          <p:nvPr/>
+        </p:nvSpPr>
+        <p:spPr>
+          <a:xfrm>
+            <a:off x="4519233" y="3826857"/>
+            <a:ext cx="1467068" cy="461665"/>
+          </a:xfrm>
+          <a:prstGeom prst="rect">
+            <a:avLst/>
+          </a:prstGeom>
+          <a:noFill/>
+        </p:spPr>
+        <p:txBody>
+          <a:bodyPr wrap="none" rtlCol="0">
+            <a:spAutoFit/>
+          </a:bodyPr>
+          <a:lstStyle/>
+          <a:p>
+            <a:r>
+              <a:rPr lang="en-US" sz="2400" dirty="0" err="1">
+                <a:latin typeface="TM Sans"/>
+                <a:cs typeface="TM Sans"/>
+              </a:rPr>
+              <a:t>PoshSpec</a:t>
+            </a:r>
+            <a:endParaRPr lang="en-US" sz="2400" dirty="0">
+              <a:latin typeface="TM Sans"/>
+              <a:cs typeface="TM Sans"/>
+            </a:endParaRPr>
           </a:p>
         </p:txBody>
       </p:sp>
     </p:spTree>
-    <p:extLst>
-      <p:ext uri="{BB962C8B-B14F-4D97-AF65-F5344CB8AC3E}">
-        <p14:creationId xmlns:p14="http://schemas.microsoft.com/office/powerpoint/2010/main" val="1199315376"/>
-      </p:ext>
-    </p:extLst>
   </p:cSld>
   <p:clrMapOvr>
     <a:masterClrMapping/>
@@ -20579,7 +19713,7 @@
             </a:r>
             <a:r>
               <a:rPr lang="en-US" dirty="0"/>
-              <a:t> Any kind of pretend object used in place of a real object for testing purposes. All of the above</a:t>
+              <a:t> Any kind of pretend object used in place of a real object for testing purposes</a:t>
             </a:r>
           </a:p>
           <a:p>

--- a/Summit2017_Mocking.pptx
+++ b/Summit2017_Mocking.pptx
@@ -241,7 +241,7 @@
             <a:fld id="{96F0360C-9056-C14A-BCFB-ED74D9563C93}" type="datetimeFigureOut">
               <a:rPr lang="en-GB"/>
               <a:pPr/>
-              <a:t>03/04/2017</a:t>
+              <a:t>05/04/2017</a:t>
             </a:fld>
             <a:endParaRPr lang="en-GB"/>
           </a:p>
@@ -409,7 +409,7 @@
             <a:fld id="{A0AC4B9B-ADFA-2B4A-92EC-606ADF46D83E}" type="datetimeFigureOut">
               <a:rPr lang="en-GB"/>
               <a:pPr/>
-              <a:t>03/04/2017</a:t>
+              <a:t>05/04/2017</a:t>
             </a:fld>
             <a:endParaRPr lang="en-GB"/>
           </a:p>
@@ -2160,31 +2160,7 @@
                 <a:ea typeface="+mn-ea"/>
                 <a:cs typeface="+mn-cs"/>
               </a:rPr>
-              <a:t>After the 1965 season Ford built a dynamometer laboratory to automate the testing of the engines as closely to on-course conditions </a:t>
-            </a:r>
-            <a:r>
-              <a:rPr lang="en-US" sz="1000" b="0" i="0" kern="1200" dirty="0">
-                <a:solidFill>
-                  <a:schemeClr val="tx1"/>
-                </a:solidFill>
-                <a:effectLst/>
-                <a:latin typeface="+mn-lt"/>
-                <a:ea typeface="+mn-ea"/>
-                <a:cs typeface="+mn-cs"/>
-              </a:rPr>
-              <a:t>as possible </a:t>
-            </a:r>
-            <a:r>
-              <a:rPr lang="en-US" sz="1000" b="0" i="0" kern="1200" dirty="0">
-                <a:solidFill>
-                  <a:schemeClr val="tx1"/>
-                </a:solidFill>
-                <a:effectLst/>
-                <a:latin typeface="+mn-lt"/>
-                <a:ea typeface="+mn-ea"/>
-                <a:cs typeface="+mn-cs"/>
-              </a:rPr>
-              <a:t>.</a:t>
+              <a:t>After the 1965 season Ford built a dynamometer laboratory to automate the testing of the engines as closely to on-course conditions as possible .</a:t>
             </a:r>
           </a:p>
           <a:p>
@@ -3169,7 +3145,7 @@
           <a:p>
             <a:fld id="{AA9C65CA-C0C5-5647-9B9D-8C41F3BBC317}" type="datetime1">
               <a:rPr lang="en-US" smtClean="0"/>
-              <a:t>4/3/2017</a:t>
+              <a:t>4/5/2017</a:t>
             </a:fld>
             <a:endParaRPr lang="en-GB"/>
           </a:p>
@@ -7604,7 +7580,7 @@
           <a:p>
             <a:fld id="{33A48E83-E413-D242-BBD3-800CC27D9C6D}" type="datetime1">
               <a:rPr lang="en-US" smtClean="0"/>
-              <a:t>4/3/2017</a:t>
+              <a:t>4/5/2017</a:t>
             </a:fld>
             <a:endParaRPr lang="en-GB"/>
           </a:p>
@@ -8387,7 +8363,7 @@
           <a:p>
             <a:fld id="{6AD6EE87-EBD5-4F12-A48A-63ACA297AC8F}" type="datetimeFigureOut">
               <a:rPr lang="en-US" smtClean="0"/>
-              <a:t>4/3/2017</a:t>
+              <a:t>4/5/2017</a:t>
             </a:fld>
             <a:endParaRPr lang="en-US" dirty="0"/>
           </a:p>
@@ -8688,7 +8664,7 @@
           <a:p>
             <a:fld id="{5529F2C3-B841-0047-A63E-7498D1DF6566}" type="datetime1">
               <a:rPr lang="en-US" smtClean="0"/>
-              <a:t>4/3/2017</a:t>
+              <a:t>4/5/2017</a:t>
             </a:fld>
             <a:endParaRPr lang="en-GB"/>
           </a:p>
@@ -9198,7 +9174,7 @@
           <a:p>
             <a:fld id="{A06776DC-7B5D-4A40-B28C-D3FA8A3DADC6}" type="datetime1">
               <a:rPr lang="en-US" smtClean="0"/>
-              <a:t>4/3/2017</a:t>
+              <a:t>4/5/2017</a:t>
             </a:fld>
             <a:endParaRPr lang="en-GB"/>
           </a:p>
@@ -9430,7 +9406,7 @@
           <a:p>
             <a:fld id="{EB764B47-E48A-2B4C-8F0F-00B600CE9930}" type="datetime1">
               <a:rPr lang="en-US" smtClean="0"/>
-              <a:t>4/3/2017</a:t>
+              <a:t>4/5/2017</a:t>
             </a:fld>
             <a:endParaRPr lang="en-GB"/>
           </a:p>
@@ -9739,7 +9715,7 @@
           <a:p>
             <a:fld id="{EBC1EF0D-6E6B-FA48-A207-E1059D751D30}" type="datetime1">
               <a:rPr lang="en-US" smtClean="0"/>
-              <a:t>4/3/2017</a:t>
+              <a:t>4/5/2017</a:t>
             </a:fld>
             <a:endParaRPr lang="en-GB"/>
           </a:p>
@@ -10106,7 +10082,7 @@
           <a:p>
             <a:fld id="{218291B2-557C-0D44-A285-A91C3B6367DF}" type="datetime1">
               <a:rPr lang="en-US" smtClean="0"/>
-              <a:t>4/3/2017</a:t>
+              <a:t>4/5/2017</a:t>
             </a:fld>
             <a:endParaRPr lang="en-GB"/>
           </a:p>
@@ -12566,11 +12542,6 @@
               </a:rPr>
               <a:t>Demo2a-ScriptFiles.ps1 = </a:t>
             </a:r>
-            <a:endParaRPr lang="en-US" sz="1400" dirty="0">
-              <a:latin typeface="Fira Code" panose="020B0509050000020004" pitchFamily="49" charset="0"/>
-              <a:ea typeface="Fira Code" panose="020B0509050000020004" pitchFamily="49" charset="0"/>
-              <a:cs typeface="TM Sans"/>
-            </a:endParaRPr>
           </a:p>
         </p:txBody>
       </p:sp>
@@ -12668,15 +12639,6 @@
               </a:rPr>
               <a:t>143ms</a:t>
             </a:r>
-            <a:endParaRPr lang="en-US" sz="1200" dirty="0">
-              <a:solidFill>
-                <a:schemeClr val="bg1">
-                  <a:lumMod val="50000"/>
-                </a:schemeClr>
-              </a:solidFill>
-              <a:latin typeface="Fira Code" panose="020B0509050000020004" pitchFamily="49" charset="0"/>
-              <a:ea typeface="Fira Code" panose="020B0509050000020004" pitchFamily="49" charset="0"/>
-            </a:endParaRPr>
           </a:p>
         </p:txBody>
       </p:sp>
@@ -14091,7 +14053,6 @@
               <a:rPr lang="en-US" b="1" dirty="0"/>
               <a:t>NancyPS</a:t>
             </a:r>
-            <a:endParaRPr lang="en-US" b="1" dirty="0"/>
           </a:p>
         </p:txBody>
       </p:sp>
@@ -16279,19 +16240,7 @@
                 <a:latin typeface="Fira Code" panose="020B0509050000020004" pitchFamily="49" charset="0"/>
                 <a:ea typeface="Fira Code" panose="020B0509050000020004" pitchFamily="49" charset="0"/>
               </a:rPr>
-              <a:t>PS &gt; </a:t>
-            </a:r>
-            <a:r>
-              <a:rPr lang="en-US" sz="1200" dirty="0">
-                <a:solidFill>
-                  <a:schemeClr val="bg1">
-                    <a:lumMod val="65000"/>
-                  </a:schemeClr>
-                </a:solidFill>
-                <a:latin typeface="Fira Code" panose="020B0509050000020004" pitchFamily="49" charset="0"/>
-                <a:ea typeface="Fira Code" panose="020B0509050000020004" pitchFamily="49" charset="0"/>
-              </a:rPr>
-              <a:t>New-Object -TypeName Diagnostics.Process -Property @{Name = "IMadeItUp.exe" }</a:t>
+              <a:t>PS &gt; New-Object -TypeName Diagnostics.Process -Property @{Name = "IMadeItUp.exe" }</a:t>
             </a:r>
             <a:endParaRPr lang="en-US" sz="1200" dirty="0">
               <a:solidFill>
@@ -16356,13 +16305,6 @@
               </a:rPr>
               <a:t>At line:1 char:7+ $ps = New-Object -TypeName Diagnostics.Process -Property @{Name = "IM ...</a:t>
             </a:r>
-            <a:endParaRPr lang="en-US" sz="1200" dirty="0">
-              <a:solidFill>
-                <a:srgbClr val="FF0000"/>
-              </a:solidFill>
-              <a:latin typeface="Fira Code" panose="020B0509050000020004" pitchFamily="49" charset="0"/>
-              <a:ea typeface="Fira Code" panose="020B0509050000020004" pitchFamily="49" charset="0"/>
-            </a:endParaRPr>
           </a:p>
         </p:txBody>
       </p:sp>
@@ -16578,14 +16520,6 @@
               </a:rPr>
               <a:t>Killed 321</a:t>
             </a:r>
-            <a:endParaRPr lang="en-US" sz="1200" dirty="0">
-              <a:solidFill>
-                <a:schemeClr val="bg1">
-                  <a:lumMod val="65000"/>
-                </a:schemeClr>
-              </a:solidFill>
-              <a:latin typeface="Fira Code" panose="020B0509050000020004" pitchFamily="49" charset="0"/>
-            </a:endParaRPr>
           </a:p>
         </p:txBody>
       </p:sp>
@@ -17426,12 +17360,14 @@
         </p:nvSpPr>
         <p:spPr>
           <a:xfrm>
-            <a:off x="273052" y="1130561"/>
-            <a:ext cx="8550273" cy="3340292"/>
+            <a:off x="273052" y="1130560"/>
+            <a:ext cx="8550273" cy="3785471"/>
           </a:xfrm>
         </p:spPr>
         <p:txBody>
-          <a:bodyPr/>
+          <a:bodyPr>
+            <a:normAutofit/>
+          </a:bodyPr>
           <a:lstStyle/>
           <a:p>
             <a:pPr marL="285750" indent="-285750">
@@ -17464,15 +17400,7 @@
             </a:pPr>
             <a:r>
               <a:rPr lang="en-US" dirty="0"/>
-              <a:t>Did the system call the things you think it’s supposed to call with the correct </a:t>
-            </a:r>
-            <a:r>
-              <a:rPr lang="en-US" dirty="0" err="1"/>
-              <a:t>parmeters</a:t>
-            </a:r>
-            <a:r>
-              <a:rPr lang="en-US" dirty="0"/>
-              <a:t>?</a:t>
+              <a:t>Did the system call the things you think it’s supposed to call with the correct parameters?</a:t>
             </a:r>
           </a:p>
           <a:p>
@@ -17520,13 +17448,8 @@
             </a:r>
             <a:r>
               <a:rPr lang="en-US" dirty="0"/>
-              <a:t> PowerShell is and don’t fight it (</a:t>
-            </a:r>
-            <a:r>
-              <a:rPr lang="en-US" dirty="0"/>
-              <a:t>Just don’t go crazy)</a:t>
-            </a:r>
-            <a:endParaRPr lang="en-US" dirty="0"/>
+              <a:t> PowerShell is and don’t fight it (Just don’t go crazy)</a:t>
+            </a:r>
           </a:p>
           <a:p>
             <a:pPr marL="429718" lvl="1" indent="-285750">
@@ -17537,6 +17460,52 @@
               <a:rPr lang="en-US" dirty="0"/>
               <a:t>If you add imperative code to your tests, you could be adding bugs to your tests</a:t>
             </a:r>
+          </a:p>
+          <a:p>
+            <a:pPr marL="285750" indent="-285750">
+              <a:buFont typeface="Arial" panose="020B0604020202020204" pitchFamily="34" charset="0"/>
+              <a:buChar char="•"/>
+            </a:pPr>
+            <a:r>
+              <a:rPr lang="en-US" b="1" dirty="0"/>
+              <a:t>Additional Resources</a:t>
+            </a:r>
+          </a:p>
+          <a:p>
+            <a:pPr marL="429718" lvl="1" indent="-285750">
+              <a:buFont typeface="Arial" panose="020B0604020202020204" pitchFamily="34" charset="0"/>
+              <a:buChar char="•"/>
+            </a:pPr>
+            <a:r>
+              <a:rPr lang="en-US" dirty="0">
+                <a:hlinkClick r:id="rId3"/>
+              </a:rPr>
+              <a:t>https://github.com/cdhunt/pssummit2017-mocking</a:t>
+            </a:r>
+            <a:endParaRPr lang="en-US" dirty="0"/>
+          </a:p>
+          <a:p>
+            <a:pPr marL="429718" lvl="1" indent="-285750">
+              <a:buFont typeface="Arial" panose="020B0604020202020204" pitchFamily="34" charset="0"/>
+              <a:buChar char="•"/>
+            </a:pPr>
+            <a:r>
+              <a:rPr lang="en-US" u="sng" dirty="0" err="1"/>
+              <a:t>xUnit</a:t>
+            </a:r>
+            <a:r>
+              <a:rPr lang="en-US" u="sng" dirty="0"/>
+              <a:t> Test Patterns: Refactoring Test Code</a:t>
+            </a:r>
+            <a:r>
+              <a:rPr lang="en-US" dirty="0"/>
+              <a:t> by Gerard </a:t>
+            </a:r>
+            <a:r>
+              <a:rPr lang="en-US" dirty="0" err="1"/>
+              <a:t>Meszaros</a:t>
+            </a:r>
+            <a:endParaRPr lang="en-US" dirty="0"/>
           </a:p>
         </p:txBody>
       </p:sp>
@@ -23314,6 +23283,30 @@
 </file>
 
 <file path=customXml/item1.xml><?xml version="1.0" encoding="utf-8"?>
+<?mso-contentType ?>
+<FormTemplates xmlns="http://schemas.microsoft.com/sharepoint/v3/contenttype/forms">
+  <Display>DocumentLibraryForm</Display>
+  <Edit>DocumentLibraryForm</Edit>
+  <New>DocumentLibraryForm</New>
+</FormTemplates>
+</file>
+
+<file path=customXml/item2.xml><?xml version="1.0" encoding="utf-8"?>
+<p:properties xmlns:p="http://schemas.microsoft.com/office/2006/metadata/properties" xmlns:xsi="http://www.w3.org/2001/XMLSchema-instance" xmlns:pc="http://schemas.microsoft.com/office/infopath/2007/PartnerControls">
+  <documentManagement>
+    <Description0 xmlns="6eed6d30-21cb-4d2a-afd5-64247d3e7b92" xsi:nil="true"/>
+    <SharedWithUsers xmlns="3608d996-f921-4209-962b-af552f1375e0">
+      <UserInfo>
+        <DisplayName>Tonya Coldiron</DisplayName>
+        <AccountId>760</AccountId>
+        <AccountType/>
+      </UserInfo>
+    </SharedWithUsers>
+  </documentManagement>
+</p:properties>
+</file>
+
+<file path=customXml/item3.xml><?xml version="1.0" encoding="utf-8"?>
 <ct:contentTypeSchema xmlns:ct="http://schemas.microsoft.com/office/2006/metadata/contentType" xmlns:ma="http://schemas.microsoft.com/office/2006/metadata/properties/metaAttributes" ct:_="" ma:_="" ma:contentTypeName="Document" ma:contentTypeID="0x010100CB72CB62A2C7A84F8A09B310C9A494EA" ma:contentTypeVersion="3" ma:contentTypeDescription="Create a new document." ma:contentTypeScope="" ma:versionID="b4e75306b3d220e66d8bdfce9a72d9cb">
   <xsd:schema xmlns:xsd="http://www.w3.org/2001/XMLSchema" xmlns:xs="http://www.w3.org/2001/XMLSchema" xmlns:p="http://schemas.microsoft.com/office/2006/metadata/properties" xmlns:ns2="6eed6d30-21cb-4d2a-afd5-64247d3e7b92" xmlns:ns3="3608d996-f921-4209-962b-af552f1375e0" targetNamespace="http://schemas.microsoft.com/office/2006/metadata/properties" ma:root="true" ma:fieldsID="fa291b8313cb5ba9c7328f054605bda0" ns2:_="" ns3:_="">
     <xsd:import namespace="6eed6d30-21cb-4d2a-afd5-64247d3e7b92"/>
@@ -23474,45 +23467,10 @@
 </ct:contentTypeSchema>
 </file>
 
-<file path=customXml/item2.xml><?xml version="1.0" encoding="utf-8"?>
-<p:properties xmlns:p="http://schemas.microsoft.com/office/2006/metadata/properties" xmlns:xsi="http://www.w3.org/2001/XMLSchema-instance" xmlns:pc="http://schemas.microsoft.com/office/infopath/2007/PartnerControls">
-  <documentManagement>
-    <Description0 xmlns="6eed6d30-21cb-4d2a-afd5-64247d3e7b92" xsi:nil="true"/>
-    <SharedWithUsers xmlns="3608d996-f921-4209-962b-af552f1375e0">
-      <UserInfo>
-        <DisplayName>Tonya Coldiron</DisplayName>
-        <AccountId>760</AccountId>
-        <AccountType/>
-      </UserInfo>
-    </SharedWithUsers>
-  </documentManagement>
-</p:properties>
-</file>
-
-<file path=customXml/item3.xml><?xml version="1.0" encoding="utf-8"?>
-<?mso-contentType ?>
-<FormTemplates xmlns="http://schemas.microsoft.com/sharepoint/v3/contenttype/forms">
-  <Display>DocumentLibraryForm</Display>
-  <Edit>DocumentLibraryForm</Edit>
-  <New>DocumentLibraryForm</New>
-</FormTemplates>
-</file>
-
 <file path=customXml/itemProps1.xml><?xml version="1.0" encoding="utf-8"?>
-<ds:datastoreItem xmlns:ds="http://schemas.openxmlformats.org/officeDocument/2006/customXml" ds:itemID="{9D896509-6A47-4130-BB9D-1890AB9F6845}">
+<ds:datastoreItem xmlns:ds="http://schemas.openxmlformats.org/officeDocument/2006/customXml" ds:itemID="{68C3422F-B7B4-474F-834A-53BF9C172DDC}">
   <ds:schemaRefs>
-    <ds:schemaRef ds:uri="http://schemas.microsoft.com/office/2006/metadata/contentType"/>
-    <ds:schemaRef ds:uri="http://schemas.microsoft.com/office/2006/metadata/properties/metaAttributes"/>
-    <ds:schemaRef ds:uri="http://www.w3.org/2001/XMLSchema"/>
-    <ds:schemaRef ds:uri="http://schemas.microsoft.com/office/2006/metadata/properties"/>
-    <ds:schemaRef ds:uri="6eed6d30-21cb-4d2a-afd5-64247d3e7b92"/>
-    <ds:schemaRef ds:uri="3608d996-f921-4209-962b-af552f1375e0"/>
-    <ds:schemaRef ds:uri="http://schemas.microsoft.com/office/2006/documentManagement/types"/>
-    <ds:schemaRef ds:uri="http://schemas.microsoft.com/office/infopath/2007/PartnerControls"/>
-    <ds:schemaRef ds:uri="http://schemas.openxmlformats.org/package/2006/metadata/core-properties"/>
-    <ds:schemaRef ds:uri="http://purl.org/dc/elements/1.1/"/>
-    <ds:schemaRef ds:uri="http://purl.org/dc/terms/"/>
-    <ds:schemaRef ds:uri="http://schemas.microsoft.com/internal/obd"/>
+    <ds:schemaRef ds:uri="http://schemas.microsoft.com/sharepoint/v3/contenttype/forms"/>
   </ds:schemaRefs>
 </ds:datastoreItem>
 </file>
@@ -23535,9 +23493,20 @@
 </file>
 
 <file path=customXml/itemProps3.xml><?xml version="1.0" encoding="utf-8"?>
-<ds:datastoreItem xmlns:ds="http://schemas.openxmlformats.org/officeDocument/2006/customXml" ds:itemID="{68C3422F-B7B4-474F-834A-53BF9C172DDC}">
+<ds:datastoreItem xmlns:ds="http://schemas.openxmlformats.org/officeDocument/2006/customXml" ds:itemID="{9D896509-6A47-4130-BB9D-1890AB9F6845}">
   <ds:schemaRefs>
-    <ds:schemaRef ds:uri="http://schemas.microsoft.com/sharepoint/v3/contenttype/forms"/>
+    <ds:schemaRef ds:uri="http://schemas.microsoft.com/office/2006/metadata/contentType"/>
+    <ds:schemaRef ds:uri="http://schemas.microsoft.com/office/2006/metadata/properties/metaAttributes"/>
+    <ds:schemaRef ds:uri="http://www.w3.org/2001/XMLSchema"/>
+    <ds:schemaRef ds:uri="http://schemas.microsoft.com/office/2006/metadata/properties"/>
+    <ds:schemaRef ds:uri="6eed6d30-21cb-4d2a-afd5-64247d3e7b92"/>
+    <ds:schemaRef ds:uri="3608d996-f921-4209-962b-af552f1375e0"/>
+    <ds:schemaRef ds:uri="http://schemas.microsoft.com/office/2006/documentManagement/types"/>
+    <ds:schemaRef ds:uri="http://schemas.microsoft.com/office/infopath/2007/PartnerControls"/>
+    <ds:schemaRef ds:uri="http://schemas.openxmlformats.org/package/2006/metadata/core-properties"/>
+    <ds:schemaRef ds:uri="http://purl.org/dc/elements/1.1/"/>
+    <ds:schemaRef ds:uri="http://purl.org/dc/terms/"/>
+    <ds:schemaRef ds:uri="http://schemas.microsoft.com/internal/obd"/>
   </ds:schemaRefs>
 </ds:datastoreItem>
 </file>
--- a/Summit2017_Mocking.pptx
+++ b/Summit2017_Mocking.pptx
@@ -17610,7 +17610,7 @@
         </p:nvSpPr>
         <p:spPr>
           <a:xfrm>
-            <a:off x="2650718" y="2606040"/>
+            <a:off x="2895570" y="2616536"/>
             <a:ext cx="680251" cy="461665"/>
           </a:xfrm>
           <a:prstGeom prst="rect">
@@ -17706,7 +17706,7 @@
         </p:nvSpPr>
         <p:spPr>
           <a:xfrm>
-            <a:off x="1808147" y="3484572"/>
+            <a:off x="1671024" y="3381299"/>
             <a:ext cx="1071255" cy="461665"/>
           </a:xfrm>
           <a:prstGeom prst="rect">
@@ -17809,7 +17809,7 @@
         </p:nvSpPr>
         <p:spPr>
           <a:xfrm>
-            <a:off x="7072721" y="3402388"/>
+            <a:off x="7781369" y="3420368"/>
             <a:ext cx="766557" cy="461665"/>
           </a:xfrm>
           <a:prstGeom prst="rect">
@@ -17841,7 +17841,7 @@
         </p:nvSpPr>
         <p:spPr>
           <a:xfrm>
-            <a:off x="4519233" y="3826857"/>
+            <a:off x="4522504" y="3637515"/>
             <a:ext cx="1467068" cy="461665"/>
           </a:xfrm>
           <a:prstGeom prst="rect">
@@ -17866,6 +17866,138 @@
               <a:latin typeface="TM Sans"/>
               <a:cs typeface="TM Sans"/>
             </a:endParaRPr>
+          </a:p>
+        </p:txBody>
+      </p:sp>
+      <p:sp>
+        <p:nvSpPr>
+          <p:cNvPr id="14" name="TextBox 13"/>
+          <p:cNvSpPr txBox="1"/>
+          <p:nvPr/>
+        </p:nvSpPr>
+        <p:spPr>
+          <a:xfrm>
+            <a:off x="2323397" y="4156558"/>
+            <a:ext cx="1675908" cy="461665"/>
+          </a:xfrm>
+          <a:prstGeom prst="rect">
+            <a:avLst/>
+          </a:prstGeom>
+          <a:noFill/>
+        </p:spPr>
+        <p:txBody>
+          <a:bodyPr wrap="none" rtlCol="0">
+            <a:spAutoFit/>
+          </a:bodyPr>
+          <a:lstStyle/>
+          <a:p>
+            <a:r>
+              <a:rPr lang="en-US" sz="2400" dirty="0">
+                <a:latin typeface="TM Sans"/>
+                <a:cs typeface="TM Sans"/>
+              </a:rPr>
+              <a:t>Kubernetes</a:t>
+            </a:r>
+          </a:p>
+        </p:txBody>
+      </p:sp>
+      <p:sp>
+        <p:nvSpPr>
+          <p:cNvPr id="15" name="TextBox 14"/>
+          <p:cNvSpPr txBox="1"/>
+          <p:nvPr/>
+        </p:nvSpPr>
+        <p:spPr>
+          <a:xfrm>
+            <a:off x="7062747" y="2606039"/>
+            <a:ext cx="1751249" cy="461665"/>
+          </a:xfrm>
+          <a:prstGeom prst="rect">
+            <a:avLst/>
+          </a:prstGeom>
+          <a:noFill/>
+        </p:spPr>
+        <p:txBody>
+          <a:bodyPr wrap="none" rtlCol="0">
+            <a:spAutoFit/>
+          </a:bodyPr>
+          <a:lstStyle/>
+          <a:p>
+            <a:r>
+              <a:rPr lang="en-US" sz="2400" dirty="0">
+                <a:latin typeface="TM Sans"/>
+                <a:cs typeface="TM Sans"/>
+              </a:rPr>
+              <a:t>Prometheus</a:t>
+            </a:r>
+          </a:p>
+        </p:txBody>
+      </p:sp>
+      <p:sp>
+        <p:nvSpPr>
+          <p:cNvPr id="16" name="TextBox 15"/>
+          <p:cNvSpPr txBox="1"/>
+          <p:nvPr/>
+        </p:nvSpPr>
+        <p:spPr>
+          <a:xfrm>
+            <a:off x="952974" y="2729372"/>
+            <a:ext cx="1253677" cy="461665"/>
+          </a:xfrm>
+          <a:prstGeom prst="rect">
+            <a:avLst/>
+          </a:prstGeom>
+          <a:noFill/>
+        </p:spPr>
+        <p:txBody>
+          <a:bodyPr wrap="none" rtlCol="0">
+            <a:spAutoFit/>
+          </a:bodyPr>
+          <a:lstStyle/>
+          <a:p>
+            <a:r>
+              <a:rPr lang="en-US" sz="2400" dirty="0" err="1">
+                <a:latin typeface="TM Sans"/>
+                <a:cs typeface="TM Sans"/>
+              </a:rPr>
+              <a:t>Telegraf</a:t>
+            </a:r>
+            <a:endParaRPr lang="en-US" sz="2400" dirty="0">
+              <a:latin typeface="TM Sans"/>
+              <a:cs typeface="TM Sans"/>
+            </a:endParaRPr>
+          </a:p>
+        </p:txBody>
+      </p:sp>
+      <p:sp>
+        <p:nvSpPr>
+          <p:cNvPr id="17" name="TextBox 16"/>
+          <p:cNvSpPr txBox="1"/>
+          <p:nvPr/>
+        </p:nvSpPr>
+        <p:spPr>
+          <a:xfrm>
+            <a:off x="6502192" y="3847320"/>
+            <a:ext cx="668773" cy="461665"/>
+          </a:xfrm>
+          <a:prstGeom prst="rect">
+            <a:avLst/>
+          </a:prstGeom>
+          <a:noFill/>
+        </p:spPr>
+        <p:txBody>
+          <a:bodyPr wrap="none" rtlCol="0">
+            <a:spAutoFit/>
+          </a:bodyPr>
+          <a:lstStyle/>
+          <a:p>
+            <a:r>
+              <a:rPr lang="en-US" sz="2400" dirty="0">
+                <a:latin typeface="TM Sans"/>
+                <a:cs typeface="TM Sans"/>
+              </a:rPr>
+              <a:t>ELK</a:t>
+            </a:r>
           </a:p>
         </p:txBody>
       </p:sp>

--- a/Summit2017_Mocking.pptx
+++ b/Summit2017_Mocking.pptx
@@ -12558,7 +12558,7 @@
         <p:spPr>
           <a:xfrm>
             <a:off x="3299599" y="3879537"/>
-            <a:ext cx="5618767" cy="630002"/>
+            <a:ext cx="5618767" cy="480656"/>
           </a:xfrm>
           <a:solidFill>
             <a:schemeClr val="bg2">

--- a/Summit2017_Mocking.pptx
+++ b/Summit2017_Mocking.pptx
@@ -13328,7 +13328,7 @@
         <p:spPr>
           <a:xfrm>
             <a:off x="1802083" y="1282150"/>
-            <a:ext cx="5492209" cy="2554545"/>
+            <a:ext cx="5615640" cy="2554545"/>
           </a:xfrm>
           <a:prstGeom prst="rect">
             <a:avLst/>
@@ -13397,25 +13397,7 @@
                 </a:solidFill>
                 <a:latin typeface="Fira Code" panose="020B0509050000020004" pitchFamily="49" charset="0"/>
               </a:rPr>
-              <a:t>'</a:t>
-            </a:r>
-            <a:r>
-              <a:rPr lang="en-US" sz="1600" dirty="0" err="1">
-                <a:solidFill>
-                  <a:srgbClr val="CE9178"/>
-                </a:solidFill>
-                <a:latin typeface="Fira Code" panose="020B0509050000020004" pitchFamily="49" charset="0"/>
-              </a:rPr>
-              <a:t>Psudo</a:t>
-            </a:r>
-            <a:r>
-              <a:rPr lang="en-US" sz="1600" dirty="0">
-                <a:solidFill>
-                  <a:srgbClr val="CE9178"/>
-                </a:solidFill>
-                <a:latin typeface="Fira Code" panose="020B0509050000020004" pitchFamily="49" charset="0"/>
-              </a:rPr>
-              <a:t>-Behavior Verification'</a:t>
+              <a:t>'Pseudo-Behavior Verification'</a:t>
             </a:r>
             <a:r>
               <a:rPr lang="en-US" sz="1600" dirty="0">
@@ -16970,8 +16952,8 @@
         </p:nvSpPr>
         <p:spPr>
           <a:xfrm>
-            <a:off x="2595338" y="3258252"/>
-            <a:ext cx="6227987" cy="1384995"/>
+            <a:off x="273051" y="3258252"/>
+            <a:ext cx="8550274" cy="1384995"/>
           </a:xfrm>
           <a:prstGeom prst="rect">
             <a:avLst/>
@@ -16990,7 +16972,7 @@
           </a:ln>
         </p:spPr>
         <p:txBody>
-          <a:bodyPr wrap="none" rtlCol="0">
+          <a:bodyPr wrap="square" rtlCol="0">
             <a:spAutoFit/>
           </a:bodyPr>
           <a:lstStyle/>
@@ -17014,6 +16996,42 @@
                 <a:latin typeface="Fira Code" panose="020B0509050000020004" pitchFamily="49" charset="0"/>
               </a:rPr>
               <a:t>Invoke-Command</a:t>
+            </a:r>
+            <a:r>
+              <a:rPr lang="en-US" sz="1200" dirty="0">
+                <a:solidFill>
+                  <a:srgbClr val="D4D4D4"/>
+                </a:solidFill>
+                <a:latin typeface="Fira Code" panose="020B0509050000020004" pitchFamily="49" charset="0"/>
+              </a:rPr>
+              <a:t> -</a:t>
+            </a:r>
+            <a:r>
+              <a:rPr lang="en-US" sz="1200" dirty="0" err="1">
+                <a:solidFill>
+                  <a:srgbClr val="D4D4D4"/>
+                </a:solidFill>
+                <a:latin typeface="Fira Code" panose="020B0509050000020004" pitchFamily="49" charset="0"/>
+              </a:rPr>
+              <a:t>ComputerName</a:t>
+            </a:r>
+            <a:r>
+              <a:rPr lang="en-US" sz="1200" dirty="0">
+                <a:solidFill>
+                  <a:srgbClr val="D4D4D4"/>
+                </a:solidFill>
+                <a:latin typeface="Fira Code" panose="020B0509050000020004" pitchFamily="49" charset="0"/>
+              </a:rPr>
+              <a:t> </a:t>
+            </a:r>
+            <a:r>
+              <a:rPr lang="en-US" sz="1200" dirty="0" err="1">
+                <a:solidFill>
+                  <a:srgbClr val="D4D4D4"/>
+                </a:solidFill>
+                <a:latin typeface="Fira Code" panose="020B0509050000020004" pitchFamily="49" charset="0"/>
+              </a:rPr>
+              <a:t>SomeSystem</a:t>
             </a:r>
             <a:r>
               <a:rPr lang="en-US" sz="1200" dirty="0">
@@ -17120,6 +17138,42 @@
                 <a:latin typeface="Fira Code" panose="020B0509050000020004" pitchFamily="49" charset="0"/>
               </a:rPr>
               <a:t>Invoke-Command</a:t>
+            </a:r>
+            <a:r>
+              <a:rPr lang="en-US" sz="1200" dirty="0">
+                <a:solidFill>
+                  <a:srgbClr val="D4D4D4"/>
+                </a:solidFill>
+                <a:latin typeface="Fira Code" panose="020B0509050000020004" pitchFamily="49" charset="0"/>
+              </a:rPr>
+              <a:t> -</a:t>
+            </a:r>
+            <a:r>
+              <a:rPr lang="en-US" sz="1200" dirty="0" err="1">
+                <a:solidFill>
+                  <a:srgbClr val="D4D4D4"/>
+                </a:solidFill>
+                <a:latin typeface="Fira Code" panose="020B0509050000020004" pitchFamily="49" charset="0"/>
+              </a:rPr>
+              <a:t>ComputerName</a:t>
+            </a:r>
+            <a:r>
+              <a:rPr lang="en-US" sz="1200" dirty="0">
+                <a:solidFill>
+                  <a:srgbClr val="D4D4D4"/>
+                </a:solidFill>
+                <a:latin typeface="Fira Code" panose="020B0509050000020004" pitchFamily="49" charset="0"/>
+              </a:rPr>
+              <a:t> </a:t>
+            </a:r>
+            <a:r>
+              <a:rPr lang="en-US" sz="1200" dirty="0" err="1">
+                <a:solidFill>
+                  <a:srgbClr val="D4D4D4"/>
+                </a:solidFill>
+                <a:latin typeface="Fira Code" panose="020B0509050000020004" pitchFamily="49" charset="0"/>
+              </a:rPr>
+              <a:t>SomeSystem</a:t>
             </a:r>
             <a:r>
               <a:rPr lang="en-US" sz="1200" dirty="0">

--- a/Summit2017_Mocking.pptx
+++ b/Summit2017_Mocking.pptx
@@ -241,7 +241,7 @@
             <a:fld id="{96F0360C-9056-C14A-BCFB-ED74D9563C93}" type="datetimeFigureOut">
               <a:rPr lang="en-GB"/>
               <a:pPr/>
-              <a:t>05/04/2017</a:t>
+              <a:t>07/04/2017</a:t>
             </a:fld>
             <a:endParaRPr lang="en-GB"/>
           </a:p>
@@ -409,7 +409,7 @@
             <a:fld id="{A0AC4B9B-ADFA-2B4A-92EC-606ADF46D83E}" type="datetimeFigureOut">
               <a:rPr lang="en-GB"/>
               <a:pPr/>
-              <a:t>05/04/2017</a:t>
+              <a:t>07/04/2017</a:t>
             </a:fld>
             <a:endParaRPr lang="en-GB"/>
           </a:p>
@@ -1622,15 +1622,15 @@
             </a:pPr>
             <a:r>
               <a:rPr lang="en-US" dirty="0"/>
-              <a:t>How about testing a </a:t>
+              <a:t>You can unit test your </a:t>
             </a:r>
             <a:r>
               <a:rPr lang="en-US" dirty="0" err="1"/>
-              <a:t>ScriptBlock</a:t>
+              <a:t>ScriptBlocks</a:t>
             </a:r>
             <a:r>
               <a:rPr lang="en-US" dirty="0"/>
-              <a:t> that you are passing to Invoke-Command</a:t>
+              <a:t> as well</a:t>
             </a:r>
           </a:p>
           <a:p>
@@ -3145,7 +3145,7 @@
           <a:p>
             <a:fld id="{AA9C65CA-C0C5-5647-9B9D-8C41F3BBC317}" type="datetime1">
               <a:rPr lang="en-US" smtClean="0"/>
-              <a:t>4/5/2017</a:t>
+              <a:t>4/7/2017</a:t>
             </a:fld>
             <a:endParaRPr lang="en-GB"/>
           </a:p>
@@ -7580,7 +7580,7 @@
           <a:p>
             <a:fld id="{33A48E83-E413-D242-BBD3-800CC27D9C6D}" type="datetime1">
               <a:rPr lang="en-US" smtClean="0"/>
-              <a:t>4/5/2017</a:t>
+              <a:t>4/7/2017</a:t>
             </a:fld>
             <a:endParaRPr lang="en-GB"/>
           </a:p>
@@ -8363,7 +8363,7 @@
           <a:p>
             <a:fld id="{6AD6EE87-EBD5-4F12-A48A-63ACA297AC8F}" type="datetimeFigureOut">
               <a:rPr lang="en-US" smtClean="0"/>
-              <a:t>4/5/2017</a:t>
+              <a:t>4/7/2017</a:t>
             </a:fld>
             <a:endParaRPr lang="en-US" dirty="0"/>
           </a:p>
@@ -8664,7 +8664,7 @@
           <a:p>
             <a:fld id="{5529F2C3-B841-0047-A63E-7498D1DF6566}" type="datetime1">
               <a:rPr lang="en-US" smtClean="0"/>
-              <a:t>4/5/2017</a:t>
+              <a:t>4/7/2017</a:t>
             </a:fld>
             <a:endParaRPr lang="en-GB"/>
           </a:p>
@@ -9174,7 +9174,7 @@
           <a:p>
             <a:fld id="{A06776DC-7B5D-4A40-B28C-D3FA8A3DADC6}" type="datetime1">
               <a:rPr lang="en-US" smtClean="0"/>
-              <a:t>4/5/2017</a:t>
+              <a:t>4/7/2017</a:t>
             </a:fld>
             <a:endParaRPr lang="en-GB"/>
           </a:p>
@@ -9406,7 +9406,7 @@
           <a:p>
             <a:fld id="{EB764B47-E48A-2B4C-8F0F-00B600CE9930}" type="datetime1">
               <a:rPr lang="en-US" smtClean="0"/>
-              <a:t>4/5/2017</a:t>
+              <a:t>4/7/2017</a:t>
             </a:fld>
             <a:endParaRPr lang="en-GB"/>
           </a:p>
@@ -9715,7 +9715,7 @@
           <a:p>
             <a:fld id="{EBC1EF0D-6E6B-FA48-A207-E1059D751D30}" type="datetime1">
               <a:rPr lang="en-US" smtClean="0"/>
-              <a:t>4/5/2017</a:t>
+              <a:t>4/7/2017</a:t>
             </a:fld>
             <a:endParaRPr lang="en-GB"/>
           </a:p>
@@ -10082,7 +10082,7 @@
           <a:p>
             <a:fld id="{218291B2-557C-0D44-A285-A91C3B6367DF}" type="datetime1">
               <a:rPr lang="en-US" smtClean="0"/>
-              <a:t>4/5/2017</a:t>
+              <a:t>4/7/2017</a:t>
             </a:fld>
             <a:endParaRPr lang="en-GB"/>
           </a:p>
@@ -16559,12 +16559,16 @@
           <a:lstStyle/>
           <a:p>
             <a:r>
-              <a:rPr lang="en-US" dirty="0">
+              <a:rPr lang="en-US" dirty="0" err="1">
                 <a:latin typeface="Interstate-Black"/>
                 <a:cs typeface="Interstate-Black"/>
               </a:rPr>
-              <a:t>Script Blocks</a:t>
-            </a:r>
+              <a:t>ScriptBlocks</a:t>
+            </a:r>
+            <a:endParaRPr lang="en-US" dirty="0">
+              <a:latin typeface="Interstate-Black"/>
+              <a:cs typeface="Interstate-Black"/>
+            </a:endParaRPr>
           </a:p>
         </p:txBody>
       </p:sp>
@@ -16610,350 +16614,7 @@
         <p:spPr>
           <a:xfrm>
             <a:off x="336594" y="946348"/>
-            <a:ext cx="3717684" cy="1938992"/>
-          </a:xfrm>
-          <a:prstGeom prst="rect">
-            <a:avLst/>
-          </a:prstGeom>
-          <a:solidFill>
-            <a:schemeClr val="bg2">
-              <a:lumMod val="50000"/>
-            </a:schemeClr>
-          </a:solidFill>
-          <a:ln w="76200">
-            <a:solidFill>
-              <a:schemeClr val="bg2">
-                <a:lumMod val="50000"/>
-              </a:schemeClr>
-            </a:solidFill>
-          </a:ln>
-        </p:spPr>
-        <p:txBody>
-          <a:bodyPr wrap="none" rtlCol="0">
-            <a:spAutoFit/>
-          </a:bodyPr>
-          <a:lstStyle/>
-          <a:p>
-            <a:r>
-              <a:rPr lang="en-US" sz="1200" dirty="0">
-                <a:solidFill>
-                  <a:srgbClr val="569CD6"/>
-                </a:solidFill>
-                <a:latin typeface="Fira Code" panose="020B0509050000020004" pitchFamily="49" charset="0"/>
-              </a:rPr>
-              <a:t>$</a:t>
-            </a:r>
-            <a:r>
-              <a:rPr lang="en-US" sz="1200" dirty="0" err="1">
-                <a:solidFill>
-                  <a:srgbClr val="9CDCFE"/>
-                </a:solidFill>
-                <a:latin typeface="Fira Code" panose="020B0509050000020004" pitchFamily="49" charset="0"/>
-              </a:rPr>
-              <a:t>scriptblock</a:t>
-            </a:r>
-            <a:r>
-              <a:rPr lang="en-US" sz="1200" dirty="0">
-                <a:solidFill>
-                  <a:srgbClr val="D4D4D4"/>
-                </a:solidFill>
-                <a:latin typeface="Fira Code" panose="020B0509050000020004" pitchFamily="49" charset="0"/>
-              </a:rPr>
-              <a:t> = {</a:t>
-            </a:r>
-            <a:r>
-              <a:rPr lang="en-US" sz="1200" dirty="0" err="1">
-                <a:solidFill>
-                  <a:srgbClr val="C586C0"/>
-                </a:solidFill>
-                <a:latin typeface="Fira Code" panose="020B0509050000020004" pitchFamily="49" charset="0"/>
-              </a:rPr>
-              <a:t>param</a:t>
-            </a:r>
-            <a:r>
-              <a:rPr lang="en-US" sz="1200" dirty="0">
-                <a:solidFill>
-                  <a:srgbClr val="569CD6"/>
-                </a:solidFill>
-                <a:latin typeface="Fira Code" panose="020B0509050000020004" pitchFamily="49" charset="0"/>
-              </a:rPr>
-              <a:t>(</a:t>
-            </a:r>
-            <a:r>
-              <a:rPr lang="en-US" sz="1200" dirty="0">
-                <a:solidFill>
-                  <a:srgbClr val="9CDCFE"/>
-                </a:solidFill>
-                <a:latin typeface="Fira Code" panose="020B0509050000020004" pitchFamily="49" charset="0"/>
-              </a:rPr>
-              <a:t>[bool]</a:t>
-            </a:r>
-            <a:r>
-              <a:rPr lang="en-US" sz="1200" dirty="0">
-                <a:solidFill>
-                  <a:srgbClr val="569CD6"/>
-                </a:solidFill>
-                <a:latin typeface="Fira Code" panose="020B0509050000020004" pitchFamily="49" charset="0"/>
-              </a:rPr>
-              <a:t>$</a:t>
-            </a:r>
-            <a:r>
-              <a:rPr lang="en-US" sz="1200" dirty="0">
-                <a:solidFill>
-                  <a:srgbClr val="9CDCFE"/>
-                </a:solidFill>
-                <a:latin typeface="Fira Code" panose="020B0509050000020004" pitchFamily="49" charset="0"/>
-              </a:rPr>
-              <a:t>testing</a:t>
-            </a:r>
-            <a:r>
-              <a:rPr lang="en-US" sz="1200" dirty="0">
-                <a:solidFill>
-                  <a:srgbClr val="569CD6"/>
-                </a:solidFill>
-                <a:latin typeface="Fira Code" panose="020B0509050000020004" pitchFamily="49" charset="0"/>
-              </a:rPr>
-              <a:t>)</a:t>
-            </a:r>
-            <a:r>
-              <a:rPr lang="en-US" sz="1200" dirty="0">
-                <a:solidFill>
-                  <a:srgbClr val="D4D4D4"/>
-                </a:solidFill>
-                <a:latin typeface="Fira Code" panose="020B0509050000020004" pitchFamily="49" charset="0"/>
-              </a:rPr>
-              <a:t> </a:t>
-            </a:r>
-          </a:p>
-          <a:p>
-            <a:r>
-              <a:rPr lang="en-US" sz="1200" dirty="0">
-                <a:solidFill>
-                  <a:srgbClr val="D4D4D4"/>
-                </a:solidFill>
-                <a:latin typeface="Fira Code" panose="020B0509050000020004" pitchFamily="49" charset="0"/>
-              </a:rPr>
-              <a:t>    </a:t>
-            </a:r>
-            <a:r>
-              <a:rPr lang="en-US" sz="1200" dirty="0">
-                <a:solidFill>
-                  <a:srgbClr val="C586C0"/>
-                </a:solidFill>
-                <a:latin typeface="Fira Code" panose="020B0509050000020004" pitchFamily="49" charset="0"/>
-              </a:rPr>
-              <a:t>if</a:t>
-            </a:r>
-            <a:r>
-              <a:rPr lang="en-US" sz="1200" dirty="0">
-                <a:solidFill>
-                  <a:srgbClr val="D4D4D4"/>
-                </a:solidFill>
-                <a:latin typeface="Fira Code" panose="020B0509050000020004" pitchFamily="49" charset="0"/>
-              </a:rPr>
-              <a:t> </a:t>
-            </a:r>
-            <a:r>
-              <a:rPr lang="en-US" sz="1200" dirty="0">
-                <a:solidFill>
-                  <a:srgbClr val="569CD6"/>
-                </a:solidFill>
-                <a:latin typeface="Fira Code" panose="020B0509050000020004" pitchFamily="49" charset="0"/>
-              </a:rPr>
-              <a:t>($</a:t>
-            </a:r>
-            <a:r>
-              <a:rPr lang="en-US" sz="1200" dirty="0">
-                <a:solidFill>
-                  <a:srgbClr val="9CDCFE"/>
-                </a:solidFill>
-                <a:latin typeface="Fira Code" panose="020B0509050000020004" pitchFamily="49" charset="0"/>
-              </a:rPr>
-              <a:t>testing</a:t>
-            </a:r>
-            <a:r>
-              <a:rPr lang="en-US" sz="1200" dirty="0">
-                <a:solidFill>
-                  <a:srgbClr val="569CD6"/>
-                </a:solidFill>
-                <a:latin typeface="Fira Code" panose="020B0509050000020004" pitchFamily="49" charset="0"/>
-              </a:rPr>
-              <a:t>)</a:t>
-            </a:r>
-            <a:r>
-              <a:rPr lang="en-US" sz="1200" dirty="0">
-                <a:solidFill>
-                  <a:srgbClr val="D4D4D4"/>
-                </a:solidFill>
-                <a:latin typeface="Fira Code" panose="020B0509050000020004" pitchFamily="49" charset="0"/>
-              </a:rPr>
-              <a:t> {</a:t>
-            </a:r>
-          </a:p>
-          <a:p>
-            <a:r>
-              <a:rPr lang="en-US" sz="1200" dirty="0">
-                <a:solidFill>
-                  <a:srgbClr val="D4D4D4"/>
-                </a:solidFill>
-                <a:latin typeface="Fira Code" panose="020B0509050000020004" pitchFamily="49" charset="0"/>
-              </a:rPr>
-              <a:t>        </a:t>
-            </a:r>
-            <a:r>
-              <a:rPr lang="en-US" sz="1200" dirty="0">
-                <a:solidFill>
-                  <a:srgbClr val="DCDCAA"/>
-                </a:solidFill>
-                <a:latin typeface="Fira Code" panose="020B0509050000020004" pitchFamily="49" charset="0"/>
-              </a:rPr>
-              <a:t>Write-Output</a:t>
-            </a:r>
-            <a:r>
-              <a:rPr lang="en-US" sz="1200" dirty="0">
-                <a:solidFill>
-                  <a:srgbClr val="D4D4D4"/>
-                </a:solidFill>
-                <a:latin typeface="Fira Code" panose="020B0509050000020004" pitchFamily="49" charset="0"/>
-              </a:rPr>
-              <a:t> </a:t>
-            </a:r>
-            <a:r>
-              <a:rPr lang="en-US" sz="1200" dirty="0">
-                <a:solidFill>
-                  <a:srgbClr val="CE9178"/>
-                </a:solidFill>
-                <a:latin typeface="Fira Code" panose="020B0509050000020004" pitchFamily="49" charset="0"/>
-              </a:rPr>
-              <a:t>'</a:t>
-            </a:r>
-            <a:r>
-              <a:rPr lang="en-US" sz="1200" dirty="0" err="1">
-                <a:solidFill>
-                  <a:srgbClr val="CE9178"/>
-                </a:solidFill>
-                <a:latin typeface="Fira Code" panose="020B0509050000020004" pitchFamily="49" charset="0"/>
-              </a:rPr>
-              <a:t>TestHostName</a:t>
-            </a:r>
-            <a:r>
-              <a:rPr lang="en-US" sz="1200" dirty="0">
-                <a:solidFill>
-                  <a:srgbClr val="CE9178"/>
-                </a:solidFill>
-                <a:latin typeface="Fira Code" panose="020B0509050000020004" pitchFamily="49" charset="0"/>
-              </a:rPr>
-              <a:t>'</a:t>
-            </a:r>
-            <a:endParaRPr lang="en-US" sz="1200" dirty="0">
-              <a:solidFill>
-                <a:srgbClr val="D4D4D4"/>
-              </a:solidFill>
-              <a:latin typeface="Fira Code" panose="020B0509050000020004" pitchFamily="49" charset="0"/>
-            </a:endParaRPr>
-          </a:p>
-          <a:p>
-            <a:r>
-              <a:rPr lang="en-US" sz="1200" dirty="0">
-                <a:solidFill>
-                  <a:srgbClr val="D4D4D4"/>
-                </a:solidFill>
-                <a:latin typeface="Fira Code" panose="020B0509050000020004" pitchFamily="49" charset="0"/>
-              </a:rPr>
-              <a:t>    }</a:t>
-            </a:r>
-          </a:p>
-          <a:p>
-            <a:r>
-              <a:rPr lang="en-US" sz="1200" dirty="0">
-                <a:solidFill>
-                  <a:srgbClr val="D4D4D4"/>
-                </a:solidFill>
-                <a:latin typeface="Fira Code" panose="020B0509050000020004" pitchFamily="49" charset="0"/>
-              </a:rPr>
-              <a:t>    </a:t>
-            </a:r>
-            <a:r>
-              <a:rPr lang="en-US" sz="1200" dirty="0">
-                <a:solidFill>
-                  <a:srgbClr val="C586C0"/>
-                </a:solidFill>
-                <a:latin typeface="Fira Code" panose="020B0509050000020004" pitchFamily="49" charset="0"/>
-              </a:rPr>
-              <a:t>else</a:t>
-            </a:r>
-            <a:r>
-              <a:rPr lang="en-US" sz="1200" dirty="0">
-                <a:solidFill>
-                  <a:srgbClr val="D4D4D4"/>
-                </a:solidFill>
-                <a:latin typeface="Fira Code" panose="020B0509050000020004" pitchFamily="49" charset="0"/>
-              </a:rPr>
-              <a:t> {</a:t>
-            </a:r>
-          </a:p>
-          <a:p>
-            <a:r>
-              <a:rPr lang="en-US" sz="1200" dirty="0">
-                <a:solidFill>
-                  <a:srgbClr val="D4D4D4"/>
-                </a:solidFill>
-                <a:latin typeface="Fira Code" panose="020B0509050000020004" pitchFamily="49" charset="0"/>
-              </a:rPr>
-              <a:t>        HOSTNAME</a:t>
-            </a:r>
-          </a:p>
-          <a:p>
-            <a:r>
-              <a:rPr lang="en-US" sz="1200" dirty="0">
-                <a:solidFill>
-                  <a:srgbClr val="D4D4D4"/>
-                </a:solidFill>
-                <a:latin typeface="Fira Code" panose="020B0509050000020004" pitchFamily="49" charset="0"/>
-              </a:rPr>
-              <a:t>    }</a:t>
-            </a:r>
-          </a:p>
-          <a:p>
-            <a:r>
-              <a:rPr lang="en-US" sz="1200" dirty="0">
-                <a:solidFill>
-                  <a:srgbClr val="D4D4D4"/>
-                </a:solidFill>
-                <a:latin typeface="Fira Code" panose="020B0509050000020004" pitchFamily="49" charset="0"/>
-              </a:rPr>
-              <a:t>}</a:t>
-            </a:r>
-          </a:p>
-          <a:p>
-            <a:br>
-              <a:rPr lang="en-US" sz="1200" dirty="0">
-                <a:solidFill>
-                  <a:srgbClr val="D4D4D4"/>
-                </a:solidFill>
-                <a:latin typeface="Fira Code" panose="020B0509050000020004" pitchFamily="49" charset="0"/>
-              </a:rPr>
-            </a:br>
-            <a:endParaRPr lang="en-US" sz="1200" b="0" dirty="0">
-              <a:solidFill>
-                <a:srgbClr val="D4D4D4"/>
-              </a:solidFill>
-              <a:effectLst/>
-              <a:latin typeface="Fira Code" panose="020B0509050000020004" pitchFamily="49" charset="0"/>
-            </a:endParaRPr>
-          </a:p>
-        </p:txBody>
-      </p:sp>
-      <p:sp>
-        <p:nvSpPr>
-          <p:cNvPr id="11" name="TextBox 10"/>
-          <p:cNvSpPr txBox="1"/>
-          <p:nvPr/>
-        </p:nvSpPr>
-        <p:spPr>
-          <a:xfrm>
-            <a:off x="273051" y="3258252"/>
-            <a:ext cx="8550274" cy="1384995"/>
+            <a:ext cx="6100420" cy="2492990"/>
           </a:xfrm>
           <a:prstGeom prst="rect">
             <a:avLst/>
@@ -16980,14 +16641,68 @@
             <a:r>
               <a:rPr lang="en-US" sz="1200" dirty="0">
                 <a:solidFill>
-                  <a:schemeClr val="bg1">
-                    <a:lumMod val="65000"/>
-                  </a:schemeClr>
-                </a:solidFill>
-                <a:latin typeface="Fira Code" panose="020B0509050000020004" pitchFamily="49" charset="0"/>
-              </a:rPr>
-              <a:t>PS &gt; </a:t>
-            </a:r>
+                  <a:srgbClr val="569CD6"/>
+                </a:solidFill>
+                <a:latin typeface="Fira Code" panose="020B0509050000020004" pitchFamily="49" charset="0"/>
+              </a:rPr>
+              <a:t>$</a:t>
+            </a:r>
+            <a:r>
+              <a:rPr lang="en-US" sz="1200" dirty="0" err="1">
+                <a:solidFill>
+                  <a:srgbClr val="9CDCFE"/>
+                </a:solidFill>
+                <a:latin typeface="Fira Code" panose="020B0509050000020004" pitchFamily="49" charset="0"/>
+              </a:rPr>
+              <a:t>scriptblock</a:t>
+            </a:r>
+            <a:r>
+              <a:rPr lang="en-US" sz="1200" dirty="0">
+                <a:solidFill>
+                  <a:srgbClr val="D4D4D4"/>
+                </a:solidFill>
+                <a:latin typeface="Fira Code" panose="020B0509050000020004" pitchFamily="49" charset="0"/>
+              </a:rPr>
+              <a:t> = </a:t>
+            </a:r>
+            <a:r>
+              <a:rPr lang="en-US" sz="1200" dirty="0">
+                <a:solidFill>
+                  <a:srgbClr val="9CDCFE"/>
+                </a:solidFill>
+                <a:latin typeface="Fira Code" panose="020B0509050000020004" pitchFamily="49" charset="0"/>
+              </a:rPr>
+              <a:t>[</a:t>
+            </a:r>
+            <a:r>
+              <a:rPr lang="en-US" sz="1200" dirty="0" err="1">
+                <a:solidFill>
+                  <a:srgbClr val="9CDCFE"/>
+                </a:solidFill>
+                <a:latin typeface="Fira Code" panose="020B0509050000020004" pitchFamily="49" charset="0"/>
+              </a:rPr>
+              <a:t>scriptblock</a:t>
+            </a:r>
+            <a:r>
+              <a:rPr lang="en-US" sz="1200" dirty="0">
+                <a:solidFill>
+                  <a:srgbClr val="9CDCFE"/>
+                </a:solidFill>
+                <a:latin typeface="Fira Code" panose="020B0509050000020004" pitchFamily="49" charset="0"/>
+              </a:rPr>
+              <a:t>]</a:t>
+            </a:r>
+            <a:r>
+              <a:rPr lang="en-US" sz="1200" dirty="0">
+                <a:solidFill>
+                  <a:srgbClr val="D4D4D4"/>
+                </a:solidFill>
+                <a:latin typeface="Fira Code" panose="020B0509050000020004" pitchFamily="49" charset="0"/>
+              </a:rPr>
+              <a:t>{</a:t>
+            </a:r>
+          </a:p>
+          <a:p>
             <a:r>
               <a:rPr lang="en-US" sz="1200" dirty="0">
                 <a:solidFill>
@@ -16995,88 +16710,7 @@
                 </a:solidFill>
                 <a:latin typeface="Fira Code" panose="020B0509050000020004" pitchFamily="49" charset="0"/>
               </a:rPr>
-              <a:t>Invoke-Command</a:t>
-            </a:r>
-            <a:r>
-              <a:rPr lang="en-US" sz="1200" dirty="0">
-                <a:solidFill>
-                  <a:srgbClr val="D4D4D4"/>
-                </a:solidFill>
-                <a:latin typeface="Fira Code" panose="020B0509050000020004" pitchFamily="49" charset="0"/>
-              </a:rPr>
-              <a:t> -</a:t>
-            </a:r>
-            <a:r>
-              <a:rPr lang="en-US" sz="1200" dirty="0" err="1">
-                <a:solidFill>
-                  <a:srgbClr val="D4D4D4"/>
-                </a:solidFill>
-                <a:latin typeface="Fira Code" panose="020B0509050000020004" pitchFamily="49" charset="0"/>
-              </a:rPr>
-              <a:t>ComputerName</a:t>
-            </a:r>
-            <a:r>
-              <a:rPr lang="en-US" sz="1200" dirty="0">
-                <a:solidFill>
-                  <a:srgbClr val="D4D4D4"/>
-                </a:solidFill>
-                <a:latin typeface="Fira Code" panose="020B0509050000020004" pitchFamily="49" charset="0"/>
-              </a:rPr>
-              <a:t> </a:t>
-            </a:r>
-            <a:r>
-              <a:rPr lang="en-US" sz="1200" dirty="0" err="1">
-                <a:solidFill>
-                  <a:srgbClr val="D4D4D4"/>
-                </a:solidFill>
-                <a:latin typeface="Fira Code" panose="020B0509050000020004" pitchFamily="49" charset="0"/>
-              </a:rPr>
-              <a:t>SomeSystem</a:t>
-            </a:r>
-            <a:r>
-              <a:rPr lang="en-US" sz="1200" dirty="0">
-                <a:solidFill>
-                  <a:srgbClr val="D4D4D4"/>
-                </a:solidFill>
-                <a:latin typeface="Fira Code" panose="020B0509050000020004" pitchFamily="49" charset="0"/>
-              </a:rPr>
-              <a:t> -</a:t>
-            </a:r>
-            <a:r>
-              <a:rPr lang="en-US" sz="1200" dirty="0" err="1">
-                <a:solidFill>
-                  <a:srgbClr val="D4D4D4"/>
-                </a:solidFill>
-                <a:latin typeface="Fira Code" panose="020B0509050000020004" pitchFamily="49" charset="0"/>
-              </a:rPr>
-              <a:t>ScriptBlock</a:t>
-            </a:r>
-            <a:r>
-              <a:rPr lang="en-US" sz="1200" dirty="0">
-                <a:solidFill>
-                  <a:srgbClr val="D4D4D4"/>
-                </a:solidFill>
-                <a:latin typeface="Fira Code" panose="020B0509050000020004" pitchFamily="49" charset="0"/>
-              </a:rPr>
-              <a:t> </a:t>
-            </a:r>
-            <a:r>
-              <a:rPr lang="en-US" sz="1200" dirty="0">
-                <a:solidFill>
-                  <a:srgbClr val="569CD6"/>
-                </a:solidFill>
-                <a:latin typeface="Fira Code" panose="020B0509050000020004" pitchFamily="49" charset="0"/>
-              </a:rPr>
-              <a:t>$</a:t>
-            </a:r>
-            <a:r>
-              <a:rPr lang="en-US" sz="1200" dirty="0" err="1">
-                <a:solidFill>
-                  <a:srgbClr val="9CDCFE"/>
-                </a:solidFill>
-                <a:latin typeface="Fira Code" panose="020B0509050000020004" pitchFamily="49" charset="0"/>
-              </a:rPr>
-              <a:t>scriptblock</a:t>
+              <a:t>	Get-Process</a:t>
             </a:r>
             <a:endParaRPr lang="en-US" sz="1200" dirty="0">
               <a:solidFill>
@@ -17086,49 +16720,88 @@
             </a:endParaRPr>
           </a:p>
           <a:p>
-            <a:endParaRPr lang="en-US" sz="1200" dirty="0">
-              <a:solidFill>
-                <a:schemeClr val="bg1">
-                  <a:lumMod val="65000"/>
-                </a:schemeClr>
-              </a:solidFill>
-              <a:latin typeface="Fira Code" panose="020B0509050000020004" pitchFamily="49" charset="0"/>
-            </a:endParaRPr>
-          </a:p>
-          <a:p>
-            <a:r>
-              <a:rPr lang="en-US" sz="1200" dirty="0">
-                <a:solidFill>
-                  <a:schemeClr val="bg1">
-                    <a:lumMod val="65000"/>
-                  </a:schemeClr>
-                </a:solidFill>
-                <a:latin typeface="Fira Code" panose="020B0509050000020004" pitchFamily="49" charset="0"/>
-              </a:rPr>
-              <a:t>HACKWORTH</a:t>
-            </a:r>
-          </a:p>
-          <a:p>
-            <a:endParaRPr lang="en-US" sz="1200" dirty="0">
-              <a:solidFill>
-                <a:schemeClr val="bg1">
-                  <a:lumMod val="65000"/>
-                </a:schemeClr>
-              </a:solidFill>
-              <a:latin typeface="Fira Code" panose="020B0509050000020004" pitchFamily="49" charset="0"/>
-            </a:endParaRPr>
-          </a:p>
-          <a:p>
-            <a:r>
-              <a:rPr lang="en-US" sz="1200" dirty="0">
-                <a:solidFill>
-                  <a:schemeClr val="bg1">
-                    <a:lumMod val="65000"/>
-                  </a:schemeClr>
-                </a:solidFill>
-                <a:latin typeface="Fira Code" panose="020B0509050000020004" pitchFamily="49" charset="0"/>
-              </a:rPr>
-              <a:t>PS &gt; </a:t>
+            <a:r>
+              <a:rPr lang="en-US" sz="1200" dirty="0">
+                <a:solidFill>
+                  <a:srgbClr val="D4D4D4"/>
+                </a:solidFill>
+                <a:latin typeface="Fira Code" panose="020B0509050000020004" pitchFamily="49" charset="0"/>
+              </a:rPr>
+              <a:t>}</a:t>
+            </a:r>
+          </a:p>
+          <a:p>
+            <a:br>
+              <a:rPr lang="en-US" sz="1200" dirty="0">
+                <a:solidFill>
+                  <a:srgbClr val="D4D4D4"/>
+                </a:solidFill>
+                <a:latin typeface="Fira Code" panose="020B0509050000020004" pitchFamily="49" charset="0"/>
+              </a:rPr>
+            </a:br>
+            <a:r>
+              <a:rPr lang="en-US" sz="1200" dirty="0">
+                <a:solidFill>
+                  <a:srgbClr val="D4D4D4"/>
+                </a:solidFill>
+                <a:latin typeface="Fira Code" panose="020B0509050000020004" pitchFamily="49" charset="0"/>
+              </a:rPr>
+              <a:t>Describe </a:t>
+            </a:r>
+            <a:r>
+              <a:rPr lang="en-US" sz="1200" dirty="0">
+                <a:solidFill>
+                  <a:srgbClr val="CE9178"/>
+                </a:solidFill>
+                <a:latin typeface="Fira Code" panose="020B0509050000020004" pitchFamily="49" charset="0"/>
+              </a:rPr>
+              <a:t>'</a:t>
+            </a:r>
+            <a:r>
+              <a:rPr lang="en-US" sz="1200" dirty="0" err="1">
+                <a:solidFill>
+                  <a:srgbClr val="CE9178"/>
+                </a:solidFill>
+                <a:latin typeface="Fira Code" panose="020B0509050000020004" pitchFamily="49" charset="0"/>
+              </a:rPr>
+              <a:t>ScriptBlock</a:t>
+            </a:r>
+            <a:r>
+              <a:rPr lang="en-US" sz="1200" dirty="0">
+                <a:solidFill>
+                  <a:srgbClr val="CE9178"/>
+                </a:solidFill>
+                <a:latin typeface="Fira Code" panose="020B0509050000020004" pitchFamily="49" charset="0"/>
+              </a:rPr>
+              <a:t>'</a:t>
+            </a:r>
+            <a:r>
+              <a:rPr lang="en-US" sz="1200" dirty="0">
+                <a:solidFill>
+                  <a:srgbClr val="D4D4D4"/>
+                </a:solidFill>
+                <a:latin typeface="Fira Code" panose="020B0509050000020004" pitchFamily="49" charset="0"/>
+              </a:rPr>
+              <a:t> {</a:t>
+            </a:r>
+          </a:p>
+          <a:p>
+            <a:br>
+              <a:rPr lang="en-US" sz="1200" dirty="0">
+                <a:solidFill>
+                  <a:srgbClr val="D4D4D4"/>
+                </a:solidFill>
+                <a:latin typeface="Fira Code" panose="020B0509050000020004" pitchFamily="49" charset="0"/>
+              </a:rPr>
+            </a:br>
+            <a:r>
+              <a:rPr lang="en-US" sz="1200" dirty="0">
+                <a:solidFill>
+                  <a:srgbClr val="D4D4D4"/>
+                </a:solidFill>
+                <a:latin typeface="Fira Code" panose="020B0509050000020004" pitchFamily="49" charset="0"/>
+              </a:rPr>
+              <a:t>	Mock </a:t>
             </a:r>
             <a:r>
               <a:rPr lang="en-US" sz="1200" dirty="0">
@@ -17137,70 +16810,127 @@
                 </a:solidFill>
                 <a:latin typeface="Fira Code" panose="020B0509050000020004" pitchFamily="49" charset="0"/>
               </a:rPr>
-              <a:t>Invoke-Command</a:t>
-            </a:r>
-            <a:r>
-              <a:rPr lang="en-US" sz="1200" dirty="0">
-                <a:solidFill>
-                  <a:srgbClr val="D4D4D4"/>
-                </a:solidFill>
-                <a:latin typeface="Fira Code" panose="020B0509050000020004" pitchFamily="49" charset="0"/>
-              </a:rPr>
-              <a:t> -</a:t>
+              <a:t>Get-Process</a:t>
+            </a:r>
+            <a:r>
+              <a:rPr lang="en-US" sz="1200" dirty="0">
+                <a:solidFill>
+                  <a:srgbClr val="D4D4D4"/>
+                </a:solidFill>
+                <a:latin typeface="Fira Code" panose="020B0509050000020004" pitchFamily="49" charset="0"/>
+              </a:rPr>
+              <a:t> {</a:t>
+            </a:r>
+            <a:r>
+              <a:rPr lang="en-US" sz="1200" dirty="0">
+                <a:solidFill>
+                  <a:srgbClr val="CE9178"/>
+                </a:solidFill>
+                <a:latin typeface="Fira Code" panose="020B0509050000020004" pitchFamily="49" charset="0"/>
+              </a:rPr>
+              <a:t>'Mocked PS'</a:t>
+            </a:r>
+            <a:r>
+              <a:rPr lang="en-US" sz="1200" dirty="0">
+                <a:solidFill>
+                  <a:srgbClr val="D4D4D4"/>
+                </a:solidFill>
+                <a:latin typeface="Fira Code" panose="020B0509050000020004" pitchFamily="49" charset="0"/>
+              </a:rPr>
+              <a:t>}</a:t>
+            </a:r>
+          </a:p>
+          <a:p>
+            <a:br>
+              <a:rPr lang="en-US" sz="1200" dirty="0">
+                <a:solidFill>
+                  <a:srgbClr val="D4D4D4"/>
+                </a:solidFill>
+                <a:latin typeface="Fira Code" panose="020B0509050000020004" pitchFamily="49" charset="0"/>
+              </a:rPr>
+            </a:br>
+            <a:r>
+              <a:rPr lang="en-US" sz="1200" dirty="0">
+                <a:solidFill>
+                  <a:srgbClr val="D4D4D4"/>
+                </a:solidFill>
+                <a:latin typeface="Fira Code" panose="020B0509050000020004" pitchFamily="49" charset="0"/>
+              </a:rPr>
+              <a:t>	It </a:t>
+            </a:r>
+            <a:r>
+              <a:rPr lang="en-US" sz="1200" dirty="0">
+                <a:solidFill>
+                  <a:srgbClr val="CE9178"/>
+                </a:solidFill>
+                <a:latin typeface="Fira Code" panose="020B0509050000020004" pitchFamily="49" charset="0"/>
+              </a:rPr>
+              <a:t>'Should Mock Get-Process'</a:t>
+            </a:r>
+            <a:r>
+              <a:rPr lang="en-US" sz="1200" dirty="0">
+                <a:solidFill>
+                  <a:srgbClr val="D4D4D4"/>
+                </a:solidFill>
+                <a:latin typeface="Fira Code" panose="020B0509050000020004" pitchFamily="49" charset="0"/>
+              </a:rPr>
+              <a:t> {</a:t>
+            </a:r>
+          </a:p>
+          <a:p>
+            <a:r>
+              <a:rPr lang="en-US" sz="1200" dirty="0">
+                <a:solidFill>
+                  <a:srgbClr val="569CD6"/>
+                </a:solidFill>
+                <a:latin typeface="Fira Code" panose="020B0509050000020004" pitchFamily="49" charset="0"/>
+              </a:rPr>
+              <a:t>		$</a:t>
+            </a:r>
+            <a:r>
+              <a:rPr lang="en-US" sz="1200" dirty="0">
+                <a:solidFill>
+                  <a:srgbClr val="9CDCFE"/>
+                </a:solidFill>
+                <a:latin typeface="Fira Code" panose="020B0509050000020004" pitchFamily="49" charset="0"/>
+              </a:rPr>
+              <a:t>results</a:t>
+            </a:r>
+            <a:r>
+              <a:rPr lang="en-US" sz="1200" dirty="0">
+                <a:solidFill>
+                  <a:srgbClr val="D4D4D4"/>
+                </a:solidFill>
+                <a:latin typeface="Fira Code" panose="020B0509050000020004" pitchFamily="49" charset="0"/>
+              </a:rPr>
+              <a:t> = </a:t>
+            </a:r>
+            <a:r>
+              <a:rPr lang="en-US" sz="1200" dirty="0">
+                <a:solidFill>
+                  <a:srgbClr val="569CD6"/>
+                </a:solidFill>
+                <a:latin typeface="Fira Code" panose="020B0509050000020004" pitchFamily="49" charset="0"/>
+              </a:rPr>
+              <a:t>$</a:t>
             </a:r>
             <a:r>
               <a:rPr lang="en-US" sz="1200" dirty="0" err="1">
                 <a:solidFill>
-                  <a:srgbClr val="D4D4D4"/>
-                </a:solidFill>
-                <a:latin typeface="Fira Code" panose="020B0509050000020004" pitchFamily="49" charset="0"/>
-              </a:rPr>
-              <a:t>ComputerName</a:t>
-            </a:r>
-            <a:r>
-              <a:rPr lang="en-US" sz="1200" dirty="0">
-                <a:solidFill>
-                  <a:srgbClr val="D4D4D4"/>
-                </a:solidFill>
-                <a:latin typeface="Fira Code" panose="020B0509050000020004" pitchFamily="49" charset="0"/>
-              </a:rPr>
-              <a:t> </a:t>
+                  <a:srgbClr val="9CDCFE"/>
+                </a:solidFill>
+                <a:latin typeface="Fira Code" panose="020B0509050000020004" pitchFamily="49" charset="0"/>
+              </a:rPr>
+              <a:t>scriptblock</a:t>
             </a:r>
             <a:r>
               <a:rPr lang="en-US" sz="1200" dirty="0" err="1">
                 <a:solidFill>
-                  <a:srgbClr val="D4D4D4"/>
-                </a:solidFill>
-                <a:latin typeface="Fira Code" panose="020B0509050000020004" pitchFamily="49" charset="0"/>
-              </a:rPr>
-              <a:t>SomeSystem</a:t>
-            </a:r>
-            <a:r>
-              <a:rPr lang="en-US" sz="1200" dirty="0">
-                <a:solidFill>
-                  <a:srgbClr val="D4D4D4"/>
-                </a:solidFill>
-                <a:latin typeface="Fira Code" panose="020B0509050000020004" pitchFamily="49" charset="0"/>
-              </a:rPr>
-              <a:t> -</a:t>
-            </a:r>
-            <a:r>
-              <a:rPr lang="en-US" sz="1200" dirty="0" err="1">
-                <a:solidFill>
-                  <a:srgbClr val="D4D4D4"/>
-                </a:solidFill>
-                <a:latin typeface="Fira Code" panose="020B0509050000020004" pitchFamily="49" charset="0"/>
-              </a:rPr>
-              <a:t>ScriptBlock</a:t>
-            </a:r>
-            <a:r>
-              <a:rPr lang="en-US" sz="1200" dirty="0">
-                <a:solidFill>
-                  <a:srgbClr val="D4D4D4"/>
-                </a:solidFill>
-                <a:latin typeface="Fira Code" panose="020B0509050000020004" pitchFamily="49" charset="0"/>
-              </a:rPr>
-              <a:t> </a:t>
+                  <a:srgbClr val="DCDCAA"/>
+                </a:solidFill>
+                <a:latin typeface="Fira Code" panose="020B0509050000020004" pitchFamily="49" charset="0"/>
+              </a:rPr>
+              <a:t>.Invoke</a:t>
             </a:r>
             <a:r>
               <a:rPr lang="en-US" sz="1200" dirty="0">
@@ -17209,52 +16939,7 @@
                 </a:solidFill>
                 <a:latin typeface="Fira Code" panose="020B0509050000020004" pitchFamily="49" charset="0"/>
               </a:rPr>
-              <a:t>$</a:t>
-            </a:r>
-            <a:r>
-              <a:rPr lang="en-US" sz="1200" dirty="0" err="1">
-                <a:solidFill>
-                  <a:srgbClr val="9CDCFE"/>
-                </a:solidFill>
-                <a:latin typeface="Fira Code" panose="020B0509050000020004" pitchFamily="49" charset="0"/>
-              </a:rPr>
-              <a:t>scriptblock</a:t>
-            </a:r>
-            <a:r>
-              <a:rPr lang="en-US" sz="1200" dirty="0">
-                <a:solidFill>
-                  <a:srgbClr val="D4D4D4"/>
-                </a:solidFill>
-                <a:latin typeface="Fira Code" panose="020B0509050000020004" pitchFamily="49" charset="0"/>
-              </a:rPr>
-              <a:t> -</a:t>
-            </a:r>
-            <a:r>
-              <a:rPr lang="en-US" sz="1200" dirty="0" err="1">
-                <a:solidFill>
-                  <a:srgbClr val="D4D4D4"/>
-                </a:solidFill>
-                <a:latin typeface="Fira Code" panose="020B0509050000020004" pitchFamily="49" charset="0"/>
-              </a:rPr>
-              <a:t>ArgumentList</a:t>
-            </a:r>
-            <a:r>
-              <a:rPr lang="en-US" sz="1200" dirty="0">
-                <a:solidFill>
-                  <a:srgbClr val="D4D4D4"/>
-                </a:solidFill>
-                <a:latin typeface="Fira Code" panose="020B0509050000020004" pitchFamily="49" charset="0"/>
-              </a:rPr>
-              <a:t> </a:t>
-            </a:r>
-            <a:r>
-              <a:rPr lang="en-US" sz="1200" dirty="0">
-                <a:solidFill>
-                  <a:srgbClr val="569CD6"/>
-                </a:solidFill>
-                <a:latin typeface="Fira Code" panose="020B0509050000020004" pitchFamily="49" charset="0"/>
-              </a:rPr>
-              <a:t>$true</a:t>
+              <a:t>()</a:t>
             </a:r>
             <a:endParaRPr lang="en-US" sz="1200" dirty="0">
               <a:solidFill>
@@ -17264,35 +16949,202 @@
             </a:endParaRPr>
           </a:p>
           <a:p>
+            <a:r>
+              <a:rPr lang="en-US" sz="1200" dirty="0">
+                <a:solidFill>
+                  <a:srgbClr val="DCDCAA"/>
+                </a:solidFill>
+                <a:latin typeface="Fira Code" panose="020B0509050000020004" pitchFamily="49" charset="0"/>
+              </a:rPr>
+              <a:t>		Assert-</a:t>
+            </a:r>
+            <a:r>
+              <a:rPr lang="en-US" sz="1200" dirty="0" err="1">
+                <a:solidFill>
+                  <a:srgbClr val="DCDCAA"/>
+                </a:solidFill>
+                <a:latin typeface="Fira Code" panose="020B0509050000020004" pitchFamily="49" charset="0"/>
+              </a:rPr>
+              <a:t>MockCalled</a:t>
+            </a:r>
+            <a:r>
+              <a:rPr lang="en-US" sz="1200" dirty="0">
+                <a:solidFill>
+                  <a:srgbClr val="D4D4D4"/>
+                </a:solidFill>
+                <a:latin typeface="Fira Code" panose="020B0509050000020004" pitchFamily="49" charset="0"/>
+              </a:rPr>
+              <a:t> </a:t>
+            </a:r>
+            <a:r>
+              <a:rPr lang="en-US" sz="1200" dirty="0">
+                <a:solidFill>
+                  <a:srgbClr val="DCDCAA"/>
+                </a:solidFill>
+                <a:latin typeface="Fira Code" panose="020B0509050000020004" pitchFamily="49" charset="0"/>
+              </a:rPr>
+              <a:t>Get-Process</a:t>
+            </a:r>
+            <a:r>
+              <a:rPr lang="en-US" sz="1200" dirty="0">
+                <a:solidFill>
+                  <a:srgbClr val="D4D4D4"/>
+                </a:solidFill>
+                <a:latin typeface="Fira Code" panose="020B0509050000020004" pitchFamily="49" charset="0"/>
+              </a:rPr>
+              <a:t> -Times </a:t>
+            </a:r>
+            <a:r>
+              <a:rPr lang="en-US" sz="1200" dirty="0">
+                <a:solidFill>
+                  <a:srgbClr val="B5CEA8"/>
+                </a:solidFill>
+                <a:latin typeface="Fira Code" panose="020B0509050000020004" pitchFamily="49" charset="0"/>
+              </a:rPr>
+              <a:t>1</a:t>
+            </a:r>
             <a:endParaRPr lang="en-US" sz="1200" dirty="0">
               <a:solidFill>
-                <a:schemeClr val="bg1">
-                  <a:lumMod val="65000"/>
-                </a:schemeClr>
+                <a:srgbClr val="D4D4D4"/>
               </a:solidFill>
               <a:latin typeface="Fira Code" panose="020B0509050000020004" pitchFamily="49" charset="0"/>
             </a:endParaRPr>
           </a:p>
           <a:p>
             <a:r>
-              <a:rPr lang="en-US" sz="1200" dirty="0" err="1">
-                <a:solidFill>
-                  <a:schemeClr val="bg1">
-                    <a:lumMod val="65000"/>
-                  </a:schemeClr>
-                </a:solidFill>
-                <a:latin typeface="Fira Code" panose="020B0509050000020004" pitchFamily="49" charset="0"/>
-              </a:rPr>
-              <a:t>TestHostName</a:t>
-            </a:r>
-            <a:endParaRPr lang="en-US" sz="1200" dirty="0">
+              <a:rPr lang="en-US" sz="1200" dirty="0">
+                <a:solidFill>
+                  <a:srgbClr val="D4D4D4"/>
+                </a:solidFill>
+                <a:latin typeface="Fira Code" panose="020B0509050000020004" pitchFamily="49" charset="0"/>
+              </a:rPr>
+              <a:t>	}</a:t>
+            </a:r>
+          </a:p>
+          <a:p>
+            <a:r>
+              <a:rPr lang="en-US" sz="1200" dirty="0">
+                <a:solidFill>
+                  <a:srgbClr val="D4D4D4"/>
+                </a:solidFill>
+                <a:latin typeface="Fira Code" panose="020B0509050000020004" pitchFamily="49" charset="0"/>
+              </a:rPr>
+              <a:t>}</a:t>
+            </a:r>
+            <a:endParaRPr lang="en-US" sz="1200" b="0" dirty="0">
               <a:solidFill>
-                <a:schemeClr val="bg1">
-                  <a:lumMod val="65000"/>
-                </a:schemeClr>
+                <a:srgbClr val="D4D4D4"/>
               </a:solidFill>
+              <a:effectLst/>
               <a:latin typeface="Fira Code" panose="020B0509050000020004" pitchFamily="49" charset="0"/>
             </a:endParaRPr>
+          </a:p>
+        </p:txBody>
+      </p:sp>
+      <p:sp>
+        <p:nvSpPr>
+          <p:cNvPr id="7" name="Content Placeholder 16"/>
+          <p:cNvSpPr>
+            <a:spLocks noGrp="1"/>
+          </p:cNvSpPr>
+          <p:nvPr>
+            <p:ph sz="quarter" idx="18"/>
+          </p:nvPr>
+        </p:nvSpPr>
+        <p:spPr>
+          <a:xfrm>
+            <a:off x="3299600" y="3879537"/>
+            <a:ext cx="4911894" cy="480656"/>
+          </a:xfrm>
+          <a:solidFill>
+            <a:schemeClr val="bg2">
+              <a:lumMod val="50000"/>
+            </a:schemeClr>
+          </a:solidFill>
+          <a:ln w="76200">
+            <a:solidFill>
+              <a:schemeClr val="bg2">
+                <a:lumMod val="50000"/>
+              </a:schemeClr>
+            </a:solidFill>
+          </a:ln>
+        </p:spPr>
+        <p:txBody>
+          <a:bodyPr>
+            <a:normAutofit/>
+          </a:bodyPr>
+          <a:lstStyle/>
+          <a:p>
+            <a:pPr>
+              <a:lnSpc>
+                <a:spcPct val="100000"/>
+              </a:lnSpc>
+              <a:spcBef>
+                <a:spcPts val="0"/>
+              </a:spcBef>
+            </a:pPr>
+            <a:r>
+              <a:rPr lang="en-US" sz="1200" dirty="0">
+                <a:solidFill>
+                  <a:srgbClr val="197552"/>
+                </a:solidFill>
+                <a:latin typeface="Fira Code" panose="020B0509050000020004" pitchFamily="49" charset="0"/>
+                <a:ea typeface="Fira Code" panose="020B0509050000020004" pitchFamily="49" charset="0"/>
+              </a:rPr>
+              <a:t>Describing </a:t>
+            </a:r>
+            <a:r>
+              <a:rPr lang="en-US" sz="1200" dirty="0" err="1">
+                <a:solidFill>
+                  <a:srgbClr val="197552"/>
+                </a:solidFill>
+                <a:latin typeface="Fira Code" panose="020B0509050000020004" pitchFamily="49" charset="0"/>
+                <a:ea typeface="Fira Code" panose="020B0509050000020004" pitchFamily="49" charset="0"/>
+              </a:rPr>
+              <a:t>ScriptBlock</a:t>
+            </a:r>
+            <a:r>
+              <a:rPr lang="en-US" sz="1200" dirty="0">
+                <a:solidFill>
+                  <a:srgbClr val="197552"/>
+                </a:solidFill>
+                <a:latin typeface="Fira Code" panose="020B0509050000020004" pitchFamily="49" charset="0"/>
+                <a:ea typeface="Fira Code" panose="020B0509050000020004" pitchFamily="49" charset="0"/>
+              </a:rPr>
+              <a:t>  [+] </a:t>
+            </a:r>
+          </a:p>
+          <a:p>
+            <a:pPr>
+              <a:lnSpc>
+                <a:spcPct val="100000"/>
+              </a:lnSpc>
+              <a:spcBef>
+                <a:spcPts val="0"/>
+              </a:spcBef>
+            </a:pPr>
+            <a:r>
+              <a:rPr lang="en-US" sz="1200" dirty="0">
+                <a:solidFill>
+                  <a:srgbClr val="197552"/>
+                </a:solidFill>
+                <a:latin typeface="Fira Code" panose="020B0509050000020004" pitchFamily="49" charset="0"/>
+                <a:ea typeface="Fira Code" panose="020B0509050000020004" pitchFamily="49" charset="0"/>
+              </a:rPr>
+              <a:t>	Should Mock Get-Process </a:t>
+            </a:r>
+            <a:r>
+              <a:rPr lang="en-US" sz="1200" dirty="0">
+                <a:solidFill>
+                  <a:schemeClr val="bg1">
+                    <a:lumMod val="50000"/>
+                  </a:schemeClr>
+                </a:solidFill>
+                <a:latin typeface="Fira Code" panose="020B0509050000020004" pitchFamily="49" charset="0"/>
+                <a:ea typeface="Fira Code" panose="020B0509050000020004" pitchFamily="49" charset="0"/>
+              </a:rPr>
+              <a:t>83ms</a:t>
+            </a:r>
           </a:p>
         </p:txBody>
       </p:sp>
@@ -23469,30 +23321,6 @@
 </file>
 
 <file path=customXml/item1.xml><?xml version="1.0" encoding="utf-8"?>
-<?mso-contentType ?>
-<FormTemplates xmlns="http://schemas.microsoft.com/sharepoint/v3/contenttype/forms">
-  <Display>DocumentLibraryForm</Display>
-  <Edit>DocumentLibraryForm</Edit>
-  <New>DocumentLibraryForm</New>
-</FormTemplates>
-</file>
-
-<file path=customXml/item2.xml><?xml version="1.0" encoding="utf-8"?>
-<p:properties xmlns:p="http://schemas.microsoft.com/office/2006/metadata/properties" xmlns:xsi="http://www.w3.org/2001/XMLSchema-instance" xmlns:pc="http://schemas.microsoft.com/office/infopath/2007/PartnerControls">
-  <documentManagement>
-    <Description0 xmlns="6eed6d30-21cb-4d2a-afd5-64247d3e7b92" xsi:nil="true"/>
-    <SharedWithUsers xmlns="3608d996-f921-4209-962b-af552f1375e0">
-      <UserInfo>
-        <DisplayName>Tonya Coldiron</DisplayName>
-        <AccountId>760</AccountId>
-        <AccountType/>
-      </UserInfo>
-    </SharedWithUsers>
-  </documentManagement>
-</p:properties>
-</file>
-
-<file path=customXml/item3.xml><?xml version="1.0" encoding="utf-8"?>
 <ct:contentTypeSchema xmlns:ct="http://schemas.microsoft.com/office/2006/metadata/contentType" xmlns:ma="http://schemas.microsoft.com/office/2006/metadata/properties/metaAttributes" ct:_="" ma:_="" ma:contentTypeName="Document" ma:contentTypeID="0x010100CB72CB62A2C7A84F8A09B310C9A494EA" ma:contentTypeVersion="3" ma:contentTypeDescription="Create a new document." ma:contentTypeScope="" ma:versionID="b4e75306b3d220e66d8bdfce9a72d9cb">
   <xsd:schema xmlns:xsd="http://www.w3.org/2001/XMLSchema" xmlns:xs="http://www.w3.org/2001/XMLSchema" xmlns:p="http://schemas.microsoft.com/office/2006/metadata/properties" xmlns:ns2="6eed6d30-21cb-4d2a-afd5-64247d3e7b92" xmlns:ns3="3608d996-f921-4209-962b-af552f1375e0" targetNamespace="http://schemas.microsoft.com/office/2006/metadata/properties" ma:root="true" ma:fieldsID="fa291b8313cb5ba9c7328f054605bda0" ns2:_="" ns3:_="">
     <xsd:import namespace="6eed6d30-21cb-4d2a-afd5-64247d3e7b92"/>
@@ -23653,10 +23481,45 @@
 </ct:contentTypeSchema>
 </file>
 
+<file path=customXml/item2.xml><?xml version="1.0" encoding="utf-8"?>
+<p:properties xmlns:p="http://schemas.microsoft.com/office/2006/metadata/properties" xmlns:xsi="http://www.w3.org/2001/XMLSchema-instance" xmlns:pc="http://schemas.microsoft.com/office/infopath/2007/PartnerControls">
+  <documentManagement>
+    <Description0 xmlns="6eed6d30-21cb-4d2a-afd5-64247d3e7b92" xsi:nil="true"/>
+    <SharedWithUsers xmlns="3608d996-f921-4209-962b-af552f1375e0">
+      <UserInfo>
+        <DisplayName>Tonya Coldiron</DisplayName>
+        <AccountId>760</AccountId>
+        <AccountType/>
+      </UserInfo>
+    </SharedWithUsers>
+  </documentManagement>
+</p:properties>
+</file>
+
+<file path=customXml/item3.xml><?xml version="1.0" encoding="utf-8"?>
+<?mso-contentType ?>
+<FormTemplates xmlns="http://schemas.microsoft.com/sharepoint/v3/contenttype/forms">
+  <Display>DocumentLibraryForm</Display>
+  <Edit>DocumentLibraryForm</Edit>
+  <New>DocumentLibraryForm</New>
+</FormTemplates>
+</file>
+
 <file path=customXml/itemProps1.xml><?xml version="1.0" encoding="utf-8"?>
-<ds:datastoreItem xmlns:ds="http://schemas.openxmlformats.org/officeDocument/2006/customXml" ds:itemID="{68C3422F-B7B4-474F-834A-53BF9C172DDC}">
+<ds:datastoreItem xmlns:ds="http://schemas.openxmlformats.org/officeDocument/2006/customXml" ds:itemID="{9D896509-6A47-4130-BB9D-1890AB9F6845}">
   <ds:schemaRefs>
-    <ds:schemaRef ds:uri="http://schemas.microsoft.com/sharepoint/v3/contenttype/forms"/>
+    <ds:schemaRef ds:uri="http://schemas.microsoft.com/office/2006/metadata/contentType"/>
+    <ds:schemaRef ds:uri="http://schemas.microsoft.com/office/2006/metadata/properties/metaAttributes"/>
+    <ds:schemaRef ds:uri="http://www.w3.org/2001/XMLSchema"/>
+    <ds:schemaRef ds:uri="http://schemas.microsoft.com/office/2006/metadata/properties"/>
+    <ds:schemaRef ds:uri="6eed6d30-21cb-4d2a-afd5-64247d3e7b92"/>
+    <ds:schemaRef ds:uri="3608d996-f921-4209-962b-af552f1375e0"/>
+    <ds:schemaRef ds:uri="http://schemas.microsoft.com/office/2006/documentManagement/types"/>
+    <ds:schemaRef ds:uri="http://schemas.microsoft.com/office/infopath/2007/PartnerControls"/>
+    <ds:schemaRef ds:uri="http://schemas.openxmlformats.org/package/2006/metadata/core-properties"/>
+    <ds:schemaRef ds:uri="http://purl.org/dc/elements/1.1/"/>
+    <ds:schemaRef ds:uri="http://purl.org/dc/terms/"/>
+    <ds:schemaRef ds:uri="http://schemas.microsoft.com/internal/obd"/>
   </ds:schemaRefs>
 </ds:datastoreItem>
 </file>
@@ -23679,20 +23542,9 @@
 </file>
 
 <file path=customXml/itemProps3.xml><?xml version="1.0" encoding="utf-8"?>
-<ds:datastoreItem xmlns:ds="http://schemas.openxmlformats.org/officeDocument/2006/customXml" ds:itemID="{9D896509-6A47-4130-BB9D-1890AB9F6845}">
+<ds:datastoreItem xmlns:ds="http://schemas.openxmlformats.org/officeDocument/2006/customXml" ds:itemID="{68C3422F-B7B4-474F-834A-53BF9C172DDC}">
   <ds:schemaRefs>
-    <ds:schemaRef ds:uri="http://schemas.microsoft.com/office/2006/metadata/contentType"/>
-    <ds:schemaRef ds:uri="http://schemas.microsoft.com/office/2006/metadata/properties/metaAttributes"/>
-    <ds:schemaRef ds:uri="http://www.w3.org/2001/XMLSchema"/>
-    <ds:schemaRef ds:uri="http://schemas.microsoft.com/office/2006/metadata/properties"/>
-    <ds:schemaRef ds:uri="6eed6d30-21cb-4d2a-afd5-64247d3e7b92"/>
-    <ds:schemaRef ds:uri="3608d996-f921-4209-962b-af552f1375e0"/>
-    <ds:schemaRef ds:uri="http://schemas.microsoft.com/office/2006/documentManagement/types"/>
-    <ds:schemaRef ds:uri="http://schemas.microsoft.com/office/infopath/2007/PartnerControls"/>
-    <ds:schemaRef ds:uri="http://schemas.openxmlformats.org/package/2006/metadata/core-properties"/>
-    <ds:schemaRef ds:uri="http://purl.org/dc/elements/1.1/"/>
-    <ds:schemaRef ds:uri="http://purl.org/dc/terms/"/>
-    <ds:schemaRef ds:uri="http://schemas.microsoft.com/internal/obd"/>
+    <ds:schemaRef ds:uri="http://schemas.microsoft.com/sharepoint/v3/contenttype/forms"/>
   </ds:schemaRefs>
 </ds:datastoreItem>
 </file>
--- a/Summit2017_Mocking.pptx
+++ b/Summit2017_Mocking.pptx
@@ -5,10 +5,10 @@
     <p:sldMasterId id="2147483648" r:id="rId4"/>
   </p:sldMasterIdLst>
   <p:notesMasterIdLst>
-    <p:notesMasterId r:id="rId23"/>
+    <p:notesMasterId r:id="rId24"/>
   </p:notesMasterIdLst>
   <p:handoutMasterIdLst>
-    <p:handoutMasterId r:id="rId24"/>
+    <p:handoutMasterId r:id="rId25"/>
   </p:handoutMasterIdLst>
   <p:sldIdLst>
     <p:sldId id="422" r:id="rId5"/>
@@ -20,15 +20,16 @@
     <p:sldId id="408" r:id="rId11"/>
     <p:sldId id="426" r:id="rId12"/>
     <p:sldId id="427" r:id="rId13"/>
-    <p:sldId id="402" r:id="rId14"/>
-    <p:sldId id="416" r:id="rId15"/>
-    <p:sldId id="428" r:id="rId16"/>
-    <p:sldId id="429" r:id="rId17"/>
-    <p:sldId id="417" r:id="rId18"/>
-    <p:sldId id="430" r:id="rId19"/>
-    <p:sldId id="431" r:id="rId20"/>
-    <p:sldId id="432" r:id="rId21"/>
-    <p:sldId id="409" r:id="rId22"/>
+    <p:sldId id="433" r:id="rId14"/>
+    <p:sldId id="402" r:id="rId15"/>
+    <p:sldId id="416" r:id="rId16"/>
+    <p:sldId id="428" r:id="rId17"/>
+    <p:sldId id="429" r:id="rId18"/>
+    <p:sldId id="417" r:id="rId19"/>
+    <p:sldId id="430" r:id="rId20"/>
+    <p:sldId id="431" r:id="rId21"/>
+    <p:sldId id="432" r:id="rId22"/>
+    <p:sldId id="409" r:id="rId23"/>
   </p:sldIdLst>
   <p:sldSz cx="9144000" cy="5143500" type="screen16x9"/>
   <p:notesSz cx="6858000" cy="9144000"/>
@@ -241,7 +242,7 @@
             <a:fld id="{96F0360C-9056-C14A-BCFB-ED74D9563C93}" type="datetimeFigureOut">
               <a:rPr lang="en-GB"/>
               <a:pPr/>
-              <a:t>07/04/2017</a:t>
+              <a:t>10/04/2017</a:t>
             </a:fld>
             <a:endParaRPr lang="en-GB"/>
           </a:p>
@@ -409,7 +410,7 @@
             <a:fld id="{A0AC4B9B-ADFA-2B4A-92EC-606ADF46D83E}" type="datetimeFigureOut">
               <a:rPr lang="en-GB"/>
               <a:pPr/>
-              <a:t>07/04/2017</a:t>
+              <a:t>10/04/2017</a:t>
             </a:fld>
             <a:endParaRPr lang="en-GB"/>
           </a:p>
@@ -860,7 +861,7 @@
             </a:pPr>
             <a:r>
               <a:rPr lang="en-US" dirty="0"/>
-              <a:t>Say you need to invoke a stand-alone script and you want to Stub that out without actually executing the script</a:t>
+              <a:t>The “fun” of Mocking in PowerShell is there are so many ways to execute commands</a:t>
             </a:r>
           </a:p>
           <a:p>
@@ -870,7 +871,7 @@
             </a:pPr>
             <a:r>
               <a:rPr lang="en-US" dirty="0"/>
-              <a:t>You can create a function with a name that is equivalent to the path of your script</a:t>
+              <a:t>The Mock command in Pester only works with functions</a:t>
             </a:r>
           </a:p>
           <a:p>
@@ -880,7 +881,7 @@
             </a:pPr>
             <a:r>
               <a:rPr lang="en-US" dirty="0"/>
-              <a:t>This is a form of Behavior verification. Even though I’m testing the value returned, it’s a static response. If we get the “Testing” response that means we invoked the script.</a:t>
+              <a:t>However, the very flexibility that makes testing in PowerShell a challenge makes it easy to Mock almost any call</a:t>
             </a:r>
           </a:p>
           <a:p>
@@ -890,7 +891,15 @@
             </a:pPr>
             <a:r>
               <a:rPr lang="en-US" dirty="0"/>
-              <a:t>Creating functions is one of the primary patterns you can use in PowerShell to fake just about any call</a:t>
+              <a:t>While it’s easy to create Test Dummies in PowerShell, we lose the ability to use Assert-</a:t>
+            </a:r>
+            <a:r>
+              <a:rPr lang="en-US" dirty="0" err="1"/>
+              <a:t>MockCalled</a:t>
+            </a:r>
+            <a:r>
+              <a:rPr lang="en-US" dirty="0"/>
+              <a:t> for Behavior Verification</a:t>
             </a:r>
           </a:p>
         </p:txBody>
@@ -922,7 +931,7 @@
     </p:spTree>
     <p:extLst>
       <p:ext uri="{BB962C8B-B14F-4D97-AF65-F5344CB8AC3E}">
-        <p14:creationId xmlns:p14="http://schemas.microsoft.com/office/powerpoint/2010/main" val="2449545183"/>
+        <p14:creationId xmlns:p14="http://schemas.microsoft.com/office/powerpoint/2010/main" val="3422262724"/>
       </p:ext>
     </p:extLst>
   </p:cSld>
@@ -982,7 +991,7 @@
             </a:pPr>
             <a:r>
               <a:rPr lang="en-US" dirty="0"/>
-              <a:t>As you can see, the Function trick works well for binaries also</a:t>
+              <a:t>Say you need to invoke a stand-alone script and you want to Stub that out without actually executing the script</a:t>
             </a:r>
           </a:p>
           <a:p>
@@ -992,7 +1001,7 @@
             </a:pPr>
             <a:r>
               <a:rPr lang="en-US" dirty="0"/>
-              <a:t>If you are just trying to verify the binary was called, you can return a static value</a:t>
+              <a:t>You can create a function with a name that is equivalent to the path of your script</a:t>
             </a:r>
           </a:p>
           <a:p>
@@ -1000,7 +1009,20 @@
               <a:buFont typeface="Arial" panose="020B0604020202020204" pitchFamily="34" charset="0"/>
               <a:buChar char="•"/>
             </a:pPr>
-            <a:endParaRPr lang="en-US" dirty="0"/>
+            <a:r>
+              <a:rPr lang="en-US" dirty="0"/>
+              <a:t>This is a form of Behavior verification. Even though I’m testing the value returned, it’s a static response. If we get the “Testing” response that means we invoked the script.</a:t>
+            </a:r>
+          </a:p>
+          <a:p>
+            <a:pPr marL="171450" indent="-171450">
+              <a:buFont typeface="Arial" panose="020B0604020202020204" pitchFamily="34" charset="0"/>
+              <a:buChar char="•"/>
+            </a:pPr>
+            <a:r>
+              <a:rPr lang="en-US" dirty="0"/>
+              <a:t>Creating functions is one of the primary patterns you can use in PowerShell to fake just about any call</a:t>
+            </a:r>
           </a:p>
         </p:txBody>
       </p:sp>
@@ -1031,7 +1053,7 @@
     </p:spTree>
     <p:extLst>
       <p:ext uri="{BB962C8B-B14F-4D97-AF65-F5344CB8AC3E}">
-        <p14:creationId xmlns:p14="http://schemas.microsoft.com/office/powerpoint/2010/main" val="2137406744"/>
+        <p14:creationId xmlns:p14="http://schemas.microsoft.com/office/powerpoint/2010/main" val="2449545183"/>
       </p:ext>
     </p:extLst>
   </p:cSld>
@@ -1091,7 +1113,7 @@
             </a:pPr>
             <a:r>
               <a:rPr lang="en-US" dirty="0"/>
-              <a:t>But, you could take it a bit further and process arguments</a:t>
+              <a:t>As you can see, the Function trick works well for binaries also</a:t>
             </a:r>
           </a:p>
           <a:p>
@@ -1101,15 +1123,7 @@
             </a:pPr>
             <a:r>
               <a:rPr lang="en-US" dirty="0"/>
-              <a:t>By asserting the values in $</a:t>
-            </a:r>
-            <a:r>
-              <a:rPr lang="en-US" dirty="0" err="1"/>
-              <a:t>arg</a:t>
-            </a:r>
-            <a:r>
-              <a:rPr lang="en-US" dirty="0"/>
-              <a:t>, you define a call specification and do some basic Behavior Verification</a:t>
+              <a:t>If you are just trying to verify the binary was called, you can return a static value</a:t>
             </a:r>
           </a:p>
           <a:p>
@@ -1117,10 +1131,7 @@
               <a:buFont typeface="Arial" panose="020B0604020202020204" pitchFamily="34" charset="0"/>
               <a:buChar char="•"/>
             </a:pPr>
-            <a:r>
-              <a:rPr lang="en-US" dirty="0"/>
-              <a:t>Just don’t get carried away with logic or you’ll have to test your tests</a:t>
-            </a:r>
+            <a:endParaRPr lang="en-US" dirty="0"/>
           </a:p>
         </p:txBody>
       </p:sp>
@@ -1151,7 +1162,7 @@
     </p:spTree>
     <p:extLst>
       <p:ext uri="{BB962C8B-B14F-4D97-AF65-F5344CB8AC3E}">
-        <p14:creationId xmlns:p14="http://schemas.microsoft.com/office/powerpoint/2010/main" val="3304852470"/>
+        <p14:creationId xmlns:p14="http://schemas.microsoft.com/office/powerpoint/2010/main" val="2137406744"/>
       </p:ext>
     </p:extLst>
   </p:cSld>
@@ -1211,7 +1222,7 @@
             </a:pPr>
             <a:r>
               <a:rPr lang="en-US" dirty="0"/>
-              <a:t>You need to test Integrating with a Web API?</a:t>
+              <a:t>But, you could take it a bit further and process arguments</a:t>
             </a:r>
           </a:p>
           <a:p>
@@ -1221,13 +1232,16 @@
             </a:pPr>
             <a:r>
               <a:rPr lang="en-US" dirty="0"/>
-              <a:t>In this example, we actually spin up a small web service to respond to Invoke-</a:t>
+              <a:t>By asserting the values in $</a:t>
             </a:r>
             <a:r>
               <a:rPr lang="en-US" dirty="0" err="1"/>
-              <a:t>RestMethod</a:t>
-            </a:r>
-            <a:endParaRPr lang="en-US" dirty="0"/>
+              <a:t>arg</a:t>
+            </a:r>
+            <a:r>
+              <a:rPr lang="en-US" dirty="0"/>
+              <a:t>, you define a call specification and do some basic Behavior Verification</a:t>
+            </a:r>
           </a:p>
           <a:p>
             <a:pPr marL="171450" indent="-171450">
@@ -1236,37 +1250,7 @@
             </a:pPr>
             <a:r>
               <a:rPr lang="en-US" dirty="0"/>
-              <a:t>This configuration response to Get and Post commands. The Get returns a static value. The Post echoes back the contents of the Request.</a:t>
-            </a:r>
-          </a:p>
-          <a:p>
-            <a:pPr marL="171450" indent="-171450">
-              <a:buFont typeface="Arial" panose="020B0604020202020204" pitchFamily="34" charset="0"/>
-              <a:buChar char="•"/>
-            </a:pPr>
-            <a:r>
-              <a:rPr lang="en-US" dirty="0" err="1"/>
-              <a:t>Flancy</a:t>
-            </a:r>
-            <a:r>
-              <a:rPr lang="en-US" dirty="0"/>
-              <a:t> and </a:t>
-            </a:r>
-            <a:r>
-              <a:rPr lang="en-US" dirty="0" err="1"/>
-              <a:t>NancyPS</a:t>
-            </a:r>
-            <a:r>
-              <a:rPr lang="en-US" dirty="0"/>
-              <a:t> are both wrappers around the </a:t>
-            </a:r>
-            <a:r>
-              <a:rPr lang="en-US"/>
-              <a:t>.Net Nancy </a:t>
-            </a:r>
-            <a:r>
-              <a:rPr lang="en-US" dirty="0"/>
-              <a:t>framework</a:t>
+              <a:t>Just don’t get carried away with logic or you’ll have to test your tests</a:t>
             </a:r>
           </a:p>
         </p:txBody>
@@ -1298,7 +1282,7 @@
     </p:spTree>
     <p:extLst>
       <p:ext uri="{BB962C8B-B14F-4D97-AF65-F5344CB8AC3E}">
-        <p14:creationId xmlns:p14="http://schemas.microsoft.com/office/powerpoint/2010/main" val="700219314"/>
+        <p14:creationId xmlns:p14="http://schemas.microsoft.com/office/powerpoint/2010/main" val="3304852470"/>
       </p:ext>
     </p:extLst>
   </p:cSld>
@@ -1358,15 +1342,7 @@
             </a:pPr>
             <a:r>
               <a:rPr lang="en-US" dirty="0"/>
-              <a:t>The only value this has over just mocking Invoke-</a:t>
-            </a:r>
-            <a:r>
-              <a:rPr lang="en-US" dirty="0" err="1"/>
-              <a:t>RestMethod</a:t>
-            </a:r>
-            <a:r>
-              <a:rPr lang="en-US" dirty="0"/>
-              <a:t> is you more closely simulate the real integration with real Request and Response objects</a:t>
+              <a:t>You need to test Integrating with a Web API?</a:t>
             </a:r>
           </a:p>
           <a:p>
@@ -1376,14 +1352,12 @@
             </a:pPr>
             <a:r>
               <a:rPr lang="en-US" dirty="0"/>
-              <a:t>You can test how your code handles different Http status codes without hand crafting Response objects</a:t>
-            </a:r>
-          </a:p>
-          <a:p>
-            <a:pPr marL="0" indent="0">
-              <a:buFont typeface="Arial" panose="020B0604020202020204" pitchFamily="34" charset="0"/>
-              <a:buNone/>
-            </a:pPr>
+              <a:t>In this example, we actually spin up a small web service to respond to Invoke-</a:t>
+            </a:r>
+            <a:r>
+              <a:rPr lang="en-US" dirty="0" err="1"/>
+              <a:t>RestMethod</a:t>
+            </a:r>
             <a:endParaRPr lang="en-US" dirty="0"/>
           </a:p>
           <a:p>
@@ -1391,7 +1365,40 @@
               <a:buFont typeface="Arial" panose="020B0604020202020204" pitchFamily="34" charset="0"/>
               <a:buChar char="•"/>
             </a:pPr>
-            <a:endParaRPr lang="en-US" dirty="0"/>
+            <a:r>
+              <a:rPr lang="en-US" dirty="0"/>
+              <a:t>This configuration response to Get and Post commands. The Get returns a static value. The Post echoes back the contents of the Request.</a:t>
+            </a:r>
+          </a:p>
+          <a:p>
+            <a:pPr marL="171450" indent="-171450">
+              <a:buFont typeface="Arial" panose="020B0604020202020204" pitchFamily="34" charset="0"/>
+              <a:buChar char="•"/>
+            </a:pPr>
+            <a:r>
+              <a:rPr lang="en-US" dirty="0" err="1"/>
+              <a:t>Flancy</a:t>
+            </a:r>
+            <a:r>
+              <a:rPr lang="en-US" dirty="0"/>
+              <a:t> and </a:t>
+            </a:r>
+            <a:r>
+              <a:rPr lang="en-US" dirty="0" err="1"/>
+              <a:t>NancyPS</a:t>
+            </a:r>
+            <a:r>
+              <a:rPr lang="en-US" dirty="0"/>
+              <a:t> are both wrappers around the </a:t>
+            </a:r>
+            <a:r>
+              <a:rPr lang="en-US"/>
+              <a:t>.Net Nancy </a:t>
+            </a:r>
+            <a:r>
+              <a:rPr lang="en-US" dirty="0"/>
+              <a:t>framework</a:t>
+            </a:r>
           </a:p>
         </p:txBody>
       </p:sp>
@@ -1422,7 +1429,7 @@
     </p:spTree>
     <p:extLst>
       <p:ext uri="{BB962C8B-B14F-4D97-AF65-F5344CB8AC3E}">
-        <p14:creationId xmlns:p14="http://schemas.microsoft.com/office/powerpoint/2010/main" val="2259575911"/>
+        <p14:creationId xmlns:p14="http://schemas.microsoft.com/office/powerpoint/2010/main" val="700219314"/>
       </p:ext>
     </p:extLst>
   </p:cSld>
@@ -1482,7 +1489,15 @@
             </a:pPr>
             <a:r>
               <a:rPr lang="en-US" dirty="0"/>
-              <a:t>Speaking of hand crafting objects</a:t>
+              <a:t>The only value this has over just mocking Invoke-</a:t>
+            </a:r>
+            <a:r>
+              <a:rPr lang="en-US" dirty="0" err="1"/>
+              <a:t>RestMethod</a:t>
+            </a:r>
+            <a:r>
+              <a:rPr lang="en-US" dirty="0"/>
+              <a:t> is you more closely simulate the real integration with real Request and Response objects</a:t>
             </a:r>
           </a:p>
           <a:p>
@@ -1492,32 +1507,8 @@
             </a:pPr>
             <a:r>
               <a:rPr lang="en-US" dirty="0"/>
-              <a:t>You can use Add-Member to effectively override the value of any Property or Method</a:t>
-            </a:r>
-          </a:p>
-          <a:p>
-            <a:pPr marL="171450" indent="-171450">
-              <a:buFont typeface="Arial" panose="020B0604020202020204" pitchFamily="34" charset="0"/>
-              <a:buChar char="•"/>
-            </a:pPr>
-            <a:r>
-              <a:rPr lang="en-US" dirty="0"/>
-              <a:t>Note, this method of creating a fake object requires a class with a public constructor</a:t>
-            </a:r>
-          </a:p>
-          <a:p>
-            <a:pPr marL="171450" indent="-171450">
-              <a:buFont typeface="Arial" panose="020B0604020202020204" pitchFamily="34" charset="0"/>
-              <a:buChar char="•"/>
-            </a:pPr>
-            <a:endParaRPr lang="en-US" dirty="0"/>
-          </a:p>
-          <a:p>
-            <a:pPr marL="171450" indent="-171450">
-              <a:buFont typeface="Arial" panose="020B0604020202020204" pitchFamily="34" charset="0"/>
-              <a:buChar char="•"/>
-            </a:pPr>
-            <a:endParaRPr lang="en-US" dirty="0"/>
+              <a:t>You can test how your code handles different Http status codes without hand crafting Response objects</a:t>
+            </a:r>
           </a:p>
           <a:p>
             <a:pPr marL="0" indent="0">
@@ -1562,7 +1553,7 @@
     </p:spTree>
     <p:extLst>
       <p:ext uri="{BB962C8B-B14F-4D97-AF65-F5344CB8AC3E}">
-        <p14:creationId xmlns:p14="http://schemas.microsoft.com/office/powerpoint/2010/main" val="431507397"/>
+        <p14:creationId xmlns:p14="http://schemas.microsoft.com/office/powerpoint/2010/main" val="2259575911"/>
       </p:ext>
     </p:extLst>
   </p:cSld>
@@ -1622,15 +1613,7 @@
             </a:pPr>
             <a:r>
               <a:rPr lang="en-US" dirty="0"/>
-              <a:t>You can unit test your </a:t>
-            </a:r>
-            <a:r>
-              <a:rPr lang="en-US" dirty="0" err="1"/>
-              <a:t>ScriptBlocks</a:t>
-            </a:r>
-            <a:r>
-              <a:rPr lang="en-US" dirty="0"/>
-              <a:t> as well</a:t>
+              <a:t>Speaking of hand crafting objects</a:t>
             </a:r>
           </a:p>
           <a:p>
@@ -1640,23 +1623,17 @@
             </a:pPr>
             <a:r>
               <a:rPr lang="en-US" dirty="0"/>
-              <a:t>Don’t put a lot of logic in your </a:t>
-            </a:r>
-            <a:r>
-              <a:rPr lang="en-US" dirty="0" err="1"/>
-              <a:t>ScriptBlock</a:t>
-            </a:r>
+              <a:t>You can use Add-Member to effectively override the value of any Property or Method</a:t>
+            </a:r>
+          </a:p>
+          <a:p>
+            <a:pPr marL="171450" indent="-171450">
+              <a:buFont typeface="Arial" panose="020B0604020202020204" pitchFamily="34" charset="0"/>
+              <a:buChar char="•"/>
+            </a:pPr>
             <a:r>
               <a:rPr lang="en-US" dirty="0"/>
-              <a:t>. Build a testable module then use the </a:t>
-            </a:r>
-            <a:r>
-              <a:rPr lang="en-US" dirty="0" err="1"/>
-              <a:t>ScriptBlock</a:t>
-            </a:r>
-            <a:r>
-              <a:rPr lang="en-US" dirty="0"/>
-              <a:t> to install and invoke the module.</a:t>
+              <a:t>Note, this method of creating a fake object requires a class with a public constructor</a:t>
             </a:r>
           </a:p>
           <a:p>
@@ -1716,7 +1693,7 @@
     </p:spTree>
     <p:extLst>
       <p:ext uri="{BB962C8B-B14F-4D97-AF65-F5344CB8AC3E}">
-        <p14:creationId xmlns:p14="http://schemas.microsoft.com/office/powerpoint/2010/main" val="430800703"/>
+        <p14:creationId xmlns:p14="http://schemas.microsoft.com/office/powerpoint/2010/main" val="431507397"/>
       </p:ext>
     </p:extLst>
   </p:cSld>
@@ -1770,6 +1747,75 @@
           <a:bodyPr/>
           <a:lstStyle/>
           <a:p>
+            <a:pPr marL="171450" indent="-171450">
+              <a:buFont typeface="Arial" panose="020B0604020202020204" pitchFamily="34" charset="0"/>
+              <a:buChar char="•"/>
+            </a:pPr>
+            <a:r>
+              <a:rPr lang="en-US" dirty="0"/>
+              <a:t>You can unit test your </a:t>
+            </a:r>
+            <a:r>
+              <a:rPr lang="en-US" dirty="0" err="1"/>
+              <a:t>ScriptBlocks</a:t>
+            </a:r>
+            <a:r>
+              <a:rPr lang="en-US" dirty="0"/>
+              <a:t> as well</a:t>
+            </a:r>
+          </a:p>
+          <a:p>
+            <a:pPr marL="171450" indent="-171450">
+              <a:buFont typeface="Arial" panose="020B0604020202020204" pitchFamily="34" charset="0"/>
+              <a:buChar char="•"/>
+            </a:pPr>
+            <a:r>
+              <a:rPr lang="en-US" dirty="0"/>
+              <a:t>Don’t put a lot of logic in your </a:t>
+            </a:r>
+            <a:r>
+              <a:rPr lang="en-US" dirty="0" err="1"/>
+              <a:t>ScriptBlock</a:t>
+            </a:r>
+            <a:r>
+              <a:rPr lang="en-US" dirty="0"/>
+              <a:t>. Build a testable module then use the </a:t>
+            </a:r>
+            <a:r>
+              <a:rPr lang="en-US" dirty="0" err="1"/>
+              <a:t>ScriptBlock</a:t>
+            </a:r>
+            <a:r>
+              <a:rPr lang="en-US" dirty="0"/>
+              <a:t> to install and invoke the module.</a:t>
+            </a:r>
+          </a:p>
+          <a:p>
+            <a:pPr marL="171450" indent="-171450">
+              <a:buFont typeface="Arial" panose="020B0604020202020204" pitchFamily="34" charset="0"/>
+              <a:buChar char="•"/>
+            </a:pPr>
+            <a:endParaRPr lang="en-US" dirty="0"/>
+          </a:p>
+          <a:p>
+            <a:pPr marL="171450" indent="-171450">
+              <a:buFont typeface="Arial" panose="020B0604020202020204" pitchFamily="34" charset="0"/>
+              <a:buChar char="•"/>
+            </a:pPr>
+            <a:endParaRPr lang="en-US" dirty="0"/>
+          </a:p>
+          <a:p>
+            <a:pPr marL="0" indent="0">
+              <a:buFont typeface="Arial" panose="020B0604020202020204" pitchFamily="34" charset="0"/>
+              <a:buNone/>
+            </a:pPr>
+            <a:endParaRPr lang="en-US" dirty="0"/>
+          </a:p>
+          <a:p>
+            <a:pPr marL="171450" indent="-171450">
+              <a:buFont typeface="Arial" panose="020B0604020202020204" pitchFamily="34" charset="0"/>
+              <a:buChar char="•"/>
+            </a:pPr>
             <a:endParaRPr lang="en-US" dirty="0"/>
           </a:p>
         </p:txBody>
@@ -1793,6 +1839,91 @@
               <a:rPr lang="en-US" smtClean="0"/>
               <a:pPr/>
               <a:t>18</a:t>
+            </a:fld>
+            <a:endParaRPr lang="en-US"/>
+          </a:p>
+        </p:txBody>
+      </p:sp>
+    </p:spTree>
+    <p:extLst>
+      <p:ext uri="{BB962C8B-B14F-4D97-AF65-F5344CB8AC3E}">
+        <p14:creationId xmlns:p14="http://schemas.microsoft.com/office/powerpoint/2010/main" val="430800703"/>
+      </p:ext>
+    </p:extLst>
+  </p:cSld>
+  <p:clrMapOvr>
+    <a:masterClrMapping/>
+  </p:clrMapOvr>
+</p:notes>
+</file>
+
+<file path=ppt/notesSlides/notesSlide18.xml><?xml version="1.0" encoding="utf-8"?>
+<p:notes xmlns:a="http://schemas.openxmlformats.org/drawingml/2006/main" xmlns:r="http://schemas.openxmlformats.org/officeDocument/2006/relationships" xmlns:p="http://schemas.openxmlformats.org/presentationml/2006/main">
+  <p:cSld>
+    <p:spTree>
+      <p:nvGrpSpPr>
+        <p:cNvPr id="1" name=""/>
+        <p:cNvGrpSpPr/>
+        <p:nvPr/>
+      </p:nvGrpSpPr>
+      <p:grpSpPr>
+        <a:xfrm>
+          <a:off x="0" y="0"/>
+          <a:ext cx="0" cy="0"/>
+          <a:chOff x="0" y="0"/>
+          <a:chExt cx="0" cy="0"/>
+        </a:xfrm>
+      </p:grpSpPr>
+      <p:sp>
+        <p:nvSpPr>
+          <p:cNvPr id="2" name="Slide Image Placeholder 1"/>
+          <p:cNvSpPr>
+            <a:spLocks noGrp="1" noRot="1" noChangeAspect="1"/>
+          </p:cNvSpPr>
+          <p:nvPr>
+            <p:ph type="sldImg"/>
+          </p:nvPr>
+        </p:nvSpPr>
+        <p:spPr/>
+      </p:sp>
+      <p:sp>
+        <p:nvSpPr>
+          <p:cNvPr id="3" name="Notes Placeholder 2"/>
+          <p:cNvSpPr>
+            <a:spLocks noGrp="1"/>
+          </p:cNvSpPr>
+          <p:nvPr>
+            <p:ph type="body" idx="1"/>
+          </p:nvPr>
+        </p:nvSpPr>
+        <p:spPr/>
+        <p:txBody>
+          <a:bodyPr/>
+          <a:lstStyle/>
+          <a:p>
+            <a:endParaRPr lang="en-US" dirty="0"/>
+          </a:p>
+        </p:txBody>
+      </p:sp>
+      <p:sp>
+        <p:nvSpPr>
+          <p:cNvPr id="4" name="Slide Number Placeholder 3"/>
+          <p:cNvSpPr>
+            <a:spLocks noGrp="1"/>
+          </p:cNvSpPr>
+          <p:nvPr>
+            <p:ph type="sldNum" sz="quarter" idx="10"/>
+          </p:nvPr>
+        </p:nvSpPr>
+        <p:spPr/>
+        <p:txBody>
+          <a:bodyPr/>
+          <a:lstStyle/>
+          <a:p>
+            <a:fld id="{580C3CF9-2088-4345-84DE-A0500A36AC73}" type="slidenum">
+              <a:rPr lang="en-US" smtClean="0"/>
+              <a:pPr/>
+              <a:t>19</a:t>
             </a:fld>
             <a:endParaRPr lang="en-US"/>
           </a:p>
@@ -2855,8 +2986,21 @@
             </a:pPr>
             <a:r>
               <a:rPr lang="en-US" dirty="0"/>
-              <a:t>The “fun” of Mocking in PowerShell is there are so many ways to execute commands</a:t>
-            </a:r>
+              <a:t>Here, my </a:t>
+            </a:r>
+            <a:r>
+              <a:rPr lang="en-US" dirty="0" err="1"/>
+              <a:t>StubMe</a:t>
+            </a:r>
+            <a:r>
+              <a:rPr lang="en-US" dirty="0"/>
+              <a:t> function is extracting a specific property of the output of Get-</a:t>
+            </a:r>
+            <a:r>
+              <a:rPr lang="en-US" dirty="0" err="1"/>
+              <a:t>ChildItem</a:t>
+            </a:r>
+            <a:endParaRPr lang="en-US" dirty="0"/>
           </a:p>
           <a:p>
             <a:pPr marL="171450" indent="-171450">
@@ -2865,7 +3009,15 @@
             </a:pPr>
             <a:r>
               <a:rPr lang="en-US" dirty="0"/>
-              <a:t>The Mock command in Pester only works with functions</a:t>
+              <a:t>In this case my Mock statement has no </a:t>
+            </a:r>
+            <a:r>
+              <a:rPr lang="en-US" dirty="0" err="1"/>
+              <a:t>ParameterFilter</a:t>
+            </a:r>
+            <a:r>
+              <a:rPr lang="en-US" dirty="0"/>
+              <a:t> and instead returns a Fake Object</a:t>
             </a:r>
           </a:p>
           <a:p>
@@ -2875,8 +3027,13 @@
             </a:pPr>
             <a:r>
               <a:rPr lang="en-US" dirty="0"/>
-              <a:t>However, the very flexibility that makes testing in PowerShell a challenge makes it easy to Mock almost any call</a:t>
-            </a:r>
+              <a:t>This test does use a Should Be assertion to verify the value returned by </a:t>
+            </a:r>
+            <a:r>
+              <a:rPr lang="en-US" dirty="0" err="1"/>
+              <a:t>StubMe</a:t>
+            </a:r>
+            <a:endParaRPr lang="en-US" dirty="0"/>
           </a:p>
           <a:p>
             <a:pPr marL="171450" indent="-171450">
@@ -2885,15 +3042,27 @@
             </a:pPr>
             <a:r>
               <a:rPr lang="en-US" dirty="0"/>
-              <a:t>While it’s easy to create Test Dummies in PowerShell, we lose the ability to use Assert-</a:t>
-            </a:r>
-            <a:r>
-              <a:rPr lang="en-US" dirty="0" err="1"/>
-              <a:t>MockCalled</a:t>
-            </a:r>
+              <a:t>These are both simple examples, but even as the code and tests become more complex it boils down to behavior or state verification.</a:t>
+            </a:r>
+          </a:p>
+          <a:p>
+            <a:pPr marL="171450" indent="-171450">
+              <a:buFont typeface="Arial" panose="020B0604020202020204" pitchFamily="34" charset="0"/>
+              <a:buChar char="•"/>
+            </a:pPr>
             <a:r>
               <a:rPr lang="en-US" dirty="0"/>
-              <a:t> for Behavior Verification</a:t>
+              <a:t>Behavior Verification is good when you are testing an integration with some dependency. You want to test that you are making the correct calls, but not actually making them.</a:t>
+            </a:r>
+          </a:p>
+          <a:p>
+            <a:pPr marL="171450" indent="-171450">
+              <a:buFont typeface="Arial" panose="020B0604020202020204" pitchFamily="34" charset="0"/>
+              <a:buChar char="•"/>
+            </a:pPr>
+            <a:r>
+              <a:rPr lang="en-US" dirty="0"/>
+              <a:t>State Verification is necessary when your System Under Test is modifying state. Obviously. </a:t>
             </a:r>
           </a:p>
         </p:txBody>
@@ -2925,7 +3094,7 @@
     </p:spTree>
     <p:extLst>
       <p:ext uri="{BB962C8B-B14F-4D97-AF65-F5344CB8AC3E}">
-        <p14:creationId xmlns:p14="http://schemas.microsoft.com/office/powerpoint/2010/main" val="3422262724"/>
+        <p14:creationId xmlns:p14="http://schemas.microsoft.com/office/powerpoint/2010/main" val="3185973152"/>
       </p:ext>
     </p:extLst>
   </p:cSld>
@@ -3145,7 +3314,7 @@
           <a:p>
             <a:fld id="{AA9C65CA-C0C5-5647-9B9D-8C41F3BBC317}" type="datetime1">
               <a:rPr lang="en-US" smtClean="0"/>
-              <a:t>4/7/2017</a:t>
+              <a:t>4/10/2017</a:t>
             </a:fld>
             <a:endParaRPr lang="en-GB"/>
           </a:p>
@@ -7580,7 +7749,7 @@
           <a:p>
             <a:fld id="{33A48E83-E413-D242-BBD3-800CC27D9C6D}" type="datetime1">
               <a:rPr lang="en-US" smtClean="0"/>
-              <a:t>4/7/2017</a:t>
+              <a:t>4/10/2017</a:t>
             </a:fld>
             <a:endParaRPr lang="en-GB"/>
           </a:p>
@@ -8363,7 +8532,7 @@
           <a:p>
             <a:fld id="{6AD6EE87-EBD5-4F12-A48A-63ACA297AC8F}" type="datetimeFigureOut">
               <a:rPr lang="en-US" smtClean="0"/>
-              <a:t>4/7/2017</a:t>
+              <a:t>4/10/2017</a:t>
             </a:fld>
             <a:endParaRPr lang="en-US" dirty="0"/>
           </a:p>
@@ -8664,7 +8833,7 @@
           <a:p>
             <a:fld id="{5529F2C3-B841-0047-A63E-7498D1DF6566}" type="datetime1">
               <a:rPr lang="en-US" smtClean="0"/>
-              <a:t>4/7/2017</a:t>
+              <a:t>4/10/2017</a:t>
             </a:fld>
             <a:endParaRPr lang="en-GB"/>
           </a:p>
@@ -9174,7 +9343,7 @@
           <a:p>
             <a:fld id="{A06776DC-7B5D-4A40-B28C-D3FA8A3DADC6}" type="datetime1">
               <a:rPr lang="en-US" smtClean="0"/>
-              <a:t>4/7/2017</a:t>
+              <a:t>4/10/2017</a:t>
             </a:fld>
             <a:endParaRPr lang="en-GB"/>
           </a:p>
@@ -9406,7 +9575,7 @@
           <a:p>
             <a:fld id="{EB764B47-E48A-2B4C-8F0F-00B600CE9930}" type="datetime1">
               <a:rPr lang="en-US" smtClean="0"/>
-              <a:t>4/7/2017</a:t>
+              <a:t>4/10/2017</a:t>
             </a:fld>
             <a:endParaRPr lang="en-GB"/>
           </a:p>
@@ -9715,7 +9884,7 @@
           <a:p>
             <a:fld id="{EBC1EF0D-6E6B-FA48-A207-E1059D751D30}" type="datetime1">
               <a:rPr lang="en-US" smtClean="0"/>
-              <a:t>4/7/2017</a:t>
+              <a:t>4/10/2017</a:t>
             </a:fld>
             <a:endParaRPr lang="en-GB"/>
           </a:p>
@@ -10082,7 +10251,7 @@
           <a:p>
             <a:fld id="{218291B2-557C-0D44-A285-A91C3B6367DF}" type="datetime1">
               <a:rPr lang="en-US" smtClean="0"/>
-              <a:t>4/7/2017</a:t>
+              <a:t>4/10/2017</a:t>
             </a:fld>
             <a:endParaRPr lang="en-GB"/>
           </a:p>
@@ -11675,6 +11844,177 @@
                 <a:latin typeface="Interstate-Black"/>
                 <a:cs typeface="Interstate-Black"/>
               </a:rPr>
+              <a:t>Mock </a:t>
+            </a:r>
+            <a:r>
+              <a:rPr lang="en-US" sz="1600" dirty="0">
+                <a:latin typeface="Interstate-Black"/>
+                <a:cs typeface="Interstate-Black"/>
+              </a:rPr>
+              <a:t>vs. </a:t>
+            </a:r>
+            <a:r>
+              <a:rPr lang="en-US" dirty="0">
+                <a:latin typeface="Interstate-Black"/>
+                <a:cs typeface="Interstate-Black"/>
+              </a:rPr>
+              <a:t>[Stub]</a:t>
+            </a:r>
+          </a:p>
+        </p:txBody>
+      </p:sp>
+      <p:cxnSp>
+        <p:nvCxnSpPr>
+          <p:cNvPr id="6" name="Straight Connector 5"/>
+          <p:cNvCxnSpPr>
+            <a:stCxn id="3" idx="1"/>
+            <a:endCxn id="3" idx="3"/>
+          </p:cNvCxnSpPr>
+          <p:nvPr/>
+        </p:nvCxnSpPr>
+        <p:spPr>
+          <a:xfrm>
+            <a:off x="273051" y="641272"/>
+            <a:ext cx="8550274" cy="0"/>
+          </a:xfrm>
+          <a:prstGeom prst="line">
+            <a:avLst/>
+          </a:prstGeom>
+        </p:spPr>
+        <p:style>
+          <a:lnRef idx="2">
+            <a:schemeClr val="accent1"/>
+          </a:lnRef>
+          <a:fillRef idx="0">
+            <a:schemeClr val="accent1"/>
+          </a:fillRef>
+          <a:effectRef idx="1">
+            <a:schemeClr val="accent1"/>
+          </a:effectRef>
+          <a:fontRef idx="minor">
+            <a:schemeClr val="tx1"/>
+          </a:fontRef>
+        </p:style>
+      </p:cxnSp>
+      <p:pic>
+        <p:nvPicPr>
+          <p:cNvPr id="4" name="Picture 3"/>
+          <p:cNvPicPr>
+            <a:picLocks noChangeAspect="1"/>
+          </p:cNvPicPr>
+          <p:nvPr/>
+        </p:nvPicPr>
+        <p:blipFill rotWithShape="1">
+          <a:blip r:embed="rId3"/>
+          <a:srcRect t="-1" b="23081"/>
+          <a:stretch/>
+        </p:blipFill>
+        <p:spPr>
+          <a:xfrm>
+            <a:off x="1049903" y="787651"/>
+            <a:ext cx="6996570" cy="3956365"/>
+          </a:xfrm>
+          <a:prstGeom prst="rect">
+            <a:avLst/>
+          </a:prstGeom>
+          <a:ln>
+            <a:solidFill>
+              <a:schemeClr val="tx1">
+                <a:lumMod val="75000"/>
+              </a:schemeClr>
+            </a:solidFill>
+          </a:ln>
+        </p:spPr>
+      </p:pic>
+      <p:sp>
+        <p:nvSpPr>
+          <p:cNvPr id="8" name="Rectangle 7"/>
+          <p:cNvSpPr/>
+          <p:nvPr/>
+        </p:nvSpPr>
+        <p:spPr>
+          <a:xfrm>
+            <a:off x="2981092" y="4782672"/>
+            <a:ext cx="3134191" cy="215444"/>
+          </a:xfrm>
+          <a:prstGeom prst="rect">
+            <a:avLst/>
+          </a:prstGeom>
+        </p:spPr>
+        <p:txBody>
+          <a:bodyPr wrap="none">
+            <a:spAutoFit/>
+          </a:bodyPr>
+          <a:lstStyle/>
+          <a:p>
+            <a:pPr algn="ctr"/>
+            <a:r>
+              <a:rPr lang="en-US" sz="800" dirty="0">
+                <a:latin typeface="TM Sans" panose="020B0502030402020204" pitchFamily="34" charset="0"/>
+              </a:rPr>
+              <a:t>https://github.com/indented-automation/Indented.StubCommand</a:t>
+            </a:r>
+          </a:p>
+        </p:txBody>
+      </p:sp>
+    </p:spTree>
+    <p:extLst>
+      <p:ext uri="{BB962C8B-B14F-4D97-AF65-F5344CB8AC3E}">
+        <p14:creationId xmlns:p14="http://schemas.microsoft.com/office/powerpoint/2010/main" val="1017786672"/>
+      </p:ext>
+    </p:extLst>
+  </p:cSld>
+  <p:clrMapOvr>
+    <a:masterClrMapping/>
+  </p:clrMapOvr>
+</p:sld>
+</file>
+
+<file path=ppt/slides/slide11.xml><?xml version="1.0" encoding="utf-8"?>
+<p:sld xmlns:a="http://schemas.openxmlformats.org/drawingml/2006/main" xmlns:r="http://schemas.openxmlformats.org/officeDocument/2006/relationships" xmlns:p="http://schemas.openxmlformats.org/presentationml/2006/main">
+  <p:cSld>
+    <p:spTree>
+      <p:nvGrpSpPr>
+        <p:cNvPr id="1" name=""/>
+        <p:cNvGrpSpPr/>
+        <p:nvPr/>
+      </p:nvGrpSpPr>
+      <p:grpSpPr>
+        <a:xfrm>
+          <a:off x="0" y="0"/>
+          <a:ext cx="0" cy="0"/>
+          <a:chOff x="0" y="0"/>
+          <a:chExt cx="0" cy="0"/>
+        </a:xfrm>
+      </p:grpSpPr>
+      <p:sp>
+        <p:nvSpPr>
+          <p:cNvPr id="3" name="Text Placeholder 2"/>
+          <p:cNvSpPr>
+            <a:spLocks noGrp="1"/>
+          </p:cNvSpPr>
+          <p:nvPr>
+            <p:ph type="body" sz="quarter" idx="15"/>
+          </p:nvPr>
+        </p:nvSpPr>
+        <p:spPr>
+          <a:effectLst>
+            <a:outerShdw blurRad="40005" dist="20320" dir="5400000" algn="ctr" rotWithShape="0">
+              <a:schemeClr val="bg2">
+                <a:alpha val="38000"/>
+              </a:schemeClr>
+            </a:outerShdw>
+          </a:effectLst>
+        </p:spPr>
+        <p:txBody>
+          <a:bodyPr/>
+          <a:lstStyle/>
+          <a:p>
+            <a:r>
+              <a:rPr lang="en-US" dirty="0">
+                <a:latin typeface="Interstate-Black"/>
+                <a:cs typeface="Interstate-Black"/>
+              </a:rPr>
               <a:t>Mocking outside of the Box</a:t>
             </a:r>
           </a:p>
@@ -11963,7 +12303,7 @@
 </p:sld>
 </file>
 
-<file path=ppt/slides/slide11.xml><?xml version="1.0" encoding="utf-8"?>
+<file path=ppt/slides/slide12.xml><?xml version="1.0" encoding="utf-8"?>
 <p:sld xmlns:a="http://schemas.openxmlformats.org/drawingml/2006/main" xmlns:r="http://schemas.openxmlformats.org/officeDocument/2006/relationships" xmlns:p="http://schemas.openxmlformats.org/presentationml/2006/main">
   <p:cSld>
     <p:spTree>
@@ -12655,7 +12995,7 @@
 </p:sld>
 </file>
 
-<file path=ppt/slides/slide12.xml><?xml version="1.0" encoding="utf-8"?>
+<file path=ppt/slides/slide13.xml><?xml version="1.0" encoding="utf-8"?>
 <p:sld xmlns:a="http://schemas.openxmlformats.org/drawingml/2006/main" xmlns:r="http://schemas.openxmlformats.org/officeDocument/2006/relationships" xmlns:p="http://schemas.openxmlformats.org/presentationml/2006/main">
   <p:cSld>
     <p:spTree>
@@ -13230,7 +13570,7 @@
 </p:sld>
 </file>
 
-<file path=ppt/slides/slide13.xml><?xml version="1.0" encoding="utf-8"?>
+<file path=ppt/slides/slide14.xml><?xml version="1.0" encoding="utf-8"?>
 <p:sld xmlns:a="http://schemas.openxmlformats.org/drawingml/2006/main" xmlns:r="http://schemas.openxmlformats.org/officeDocument/2006/relationships" xmlns:p="http://schemas.openxmlformats.org/presentationml/2006/main">
   <p:cSld>
     <p:spTree>
@@ -13720,7 +14060,7 @@
 </p:sld>
 </file>
 
-<file path=ppt/slides/slide14.xml><?xml version="1.0" encoding="utf-8"?>
+<file path=ppt/slides/slide15.xml><?xml version="1.0" encoding="utf-8"?>
 <p:sld xmlns:a="http://schemas.openxmlformats.org/drawingml/2006/main" xmlns:r="http://schemas.openxmlformats.org/officeDocument/2006/relationships" xmlns:p="http://schemas.openxmlformats.org/presentationml/2006/main">
   <p:cSld>
     <p:spTree>
@@ -15006,7 +15346,7 @@
 </p:sld>
 </file>
 
-<file path=ppt/slides/slide15.xml><?xml version="1.0" encoding="utf-8"?>
+<file path=ppt/slides/slide16.xml><?xml version="1.0" encoding="utf-8"?>
 <p:sld xmlns:a="http://schemas.openxmlformats.org/drawingml/2006/main" xmlns:r="http://schemas.openxmlformats.org/officeDocument/2006/relationships" xmlns:p="http://schemas.openxmlformats.org/presentationml/2006/main">
   <p:cSld>
     <p:spTree>
@@ -15666,7 +16006,7 @@
 </p:sld>
 </file>
 
-<file path=ppt/slides/slide16.xml><?xml version="1.0" encoding="utf-8"?>
+<file path=ppt/slides/slide17.xml><?xml version="1.0" encoding="utf-8"?>
 <p:sld xmlns:a="http://schemas.openxmlformats.org/drawingml/2006/main" xmlns:r="http://schemas.openxmlformats.org/officeDocument/2006/relationships" xmlns:p="http://schemas.openxmlformats.org/presentationml/2006/main">
   <p:cSld>
     <p:spTree>
@@ -16518,7 +16858,7 @@
 </p:sld>
 </file>
 
-<file path=ppt/slides/slide17.xml><?xml version="1.0" encoding="utf-8"?>
+<file path=ppt/slides/slide18.xml><?xml version="1.0" encoding="utf-8"?>
 <p:sld xmlns:a="http://schemas.openxmlformats.org/drawingml/2006/main" xmlns:r="http://schemas.openxmlformats.org/officeDocument/2006/relationships" xmlns:p="http://schemas.openxmlformats.org/presentationml/2006/main">
   <p:cSld>
     <p:spTree>
@@ -17161,7 +17501,7 @@
 </p:sld>
 </file>
 
-<file path=ppt/slides/slide18.xml><?xml version="1.0" encoding="utf-8"?>
+<file path=ppt/slides/slide19.xml><?xml version="1.0" encoding="utf-8"?>
 <p:sld xmlns:a="http://schemas.openxmlformats.org/drawingml/2006/main" xmlns:r="http://schemas.openxmlformats.org/officeDocument/2006/relationships" xmlns:p="http://schemas.openxmlformats.org/presentationml/2006/main">
   <p:cSld>
     <p:spTree>
@@ -23321,6 +23661,30 @@
 </file>
 
 <file path=customXml/item1.xml><?xml version="1.0" encoding="utf-8"?>
+<?mso-contentType ?>
+<FormTemplates xmlns="http://schemas.microsoft.com/sharepoint/v3/contenttype/forms">
+  <Display>DocumentLibraryForm</Display>
+  <Edit>DocumentLibraryForm</Edit>
+  <New>DocumentLibraryForm</New>
+</FormTemplates>
+</file>
+
+<file path=customXml/item2.xml><?xml version="1.0" encoding="utf-8"?>
+<p:properties xmlns:p="http://schemas.microsoft.com/office/2006/metadata/properties" xmlns:xsi="http://www.w3.org/2001/XMLSchema-instance" xmlns:pc="http://schemas.microsoft.com/office/infopath/2007/PartnerControls">
+  <documentManagement>
+    <Description0 xmlns="6eed6d30-21cb-4d2a-afd5-64247d3e7b92" xsi:nil="true"/>
+    <SharedWithUsers xmlns="3608d996-f921-4209-962b-af552f1375e0">
+      <UserInfo>
+        <DisplayName>Tonya Coldiron</DisplayName>
+        <AccountId>760</AccountId>
+        <AccountType/>
+      </UserInfo>
+    </SharedWithUsers>
+  </documentManagement>
+</p:properties>
+</file>
+
+<file path=customXml/item3.xml><?xml version="1.0" encoding="utf-8"?>
 <ct:contentTypeSchema xmlns:ct="http://schemas.microsoft.com/office/2006/metadata/contentType" xmlns:ma="http://schemas.microsoft.com/office/2006/metadata/properties/metaAttributes" ct:_="" ma:_="" ma:contentTypeName="Document" ma:contentTypeID="0x010100CB72CB62A2C7A84F8A09B310C9A494EA" ma:contentTypeVersion="3" ma:contentTypeDescription="Create a new document." ma:contentTypeScope="" ma:versionID="b4e75306b3d220e66d8bdfce9a72d9cb">
   <xsd:schema xmlns:xsd="http://www.w3.org/2001/XMLSchema" xmlns:xs="http://www.w3.org/2001/XMLSchema" xmlns:p="http://schemas.microsoft.com/office/2006/metadata/properties" xmlns:ns2="6eed6d30-21cb-4d2a-afd5-64247d3e7b92" xmlns:ns3="3608d996-f921-4209-962b-af552f1375e0" targetNamespace="http://schemas.microsoft.com/office/2006/metadata/properties" ma:root="true" ma:fieldsID="fa291b8313cb5ba9c7328f054605bda0" ns2:_="" ns3:_="">
     <xsd:import namespace="6eed6d30-21cb-4d2a-afd5-64247d3e7b92"/>
@@ -23481,45 +23845,10 @@
 </ct:contentTypeSchema>
 </file>
 
-<file path=customXml/item2.xml><?xml version="1.0" encoding="utf-8"?>
-<p:properties xmlns:p="http://schemas.microsoft.com/office/2006/metadata/properties" xmlns:xsi="http://www.w3.org/2001/XMLSchema-instance" xmlns:pc="http://schemas.microsoft.com/office/infopath/2007/PartnerControls">
-  <documentManagement>
-    <Description0 xmlns="6eed6d30-21cb-4d2a-afd5-64247d3e7b92" xsi:nil="true"/>
-    <SharedWithUsers xmlns="3608d996-f921-4209-962b-af552f1375e0">
-      <UserInfo>
-        <DisplayName>Tonya Coldiron</DisplayName>
-        <AccountId>760</AccountId>
-        <AccountType/>
-      </UserInfo>
-    </SharedWithUsers>
-  </documentManagement>
-</p:properties>
-</file>
-
-<file path=customXml/item3.xml><?xml version="1.0" encoding="utf-8"?>
-<?mso-contentType ?>
-<FormTemplates xmlns="http://schemas.microsoft.com/sharepoint/v3/contenttype/forms">
-  <Display>DocumentLibraryForm</Display>
-  <Edit>DocumentLibraryForm</Edit>
-  <New>DocumentLibraryForm</New>
-</FormTemplates>
-</file>
-
 <file path=customXml/itemProps1.xml><?xml version="1.0" encoding="utf-8"?>
-<ds:datastoreItem xmlns:ds="http://schemas.openxmlformats.org/officeDocument/2006/customXml" ds:itemID="{9D896509-6A47-4130-BB9D-1890AB9F6845}">
+<ds:datastoreItem xmlns:ds="http://schemas.openxmlformats.org/officeDocument/2006/customXml" ds:itemID="{68C3422F-B7B4-474F-834A-53BF9C172DDC}">
   <ds:schemaRefs>
-    <ds:schemaRef ds:uri="http://schemas.microsoft.com/office/2006/metadata/contentType"/>
-    <ds:schemaRef ds:uri="http://schemas.microsoft.com/office/2006/metadata/properties/metaAttributes"/>
-    <ds:schemaRef ds:uri="http://www.w3.org/2001/XMLSchema"/>
-    <ds:schemaRef ds:uri="http://schemas.microsoft.com/office/2006/metadata/properties"/>
-    <ds:schemaRef ds:uri="6eed6d30-21cb-4d2a-afd5-64247d3e7b92"/>
-    <ds:schemaRef ds:uri="3608d996-f921-4209-962b-af552f1375e0"/>
-    <ds:schemaRef ds:uri="http://schemas.microsoft.com/office/2006/documentManagement/types"/>
-    <ds:schemaRef ds:uri="http://schemas.microsoft.com/office/infopath/2007/PartnerControls"/>
-    <ds:schemaRef ds:uri="http://schemas.openxmlformats.org/package/2006/metadata/core-properties"/>
-    <ds:schemaRef ds:uri="http://purl.org/dc/elements/1.1/"/>
-    <ds:schemaRef ds:uri="http://purl.org/dc/terms/"/>
-    <ds:schemaRef ds:uri="http://schemas.microsoft.com/internal/obd"/>
+    <ds:schemaRef ds:uri="http://schemas.microsoft.com/sharepoint/v3/contenttype/forms"/>
   </ds:schemaRefs>
 </ds:datastoreItem>
 </file>
@@ -23542,9 +23871,20 @@
 </file>
 
 <file path=customXml/itemProps3.xml><?xml version="1.0" encoding="utf-8"?>
-<ds:datastoreItem xmlns:ds="http://schemas.openxmlformats.org/officeDocument/2006/customXml" ds:itemID="{68C3422F-B7B4-474F-834A-53BF9C172DDC}">
+<ds:datastoreItem xmlns:ds="http://schemas.openxmlformats.org/officeDocument/2006/customXml" ds:itemID="{9D896509-6A47-4130-BB9D-1890AB9F6845}">
   <ds:schemaRefs>
-    <ds:schemaRef ds:uri="http://schemas.microsoft.com/sharepoint/v3/contenttype/forms"/>
+    <ds:schemaRef ds:uri="http://schemas.microsoft.com/office/2006/metadata/contentType"/>
+    <ds:schemaRef ds:uri="http://schemas.microsoft.com/office/2006/metadata/properties/metaAttributes"/>
+    <ds:schemaRef ds:uri="http://www.w3.org/2001/XMLSchema"/>
+    <ds:schemaRef ds:uri="http://schemas.microsoft.com/office/2006/metadata/properties"/>
+    <ds:schemaRef ds:uri="6eed6d30-21cb-4d2a-afd5-64247d3e7b92"/>
+    <ds:schemaRef ds:uri="3608d996-f921-4209-962b-af552f1375e0"/>
+    <ds:schemaRef ds:uri="http://schemas.microsoft.com/office/2006/documentManagement/types"/>
+    <ds:schemaRef ds:uri="http://schemas.microsoft.com/office/infopath/2007/PartnerControls"/>
+    <ds:schemaRef ds:uri="http://schemas.openxmlformats.org/package/2006/metadata/core-properties"/>
+    <ds:schemaRef ds:uri="http://purl.org/dc/elements/1.1/"/>
+    <ds:schemaRef ds:uri="http://purl.org/dc/terms/"/>
+    <ds:schemaRef ds:uri="http://schemas.microsoft.com/internal/obd"/>
   </ds:schemaRefs>
 </ds:datastoreItem>
 </file>
--- a/Summit2017_Mocking.pptx
+++ b/Summit2017_Mocking.pptx
@@ -2018,7 +2018,7 @@
                 <a:ea typeface="+mn-ea"/>
                 <a:cs typeface="+mn-cs"/>
               </a:rPr>
-              <a:t>He found out Enzo Ferrari was looking to sell his company.</a:t>
+              <a:t>It so happened that Enzo Ferrari was looking to sell his company</a:t>
             </a:r>
           </a:p>
           <a:p>
@@ -2054,7 +2054,7 @@
                 <a:ea typeface="+mn-ea"/>
                 <a:cs typeface="+mn-cs"/>
               </a:rPr>
-              <a:t>Ferrari walked out when he found out Ford refused to let him remain in control of the racing division. </a:t>
+              <a:t>Ferrari walked out when he found out that Ford refused to let him remain in control of the racing division</a:t>
             </a:r>
           </a:p>
           <a:p>
@@ -2072,7 +2072,7 @@
                 <a:ea typeface="+mn-ea"/>
                 <a:cs typeface="+mn-cs"/>
               </a:rPr>
-              <a:t>Ford was now determined to beat Ferrari and outsourced development of a race car to company from England. The result was the GT40.</a:t>
+              <a:t>Ford became even more determined to beat Ferrari and outsourced development of a race car to company in England. The result was the GT40.</a:t>
             </a:r>
             <a:endParaRPr lang="en-US" dirty="0"/>
           </a:p>
@@ -2438,7 +2438,7 @@
                 <a:ea typeface="+mn-ea"/>
                 <a:cs typeface="+mn-cs"/>
               </a:rPr>
-              <a:t>A significant part of automated testing is isolating your system under test and validating real-world conditions and oftentimes even conditions you don’t expect</a:t>
+              <a:t>A big part of automated testing is isolating your system under test and validating real-world conditions</a:t>
             </a:r>
           </a:p>
         </p:txBody>
@@ -2859,6 +2859,29 @@
             </a:pPr>
             <a:r>
               <a:rPr lang="en-US" dirty="0"/>
+              <a:t>I want to remove Get-</a:t>
+            </a:r>
+            <a:r>
+              <a:rPr lang="en-US" dirty="0" err="1"/>
+              <a:t>ChildItem</a:t>
+            </a:r>
+            <a:r>
+              <a:rPr lang="en-US" dirty="0"/>
+              <a:t> as a variable in </a:t>
+            </a:r>
+            <a:r>
+              <a:rPr lang="en-US"/>
+              <a:t>my test</a:t>
+            </a:r>
+            <a:endParaRPr lang="en-US" dirty="0"/>
+          </a:p>
+          <a:p>
+            <a:pPr marL="171450" indent="-171450">
+              <a:buFont typeface="Arial" panose="020B0604020202020204" pitchFamily="34" charset="0"/>
+              <a:buChar char="•"/>
+            </a:pPr>
+            <a:r>
+              <a:rPr lang="en-US" dirty="0"/>
               <a:t>This test does use a Should Be assertion to verify the value returned by </a:t>
             </a:r>
             <a:r>
@@ -2986,21 +3009,8 @@
             </a:pPr>
             <a:r>
               <a:rPr lang="en-US" dirty="0"/>
-              <a:t>Here, my </a:t>
-            </a:r>
-            <a:r>
-              <a:rPr lang="en-US" dirty="0" err="1"/>
-              <a:t>StubMe</a:t>
-            </a:r>
-            <a:r>
-              <a:rPr lang="en-US" dirty="0"/>
-              <a:t> function is extracting a specific property of the output of Get-</a:t>
-            </a:r>
-            <a:r>
-              <a:rPr lang="en-US" dirty="0" err="1"/>
-              <a:t>ChildItem</a:t>
-            </a:r>
-            <a:endParaRPr lang="en-US" dirty="0"/>
+              <a:t>Gale Colas alerted me to this project just this week</a:t>
+            </a:r>
           </a:p>
           <a:p>
             <a:pPr marL="171450" indent="-171450">
@@ -3009,60 +3019,7 @@
             </a:pPr>
             <a:r>
               <a:rPr lang="en-US" dirty="0"/>
-              <a:t>In this case my Mock statement has no </a:t>
-            </a:r>
-            <a:r>
-              <a:rPr lang="en-US" dirty="0" err="1"/>
-              <a:t>ParameterFilter</a:t>
-            </a:r>
-            <a:r>
-              <a:rPr lang="en-US" dirty="0"/>
-              <a:t> and instead returns a Fake Object</a:t>
-            </a:r>
-          </a:p>
-          <a:p>
-            <a:pPr marL="171450" indent="-171450">
-              <a:buFont typeface="Arial" panose="020B0604020202020204" pitchFamily="34" charset="0"/>
-              <a:buChar char="•"/>
-            </a:pPr>
-            <a:r>
-              <a:rPr lang="en-US" dirty="0"/>
-              <a:t>This test does use a Should Be assertion to verify the value returned by </a:t>
-            </a:r>
-            <a:r>
-              <a:rPr lang="en-US" dirty="0" err="1"/>
-              <a:t>StubMe</a:t>
-            </a:r>
-            <a:endParaRPr lang="en-US" dirty="0"/>
-          </a:p>
-          <a:p>
-            <a:pPr marL="171450" indent="-171450">
-              <a:buFont typeface="Arial" panose="020B0604020202020204" pitchFamily="34" charset="0"/>
-              <a:buChar char="•"/>
-            </a:pPr>
-            <a:r>
-              <a:rPr lang="en-US" dirty="0"/>
-              <a:t>These are both simple examples, but even as the code and tests become more complex it boils down to behavior or state verification.</a:t>
-            </a:r>
-          </a:p>
-          <a:p>
-            <a:pPr marL="171450" indent="-171450">
-              <a:buFont typeface="Arial" panose="020B0604020202020204" pitchFamily="34" charset="0"/>
-              <a:buChar char="•"/>
-            </a:pPr>
-            <a:r>
-              <a:rPr lang="en-US" dirty="0"/>
-              <a:t>Behavior Verification is good when you are testing an integration with some dependency. You want to test that you are making the correct calls, but not actually making them.</a:t>
-            </a:r>
-          </a:p>
-          <a:p>
-            <a:pPr marL="171450" indent="-171450">
-              <a:buFont typeface="Arial" panose="020B0604020202020204" pitchFamily="34" charset="0"/>
-              <a:buChar char="•"/>
-            </a:pPr>
-            <a:r>
-              <a:rPr lang="en-US" dirty="0"/>
-              <a:t>State Verification is necessary when your System Under Test is modifying state. Obviously. </a:t>
+              <a:t>You can quickly generate stubs </a:t>
             </a:r>
           </a:p>
         </p:txBody>
@@ -12196,45 +12153,13 @@
       </p:sp>
       <p:sp>
         <p:nvSpPr>
-          <p:cNvPr id="14" name="TextBox 13"/>
-          <p:cNvSpPr txBox="1"/>
-          <p:nvPr/>
-        </p:nvSpPr>
-        <p:spPr>
-          <a:xfrm>
-            <a:off x="4172079" y="1745723"/>
-            <a:ext cx="2688813" cy="461665"/>
-          </a:xfrm>
-          <a:prstGeom prst="rect">
-            <a:avLst/>
-          </a:prstGeom>
-          <a:noFill/>
-        </p:spPr>
-        <p:txBody>
-          <a:bodyPr wrap="none" rtlCol="0">
-            <a:spAutoFit/>
-          </a:bodyPr>
-          <a:lstStyle/>
-          <a:p>
-            <a:r>
-              <a:rPr lang="en-US" sz="2400" dirty="0">
-                <a:latin typeface="TM Sans"/>
-                <a:cs typeface="TM Sans"/>
-              </a:rPr>
-              <a:t>PowerShell Classes</a:t>
-            </a:r>
-          </a:p>
-        </p:txBody>
-      </p:sp>
-      <p:sp>
-        <p:nvSpPr>
           <p:cNvPr id="15" name="TextBox 14"/>
           <p:cNvSpPr txBox="1"/>
           <p:nvPr/>
         </p:nvSpPr>
         <p:spPr>
           <a:xfrm>
-            <a:off x="3783301" y="3919229"/>
+            <a:off x="4688646" y="3753487"/>
             <a:ext cx="1436804" cy="461665"/>
           </a:xfrm>
           <a:prstGeom prst="rect">
@@ -12266,7 +12191,7 @@
         </p:nvSpPr>
         <p:spPr>
           <a:xfrm>
-            <a:off x="5753230" y="3230369"/>
+            <a:off x="5220105" y="1606223"/>
             <a:ext cx="1282852" cy="461665"/>
           </a:xfrm>
           <a:prstGeom prst="rect">

--- a/Summit2017_Mocking.pptx
+++ b/Summit2017_Mocking.pptx
@@ -2867,13 +2867,8 @@
             </a:r>
             <a:r>
               <a:rPr lang="en-US" dirty="0"/>
-              <a:t> as a variable in </a:t>
-            </a:r>
-            <a:r>
-              <a:rPr lang="en-US"/>
-              <a:t>my test</a:t>
-            </a:r>
-            <a:endParaRPr lang="en-US" dirty="0"/>
+              <a:t> as a variable in my test</a:t>
+            </a:r>
           </a:p>
           <a:p>
             <a:pPr marL="171450" indent="-171450">
@@ -20181,7 +20176,7 @@
         <p:spPr>
           <a:xfrm>
             <a:off x="225530" y="837006"/>
-            <a:ext cx="8645315" cy="4154984"/>
+            <a:ext cx="8329844" cy="3416320"/>
           </a:xfrm>
           <a:prstGeom prst="rect">
             <a:avLst/>
@@ -20221,7 +20216,7 @@
                 </a:solidFill>
                 <a:latin typeface="Fira Code" panose="020B0509050000020004" pitchFamily="49" charset="0"/>
               </a:rPr>
-              <a:t> </a:t>
+              <a:t> </a:t>
             </a:r>
             <a:r>
               <a:rPr lang="en-US" sz="1200" dirty="0" err="1">
@@ -20239,7 +20234,7 @@
                 </a:solidFill>
                 <a:latin typeface="Fira Code" panose="020B0509050000020004" pitchFamily="49" charset="0"/>
               </a:rPr>
-              <a:t> (</a:t>
+              <a:t> (</a:t>
             </a:r>
             <a:r>
               <a:rPr lang="en-US" sz="1200" dirty="0">
@@ -20266,63 +20261,81 @@
                 </a:solidFill>
                 <a:latin typeface="Fira Code" panose="020B0509050000020004" pitchFamily="49" charset="0"/>
               </a:rPr>
-              <a:t>) {</a:t>
+              <a:t>) {</a:t>
             </a:r>
           </a:p>
           <a:p>
             <a:r>
               <a:rPr lang="en-US" sz="1200" dirty="0">
                 <a:solidFill>
-                  <a:srgbClr val="D4D4D4"/>
-                </a:solidFill>
-                <a:latin typeface="Fira Code" panose="020B0509050000020004" pitchFamily="49" charset="0"/>
-              </a:rPr>
-              <a:t>    </a:t>
+                  <a:srgbClr val="C586C0"/>
+                </a:solidFill>
+                <a:latin typeface="Fira Code" panose="020B0509050000020004" pitchFamily="49" charset="0"/>
+              </a:rPr>
+              <a:t>	return</a:t>
             </a:r>
             <a:r>
               <a:rPr lang="en-US" sz="1200" dirty="0">
                 <a:solidFill>
-                  <a:srgbClr val="C586C0"/>
-                </a:solidFill>
-                <a:latin typeface="Fira Code" panose="020B0509050000020004" pitchFamily="49" charset="0"/>
-              </a:rPr>
-              <a:t>return</a:t>
+                  <a:srgbClr val="D4D4D4"/>
+                </a:solidFill>
+                <a:latin typeface="Fira Code" panose="020B0509050000020004" pitchFamily="49" charset="0"/>
+              </a:rPr>
+              <a:t> </a:t>
             </a:r>
             <a:r>
               <a:rPr lang="en-US" sz="1200" dirty="0">
                 <a:solidFill>
-                  <a:srgbClr val="D4D4D4"/>
-                </a:solidFill>
-                <a:latin typeface="Fira Code" panose="020B0509050000020004" pitchFamily="49" charset="0"/>
-              </a:rPr>
-              <a:t> </a:t>
+                  <a:srgbClr val="569CD6"/>
+                </a:solidFill>
+                <a:latin typeface="Fira Code" panose="020B0509050000020004" pitchFamily="49" charset="0"/>
+              </a:rPr>
+              <a:t>(</a:t>
             </a:r>
             <a:r>
               <a:rPr lang="en-US" sz="1200" dirty="0">
                 <a:solidFill>
+                  <a:srgbClr val="DCDCAA"/>
+                </a:solidFill>
+                <a:latin typeface="Fira Code" panose="020B0509050000020004" pitchFamily="49" charset="0"/>
+              </a:rPr>
+              <a:t>Get-</a:t>
+            </a:r>
+            <a:r>
+              <a:rPr lang="en-US" sz="1200" dirty="0" err="1">
+                <a:solidFill>
+                  <a:srgbClr val="DCDCAA"/>
+                </a:solidFill>
+                <a:latin typeface="Fira Code" panose="020B0509050000020004" pitchFamily="49" charset="0"/>
+              </a:rPr>
+              <a:t>ChildItem</a:t>
+            </a:r>
+            <a:r>
+              <a:rPr lang="en-US" sz="1200" dirty="0">
+                <a:solidFill>
+                  <a:srgbClr val="D4D4D4"/>
+                </a:solidFill>
+                <a:latin typeface="Fira Code" panose="020B0509050000020004" pitchFamily="49" charset="0"/>
+              </a:rPr>
+              <a:t> -Path </a:t>
+            </a:r>
+            <a:r>
+              <a:rPr lang="en-US" sz="1200" dirty="0">
+                <a:solidFill>
                   <a:srgbClr val="569CD6"/>
                 </a:solidFill>
                 <a:latin typeface="Fira Code" panose="020B0509050000020004" pitchFamily="49" charset="0"/>
               </a:rPr>
-              <a:t>(</a:t>
+              <a:t>$</a:t>
             </a:r>
             <a:r>
               <a:rPr lang="en-US" sz="1200" dirty="0">
                 <a:solidFill>
-                  <a:srgbClr val="DCDCAA"/>
-                </a:solidFill>
-                <a:latin typeface="Fira Code" panose="020B0509050000020004" pitchFamily="49" charset="0"/>
-              </a:rPr>
-              <a:t>Get-</a:t>
-            </a:r>
-            <a:r>
-              <a:rPr lang="en-US" sz="1200" dirty="0" err="1">
-                <a:solidFill>
-                  <a:srgbClr val="DCDCAA"/>
-                </a:solidFill>
-                <a:latin typeface="Fira Code" panose="020B0509050000020004" pitchFamily="49" charset="0"/>
-              </a:rPr>
-              <a:t>ChildItem</a:t>
+                  <a:srgbClr val="9CDCFE"/>
+                </a:solidFill>
+                <a:latin typeface="Fira Code" panose="020B0509050000020004" pitchFamily="49" charset="0"/>
+              </a:rPr>
+              <a:t>Path</a:t>
             </a:r>
             <a:r>
               <a:rPr lang="en-US" sz="1200" dirty="0">
@@ -20331,25 +20344,16 @@
                 </a:solidFill>
                 <a:latin typeface="Fira Code" panose="020B0509050000020004" pitchFamily="49" charset="0"/>
               </a:rPr>
-              <a:t> -Path </a:t>
+              <a:t> -Filter </a:t>
             </a:r>
             <a:r>
               <a:rPr lang="en-US" sz="1200" dirty="0">
                 <a:solidFill>
-                  <a:srgbClr val="569CD6"/>
-                </a:solidFill>
-                <a:latin typeface="Fira Code" panose="020B0509050000020004" pitchFamily="49" charset="0"/>
-              </a:rPr>
-              <a:t>$</a:t>
-            </a:r>
-            <a:r>
-              <a:rPr lang="en-US" sz="1200" dirty="0">
-                <a:solidFill>
-                  <a:srgbClr val="9CDCFE"/>
-                </a:solidFill>
-                <a:latin typeface="Fira Code" panose="020B0509050000020004" pitchFamily="49" charset="0"/>
-              </a:rPr>
-              <a:t>Path</a:t>
+                  <a:srgbClr val="CE9178"/>
+                </a:solidFill>
+                <a:latin typeface="Fira Code" panose="020B0509050000020004" pitchFamily="49" charset="0"/>
+              </a:rPr>
+              <a:t>"*.ps1"</a:t>
             </a:r>
             <a:r>
               <a:rPr lang="en-US" sz="1200" dirty="0">
@@ -20394,7 +20398,7 @@
                 </a:solidFill>
                 <a:latin typeface="Fira Code" panose="020B0509050000020004" pitchFamily="49" charset="0"/>
               </a:rPr>
-              <a:t>Describe </a:t>
+              <a:t>Describe </a:t>
             </a:r>
             <a:r>
               <a:rPr lang="en-US" sz="1200" dirty="0">
@@ -20412,7 +20416,7 @@
                 </a:solidFill>
                 <a:latin typeface="Fira Code" panose="020B0509050000020004" pitchFamily="49" charset="0"/>
               </a:rPr>
-              <a:t> { </a:t>
+              <a:t> { </a:t>
             </a:r>
             <a:r>
               <a:rPr lang="en-US" sz="1200" dirty="0">
@@ -20421,7 +20425,7 @@
                 </a:solidFill>
                 <a:latin typeface="Fira Code" panose="020B0509050000020004" pitchFamily="49" charset="0"/>
               </a:rPr>
-              <a:t># Behavior Verification</a:t>
+              <a:t># Behavior Verification</a:t>
             </a:r>
             <a:endParaRPr lang="en-US" sz="1200" dirty="0">
               <a:solidFill>
@@ -20438,7 +20442,7 @@
                 </a:solidFill>
                 <a:latin typeface="Fira Code" panose="020B0509050000020004" pitchFamily="49" charset="0"/>
               </a:rPr>
-              <a:t>    Mock </a:t>
+              <a:t>	Mock </a:t>
             </a:r>
             <a:r>
               <a:rPr lang="en-US" sz="1200" dirty="0">
@@ -20465,7 +20469,7 @@
                 </a:solidFill>
                 <a:latin typeface="Fira Code" panose="020B0509050000020004" pitchFamily="49" charset="0"/>
               </a:rPr>
-              <a:t> -</a:t>
+              <a:t> -</a:t>
             </a:r>
             <a:r>
               <a:rPr lang="en-US" sz="1200" dirty="0" err="1">
@@ -20483,7 +20487,7 @@
                 </a:solidFill>
                 <a:latin typeface="Fira Code" panose="020B0509050000020004" pitchFamily="49" charset="0"/>
               </a:rPr>
-              <a:t> {</a:t>
+              <a:t> {</a:t>
             </a:r>
             <a:r>
               <a:rPr lang="en-US" sz="1200" dirty="0">
@@ -20510,7 +20514,7 @@
                 </a:solidFill>
                 <a:latin typeface="Fira Code" panose="020B0509050000020004" pitchFamily="49" charset="0"/>
               </a:rPr>
-              <a:t> -</a:t>
+              <a:t> -</a:t>
             </a:r>
             <a:r>
               <a:rPr lang="en-US" sz="1200" dirty="0" err="1">
@@ -20528,7 +20532,7 @@
                 </a:solidFill>
                 <a:latin typeface="Fira Code" panose="020B0509050000020004" pitchFamily="49" charset="0"/>
               </a:rPr>
-              <a:t> </a:t>
+              <a:t> </a:t>
             </a:r>
             <a:r>
               <a:rPr lang="en-US" sz="1200" dirty="0">
@@ -20546,7 +20550,34 @@
                 </a:solidFill>
                 <a:latin typeface="Fira Code" panose="020B0509050000020004" pitchFamily="49" charset="0"/>
               </a:rPr>
-              <a:t>} -</a:t>
+              <a:t> -and </a:t>
+            </a:r>
+            <a:r>
+              <a:rPr lang="en-US" sz="1200" dirty="0">
+                <a:solidFill>
+                  <a:srgbClr val="569CD6"/>
+                </a:solidFill>
+                <a:latin typeface="Fira Code" panose="020B0509050000020004" pitchFamily="49" charset="0"/>
+              </a:rPr>
+              <a:t>$</a:t>
+            </a:r>
+            <a:r>
+              <a:rPr lang="en-US" sz="1200" dirty="0">
+                <a:solidFill>
+                  <a:srgbClr val="9CDCFE"/>
+                </a:solidFill>
+                <a:latin typeface="Fira Code" panose="020B0509050000020004" pitchFamily="49" charset="0"/>
+              </a:rPr>
+              <a:t>Filter</a:t>
+            </a:r>
+            <a:r>
+              <a:rPr lang="en-US" sz="1200" dirty="0">
+                <a:solidFill>
+                  <a:srgbClr val="D4D4D4"/>
+                </a:solidFill>
+                <a:latin typeface="Fira Code" panose="020B0509050000020004" pitchFamily="49" charset="0"/>
+              </a:rPr>
+              <a:t> -</a:t>
             </a:r>
             <a:r>
               <a:rPr lang="en-US" sz="1200" dirty="0" err="1">
@@ -20555,6 +20586,53 @@
                 </a:solidFill>
                 <a:latin typeface="Fira Code" panose="020B0509050000020004" pitchFamily="49" charset="0"/>
               </a:rPr>
+              <a:t>eq</a:t>
+            </a:r>
+            <a:r>
+              <a:rPr lang="en-US" sz="1200" dirty="0">
+                <a:solidFill>
+                  <a:srgbClr val="D4D4D4"/>
+                </a:solidFill>
+                <a:latin typeface="Fira Code" panose="020B0509050000020004" pitchFamily="49" charset="0"/>
+              </a:rPr>
+              <a:t> </a:t>
+            </a:r>
+            <a:r>
+              <a:rPr lang="en-US" sz="1200" dirty="0">
+                <a:solidFill>
+                  <a:srgbClr val="CE9178"/>
+                </a:solidFill>
+                <a:latin typeface="Fira Code" panose="020B0509050000020004" pitchFamily="49" charset="0"/>
+              </a:rPr>
+              <a:t>"*.ps1"</a:t>
+            </a:r>
+            <a:r>
+              <a:rPr lang="en-US" sz="1200" dirty="0">
+                <a:solidFill>
+                  <a:srgbClr val="D4D4D4"/>
+                </a:solidFill>
+                <a:latin typeface="Fira Code" panose="020B0509050000020004" pitchFamily="49" charset="0"/>
+              </a:rPr>
+              <a:t>} `</a:t>
+            </a:r>
+          </a:p>
+          <a:p>
+            <a:r>
+              <a:rPr lang="en-US" sz="1200" dirty="0">
+                <a:solidFill>
+                  <a:srgbClr val="D4D4D4"/>
+                </a:solidFill>
+                <a:latin typeface="Fira Code" panose="020B0509050000020004" pitchFamily="49" charset="0"/>
+              </a:rPr>
+              <a:t>		-</a:t>
+            </a:r>
+            <a:r>
+              <a:rPr lang="en-US" sz="1200" dirty="0" err="1">
+                <a:solidFill>
+                  <a:srgbClr val="D4D4D4"/>
+                </a:solidFill>
+                <a:latin typeface="Fira Code" panose="020B0509050000020004" pitchFamily="49" charset="0"/>
+              </a:rPr>
               <a:t>MockWith</a:t>
             </a:r>
             <a:r>
@@ -20564,162 +20642,7 @@
                 </a:solidFill>
                 <a:latin typeface="Fira Code" panose="020B0509050000020004" pitchFamily="49" charset="0"/>
               </a:rPr>
-              <a:t> {</a:t>
-            </a:r>
-            <a:r>
-              <a:rPr lang="en-US" sz="1200" dirty="0">
-                <a:solidFill>
-                  <a:srgbClr val="569CD6"/>
-                </a:solidFill>
-                <a:latin typeface="Fira Code" panose="020B0509050000020004" pitchFamily="49" charset="0"/>
-              </a:rPr>
-              <a:t>$null</a:t>
-            </a:r>
-            <a:r>
-              <a:rPr lang="en-US" sz="1200" dirty="0">
-                <a:solidFill>
-                  <a:srgbClr val="D4D4D4"/>
-                </a:solidFill>
-                <a:latin typeface="Fira Code" panose="020B0509050000020004" pitchFamily="49" charset="0"/>
-              </a:rPr>
-              <a:t>}</a:t>
-            </a:r>
-          </a:p>
-          <a:p>
-            <a:r>
-              <a:rPr lang="en-US" sz="1200" dirty="0">
-                <a:solidFill>
-                  <a:srgbClr val="D4D4D4"/>
-                </a:solidFill>
-                <a:latin typeface="Fira Code" panose="020B0509050000020004" pitchFamily="49" charset="0"/>
-              </a:rPr>
-              <a:t>    Mock </a:t>
-            </a:r>
-            <a:r>
-              <a:rPr lang="en-US" sz="1200" dirty="0">
-                <a:solidFill>
-                  <a:srgbClr val="DCDCAA"/>
-                </a:solidFill>
-                <a:latin typeface="Fira Code" panose="020B0509050000020004" pitchFamily="49" charset="0"/>
-              </a:rPr>
-              <a:t>Get-</a:t>
-            </a:r>
-            <a:r>
-              <a:rPr lang="en-US" sz="1200" dirty="0" err="1">
-                <a:solidFill>
-                  <a:srgbClr val="DCDCAA"/>
-                </a:solidFill>
-                <a:latin typeface="Fira Code" panose="020B0509050000020004" pitchFamily="49" charset="0"/>
-              </a:rPr>
-              <a:t>ChildItem</a:t>
-            </a:r>
-            <a:r>
-              <a:rPr lang="en-US" sz="1200" dirty="0">
-                <a:solidFill>
-                  <a:srgbClr val="D4D4D4"/>
-                </a:solidFill>
-                <a:latin typeface="Fira Code" panose="020B0509050000020004" pitchFamily="49" charset="0"/>
-              </a:rPr>
-              <a:t> -</a:t>
-            </a:r>
-            <a:r>
-              <a:rPr lang="en-US" sz="1200" dirty="0" err="1">
-                <a:solidFill>
-                  <a:srgbClr val="D4D4D4"/>
-                </a:solidFill>
-                <a:latin typeface="Fira Code" panose="020B0509050000020004" pitchFamily="49" charset="0"/>
-              </a:rPr>
-              <a:t>ParameterFilter</a:t>
-            </a:r>
-            <a:r>
-              <a:rPr lang="en-US" sz="1200" dirty="0">
-                <a:solidFill>
-                  <a:srgbClr val="D4D4D4"/>
-                </a:solidFill>
-                <a:latin typeface="Fira Code" panose="020B0509050000020004" pitchFamily="49" charset="0"/>
-              </a:rPr>
-              <a:t> {</a:t>
-            </a:r>
-            <a:r>
-              <a:rPr lang="en-US" sz="1200" dirty="0">
-                <a:solidFill>
-                  <a:srgbClr val="569CD6"/>
-                </a:solidFill>
-                <a:latin typeface="Fira Code" panose="020B0509050000020004" pitchFamily="49" charset="0"/>
-              </a:rPr>
-              <a:t>$</a:t>
-            </a:r>
-            <a:r>
-              <a:rPr lang="en-US" sz="1200" dirty="0">
-                <a:solidFill>
-                  <a:srgbClr val="9CDCFE"/>
-                </a:solidFill>
-                <a:latin typeface="Fira Code" panose="020B0509050000020004" pitchFamily="49" charset="0"/>
-              </a:rPr>
-              <a:t>Path</a:t>
-            </a:r>
-            <a:r>
-              <a:rPr lang="en-US" sz="1200" dirty="0">
-                <a:solidFill>
-                  <a:srgbClr val="D4D4D4"/>
-                </a:solidFill>
-                <a:latin typeface="Fira Code" panose="020B0509050000020004" pitchFamily="49" charset="0"/>
-              </a:rPr>
-              <a:t> -</a:t>
-            </a:r>
-            <a:r>
-              <a:rPr lang="en-US" sz="1200" dirty="0" err="1">
-                <a:solidFill>
-                  <a:srgbClr val="D4D4D4"/>
-                </a:solidFill>
-                <a:latin typeface="Fira Code" panose="020B0509050000020004" pitchFamily="49" charset="0"/>
-              </a:rPr>
-              <a:t>eq</a:t>
-            </a:r>
-            <a:r>
-              <a:rPr lang="en-US" sz="1200" dirty="0">
-                <a:solidFill>
-                  <a:srgbClr val="D4D4D4"/>
-                </a:solidFill>
-                <a:latin typeface="Fira Code" panose="020B0509050000020004" pitchFamily="49" charset="0"/>
-              </a:rPr>
-              <a:t> </a:t>
-            </a:r>
-            <a:r>
-              <a:rPr lang="en-US" sz="1200" dirty="0">
-                <a:solidFill>
-                  <a:srgbClr val="CE9178"/>
-                </a:solidFill>
-                <a:latin typeface="Fira Code" panose="020B0509050000020004" pitchFamily="49" charset="0"/>
-              </a:rPr>
-              <a:t>'C:\bar'</a:t>
-            </a:r>
-            <a:r>
-              <a:rPr lang="en-US" sz="1200" dirty="0">
-                <a:solidFill>
-                  <a:srgbClr val="D4D4D4"/>
-                </a:solidFill>
-                <a:latin typeface="Fira Code" panose="020B0509050000020004" pitchFamily="49" charset="0"/>
-              </a:rPr>
-              <a:t>} -</a:t>
-            </a:r>
-            <a:r>
-              <a:rPr lang="en-US" sz="1200" dirty="0" err="1">
-                <a:solidFill>
-                  <a:srgbClr val="D4D4D4"/>
-                </a:solidFill>
-                <a:latin typeface="Fira Code" panose="020B0509050000020004" pitchFamily="49" charset="0"/>
-              </a:rPr>
-              <a:t>MockWith</a:t>
-            </a:r>
-            <a:r>
-              <a:rPr lang="en-US" sz="1200" dirty="0">
-                <a:solidFill>
-                  <a:srgbClr val="D4D4D4"/>
-                </a:solidFill>
-                <a:latin typeface="Fira Code" panose="020B0509050000020004" pitchFamily="49" charset="0"/>
-              </a:rPr>
-              <a:t> {</a:t>
+              <a:t> {</a:t>
             </a:r>
             <a:r>
               <a:rPr lang="en-US" sz="1200" dirty="0">
@@ -20756,7 +20679,7 @@
                 </a:solidFill>
                 <a:latin typeface="Fira Code" panose="020B0509050000020004" pitchFamily="49" charset="0"/>
               </a:rPr>
-              <a:t>    Context </a:t>
+              <a:t>	Context </a:t>
             </a:r>
             <a:r>
               <a:rPr lang="en-US" sz="1200" dirty="0">
@@ -20774,7 +20697,7 @@
                 </a:solidFill>
                 <a:latin typeface="Fira Code" panose="020B0509050000020004" pitchFamily="49" charset="0"/>
               </a:rPr>
-              <a:t> {</a:t>
+              <a:t> {</a:t>
             </a:r>
           </a:p>
           <a:p>
@@ -20785,7 +20708,7 @@
                 </a:solidFill>
                 <a:latin typeface="Fira Code" panose="020B0509050000020004" pitchFamily="49" charset="0"/>
               </a:rPr>
-              <a:t>        It </a:t>
+              <a:t>		It </a:t>
             </a:r>
             <a:r>
               <a:rPr lang="en-US" sz="1200" dirty="0">
@@ -20794,7 +20717,7 @@
                 </a:solidFill>
                 <a:latin typeface="Fira Code" panose="020B0509050000020004" pitchFamily="49" charset="0"/>
               </a:rPr>
-              <a:t>'Should only call GCI Foo'</a:t>
+              <a:t>'Should only call GCI Foo'</a:t>
             </a:r>
             <a:r>
               <a:rPr lang="en-US" sz="1200" dirty="0">
@@ -20803,36 +20726,45 @@
                 </a:solidFill>
                 <a:latin typeface="Fira Code" panose="020B0509050000020004" pitchFamily="49" charset="0"/>
               </a:rPr>
-              <a:t> {</a:t>
+              <a:t> {</a:t>
             </a:r>
           </a:p>
           <a:p>
             <a:r>
               <a:rPr lang="en-US" sz="1200" dirty="0">
                 <a:solidFill>
-                  <a:srgbClr val="D4D4D4"/>
-                </a:solidFill>
-                <a:latin typeface="Fira Code" panose="020B0509050000020004" pitchFamily="49" charset="0"/>
-              </a:rPr>
-              <a:t>            </a:t>
+                  <a:srgbClr val="569CD6"/>
+                </a:solidFill>
+                <a:latin typeface="Fira Code" panose="020B0509050000020004" pitchFamily="49" charset="0"/>
+              </a:rPr>
+              <a:t>			$</a:t>
             </a:r>
             <a:r>
               <a:rPr lang="en-US" sz="1200" dirty="0">
                 <a:solidFill>
-                  <a:srgbClr val="569CD6"/>
-                </a:solidFill>
-                <a:latin typeface="Fira Code" panose="020B0509050000020004" pitchFamily="49" charset="0"/>
-              </a:rPr>
-              <a:t>$</a:t>
+                  <a:srgbClr val="9CDCFE"/>
+                </a:solidFill>
+                <a:latin typeface="Fira Code" panose="020B0509050000020004" pitchFamily="49" charset="0"/>
+              </a:rPr>
+              <a:t>output</a:t>
             </a:r>
             <a:r>
               <a:rPr lang="en-US" sz="1200" dirty="0">
                 <a:solidFill>
-                  <a:srgbClr val="9CDCFE"/>
-                </a:solidFill>
-                <a:latin typeface="Fira Code" panose="020B0509050000020004" pitchFamily="49" charset="0"/>
-              </a:rPr>
-              <a:t>output</a:t>
+                  <a:srgbClr val="D4D4D4"/>
+                </a:solidFill>
+                <a:latin typeface="Fira Code" panose="020B0509050000020004" pitchFamily="49" charset="0"/>
+              </a:rPr>
+              <a:t> = </a:t>
+            </a:r>
+            <a:r>
+              <a:rPr lang="en-US" sz="1200" dirty="0" err="1">
+                <a:solidFill>
+                  <a:srgbClr val="D4D4D4"/>
+                </a:solidFill>
+                <a:latin typeface="Fira Code" panose="020B0509050000020004" pitchFamily="49" charset="0"/>
+              </a:rPr>
+              <a:t>MockMe</a:t>
             </a:r>
             <a:r>
               <a:rPr lang="en-US" sz="1200" dirty="0">
@@ -20841,25 +20773,7 @@
                 </a:solidFill>
                 <a:latin typeface="Fira Code" panose="020B0509050000020004" pitchFamily="49" charset="0"/>
               </a:rPr>
-              <a:t> = </a:t>
-            </a:r>
-            <a:r>
-              <a:rPr lang="en-US" sz="1200" dirty="0" err="1">
-                <a:solidFill>
-                  <a:srgbClr val="D4D4D4"/>
-                </a:solidFill>
-                <a:latin typeface="Fira Code" panose="020B0509050000020004" pitchFamily="49" charset="0"/>
-              </a:rPr>
-              <a:t>MockMe</a:t>
-            </a:r>
-            <a:r>
-              <a:rPr lang="en-US" sz="1200" dirty="0">
-                <a:solidFill>
-                  <a:srgbClr val="D4D4D4"/>
-                </a:solidFill>
-                <a:latin typeface="Fira Code" panose="020B0509050000020004" pitchFamily="49" charset="0"/>
-              </a:rPr>
-              <a:t> </a:t>
+              <a:t> </a:t>
             </a:r>
             <a:r>
               <a:rPr lang="en-US" sz="1200" dirty="0">
@@ -20881,20 +20795,38 @@
             <a:r>
               <a:rPr lang="en-US" sz="1200" dirty="0">
                 <a:solidFill>
-                  <a:srgbClr val="D4D4D4"/>
-                </a:solidFill>
-                <a:latin typeface="Fira Code" panose="020B0509050000020004" pitchFamily="49" charset="0"/>
-              </a:rPr>
-              <a:t>            </a:t>
+                  <a:srgbClr val="DCDCAA"/>
+                </a:solidFill>
+                <a:latin typeface="Fira Code" panose="020B0509050000020004" pitchFamily="49" charset="0"/>
+              </a:rPr>
+              <a:t>			Assert-</a:t>
+            </a:r>
+            <a:r>
+              <a:rPr lang="en-US" sz="1200" dirty="0" err="1">
+                <a:solidFill>
+                  <a:srgbClr val="DCDCAA"/>
+                </a:solidFill>
+                <a:latin typeface="Fira Code" panose="020B0509050000020004" pitchFamily="49" charset="0"/>
+              </a:rPr>
+              <a:t>MockCalled</a:t>
             </a:r>
             <a:r>
               <a:rPr lang="en-US" sz="1200" dirty="0">
                 <a:solidFill>
+                  <a:srgbClr val="D4D4D4"/>
+                </a:solidFill>
+                <a:latin typeface="Fira Code" panose="020B0509050000020004" pitchFamily="49" charset="0"/>
+              </a:rPr>
+              <a:t> </a:t>
+            </a:r>
+            <a:r>
+              <a:rPr lang="en-US" sz="1200" dirty="0">
+                <a:solidFill>
                   <a:srgbClr val="DCDCAA"/>
                 </a:solidFill>
                 <a:latin typeface="Fira Code" panose="020B0509050000020004" pitchFamily="49" charset="0"/>
               </a:rPr>
-              <a:t>Assert-</a:t>
+              <a:t>Get-</a:t>
             </a:r>
             <a:r>
               <a:rPr lang="en-US" sz="1200" dirty="0" err="1">
@@ -20903,7 +20835,7 @@
                 </a:solidFill>
                 <a:latin typeface="Fira Code" panose="020B0509050000020004" pitchFamily="49" charset="0"/>
               </a:rPr>
-              <a:t>MockCalled</a:t>
+              <a:t>ChildItem</a:t>
             </a:r>
             <a:r>
               <a:rPr lang="en-US" sz="1200" dirty="0">
@@ -20912,25 +20844,45 @@
                 </a:solidFill>
                 <a:latin typeface="Fira Code" panose="020B0509050000020004" pitchFamily="49" charset="0"/>
               </a:rPr>
-              <a:t> </a:t>
+              <a:t> -Times </a:t>
             </a:r>
             <a:r>
               <a:rPr lang="en-US" sz="1200" dirty="0">
                 <a:solidFill>
-                  <a:srgbClr val="DCDCAA"/>
-                </a:solidFill>
-                <a:latin typeface="Fira Code" panose="020B0509050000020004" pitchFamily="49" charset="0"/>
-              </a:rPr>
-              <a:t>Get-</a:t>
+                  <a:srgbClr val="B5CEA8"/>
+                </a:solidFill>
+                <a:latin typeface="Fira Code" panose="020B0509050000020004" pitchFamily="49" charset="0"/>
+              </a:rPr>
+              <a:t>1</a:t>
+            </a:r>
+            <a:r>
+              <a:rPr lang="en-US" sz="1200" dirty="0">
+                <a:solidFill>
+                  <a:srgbClr val="D4D4D4"/>
+                </a:solidFill>
+                <a:latin typeface="Fira Code" panose="020B0509050000020004" pitchFamily="49" charset="0"/>
+              </a:rPr>
+              <a:t> `</a:t>
+            </a:r>
+          </a:p>
+          <a:p>
+            <a:r>
+              <a:rPr lang="en-US" sz="1200" dirty="0">
+                <a:solidFill>
+                  <a:srgbClr val="D4D4D4"/>
+                </a:solidFill>
+                <a:latin typeface="Fira Code" panose="020B0509050000020004" pitchFamily="49" charset="0"/>
+              </a:rPr>
+              <a:t>				-</a:t>
             </a:r>
             <a:r>
               <a:rPr lang="en-US" sz="1200" dirty="0" err="1">
                 <a:solidFill>
-                  <a:srgbClr val="DCDCAA"/>
-                </a:solidFill>
-                <a:latin typeface="Fira Code" panose="020B0509050000020004" pitchFamily="49" charset="0"/>
-              </a:rPr>
-              <a:t>ChildItem</a:t>
+                  <a:srgbClr val="D4D4D4"/>
+                </a:solidFill>
+                <a:latin typeface="Fira Code" panose="020B0509050000020004" pitchFamily="49" charset="0"/>
+              </a:rPr>
+              <a:t>ParameterFilter</a:t>
             </a:r>
             <a:r>
               <a:rPr lang="en-US" sz="1200" dirty="0">
@@ -20939,25 +20891,34 @@
                 </a:solidFill>
                 <a:latin typeface="Fira Code" panose="020B0509050000020004" pitchFamily="49" charset="0"/>
               </a:rPr>
-              <a:t>  -Times </a:t>
+              <a:t> {</a:t>
             </a:r>
             <a:r>
               <a:rPr lang="en-US" sz="1200" dirty="0">
                 <a:solidFill>
-                  <a:srgbClr val="B5CEA8"/>
-                </a:solidFill>
-                <a:latin typeface="Fira Code" panose="020B0509050000020004" pitchFamily="49" charset="0"/>
-              </a:rPr>
-              <a:t>1</a:t>
+                  <a:srgbClr val="569CD6"/>
+                </a:solidFill>
+                <a:latin typeface="Fira Code" panose="020B0509050000020004" pitchFamily="49" charset="0"/>
+              </a:rPr>
+              <a:t>$</a:t>
             </a:r>
             <a:r>
               <a:rPr lang="en-US" sz="1200" dirty="0">
                 <a:solidFill>
-                  <a:srgbClr val="D4D4D4"/>
-                </a:solidFill>
-                <a:latin typeface="Fira Code" panose="020B0509050000020004" pitchFamily="49" charset="0"/>
-              </a:rPr>
-              <a:t> -</a:t>
+                  <a:srgbClr val="9CDCFE"/>
+                </a:solidFill>
+                <a:latin typeface="Fira Code" panose="020B0509050000020004" pitchFamily="49" charset="0"/>
+              </a:rPr>
+              <a:t>Path</a:t>
+            </a:r>
+            <a:r>
+              <a:rPr lang="en-US" sz="1200" dirty="0">
+                <a:solidFill>
+                  <a:srgbClr val="D4D4D4"/>
+                </a:solidFill>
+                <a:latin typeface="Fira Code" panose="020B0509050000020004" pitchFamily="49" charset="0"/>
+              </a:rPr>
+              <a:t> -</a:t>
             </a:r>
             <a:r>
               <a:rPr lang="en-US" sz="1200" dirty="0" err="1">
@@ -20966,7 +20927,7 @@
                 </a:solidFill>
                 <a:latin typeface="Fira Code" panose="020B0509050000020004" pitchFamily="49" charset="0"/>
               </a:rPr>
-              <a:t>ParameterFilter</a:t>
+              <a:t>eq</a:t>
             </a:r>
             <a:r>
               <a:rPr lang="en-US" sz="1200" dirty="0">
@@ -20975,11 +20936,29 @@
                 </a:solidFill>
                 <a:latin typeface="Fira Code" panose="020B0509050000020004" pitchFamily="49" charset="0"/>
               </a:rPr>
-              <a:t> {</a:t>
+              <a:t> </a:t>
             </a:r>
             <a:r>
               <a:rPr lang="en-US" sz="1200" dirty="0">
                 <a:solidFill>
+                  <a:srgbClr val="CE9178"/>
+                </a:solidFill>
+                <a:latin typeface="Fira Code" panose="020B0509050000020004" pitchFamily="49" charset="0"/>
+              </a:rPr>
+              <a:t>'C:\foo'</a:t>
+            </a:r>
+            <a:r>
+              <a:rPr lang="en-US" sz="1200" dirty="0">
+                <a:solidFill>
+                  <a:srgbClr val="D4D4D4"/>
+                </a:solidFill>
+                <a:latin typeface="Fira Code" panose="020B0509050000020004" pitchFamily="49" charset="0"/>
+              </a:rPr>
+              <a:t> -and </a:t>
+            </a:r>
+            <a:r>
+              <a:rPr lang="en-US" sz="1200" dirty="0">
+                <a:solidFill>
                   <a:srgbClr val="569CD6"/>
                 </a:solidFill>
                 <a:latin typeface="Fira Code" panose="020B0509050000020004" pitchFamily="49" charset="0"/>
@@ -20993,7 +20972,7 @@
                 </a:solidFill>
                 <a:latin typeface="Fira Code" panose="020B0509050000020004" pitchFamily="49" charset="0"/>
               </a:rPr>
-              <a:t>Path</a:t>
+              <a:t>Filter</a:t>
             </a:r>
             <a:r>
               <a:rPr lang="en-US" sz="1200" dirty="0">
@@ -21002,7 +20981,7 @@
                 </a:solidFill>
                 <a:latin typeface="Fira Code" panose="020B0509050000020004" pitchFamily="49" charset="0"/>
               </a:rPr>
-              <a:t> -</a:t>
+              <a:t> -</a:t>
             </a:r>
             <a:r>
               <a:rPr lang="en-US" sz="1200" dirty="0" err="1">
@@ -21020,7 +20999,7 @@
                 </a:solidFill>
                 <a:latin typeface="Fira Code" panose="020B0509050000020004" pitchFamily="49" charset="0"/>
               </a:rPr>
-              <a:t> </a:t>
+              <a:t> </a:t>
             </a:r>
             <a:r>
               <a:rPr lang="en-US" sz="1200" dirty="0">
@@ -21029,7 +21008,7 @@
                 </a:solidFill>
                 <a:latin typeface="Fira Code" panose="020B0509050000020004" pitchFamily="49" charset="0"/>
               </a:rPr>
-              <a:t>'C:\foo'</a:t>
+              <a:t>"*.ps1"</a:t>
             </a:r>
             <a:r>
               <a:rPr lang="en-US" sz="1200" dirty="0">
@@ -21049,26 +21028,21 @@
                 </a:solidFill>
                 <a:latin typeface="Fira Code" panose="020B0509050000020004" pitchFamily="49" charset="0"/>
               </a:rPr>
-              <a:t>            </a:t>
-            </a:r>
+              <a:t>		}</a:t>
+            </a:r>
+          </a:p>
+          <a:p>
             <a:r>
               <a:rPr lang="en-US" sz="1200" dirty="0">
                 <a:solidFill>
-                  <a:srgbClr val="DCDCAA"/>
-                </a:solidFill>
-                <a:latin typeface="Fira Code" panose="020B0509050000020004" pitchFamily="49" charset="0"/>
-              </a:rPr>
-              <a:t>Assert-</a:t>
-            </a:r>
-            <a:r>
-              <a:rPr lang="en-US" sz="1200" dirty="0" err="1">
-                <a:solidFill>
-                  <a:srgbClr val="DCDCAA"/>
-                </a:solidFill>
-                <a:latin typeface="Fira Code" panose="020B0509050000020004" pitchFamily="49" charset="0"/>
-              </a:rPr>
-              <a:t>MockCalled</a:t>
-            </a:r>
+                  <a:srgbClr val="D4D4D4"/>
+                </a:solidFill>
+                <a:latin typeface="Fira Code" panose="020B0509050000020004" pitchFamily="49" charset="0"/>
+              </a:rPr>
+              <a:t>	}</a:t>
+            </a:r>
+          </a:p>
+          <a:p>
             <a:r>
               <a:rPr lang="en-US" sz="1200" dirty="0">
                 <a:solidFill>
@@ -21076,155 +21050,7 @@
                 </a:solidFill>
                 <a:latin typeface="Fira Code" panose="020B0509050000020004" pitchFamily="49" charset="0"/>
               </a:rPr>
-              <a:t> </a:t>
-            </a:r>
-            <a:r>
-              <a:rPr lang="en-US" sz="1200" dirty="0">
-                <a:solidFill>
-                  <a:srgbClr val="DCDCAA"/>
-                </a:solidFill>
-                <a:latin typeface="Fira Code" panose="020B0509050000020004" pitchFamily="49" charset="0"/>
-              </a:rPr>
-              <a:t>Get-</a:t>
-            </a:r>
-            <a:r>
-              <a:rPr lang="en-US" sz="1200" dirty="0" err="1">
-                <a:solidFill>
-                  <a:srgbClr val="DCDCAA"/>
-                </a:solidFill>
-                <a:latin typeface="Fira Code" panose="020B0509050000020004" pitchFamily="49" charset="0"/>
-              </a:rPr>
-              <a:t>ChildItem</a:t>
-            </a:r>
-            <a:r>
-              <a:rPr lang="en-US" sz="1200" dirty="0">
-                <a:solidFill>
-                  <a:srgbClr val="D4D4D4"/>
-                </a:solidFill>
-                <a:latin typeface="Fira Code" panose="020B0509050000020004" pitchFamily="49" charset="0"/>
-              </a:rPr>
-              <a:t>  -Times </a:t>
-            </a:r>
-            <a:r>
-              <a:rPr lang="en-US" sz="1200" dirty="0">
-                <a:solidFill>
-                  <a:srgbClr val="B5CEA8"/>
-                </a:solidFill>
-                <a:latin typeface="Fira Code" panose="020B0509050000020004" pitchFamily="49" charset="0"/>
-              </a:rPr>
-              <a:t>0</a:t>
-            </a:r>
-            <a:r>
-              <a:rPr lang="en-US" sz="1200" dirty="0">
-                <a:solidFill>
-                  <a:srgbClr val="D4D4D4"/>
-                </a:solidFill>
-                <a:latin typeface="Fira Code" panose="020B0509050000020004" pitchFamily="49" charset="0"/>
-              </a:rPr>
-              <a:t> -</a:t>
-            </a:r>
-            <a:r>
-              <a:rPr lang="en-US" sz="1200" dirty="0" err="1">
-                <a:solidFill>
-                  <a:srgbClr val="D4D4D4"/>
-                </a:solidFill>
-                <a:latin typeface="Fira Code" panose="020B0509050000020004" pitchFamily="49" charset="0"/>
-              </a:rPr>
-              <a:t>ParameterFilter</a:t>
-            </a:r>
-            <a:r>
-              <a:rPr lang="en-US" sz="1200" dirty="0">
-                <a:solidFill>
-                  <a:srgbClr val="D4D4D4"/>
-                </a:solidFill>
-                <a:latin typeface="Fira Code" panose="020B0509050000020004" pitchFamily="49" charset="0"/>
-              </a:rPr>
-              <a:t> {</a:t>
-            </a:r>
-            <a:r>
-              <a:rPr lang="en-US" sz="1200" dirty="0">
-                <a:solidFill>
-                  <a:srgbClr val="569CD6"/>
-                </a:solidFill>
-                <a:latin typeface="Fira Code" panose="020B0509050000020004" pitchFamily="49" charset="0"/>
-              </a:rPr>
-              <a:t>$</a:t>
-            </a:r>
-            <a:r>
-              <a:rPr lang="en-US" sz="1200" dirty="0">
-                <a:solidFill>
-                  <a:srgbClr val="9CDCFE"/>
-                </a:solidFill>
-                <a:latin typeface="Fira Code" panose="020B0509050000020004" pitchFamily="49" charset="0"/>
-              </a:rPr>
-              <a:t>Path</a:t>
-            </a:r>
-            <a:r>
-              <a:rPr lang="en-US" sz="1200" dirty="0">
-                <a:solidFill>
-                  <a:srgbClr val="D4D4D4"/>
-                </a:solidFill>
-                <a:latin typeface="Fira Code" panose="020B0509050000020004" pitchFamily="49" charset="0"/>
-              </a:rPr>
-              <a:t> -</a:t>
-            </a:r>
-            <a:r>
-              <a:rPr lang="en-US" sz="1200" dirty="0" err="1">
-                <a:solidFill>
-                  <a:srgbClr val="D4D4D4"/>
-                </a:solidFill>
-                <a:latin typeface="Fira Code" panose="020B0509050000020004" pitchFamily="49" charset="0"/>
-              </a:rPr>
-              <a:t>eq</a:t>
-            </a:r>
-            <a:r>
-              <a:rPr lang="en-US" sz="1200" dirty="0">
-                <a:solidFill>
-                  <a:srgbClr val="D4D4D4"/>
-                </a:solidFill>
-                <a:latin typeface="Fira Code" panose="020B0509050000020004" pitchFamily="49" charset="0"/>
-              </a:rPr>
-              <a:t> </a:t>
-            </a:r>
-            <a:r>
-              <a:rPr lang="en-US" sz="1200" dirty="0">
-                <a:solidFill>
-                  <a:srgbClr val="CE9178"/>
-                </a:solidFill>
-                <a:latin typeface="Fira Code" panose="020B0509050000020004" pitchFamily="49" charset="0"/>
-              </a:rPr>
-              <a:t>'C:\bar'</a:t>
-            </a:r>
-            <a:r>
-              <a:rPr lang="en-US" sz="1200" dirty="0">
-                <a:solidFill>
-                  <a:srgbClr val="D4D4D4"/>
-                </a:solidFill>
-                <a:latin typeface="Fira Code" panose="020B0509050000020004" pitchFamily="49" charset="0"/>
-              </a:rPr>
               <a:t>}</a:t>
-            </a:r>
-          </a:p>
-          <a:p>
-            <a:r>
-              <a:rPr lang="en-US" sz="1200" dirty="0">
-                <a:solidFill>
-                  <a:srgbClr val="D4D4D4"/>
-                </a:solidFill>
-                <a:latin typeface="Fira Code" panose="020B0509050000020004" pitchFamily="49" charset="0"/>
-              </a:rPr>
-              <a:t>        }</a:t>
-            </a:r>
-          </a:p>
-          <a:p>
-            <a:r>
-              <a:rPr lang="en-US" sz="1200" dirty="0">
-                <a:solidFill>
-                  <a:srgbClr val="D4D4D4"/>
-                </a:solidFill>
-                <a:latin typeface="Fira Code" panose="020B0509050000020004" pitchFamily="49" charset="0"/>
-              </a:rPr>
-              <a:t>    }</a:t>
             </a:r>
           </a:p>
           <a:p>
@@ -21236,472 +21062,13 @@
                 <a:latin typeface="Fira Code" panose="020B0509050000020004" pitchFamily="49" charset="0"/>
               </a:rPr>
             </a:br>
-            <a:r>
-              <a:rPr lang="en-US" sz="1200" dirty="0">
-                <a:solidFill>
-                  <a:srgbClr val="D4D4D4"/>
-                </a:solidFill>
-                <a:latin typeface="Fira Code" panose="020B0509050000020004" pitchFamily="49" charset="0"/>
-              </a:rPr>
-              <a:t>    Context </a:t>
-            </a:r>
-            <a:r>
-              <a:rPr lang="en-US" sz="1200" dirty="0">
-                <a:solidFill>
-                  <a:srgbClr val="CE9178"/>
-                </a:solidFill>
-                <a:latin typeface="Fira Code" panose="020B0509050000020004" pitchFamily="49" charset="0"/>
-              </a:rPr>
-              <a:t>'Bar'</a:t>
-            </a:r>
-            <a:r>
-              <a:rPr lang="en-US" sz="1200" dirty="0">
-                <a:solidFill>
-                  <a:srgbClr val="D4D4D4"/>
-                </a:solidFill>
-                <a:latin typeface="Fira Code" panose="020B0509050000020004" pitchFamily="49" charset="0"/>
-              </a:rPr>
-              <a:t> {</a:t>
-            </a:r>
-          </a:p>
-          <a:p>
-            <a:r>
-              <a:rPr lang="en-US" sz="1200" dirty="0">
-                <a:solidFill>
-                  <a:srgbClr val="D4D4D4"/>
-                </a:solidFill>
-                <a:latin typeface="Fira Code" panose="020B0509050000020004" pitchFamily="49" charset="0"/>
-              </a:rPr>
-              <a:t>        It </a:t>
-            </a:r>
-            <a:r>
-              <a:rPr lang="en-US" sz="1200" dirty="0">
-                <a:solidFill>
-                  <a:srgbClr val="CE9178"/>
-                </a:solidFill>
-                <a:latin typeface="Fira Code" panose="020B0509050000020004" pitchFamily="49" charset="0"/>
-              </a:rPr>
-              <a:t>'Should only call GCI Bar'</a:t>
-            </a:r>
-            <a:r>
-              <a:rPr lang="en-US" sz="1200" dirty="0">
-                <a:solidFill>
-                  <a:srgbClr val="D4D4D4"/>
-                </a:solidFill>
-                <a:latin typeface="Fira Code" panose="020B0509050000020004" pitchFamily="49" charset="0"/>
-              </a:rPr>
-              <a:t> {</a:t>
-            </a:r>
-          </a:p>
-          <a:p>
-            <a:r>
-              <a:rPr lang="en-US" sz="1200" dirty="0">
-                <a:solidFill>
-                  <a:srgbClr val="D4D4D4"/>
-                </a:solidFill>
-                <a:latin typeface="Fira Code" panose="020B0509050000020004" pitchFamily="49" charset="0"/>
-              </a:rPr>
-              <a:t>            </a:t>
-            </a:r>
-            <a:r>
-              <a:rPr lang="en-US" sz="1200" dirty="0">
-                <a:solidFill>
-                  <a:srgbClr val="569CD6"/>
-                </a:solidFill>
-                <a:latin typeface="Fira Code" panose="020B0509050000020004" pitchFamily="49" charset="0"/>
-              </a:rPr>
-              <a:t>$</a:t>
-            </a:r>
-            <a:r>
-              <a:rPr lang="en-US" sz="1200" dirty="0">
-                <a:solidFill>
-                  <a:srgbClr val="9CDCFE"/>
-                </a:solidFill>
-                <a:latin typeface="Fira Code" panose="020B0509050000020004" pitchFamily="49" charset="0"/>
-              </a:rPr>
-              <a:t>output</a:t>
-            </a:r>
-            <a:r>
-              <a:rPr lang="en-US" sz="1200" dirty="0">
-                <a:solidFill>
-                  <a:srgbClr val="D4D4D4"/>
-                </a:solidFill>
-                <a:latin typeface="Fira Code" panose="020B0509050000020004" pitchFamily="49" charset="0"/>
-              </a:rPr>
-              <a:t> = </a:t>
-            </a:r>
-            <a:r>
-              <a:rPr lang="en-US" sz="1200" dirty="0" err="1">
-                <a:solidFill>
-                  <a:srgbClr val="D4D4D4"/>
-                </a:solidFill>
-                <a:latin typeface="Fira Code" panose="020B0509050000020004" pitchFamily="49" charset="0"/>
-              </a:rPr>
-              <a:t>MockMe</a:t>
-            </a:r>
-            <a:r>
-              <a:rPr lang="en-US" sz="1200" dirty="0">
-                <a:solidFill>
-                  <a:srgbClr val="D4D4D4"/>
-                </a:solidFill>
-                <a:latin typeface="Fira Code" panose="020B0509050000020004" pitchFamily="49" charset="0"/>
-              </a:rPr>
-              <a:t> </a:t>
-            </a:r>
-            <a:r>
-              <a:rPr lang="en-US" sz="1200" dirty="0">
-                <a:solidFill>
-                  <a:srgbClr val="CE9178"/>
-                </a:solidFill>
-                <a:latin typeface="Fira Code" panose="020B0509050000020004" pitchFamily="49" charset="0"/>
-              </a:rPr>
-              <a:t>'C:\bar'</a:t>
-            </a:r>
-            <a:endParaRPr lang="en-US" sz="1200" dirty="0">
+            <a:endParaRPr lang="en-US" sz="1200" b="0" dirty="0">
               <a:solidFill>
                 <a:srgbClr val="D4D4D4"/>
               </a:solidFill>
+              <a:effectLst/>
               <a:latin typeface="Fira Code" panose="020B0509050000020004" pitchFamily="49" charset="0"/>
             </a:endParaRPr>
-          </a:p>
-          <a:p>
-            <a:r>
-              <a:rPr lang="en-US" sz="1200" dirty="0">
-                <a:solidFill>
-                  <a:srgbClr val="D4D4D4"/>
-                </a:solidFill>
-                <a:latin typeface="Fira Code" panose="020B0509050000020004" pitchFamily="49" charset="0"/>
-              </a:rPr>
-              <a:t>            </a:t>
-            </a:r>
-            <a:r>
-              <a:rPr lang="en-US" sz="1200" dirty="0">
-                <a:solidFill>
-                  <a:srgbClr val="DCDCAA"/>
-                </a:solidFill>
-                <a:latin typeface="Fira Code" panose="020B0509050000020004" pitchFamily="49" charset="0"/>
-              </a:rPr>
-              <a:t>Assert-</a:t>
-            </a:r>
-            <a:r>
-              <a:rPr lang="en-US" sz="1200" dirty="0" err="1">
-                <a:solidFill>
-                  <a:srgbClr val="DCDCAA"/>
-                </a:solidFill>
-                <a:latin typeface="Fira Code" panose="020B0509050000020004" pitchFamily="49" charset="0"/>
-              </a:rPr>
-              <a:t>MockCalled</a:t>
-            </a:r>
-            <a:r>
-              <a:rPr lang="en-US" sz="1200" dirty="0">
-                <a:solidFill>
-                  <a:srgbClr val="D4D4D4"/>
-                </a:solidFill>
-                <a:latin typeface="Fira Code" panose="020B0509050000020004" pitchFamily="49" charset="0"/>
-              </a:rPr>
-              <a:t> </a:t>
-            </a:r>
-            <a:r>
-              <a:rPr lang="en-US" sz="1200" dirty="0">
-                <a:solidFill>
-                  <a:srgbClr val="DCDCAA"/>
-                </a:solidFill>
-                <a:latin typeface="Fira Code" panose="020B0509050000020004" pitchFamily="49" charset="0"/>
-              </a:rPr>
-              <a:t>Get-</a:t>
-            </a:r>
-            <a:r>
-              <a:rPr lang="en-US" sz="1200" dirty="0" err="1">
-                <a:solidFill>
-                  <a:srgbClr val="DCDCAA"/>
-                </a:solidFill>
-                <a:latin typeface="Fira Code" panose="020B0509050000020004" pitchFamily="49" charset="0"/>
-              </a:rPr>
-              <a:t>ChildItem</a:t>
-            </a:r>
-            <a:r>
-              <a:rPr lang="en-US" sz="1200" dirty="0">
-                <a:solidFill>
-                  <a:srgbClr val="D4D4D4"/>
-                </a:solidFill>
-                <a:latin typeface="Fira Code" panose="020B0509050000020004" pitchFamily="49" charset="0"/>
-              </a:rPr>
-              <a:t>  -Times </a:t>
-            </a:r>
-            <a:r>
-              <a:rPr lang="en-US" sz="1200" dirty="0">
-                <a:solidFill>
-                  <a:srgbClr val="B5CEA8"/>
-                </a:solidFill>
-                <a:latin typeface="Fira Code" panose="020B0509050000020004" pitchFamily="49" charset="0"/>
-              </a:rPr>
-              <a:t>0</a:t>
-            </a:r>
-            <a:r>
-              <a:rPr lang="en-US" sz="1200" dirty="0">
-                <a:solidFill>
-                  <a:srgbClr val="D4D4D4"/>
-                </a:solidFill>
-                <a:latin typeface="Fira Code" panose="020B0509050000020004" pitchFamily="49" charset="0"/>
-              </a:rPr>
-              <a:t> -</a:t>
-            </a:r>
-            <a:r>
-              <a:rPr lang="en-US" sz="1200" dirty="0" err="1">
-                <a:solidFill>
-                  <a:srgbClr val="D4D4D4"/>
-                </a:solidFill>
-                <a:latin typeface="Fira Code" panose="020B0509050000020004" pitchFamily="49" charset="0"/>
-              </a:rPr>
-              <a:t>ParameterFilter</a:t>
-            </a:r>
-            <a:r>
-              <a:rPr lang="en-US" sz="1200" dirty="0">
-                <a:solidFill>
-                  <a:srgbClr val="D4D4D4"/>
-                </a:solidFill>
-                <a:latin typeface="Fira Code" panose="020B0509050000020004" pitchFamily="49" charset="0"/>
-              </a:rPr>
-              <a:t> {</a:t>
-            </a:r>
-            <a:r>
-              <a:rPr lang="en-US" sz="1200" dirty="0">
-                <a:solidFill>
-                  <a:srgbClr val="569CD6"/>
-                </a:solidFill>
-                <a:latin typeface="Fira Code" panose="020B0509050000020004" pitchFamily="49" charset="0"/>
-              </a:rPr>
-              <a:t>$</a:t>
-            </a:r>
-            <a:r>
-              <a:rPr lang="en-US" sz="1200" dirty="0">
-                <a:solidFill>
-                  <a:srgbClr val="9CDCFE"/>
-                </a:solidFill>
-                <a:latin typeface="Fira Code" panose="020B0509050000020004" pitchFamily="49" charset="0"/>
-              </a:rPr>
-              <a:t>Path</a:t>
-            </a:r>
-            <a:r>
-              <a:rPr lang="en-US" sz="1200" dirty="0">
-                <a:solidFill>
-                  <a:srgbClr val="D4D4D4"/>
-                </a:solidFill>
-                <a:latin typeface="Fira Code" panose="020B0509050000020004" pitchFamily="49" charset="0"/>
-              </a:rPr>
-              <a:t> -</a:t>
-            </a:r>
-            <a:r>
-              <a:rPr lang="en-US" sz="1200" dirty="0" err="1">
-                <a:solidFill>
-                  <a:srgbClr val="D4D4D4"/>
-                </a:solidFill>
-                <a:latin typeface="Fira Code" panose="020B0509050000020004" pitchFamily="49" charset="0"/>
-              </a:rPr>
-              <a:t>eq</a:t>
-            </a:r>
-            <a:r>
-              <a:rPr lang="en-US" sz="1200" dirty="0">
-                <a:solidFill>
-                  <a:srgbClr val="D4D4D4"/>
-                </a:solidFill>
-                <a:latin typeface="Fira Code" panose="020B0509050000020004" pitchFamily="49" charset="0"/>
-              </a:rPr>
-              <a:t> </a:t>
-            </a:r>
-            <a:r>
-              <a:rPr lang="en-US" sz="1200" dirty="0">
-                <a:solidFill>
-                  <a:srgbClr val="CE9178"/>
-                </a:solidFill>
-                <a:latin typeface="Fira Code" panose="020B0509050000020004" pitchFamily="49" charset="0"/>
-              </a:rPr>
-              <a:t>'C:\foo'</a:t>
-            </a:r>
-            <a:r>
-              <a:rPr lang="en-US" sz="1200" dirty="0">
-                <a:solidFill>
-                  <a:srgbClr val="D4D4D4"/>
-                </a:solidFill>
-                <a:latin typeface="Fira Code" panose="020B0509050000020004" pitchFamily="49" charset="0"/>
-              </a:rPr>
-              <a:t>}</a:t>
-            </a:r>
-          </a:p>
-          <a:p>
-            <a:r>
-              <a:rPr lang="en-US" sz="1200" dirty="0">
-                <a:solidFill>
-                  <a:srgbClr val="D4D4D4"/>
-                </a:solidFill>
-                <a:latin typeface="Fira Code" panose="020B0509050000020004" pitchFamily="49" charset="0"/>
-              </a:rPr>
-              <a:t>            </a:t>
-            </a:r>
-            <a:r>
-              <a:rPr lang="en-US" sz="1200" dirty="0">
-                <a:solidFill>
-                  <a:srgbClr val="DCDCAA"/>
-                </a:solidFill>
-                <a:latin typeface="Fira Code" panose="020B0509050000020004" pitchFamily="49" charset="0"/>
-              </a:rPr>
-              <a:t>Assert-</a:t>
-            </a:r>
-            <a:r>
-              <a:rPr lang="en-US" sz="1200" dirty="0" err="1">
-                <a:solidFill>
-                  <a:srgbClr val="DCDCAA"/>
-                </a:solidFill>
-                <a:latin typeface="Fira Code" panose="020B0509050000020004" pitchFamily="49" charset="0"/>
-              </a:rPr>
-              <a:t>MockCalled</a:t>
-            </a:r>
-            <a:r>
-              <a:rPr lang="en-US" sz="1200" dirty="0">
-                <a:solidFill>
-                  <a:srgbClr val="D4D4D4"/>
-                </a:solidFill>
-                <a:latin typeface="Fira Code" panose="020B0509050000020004" pitchFamily="49" charset="0"/>
-              </a:rPr>
-              <a:t> </a:t>
-            </a:r>
-            <a:r>
-              <a:rPr lang="en-US" sz="1200" dirty="0">
-                <a:solidFill>
-                  <a:srgbClr val="DCDCAA"/>
-                </a:solidFill>
-                <a:latin typeface="Fira Code" panose="020B0509050000020004" pitchFamily="49" charset="0"/>
-              </a:rPr>
-              <a:t>Get-</a:t>
-            </a:r>
-            <a:r>
-              <a:rPr lang="en-US" sz="1200" dirty="0" err="1">
-                <a:solidFill>
-                  <a:srgbClr val="DCDCAA"/>
-                </a:solidFill>
-                <a:latin typeface="Fira Code" panose="020B0509050000020004" pitchFamily="49" charset="0"/>
-              </a:rPr>
-              <a:t>ChildItem</a:t>
-            </a:r>
-            <a:r>
-              <a:rPr lang="en-US" sz="1200" dirty="0">
-                <a:solidFill>
-                  <a:srgbClr val="D4D4D4"/>
-                </a:solidFill>
-                <a:latin typeface="Fira Code" panose="020B0509050000020004" pitchFamily="49" charset="0"/>
-              </a:rPr>
-              <a:t>  -Times </a:t>
-            </a:r>
-            <a:r>
-              <a:rPr lang="en-US" sz="1200" dirty="0">
-                <a:solidFill>
-                  <a:srgbClr val="B5CEA8"/>
-                </a:solidFill>
-                <a:latin typeface="Fira Code" panose="020B0509050000020004" pitchFamily="49" charset="0"/>
-              </a:rPr>
-              <a:t>1</a:t>
-            </a:r>
-            <a:r>
-              <a:rPr lang="en-US" sz="1200" dirty="0">
-                <a:solidFill>
-                  <a:srgbClr val="D4D4D4"/>
-                </a:solidFill>
-                <a:latin typeface="Fira Code" panose="020B0509050000020004" pitchFamily="49" charset="0"/>
-              </a:rPr>
-              <a:t> -</a:t>
-            </a:r>
-            <a:r>
-              <a:rPr lang="en-US" sz="1200" dirty="0" err="1">
-                <a:solidFill>
-                  <a:srgbClr val="D4D4D4"/>
-                </a:solidFill>
-                <a:latin typeface="Fira Code" panose="020B0509050000020004" pitchFamily="49" charset="0"/>
-              </a:rPr>
-              <a:t>ParameterFilter</a:t>
-            </a:r>
-            <a:r>
-              <a:rPr lang="en-US" sz="1200" dirty="0">
-                <a:solidFill>
-                  <a:srgbClr val="D4D4D4"/>
-                </a:solidFill>
-                <a:latin typeface="Fira Code" panose="020B0509050000020004" pitchFamily="49" charset="0"/>
-              </a:rPr>
-              <a:t> {</a:t>
-            </a:r>
-            <a:r>
-              <a:rPr lang="en-US" sz="1200" dirty="0">
-                <a:solidFill>
-                  <a:srgbClr val="569CD6"/>
-                </a:solidFill>
-                <a:latin typeface="Fira Code" panose="020B0509050000020004" pitchFamily="49" charset="0"/>
-              </a:rPr>
-              <a:t>$</a:t>
-            </a:r>
-            <a:r>
-              <a:rPr lang="en-US" sz="1200" dirty="0">
-                <a:solidFill>
-                  <a:srgbClr val="9CDCFE"/>
-                </a:solidFill>
-                <a:latin typeface="Fira Code" panose="020B0509050000020004" pitchFamily="49" charset="0"/>
-              </a:rPr>
-              <a:t>Path</a:t>
-            </a:r>
-            <a:r>
-              <a:rPr lang="en-US" sz="1200" dirty="0">
-                <a:solidFill>
-                  <a:srgbClr val="D4D4D4"/>
-                </a:solidFill>
-                <a:latin typeface="Fira Code" panose="020B0509050000020004" pitchFamily="49" charset="0"/>
-              </a:rPr>
-              <a:t> -</a:t>
-            </a:r>
-            <a:r>
-              <a:rPr lang="en-US" sz="1200" dirty="0" err="1">
-                <a:solidFill>
-                  <a:srgbClr val="D4D4D4"/>
-                </a:solidFill>
-                <a:latin typeface="Fira Code" panose="020B0509050000020004" pitchFamily="49" charset="0"/>
-              </a:rPr>
-              <a:t>eq</a:t>
-            </a:r>
-            <a:r>
-              <a:rPr lang="en-US" sz="1200" dirty="0">
-                <a:solidFill>
-                  <a:srgbClr val="D4D4D4"/>
-                </a:solidFill>
-                <a:latin typeface="Fira Code" panose="020B0509050000020004" pitchFamily="49" charset="0"/>
-              </a:rPr>
-              <a:t> </a:t>
-            </a:r>
-            <a:r>
-              <a:rPr lang="en-US" sz="1200" dirty="0">
-                <a:solidFill>
-                  <a:srgbClr val="CE9178"/>
-                </a:solidFill>
-                <a:latin typeface="Fira Code" panose="020B0509050000020004" pitchFamily="49" charset="0"/>
-              </a:rPr>
-              <a:t>'C:\bar'</a:t>
-            </a:r>
-            <a:r>
-              <a:rPr lang="en-US" sz="1200" dirty="0">
-                <a:solidFill>
-                  <a:srgbClr val="D4D4D4"/>
-                </a:solidFill>
-                <a:latin typeface="Fira Code" panose="020B0509050000020004" pitchFamily="49" charset="0"/>
-              </a:rPr>
-              <a:t>}</a:t>
-            </a:r>
-          </a:p>
-          <a:p>
-            <a:r>
-              <a:rPr lang="en-US" sz="1200" dirty="0">
-                <a:solidFill>
-                  <a:srgbClr val="D4D4D4"/>
-                </a:solidFill>
-                <a:latin typeface="Fira Code" panose="020B0509050000020004" pitchFamily="49" charset="0"/>
-              </a:rPr>
-              <a:t>} } }</a:t>
-            </a:r>
           </a:p>
         </p:txBody>
       </p:sp>

--- a/Summit2017_Mocking.pptx
+++ b/Summit2017_Mocking.pptx
@@ -242,7 +242,7 @@
             <a:fld id="{96F0360C-9056-C14A-BCFB-ED74D9563C93}" type="datetimeFigureOut">
               <a:rPr lang="en-GB"/>
               <a:pPr/>
-              <a:t>10/04/2017</a:t>
+              <a:t>11/04/2017</a:t>
             </a:fld>
             <a:endParaRPr lang="en-GB"/>
           </a:p>
@@ -410,7 +410,7 @@
             <a:fld id="{A0AC4B9B-ADFA-2B4A-92EC-606ADF46D83E}" type="datetimeFigureOut">
               <a:rPr lang="en-GB"/>
               <a:pPr/>
-              <a:t>10/04/2017</a:t>
+              <a:t>11/04/2017</a:t>
             </a:fld>
             <a:endParaRPr lang="en-GB"/>
           </a:p>
@@ -725,52 +725,7 @@
           <a:bodyPr/>
           <a:lstStyle/>
           <a:p>
-            <a:pPr marL="171450" indent="-171450">
-              <a:buFont typeface="Arial" panose="020B0604020202020204" pitchFamily="34" charset="0"/>
-              <a:buChar char="•"/>
-            </a:pPr>
-            <a:r>
-              <a:rPr lang="en-US" dirty="0"/>
-              <a:t>Background on Ticketmaster</a:t>
-            </a:r>
-          </a:p>
-          <a:p>
-            <a:pPr marL="171450" indent="-171450">
-              <a:buFont typeface="Arial" panose="020B0604020202020204" pitchFamily="34" charset="0"/>
-              <a:buChar char="•"/>
-            </a:pPr>
-            <a:r>
-              <a:rPr lang="en-US" dirty="0"/>
-              <a:t>Ticketmaster is ancient compared to most technology companies</a:t>
-            </a:r>
-          </a:p>
-          <a:p>
-            <a:pPr marL="171450" indent="-171450">
-              <a:buFont typeface="Arial" panose="020B0604020202020204" pitchFamily="34" charset="0"/>
-              <a:buChar char="•"/>
-            </a:pPr>
-            <a:r>
-              <a:rPr lang="en-US" dirty="0"/>
-              <a:t>We recently celebrated our 40</a:t>
-            </a:r>
-            <a:r>
-              <a:rPr lang="en-US" baseline="30000" dirty="0"/>
-              <a:t>th</a:t>
-            </a:r>
-            <a:r>
-              <a:rPr lang="en-US" dirty="0"/>
-              <a:t> anniversary</a:t>
-            </a:r>
-          </a:p>
-          <a:p>
-            <a:pPr marL="171450" indent="-171450">
-              <a:buFont typeface="Arial" panose="020B0604020202020204" pitchFamily="34" charset="0"/>
-              <a:buChar char="•"/>
-            </a:pPr>
-            <a:r>
-              <a:rPr lang="en-US" dirty="0"/>
-              <a:t>This is a sample of some of the technologies the Windows Platform Engineering team works with regularly</a:t>
-            </a:r>
+            <a:endParaRPr lang="en-US"/>
           </a:p>
         </p:txBody>
       </p:sp>
@@ -792,7 +747,7 @@
             <a:fld id="{580C3CF9-2088-4345-84DE-A0500A36AC73}" type="slidenum">
               <a:rPr lang="en-US" smtClean="0"/>
               <a:pPr/>
-              <a:t>2</a:t>
+              <a:t>1</a:t>
             </a:fld>
             <a:endParaRPr lang="en-US"/>
           </a:p>
@@ -801,7 +756,7 @@
     </p:spTree>
     <p:extLst>
       <p:ext uri="{BB962C8B-B14F-4D97-AF65-F5344CB8AC3E}">
-        <p14:creationId xmlns:p14="http://schemas.microsoft.com/office/powerpoint/2010/main" val="2015341728"/>
+        <p14:creationId xmlns:p14="http://schemas.microsoft.com/office/powerpoint/2010/main" val="3457958670"/>
       </p:ext>
     </p:extLst>
   </p:cSld>
@@ -861,7 +816,7 @@
             </a:pPr>
             <a:r>
               <a:rPr lang="en-US" dirty="0"/>
-              <a:t>The “fun” of Mocking in PowerShell is there are so many ways to execute commands</a:t>
+              <a:t>Gale Colas alerted me to this project just this week</a:t>
             </a:r>
           </a:p>
           <a:p>
@@ -871,35 +826,7 @@
             </a:pPr>
             <a:r>
               <a:rPr lang="en-US" dirty="0"/>
-              <a:t>The Mock command in Pester only works with functions</a:t>
-            </a:r>
-          </a:p>
-          <a:p>
-            <a:pPr marL="171450" indent="-171450">
-              <a:buFont typeface="Arial" panose="020B0604020202020204" pitchFamily="34" charset="0"/>
-              <a:buChar char="•"/>
-            </a:pPr>
-            <a:r>
-              <a:rPr lang="en-US" dirty="0"/>
-              <a:t>However, the very flexibility that makes testing in PowerShell a challenge makes it easy to Mock almost any call</a:t>
-            </a:r>
-          </a:p>
-          <a:p>
-            <a:pPr marL="171450" indent="-171450">
-              <a:buFont typeface="Arial" panose="020B0604020202020204" pitchFamily="34" charset="0"/>
-              <a:buChar char="•"/>
-            </a:pPr>
-            <a:r>
-              <a:rPr lang="en-US" dirty="0"/>
-              <a:t>While it’s easy to create Test Dummies in PowerShell, we lose the ability to use Assert-</a:t>
-            </a:r>
-            <a:r>
-              <a:rPr lang="en-US" dirty="0" err="1"/>
-              <a:t>MockCalled</a:t>
-            </a:r>
-            <a:r>
-              <a:rPr lang="en-US" dirty="0"/>
-              <a:t> for Behavior Verification</a:t>
+              <a:t>You can quickly generate stubs </a:t>
             </a:r>
           </a:p>
         </p:txBody>
@@ -922,7 +849,7 @@
             <a:fld id="{580C3CF9-2088-4345-84DE-A0500A36AC73}" type="slidenum">
               <a:rPr lang="en-US" smtClean="0"/>
               <a:pPr/>
-              <a:t>11</a:t>
+              <a:t>10</a:t>
             </a:fld>
             <a:endParaRPr lang="en-US"/>
           </a:p>
@@ -931,7 +858,7 @@
     </p:spTree>
     <p:extLst>
       <p:ext uri="{BB962C8B-B14F-4D97-AF65-F5344CB8AC3E}">
-        <p14:creationId xmlns:p14="http://schemas.microsoft.com/office/powerpoint/2010/main" val="3422262724"/>
+        <p14:creationId xmlns:p14="http://schemas.microsoft.com/office/powerpoint/2010/main" val="3185973152"/>
       </p:ext>
     </p:extLst>
   </p:cSld>
@@ -991,7 +918,7 @@
             </a:pPr>
             <a:r>
               <a:rPr lang="en-US" dirty="0"/>
-              <a:t>Say you need to invoke a stand-alone script and you want to Stub that out without actually executing the script</a:t>
+              <a:t>The “fun” of Mocking in PowerShell is there are so many ways to execute commands</a:t>
             </a:r>
           </a:p>
           <a:p>
@@ -1001,7 +928,7 @@
             </a:pPr>
             <a:r>
               <a:rPr lang="en-US" dirty="0"/>
-              <a:t>You can create a function with a name that is equivalent to the path of your script</a:t>
+              <a:t>The Mock command in Pester only works with functions</a:t>
             </a:r>
           </a:p>
           <a:p>
@@ -1011,7 +938,7 @@
             </a:pPr>
             <a:r>
               <a:rPr lang="en-US" dirty="0"/>
-              <a:t>This is a form of Behavior verification. Even though I’m testing the value returned, it’s a static response. If we get the “Testing” response that means we invoked the script.</a:t>
+              <a:t>However, the very flexibility that makes testing in PowerShell a challenge makes it easy to Mock almost any call</a:t>
             </a:r>
           </a:p>
           <a:p>
@@ -1021,7 +948,15 @@
             </a:pPr>
             <a:r>
               <a:rPr lang="en-US" dirty="0"/>
-              <a:t>Creating functions is one of the primary patterns you can use in PowerShell to fake just about any call</a:t>
+              <a:t>While it’s easy to create Test Dummies in PowerShell, we lose the ability to use Assert-</a:t>
+            </a:r>
+            <a:r>
+              <a:rPr lang="en-US" dirty="0" err="1"/>
+              <a:t>MockCalled</a:t>
+            </a:r>
+            <a:r>
+              <a:rPr lang="en-US" dirty="0"/>
+              <a:t> for Behavior Verification</a:t>
             </a:r>
           </a:p>
         </p:txBody>
@@ -1044,7 +979,7 @@
             <a:fld id="{580C3CF9-2088-4345-84DE-A0500A36AC73}" type="slidenum">
               <a:rPr lang="en-US" smtClean="0"/>
               <a:pPr/>
-              <a:t>12</a:t>
+              <a:t>11</a:t>
             </a:fld>
             <a:endParaRPr lang="en-US"/>
           </a:p>
@@ -1053,7 +988,7 @@
     </p:spTree>
     <p:extLst>
       <p:ext uri="{BB962C8B-B14F-4D97-AF65-F5344CB8AC3E}">
-        <p14:creationId xmlns:p14="http://schemas.microsoft.com/office/powerpoint/2010/main" val="2449545183"/>
+        <p14:creationId xmlns:p14="http://schemas.microsoft.com/office/powerpoint/2010/main" val="3422262724"/>
       </p:ext>
     </p:extLst>
   </p:cSld>
@@ -1113,7 +1048,7 @@
             </a:pPr>
             <a:r>
               <a:rPr lang="en-US" dirty="0"/>
-              <a:t>As you can see, the Function trick works well for binaries also</a:t>
+              <a:t>Say you need to invoke a stand-alone script and you want to Stub that out without actually executing the script</a:t>
             </a:r>
           </a:p>
           <a:p>
@@ -1123,7 +1058,7 @@
             </a:pPr>
             <a:r>
               <a:rPr lang="en-US" dirty="0"/>
-              <a:t>If you are just trying to verify the binary was called, you can return a static value</a:t>
+              <a:t>You can create a function with a name that is equivalent to the path of your script</a:t>
             </a:r>
           </a:p>
           <a:p>
@@ -1131,7 +1066,20 @@
               <a:buFont typeface="Arial" panose="020B0604020202020204" pitchFamily="34" charset="0"/>
               <a:buChar char="•"/>
             </a:pPr>
-            <a:endParaRPr lang="en-US" dirty="0"/>
+            <a:r>
+              <a:rPr lang="en-US" dirty="0"/>
+              <a:t>This is a form of Behavior verification. Even though I’m testing the value returned, it’s a static response. If we get the “Testing” response that means we invoked the script.</a:t>
+            </a:r>
+          </a:p>
+          <a:p>
+            <a:pPr marL="171450" indent="-171450">
+              <a:buFont typeface="Arial" panose="020B0604020202020204" pitchFamily="34" charset="0"/>
+              <a:buChar char="•"/>
+            </a:pPr>
+            <a:r>
+              <a:rPr lang="en-US" dirty="0"/>
+              <a:t>Creating functions is one of the primary patterns you can use in PowerShell to fake just about any call</a:t>
+            </a:r>
           </a:p>
         </p:txBody>
       </p:sp>
@@ -1153,7 +1101,7 @@
             <a:fld id="{580C3CF9-2088-4345-84DE-A0500A36AC73}" type="slidenum">
               <a:rPr lang="en-US" smtClean="0"/>
               <a:pPr/>
-              <a:t>13</a:t>
+              <a:t>12</a:t>
             </a:fld>
             <a:endParaRPr lang="en-US"/>
           </a:p>
@@ -1162,7 +1110,7 @@
     </p:spTree>
     <p:extLst>
       <p:ext uri="{BB962C8B-B14F-4D97-AF65-F5344CB8AC3E}">
-        <p14:creationId xmlns:p14="http://schemas.microsoft.com/office/powerpoint/2010/main" val="2137406744"/>
+        <p14:creationId xmlns:p14="http://schemas.microsoft.com/office/powerpoint/2010/main" val="2449545183"/>
       </p:ext>
     </p:extLst>
   </p:cSld>
@@ -1222,7 +1170,7 @@
             </a:pPr>
             <a:r>
               <a:rPr lang="en-US" dirty="0"/>
-              <a:t>But, you could take it a bit further and process arguments</a:t>
+              <a:t>As you can see, the Function trick works well for binaries also</a:t>
             </a:r>
           </a:p>
           <a:p>
@@ -1232,15 +1180,7 @@
             </a:pPr>
             <a:r>
               <a:rPr lang="en-US" dirty="0"/>
-              <a:t>By asserting the values in $</a:t>
-            </a:r>
-            <a:r>
-              <a:rPr lang="en-US" dirty="0" err="1"/>
-              <a:t>arg</a:t>
-            </a:r>
-            <a:r>
-              <a:rPr lang="en-US" dirty="0"/>
-              <a:t>, you define a call specification and do some basic Behavior Verification</a:t>
+              <a:t>If you are just trying to verify the binary was called, you can return a static value</a:t>
             </a:r>
           </a:p>
           <a:p>
@@ -1248,10 +1188,7 @@
               <a:buFont typeface="Arial" panose="020B0604020202020204" pitchFamily="34" charset="0"/>
               <a:buChar char="•"/>
             </a:pPr>
-            <a:r>
-              <a:rPr lang="en-US" dirty="0"/>
-              <a:t>Just don’t get carried away with logic or you’ll have to test your tests</a:t>
-            </a:r>
+            <a:endParaRPr lang="en-US" dirty="0"/>
           </a:p>
         </p:txBody>
       </p:sp>
@@ -1273,7 +1210,7 @@
             <a:fld id="{580C3CF9-2088-4345-84DE-A0500A36AC73}" type="slidenum">
               <a:rPr lang="en-US" smtClean="0"/>
               <a:pPr/>
-              <a:t>14</a:t>
+              <a:t>13</a:t>
             </a:fld>
             <a:endParaRPr lang="en-US"/>
           </a:p>
@@ -1282,7 +1219,7 @@
     </p:spTree>
     <p:extLst>
       <p:ext uri="{BB962C8B-B14F-4D97-AF65-F5344CB8AC3E}">
-        <p14:creationId xmlns:p14="http://schemas.microsoft.com/office/powerpoint/2010/main" val="3304852470"/>
+        <p14:creationId xmlns:p14="http://schemas.microsoft.com/office/powerpoint/2010/main" val="2137406744"/>
       </p:ext>
     </p:extLst>
   </p:cSld>
@@ -1342,7 +1279,7 @@
             </a:pPr>
             <a:r>
               <a:rPr lang="en-US" dirty="0"/>
-              <a:t>You need to test Integrating with a Web API?</a:t>
+              <a:t>But, you could take it a bit further and process arguments</a:t>
             </a:r>
           </a:p>
           <a:p>
@@ -1352,13 +1289,16 @@
             </a:pPr>
             <a:r>
               <a:rPr lang="en-US" dirty="0"/>
-              <a:t>In this example, we actually spin up a small web service to respond to Invoke-</a:t>
+              <a:t>By asserting the values in $</a:t>
             </a:r>
             <a:r>
               <a:rPr lang="en-US" dirty="0" err="1"/>
-              <a:t>RestMethod</a:t>
-            </a:r>
-            <a:endParaRPr lang="en-US" dirty="0"/>
+              <a:t>arg</a:t>
+            </a:r>
+            <a:r>
+              <a:rPr lang="en-US" dirty="0"/>
+              <a:t>, you define a call specification and do some basic Behavior Verification</a:t>
+            </a:r>
           </a:p>
           <a:p>
             <a:pPr marL="171450" indent="-171450">
@@ -1367,37 +1307,7 @@
             </a:pPr>
             <a:r>
               <a:rPr lang="en-US" dirty="0"/>
-              <a:t>This configuration response to Get and Post commands. The Get returns a static value. The Post echoes back the contents of the Request.</a:t>
-            </a:r>
-          </a:p>
-          <a:p>
-            <a:pPr marL="171450" indent="-171450">
-              <a:buFont typeface="Arial" panose="020B0604020202020204" pitchFamily="34" charset="0"/>
-              <a:buChar char="•"/>
-            </a:pPr>
-            <a:r>
-              <a:rPr lang="en-US" dirty="0" err="1"/>
-              <a:t>Flancy</a:t>
-            </a:r>
-            <a:r>
-              <a:rPr lang="en-US" dirty="0"/>
-              <a:t> and </a:t>
-            </a:r>
-            <a:r>
-              <a:rPr lang="en-US" dirty="0" err="1"/>
-              <a:t>NancyPS</a:t>
-            </a:r>
-            <a:r>
-              <a:rPr lang="en-US" dirty="0"/>
-              <a:t> are both wrappers around the </a:t>
-            </a:r>
-            <a:r>
-              <a:rPr lang="en-US"/>
-              <a:t>.Net Nancy </a:t>
-            </a:r>
-            <a:r>
-              <a:rPr lang="en-US" dirty="0"/>
-              <a:t>framework</a:t>
+              <a:t>Just don’t get carried away with logic or you’ll have to test your tests</a:t>
             </a:r>
           </a:p>
         </p:txBody>
@@ -1420,7 +1330,7 @@
             <a:fld id="{580C3CF9-2088-4345-84DE-A0500A36AC73}" type="slidenum">
               <a:rPr lang="en-US" smtClean="0"/>
               <a:pPr/>
-              <a:t>15</a:t>
+              <a:t>14</a:t>
             </a:fld>
             <a:endParaRPr lang="en-US"/>
           </a:p>
@@ -1429,7 +1339,7 @@
     </p:spTree>
     <p:extLst>
       <p:ext uri="{BB962C8B-B14F-4D97-AF65-F5344CB8AC3E}">
-        <p14:creationId xmlns:p14="http://schemas.microsoft.com/office/powerpoint/2010/main" val="700219314"/>
+        <p14:creationId xmlns:p14="http://schemas.microsoft.com/office/powerpoint/2010/main" val="3304852470"/>
       </p:ext>
     </p:extLst>
   </p:cSld>
@@ -1489,15 +1399,7 @@
             </a:pPr>
             <a:r>
               <a:rPr lang="en-US" dirty="0"/>
-              <a:t>The only value this has over just mocking Invoke-</a:t>
-            </a:r>
-            <a:r>
-              <a:rPr lang="en-US" dirty="0" err="1"/>
-              <a:t>RestMethod</a:t>
-            </a:r>
-            <a:r>
-              <a:rPr lang="en-US" dirty="0"/>
-              <a:t> is you more closely simulate the real integration with real Request and Response objects</a:t>
+              <a:t>You need to test Integrating with a Web API?</a:t>
             </a:r>
           </a:p>
           <a:p>
@@ -1507,14 +1409,12 @@
             </a:pPr>
             <a:r>
               <a:rPr lang="en-US" dirty="0"/>
-              <a:t>You can test how your code handles different Http status codes without hand crafting Response objects</a:t>
-            </a:r>
-          </a:p>
-          <a:p>
-            <a:pPr marL="0" indent="0">
-              <a:buFont typeface="Arial" panose="020B0604020202020204" pitchFamily="34" charset="0"/>
-              <a:buNone/>
-            </a:pPr>
+              <a:t>In this example, we actually spin up a small web service to respond to Invoke-</a:t>
+            </a:r>
+            <a:r>
+              <a:rPr lang="en-US" dirty="0" err="1"/>
+              <a:t>RestMethod</a:t>
+            </a:r>
             <a:endParaRPr lang="en-US" dirty="0"/>
           </a:p>
           <a:p>
@@ -1522,7 +1422,40 @@
               <a:buFont typeface="Arial" panose="020B0604020202020204" pitchFamily="34" charset="0"/>
               <a:buChar char="•"/>
             </a:pPr>
-            <a:endParaRPr lang="en-US" dirty="0"/>
+            <a:r>
+              <a:rPr lang="en-US" dirty="0"/>
+              <a:t>This configuration response to Get and Post commands. The Get returns a static value. The Post echoes back the contents of the Request.</a:t>
+            </a:r>
+          </a:p>
+          <a:p>
+            <a:pPr marL="171450" indent="-171450">
+              <a:buFont typeface="Arial" panose="020B0604020202020204" pitchFamily="34" charset="0"/>
+              <a:buChar char="•"/>
+            </a:pPr>
+            <a:r>
+              <a:rPr lang="en-US" dirty="0" err="1"/>
+              <a:t>Flancy</a:t>
+            </a:r>
+            <a:r>
+              <a:rPr lang="en-US" dirty="0"/>
+              <a:t> and </a:t>
+            </a:r>
+            <a:r>
+              <a:rPr lang="en-US" dirty="0" err="1"/>
+              <a:t>NancyPS</a:t>
+            </a:r>
+            <a:r>
+              <a:rPr lang="en-US" dirty="0"/>
+              <a:t> are both wrappers around the </a:t>
+            </a:r>
+            <a:r>
+              <a:rPr lang="en-US"/>
+              <a:t>.Net Nancy </a:t>
+            </a:r>
+            <a:r>
+              <a:rPr lang="en-US" dirty="0"/>
+              <a:t>framework</a:t>
+            </a:r>
           </a:p>
         </p:txBody>
       </p:sp>
@@ -1544,7 +1477,7 @@
             <a:fld id="{580C3CF9-2088-4345-84DE-A0500A36AC73}" type="slidenum">
               <a:rPr lang="en-US" smtClean="0"/>
               <a:pPr/>
-              <a:t>16</a:t>
+              <a:t>15</a:t>
             </a:fld>
             <a:endParaRPr lang="en-US"/>
           </a:p>
@@ -1553,7 +1486,7 @@
     </p:spTree>
     <p:extLst>
       <p:ext uri="{BB962C8B-B14F-4D97-AF65-F5344CB8AC3E}">
-        <p14:creationId xmlns:p14="http://schemas.microsoft.com/office/powerpoint/2010/main" val="2259575911"/>
+        <p14:creationId xmlns:p14="http://schemas.microsoft.com/office/powerpoint/2010/main" val="700219314"/>
       </p:ext>
     </p:extLst>
   </p:cSld>
@@ -1613,7 +1546,15 @@
             </a:pPr>
             <a:r>
               <a:rPr lang="en-US" dirty="0"/>
-              <a:t>Speaking of hand crafting objects</a:t>
+              <a:t>The only value this has over just mocking Invoke-</a:t>
+            </a:r>
+            <a:r>
+              <a:rPr lang="en-US" dirty="0" err="1"/>
+              <a:t>RestMethod</a:t>
+            </a:r>
+            <a:r>
+              <a:rPr lang="en-US" dirty="0"/>
+              <a:t> is you more closely simulate the real integration with real Request and Response objects</a:t>
             </a:r>
           </a:p>
           <a:p>
@@ -1623,32 +1564,8 @@
             </a:pPr>
             <a:r>
               <a:rPr lang="en-US" dirty="0"/>
-              <a:t>You can use Add-Member to effectively override the value of any Property or Method</a:t>
-            </a:r>
-          </a:p>
-          <a:p>
-            <a:pPr marL="171450" indent="-171450">
-              <a:buFont typeface="Arial" panose="020B0604020202020204" pitchFamily="34" charset="0"/>
-              <a:buChar char="•"/>
-            </a:pPr>
-            <a:r>
-              <a:rPr lang="en-US" dirty="0"/>
-              <a:t>Note, this method of creating a fake object requires a class with a public constructor</a:t>
-            </a:r>
-          </a:p>
-          <a:p>
-            <a:pPr marL="171450" indent="-171450">
-              <a:buFont typeface="Arial" panose="020B0604020202020204" pitchFamily="34" charset="0"/>
-              <a:buChar char="•"/>
-            </a:pPr>
-            <a:endParaRPr lang="en-US" dirty="0"/>
-          </a:p>
-          <a:p>
-            <a:pPr marL="171450" indent="-171450">
-              <a:buFont typeface="Arial" panose="020B0604020202020204" pitchFamily="34" charset="0"/>
-              <a:buChar char="•"/>
-            </a:pPr>
-            <a:endParaRPr lang="en-US" dirty="0"/>
+              <a:t>You can test how your code handles different Http status codes without hand crafting Response objects</a:t>
+            </a:r>
           </a:p>
           <a:p>
             <a:pPr marL="0" indent="0">
@@ -1684,7 +1601,7 @@
             <a:fld id="{580C3CF9-2088-4345-84DE-A0500A36AC73}" type="slidenum">
               <a:rPr lang="en-US" smtClean="0"/>
               <a:pPr/>
-              <a:t>17</a:t>
+              <a:t>16</a:t>
             </a:fld>
             <a:endParaRPr lang="en-US"/>
           </a:p>
@@ -1693,7 +1610,7 @@
     </p:spTree>
     <p:extLst>
       <p:ext uri="{BB962C8B-B14F-4D97-AF65-F5344CB8AC3E}">
-        <p14:creationId xmlns:p14="http://schemas.microsoft.com/office/powerpoint/2010/main" val="431507397"/>
+        <p14:creationId xmlns:p14="http://schemas.microsoft.com/office/powerpoint/2010/main" val="2259575911"/>
       </p:ext>
     </p:extLst>
   </p:cSld>
@@ -1753,15 +1670,7 @@
             </a:pPr>
             <a:r>
               <a:rPr lang="en-US" dirty="0"/>
-              <a:t>You can unit test your </a:t>
-            </a:r>
-            <a:r>
-              <a:rPr lang="en-US" dirty="0" err="1"/>
-              <a:t>ScriptBlocks</a:t>
-            </a:r>
-            <a:r>
-              <a:rPr lang="en-US" dirty="0"/>
-              <a:t> as well</a:t>
+              <a:t>Speaking of hand crafting objects</a:t>
             </a:r>
           </a:p>
           <a:p>
@@ -1771,23 +1680,17 @@
             </a:pPr>
             <a:r>
               <a:rPr lang="en-US" dirty="0"/>
-              <a:t>Don’t put a lot of logic in your </a:t>
-            </a:r>
-            <a:r>
-              <a:rPr lang="en-US" dirty="0" err="1"/>
-              <a:t>ScriptBlock</a:t>
-            </a:r>
+              <a:t>You can use Add-Member to effectively override the value of any Property or Method</a:t>
+            </a:r>
+          </a:p>
+          <a:p>
+            <a:pPr marL="171450" indent="-171450">
+              <a:buFont typeface="Arial" panose="020B0604020202020204" pitchFamily="34" charset="0"/>
+              <a:buChar char="•"/>
+            </a:pPr>
             <a:r>
               <a:rPr lang="en-US" dirty="0"/>
-              <a:t>. Build a testable module then use the </a:t>
-            </a:r>
-            <a:r>
-              <a:rPr lang="en-US" dirty="0" err="1"/>
-              <a:t>ScriptBlock</a:t>
-            </a:r>
-            <a:r>
-              <a:rPr lang="en-US" dirty="0"/>
-              <a:t> to install and invoke the module.</a:t>
+              <a:t>Note, this method of creating a fake object requires a class with a public constructor</a:t>
             </a:r>
           </a:p>
           <a:p>
@@ -1838,6 +1741,160 @@
             <a:fld id="{580C3CF9-2088-4345-84DE-A0500A36AC73}" type="slidenum">
               <a:rPr lang="en-US" smtClean="0"/>
               <a:pPr/>
+              <a:t>17</a:t>
+            </a:fld>
+            <a:endParaRPr lang="en-US"/>
+          </a:p>
+        </p:txBody>
+      </p:sp>
+    </p:spTree>
+    <p:extLst>
+      <p:ext uri="{BB962C8B-B14F-4D97-AF65-F5344CB8AC3E}">
+        <p14:creationId xmlns:p14="http://schemas.microsoft.com/office/powerpoint/2010/main" val="431507397"/>
+      </p:ext>
+    </p:extLst>
+  </p:cSld>
+  <p:clrMapOvr>
+    <a:masterClrMapping/>
+  </p:clrMapOvr>
+</p:notes>
+</file>
+
+<file path=ppt/notesSlides/notesSlide18.xml><?xml version="1.0" encoding="utf-8"?>
+<p:notes xmlns:a="http://schemas.openxmlformats.org/drawingml/2006/main" xmlns:r="http://schemas.openxmlformats.org/officeDocument/2006/relationships" xmlns:p="http://schemas.openxmlformats.org/presentationml/2006/main">
+  <p:cSld>
+    <p:spTree>
+      <p:nvGrpSpPr>
+        <p:cNvPr id="1" name=""/>
+        <p:cNvGrpSpPr/>
+        <p:nvPr/>
+      </p:nvGrpSpPr>
+      <p:grpSpPr>
+        <a:xfrm>
+          <a:off x="0" y="0"/>
+          <a:ext cx="0" cy="0"/>
+          <a:chOff x="0" y="0"/>
+          <a:chExt cx="0" cy="0"/>
+        </a:xfrm>
+      </p:grpSpPr>
+      <p:sp>
+        <p:nvSpPr>
+          <p:cNvPr id="2" name="Slide Image Placeholder 1"/>
+          <p:cNvSpPr>
+            <a:spLocks noGrp="1" noRot="1" noChangeAspect="1"/>
+          </p:cNvSpPr>
+          <p:nvPr>
+            <p:ph type="sldImg"/>
+          </p:nvPr>
+        </p:nvSpPr>
+        <p:spPr/>
+      </p:sp>
+      <p:sp>
+        <p:nvSpPr>
+          <p:cNvPr id="3" name="Notes Placeholder 2"/>
+          <p:cNvSpPr>
+            <a:spLocks noGrp="1"/>
+          </p:cNvSpPr>
+          <p:nvPr>
+            <p:ph type="body" idx="1"/>
+          </p:nvPr>
+        </p:nvSpPr>
+        <p:spPr/>
+        <p:txBody>
+          <a:bodyPr/>
+          <a:lstStyle/>
+          <a:p>
+            <a:pPr marL="171450" indent="-171450">
+              <a:buFont typeface="Arial" panose="020B0604020202020204" pitchFamily="34" charset="0"/>
+              <a:buChar char="•"/>
+            </a:pPr>
+            <a:r>
+              <a:rPr lang="en-US" dirty="0"/>
+              <a:t>You can unit test your </a:t>
+            </a:r>
+            <a:r>
+              <a:rPr lang="en-US" dirty="0" err="1"/>
+              <a:t>ScriptBlocks</a:t>
+            </a:r>
+            <a:r>
+              <a:rPr lang="en-US" dirty="0"/>
+              <a:t> as well</a:t>
+            </a:r>
+          </a:p>
+          <a:p>
+            <a:pPr marL="171450" indent="-171450">
+              <a:buFont typeface="Arial" panose="020B0604020202020204" pitchFamily="34" charset="0"/>
+              <a:buChar char="•"/>
+            </a:pPr>
+            <a:r>
+              <a:rPr lang="en-US" dirty="0"/>
+              <a:t>Don’t put a lot of logic in your </a:t>
+            </a:r>
+            <a:r>
+              <a:rPr lang="en-US" dirty="0" err="1"/>
+              <a:t>ScriptBlock</a:t>
+            </a:r>
+            <a:r>
+              <a:rPr lang="en-US" dirty="0"/>
+              <a:t>. Build a testable module then use the </a:t>
+            </a:r>
+            <a:r>
+              <a:rPr lang="en-US" dirty="0" err="1"/>
+              <a:t>ScriptBlock</a:t>
+            </a:r>
+            <a:r>
+              <a:rPr lang="en-US" dirty="0"/>
+              <a:t> to install and invoke the module.</a:t>
+            </a:r>
+          </a:p>
+          <a:p>
+            <a:pPr marL="171450" indent="-171450">
+              <a:buFont typeface="Arial" panose="020B0604020202020204" pitchFamily="34" charset="0"/>
+              <a:buChar char="•"/>
+            </a:pPr>
+            <a:endParaRPr lang="en-US" dirty="0"/>
+          </a:p>
+          <a:p>
+            <a:pPr marL="171450" indent="-171450">
+              <a:buFont typeface="Arial" panose="020B0604020202020204" pitchFamily="34" charset="0"/>
+              <a:buChar char="•"/>
+            </a:pPr>
+            <a:endParaRPr lang="en-US" dirty="0"/>
+          </a:p>
+          <a:p>
+            <a:pPr marL="0" indent="0">
+              <a:buFont typeface="Arial" panose="020B0604020202020204" pitchFamily="34" charset="0"/>
+              <a:buNone/>
+            </a:pPr>
+            <a:endParaRPr lang="en-US" dirty="0"/>
+          </a:p>
+          <a:p>
+            <a:pPr marL="171450" indent="-171450">
+              <a:buFont typeface="Arial" panose="020B0604020202020204" pitchFamily="34" charset="0"/>
+              <a:buChar char="•"/>
+            </a:pPr>
+            <a:endParaRPr lang="en-US" dirty="0"/>
+          </a:p>
+        </p:txBody>
+      </p:sp>
+      <p:sp>
+        <p:nvSpPr>
+          <p:cNvPr id="4" name="Slide Number Placeholder 3"/>
+          <p:cNvSpPr>
+            <a:spLocks noGrp="1"/>
+          </p:cNvSpPr>
+          <p:nvPr>
+            <p:ph type="sldNum" sz="quarter" idx="10"/>
+          </p:nvPr>
+        </p:nvSpPr>
+        <p:spPr/>
+        <p:txBody>
+          <a:bodyPr/>
+          <a:lstStyle/>
+          <a:p>
+            <a:fld id="{580C3CF9-2088-4345-84DE-A0500A36AC73}" type="slidenum">
+              <a:rPr lang="en-US" smtClean="0"/>
+              <a:pPr/>
               <a:t>18</a:t>
             </a:fld>
             <a:endParaRPr lang="en-US"/>
@@ -1857,7 +1914,7 @@
 </p:notes>
 </file>
 
-<file path=ppt/notesSlides/notesSlide18.xml><?xml version="1.0" encoding="utf-8"?>
+<file path=ppt/notesSlides/notesSlide19.xml><?xml version="1.0" encoding="utf-8"?>
 <p:notes xmlns:a="http://schemas.openxmlformats.org/drawingml/2006/main" xmlns:r="http://schemas.openxmlformats.org/officeDocument/2006/relationships" xmlns:p="http://schemas.openxmlformats.org/presentationml/2006/main">
   <p:cSld>
     <p:spTree>
@@ -1991,16 +2048,8 @@
               <a:buChar char="•"/>
             </a:pPr>
             <a:r>
-              <a:rPr lang="en-US" sz="1000" b="0" i="0" kern="1200" dirty="0">
-                <a:solidFill>
-                  <a:schemeClr val="tx1"/>
-                </a:solidFill>
-                <a:effectLst/>
-                <a:latin typeface="+mn-lt"/>
-                <a:ea typeface="+mn-ea"/>
-                <a:cs typeface="+mn-cs"/>
-              </a:rPr>
-              <a:t>In 1963 Ford wanted a car at Le Mans </a:t>
+              <a:rPr lang="en-US" dirty="0"/>
+              <a:t>Background on Ticketmaster</a:t>
             </a:r>
           </a:p>
           <a:p>
@@ -2009,16 +2058,8 @@
               <a:buChar char="•"/>
             </a:pPr>
             <a:r>
-              <a:rPr lang="en-US" sz="1000" b="0" i="0" kern="1200" dirty="0">
-                <a:solidFill>
-                  <a:schemeClr val="tx1"/>
-                </a:solidFill>
-                <a:effectLst/>
-                <a:latin typeface="+mn-lt"/>
-                <a:ea typeface="+mn-ea"/>
-                <a:cs typeface="+mn-cs"/>
-              </a:rPr>
-              <a:t>It so happened that Enzo Ferrari was looking to sell his company</a:t>
+              <a:rPr lang="en-US" dirty="0"/>
+              <a:t>Ticketmaster is ancient compared to most technology companies</a:t>
             </a:r>
           </a:p>
           <a:p>
@@ -2027,16 +2068,16 @@
               <a:buChar char="•"/>
             </a:pPr>
             <a:r>
-              <a:rPr lang="en-US" sz="1000" b="0" i="0" kern="1200" dirty="0">
-                <a:solidFill>
-                  <a:schemeClr val="tx1"/>
-                </a:solidFill>
-                <a:effectLst/>
-                <a:latin typeface="+mn-lt"/>
-                <a:ea typeface="+mn-ea"/>
-                <a:cs typeface="+mn-cs"/>
-              </a:rPr>
-              <a:t>After a great deal of due diligence, Ford made an offer</a:t>
+              <a:rPr lang="en-US" dirty="0"/>
+              <a:t>We recently celebrated our 40</a:t>
+            </a:r>
+            <a:r>
+              <a:rPr lang="en-US" baseline="30000" dirty="0"/>
+              <a:t>th</a:t>
+            </a:r>
+            <a:r>
+              <a:rPr lang="en-US" dirty="0"/>
+              <a:t> anniversary</a:t>
             </a:r>
           </a:p>
           <a:p>
@@ -2045,36 +2086,9 @@
               <a:buChar char="•"/>
             </a:pPr>
             <a:r>
-              <a:rPr lang="en-US" sz="1000" b="0" i="0" kern="1200" dirty="0">
-                <a:solidFill>
-                  <a:schemeClr val="tx1"/>
-                </a:solidFill>
-                <a:effectLst/>
-                <a:latin typeface="+mn-lt"/>
-                <a:ea typeface="+mn-ea"/>
-                <a:cs typeface="+mn-cs"/>
-              </a:rPr>
-              <a:t>Ferrari walked out when he found out that Ford refused to let him remain in control of the racing division</a:t>
-            </a:r>
-          </a:p>
-          <a:p>
-            <a:pPr marL="171450" indent="-171450">
-              <a:buFont typeface="Arial" panose="020B0604020202020204" pitchFamily="34" charset="0"/>
-              <a:buChar char="•"/>
-            </a:pPr>
-            <a:r>
-              <a:rPr lang="en-US" sz="1000" b="0" i="0" kern="1200" dirty="0">
-                <a:solidFill>
-                  <a:schemeClr val="tx1"/>
-                </a:solidFill>
-                <a:effectLst/>
-                <a:latin typeface="+mn-lt"/>
-                <a:ea typeface="+mn-ea"/>
-                <a:cs typeface="+mn-cs"/>
-              </a:rPr>
-              <a:t>Ford became even more determined to beat Ferrari and outsourced development of a race car to company in England. The result was the GT40.</a:t>
-            </a:r>
-            <a:endParaRPr lang="en-US" dirty="0"/>
+              <a:rPr lang="en-US" dirty="0"/>
+              <a:t>This is a sample of some of the technologies the Windows Platform Engineering team works with regularly</a:t>
+            </a:r>
           </a:p>
         </p:txBody>
       </p:sp>
@@ -2096,7 +2110,7 @@
             <a:fld id="{580C3CF9-2088-4345-84DE-A0500A36AC73}" type="slidenum">
               <a:rPr lang="en-US" smtClean="0"/>
               <a:pPr/>
-              <a:t>3</a:t>
+              <a:t>2</a:t>
             </a:fld>
             <a:endParaRPr lang="en-US"/>
           </a:p>
@@ -2105,7 +2119,7 @@
     </p:spTree>
     <p:extLst>
       <p:ext uri="{BB962C8B-B14F-4D97-AF65-F5344CB8AC3E}">
-        <p14:creationId xmlns:p14="http://schemas.microsoft.com/office/powerpoint/2010/main" val="201442134"/>
+        <p14:creationId xmlns:p14="http://schemas.microsoft.com/office/powerpoint/2010/main" val="2015341728"/>
       </p:ext>
     </p:extLst>
   </p:cSld>
@@ -2173,7 +2187,7 @@
                 <a:ea typeface="+mn-ea"/>
                 <a:cs typeface="+mn-cs"/>
               </a:rPr>
-              <a:t>In 1964, Despite setting a lap record, all three GT40s failed to finish and a Ferrari won the race.</a:t>
+              <a:t>In 1963 Ford wanted a car at Le Mans </a:t>
             </a:r>
           </a:p>
           <a:p>
@@ -2191,8 +2205,63 @@
                 <a:ea typeface="+mn-ea"/>
                 <a:cs typeface="+mn-cs"/>
               </a:rPr>
-              <a:t>In 1965, two GT40's were entered and both failed to finish and a Ferrari won again.</a:t>
-            </a:r>
+              <a:t>It so happened that Enzo Ferrari was looking to sell his company</a:t>
+            </a:r>
+          </a:p>
+          <a:p>
+            <a:pPr marL="171450" indent="-171450">
+              <a:buFont typeface="Arial" panose="020B0604020202020204" pitchFamily="34" charset="0"/>
+              <a:buChar char="•"/>
+            </a:pPr>
+            <a:r>
+              <a:rPr lang="en-US" sz="1000" b="0" i="0" kern="1200" dirty="0">
+                <a:solidFill>
+                  <a:schemeClr val="tx1"/>
+                </a:solidFill>
+                <a:effectLst/>
+                <a:latin typeface="+mn-lt"/>
+                <a:ea typeface="+mn-ea"/>
+                <a:cs typeface="+mn-cs"/>
+              </a:rPr>
+              <a:t>After a great deal of due diligence, Ford made an offer</a:t>
+            </a:r>
+          </a:p>
+          <a:p>
+            <a:pPr marL="171450" indent="-171450">
+              <a:buFont typeface="Arial" panose="020B0604020202020204" pitchFamily="34" charset="0"/>
+              <a:buChar char="•"/>
+            </a:pPr>
+            <a:r>
+              <a:rPr lang="en-US" sz="1000" b="0" i="0" kern="1200" dirty="0">
+                <a:solidFill>
+                  <a:schemeClr val="tx1"/>
+                </a:solidFill>
+                <a:effectLst/>
+                <a:latin typeface="+mn-lt"/>
+                <a:ea typeface="+mn-ea"/>
+                <a:cs typeface="+mn-cs"/>
+              </a:rPr>
+              <a:t>Ferrari walked out when he found out that Ford refused to let him remain in control of the racing division</a:t>
+            </a:r>
+          </a:p>
+          <a:p>
+            <a:pPr marL="171450" indent="-171450">
+              <a:buFont typeface="Arial" panose="020B0604020202020204" pitchFamily="34" charset="0"/>
+              <a:buChar char="•"/>
+            </a:pPr>
+            <a:r>
+              <a:rPr lang="en-US" sz="1000" b="0" i="0" kern="1200" dirty="0">
+                <a:solidFill>
+                  <a:schemeClr val="tx1"/>
+                </a:solidFill>
+                <a:effectLst/>
+                <a:latin typeface="+mn-lt"/>
+                <a:ea typeface="+mn-ea"/>
+                <a:cs typeface="+mn-cs"/>
+              </a:rPr>
+              <a:t>Ford became even more determined to beat Ferrari and outsourced development of a race car to company in England. The result was the GT40.</a:t>
+            </a:r>
+            <a:endParaRPr lang="en-US" dirty="0"/>
           </a:p>
         </p:txBody>
       </p:sp>
@@ -2214,7 +2283,7 @@
             <a:fld id="{580C3CF9-2088-4345-84DE-A0500A36AC73}" type="slidenum">
               <a:rPr lang="en-US" smtClean="0"/>
               <a:pPr/>
-              <a:t>4</a:t>
+              <a:t>3</a:t>
             </a:fld>
             <a:endParaRPr lang="en-US"/>
           </a:p>
@@ -2223,7 +2292,7 @@
     </p:spTree>
     <p:extLst>
       <p:ext uri="{BB962C8B-B14F-4D97-AF65-F5344CB8AC3E}">
-        <p14:creationId xmlns:p14="http://schemas.microsoft.com/office/powerpoint/2010/main" val="2655302116"/>
+        <p14:creationId xmlns:p14="http://schemas.microsoft.com/office/powerpoint/2010/main" val="201442134"/>
       </p:ext>
     </p:extLst>
   </p:cSld>
@@ -2291,19 +2360,26 @@
                 <a:ea typeface="+mn-ea"/>
                 <a:cs typeface="+mn-cs"/>
               </a:rPr>
-              <a:t>After the 1965 season Ford built a dynamometer laboratory to automate the testing of the engines as closely to on-course conditions as possible .</a:t>
-            </a:r>
-          </a:p>
-          <a:p>
-            <a:endParaRPr lang="en-US" sz="1000" b="0" i="0" kern="1200" dirty="0">
-              <a:solidFill>
-                <a:schemeClr val="tx1"/>
-              </a:solidFill>
-              <a:effectLst/>
-              <a:latin typeface="+mn-lt"/>
-              <a:ea typeface="+mn-ea"/>
-              <a:cs typeface="+mn-cs"/>
-            </a:endParaRPr>
+              <a:t>In 1964, Despite setting a lap record, all three GT40s failed to finish and a Ferrari won the race.</a:t>
+            </a:r>
+          </a:p>
+          <a:p>
+            <a:pPr marL="171450" indent="-171450">
+              <a:buFont typeface="Arial" panose="020B0604020202020204" pitchFamily="34" charset="0"/>
+              <a:buChar char="•"/>
+            </a:pPr>
+            <a:r>
+              <a:rPr lang="en-US" sz="1000" b="0" i="0" kern="1200" dirty="0">
+                <a:solidFill>
+                  <a:schemeClr val="tx1"/>
+                </a:solidFill>
+                <a:effectLst/>
+                <a:latin typeface="+mn-lt"/>
+                <a:ea typeface="+mn-ea"/>
+                <a:cs typeface="+mn-cs"/>
+              </a:rPr>
+              <a:t>In 1965, two GT40's were entered and both failed to finish and a Ferrari won again.</a:t>
+            </a:r>
           </a:p>
         </p:txBody>
       </p:sp>
@@ -2325,7 +2401,7 @@
             <a:fld id="{580C3CF9-2088-4345-84DE-A0500A36AC73}" type="slidenum">
               <a:rPr lang="en-US" smtClean="0"/>
               <a:pPr/>
-              <a:t>5</a:t>
+              <a:t>4</a:t>
             </a:fld>
             <a:endParaRPr lang="en-US"/>
           </a:p>
@@ -2334,7 +2410,7 @@
     </p:spTree>
     <p:extLst>
       <p:ext uri="{BB962C8B-B14F-4D97-AF65-F5344CB8AC3E}">
-        <p14:creationId xmlns:p14="http://schemas.microsoft.com/office/powerpoint/2010/main" val="2965075264"/>
+        <p14:creationId xmlns:p14="http://schemas.microsoft.com/office/powerpoint/2010/main" val="2655302116"/>
       </p:ext>
     </p:extLst>
   </p:cSld>
@@ -2402,44 +2478,19 @@
                 <a:ea typeface="+mn-ea"/>
                 <a:cs typeface="+mn-cs"/>
               </a:rPr>
-              <a:t>Not only did all three GT40’s finished, but they swept the podium</a:t>
-            </a:r>
-          </a:p>
-          <a:p>
-            <a:pPr marL="171450" indent="-171450">
-              <a:buFont typeface="Arial" panose="020B0604020202020204" pitchFamily="34" charset="0"/>
-              <a:buChar char="•"/>
-            </a:pPr>
-            <a:r>
-              <a:rPr lang="en-US" sz="1000" b="0" i="0" kern="1200" dirty="0">
-                <a:solidFill>
-                  <a:schemeClr val="tx1"/>
-                </a:solidFill>
-                <a:effectLst/>
-                <a:latin typeface="+mn-lt"/>
-                <a:ea typeface="+mn-ea"/>
-                <a:cs typeface="+mn-cs"/>
-              </a:rPr>
-              <a:t>Automated testing leads to better, more reliable products</a:t>
-            </a:r>
-          </a:p>
-          <a:p>
-            <a:pPr marL="171450" indent="-171450">
-              <a:buFont typeface="Arial" panose="020B0604020202020204" pitchFamily="34" charset="0"/>
-              <a:buChar char="•"/>
-            </a:pPr>
-            <a:r>
-              <a:rPr lang="en-US" sz="1000" b="0" i="0" kern="1200" dirty="0">
-                <a:solidFill>
-                  <a:schemeClr val="tx1"/>
-                </a:solidFill>
-                <a:effectLst/>
-                <a:latin typeface="+mn-lt"/>
-                <a:ea typeface="+mn-ea"/>
-                <a:cs typeface="+mn-cs"/>
-              </a:rPr>
-              <a:t>A big part of automated testing is isolating your system under test and validating real-world conditions</a:t>
-            </a:r>
+              <a:t>After the 1965 season Ford built a dynamometer laboratory to automate the testing of the engines as closely to on-course conditions as possible .</a:t>
+            </a:r>
+          </a:p>
+          <a:p>
+            <a:endParaRPr lang="en-US" sz="1000" b="0" i="0" kern="1200" dirty="0">
+              <a:solidFill>
+                <a:schemeClr val="tx1"/>
+              </a:solidFill>
+              <a:effectLst/>
+              <a:latin typeface="+mn-lt"/>
+              <a:ea typeface="+mn-ea"/>
+              <a:cs typeface="+mn-cs"/>
+            </a:endParaRPr>
           </a:p>
         </p:txBody>
       </p:sp>
@@ -2461,7 +2512,7 @@
             <a:fld id="{580C3CF9-2088-4345-84DE-A0500A36AC73}" type="slidenum">
               <a:rPr lang="en-US" smtClean="0"/>
               <a:pPr/>
-              <a:t>6</a:t>
+              <a:t>5</a:t>
             </a:fld>
             <a:endParaRPr lang="en-US"/>
           </a:p>
@@ -2470,7 +2521,7 @@
     </p:spTree>
     <p:extLst>
       <p:ext uri="{BB962C8B-B14F-4D97-AF65-F5344CB8AC3E}">
-        <p14:creationId xmlns:p14="http://schemas.microsoft.com/office/powerpoint/2010/main" val="2577835155"/>
+        <p14:creationId xmlns:p14="http://schemas.microsoft.com/office/powerpoint/2010/main" val="2965075264"/>
       </p:ext>
     </p:extLst>
   </p:cSld>
@@ -2538,7 +2589,7 @@
                 <a:ea typeface="+mn-ea"/>
                 <a:cs typeface="+mn-cs"/>
               </a:rPr>
-              <a:t>I want to start with some vocabulary</a:t>
+              <a:t>Not only did all three GT40’s finished, but they swept the podium</a:t>
             </a:r>
           </a:p>
           <a:p>
@@ -2556,7 +2607,7 @@
                 <a:ea typeface="+mn-ea"/>
                 <a:cs typeface="+mn-cs"/>
               </a:rPr>
-              <a:t>The names aren’t super important. We tend to refer to everything as Mocking unless your title is QA Automation Engineer, but it’s helpful to understand the different patterns.</a:t>
+              <a:t>Automated testing leads to better, more reliable products</a:t>
             </a:r>
           </a:p>
           <a:p>
@@ -2565,7 +2616,7 @@
               <a:buChar char="•"/>
             </a:pPr>
             <a:r>
-              <a:rPr lang="en-US" sz="1000" b="0" i="1" kern="1200" dirty="0">
+              <a:rPr lang="en-US" sz="1000" b="0" i="0" kern="1200" dirty="0">
                 <a:solidFill>
                   <a:schemeClr val="tx1"/>
                 </a:solidFill>
@@ -2574,31 +2625,7 @@
                 <a:ea typeface="+mn-ea"/>
                 <a:cs typeface="+mn-cs"/>
               </a:rPr>
-              <a:t>[go through </a:t>
-            </a:r>
-            <a:r>
-              <a:rPr lang="en-US" sz="1000" b="0" i="1" kern="1200" dirty="0" err="1">
-                <a:solidFill>
-                  <a:schemeClr val="tx1"/>
-                </a:solidFill>
-                <a:effectLst/>
-                <a:latin typeface="+mn-lt"/>
-                <a:ea typeface="+mn-ea"/>
-                <a:cs typeface="+mn-cs"/>
-              </a:rPr>
-              <a:t>defs</a:t>
-            </a:r>
-            <a:r>
-              <a:rPr lang="en-US" sz="1000" b="0" i="1" kern="1200" dirty="0">
-                <a:solidFill>
-                  <a:schemeClr val="tx1"/>
-                </a:solidFill>
-                <a:effectLst/>
-                <a:latin typeface="+mn-lt"/>
-                <a:ea typeface="+mn-ea"/>
-                <a:cs typeface="+mn-cs"/>
-              </a:rPr>
-              <a:t>]</a:t>
+              <a:t>A big part of automated testing is isolating your system under test and validating real-world conditions</a:t>
             </a:r>
           </a:p>
         </p:txBody>
@@ -2621,7 +2648,7 @@
             <a:fld id="{580C3CF9-2088-4345-84DE-A0500A36AC73}" type="slidenum">
               <a:rPr lang="en-US" smtClean="0"/>
               <a:pPr/>
-              <a:t>7</a:t>
+              <a:t>6</a:t>
             </a:fld>
             <a:endParaRPr lang="en-US"/>
           </a:p>
@@ -2630,7 +2657,7 @@
     </p:spTree>
     <p:extLst>
       <p:ext uri="{BB962C8B-B14F-4D97-AF65-F5344CB8AC3E}">
-        <p14:creationId xmlns:p14="http://schemas.microsoft.com/office/powerpoint/2010/main" val="1630166121"/>
+        <p14:creationId xmlns:p14="http://schemas.microsoft.com/office/powerpoint/2010/main" val="2577835155"/>
       </p:ext>
     </p:extLst>
   </p:cSld>
@@ -2689,24 +2716,16 @@
               <a:buChar char="•"/>
             </a:pPr>
             <a:r>
-              <a:rPr lang="en-US" dirty="0"/>
-              <a:t>My function </a:t>
-            </a:r>
-            <a:r>
-              <a:rPr lang="en-US" dirty="0" err="1"/>
-              <a:t>MockMe</a:t>
-            </a:r>
-            <a:r>
-              <a:rPr lang="en-US" dirty="0"/>
-              <a:t> just takes a parameter and calls Get-</a:t>
-            </a:r>
-            <a:r>
-              <a:rPr lang="en-US" dirty="0" err="1"/>
-              <a:t>ChildItem</a:t>
-            </a:r>
-            <a:r>
-              <a:rPr lang="en-US" dirty="0"/>
-              <a:t> with the given parameter</a:t>
+              <a:rPr lang="en-US" sz="1000" b="0" i="0" kern="1200" dirty="0">
+                <a:solidFill>
+                  <a:schemeClr val="tx1"/>
+                </a:solidFill>
+                <a:effectLst/>
+                <a:latin typeface="+mn-lt"/>
+                <a:ea typeface="+mn-ea"/>
+                <a:cs typeface="+mn-cs"/>
+              </a:rPr>
+              <a:t>I want to start with some vocabulary</a:t>
             </a:r>
           </a:p>
           <a:p>
@@ -2715,8 +2734,16 @@
               <a:buChar char="•"/>
             </a:pPr>
             <a:r>
-              <a:rPr lang="en-US" dirty="0"/>
-              <a:t>I have two Mock statements with different specifications</a:t>
+              <a:rPr lang="en-US" sz="1000" b="0" i="0" kern="1200" dirty="0">
+                <a:solidFill>
+                  <a:schemeClr val="tx1"/>
+                </a:solidFill>
+                <a:effectLst/>
+                <a:latin typeface="+mn-lt"/>
+                <a:ea typeface="+mn-ea"/>
+                <a:cs typeface="+mn-cs"/>
+              </a:rPr>
+              <a:t>The names aren’t super important. We tend to refer to everything as Mocking unless your title is QA Automation Engineer, but it’s helpful to understand the different patterns.</a:t>
             </a:r>
           </a:p>
           <a:p>
@@ -2725,8 +2752,40 @@
               <a:buChar char="•"/>
             </a:pPr>
             <a:r>
-              <a:rPr lang="en-US" dirty="0"/>
-              <a:t>You see that there are no Should assertions and both Mocks just return $null. We’re verify the functionality entirely based on the calls made</a:t>
+              <a:rPr lang="en-US" sz="1000" b="0" i="1" kern="1200" dirty="0">
+                <a:solidFill>
+                  <a:schemeClr val="tx1"/>
+                </a:solidFill>
+                <a:effectLst/>
+                <a:latin typeface="+mn-lt"/>
+                <a:ea typeface="+mn-ea"/>
+                <a:cs typeface="+mn-cs"/>
+              </a:rPr>
+              <a:t>[go through </a:t>
+            </a:r>
+            <a:r>
+              <a:rPr lang="en-US" sz="1000" b="0" i="1" kern="1200" dirty="0" err="1">
+                <a:solidFill>
+                  <a:schemeClr val="tx1"/>
+                </a:solidFill>
+                <a:effectLst/>
+                <a:latin typeface="+mn-lt"/>
+                <a:ea typeface="+mn-ea"/>
+                <a:cs typeface="+mn-cs"/>
+              </a:rPr>
+              <a:t>defs</a:t>
+            </a:r>
+            <a:r>
+              <a:rPr lang="en-US" sz="1000" b="0" i="1" kern="1200" dirty="0">
+                <a:solidFill>
+                  <a:schemeClr val="tx1"/>
+                </a:solidFill>
+                <a:effectLst/>
+                <a:latin typeface="+mn-lt"/>
+                <a:ea typeface="+mn-ea"/>
+                <a:cs typeface="+mn-cs"/>
+              </a:rPr>
+              <a:t>]</a:t>
             </a:r>
           </a:p>
         </p:txBody>
@@ -2749,7 +2808,7 @@
             <a:fld id="{580C3CF9-2088-4345-84DE-A0500A36AC73}" type="slidenum">
               <a:rPr lang="en-US" smtClean="0"/>
               <a:pPr/>
-              <a:t>8</a:t>
+              <a:t>7</a:t>
             </a:fld>
             <a:endParaRPr lang="en-US"/>
           </a:p>
@@ -2758,7 +2817,7 @@
     </p:spTree>
     <p:extLst>
       <p:ext uri="{BB962C8B-B14F-4D97-AF65-F5344CB8AC3E}">
-        <p14:creationId xmlns:p14="http://schemas.microsoft.com/office/powerpoint/2010/main" val="3105298814"/>
+        <p14:creationId xmlns:p14="http://schemas.microsoft.com/office/powerpoint/2010/main" val="1630166121"/>
       </p:ext>
     </p:extLst>
   </p:cSld>
@@ -2818,21 +2877,24 @@
             </a:pPr>
             <a:r>
               <a:rPr lang="en-US" dirty="0"/>
-              <a:t>Here, my </a:t>
+              <a:t>My function </a:t>
             </a:r>
             <a:r>
               <a:rPr lang="en-US" dirty="0" err="1"/>
-              <a:t>StubMe</a:t>
+              <a:t>MockMe</a:t>
             </a:r>
             <a:r>
               <a:rPr lang="en-US" dirty="0"/>
-              <a:t> function is extracting a specific property of the output of Get-</a:t>
+              <a:t> just takes a parameter and calls Get-</a:t>
             </a:r>
             <a:r>
               <a:rPr lang="en-US" dirty="0" err="1"/>
               <a:t>ChildItem</a:t>
             </a:r>
-            <a:endParaRPr lang="en-US" dirty="0"/>
+            <a:r>
+              <a:rPr lang="en-US" dirty="0"/>
+              <a:t> with the given parameter</a:t>
+            </a:r>
           </a:p>
           <a:p>
             <a:pPr marL="171450" indent="-171450">
@@ -2841,15 +2903,7 @@
             </a:pPr>
             <a:r>
               <a:rPr lang="en-US" dirty="0"/>
-              <a:t>In this case my Mock statement has no </a:t>
-            </a:r>
-            <a:r>
-              <a:rPr lang="en-US" dirty="0" err="1"/>
-              <a:t>ParameterFilter</a:t>
-            </a:r>
-            <a:r>
-              <a:rPr lang="en-US" dirty="0"/>
-              <a:t> and instead returns a Fake Object</a:t>
+              <a:t>I have two Mock statements with different specifications</a:t>
             </a:r>
           </a:p>
           <a:p>
@@ -2859,60 +2913,7 @@
             </a:pPr>
             <a:r>
               <a:rPr lang="en-US" dirty="0"/>
-              <a:t>I want to remove Get-</a:t>
-            </a:r>
-            <a:r>
-              <a:rPr lang="en-US" dirty="0" err="1"/>
-              <a:t>ChildItem</a:t>
-            </a:r>
-            <a:r>
-              <a:rPr lang="en-US" dirty="0"/>
-              <a:t> as a variable in my test</a:t>
-            </a:r>
-          </a:p>
-          <a:p>
-            <a:pPr marL="171450" indent="-171450">
-              <a:buFont typeface="Arial" panose="020B0604020202020204" pitchFamily="34" charset="0"/>
-              <a:buChar char="•"/>
-            </a:pPr>
-            <a:r>
-              <a:rPr lang="en-US" dirty="0"/>
-              <a:t>This test does use a Should Be assertion to verify the value returned by </a:t>
-            </a:r>
-            <a:r>
-              <a:rPr lang="en-US" dirty="0" err="1"/>
-              <a:t>StubMe</a:t>
-            </a:r>
-            <a:endParaRPr lang="en-US" dirty="0"/>
-          </a:p>
-          <a:p>
-            <a:pPr marL="171450" indent="-171450">
-              <a:buFont typeface="Arial" panose="020B0604020202020204" pitchFamily="34" charset="0"/>
-              <a:buChar char="•"/>
-            </a:pPr>
-            <a:r>
-              <a:rPr lang="en-US" dirty="0"/>
-              <a:t>These are both simple examples, but even as the code and tests become more complex it boils down to behavior or state verification.</a:t>
-            </a:r>
-          </a:p>
-          <a:p>
-            <a:pPr marL="171450" indent="-171450">
-              <a:buFont typeface="Arial" panose="020B0604020202020204" pitchFamily="34" charset="0"/>
-              <a:buChar char="•"/>
-            </a:pPr>
-            <a:r>
-              <a:rPr lang="en-US" dirty="0"/>
-              <a:t>Behavior Verification is good when you are testing an integration with some dependency. You want to test that you are making the correct calls, but not actually making them.</a:t>
-            </a:r>
-          </a:p>
-          <a:p>
-            <a:pPr marL="171450" indent="-171450">
-              <a:buFont typeface="Arial" panose="020B0604020202020204" pitchFamily="34" charset="0"/>
-              <a:buChar char="•"/>
-            </a:pPr>
-            <a:r>
-              <a:rPr lang="en-US" dirty="0"/>
-              <a:t>State Verification is necessary when your System Under Test is modifying state. Obviously. </a:t>
+              <a:t>You see that there are no Should assertions and both Mocks just return $null. We’re verify the functionality entirely based on the calls made</a:t>
             </a:r>
           </a:p>
         </p:txBody>
@@ -2935,7 +2936,7 @@
             <a:fld id="{580C3CF9-2088-4345-84DE-A0500A36AC73}" type="slidenum">
               <a:rPr lang="en-US" smtClean="0"/>
               <a:pPr/>
-              <a:t>9</a:t>
+              <a:t>8</a:t>
             </a:fld>
             <a:endParaRPr lang="en-US"/>
           </a:p>
@@ -2944,7 +2945,7 @@
     </p:spTree>
     <p:extLst>
       <p:ext uri="{BB962C8B-B14F-4D97-AF65-F5344CB8AC3E}">
-        <p14:creationId xmlns:p14="http://schemas.microsoft.com/office/powerpoint/2010/main" val="3229578436"/>
+        <p14:creationId xmlns:p14="http://schemas.microsoft.com/office/powerpoint/2010/main" val="3105298814"/>
       </p:ext>
     </p:extLst>
   </p:cSld>
@@ -3004,8 +3005,21 @@
             </a:pPr>
             <a:r>
               <a:rPr lang="en-US" dirty="0"/>
-              <a:t>Gale Colas alerted me to this project just this week</a:t>
-            </a:r>
+              <a:t>Here, my </a:t>
+            </a:r>
+            <a:r>
+              <a:rPr lang="en-US" dirty="0" err="1"/>
+              <a:t>StubMe</a:t>
+            </a:r>
+            <a:r>
+              <a:rPr lang="en-US" dirty="0"/>
+              <a:t> function is extracting a specific property of the output of Get-</a:t>
+            </a:r>
+            <a:r>
+              <a:rPr lang="en-US" dirty="0" err="1"/>
+              <a:t>ChildItem</a:t>
+            </a:r>
+            <a:endParaRPr lang="en-US" dirty="0"/>
           </a:p>
           <a:p>
             <a:pPr marL="171450" indent="-171450">
@@ -3014,7 +3028,78 @@
             </a:pPr>
             <a:r>
               <a:rPr lang="en-US" dirty="0"/>
-              <a:t>You can quickly generate stubs </a:t>
+              <a:t>In this case my Mock statement has no </a:t>
+            </a:r>
+            <a:r>
+              <a:rPr lang="en-US" dirty="0" err="1"/>
+              <a:t>ParameterFilter</a:t>
+            </a:r>
+            <a:r>
+              <a:rPr lang="en-US" dirty="0"/>
+              <a:t> and instead returns a Fake Object</a:t>
+            </a:r>
+          </a:p>
+          <a:p>
+            <a:pPr marL="171450" indent="-171450">
+              <a:buFont typeface="Arial" panose="020B0604020202020204" pitchFamily="34" charset="0"/>
+              <a:buChar char="•"/>
+            </a:pPr>
+            <a:r>
+              <a:rPr lang="en-US" dirty="0"/>
+              <a:t>I want to remove Get-</a:t>
+            </a:r>
+            <a:r>
+              <a:rPr lang="en-US" dirty="0" err="1"/>
+              <a:t>ChildItem</a:t>
+            </a:r>
+            <a:r>
+              <a:rPr lang="en-US" dirty="0"/>
+              <a:t> as a variable in my test</a:t>
+            </a:r>
+          </a:p>
+          <a:p>
+            <a:pPr marL="171450" indent="-171450">
+              <a:buFont typeface="Arial" panose="020B0604020202020204" pitchFamily="34" charset="0"/>
+              <a:buChar char="•"/>
+            </a:pPr>
+            <a:r>
+              <a:rPr lang="en-US" dirty="0"/>
+              <a:t>This test does use a Should Be assertion to verify the value returned by </a:t>
+            </a:r>
+            <a:r>
+              <a:rPr lang="en-US" dirty="0" err="1"/>
+              <a:t>StubMe</a:t>
+            </a:r>
+            <a:endParaRPr lang="en-US" dirty="0"/>
+          </a:p>
+          <a:p>
+            <a:pPr marL="171450" indent="-171450">
+              <a:buFont typeface="Arial" panose="020B0604020202020204" pitchFamily="34" charset="0"/>
+              <a:buChar char="•"/>
+            </a:pPr>
+            <a:r>
+              <a:rPr lang="en-US" dirty="0"/>
+              <a:t>These are both simple examples, but even as the code and tests become more complex it boils down to behavior or state verification.</a:t>
+            </a:r>
+          </a:p>
+          <a:p>
+            <a:pPr marL="171450" indent="-171450">
+              <a:buFont typeface="Arial" panose="020B0604020202020204" pitchFamily="34" charset="0"/>
+              <a:buChar char="•"/>
+            </a:pPr>
+            <a:r>
+              <a:rPr lang="en-US" dirty="0"/>
+              <a:t>Behavior Verification is good when you are testing an integration with some dependency. You want to test that you are making the correct calls, but not actually making them.</a:t>
+            </a:r>
+          </a:p>
+          <a:p>
+            <a:pPr marL="171450" indent="-171450">
+              <a:buFont typeface="Arial" panose="020B0604020202020204" pitchFamily="34" charset="0"/>
+              <a:buChar char="•"/>
+            </a:pPr>
+            <a:r>
+              <a:rPr lang="en-US" dirty="0"/>
+              <a:t>State Verification is necessary when your System Under Test is modifying state. Obviously. </a:t>
             </a:r>
           </a:p>
         </p:txBody>
@@ -3037,7 +3122,7 @@
             <a:fld id="{580C3CF9-2088-4345-84DE-A0500A36AC73}" type="slidenum">
               <a:rPr lang="en-US" smtClean="0"/>
               <a:pPr/>
-              <a:t>10</a:t>
+              <a:t>9</a:t>
             </a:fld>
             <a:endParaRPr lang="en-US"/>
           </a:p>
@@ -3046,7 +3131,7 @@
     </p:spTree>
     <p:extLst>
       <p:ext uri="{BB962C8B-B14F-4D97-AF65-F5344CB8AC3E}">
-        <p14:creationId xmlns:p14="http://schemas.microsoft.com/office/powerpoint/2010/main" val="3185973152"/>
+        <p14:creationId xmlns:p14="http://schemas.microsoft.com/office/powerpoint/2010/main" val="3229578436"/>
       </p:ext>
     </p:extLst>
   </p:cSld>
@@ -3266,7 +3351,7 @@
           <a:p>
             <a:fld id="{AA9C65CA-C0C5-5647-9B9D-8C41F3BBC317}" type="datetime1">
               <a:rPr lang="en-US" smtClean="0"/>
-              <a:t>4/10/2017</a:t>
+              <a:t>4/11/2017</a:t>
             </a:fld>
             <a:endParaRPr lang="en-GB"/>
           </a:p>
@@ -7701,7 +7786,7 @@
           <a:p>
             <a:fld id="{33A48E83-E413-D242-BBD3-800CC27D9C6D}" type="datetime1">
               <a:rPr lang="en-US" smtClean="0"/>
-              <a:t>4/10/2017</a:t>
+              <a:t>4/11/2017</a:t>
             </a:fld>
             <a:endParaRPr lang="en-GB"/>
           </a:p>
@@ -8484,7 +8569,7 @@
           <a:p>
             <a:fld id="{6AD6EE87-EBD5-4F12-A48A-63ACA297AC8F}" type="datetimeFigureOut">
               <a:rPr lang="en-US" smtClean="0"/>
-              <a:t>4/10/2017</a:t>
+              <a:t>4/11/2017</a:t>
             </a:fld>
             <a:endParaRPr lang="en-US" dirty="0"/>
           </a:p>
@@ -8785,7 +8870,7 @@
           <a:p>
             <a:fld id="{5529F2C3-B841-0047-A63E-7498D1DF6566}" type="datetime1">
               <a:rPr lang="en-US" smtClean="0"/>
-              <a:t>4/10/2017</a:t>
+              <a:t>4/11/2017</a:t>
             </a:fld>
             <a:endParaRPr lang="en-GB"/>
           </a:p>
@@ -9295,7 +9380,7 @@
           <a:p>
             <a:fld id="{A06776DC-7B5D-4A40-B28C-D3FA8A3DADC6}" type="datetime1">
               <a:rPr lang="en-US" smtClean="0"/>
-              <a:t>4/10/2017</a:t>
+              <a:t>4/11/2017</a:t>
             </a:fld>
             <a:endParaRPr lang="en-GB"/>
           </a:p>
@@ -9527,7 +9612,7 @@
           <a:p>
             <a:fld id="{EB764B47-E48A-2B4C-8F0F-00B600CE9930}" type="datetime1">
               <a:rPr lang="en-US" smtClean="0"/>
-              <a:t>4/10/2017</a:t>
+              <a:t>4/11/2017</a:t>
             </a:fld>
             <a:endParaRPr lang="en-GB"/>
           </a:p>
@@ -9836,7 +9921,7 @@
           <a:p>
             <a:fld id="{EBC1EF0D-6E6B-FA48-A207-E1059D751D30}" type="datetime1">
               <a:rPr lang="en-US" smtClean="0"/>
-              <a:t>4/10/2017</a:t>
+              <a:t>4/11/2017</a:t>
             </a:fld>
             <a:endParaRPr lang="en-GB"/>
           </a:p>
@@ -10203,7 +10288,7 @@
           <a:p>
             <a:fld id="{218291B2-557C-0D44-A285-A91C3B6367DF}" type="datetime1">
               <a:rPr lang="en-US" smtClean="0"/>
-              <a:t>4/10/2017</a:t>
+              <a:t>4/11/2017</a:t>
             </a:fld>
             <a:endParaRPr lang="en-GB"/>
           </a:p>
@@ -11662,7 +11747,7 @@
             </a:pPr>
             <a:r>
               <a:rPr lang="en-US" sz="1800" dirty="0"/>
-              <a:t>Windows Platform Engineer @ Ticketmaster</a:t>
+              <a:t>Sr. Windows Platform Engineer @ Ticketmaster</a:t>
             </a:r>
           </a:p>
           <a:p>
@@ -11709,7 +11794,7 @@
           <p:nvPr/>
         </p:nvPicPr>
         <p:blipFill>
-          <a:blip r:embed="rId2"/>
+          <a:blip r:embed="rId3"/>
           <a:stretch>
             <a:fillRect/>
           </a:stretch>
@@ -14071,235 +14156,6 @@
       </p:cxnSp>
       <p:sp>
         <p:nvSpPr>
-          <p:cNvPr id="7" name="Content Placeholder 6"/>
-          <p:cNvSpPr>
-            <a:spLocks noGrp="1"/>
-          </p:cNvSpPr>
-          <p:nvPr>
-            <p:ph sz="quarter" idx="17"/>
-          </p:nvPr>
-        </p:nvSpPr>
-        <p:spPr>
-          <a:xfrm>
-            <a:off x="1171245" y="4671579"/>
-            <a:ext cx="3249109" cy="284938"/>
-          </a:xfrm>
-        </p:spPr>
-        <p:txBody>
-          <a:bodyPr>
-            <a:normAutofit/>
-          </a:bodyPr>
-          <a:lstStyle/>
-          <a:p>
-            <a:pPr marL="285750" indent="-285750">
-              <a:buFont typeface="Arial" panose="020B0604020202020204" pitchFamily="34" charset="0"/>
-              <a:buChar char="•"/>
-            </a:pPr>
-            <a:r>
-              <a:rPr lang="en-US" dirty="0"/>
-              <a:t>https://github.com/toenuff/</a:t>
-            </a:r>
-            <a:r>
-              <a:rPr lang="en-US" b="1" dirty="0"/>
-              <a:t>flancy</a:t>
-            </a:r>
-          </a:p>
-        </p:txBody>
-      </p:sp>
-      <p:sp>
-        <p:nvSpPr>
-          <p:cNvPr id="11" name="Content Placeholder 6"/>
-          <p:cNvSpPr txBox="1">
-            <a:spLocks/>
-          </p:cNvSpPr>
-          <p:nvPr/>
-        </p:nvSpPr>
-        <p:spPr>
-          <a:xfrm>
-            <a:off x="4676021" y="4671580"/>
-            <a:ext cx="3249109" cy="284937"/>
-          </a:xfrm>
-          <a:prstGeom prst="rect">
-            <a:avLst/>
-          </a:prstGeom>
-        </p:spPr>
-        <p:txBody>
-          <a:bodyPr vert="horz" lIns="0" tIns="0" rIns="0" bIns="0" rtlCol="0">
-            <a:normAutofit/>
-          </a:bodyPr>
-          <a:lstStyle>
-            <a:lvl1pPr marL="0" indent="0" algn="l" defTabSz="424406" rtl="0" eaLnBrk="1" latinLnBrk="0" hangingPunct="1">
-              <a:lnSpc>
-                <a:spcPct val="90000"/>
-              </a:lnSpc>
-              <a:spcBef>
-                <a:spcPts val="1500"/>
-              </a:spcBef>
-              <a:buFontTx/>
-              <a:buNone/>
-              <a:defRPr sz="1300" b="0" i="0" kern="1200" spc="0">
-                <a:solidFill>
-                  <a:srgbClr val="7A7A7A"/>
-                </a:solidFill>
-                <a:latin typeface="TM Sans"/>
-                <a:ea typeface="+mn-ea"/>
-                <a:cs typeface="TM Sans"/>
-              </a:defRPr>
-            </a:lvl1pPr>
-            <a:lvl2pPr marL="143968" indent="-143968" algn="l" defTabSz="424406" rtl="0" eaLnBrk="1" latinLnBrk="0" hangingPunct="1">
-              <a:lnSpc>
-                <a:spcPct val="90000"/>
-              </a:lnSpc>
-              <a:spcBef>
-                <a:spcPts val="1500"/>
-              </a:spcBef>
-              <a:buClr>
-                <a:srgbClr val="D0006F"/>
-              </a:buClr>
-              <a:buFont typeface="Wingdings" charset="2"/>
-              <a:buChar char="§"/>
-              <a:defRPr sz="1300" b="0" i="0" kern="1200" spc="0">
-                <a:solidFill>
-                  <a:srgbClr val="7A7A7A"/>
-                </a:solidFill>
-                <a:latin typeface="TM Sans"/>
-                <a:ea typeface="+mn-ea"/>
-                <a:cs typeface="TM Sans"/>
-              </a:defRPr>
-            </a:lvl2pPr>
-            <a:lvl3pPr marL="359918" indent="-215951" algn="l" defTabSz="424406" rtl="0" eaLnBrk="1" latinLnBrk="0" hangingPunct="1">
-              <a:lnSpc>
-                <a:spcPct val="90000"/>
-              </a:lnSpc>
-              <a:spcBef>
-                <a:spcPts val="600"/>
-              </a:spcBef>
-              <a:buFont typeface="Lucida Grande"/>
-              <a:buChar char="−"/>
-              <a:defRPr sz="1300" b="0" i="0" kern="1200" spc="0">
-                <a:solidFill>
-                  <a:srgbClr val="7A7A7A"/>
-                </a:solidFill>
-                <a:latin typeface="TM Sans"/>
-                <a:ea typeface="+mn-ea"/>
-                <a:cs typeface="TM Sans"/>
-              </a:defRPr>
-            </a:lvl3pPr>
-            <a:lvl4pPr marL="359918" indent="-215951" algn="l" defTabSz="424406" rtl="0" eaLnBrk="1" latinLnBrk="0" hangingPunct="1">
-              <a:lnSpc>
-                <a:spcPct val="90000"/>
-              </a:lnSpc>
-              <a:spcBef>
-                <a:spcPts val="600"/>
-              </a:spcBef>
-              <a:buFont typeface="Lucida Grande"/>
-              <a:buChar char="−"/>
-              <a:defRPr sz="1300" b="0" i="0" kern="1200" spc="0">
-                <a:solidFill>
-                  <a:srgbClr val="7A7A7A"/>
-                </a:solidFill>
-                <a:latin typeface="TM Sans"/>
-                <a:ea typeface="+mn-ea"/>
-                <a:cs typeface="TM Sans"/>
-              </a:defRPr>
-            </a:lvl4pPr>
-            <a:lvl5pPr marL="359918" indent="-215951" algn="l" defTabSz="424406" rtl="0" eaLnBrk="1" latinLnBrk="0" hangingPunct="1">
-              <a:lnSpc>
-                <a:spcPct val="90000"/>
-              </a:lnSpc>
-              <a:spcBef>
-                <a:spcPts val="600"/>
-              </a:spcBef>
-              <a:buFont typeface="Lucida Grande"/>
-              <a:buChar char="−"/>
-              <a:defRPr sz="1300" b="0" i="0" kern="1200" spc="0">
-                <a:solidFill>
-                  <a:srgbClr val="7A7A7A"/>
-                </a:solidFill>
-                <a:latin typeface="TM Sans"/>
-                <a:ea typeface="+mn-ea"/>
-                <a:cs typeface="TM Sans"/>
-              </a:defRPr>
-            </a:lvl5pPr>
-            <a:lvl6pPr marL="2334228" indent="-212203" algn="l" defTabSz="424406" rtl="0" eaLnBrk="1" latinLnBrk="0" hangingPunct="1">
-              <a:spcBef>
-                <a:spcPct val="20000"/>
-              </a:spcBef>
-              <a:buFont typeface="Arial"/>
-              <a:buChar char="•"/>
-              <a:defRPr sz="1900" kern="1200">
-                <a:solidFill>
-                  <a:schemeClr val="tx1"/>
-                </a:solidFill>
-                <a:latin typeface="+mn-lt"/>
-                <a:ea typeface="+mn-ea"/>
-                <a:cs typeface="+mn-cs"/>
-              </a:defRPr>
-            </a:lvl6pPr>
-            <a:lvl7pPr marL="2758634" indent="-212203" algn="l" defTabSz="424406" rtl="0" eaLnBrk="1" latinLnBrk="0" hangingPunct="1">
-              <a:spcBef>
-                <a:spcPct val="20000"/>
-              </a:spcBef>
-              <a:buFont typeface="Arial"/>
-              <a:buChar char="•"/>
-              <a:defRPr sz="1900" kern="1200">
-                <a:solidFill>
-                  <a:schemeClr val="tx1"/>
-                </a:solidFill>
-                <a:latin typeface="+mn-lt"/>
-                <a:ea typeface="+mn-ea"/>
-                <a:cs typeface="+mn-cs"/>
-              </a:defRPr>
-            </a:lvl7pPr>
-            <a:lvl8pPr marL="3183040" indent="-212203" algn="l" defTabSz="424406" rtl="0" eaLnBrk="1" latinLnBrk="0" hangingPunct="1">
-              <a:spcBef>
-                <a:spcPct val="20000"/>
-              </a:spcBef>
-              <a:buFont typeface="Arial"/>
-              <a:buChar char="•"/>
-              <a:defRPr sz="1900" kern="1200">
-                <a:solidFill>
-                  <a:schemeClr val="tx1"/>
-                </a:solidFill>
-                <a:latin typeface="+mn-lt"/>
-                <a:ea typeface="+mn-ea"/>
-                <a:cs typeface="+mn-cs"/>
-              </a:defRPr>
-            </a:lvl8pPr>
-            <a:lvl9pPr marL="3607445" indent="-212203" algn="l" defTabSz="424406" rtl="0" eaLnBrk="1" latinLnBrk="0" hangingPunct="1">
-              <a:spcBef>
-                <a:spcPct val="20000"/>
-              </a:spcBef>
-              <a:buFont typeface="Arial"/>
-              <a:buChar char="•"/>
-              <a:defRPr sz="1900" kern="1200">
-                <a:solidFill>
-                  <a:schemeClr val="tx1"/>
-                </a:solidFill>
-                <a:latin typeface="+mn-lt"/>
-                <a:ea typeface="+mn-ea"/>
-                <a:cs typeface="+mn-cs"/>
-              </a:defRPr>
-            </a:lvl9pPr>
-          </a:lstStyle>
-          <a:p>
-            <a:pPr marL="285750" indent="-285750" algn="r">
-              <a:buFont typeface="Arial" panose="020B0604020202020204" pitchFamily="34" charset="0"/>
-              <a:buChar char="•"/>
-            </a:pPr>
-            <a:r>
-              <a:rPr lang="en-US" dirty="0"/>
-              <a:t>https://github.com/Jaykul/</a:t>
-            </a:r>
-            <a:r>
-              <a:rPr lang="en-US" b="1" dirty="0"/>
-              <a:t>NancyPS</a:t>
-            </a:r>
-          </a:p>
-        </p:txBody>
-      </p:sp>
-      <p:sp>
-        <p:nvSpPr>
           <p:cNvPr id="14" name="TextBox 13"/>
           <p:cNvSpPr txBox="1"/>
           <p:nvPr/>
@@ -20176,7 +20032,7 @@
         <p:spPr>
           <a:xfrm>
             <a:off x="225530" y="837006"/>
-            <a:ext cx="8329844" cy="3416320"/>
+            <a:ext cx="7662354" cy="3785652"/>
           </a:xfrm>
           <a:prstGeom prst="rect">
             <a:avLst/>
@@ -20469,7 +20325,18 @@
                 </a:solidFill>
                 <a:latin typeface="Fira Code" panose="020B0509050000020004" pitchFamily="49" charset="0"/>
               </a:rPr>
-              <a:t> -</a:t>
+              <a:t> `</a:t>
+            </a:r>
+          </a:p>
+          <a:p>
+            <a:r>
+              <a:rPr lang="en-US" sz="1200" dirty="0">
+                <a:solidFill>
+                  <a:srgbClr val="D4D4D4"/>
+                </a:solidFill>
+                <a:latin typeface="Fira Code" panose="020B0509050000020004" pitchFamily="49" charset="0"/>
+              </a:rPr>
+              <a:t>		-</a:t>
             </a:r>
             <a:r>
               <a:rPr lang="en-US" sz="1200" dirty="0" err="1">
@@ -20844,7 +20711,18 @@
                 </a:solidFill>
                 <a:latin typeface="Fira Code" panose="020B0509050000020004" pitchFamily="49" charset="0"/>
               </a:rPr>
-              <a:t> -Times </a:t>
+              <a:t> 	</a:t>
+            </a:r>
+          </a:p>
+          <a:p>
+            <a:r>
+              <a:rPr lang="en-US" sz="1200" dirty="0">
+                <a:solidFill>
+                  <a:srgbClr val="D4D4D4"/>
+                </a:solidFill>
+                <a:latin typeface="Fira Code" panose="020B0509050000020004" pitchFamily="49" charset="0"/>
+              </a:rPr>
+              <a:t>				-Times </a:t>
             </a:r>
             <a:r>
               <a:rPr lang="en-US" sz="1200" dirty="0">
@@ -22953,30 +22831,6 @@
 </file>
 
 <file path=customXml/item1.xml><?xml version="1.0" encoding="utf-8"?>
-<?mso-contentType ?>
-<FormTemplates xmlns="http://schemas.microsoft.com/sharepoint/v3/contenttype/forms">
-  <Display>DocumentLibraryForm</Display>
-  <Edit>DocumentLibraryForm</Edit>
-  <New>DocumentLibraryForm</New>
-</FormTemplates>
-</file>
-
-<file path=customXml/item2.xml><?xml version="1.0" encoding="utf-8"?>
-<p:properties xmlns:p="http://schemas.microsoft.com/office/2006/metadata/properties" xmlns:xsi="http://www.w3.org/2001/XMLSchema-instance" xmlns:pc="http://schemas.microsoft.com/office/infopath/2007/PartnerControls">
-  <documentManagement>
-    <Description0 xmlns="6eed6d30-21cb-4d2a-afd5-64247d3e7b92" xsi:nil="true"/>
-    <SharedWithUsers xmlns="3608d996-f921-4209-962b-af552f1375e0">
-      <UserInfo>
-        <DisplayName>Tonya Coldiron</DisplayName>
-        <AccountId>760</AccountId>
-        <AccountType/>
-      </UserInfo>
-    </SharedWithUsers>
-  </documentManagement>
-</p:properties>
-</file>
-
-<file path=customXml/item3.xml><?xml version="1.0" encoding="utf-8"?>
 <ct:contentTypeSchema xmlns:ct="http://schemas.microsoft.com/office/2006/metadata/contentType" xmlns:ma="http://schemas.microsoft.com/office/2006/metadata/properties/metaAttributes" ct:_="" ma:_="" ma:contentTypeName="Document" ma:contentTypeID="0x010100CB72CB62A2C7A84F8A09B310C9A494EA" ma:contentTypeVersion="3" ma:contentTypeDescription="Create a new document." ma:contentTypeScope="" ma:versionID="b4e75306b3d220e66d8bdfce9a72d9cb">
   <xsd:schema xmlns:xsd="http://www.w3.org/2001/XMLSchema" xmlns:xs="http://www.w3.org/2001/XMLSchema" xmlns:p="http://schemas.microsoft.com/office/2006/metadata/properties" xmlns:ns2="6eed6d30-21cb-4d2a-afd5-64247d3e7b92" xmlns:ns3="3608d996-f921-4209-962b-af552f1375e0" targetNamespace="http://schemas.microsoft.com/office/2006/metadata/properties" ma:root="true" ma:fieldsID="fa291b8313cb5ba9c7328f054605bda0" ns2:_="" ns3:_="">
     <xsd:import namespace="6eed6d30-21cb-4d2a-afd5-64247d3e7b92"/>
@@ -23137,10 +22991,45 @@
 </ct:contentTypeSchema>
 </file>
 
+<file path=customXml/item2.xml><?xml version="1.0" encoding="utf-8"?>
+<p:properties xmlns:p="http://schemas.microsoft.com/office/2006/metadata/properties" xmlns:xsi="http://www.w3.org/2001/XMLSchema-instance" xmlns:pc="http://schemas.microsoft.com/office/infopath/2007/PartnerControls">
+  <documentManagement>
+    <Description0 xmlns="6eed6d30-21cb-4d2a-afd5-64247d3e7b92" xsi:nil="true"/>
+    <SharedWithUsers xmlns="3608d996-f921-4209-962b-af552f1375e0">
+      <UserInfo>
+        <DisplayName>Tonya Coldiron</DisplayName>
+        <AccountId>760</AccountId>
+        <AccountType/>
+      </UserInfo>
+    </SharedWithUsers>
+  </documentManagement>
+</p:properties>
+</file>
+
+<file path=customXml/item3.xml><?xml version="1.0" encoding="utf-8"?>
+<?mso-contentType ?>
+<FormTemplates xmlns="http://schemas.microsoft.com/sharepoint/v3/contenttype/forms">
+  <Display>DocumentLibraryForm</Display>
+  <Edit>DocumentLibraryForm</Edit>
+  <New>DocumentLibraryForm</New>
+</FormTemplates>
+</file>
+
 <file path=customXml/itemProps1.xml><?xml version="1.0" encoding="utf-8"?>
-<ds:datastoreItem xmlns:ds="http://schemas.openxmlformats.org/officeDocument/2006/customXml" ds:itemID="{68C3422F-B7B4-474F-834A-53BF9C172DDC}">
+<ds:datastoreItem xmlns:ds="http://schemas.openxmlformats.org/officeDocument/2006/customXml" ds:itemID="{9D896509-6A47-4130-BB9D-1890AB9F6845}">
   <ds:schemaRefs>
-    <ds:schemaRef ds:uri="http://schemas.microsoft.com/sharepoint/v3/contenttype/forms"/>
+    <ds:schemaRef ds:uri="http://schemas.microsoft.com/office/2006/metadata/contentType"/>
+    <ds:schemaRef ds:uri="http://schemas.microsoft.com/office/2006/metadata/properties/metaAttributes"/>
+    <ds:schemaRef ds:uri="http://www.w3.org/2001/XMLSchema"/>
+    <ds:schemaRef ds:uri="http://schemas.microsoft.com/office/2006/metadata/properties"/>
+    <ds:schemaRef ds:uri="6eed6d30-21cb-4d2a-afd5-64247d3e7b92"/>
+    <ds:schemaRef ds:uri="3608d996-f921-4209-962b-af552f1375e0"/>
+    <ds:schemaRef ds:uri="http://schemas.microsoft.com/office/2006/documentManagement/types"/>
+    <ds:schemaRef ds:uri="http://schemas.microsoft.com/office/infopath/2007/PartnerControls"/>
+    <ds:schemaRef ds:uri="http://schemas.openxmlformats.org/package/2006/metadata/core-properties"/>
+    <ds:schemaRef ds:uri="http://purl.org/dc/elements/1.1/"/>
+    <ds:schemaRef ds:uri="http://purl.org/dc/terms/"/>
+    <ds:schemaRef ds:uri="http://schemas.microsoft.com/internal/obd"/>
   </ds:schemaRefs>
 </ds:datastoreItem>
 </file>
@@ -23163,20 +23052,9 @@
 </file>
 
 <file path=customXml/itemProps3.xml><?xml version="1.0" encoding="utf-8"?>
-<ds:datastoreItem xmlns:ds="http://schemas.openxmlformats.org/officeDocument/2006/customXml" ds:itemID="{9D896509-6A47-4130-BB9D-1890AB9F6845}">
+<ds:datastoreItem xmlns:ds="http://schemas.openxmlformats.org/officeDocument/2006/customXml" ds:itemID="{68C3422F-B7B4-474F-834A-53BF9C172DDC}">
   <ds:schemaRefs>
-    <ds:schemaRef ds:uri="http://schemas.microsoft.com/office/2006/metadata/contentType"/>
-    <ds:schemaRef ds:uri="http://schemas.microsoft.com/office/2006/metadata/properties/metaAttributes"/>
-    <ds:schemaRef ds:uri="http://www.w3.org/2001/XMLSchema"/>
-    <ds:schemaRef ds:uri="http://schemas.microsoft.com/office/2006/metadata/properties"/>
-    <ds:schemaRef ds:uri="6eed6d30-21cb-4d2a-afd5-64247d3e7b92"/>
-    <ds:schemaRef ds:uri="3608d996-f921-4209-962b-af552f1375e0"/>
-    <ds:schemaRef ds:uri="http://schemas.microsoft.com/office/2006/documentManagement/types"/>
-    <ds:schemaRef ds:uri="http://schemas.microsoft.com/office/infopath/2007/PartnerControls"/>
-    <ds:schemaRef ds:uri="http://schemas.openxmlformats.org/package/2006/metadata/core-properties"/>
-    <ds:schemaRef ds:uri="http://purl.org/dc/elements/1.1/"/>
-    <ds:schemaRef ds:uri="http://purl.org/dc/terms/"/>
-    <ds:schemaRef ds:uri="http://schemas.microsoft.com/internal/obd"/>
+    <ds:schemaRef ds:uri="http://schemas.microsoft.com/sharepoint/v3/contenttype/forms"/>
   </ds:schemaRefs>
 </ds:datastoreItem>
 </file>
--- a/Summit2017_Mocking.pptx
+++ b/Summit2017_Mocking.pptx
@@ -725,7 +725,7 @@
           <a:bodyPr/>
           <a:lstStyle/>
           <a:p>
-            <a:endParaRPr lang="en-US"/>
+            <a:endParaRPr lang="en-US" dirty="0"/>
           </a:p>
         </p:txBody>
       </p:sp>
@@ -2205,7 +2205,7 @@
                 <a:ea typeface="+mn-ea"/>
                 <a:cs typeface="+mn-cs"/>
               </a:rPr>
-              <a:t>It so happened that Enzo Ferrari was looking to sell his company</a:t>
+              <a:t>It just so happened that Enzo Ferrari was struggling financially and looking to sell his company</a:t>
             </a:r>
           </a:p>
           <a:p>
@@ -2241,7 +2241,7 @@
                 <a:ea typeface="+mn-ea"/>
                 <a:cs typeface="+mn-cs"/>
               </a:rPr>
-              <a:t>Ferrari walked out when he found out that Ford refused to let him remain in control of the racing division</a:t>
+              <a:t>However, Ferrari walked out when he found out that Ford refused to let him remain in control of the racing division</a:t>
             </a:r>
           </a:p>
           <a:p>
@@ -2478,7 +2478,7 @@
                 <a:ea typeface="+mn-ea"/>
                 <a:cs typeface="+mn-cs"/>
               </a:rPr>
-              <a:t>After the 1965 season Ford built a dynamometer laboratory to automate the testing of the engines as closely to on-course conditions as possible .</a:t>
+              <a:t>After the 1965 season Ford built a dynamometer laboratory to automate the testing of the engines as closely to on-course conditions as possible</a:t>
             </a:r>
           </a:p>
           <a:p>
@@ -2725,7 +2725,7 @@
                 <a:ea typeface="+mn-ea"/>
                 <a:cs typeface="+mn-cs"/>
               </a:rPr>
-              <a:t>I want to start with some vocabulary</a:t>
+              <a:t>Mocking lets you test one unit of code without executing the entire program. Like testing just the engine and not the entire car.</a:t>
             </a:r>
           </a:p>
           <a:p>
@@ -2743,7 +2743,25 @@
                 <a:ea typeface="+mn-ea"/>
                 <a:cs typeface="+mn-cs"/>
               </a:rPr>
-              <a:t>The names aren’t super important. We tend to refer to everything as Mocking unless your title is QA Automation Engineer, but it’s helpful to understand the different patterns.</a:t>
+              <a:t>So, lets start with some vocabulary</a:t>
+            </a:r>
+          </a:p>
+          <a:p>
+            <a:pPr marL="171450" indent="-171450">
+              <a:buFont typeface="Arial" panose="020B0604020202020204" pitchFamily="34" charset="0"/>
+              <a:buChar char="•"/>
+            </a:pPr>
+            <a:r>
+              <a:rPr lang="en-US" sz="1000" b="0" i="0" kern="1200" dirty="0">
+                <a:solidFill>
+                  <a:schemeClr val="tx1"/>
+                </a:solidFill>
+                <a:effectLst/>
+                <a:latin typeface="+mn-lt"/>
+                <a:ea typeface="+mn-ea"/>
+                <a:cs typeface="+mn-cs"/>
+              </a:rPr>
+              <a:t>We tend to refer to everything as Mocking, but it’s helpful to understand the different patterns.</a:t>
             </a:r>
           </a:p>
           <a:p>
@@ -17499,12 +17517,9 @@
               <a:buChar char="•"/>
             </a:pPr>
             <a:r>
-              <a:rPr lang="en-US" dirty="0">
-                <a:hlinkClick r:id="rId3"/>
-              </a:rPr>
+              <a:rPr lang="en-US" dirty="0"/>
               <a:t>https://github.com/cdhunt/pssummit2017-mocking</a:t>
             </a:r>
-            <a:endParaRPr lang="en-US" dirty="0"/>
           </a:p>
           <a:p>
             <a:pPr marL="429718" lvl="1" indent="-285750">
@@ -18501,7 +18516,7 @@
         </p:nvSpPr>
         <p:spPr>
           <a:xfrm>
-            <a:off x="273050" y="961711"/>
+            <a:off x="273050" y="807810"/>
             <a:ext cx="8550275" cy="320440"/>
           </a:xfrm>
         </p:spPr>
@@ -18804,7 +18819,7 @@
         </p:blipFill>
         <p:spPr>
           <a:xfrm>
-            <a:off x="1811749" y="1282151"/>
+            <a:off x="1811749" y="1155409"/>
             <a:ext cx="5490080" cy="3660053"/>
           </a:xfrm>
           <a:prstGeom prst="rect">
@@ -18887,7 +18902,7 @@
         </p:nvSpPr>
         <p:spPr>
           <a:xfrm>
-            <a:off x="273050" y="961711"/>
+            <a:off x="273050" y="834969"/>
             <a:ext cx="8550275" cy="320440"/>
           </a:xfrm>
         </p:spPr>
@@ -19170,7 +19185,7 @@
         </p:nvSpPr>
         <p:spPr>
           <a:xfrm>
-            <a:off x="5445997" y="528495"/>
+            <a:off x="5445997" y="490787"/>
             <a:ext cx="730102" cy="354419"/>
           </a:xfrm>
           <a:prstGeom prst="downArrow">
@@ -19253,7 +19268,7 @@
         </p:blipFill>
         <p:spPr>
           <a:xfrm>
-            <a:off x="2045835" y="1478975"/>
+            <a:off x="2045835" y="1279801"/>
             <a:ext cx="5004703" cy="3449081"/>
           </a:xfrm>
           <a:prstGeom prst="rect">
@@ -19614,7 +19629,7 @@
         </p:blipFill>
         <p:spPr>
           <a:xfrm>
-            <a:off x="2045835" y="1554482"/>
+            <a:off x="2045835" y="1394262"/>
             <a:ext cx="5004703" cy="3088616"/>
           </a:xfrm>
           <a:prstGeom prst="rect">
@@ -20031,7 +20046,7 @@
         </p:nvSpPr>
         <p:spPr>
           <a:xfrm>
-            <a:off x="225530" y="837006"/>
+            <a:off x="717011" y="841093"/>
             <a:ext cx="7662354" cy="3785652"/>
           </a:xfrm>
           <a:prstGeom prst="rect">

--- a/Summit2017_Mocking.pptx
+++ b/Summit2017_Mocking.pptx
@@ -11706,7 +11706,12 @@
             <p:ph type="ctrTitle"/>
           </p:nvPr>
         </p:nvSpPr>
-        <p:spPr/>
+        <p:spPr>
+          <a:xfrm>
+            <a:off x="1054885" y="1369767"/>
+            <a:ext cx="6147193" cy="1234727"/>
+          </a:xfrm>
+        </p:spPr>
         <p:txBody>
           <a:bodyPr/>
           <a:lstStyle/>

--- a/Summit2017_Mocking.pptx
+++ b/Summit2017_Mocking.pptx
@@ -2087,7 +2087,7 @@
             </a:pPr>
             <a:r>
               <a:rPr lang="en-US" dirty="0"/>
-              <a:t>This is a sample of some of the technologies the Windows Platform Engineering team works with regularly</a:t>
+              <a:t>This is a sample of some of the technologies the Windows Platform team works with regularly</a:t>
             </a:r>
           </a:p>
         </p:txBody>
@@ -2380,6 +2380,45 @@
               </a:rPr>
               <a:t>In 1965, two GT40's were entered and both failed to finish and a Ferrari won again.</a:t>
             </a:r>
+          </a:p>
+          <a:p>
+            <a:pPr marL="171450" indent="-171450">
+              <a:buFont typeface="Arial" panose="020B0604020202020204" pitchFamily="34" charset="0"/>
+              <a:buChar char="•"/>
+            </a:pPr>
+            <a:r>
+              <a:rPr lang="en-US" sz="1000" b="0" i="0" kern="1200" dirty="0">
+                <a:solidFill>
+                  <a:schemeClr val="tx1"/>
+                </a:solidFill>
+                <a:effectLst/>
+                <a:latin typeface="+mn-lt"/>
+                <a:ea typeface="+mn-ea"/>
+                <a:cs typeface="+mn-cs"/>
+              </a:rPr>
+              <a:t>They had a known issue </a:t>
+            </a:r>
+            <a:r>
+              <a:rPr lang="en-US" sz="1000" b="0" i="0" kern="1200">
+                <a:solidFill>
+                  <a:schemeClr val="tx1"/>
+                </a:solidFill>
+                <a:effectLst/>
+                <a:latin typeface="+mn-lt"/>
+                <a:ea typeface="+mn-ea"/>
+                <a:cs typeface="+mn-cs"/>
+              </a:rPr>
+              <a:t>with overheating</a:t>
+            </a:r>
+            <a:endParaRPr lang="en-US" sz="1000" b="0" i="0" kern="1200" dirty="0">
+              <a:solidFill>
+                <a:schemeClr val="tx1"/>
+              </a:solidFill>
+              <a:effectLst/>
+              <a:latin typeface="+mn-lt"/>
+              <a:ea typeface="+mn-ea"/>
+              <a:cs typeface="+mn-cs"/>
+            </a:endParaRPr>
           </a:p>
         </p:txBody>
       </p:sp>

--- a/Summit2017_Mocking.pptx
+++ b/Summit2017_Mocking.pptx
@@ -826,7 +826,7 @@
             </a:pPr>
             <a:r>
               <a:rPr lang="en-US" dirty="0"/>
-              <a:t>You can quickly generate stubs </a:t>
+              <a:t>You can quickly generate stubs for an entire module so you can run your test automation on a system where the module might not be installed, like a build server.</a:t>
             </a:r>
           </a:p>
         </p:txBody>
@@ -918,7 +918,7 @@
             </a:pPr>
             <a:r>
               <a:rPr lang="en-US" dirty="0"/>
-              <a:t>The “fun” of Mocking in PowerShell is there are so many ways to execute commands</a:t>
+              <a:t>That’s pretty much where Mocking in Pester ends.</a:t>
             </a:r>
           </a:p>
           <a:p>
@@ -928,7 +928,7 @@
             </a:pPr>
             <a:r>
               <a:rPr lang="en-US" dirty="0"/>
-              <a:t>The Mock command in Pester only works with functions</a:t>
+              <a:t>The “fun” of PowerShell is there are so many ways to execute commands</a:t>
             </a:r>
           </a:p>
           <a:p>
@@ -938,7 +938,7 @@
             </a:pPr>
             <a:r>
               <a:rPr lang="en-US" dirty="0"/>
-              <a:t>However, the very flexibility that makes testing in PowerShell a challenge makes it easy to Mock almost any call</a:t>
+              <a:t>However, the very flexibility that makes testing in PowerShell a bit challenge also makes it easy to Stub almost any call</a:t>
             </a:r>
           </a:p>
           <a:p>
@@ -2360,7 +2360,7 @@
                 <a:ea typeface="+mn-ea"/>
                 <a:cs typeface="+mn-cs"/>
               </a:rPr>
-              <a:t>In 1964, Despite setting a lap record, all three GT40s failed to finish and a Ferrari won the race.</a:t>
+              <a:t>In 1964 three GT40’s were entered and despite setting a lap record, all three failed to finish and a Ferrari won the race.</a:t>
             </a:r>
           </a:p>
           <a:p>
@@ -2396,29 +2396,8 @@
                 <a:ea typeface="+mn-ea"/>
                 <a:cs typeface="+mn-cs"/>
               </a:rPr>
-              <a:t>They had a known issue </a:t>
-            </a:r>
-            <a:r>
-              <a:rPr lang="en-US" sz="1000" b="0" i="0" kern="1200">
-                <a:solidFill>
-                  <a:schemeClr val="tx1"/>
-                </a:solidFill>
-                <a:effectLst/>
-                <a:latin typeface="+mn-lt"/>
-                <a:ea typeface="+mn-ea"/>
-                <a:cs typeface="+mn-cs"/>
-              </a:rPr>
-              <a:t>with overheating</a:t>
-            </a:r>
-            <a:endParaRPr lang="en-US" sz="1000" b="0" i="0" kern="1200" dirty="0">
-              <a:solidFill>
-                <a:schemeClr val="tx1"/>
-              </a:solidFill>
-              <a:effectLst/>
-              <a:latin typeface="+mn-lt"/>
-              <a:ea typeface="+mn-ea"/>
-              <a:cs typeface="+mn-cs"/>
-            </a:endParaRPr>
+              <a:t>They had a known issue with overheating</a:t>
+            </a:r>
           </a:p>
         </p:txBody>
       </p:sp>
@@ -2960,7 +2939,15 @@
             </a:pPr>
             <a:r>
               <a:rPr lang="en-US" dirty="0"/>
-              <a:t>I have two Mock statements with different specifications</a:t>
+              <a:t>I have a Mock statement with a defined </a:t>
+            </a:r>
+            <a:r>
+              <a:rPr lang="en-US" dirty="0" err="1"/>
+              <a:t>ParameterFilter</a:t>
+            </a:r>
+            <a:r>
+              <a:rPr lang="en-US" dirty="0"/>
+              <a:t>. This is the defined specification we are expecting.</a:t>
             </a:r>
           </a:p>
           <a:p>
@@ -2970,7 +2957,7 @@
             </a:pPr>
             <a:r>
               <a:rPr lang="en-US" dirty="0"/>
-              <a:t>You see that there are no Should assertions and both Mocks just return $null. We’re verify the functionality entirely based on the calls made</a:t>
+              <a:t>You see that there are no Should assertions and the Mock just return $null. We’re verify the functionality entirely based on the calls made</a:t>
             </a:r>
           </a:p>
         </p:txBody>
@@ -3076,7 +3063,10 @@
               <a:rPr lang="en-US" dirty="0" err="1"/>
               <a:t>ChildItem</a:t>
             </a:r>
-            <a:endParaRPr lang="en-US" dirty="0"/>
+            <a:r>
+              <a:rPr lang="en-US" dirty="0"/>
+              <a:t>. </a:t>
+            </a:r>
           </a:p>
           <a:p>
             <a:pPr marL="171450" indent="-171450">
@@ -3103,15 +3093,15 @@
             </a:pPr>
             <a:r>
               <a:rPr lang="en-US" dirty="0"/>
-              <a:t>I want to remove Get-</a:t>
+              <a:t>The </a:t>
             </a:r>
             <a:r>
               <a:rPr lang="en-US" dirty="0" err="1"/>
-              <a:t>ChildItem</a:t>
+              <a:t>StubMe</a:t>
             </a:r>
             <a:r>
               <a:rPr lang="en-US" dirty="0"/>
-              <a:t> as a variable in my test</a:t>
+              <a:t> gets some data and manipulates it so I want to verify the results not just the behavior</a:t>
             </a:r>
           </a:p>
           <a:p>
